--- a/Functional Design Patterns for OO Practitioners.pptx
+++ b/Functional Design Patterns for OO Practitioners.pptx
@@ -5,10 +5,10 @@
     <p:sldMasterId id="2147483648" r:id="rId1"/>
   </p:sldMasterIdLst>
   <p:notesMasterIdLst>
-    <p:notesMasterId r:id="rId21"/>
+    <p:notesMasterId r:id="rId26"/>
   </p:notesMasterIdLst>
   <p:handoutMasterIdLst>
-    <p:handoutMasterId r:id="rId22"/>
+    <p:handoutMasterId r:id="rId27"/>
   </p:handoutMasterIdLst>
   <p:sldIdLst>
     <p:sldId id="256" r:id="rId2"/>
@@ -19,33 +19,38 @@
     <p:sldId id="271" r:id="rId7"/>
     <p:sldId id="272" r:id="rId8"/>
     <p:sldId id="273" r:id="rId9"/>
-    <p:sldId id="274" r:id="rId10"/>
-    <p:sldId id="266" r:id="rId11"/>
-    <p:sldId id="257" r:id="rId12"/>
-    <p:sldId id="264" r:id="rId13"/>
-    <p:sldId id="258" r:id="rId14"/>
-    <p:sldId id="259" r:id="rId15"/>
-    <p:sldId id="263" r:id="rId16"/>
-    <p:sldId id="260" r:id="rId17"/>
-    <p:sldId id="261" r:id="rId18"/>
+    <p:sldId id="281" r:id="rId10"/>
+    <p:sldId id="274" r:id="rId11"/>
+    <p:sldId id="266" r:id="rId12"/>
+    <p:sldId id="257" r:id="rId13"/>
+    <p:sldId id="264" r:id="rId14"/>
+    <p:sldId id="258" r:id="rId15"/>
+    <p:sldId id="279" r:id="rId16"/>
+    <p:sldId id="280" r:id="rId17"/>
+    <p:sldId id="259" r:id="rId18"/>
     <p:sldId id="262" r:id="rId19"/>
-    <p:sldId id="275" r:id="rId20"/>
+    <p:sldId id="282" r:id="rId20"/>
+    <p:sldId id="283" r:id="rId21"/>
+    <p:sldId id="261" r:id="rId22"/>
+    <p:sldId id="284" r:id="rId23"/>
+    <p:sldId id="276" r:id="rId24"/>
+    <p:sldId id="275" r:id="rId25"/>
   </p:sldIdLst>
   <p:sldSz cx="12192000" cy="6858000"/>
   <p:notesSz cx="6858000" cy="9144000"/>
   <p:embeddedFontLst>
     <p:embeddedFont>
       <p:font typeface="Cambria Math" panose="02040503050406030204" pitchFamily="18" charset="0"/>
-      <p:regular r:id="rId23"/>
+      <p:regular r:id="rId28"/>
     </p:embeddedFont>
     <p:embeddedFont>
       <p:font typeface="AA Zuehlke" panose="02000503060000020004" pitchFamily="2" charset="0"/>
-      <p:regular r:id="rId24"/>
-      <p:italic r:id="rId25"/>
+      <p:regular r:id="rId29"/>
+      <p:italic r:id="rId30"/>
     </p:embeddedFont>
   </p:embeddedFontLst>
   <p:custDataLst>
-    <p:tags r:id="rId26"/>
+    <p:tags r:id="rId31"/>
   </p:custDataLst>
   <p:defaultTextStyle>
     <a:defPPr>
@@ -286,7 +291,7 @@
               <a:rPr lang="de-DE" smtClean="0">
                 <a:latin typeface="AA Zuehlke" pitchFamily="2" charset="0"/>
               </a:rPr>
-              <a:t>14.09.2015</a:t>
+              <a:t>15.09.2015</a:t>
             </a:fld>
             <a:endParaRPr lang="de-DE">
               <a:latin typeface="AA Zuehlke" pitchFamily="2" charset="0"/>
@@ -464,7 +469,7 @@
             <a:fld id="{A6966AE6-B72D-4967-9CA3-8469D2863705}" type="datetimeFigureOut">
               <a:rPr lang="en-US" smtClean="0"/>
               <a:pPr/>
-              <a:t>9/14/2015</a:t>
+              <a:t>9/15/2015</a:t>
             </a:fld>
             <a:endParaRPr lang="en-US" dirty="0"/>
           </a:p>
@@ -5402,77 +5407,295 @@
           <a:bodyPr/>
           <a:lstStyle/>
           <a:p>
+            <a:pPr marL="342900" indent="-342900">
+              <a:buFont typeface="Arial" panose="020B0604020202020204" pitchFamily="34" charset="0"/>
+              <a:buChar char="•"/>
+            </a:pPr>
+            <a:r>
+              <a:rPr lang="de-CH" dirty="0" err="1" smtClean="0"/>
+              <a:t>There</a:t>
+            </a:r>
+            <a:r>
+              <a:rPr lang="de-CH" dirty="0" smtClean="0"/>
+              <a:t> </a:t>
+            </a:r>
+            <a:r>
+              <a:rPr lang="de-CH" dirty="0" err="1" smtClean="0"/>
+              <a:t>is</a:t>
+            </a:r>
+            <a:r>
+              <a:rPr lang="de-CH" dirty="0" smtClean="0"/>
+              <a:t> </a:t>
+            </a:r>
+            <a:r>
+              <a:rPr lang="de-CH" dirty="0" err="1" smtClean="0"/>
+              <a:t>no</a:t>
+            </a:r>
+            <a:r>
+              <a:rPr lang="de-CH" dirty="0" smtClean="0"/>
+              <a:t> «Gang </a:t>
+            </a:r>
+            <a:r>
+              <a:rPr lang="de-CH" dirty="0" err="1" smtClean="0"/>
+              <a:t>of</a:t>
+            </a:r>
+            <a:r>
+              <a:rPr lang="de-CH" dirty="0" smtClean="0"/>
+              <a:t> 4» in </a:t>
+            </a:r>
+            <a:r>
+              <a:rPr lang="de-CH" dirty="0" err="1" smtClean="0"/>
+              <a:t>functional</a:t>
+            </a:r>
+            <a:r>
+              <a:rPr lang="de-CH" dirty="0" smtClean="0"/>
+              <a:t> </a:t>
+            </a:r>
+            <a:r>
+              <a:rPr lang="de-CH" dirty="0" err="1" smtClean="0"/>
+              <a:t>programming</a:t>
+            </a:r>
+            <a:r>
+              <a:rPr lang="de-CH" dirty="0" smtClean="0"/>
+              <a:t>.</a:t>
+            </a:r>
+            <a:endParaRPr lang="de-CH" dirty="0"/>
+          </a:p>
+          <a:p>
+            <a:pPr marL="342900" indent="-342900">
+              <a:buFont typeface="Arial" panose="020B0604020202020204" pitchFamily="34" charset="0"/>
+              <a:buChar char="•"/>
+            </a:pPr>
+            <a:r>
+              <a:rPr lang="de-CH" dirty="0" smtClean="0"/>
+              <a:t>«</a:t>
+            </a:r>
+            <a:r>
+              <a:rPr lang="de-CH" dirty="0" err="1"/>
+              <a:t>F</a:t>
+            </a:r>
+            <a:r>
+              <a:rPr lang="de-CH" dirty="0" err="1" smtClean="0"/>
+              <a:t>unctional</a:t>
+            </a:r>
+            <a:r>
+              <a:rPr lang="de-CH" dirty="0" smtClean="0"/>
+              <a:t> </a:t>
+            </a:r>
+            <a:r>
+              <a:rPr lang="de-CH" dirty="0" err="1" smtClean="0"/>
+              <a:t>patterns</a:t>
+            </a:r>
+            <a:r>
+              <a:rPr lang="de-CH" dirty="0" smtClean="0"/>
+              <a:t>» </a:t>
+            </a:r>
+            <a:r>
+              <a:rPr lang="de-CH" dirty="0" err="1" smtClean="0"/>
+              <a:t>is</a:t>
+            </a:r>
+            <a:r>
+              <a:rPr lang="de-CH" dirty="0" smtClean="0"/>
+              <a:t> a </a:t>
+            </a:r>
+            <a:r>
+              <a:rPr lang="de-CH" dirty="0" err="1" smtClean="0"/>
+              <a:t>less</a:t>
+            </a:r>
+            <a:r>
+              <a:rPr lang="de-CH" dirty="0" smtClean="0"/>
+              <a:t> </a:t>
+            </a:r>
+            <a:r>
+              <a:rPr lang="de-CH" dirty="0" err="1" smtClean="0"/>
+              <a:t>concise</a:t>
+            </a:r>
+            <a:r>
+              <a:rPr lang="de-CH" dirty="0" smtClean="0"/>
+              <a:t> </a:t>
+            </a:r>
+            <a:r>
+              <a:rPr lang="de-CH" dirty="0" err="1" smtClean="0"/>
+              <a:t>term</a:t>
+            </a:r>
+            <a:r>
+              <a:rPr lang="de-CH" dirty="0" smtClean="0"/>
+              <a:t>.</a:t>
+            </a:r>
+            <a:endParaRPr lang="de-CH" dirty="0" smtClean="0"/>
+          </a:p>
+          <a:p>
+            <a:pPr marL="342900" indent="-342900">
+              <a:buFont typeface="Arial" panose="020B0604020202020204" pitchFamily="34" charset="0"/>
+              <a:buChar char="•"/>
+            </a:pPr>
+            <a:r>
+              <a:rPr lang="de-CH" dirty="0" smtClean="0"/>
+              <a:t>Focus on </a:t>
+            </a:r>
+            <a:r>
+              <a:rPr lang="de-CH" dirty="0" err="1" smtClean="0"/>
+              <a:t>composition</a:t>
+            </a:r>
+            <a:r>
+              <a:rPr lang="de-CH" dirty="0" smtClean="0"/>
+              <a:t> </a:t>
+            </a:r>
+            <a:r>
+              <a:rPr lang="de-CH" dirty="0" err="1" smtClean="0"/>
+              <a:t>of</a:t>
+            </a:r>
+            <a:r>
+              <a:rPr lang="de-CH" dirty="0" smtClean="0"/>
+              <a:t> </a:t>
+            </a:r>
+            <a:r>
+              <a:rPr lang="de-CH" dirty="0" err="1" smtClean="0"/>
+              <a:t>functions</a:t>
+            </a:r>
+            <a:r>
+              <a:rPr lang="de-CH" dirty="0" smtClean="0"/>
+              <a:t> </a:t>
+            </a:r>
+            <a:r>
+              <a:rPr lang="de-CH" dirty="0" err="1" smtClean="0"/>
+              <a:t>rather</a:t>
+            </a:r>
+            <a:r>
+              <a:rPr lang="de-CH" dirty="0" smtClean="0"/>
+              <a:t> </a:t>
+            </a:r>
+            <a:r>
+              <a:rPr lang="de-CH" dirty="0" err="1" smtClean="0"/>
+              <a:t>than</a:t>
+            </a:r>
+            <a:r>
+              <a:rPr lang="de-CH" dirty="0" smtClean="0"/>
+              <a:t> </a:t>
+            </a:r>
+            <a:r>
+              <a:rPr lang="de-CH" dirty="0" err="1" smtClean="0"/>
+              <a:t>composition</a:t>
+            </a:r>
+            <a:r>
+              <a:rPr lang="de-CH" dirty="0" smtClean="0"/>
+              <a:t> </a:t>
+            </a:r>
+            <a:r>
+              <a:rPr lang="de-CH" dirty="0" err="1" smtClean="0"/>
+              <a:t>of</a:t>
+            </a:r>
+            <a:r>
+              <a:rPr lang="de-CH" dirty="0" smtClean="0"/>
+              <a:t> </a:t>
+            </a:r>
+            <a:r>
+              <a:rPr lang="de-CH" dirty="0" err="1" smtClean="0"/>
+              <a:t>objects</a:t>
+            </a:r>
+            <a:endParaRPr lang="de-CH" dirty="0" smtClean="0"/>
+          </a:p>
+          <a:p>
+            <a:pPr marL="342900" indent="-342900">
+              <a:buFont typeface="Arial" panose="020B0604020202020204" pitchFamily="34" charset="0"/>
+              <a:buChar char="•"/>
+            </a:pPr>
+            <a:r>
+              <a:rPr lang="de-CH" dirty="0" smtClean="0"/>
+              <a:t>More like </a:t>
+            </a:r>
+            <a:r>
+              <a:rPr lang="de-CH" dirty="0" err="1" smtClean="0"/>
+              <a:t>guidelines</a:t>
+            </a:r>
+            <a:r>
+              <a:rPr lang="de-CH" dirty="0" smtClean="0"/>
+              <a:t>, </a:t>
+            </a:r>
+            <a:r>
+              <a:rPr lang="de-CH" dirty="0" err="1" smtClean="0"/>
+              <a:t>ideas</a:t>
+            </a:r>
+            <a:r>
+              <a:rPr lang="de-CH" dirty="0" smtClean="0"/>
+              <a:t>, </a:t>
+            </a:r>
+            <a:r>
+              <a:rPr lang="de-CH" dirty="0" err="1" smtClean="0"/>
+              <a:t>recipes</a:t>
+            </a:r>
+            <a:endParaRPr lang="de-CH" dirty="0" smtClean="0"/>
+          </a:p>
+        </p:txBody>
+      </p:sp>
+      <p:sp>
+        <p:nvSpPr>
+          <p:cNvPr id="4" name="Date Placeholder 3"/>
+          <p:cNvSpPr>
+            <a:spLocks noGrp="1"/>
+          </p:cNvSpPr>
+          <p:nvPr>
+            <p:ph type="dt" sz="half" idx="10"/>
+          </p:nvPr>
+        </p:nvSpPr>
+        <p:spPr/>
+        <p:txBody>
+          <a:bodyPr/>
+          <a:lstStyle/>
+          <a:p>
+            <a:r>
+              <a:rPr lang="de-CH" smtClean="0"/>
+              <a:t>14. September 2015</a:t>
+            </a:r>
+            <a:endParaRPr lang="de-CH" dirty="0"/>
+          </a:p>
+        </p:txBody>
+      </p:sp>
+      <p:sp>
+        <p:nvSpPr>
+          <p:cNvPr id="5" name="Footer Placeholder 4"/>
+          <p:cNvSpPr>
+            <a:spLocks noGrp="1"/>
+          </p:cNvSpPr>
+          <p:nvPr>
+            <p:ph type="ftr" sz="quarter" idx="11"/>
+          </p:nvPr>
+        </p:nvSpPr>
+        <p:spPr/>
+        <p:txBody>
+          <a:bodyPr/>
+          <a:lstStyle/>
+          <a:p>
+            <a:r>
+              <a:rPr lang="en-US" smtClean="0"/>
+              <a:t>Functional Design Patterns for OO Practitioners</a:t>
+            </a:r>
+            <a:endParaRPr lang="de-CH" dirty="0"/>
+          </a:p>
+        </p:txBody>
+      </p:sp>
+      <p:sp>
+        <p:nvSpPr>
+          <p:cNvPr id="6" name="Text Placeholder 5"/>
+          <p:cNvSpPr>
+            <a:spLocks noGrp="1"/>
+          </p:cNvSpPr>
+          <p:nvPr>
+            <p:ph type="body" sz="quarter" idx="13"/>
+          </p:nvPr>
+        </p:nvSpPr>
+        <p:spPr/>
+        <p:txBody>
+          <a:bodyPr/>
+          <a:lstStyle/>
+          <a:p>
+            <a:r>
+              <a:rPr lang="en-US" dirty="0"/>
+              <a:t>Functional </a:t>
+            </a:r>
             <a:r>
               <a:rPr lang="en-US" dirty="0" smtClean="0"/>
-              <a:t>=&gt; Scala in 30 seconds</a:t>
-            </a:r>
-          </a:p>
-        </p:txBody>
-      </p:sp>
-      <p:sp>
-        <p:nvSpPr>
-          <p:cNvPr id="4" name="Date Placeholder 3"/>
-          <p:cNvSpPr>
-            <a:spLocks noGrp="1"/>
-          </p:cNvSpPr>
-          <p:nvPr>
-            <p:ph type="dt" sz="half" idx="10"/>
-          </p:nvPr>
-        </p:nvSpPr>
-        <p:spPr/>
-        <p:txBody>
-          <a:bodyPr/>
-          <a:lstStyle/>
-          <a:p>
-            <a:r>
-              <a:rPr lang="de-CH" dirty="0" smtClean="0"/>
-              <a:t>14. September 2015</a:t>
-            </a:r>
-            <a:endParaRPr lang="de-CH" dirty="0"/>
-          </a:p>
-        </p:txBody>
-      </p:sp>
-      <p:sp>
-        <p:nvSpPr>
-          <p:cNvPr id="5" name="Footer Placeholder 4"/>
-          <p:cNvSpPr>
-            <a:spLocks noGrp="1"/>
-          </p:cNvSpPr>
-          <p:nvPr>
-            <p:ph type="ftr" sz="quarter" idx="11"/>
-          </p:nvPr>
-        </p:nvSpPr>
-        <p:spPr/>
-        <p:txBody>
-          <a:bodyPr/>
-          <a:lstStyle/>
-          <a:p>
-            <a:r>
-              <a:rPr lang="en-US" dirty="0" smtClean="0"/>
-              <a:t>Functional Design Patterns for OO Practitioners</a:t>
-            </a:r>
-            <a:endParaRPr lang="de-CH" dirty="0"/>
-          </a:p>
-        </p:txBody>
-      </p:sp>
-      <p:sp>
-        <p:nvSpPr>
-          <p:cNvPr id="6" name="Text Placeholder 5"/>
-          <p:cNvSpPr>
-            <a:spLocks noGrp="1"/>
-          </p:cNvSpPr>
-          <p:nvPr>
-            <p:ph type="body" sz="quarter" idx="13"/>
-          </p:nvPr>
-        </p:nvSpPr>
-        <p:spPr/>
-        <p:txBody>
-          <a:bodyPr/>
-          <a:lstStyle/>
-          <a:p>
-            <a:r>
-              <a:rPr lang="en-US" dirty="0" smtClean="0"/>
-              <a:t>Syntax used in this presentation</a:t>
+              <a:t>patterns</a:t>
             </a:r>
             <a:endParaRPr lang="en-US" dirty="0"/>
           </a:p>
@@ -5481,7 +5704,7 @@
     </p:spTree>
     <p:extLst>
       <p:ext uri="{BB962C8B-B14F-4D97-AF65-F5344CB8AC3E}">
-        <p14:creationId xmlns:p14="http://schemas.microsoft.com/office/powerpoint/2010/main" val="960756509"/>
+        <p14:creationId xmlns:p14="http://schemas.microsoft.com/office/powerpoint/2010/main" val="137480872"/>
       </p:ext>
     </p:extLst>
   </p:cSld>
@@ -5525,7 +5748,7 @@
           <a:p>
             <a:r>
               <a:rPr lang="en-US" dirty="0" smtClean="0"/>
-              <a:t>Higher-Order Functions</a:t>
+              <a:t>Introduction</a:t>
             </a:r>
             <a:endParaRPr lang="en-US" dirty="0"/>
           </a:p>
@@ -5546,66 +5769,16 @@
           <a:bodyPr/>
           <a:lstStyle/>
           <a:p>
-            <a:pPr marL="342900" indent="-342900">
-              <a:buFont typeface="Arial" panose="020B0604020202020204" pitchFamily="34" charset="0"/>
-              <a:buChar char="•"/>
-            </a:pPr>
             <a:r>
               <a:rPr lang="en-US" dirty="0" smtClean="0"/>
-              <a:t>In OO: Like implementing a template method or passing a callback object</a:t>
-            </a:r>
-          </a:p>
-          <a:p>
-            <a:pPr marL="342900" indent="-342900">
-              <a:buFont typeface="Arial" panose="020B0604020202020204" pitchFamily="34" charset="0"/>
-              <a:buChar char="•"/>
-            </a:pPr>
-            <a:r>
-              <a:rPr lang="en-US" dirty="0" smtClean="0"/>
-              <a:t>Doesn’t this inevitably lead to a mess? Welcome to callback hell!</a:t>
-            </a:r>
-          </a:p>
-          <a:p>
-            <a:pPr marL="342900" indent="-342900">
-              <a:buFont typeface="Wingdings" panose="05000000000000000000" pitchFamily="2" charset="2"/>
-              <a:buChar char="Ø"/>
-            </a:pPr>
-            <a:endParaRPr lang="en-US" dirty="0" smtClean="0"/>
-          </a:p>
-          <a:p>
-            <a:pPr marL="342900" indent="-342900">
-              <a:buFont typeface="Wingdings" panose="05000000000000000000" pitchFamily="2" charset="2"/>
-              <a:buChar char="Ø"/>
-            </a:pPr>
-            <a:r>
-              <a:rPr lang="en-US" dirty="0" smtClean="0"/>
-              <a:t>Avoid it by using well-known patterns: generic h-o functions which do useful stuff with a lot of types.</a:t>
-            </a:r>
-          </a:p>
-          <a:p>
-            <a:pPr marL="342900" indent="-342900">
-              <a:buFont typeface="Wingdings" panose="05000000000000000000" pitchFamily="2" charset="2"/>
-              <a:buChar char="Ø"/>
-            </a:pPr>
-            <a:r>
-              <a:rPr lang="en-US" dirty="0" smtClean="0"/>
-              <a:t>Use </a:t>
-            </a:r>
-            <a:r>
-              <a:rPr lang="en-US" dirty="0" smtClean="0"/>
-              <a:t>pure (side-effect free) </a:t>
-            </a:r>
-            <a:r>
-              <a:rPr lang="en-US" dirty="0" smtClean="0"/>
-              <a:t>functions</a:t>
-            </a:r>
-            <a:endParaRPr lang="en-US" dirty="0"/>
-          </a:p>
-        </p:txBody>
-      </p:sp>
-      <p:sp>
-        <p:nvSpPr>
-          <p:cNvPr id="9" name="Date Placeholder 8"/>
+              <a:t>=&gt; Scala in 30 seconds</a:t>
+            </a:r>
+          </a:p>
+        </p:txBody>
+      </p:sp>
+      <p:sp>
+        <p:nvSpPr>
+          <p:cNvPr id="4" name="Date Placeholder 3"/>
           <p:cNvSpPr>
             <a:spLocks noGrp="1"/>
           </p:cNvSpPr>
@@ -5619,16 +5792,16 @@
           <a:lstStyle/>
           <a:p>
             <a:r>
-              <a:rPr lang="en-US" dirty="0" smtClean="0"/>
+              <a:rPr lang="de-CH" dirty="0" smtClean="0"/>
               <a:t>14. September 2015</a:t>
             </a:r>
-            <a:endParaRPr lang="en-US" dirty="0"/>
-          </a:p>
-        </p:txBody>
-      </p:sp>
-      <p:sp>
-        <p:nvSpPr>
-          <p:cNvPr id="8" name="Footer Placeholder 7"/>
+            <a:endParaRPr lang="de-CH" dirty="0"/>
+          </a:p>
+        </p:txBody>
+      </p:sp>
+      <p:sp>
+        <p:nvSpPr>
+          <p:cNvPr id="5" name="Footer Placeholder 4"/>
           <p:cNvSpPr>
             <a:spLocks noGrp="1"/>
           </p:cNvSpPr>
@@ -5645,13 +5818,13 @@
               <a:rPr lang="en-US" dirty="0" smtClean="0"/>
               <a:t>Functional Design Patterns for OO Practitioners</a:t>
             </a:r>
-            <a:endParaRPr lang="en-US" dirty="0"/>
-          </a:p>
-        </p:txBody>
-      </p:sp>
-      <p:sp>
-        <p:nvSpPr>
-          <p:cNvPr id="12" name="Text Placeholder 11"/>
+            <a:endParaRPr lang="de-CH" dirty="0"/>
+          </a:p>
+        </p:txBody>
+      </p:sp>
+      <p:sp>
+        <p:nvSpPr>
+          <p:cNvPr id="6" name="Text Placeholder 5"/>
           <p:cNvSpPr>
             <a:spLocks noGrp="1"/>
           </p:cNvSpPr>
@@ -5666,7 +5839,7 @@
           <a:p>
             <a:r>
               <a:rPr lang="en-US" dirty="0" smtClean="0"/>
-              <a:t>What? Why? How?</a:t>
+              <a:t>Syntax used in this presentation</a:t>
             </a:r>
             <a:endParaRPr lang="en-US" dirty="0"/>
           </a:p>
@@ -5675,7 +5848,7 @@
     </p:spTree>
     <p:extLst>
       <p:ext uri="{BB962C8B-B14F-4D97-AF65-F5344CB8AC3E}">
-        <p14:creationId xmlns:p14="http://schemas.microsoft.com/office/powerpoint/2010/main" val="763625690"/>
+        <p14:creationId xmlns:p14="http://schemas.microsoft.com/office/powerpoint/2010/main" val="960756509"/>
       </p:ext>
     </p:extLst>
   </p:cSld>
@@ -5718,26 +5891,39 @@
           <a:lstStyle/>
           <a:p>
             <a:r>
+              <a:rPr lang="en-US" dirty="0" smtClean="0"/>
+              <a:t>Higher-Order Functions</a:t>
+            </a:r>
+            <a:endParaRPr lang="en-US" dirty="0"/>
+          </a:p>
+        </p:txBody>
+      </p:sp>
+      <p:sp>
+        <p:nvSpPr>
+          <p:cNvPr id="3" name="Content Placeholder 2"/>
+          <p:cNvSpPr>
+            <a:spLocks noGrp="1"/>
+          </p:cNvSpPr>
+          <p:nvPr>
+            <p:ph idx="1"/>
+          </p:nvPr>
+        </p:nvSpPr>
+        <p:spPr/>
+        <p:txBody>
+          <a:bodyPr/>
+          <a:lstStyle/>
+          <a:p>
+            <a:pPr marL="342900" lvl="1" indent="-342900">
+              <a:buClrTx/>
+              <a:buSzTx/>
+              <a:buFont typeface="Arial" panose="020B0604020202020204" pitchFamily="34" charset="0"/>
+              <a:buChar char="•"/>
+            </a:pPr>
+            <a:r>
               <a:rPr lang="en-US" dirty="0"/>
-              <a:t>Higher-Order Functions</a:t>
-            </a:r>
-          </a:p>
-        </p:txBody>
-      </p:sp>
-      <p:sp>
-        <p:nvSpPr>
-          <p:cNvPr id="3" name="Content Placeholder 2"/>
-          <p:cNvSpPr>
-            <a:spLocks noGrp="1"/>
-          </p:cNvSpPr>
-          <p:nvPr>
-            <p:ph idx="1"/>
-          </p:nvPr>
-        </p:nvSpPr>
-        <p:spPr/>
-        <p:txBody>
-          <a:bodyPr/>
-          <a:lstStyle/>
+              <a:t>Passing functions as arguments to other functions</a:t>
+            </a:r>
+          </a:p>
           <a:p>
             <a:pPr marL="342900" indent="-342900">
               <a:buFont typeface="Arial" panose="020B0604020202020204" pitchFamily="34" charset="0"/>
@@ -5745,71 +5931,7 @@
             </a:pPr>
             <a:r>
               <a:rPr lang="en-US" dirty="0" smtClean="0"/>
-              <a:t>map </a:t>
-            </a:r>
-            <a:r>
-              <a:rPr lang="en-US" baseline="30000" dirty="0" smtClean="0">
-                <a:solidFill>
-                  <a:srgbClr val="FF0000"/>
-                </a:solidFill>
-              </a:rPr>
-              <a:t>Scala</a:t>
-            </a:r>
-            <a:r>
-              <a:rPr lang="en-US" baseline="30000" dirty="0" smtClean="0"/>
-              <a:t>, </a:t>
-            </a:r>
-            <a:r>
-              <a:rPr lang="en-US" baseline="30000" dirty="0" smtClean="0">
-                <a:solidFill>
-                  <a:schemeClr val="accent4">
-                    <a:lumMod val="50000"/>
-                  </a:schemeClr>
-                </a:solidFill>
-              </a:rPr>
-              <a:t>Java</a:t>
-            </a:r>
-            <a:r>
-              <a:rPr lang="en-US" baseline="30000" dirty="0" smtClean="0"/>
-              <a:t>, </a:t>
-            </a:r>
-            <a:r>
-              <a:rPr lang="en-US" baseline="30000" dirty="0" smtClean="0">
-                <a:solidFill>
-                  <a:schemeClr val="tx2">
-                    <a:lumMod val="50000"/>
-                  </a:schemeClr>
-                </a:solidFill>
-              </a:rPr>
-              <a:t>Haskell</a:t>
-            </a:r>
-            <a:r>
-              <a:rPr lang="en-US" dirty="0" smtClean="0"/>
-              <a:t>/collect </a:t>
-            </a:r>
-            <a:r>
-              <a:rPr lang="en-US" baseline="30000" dirty="0" smtClean="0">
-                <a:solidFill>
-                  <a:schemeClr val="accent3">
-                    <a:lumMod val="75000"/>
-                  </a:schemeClr>
-                </a:solidFill>
-              </a:rPr>
-              <a:t>Groovy</a:t>
-            </a:r>
-            <a:r>
-              <a:rPr lang="en-US" dirty="0" smtClean="0"/>
-              <a:t>: </a:t>
-            </a:r>
-          </a:p>
-          <a:p>
-            <a:pPr marL="700088" lvl="1" indent="-342900">
-              <a:buFont typeface="Arial" panose="020B0604020202020204" pitchFamily="34" charset="0"/>
-              <a:buChar char="•"/>
-            </a:pPr>
-            <a:r>
-              <a:rPr lang="en-US" dirty="0" smtClean="0"/>
-              <a:t>List(1,2,3).map(x =&gt; f(x)) == List(f(1), f(2), f(3))</a:t>
+              <a:t>Injecting code of lower level of abstraction into code of higher level of abstraction</a:t>
             </a:r>
           </a:p>
           <a:p>
@@ -5817,69 +5939,7 @@
               <a:buFont typeface="Arial" panose="020B0604020202020204" pitchFamily="34" charset="0"/>
               <a:buChar char="•"/>
             </a:pPr>
-            <a:r>
-              <a:rPr lang="en-US" dirty="0" err="1" smtClean="0"/>
-              <a:t>fold</a:t>
-            </a:r>
-            <a:r>
-              <a:rPr lang="en-US" baseline="30000" dirty="0" err="1"/>
-              <a:t>Scala</a:t>
-            </a:r>
-            <a:r>
-              <a:rPr lang="en-US" baseline="30000" dirty="0"/>
-              <a:t>, </a:t>
-            </a:r>
-            <a:r>
-              <a:rPr lang="en-US" baseline="30000" dirty="0" smtClean="0"/>
-              <a:t>Java</a:t>
-            </a:r>
-            <a:r>
-              <a:rPr lang="en-US" baseline="30000" dirty="0"/>
-              <a:t>, </a:t>
-            </a:r>
-            <a:r>
-              <a:rPr lang="en-US" baseline="30000" dirty="0" smtClean="0"/>
-              <a:t>Haskell</a:t>
-            </a:r>
-            <a:r>
-              <a:rPr lang="en-US" dirty="0" smtClean="0"/>
-              <a:t>/</a:t>
-            </a:r>
-            <a:r>
-              <a:rPr lang="en-US" dirty="0" err="1" smtClean="0"/>
-              <a:t>reduce</a:t>
-            </a:r>
-            <a:r>
-              <a:rPr lang="en-US" baseline="30000" dirty="0" err="1" smtClean="0"/>
-              <a:t>Groovy</a:t>
-            </a:r>
             <a:endParaRPr lang="en-US" dirty="0" smtClean="0"/>
-          </a:p>
-          <a:p>
-            <a:pPr marL="700088" lvl="1" indent="-342900">
-              <a:buFont typeface="Arial" panose="020B0604020202020204" pitchFamily="34" charset="0"/>
-              <a:buChar char="•"/>
-            </a:pPr>
-            <a:r>
-              <a:rPr lang="en-US" dirty="0" smtClean="0"/>
-              <a:t>List(1,2,3).fold(zero, (</a:t>
-            </a:r>
-            <a:r>
-              <a:rPr lang="en-US" dirty="0" err="1" smtClean="0"/>
-              <a:t>acc</a:t>
-            </a:r>
-            <a:r>
-              <a:rPr lang="en-US" dirty="0" smtClean="0"/>
-              <a:t>, x) =&gt; f(</a:t>
-            </a:r>
-            <a:r>
-              <a:rPr lang="en-US" dirty="0" err="1" smtClean="0"/>
-              <a:t>acc</a:t>
-            </a:r>
-            <a:r>
-              <a:rPr lang="en-US" dirty="0" smtClean="0"/>
-              <a:t>, x)) == f(f(f(zero,1), 2), 3)</a:t>
-            </a:r>
           </a:p>
           <a:p>
             <a:pPr marL="342900" indent="-342900">
@@ -5888,22 +5948,11 @@
             </a:pPr>
             <a:r>
               <a:rPr lang="en-US" dirty="0" smtClean="0"/>
-              <a:t>filter/</a:t>
-            </a:r>
-            <a:r>
-              <a:rPr lang="en-US" dirty="0" err="1" smtClean="0"/>
-              <a:t>findAll</a:t>
-            </a:r>
-            <a:endParaRPr lang="en-US" dirty="0" smtClean="0"/>
-          </a:p>
-          <a:p>
-            <a:pPr marL="700088" lvl="1" indent="-342900">
-              <a:buFont typeface="Arial" panose="020B0604020202020204" pitchFamily="34" charset="0"/>
-              <a:buChar char="•"/>
-            </a:pPr>
+              <a:t>In </a:t>
+            </a:r>
             <a:r>
               <a:rPr lang="en-US" dirty="0" smtClean="0"/>
-              <a:t>List(1,2,3).filter(x =&gt; x &gt; 1) == List(2,3)</a:t>
+              <a:t>OO: Like implementing a template method or passing a callback object</a:t>
             </a:r>
           </a:p>
           <a:p>
@@ -5912,46 +5961,56 @@
               <a:buChar char="•"/>
             </a:pPr>
             <a:r>
-              <a:rPr lang="en-US" dirty="0" err="1"/>
-              <a:t>f</a:t>
-            </a:r>
-            <a:r>
-              <a:rPr lang="en-US" dirty="0" err="1" smtClean="0"/>
-              <a:t>latMap</a:t>
-            </a:r>
-            <a:r>
               <a:rPr lang="en-US" dirty="0" smtClean="0"/>
-              <a:t>/</a:t>
-            </a:r>
-            <a:r>
-              <a:rPr lang="en-US" dirty="0" err="1" smtClean="0"/>
-              <a:t>collectMany</a:t>
+              <a:t>Doesn’t this inevitably lead to a mess? </a:t>
+            </a:r>
+            <a:r>
+              <a:rPr lang="en-US" dirty="0" smtClean="0"/>
+              <a:t>What about callback hell?</a:t>
             </a:r>
             <a:endParaRPr lang="en-US" dirty="0" smtClean="0"/>
           </a:p>
           <a:p>
-            <a:pPr marL="700088" lvl="1" indent="-342900">
-              <a:buFont typeface="Arial" panose="020B0604020202020204" pitchFamily="34" charset="0"/>
-              <a:buChar char="•"/>
+            <a:pPr marL="342900" indent="-342900">
+              <a:buFont typeface="Wingdings" panose="05000000000000000000" pitchFamily="2" charset="2"/>
+              <a:buChar char="Ø"/>
             </a:pPr>
+            <a:endParaRPr lang="en-US" dirty="0" smtClean="0"/>
+          </a:p>
+          <a:p>
+            <a:pPr marL="342900" indent="-342900">
+              <a:buFont typeface="Wingdings" panose="05000000000000000000" pitchFamily="2" charset="2"/>
+              <a:buChar char="Ø"/>
+            </a:pPr>
+            <a:r>
+              <a:rPr lang="en-US" dirty="0"/>
+              <a:t>Use </a:t>
+            </a:r>
             <a:r>
               <a:rPr lang="en-US" dirty="0" smtClean="0"/>
-              <a:t>List(10,20,30).</a:t>
-            </a:r>
-            <a:r>
-              <a:rPr lang="en-US" dirty="0" err="1" smtClean="0"/>
-              <a:t>flatMap</a:t>
-            </a:r>
+              <a:t>side-effect free </a:t>
+            </a:r>
+            <a:r>
+              <a:rPr lang="en-US" dirty="0"/>
+              <a:t>functions</a:t>
+            </a:r>
+          </a:p>
+          <a:p>
+            <a:pPr marL="342900" indent="-342900">
+              <a:buFont typeface="Wingdings" panose="05000000000000000000" pitchFamily="2" charset="2"/>
+              <a:buChar char="Ø"/>
+            </a:pPr>
             <a:r>
               <a:rPr lang="en-US" dirty="0" smtClean="0"/>
-              <a:t>(x =&gt; List(x+1,x+2)) == List(11,12,21,22,31,32)</a:t>
-            </a:r>
-          </a:p>
-        </p:txBody>
-      </p:sp>
-      <p:sp>
-        <p:nvSpPr>
-          <p:cNvPr id="4" name="Date Placeholder 3"/>
+              <a:t>Use well-known, generic higher-order functions</a:t>
+            </a:r>
+            <a:endParaRPr lang="en-US" dirty="0" smtClean="0"/>
+          </a:p>
+        </p:txBody>
+      </p:sp>
+      <p:sp>
+        <p:nvSpPr>
+          <p:cNvPr id="9" name="Date Placeholder 8"/>
           <p:cNvSpPr>
             <a:spLocks noGrp="1"/>
           </p:cNvSpPr>
@@ -5965,16 +6024,16 @@
           <a:lstStyle/>
           <a:p>
             <a:r>
-              <a:rPr lang="de-CH" smtClean="0"/>
+              <a:rPr lang="en-US" dirty="0" smtClean="0"/>
               <a:t>14. September 2015</a:t>
             </a:r>
-            <a:endParaRPr lang="de-CH" dirty="0"/>
-          </a:p>
-        </p:txBody>
-      </p:sp>
-      <p:sp>
-        <p:nvSpPr>
-          <p:cNvPr id="5" name="Footer Placeholder 4"/>
+            <a:endParaRPr lang="en-US" dirty="0"/>
+          </a:p>
+        </p:txBody>
+      </p:sp>
+      <p:sp>
+        <p:nvSpPr>
+          <p:cNvPr id="8" name="Footer Placeholder 7"/>
           <p:cNvSpPr>
             <a:spLocks noGrp="1"/>
           </p:cNvSpPr>
@@ -5988,16 +6047,16 @@
           <a:lstStyle/>
           <a:p>
             <a:r>
-              <a:rPr lang="en-US" smtClean="0"/>
+              <a:rPr lang="en-US" dirty="0" smtClean="0"/>
               <a:t>Functional Design Patterns for OO Practitioners</a:t>
             </a:r>
-            <a:endParaRPr lang="de-CH" dirty="0"/>
-          </a:p>
-        </p:txBody>
-      </p:sp>
-      <p:sp>
-        <p:nvSpPr>
-          <p:cNvPr id="6" name="Text Placeholder 5"/>
+            <a:endParaRPr lang="en-US" dirty="0"/>
+          </a:p>
+        </p:txBody>
+      </p:sp>
+      <p:sp>
+        <p:nvSpPr>
+          <p:cNvPr id="12" name="Text Placeholder 11"/>
           <p:cNvSpPr>
             <a:spLocks noGrp="1"/>
           </p:cNvSpPr>
@@ -6010,10 +6069,6 @@
           <a:bodyPr/>
           <a:lstStyle/>
           <a:p>
-            <a:r>
-              <a:rPr lang="en-US" dirty="0" smtClean="0"/>
-              <a:t>Examples</a:t>
-            </a:r>
             <a:endParaRPr lang="en-US" dirty="0"/>
           </a:p>
         </p:txBody>
@@ -6021,7 +6076,7 @@
     </p:spTree>
     <p:extLst>
       <p:ext uri="{BB962C8B-B14F-4D97-AF65-F5344CB8AC3E}">
-        <p14:creationId xmlns:p14="http://schemas.microsoft.com/office/powerpoint/2010/main" val="775157731"/>
+        <p14:creationId xmlns:p14="http://schemas.microsoft.com/office/powerpoint/2010/main" val="763625690"/>
       </p:ext>
     </p:extLst>
   </p:cSld>
@@ -6064,106 +6119,328 @@
           <a:lstStyle/>
           <a:p>
             <a:r>
+              <a:rPr lang="en-US" dirty="0" smtClean="0"/>
+              <a:t>Higher-Order Functions</a:t>
+            </a:r>
+            <a:endParaRPr lang="en-US" dirty="0"/>
+          </a:p>
+        </p:txBody>
+      </p:sp>
+      <p:sp>
+        <p:nvSpPr>
+          <p:cNvPr id="3" name="Content Placeholder 2"/>
+          <p:cNvSpPr>
+            <a:spLocks noGrp="1"/>
+          </p:cNvSpPr>
+          <p:nvPr>
+            <p:ph idx="1"/>
+          </p:nvPr>
+        </p:nvSpPr>
+        <p:spPr/>
+        <p:txBody>
+          <a:bodyPr/>
+          <a:lstStyle/>
+          <a:p>
+            <a:pPr marL="342900" indent="-342900">
+              <a:buFont typeface="Arial" panose="020B0604020202020204" pitchFamily="34" charset="0"/>
+              <a:buChar char="•"/>
+            </a:pPr>
+            <a:r>
               <a:rPr lang="en-US" dirty="0"/>
-              <a:t>Higher-Order Functions</a:t>
+              <a:t>map </a:t>
+            </a:r>
+            <a:r>
+              <a:rPr lang="en-US" baseline="30000" dirty="0">
+                <a:solidFill>
+                  <a:srgbClr val="FF0000"/>
+                </a:solidFill>
+              </a:rPr>
+              <a:t>Scala</a:t>
+            </a:r>
+            <a:r>
+              <a:rPr lang="en-US" baseline="30000" dirty="0"/>
+              <a:t>, </a:t>
+            </a:r>
+            <a:r>
+              <a:rPr lang="en-US" baseline="30000" dirty="0">
+                <a:solidFill>
+                  <a:schemeClr val="accent4">
+                    <a:lumMod val="50000"/>
+                  </a:schemeClr>
+                </a:solidFill>
+              </a:rPr>
+              <a:t>Java</a:t>
+            </a:r>
+            <a:r>
+              <a:rPr lang="en-US" baseline="30000" dirty="0"/>
+              <a:t>, </a:t>
+            </a:r>
+            <a:r>
+              <a:rPr lang="en-US" baseline="30000" dirty="0">
+                <a:solidFill>
+                  <a:schemeClr val="tx2">
+                    <a:lumMod val="50000"/>
+                  </a:schemeClr>
+                </a:solidFill>
+              </a:rPr>
+              <a:t>Haskell </a:t>
+            </a:r>
+            <a:r>
+              <a:rPr lang="en-US" dirty="0"/>
+              <a:t>/ collect </a:t>
+            </a:r>
+            <a:r>
+              <a:rPr lang="en-US" baseline="30000" dirty="0">
+                <a:solidFill>
+                  <a:schemeClr val="accent3">
+                    <a:lumMod val="75000"/>
+                  </a:schemeClr>
+                </a:solidFill>
+              </a:rPr>
+              <a:t>Groovy</a:t>
+            </a:r>
+            <a:r>
+              <a:rPr lang="en-US" dirty="0"/>
+              <a:t>: </a:t>
+            </a:r>
+          </a:p>
+          <a:p>
+            <a:pPr marL="700088" lvl="1" indent="-342900">
+              <a:buFont typeface="Arial" panose="020B0604020202020204" pitchFamily="34" charset="0"/>
+              <a:buChar char="•"/>
+            </a:pPr>
+            <a:r>
+              <a:rPr lang="en-US" dirty="0"/>
+              <a:t>List(1,2,3).map(x =&gt; f(x)) == List(f(1), f(2), f(3))</a:t>
+            </a:r>
+          </a:p>
+          <a:p>
+            <a:pPr marL="342900" indent="-342900">
+              <a:buFont typeface="Arial" panose="020B0604020202020204" pitchFamily="34" charset="0"/>
+              <a:buChar char="•"/>
+            </a:pPr>
+            <a:r>
+              <a:rPr lang="en-US" dirty="0" smtClean="0"/>
+              <a:t>filter/</a:t>
+            </a:r>
+            <a:r>
+              <a:rPr lang="en-US" dirty="0" err="1" smtClean="0"/>
+              <a:t>findAll</a:t>
             </a:r>
             <a:endParaRPr lang="en-US" dirty="0"/>
           </a:p>
-        </p:txBody>
-      </p:sp>
-      <p:sp>
-        <p:nvSpPr>
-          <p:cNvPr id="3" name="Content Placeholder 2"/>
-          <p:cNvSpPr>
-            <a:spLocks noGrp="1"/>
-          </p:cNvSpPr>
-          <p:nvPr>
-            <p:ph idx="1"/>
-          </p:nvPr>
-        </p:nvSpPr>
-        <p:spPr/>
-        <p:txBody>
-          <a:bodyPr/>
-          <a:lstStyle/>
-          <a:p>
+          <a:p>
+            <a:pPr marL="700088" lvl="1" indent="-342900">
+              <a:buFont typeface="Arial" panose="020B0604020202020204" pitchFamily="34" charset="0"/>
+              <a:buChar char="•"/>
+            </a:pPr>
+            <a:r>
+              <a:rPr lang="en-US" dirty="0"/>
+              <a:t>List(1,2,3).filter(x =&gt; x &gt; 1) == List(2,3)</a:t>
+            </a:r>
+          </a:p>
+          <a:p>
+            <a:pPr marL="342900" indent="-342900">
+              <a:buFont typeface="Arial" panose="020B0604020202020204" pitchFamily="34" charset="0"/>
+              <a:buChar char="•"/>
+            </a:pPr>
             <a:r>
               <a:rPr lang="en-US" dirty="0" smtClean="0"/>
-              <a:t>Shopping Cart Total</a:t>
-            </a:r>
-          </a:p>
-          <a:p>
-            <a:pPr lvl="1"/>
-            <a:r>
-              <a:rPr lang="en-US" dirty="0" smtClean="0"/>
-              <a:t>Load cart items</a:t>
-            </a:r>
-          </a:p>
-          <a:p>
-            <a:pPr lvl="1"/>
-            <a:r>
-              <a:rPr lang="en-US" dirty="0" smtClean="0"/>
-              <a:t>Get prices of each item (map)</a:t>
-            </a:r>
-          </a:p>
-          <a:p>
-            <a:pPr lvl="1"/>
-            <a:r>
-              <a:rPr lang="en-US" dirty="0" smtClean="0"/>
-              <a:t>Compute the sum (fold/reduce)</a:t>
-            </a:r>
-          </a:p>
-          <a:p>
-            <a:pPr lvl="1"/>
-            <a:endParaRPr lang="en-US" dirty="0" smtClean="0"/>
-          </a:p>
-          <a:p>
-            <a:r>
-              <a:rPr lang="en-US" dirty="0" smtClean="0"/>
-              <a:t>Suggestions</a:t>
-            </a:r>
-          </a:p>
-          <a:p>
-            <a:pPr lvl="1"/>
-            <a:r>
-              <a:rPr lang="en-US" dirty="0" smtClean="0"/>
-              <a:t>Load items similar to shopping cart items</a:t>
-            </a:r>
-          </a:p>
-          <a:p>
-            <a:pPr lvl="1"/>
-            <a:r>
-              <a:rPr lang="en-US" dirty="0" smtClean="0"/>
-              <a:t>Remove items with lower rating (filter)</a:t>
-            </a:r>
-          </a:p>
-          <a:p>
-            <a:pPr lvl="1"/>
-            <a:r>
-              <a:rPr lang="en-US" dirty="0" smtClean="0"/>
-              <a:t>Combine results (</a:t>
-            </a:r>
+              <a:t>fold </a:t>
+            </a:r>
+            <a:r>
+              <a:rPr lang="en-US" baseline="30000" dirty="0"/>
+              <a:t>Scala, Java, Haskell</a:t>
+            </a:r>
+            <a:r>
+              <a:rPr lang="en-US" dirty="0"/>
+              <a:t>/reduce </a:t>
+            </a:r>
+            <a:r>
+              <a:rPr lang="en-US" baseline="30000" dirty="0"/>
+              <a:t>Groovy</a:t>
+            </a:r>
+            <a:endParaRPr lang="en-US" dirty="0"/>
+          </a:p>
+          <a:p>
+            <a:pPr marL="700088" lvl="1" indent="-342900">
+              <a:buFont typeface="Arial" panose="020B0604020202020204" pitchFamily="34" charset="0"/>
+              <a:buChar char="•"/>
+            </a:pPr>
+            <a:r>
+              <a:rPr lang="en-US" dirty="0"/>
+              <a:t>List(1,2,3).fold(zero, (</a:t>
+            </a:r>
+            <a:r>
+              <a:rPr lang="en-US" dirty="0" err="1"/>
+              <a:t>acc</a:t>
+            </a:r>
+            <a:r>
+              <a:rPr lang="en-US" dirty="0"/>
+              <a:t>, x) =&gt; f(</a:t>
+            </a:r>
+            <a:r>
+              <a:rPr lang="en-US" dirty="0" err="1"/>
+              <a:t>acc</a:t>
+            </a:r>
+            <a:r>
+              <a:rPr lang="en-US" dirty="0"/>
+              <a:t>, x)) == f(f(f(zero,1), 2), 3)</a:t>
+            </a:r>
+          </a:p>
+          <a:p>
+            <a:pPr marL="342900" indent="-342900">
+              <a:buFont typeface="Arial" panose="020B0604020202020204" pitchFamily="34" charset="0"/>
+              <a:buChar char="•"/>
+            </a:pPr>
             <a:r>
               <a:rPr lang="en-US" dirty="0" err="1" smtClean="0"/>
               <a:t>flatMap</a:t>
             </a:r>
             <a:r>
               <a:rPr lang="en-US" dirty="0" smtClean="0"/>
-              <a:t>)</a:t>
-            </a:r>
-          </a:p>
-          <a:p>
-            <a:pPr lvl="1"/>
-            <a:endParaRPr lang="en-US" dirty="0" smtClean="0"/>
-          </a:p>
-          <a:p>
-            <a:pPr lvl="1"/>
-            <a:endParaRPr lang="en-US" dirty="0" smtClean="0"/>
-          </a:p>
-        </p:txBody>
-      </p:sp>
-      <p:sp>
-        <p:nvSpPr>
-          <p:cNvPr id="5" name="Text Placeholder 4"/>
+              <a:t> </a:t>
+            </a:r>
+            <a:r>
+              <a:rPr lang="en-US" baseline="30000" dirty="0">
+                <a:solidFill>
+                  <a:srgbClr val="FF0000"/>
+                </a:solidFill>
+              </a:rPr>
+              <a:t>Scala</a:t>
+            </a:r>
+            <a:r>
+              <a:rPr lang="en-US" baseline="30000" dirty="0"/>
+              <a:t>, </a:t>
+            </a:r>
+            <a:r>
+              <a:rPr lang="en-US" baseline="30000" dirty="0">
+                <a:solidFill>
+                  <a:schemeClr val="accent4">
+                    <a:lumMod val="50000"/>
+                  </a:schemeClr>
+                </a:solidFill>
+              </a:rPr>
+              <a:t>Java </a:t>
+            </a:r>
+            <a:r>
+              <a:rPr lang="en-US" dirty="0"/>
+              <a:t>/ </a:t>
+            </a:r>
+            <a:r>
+              <a:rPr lang="en-US" dirty="0" smtClean="0"/>
+              <a:t>bind </a:t>
+            </a:r>
+            <a:r>
+              <a:rPr lang="en-US" baseline="30000" dirty="0">
+                <a:solidFill>
+                  <a:schemeClr val="tx2">
+                    <a:lumMod val="50000"/>
+                  </a:schemeClr>
+                </a:solidFill>
+              </a:rPr>
+              <a:t>Haskell </a:t>
+            </a:r>
+            <a:r>
+              <a:rPr lang="en-US" dirty="0"/>
+              <a:t>/ </a:t>
+            </a:r>
+            <a:r>
+              <a:rPr lang="en-US" dirty="0" err="1" smtClean="0"/>
+              <a:t>collectMany</a:t>
+            </a:r>
+            <a:r>
+              <a:rPr lang="en-US" dirty="0" smtClean="0"/>
+              <a:t> </a:t>
+            </a:r>
+            <a:r>
+              <a:rPr lang="en-US" baseline="30000" dirty="0">
+                <a:solidFill>
+                  <a:schemeClr val="accent3">
+                    <a:lumMod val="75000"/>
+                  </a:schemeClr>
+                </a:solidFill>
+              </a:rPr>
+              <a:t>Groovy</a:t>
+            </a:r>
+            <a:r>
+              <a:rPr lang="en-US" dirty="0"/>
+              <a:t>: </a:t>
+            </a:r>
+          </a:p>
+          <a:p>
+            <a:pPr marL="700088" lvl="1" indent="-342900">
+              <a:buFont typeface="Arial" panose="020B0604020202020204" pitchFamily="34" charset="0"/>
+              <a:buChar char="•"/>
+            </a:pPr>
+            <a:r>
+              <a:rPr lang="en-US" dirty="0" smtClean="0"/>
+              <a:t>List(10,20,30</a:t>
+            </a:r>
+            <a:r>
+              <a:rPr lang="en-US" dirty="0" smtClean="0"/>
+              <a:t>).</a:t>
+            </a:r>
+            <a:r>
+              <a:rPr lang="en-US" dirty="0" err="1" smtClean="0"/>
+              <a:t>flatMap</a:t>
+            </a:r>
+            <a:r>
+              <a:rPr lang="en-US" dirty="0" smtClean="0"/>
+              <a:t>(x =&gt; List(x+1,x+2)) == List(11,12,21,22,31,32)</a:t>
+            </a:r>
+          </a:p>
+        </p:txBody>
+      </p:sp>
+      <p:sp>
+        <p:nvSpPr>
+          <p:cNvPr id="4" name="Date Placeholder 3"/>
+          <p:cNvSpPr>
+            <a:spLocks noGrp="1"/>
+          </p:cNvSpPr>
+          <p:nvPr>
+            <p:ph type="dt" sz="half" idx="10"/>
+          </p:nvPr>
+        </p:nvSpPr>
+        <p:spPr/>
+        <p:txBody>
+          <a:bodyPr/>
+          <a:lstStyle/>
+          <a:p>
+            <a:r>
+              <a:rPr lang="de-CH" smtClean="0"/>
+              <a:t>14. September 2015</a:t>
+            </a:r>
+            <a:endParaRPr lang="de-CH" dirty="0"/>
+          </a:p>
+        </p:txBody>
+      </p:sp>
+      <p:sp>
+        <p:nvSpPr>
+          <p:cNvPr id="5" name="Footer Placeholder 4"/>
+          <p:cNvSpPr>
+            <a:spLocks noGrp="1"/>
+          </p:cNvSpPr>
+          <p:nvPr>
+            <p:ph type="ftr" sz="quarter" idx="11"/>
+          </p:nvPr>
+        </p:nvSpPr>
+        <p:spPr/>
+        <p:txBody>
+          <a:bodyPr/>
+          <a:lstStyle/>
+          <a:p>
+            <a:r>
+              <a:rPr lang="en-US" smtClean="0"/>
+              <a:t>Functional Design Patterns for OO Practitioners</a:t>
+            </a:r>
+            <a:endParaRPr lang="de-CH" dirty="0"/>
+          </a:p>
+        </p:txBody>
+      </p:sp>
+      <p:sp>
+        <p:nvSpPr>
+          <p:cNvPr id="6" name="Text Placeholder 5"/>
           <p:cNvSpPr>
             <a:spLocks noGrp="1"/>
           </p:cNvSpPr>
@@ -6178,53 +6455,7 @@
           <a:p>
             <a:r>
               <a:rPr lang="en-US" dirty="0" smtClean="0"/>
-              <a:t>Example Application</a:t>
-            </a:r>
-            <a:endParaRPr lang="en-US" dirty="0"/>
-          </a:p>
-        </p:txBody>
-      </p:sp>
-      <p:sp>
-        <p:nvSpPr>
-          <p:cNvPr id="8" name="Footer Placeholder 7"/>
-          <p:cNvSpPr>
-            <a:spLocks noGrp="1"/>
-          </p:cNvSpPr>
-          <p:nvPr>
-            <p:ph type="ftr" sz="quarter" idx="11"/>
-          </p:nvPr>
-        </p:nvSpPr>
-        <p:spPr/>
-        <p:txBody>
-          <a:bodyPr/>
-          <a:lstStyle/>
-          <a:p>
-            <a:r>
-              <a:rPr lang="en-US" dirty="0" smtClean="0"/>
-              <a:t>Functional Design Patterns for OO Practitioners</a:t>
-            </a:r>
-            <a:endParaRPr lang="en-US" dirty="0"/>
-          </a:p>
-        </p:txBody>
-      </p:sp>
-      <p:sp>
-        <p:nvSpPr>
-          <p:cNvPr id="9" name="Date Placeholder 8"/>
-          <p:cNvSpPr>
-            <a:spLocks noGrp="1"/>
-          </p:cNvSpPr>
-          <p:nvPr>
-            <p:ph type="dt" sz="half" idx="10"/>
-          </p:nvPr>
-        </p:nvSpPr>
-        <p:spPr/>
-        <p:txBody>
-          <a:bodyPr/>
-          <a:lstStyle/>
-          <a:p>
-            <a:r>
-              <a:rPr lang="en-US" dirty="0" smtClean="0"/>
-              <a:t>14. September 2015</a:t>
+              <a:t>The most useful ones</a:t>
             </a:r>
             <a:endParaRPr lang="en-US" dirty="0"/>
           </a:p>
@@ -6233,7 +6464,7 @@
     </p:spTree>
     <p:extLst>
       <p:ext uri="{BB962C8B-B14F-4D97-AF65-F5344CB8AC3E}">
-        <p14:creationId xmlns:p14="http://schemas.microsoft.com/office/powerpoint/2010/main" val="1836926389"/>
+        <p14:creationId xmlns:p14="http://schemas.microsoft.com/office/powerpoint/2010/main" val="775157731"/>
       </p:ext>
     </p:extLst>
   </p:cSld>
@@ -6279,7 +6510,6 @@
               <a:rPr lang="en-US" dirty="0"/>
               <a:t>Higher-Order Functions</a:t>
             </a:r>
-            <a:endParaRPr lang="en-US" dirty="0"/>
           </a:p>
         </p:txBody>
       </p:sp>
@@ -6298,97 +6528,61 @@
           <a:bodyPr/>
           <a:lstStyle/>
           <a:p>
-            <a:pPr marL="342900" indent="-342900">
-              <a:buFont typeface="Arial" panose="020B0604020202020204" pitchFamily="34" charset="0"/>
-              <a:buChar char="•"/>
-            </a:pPr>
             <a:r>
               <a:rPr lang="en-US" dirty="0" smtClean="0"/>
-              <a:t>Wrap another type and </a:t>
-            </a:r>
-          </a:p>
-          <a:p>
-            <a:pPr marL="342900" indent="-342900">
-              <a:buFont typeface="Arial" panose="020B0604020202020204" pitchFamily="34" charset="0"/>
-              <a:buChar char="•"/>
-            </a:pPr>
+              <a:t>Shopping Cart Total</a:t>
+            </a:r>
+          </a:p>
+          <a:p>
+            <a:pPr lvl="1"/>
             <a:r>
               <a:rPr lang="en-US" dirty="0" smtClean="0"/>
-              <a:t>add some functionality related to the wrapped type</a:t>
-            </a:r>
-          </a:p>
-          <a:p>
-            <a:pPr marL="342900" indent="-342900">
-              <a:buFont typeface="Arial" panose="020B0604020202020204" pitchFamily="34" charset="0"/>
-              <a:buChar char="•"/>
-            </a:pPr>
-            <a:endParaRPr lang="en-US" dirty="0"/>
-          </a:p>
-          <a:p>
+              <a:t>Load cart items</a:t>
+            </a:r>
+          </a:p>
+          <a:p>
+            <a:pPr lvl="1"/>
             <a:r>
               <a:rPr lang="en-US" dirty="0" smtClean="0"/>
-              <a:t>Examples</a:t>
-            </a:r>
-          </a:p>
-          <a:p>
-            <a:pPr marL="342900" indent="-342900">
-              <a:buFont typeface="Arial" panose="020B0604020202020204" pitchFamily="34" charset="0"/>
-              <a:buChar char="•"/>
-            </a:pPr>
+              <a:t>Get prices of each item (map)</a:t>
+            </a:r>
+          </a:p>
+          <a:p>
+            <a:pPr lvl="1"/>
             <a:r>
               <a:rPr lang="en-US" dirty="0" smtClean="0"/>
-              <a:t>Collection</a:t>
+              <a:t>Compute the sum (fold/reduce</a:t>
             </a:r>
             <a:r>
               <a:rPr lang="en-US" dirty="0" smtClean="0"/>
-              <a:t>[T]: combines multiple values of the wrapped type</a:t>
-            </a:r>
-            <a:endParaRPr lang="en-US" dirty="0"/>
-          </a:p>
-          <a:p>
-            <a:pPr marL="342900" indent="-342900">
-              <a:buFont typeface="Arial" panose="020B0604020202020204" pitchFamily="34" charset="0"/>
-              <a:buChar char="•"/>
-            </a:pPr>
-            <a:r>
-              <a:rPr lang="en-US" dirty="0"/>
-              <a:t>Option[T]: represents a collection of 0 or 1 value</a:t>
-            </a:r>
-          </a:p>
-          <a:p>
-            <a:pPr marL="342900" indent="-342900">
-              <a:buFont typeface="Arial" panose="020B0604020202020204" pitchFamily="34" charset="0"/>
-              <a:buChar char="•"/>
-            </a:pPr>
+              <a:t>)</a:t>
+            </a:r>
+            <a:endParaRPr lang="en-US" dirty="0" smtClean="0"/>
+          </a:p>
+          <a:p>
+            <a:pPr lvl="1"/>
+            <a:endParaRPr lang="en-US" dirty="0" smtClean="0"/>
+          </a:p>
+        </p:txBody>
+      </p:sp>
+      <p:sp>
+        <p:nvSpPr>
+          <p:cNvPr id="5" name="Text Placeholder 4"/>
+          <p:cNvSpPr>
+            <a:spLocks noGrp="1"/>
+          </p:cNvSpPr>
+          <p:nvPr>
+            <p:ph type="body" sz="quarter" idx="13"/>
+          </p:nvPr>
+        </p:nvSpPr>
+        <p:spPr/>
+        <p:txBody>
+          <a:bodyPr/>
+          <a:lstStyle/>
+          <a:p>
             <a:r>
               <a:rPr lang="en-US" dirty="0" smtClean="0"/>
-              <a:t>Future</a:t>
-            </a:r>
-            <a:r>
-              <a:rPr lang="en-US" dirty="0" smtClean="0"/>
-              <a:t>[T]: provides asynchronous computation of a value</a:t>
-            </a:r>
-          </a:p>
-        </p:txBody>
-      </p:sp>
-      <p:sp>
-        <p:nvSpPr>
-          <p:cNvPr id="5" name="Text Placeholder 4"/>
-          <p:cNvSpPr>
-            <a:spLocks noGrp="1"/>
-          </p:cNvSpPr>
-          <p:nvPr>
-            <p:ph type="body" sz="quarter" idx="13"/>
-          </p:nvPr>
-        </p:nvSpPr>
-        <p:spPr/>
-        <p:txBody>
-          <a:bodyPr/>
-          <a:lstStyle/>
-          <a:p>
-            <a:r>
-              <a:rPr lang="en-US" dirty="0" smtClean="0"/>
-              <a:t>Container Types</a:t>
+              <a:t>Example Application</a:t>
             </a:r>
             <a:endParaRPr lang="en-US" dirty="0"/>
           </a:p>
@@ -6443,7 +6637,7 @@
     </p:spTree>
     <p:extLst>
       <p:ext uri="{BB962C8B-B14F-4D97-AF65-F5344CB8AC3E}">
-        <p14:creationId xmlns:p14="http://schemas.microsoft.com/office/powerpoint/2010/main" val="3210451290"/>
+        <p14:creationId xmlns:p14="http://schemas.microsoft.com/office/powerpoint/2010/main" val="1836926389"/>
       </p:ext>
     </p:extLst>
   </p:cSld>
@@ -6472,7 +6666,7 @@
       </p:grpSpPr>
       <p:sp>
         <p:nvSpPr>
-          <p:cNvPr id="7" name="Title 6"/>
+          <p:cNvPr id="2" name="Title 1"/>
           <p:cNvSpPr>
             <a:spLocks noGrp="1"/>
           </p:cNvSpPr>
@@ -6489,13 +6683,12 @@
               <a:rPr lang="en-US" dirty="0"/>
               <a:t>Higher-Order Functions</a:t>
             </a:r>
-            <a:endParaRPr lang="en-US" dirty="0"/>
-          </a:p>
-        </p:txBody>
-      </p:sp>
-      <p:sp>
-        <p:nvSpPr>
-          <p:cNvPr id="8" name="Content Placeholder 7"/>
+          </a:p>
+        </p:txBody>
+      </p:sp>
+      <p:sp>
+        <p:nvSpPr>
+          <p:cNvPr id="3" name="Content Placeholder 2"/>
           <p:cNvSpPr>
             <a:spLocks noGrp="1"/>
           </p:cNvSpPr>
@@ -6510,50 +6703,75 @@
           <a:p>
             <a:r>
               <a:rPr lang="en-US" dirty="0" smtClean="0"/>
-              <a:t>Example: map and </a:t>
+              <a:t>Suggestions</a:t>
+            </a:r>
+            <a:endParaRPr lang="en-US" dirty="0" smtClean="0"/>
+          </a:p>
+          <a:p>
+            <a:pPr lvl="1"/>
+            <a:r>
+              <a:rPr lang="en-US" dirty="0" smtClean="0"/>
+              <a:t>Load items similar to shopping cart items</a:t>
+            </a:r>
+          </a:p>
+          <a:p>
+            <a:pPr lvl="1"/>
+            <a:r>
+              <a:rPr lang="en-US" dirty="0" smtClean="0"/>
+              <a:t>Remove items with lower rating (filter)</a:t>
+            </a:r>
+          </a:p>
+          <a:p>
+            <a:pPr lvl="1"/>
+            <a:r>
+              <a:rPr lang="en-US" dirty="0" smtClean="0"/>
+              <a:t>Combine results (</a:t>
             </a:r>
             <a:r>
               <a:rPr lang="en-US" dirty="0" err="1" smtClean="0"/>
               <a:t>flatMap</a:t>
             </a:r>
+            <a:r>
+              <a:rPr lang="en-US" dirty="0" smtClean="0"/>
+              <a:t>)</a:t>
+            </a:r>
+          </a:p>
+          <a:p>
+            <a:pPr lvl="1"/>
+            <a:endParaRPr lang="en-US" dirty="0" smtClean="0"/>
+          </a:p>
+          <a:p>
+            <a:pPr lvl="1"/>
+            <a:endParaRPr lang="en-US" dirty="0" smtClean="0"/>
+          </a:p>
+        </p:txBody>
+      </p:sp>
+      <p:sp>
+        <p:nvSpPr>
+          <p:cNvPr id="5" name="Text Placeholder 4"/>
+          <p:cNvSpPr>
+            <a:spLocks noGrp="1"/>
+          </p:cNvSpPr>
+          <p:nvPr>
+            <p:ph type="body" sz="quarter" idx="13"/>
+          </p:nvPr>
+        </p:nvSpPr>
+        <p:spPr/>
+        <p:txBody>
+          <a:bodyPr/>
+          <a:lstStyle/>
+          <a:p>
+            <a:r>
+              <a:rPr lang="en-US" dirty="0" smtClean="0"/>
+              <a:t>Example Application</a:t>
+            </a:r>
             <a:endParaRPr lang="en-US" dirty="0"/>
           </a:p>
         </p:txBody>
       </p:sp>
       <p:sp>
         <p:nvSpPr>
-          <p:cNvPr id="9" name="Text Placeholder 8"/>
-          <p:cNvSpPr>
-            <a:spLocks noGrp="1"/>
-          </p:cNvSpPr>
-          <p:nvPr>
-            <p:ph type="body" sz="quarter" idx="13"/>
-          </p:nvPr>
-        </p:nvSpPr>
-        <p:spPr/>
-        <p:txBody>
-          <a:bodyPr/>
-          <a:lstStyle/>
-          <a:p>
-            <a:r>
-              <a:rPr lang="en-US" dirty="0" smtClean="0"/>
-              <a:t>Using </a:t>
-            </a:r>
-            <a:r>
-              <a:rPr lang="en-US" dirty="0" smtClean="0"/>
-              <a:t>them with </a:t>
-            </a:r>
-            <a:r>
-              <a:rPr lang="en-US" dirty="0" smtClean="0"/>
-              <a:t>Container Types</a:t>
-            </a:r>
-            <a:endParaRPr lang="en-US" dirty="0"/>
-          </a:p>
-        </p:txBody>
-      </p:sp>
-      <p:sp>
-        <p:nvSpPr>
-          <p:cNvPr id="12" name="Footer Placeholder 11"/>
+          <p:cNvPr id="8" name="Footer Placeholder 7"/>
           <p:cNvSpPr>
             <a:spLocks noGrp="1"/>
           </p:cNvSpPr>
@@ -6576,7 +6794,7 @@
       </p:sp>
       <p:sp>
         <p:nvSpPr>
-          <p:cNvPr id="13" name="Date Placeholder 12"/>
+          <p:cNvPr id="9" name="Date Placeholder 8"/>
           <p:cNvSpPr>
             <a:spLocks noGrp="1"/>
           </p:cNvSpPr>
@@ -6600,7 +6818,7 @@
     </p:spTree>
     <p:extLst>
       <p:ext uri="{BB962C8B-B14F-4D97-AF65-F5344CB8AC3E}">
-        <p14:creationId xmlns:p14="http://schemas.microsoft.com/office/powerpoint/2010/main" val="3499201427"/>
+        <p14:creationId xmlns:p14="http://schemas.microsoft.com/office/powerpoint/2010/main" val="3027387519"/>
       </p:ext>
     </p:extLst>
   </p:cSld>
@@ -6611,7 +6829,7 @@
 </file>
 
 <file path=ppt/slides/slide16.xml><?xml version="1.0" encoding="utf-8"?>
-<p:sld xmlns:a="http://schemas.openxmlformats.org/drawingml/2006/main" xmlns:r="http://schemas.openxmlformats.org/officeDocument/2006/relationships" xmlns:p="http://schemas.openxmlformats.org/presentationml/2006/main" show="0">
+<p:sld xmlns:a="http://schemas.openxmlformats.org/drawingml/2006/main" xmlns:r="http://schemas.openxmlformats.org/officeDocument/2006/relationships" xmlns:p="http://schemas.openxmlformats.org/presentationml/2006/main">
   <p:cSld>
     <p:spTree>
       <p:nvGrpSpPr>
@@ -6644,7 +6862,7 @@
           <a:p>
             <a:r>
               <a:rPr lang="en-US" dirty="0" smtClean="0"/>
-              <a:t>Load user from database</a:t>
+              <a:t>Higher-Order Functions</a:t>
             </a:r>
             <a:endParaRPr lang="en-US" dirty="0"/>
           </a:p>
@@ -6667,74 +6885,114 @@
           <a:p>
             <a:r>
               <a:rPr lang="en-US" dirty="0" smtClean="0"/>
-              <a:t>Def </a:t>
-            </a:r>
-            <a:r>
-              <a:rPr lang="en-US" dirty="0" err="1" smtClean="0"/>
-              <a:t>loadUser</a:t>
-            </a:r>
+              <a:t>Code using these standard higher-order functions is</a:t>
+            </a:r>
+          </a:p>
+          <a:p>
+            <a:pPr marL="342900" indent="-342900">
+              <a:buFont typeface="Arial" panose="020B0604020202020204" pitchFamily="34" charset="0"/>
+              <a:buChar char="•"/>
+            </a:pPr>
             <a:r>
               <a:rPr lang="en-US" dirty="0" smtClean="0"/>
-              <a:t>(id: </a:t>
-            </a:r>
-            <a:r>
-              <a:rPr lang="en-US" dirty="0" err="1" smtClean="0"/>
-              <a:t>Int</a:t>
-            </a:r>
+              <a:t>more declarative, less imperative, thus reveals its intention well</a:t>
+            </a:r>
+          </a:p>
+          <a:p>
+            <a:pPr marL="342900" indent="-342900">
+              <a:buFont typeface="Arial" panose="020B0604020202020204" pitchFamily="34" charset="0"/>
+              <a:buChar char="•"/>
+            </a:pPr>
             <a:r>
               <a:rPr lang="en-US" dirty="0" smtClean="0"/>
-              <a:t>): Try[User] = {…}</a:t>
-            </a:r>
-          </a:p>
-          <a:p>
-            <a:endParaRPr lang="en-US" dirty="0" smtClean="0"/>
-          </a:p>
-          <a:p>
-            <a:r>
-              <a:rPr lang="en-US" dirty="0" err="1" smtClean="0"/>
-              <a:t>loadUser</a:t>
-            </a:r>
-            <a:r>
-              <a:rPr lang="en-US" dirty="0" smtClean="0"/>
-              <a:t>(1000)</a:t>
-            </a:r>
-          </a:p>
-          <a:p>
-            <a:r>
-              <a:rPr lang="en-US" dirty="0" smtClean="0"/>
-              <a:t>&gt; res0: Try[User] = Success(User(1000))</a:t>
-            </a:r>
-          </a:p>
-          <a:p>
-            <a:endParaRPr lang="en-US" dirty="0" smtClean="0"/>
-          </a:p>
-          <a:p>
-            <a:r>
-              <a:rPr lang="en-US" dirty="0" err="1" smtClean="0"/>
-              <a:t>loadUser</a:t>
-            </a:r>
-            <a:r>
-              <a:rPr lang="en-US" dirty="0" smtClean="0"/>
-              <a:t>(1001)</a:t>
-            </a:r>
-          </a:p>
-          <a:p>
-            <a:r>
-              <a:rPr lang="en-US" dirty="0" smtClean="0"/>
-              <a:t>&gt; res1: Try[User] = Failure(Exception(«user not found»))</a:t>
-            </a:r>
-          </a:p>
-          <a:p>
-            <a:pPr marL="0" indent="0">
-              <a:buNone/>
+              <a:t>easy to read and understand, since behavior is well-defined</a:t>
+            </a:r>
+          </a:p>
+          <a:p>
+            <a:pPr marL="342900" indent="-342900">
+              <a:buFont typeface="Arial" panose="020B0604020202020204" pitchFamily="34" charset="0"/>
+              <a:buChar char="•"/>
             </a:pPr>
             <a:endParaRPr lang="en-US" dirty="0"/>
           </a:p>
-        </p:txBody>
-      </p:sp>
-      <p:sp>
-        <p:nvSpPr>
-          <p:cNvPr id="5" name="Text Placeholder 4"/>
+          <a:p>
+            <a:r>
+              <a:rPr lang="en-US" dirty="0" smtClean="0"/>
+              <a:t>So far, so good</a:t>
+            </a:r>
+          </a:p>
+          <a:p>
+            <a:pPr marL="342900" indent="-342900">
+              <a:buFont typeface="Arial" panose="020B0604020202020204" pitchFamily="34" charset="0"/>
+              <a:buChar char="•"/>
+            </a:pPr>
+            <a:r>
+              <a:rPr lang="en-US" dirty="0" smtClean="0"/>
+              <a:t>Not everything in the world is a List</a:t>
+            </a:r>
+          </a:p>
+          <a:p>
+            <a:pPr marL="342900" indent="-342900">
+              <a:buFont typeface="Arial" panose="020B0604020202020204" pitchFamily="34" charset="0"/>
+              <a:buChar char="•"/>
+            </a:pPr>
+            <a:r>
+              <a:rPr lang="en-US" dirty="0" smtClean="0"/>
+              <a:t>But these concepts are applicable to a wider range of constructs</a:t>
+            </a:r>
+            <a:endParaRPr lang="en-US" dirty="0"/>
+          </a:p>
+        </p:txBody>
+      </p:sp>
+      <p:sp>
+        <p:nvSpPr>
+          <p:cNvPr id="4" name="Date Placeholder 3"/>
+          <p:cNvSpPr>
+            <a:spLocks noGrp="1"/>
+          </p:cNvSpPr>
+          <p:nvPr>
+            <p:ph type="dt" sz="half" idx="10"/>
+          </p:nvPr>
+        </p:nvSpPr>
+        <p:spPr/>
+        <p:txBody>
+          <a:bodyPr/>
+          <a:lstStyle/>
+          <a:p>
+            <a:r>
+              <a:rPr lang="de-CH" smtClean="0"/>
+              <a:t>14. September 2015</a:t>
+            </a:r>
+            <a:endParaRPr lang="de-CH" dirty="0"/>
+          </a:p>
+        </p:txBody>
+      </p:sp>
+      <p:sp>
+        <p:nvSpPr>
+          <p:cNvPr id="5" name="Footer Placeholder 4"/>
+          <p:cNvSpPr>
+            <a:spLocks noGrp="1"/>
+          </p:cNvSpPr>
+          <p:nvPr>
+            <p:ph type="ftr" sz="quarter" idx="11"/>
+          </p:nvPr>
+        </p:nvSpPr>
+        <p:spPr/>
+        <p:txBody>
+          <a:bodyPr/>
+          <a:lstStyle/>
+          <a:p>
+            <a:r>
+              <a:rPr lang="en-US" smtClean="0"/>
+              <a:t>Functional Design Patterns for OO Practitioners</a:t>
+            </a:r>
+            <a:endParaRPr lang="de-CH" dirty="0"/>
+          </a:p>
+        </p:txBody>
+      </p:sp>
+      <p:sp>
+        <p:nvSpPr>
+          <p:cNvPr id="6" name="Text Placeholder 5"/>
           <p:cNvSpPr>
             <a:spLocks noGrp="1"/>
           </p:cNvSpPr>
@@ -6747,51 +7005,9 @@
           <a:bodyPr/>
           <a:lstStyle/>
           <a:p>
-            <a:endParaRPr lang="en-US" dirty="0"/>
-          </a:p>
-        </p:txBody>
-      </p:sp>
-      <p:sp>
-        <p:nvSpPr>
-          <p:cNvPr id="8" name="Footer Placeholder 7"/>
-          <p:cNvSpPr>
-            <a:spLocks noGrp="1"/>
-          </p:cNvSpPr>
-          <p:nvPr>
-            <p:ph type="ftr" sz="quarter" idx="11"/>
-          </p:nvPr>
-        </p:nvSpPr>
-        <p:spPr/>
-        <p:txBody>
-          <a:bodyPr/>
-          <a:lstStyle/>
-          <a:p>
             <a:r>
               <a:rPr lang="en-US" dirty="0" smtClean="0"/>
-              <a:t>Functional Design Patterns for OO Practitioners</a:t>
-            </a:r>
-            <a:endParaRPr lang="en-US" dirty="0"/>
-          </a:p>
-        </p:txBody>
-      </p:sp>
-      <p:sp>
-        <p:nvSpPr>
-          <p:cNvPr id="9" name="Date Placeholder 8"/>
-          <p:cNvSpPr>
-            <a:spLocks noGrp="1"/>
-          </p:cNvSpPr>
-          <p:nvPr>
-            <p:ph type="dt" sz="half" idx="10"/>
-          </p:nvPr>
-        </p:nvSpPr>
-        <p:spPr/>
-        <p:txBody>
-          <a:bodyPr/>
-          <a:lstStyle/>
-          <a:p>
-            <a:r>
-              <a:rPr lang="en-US" dirty="0" smtClean="0"/>
-              <a:t>14. September 2015</a:t>
+              <a:t>Lessons Learned</a:t>
             </a:r>
             <a:endParaRPr lang="en-US" dirty="0"/>
           </a:p>
@@ -6800,26 +7016,18 @@
     </p:spTree>
     <p:extLst>
       <p:ext uri="{BB962C8B-B14F-4D97-AF65-F5344CB8AC3E}">
-        <p14:creationId xmlns:p14="http://schemas.microsoft.com/office/powerpoint/2010/main" val="2357099337"/>
+        <p14:creationId xmlns:p14="http://schemas.microsoft.com/office/powerpoint/2010/main" val="3900499688"/>
       </p:ext>
     </p:extLst>
   </p:cSld>
   <p:clrMapOvr>
     <a:masterClrMapping/>
   </p:clrMapOvr>
-  <mc:AlternateContent xmlns:mc="http://schemas.openxmlformats.org/markup-compatibility/2006">
-    <mc:Choice xmlns:p14="http://schemas.microsoft.com/office/powerpoint/2010/main" Requires="p14">
-      <p:transition spd="slow" p14:dur="2000"/>
-    </mc:Choice>
-    <mc:Fallback>
-      <p:transition spd="slow"/>
-    </mc:Fallback>
-  </mc:AlternateContent>
 </p:sld>
 </file>
 
 <file path=ppt/slides/slide17.xml><?xml version="1.0" encoding="utf-8"?>
-<p:sld xmlns:a="http://schemas.openxmlformats.org/drawingml/2006/main" xmlns:r="http://schemas.openxmlformats.org/officeDocument/2006/relationships" xmlns:p="http://schemas.openxmlformats.org/presentationml/2006/main" show="0">
+<p:sld xmlns:a="http://schemas.openxmlformats.org/drawingml/2006/main" xmlns:r="http://schemas.openxmlformats.org/officeDocument/2006/relationships" xmlns:p="http://schemas.openxmlformats.org/presentationml/2006/main">
   <p:cSld>
     <p:spTree>
       <p:nvGrpSpPr>
@@ -6851,10 +7059,9 @@
           <a:lstStyle/>
           <a:p>
             <a:r>
-              <a:rPr lang="en-US" dirty="0" smtClean="0"/>
-              <a:t>The Try Type</a:t>
-            </a:r>
-            <a:endParaRPr lang="en-US" dirty="0"/>
+              <a:rPr lang="en-US" dirty="0"/>
+              <a:t>Higher-Order Functions</a:t>
+            </a:r>
           </a:p>
         </p:txBody>
       </p:sp>
@@ -6879,7 +7086,7 @@
             </a:pPr>
             <a:r>
               <a:rPr lang="en-US" dirty="0" smtClean="0"/>
-              <a:t>Represents the evaluation of a value, which may fail</a:t>
+              <a:t>Wrap another type and </a:t>
             </a:r>
           </a:p>
           <a:p>
@@ -6889,72 +7096,99 @@
             </a:pPr>
             <a:r>
               <a:rPr lang="en-US" dirty="0" smtClean="0"/>
-              <a:t>Used instead of throwing exceptions</a:t>
-            </a:r>
-          </a:p>
-          <a:p>
+              <a:t>add some functionality related to the wrapped </a:t>
+            </a:r>
+            <a:r>
+              <a:rPr lang="en-US" dirty="0" smtClean="0"/>
+              <a:t>type</a:t>
+            </a:r>
+          </a:p>
+          <a:p>
+            <a:pPr marL="342900" indent="-342900">
+              <a:buFont typeface="Arial" panose="020B0604020202020204" pitchFamily="34" charset="0"/>
+              <a:buChar char="•"/>
+            </a:pPr>
+            <a:r>
+              <a:rPr lang="en-US" dirty="0" smtClean="0"/>
+              <a:t>provide a context for some value(s)</a:t>
+            </a:r>
             <a:endParaRPr lang="en-US" dirty="0" smtClean="0"/>
           </a:p>
           <a:p>
-            <a:r>
-              <a:rPr lang="en-US" dirty="0" smtClean="0"/>
-              <a:t>Def </a:t>
-            </a:r>
-            <a:r>
-              <a:rPr lang="en-US" dirty="0" err="1" smtClean="0"/>
-              <a:t>loadUser</a:t>
-            </a:r>
-            <a:r>
-              <a:rPr lang="en-US" dirty="0" smtClean="0"/>
-              <a:t>(id: </a:t>
-            </a:r>
-            <a:r>
-              <a:rPr lang="en-US" dirty="0" err="1" smtClean="0"/>
-              <a:t>Int</a:t>
-            </a:r>
-            <a:r>
-              <a:rPr lang="en-US" dirty="0" smtClean="0"/>
-              <a:t>): Try[User]</a:t>
-            </a:r>
-          </a:p>
-          <a:p>
-            <a:r>
-              <a:rPr lang="en-US" dirty="0" err="1" smtClean="0"/>
-              <a:t>loadUser</a:t>
-            </a:r>
-            <a:r>
-              <a:rPr lang="en-US" dirty="0" smtClean="0"/>
-              <a:t>(1000)</a:t>
-            </a:r>
-          </a:p>
-          <a:p>
-            <a:r>
-              <a:rPr lang="en-US" dirty="0" smtClean="0"/>
-              <a:t>&gt; res0: Try[User] = Success(User(1000))</a:t>
-            </a:r>
-          </a:p>
-          <a:p>
-            <a:r>
-              <a:rPr lang="en-US" dirty="0" err="1" smtClean="0"/>
-              <a:t>loadUser</a:t>
-            </a:r>
-            <a:r>
-              <a:rPr lang="en-US" dirty="0" smtClean="0"/>
-              <a:t>(1001)</a:t>
-            </a:r>
-          </a:p>
-          <a:p>
-            <a:r>
-              <a:rPr lang="en-US" dirty="0" smtClean="0"/>
-              <a:t>&gt; res1: Try[User] = Failure(Exception(«user not found»))</a:t>
-            </a:r>
-          </a:p>
-          <a:p>
-            <a:pPr marL="0" indent="0">
-              <a:buNone/>
+            <a:pPr marL="342900" indent="-342900">
+              <a:buFont typeface="Arial" panose="020B0604020202020204" pitchFamily="34" charset="0"/>
+              <a:buChar char="•"/>
             </a:pPr>
             <a:endParaRPr lang="en-US" dirty="0"/>
           </a:p>
+          <a:p>
+            <a:r>
+              <a:rPr lang="en-US" dirty="0" smtClean="0"/>
+              <a:t>Examples</a:t>
+            </a:r>
+          </a:p>
+          <a:p>
+            <a:pPr marL="342900" indent="-342900">
+              <a:buFont typeface="Arial" panose="020B0604020202020204" pitchFamily="34" charset="0"/>
+              <a:buChar char="•"/>
+            </a:pPr>
+            <a:r>
+              <a:rPr lang="en-US" dirty="0" smtClean="0"/>
+              <a:t>List</a:t>
+            </a:r>
+            <a:r>
+              <a:rPr lang="en-US" dirty="0" smtClean="0"/>
+              <a:t>[T</a:t>
+            </a:r>
+            <a:r>
+              <a:rPr lang="en-US" dirty="0" smtClean="0"/>
+              <a:t>]: combines multiple values of the wrapped type</a:t>
+            </a:r>
+            <a:endParaRPr lang="en-US" dirty="0"/>
+          </a:p>
+          <a:p>
+            <a:pPr marL="342900" indent="-342900">
+              <a:buFont typeface="Arial" panose="020B0604020202020204" pitchFamily="34" charset="0"/>
+              <a:buChar char="•"/>
+            </a:pPr>
+            <a:r>
+              <a:rPr lang="en-US" dirty="0"/>
+              <a:t>Option[T]: represents a </a:t>
+            </a:r>
+            <a:r>
+              <a:rPr lang="en-US" dirty="0" smtClean="0"/>
+              <a:t>“collection” </a:t>
+            </a:r>
+            <a:r>
+              <a:rPr lang="en-US" dirty="0"/>
+              <a:t>of 0 or 1 value</a:t>
+            </a:r>
+          </a:p>
+          <a:p>
+            <a:pPr marL="342900" indent="-342900">
+              <a:buFont typeface="Arial" panose="020B0604020202020204" pitchFamily="34" charset="0"/>
+              <a:buChar char="•"/>
+            </a:pPr>
+            <a:r>
+              <a:rPr lang="en-US" dirty="0" smtClean="0"/>
+              <a:t>Future[T]: provides asynchronous computation of a </a:t>
+            </a:r>
+            <a:r>
+              <a:rPr lang="en-US" dirty="0" smtClean="0"/>
+              <a:t>value</a:t>
+            </a:r>
+            <a:endParaRPr lang="en-US" dirty="0"/>
+          </a:p>
+          <a:p>
+            <a:pPr marL="342900" indent="-342900">
+              <a:buFont typeface="Arial" panose="020B0604020202020204" pitchFamily="34" charset="0"/>
+              <a:buChar char="•"/>
+            </a:pPr>
+            <a:r>
+              <a:rPr lang="en-US" dirty="0" smtClean="0"/>
+              <a:t>Try[T]: represents the computation of a value, either successful or failed</a:t>
+            </a:r>
+          </a:p>
         </p:txBody>
       </p:sp>
       <p:sp>
@@ -6972,6 +7206,10 @@
           <a:bodyPr/>
           <a:lstStyle/>
           <a:p>
+            <a:r>
+              <a:rPr lang="en-US" dirty="0" smtClean="0"/>
+              <a:t>Container Types</a:t>
+            </a:r>
             <a:endParaRPr lang="en-US" dirty="0"/>
           </a:p>
         </p:txBody>
@@ -7019,32 +7257,126 @@
               <a:t>14. September 2015</a:t>
             </a:r>
             <a:endParaRPr lang="en-US" dirty="0"/>
+          </a:p>
+        </p:txBody>
+      </p:sp>
+      <p:sp>
+        <p:nvSpPr>
+          <p:cNvPr id="4" name="Rounded Rectangle 3"/>
+          <p:cNvSpPr/>
+          <p:nvPr/>
+        </p:nvSpPr>
+        <p:spPr>
+          <a:xfrm>
+            <a:off x="8832304" y="1484784"/>
+            <a:ext cx="1368152" cy="1368152"/>
+          </a:xfrm>
+          <a:prstGeom prst="roundRect">
+            <a:avLst/>
+          </a:prstGeom>
+          <a:noFill/>
+          <a:ln w="76200">
+            <a:solidFill>
+              <a:schemeClr val="accent1"/>
+            </a:solidFill>
+          </a:ln>
+        </p:spPr>
+        <p:style>
+          <a:lnRef idx="2">
+            <a:schemeClr val="accent1">
+              <a:shade val="50000"/>
+            </a:schemeClr>
+          </a:lnRef>
+          <a:fillRef idx="1">
+            <a:schemeClr val="accent1"/>
+          </a:fillRef>
+          <a:effectRef idx="0">
+            <a:schemeClr val="accent1"/>
+          </a:effectRef>
+          <a:fontRef idx="minor">
+            <a:schemeClr val="lt1"/>
+          </a:fontRef>
+        </p:style>
+        <p:txBody>
+          <a:bodyPr rtlCol="0" anchor="ctr"/>
+          <a:lstStyle/>
+          <a:p>
+            <a:pPr algn="ctr"/>
+            <a:endParaRPr lang="en-US" sz="2200" dirty="0" err="1" smtClean="0">
+              <a:ln w="76200">
+                <a:noFill/>
+              </a:ln>
+              <a:latin typeface="AA Zuehlke" pitchFamily="2" charset="0"/>
+            </a:endParaRPr>
+          </a:p>
+        </p:txBody>
+      </p:sp>
+      <p:sp>
+        <p:nvSpPr>
+          <p:cNvPr id="10" name="Rounded Rectangle 9"/>
+          <p:cNvSpPr/>
+          <p:nvPr/>
+        </p:nvSpPr>
+        <p:spPr>
+          <a:xfrm>
+            <a:off x="8976320" y="1628800"/>
+            <a:ext cx="1080120" cy="1080120"/>
+          </a:xfrm>
+          <a:prstGeom prst="roundRect">
+            <a:avLst/>
+          </a:prstGeom>
+          <a:solidFill>
+            <a:srgbClr val="0070C0"/>
+          </a:solidFill>
+          <a:ln w="76200">
+            <a:noFill/>
+          </a:ln>
+        </p:spPr>
+        <p:style>
+          <a:lnRef idx="2">
+            <a:schemeClr val="accent1">
+              <a:shade val="50000"/>
+            </a:schemeClr>
+          </a:lnRef>
+          <a:fillRef idx="1">
+            <a:schemeClr val="accent1"/>
+          </a:fillRef>
+          <a:effectRef idx="0">
+            <a:schemeClr val="accent1"/>
+          </a:effectRef>
+          <a:fontRef idx="minor">
+            <a:schemeClr val="lt1"/>
+          </a:fontRef>
+        </p:style>
+        <p:txBody>
+          <a:bodyPr rtlCol="0" anchor="ctr"/>
+          <a:lstStyle/>
+          <a:p>
+            <a:pPr algn="ctr"/>
+            <a:endParaRPr lang="en-US" sz="2200" dirty="0" err="1" smtClean="0">
+              <a:ln w="76200">
+                <a:noFill/>
+              </a:ln>
+              <a:latin typeface="AA Zuehlke" pitchFamily="2" charset="0"/>
+            </a:endParaRPr>
           </a:p>
         </p:txBody>
       </p:sp>
     </p:spTree>
     <p:extLst>
       <p:ext uri="{BB962C8B-B14F-4D97-AF65-F5344CB8AC3E}">
-        <p14:creationId xmlns:p14="http://schemas.microsoft.com/office/powerpoint/2010/main" val="4250431711"/>
+        <p14:creationId xmlns:p14="http://schemas.microsoft.com/office/powerpoint/2010/main" val="3210451290"/>
       </p:ext>
     </p:extLst>
   </p:cSld>
   <p:clrMapOvr>
     <a:masterClrMapping/>
   </p:clrMapOvr>
-  <mc:AlternateContent xmlns:mc="http://schemas.openxmlformats.org/markup-compatibility/2006">
-    <mc:Choice xmlns:p14="http://schemas.microsoft.com/office/powerpoint/2010/main" Requires="p14">
-      <p:transition spd="slow" p14:dur="2000"/>
-    </mc:Choice>
-    <mc:Fallback>
-      <p:transition spd="slow"/>
-    </mc:Fallback>
-  </mc:AlternateContent>
 </p:sld>
 </file>
 
 <file path=ppt/slides/slide18.xml><?xml version="1.0" encoding="utf-8"?>
-<p:sld xmlns:a="http://schemas.openxmlformats.org/drawingml/2006/main" xmlns:r="http://schemas.openxmlformats.org/officeDocument/2006/relationships" xmlns:p="http://schemas.openxmlformats.org/presentationml/2006/main" show="0">
+<p:sld xmlns:a="http://schemas.openxmlformats.org/drawingml/2006/main" xmlns:r="http://schemas.openxmlformats.org/officeDocument/2006/relationships" xmlns:p="http://schemas.openxmlformats.org/presentationml/2006/main">
   <p:cSld>
     <p:spTree>
       <p:nvGrpSpPr>
@@ -7098,12 +7430,20 @@
           <a:bodyPr/>
           <a:lstStyle/>
           <a:p>
+            <a:pPr marL="342900" indent="-342900">
+              <a:buFont typeface="Arial" panose="020B0604020202020204" pitchFamily="34" charset="0"/>
+              <a:buChar char="•"/>
+            </a:pPr>
             <a:r>
               <a:rPr lang="en-US" dirty="0" smtClean="0"/>
               <a:t>Collection of 0 or 1 value</a:t>
             </a:r>
           </a:p>
           <a:p>
+            <a:pPr marL="342900" indent="-342900">
+              <a:buFont typeface="Arial" panose="020B0604020202020204" pitchFamily="34" charset="0"/>
+              <a:buChar char="•"/>
+            </a:pPr>
             <a:r>
               <a:rPr lang="en-US" dirty="0" smtClean="0"/>
               <a:t>Used instead of null</a:t>
@@ -7114,8 +7454,12 @@
           </a:p>
           <a:p>
             <a:r>
+              <a:rPr lang="en-US" dirty="0" err="1" smtClean="0"/>
+              <a:t>def</a:t>
+            </a:r>
+            <a:r>
               <a:rPr lang="en-US" dirty="0" smtClean="0"/>
-              <a:t>Def </a:t>
+              <a:t> </a:t>
             </a:r>
             <a:r>
               <a:rPr lang="en-US" dirty="0" err="1" smtClean="0"/>
@@ -7123,48 +7467,105 @@
             </a:r>
             <a:r>
               <a:rPr lang="en-US" dirty="0" smtClean="0"/>
-              <a:t>(id: </a:t>
-            </a:r>
+              <a:t>(name: String): </a:t>
+            </a:r>
+            <a:r>
+              <a:rPr lang="en-US" dirty="0" smtClean="0"/>
+              <a:t>Option[User]</a:t>
+            </a:r>
+          </a:p>
+          <a:p>
+            <a:endParaRPr lang="en-US" dirty="0" smtClean="0"/>
+          </a:p>
+          <a:p>
             <a:r>
               <a:rPr lang="en-US" dirty="0" err="1" smtClean="0"/>
-              <a:t>Int</a:t>
+              <a:t>v</a:t>
+            </a:r>
+            <a:r>
+              <a:rPr lang="en-US" dirty="0" err="1" smtClean="0"/>
+              <a:t>al</a:t>
             </a:r>
             <a:r>
               <a:rPr lang="en-US" dirty="0" smtClean="0"/>
-              <a:t>): Option[User]</a:t>
-            </a:r>
-          </a:p>
-          <a:p>
+              <a:t> john = </a:t>
+            </a:r>
             <a:r>
               <a:rPr lang="en-US" dirty="0" err="1" smtClean="0"/>
               <a:t>loadUser</a:t>
             </a:r>
             <a:r>
               <a:rPr lang="en-US" dirty="0" smtClean="0"/>
-              <a:t>(1000)</a:t>
-            </a:r>
-          </a:p>
-          <a:p>
+              <a:t>(“John”)</a:t>
+            </a:r>
+          </a:p>
+          <a:p>
+            <a:r>
+              <a:rPr lang="en-US" dirty="0"/>
+              <a:t>&gt; </a:t>
+            </a:r>
             <a:r>
               <a:rPr lang="en-US" dirty="0" smtClean="0"/>
-              <a:t>&gt; res0: Option[User] = Some(User(1000))</a:t>
-            </a:r>
-          </a:p>
-          <a:p>
+              <a:t>john: Option[User] </a:t>
+            </a:r>
+            <a:r>
+              <a:rPr lang="en-US" dirty="0"/>
+              <a:t>= </a:t>
+            </a:r>
+            <a:r>
+              <a:rPr lang="en-US" dirty="0" smtClean="0"/>
+              <a:t>Some(User(1, “John”)</a:t>
+            </a:r>
+            <a:endParaRPr lang="en-US" dirty="0"/>
+          </a:p>
+          <a:p>
+            <a:r>
+              <a:rPr lang="en-US" dirty="0" err="1" smtClean="0"/>
+              <a:t>val</a:t>
+            </a:r>
+            <a:r>
+              <a:rPr lang="en-US" dirty="0" smtClean="0"/>
+              <a:t> </a:t>
+            </a:r>
+            <a:r>
+              <a:rPr lang="en-US" dirty="0" err="1" smtClean="0"/>
+              <a:t>elvis</a:t>
+            </a:r>
+            <a:r>
+              <a:rPr lang="en-US" dirty="0" smtClean="0"/>
+              <a:t> = </a:t>
+            </a:r>
             <a:r>
               <a:rPr lang="en-US" dirty="0" err="1" smtClean="0"/>
               <a:t>loadUser</a:t>
             </a:r>
             <a:r>
               <a:rPr lang="en-US" dirty="0" smtClean="0"/>
-              <a:t>(1001)</a:t>
-            </a:r>
-          </a:p>
-          <a:p>
+              <a:t>(“Elvis”)</a:t>
+            </a:r>
+          </a:p>
+          <a:p>
+            <a:r>
+              <a:rPr lang="en-US" dirty="0"/>
+              <a:t>&gt; </a:t>
+            </a:r>
+            <a:r>
+              <a:rPr lang="en-US" dirty="0" err="1" smtClean="0"/>
+              <a:t>elvis</a:t>
+            </a:r>
             <a:r>
               <a:rPr lang="en-US" dirty="0" smtClean="0"/>
-              <a:t>&gt; res1: Option[User] = None</a:t>
-            </a:r>
+              <a:t>: Option[User] </a:t>
+            </a:r>
+            <a:r>
+              <a:rPr lang="en-US" dirty="0"/>
+              <a:t>= None</a:t>
+            </a:r>
+          </a:p>
+          <a:p>
+            <a:endParaRPr lang="en-US" dirty="0" smtClean="0"/>
+          </a:p>
+          <a:p>
             <a:endParaRPr lang="en-US" dirty="0"/>
           </a:p>
         </p:txBody>
@@ -7231,6 +7632,182 @@
               <a:t>14. September 2015</a:t>
             </a:r>
             <a:endParaRPr lang="en-US" dirty="0"/>
+          </a:p>
+        </p:txBody>
+      </p:sp>
+      <p:sp>
+        <p:nvSpPr>
+          <p:cNvPr id="7" name="Rounded Rectangle 6"/>
+          <p:cNvSpPr/>
+          <p:nvPr/>
+        </p:nvSpPr>
+        <p:spPr>
+          <a:xfrm>
+            <a:off x="6672064" y="4077072"/>
+            <a:ext cx="1368152" cy="1368152"/>
+          </a:xfrm>
+          <a:prstGeom prst="roundRect">
+            <a:avLst/>
+          </a:prstGeom>
+          <a:noFill/>
+          <a:ln w="76200">
+            <a:solidFill>
+              <a:schemeClr val="accent1"/>
+            </a:solidFill>
+          </a:ln>
+        </p:spPr>
+        <p:style>
+          <a:lnRef idx="2">
+            <a:schemeClr val="accent1">
+              <a:shade val="50000"/>
+            </a:schemeClr>
+          </a:lnRef>
+          <a:fillRef idx="1">
+            <a:schemeClr val="accent1"/>
+          </a:fillRef>
+          <a:effectRef idx="0">
+            <a:schemeClr val="accent1"/>
+          </a:effectRef>
+          <a:fontRef idx="minor">
+            <a:schemeClr val="lt1"/>
+          </a:fontRef>
+        </p:style>
+        <p:txBody>
+          <a:bodyPr rtlCol="0" anchor="ctr"/>
+          <a:lstStyle/>
+          <a:p>
+            <a:pPr algn="ctr"/>
+            <a:endParaRPr lang="en-US" sz="2200" dirty="0" err="1" smtClean="0">
+              <a:ln w="76200">
+                <a:noFill/>
+              </a:ln>
+              <a:latin typeface="AA Zuehlke" pitchFamily="2" charset="0"/>
+            </a:endParaRPr>
+          </a:p>
+        </p:txBody>
+      </p:sp>
+      <p:sp>
+        <p:nvSpPr>
+          <p:cNvPr id="10" name="Rounded Rectangle 9"/>
+          <p:cNvSpPr/>
+          <p:nvPr/>
+        </p:nvSpPr>
+        <p:spPr>
+          <a:xfrm>
+            <a:off x="6816080" y="4221088"/>
+            <a:ext cx="1080120" cy="1080120"/>
+          </a:xfrm>
+          <a:prstGeom prst="roundRect">
+            <a:avLst/>
+          </a:prstGeom>
+          <a:solidFill>
+            <a:srgbClr val="0070C0"/>
+          </a:solidFill>
+          <a:ln w="76200">
+            <a:noFill/>
+          </a:ln>
+        </p:spPr>
+        <p:style>
+          <a:lnRef idx="2">
+            <a:schemeClr val="accent1">
+              <a:shade val="50000"/>
+            </a:schemeClr>
+          </a:lnRef>
+          <a:fillRef idx="1">
+            <a:schemeClr val="accent1"/>
+          </a:fillRef>
+          <a:effectRef idx="0">
+            <a:schemeClr val="accent1"/>
+          </a:effectRef>
+          <a:fontRef idx="minor">
+            <a:schemeClr val="lt1"/>
+          </a:fontRef>
+        </p:style>
+        <p:txBody>
+          <a:bodyPr rtlCol="0" anchor="ctr"/>
+          <a:lstStyle/>
+          <a:p>
+            <a:pPr algn="ctr"/>
+            <a:endParaRPr lang="en-US" sz="2200" dirty="0" err="1" smtClean="0">
+              <a:ln w="76200">
+                <a:noFill/>
+              </a:ln>
+              <a:latin typeface="AA Zuehlke" pitchFamily="2" charset="0"/>
+            </a:endParaRPr>
+          </a:p>
+        </p:txBody>
+      </p:sp>
+      <p:sp>
+        <p:nvSpPr>
+          <p:cNvPr id="4" name="TextBox 3"/>
+          <p:cNvSpPr txBox="1"/>
+          <p:nvPr/>
+        </p:nvSpPr>
+        <p:spPr>
+          <a:xfrm>
+            <a:off x="6939591" y="3645024"/>
+            <a:ext cx="1584176" cy="360040"/>
+          </a:xfrm>
+          <a:prstGeom prst="rect">
+            <a:avLst/>
+          </a:prstGeom>
+          <a:noFill/>
+        </p:spPr>
+        <p:txBody>
+          <a:bodyPr wrap="square" rtlCol="0">
+            <a:noAutofit/>
+          </a:bodyPr>
+          <a:lstStyle/>
+          <a:p>
+            <a:r>
+              <a:rPr lang="en-US" sz="2200" dirty="0" smtClean="0">
+                <a:latin typeface="AA Zuehlke" pitchFamily="2" charset="0"/>
+              </a:rPr>
+              <a:t>Option</a:t>
+            </a:r>
+            <a:endParaRPr lang="en-US" sz="2200" dirty="0" smtClean="0">
+              <a:latin typeface="AA Zuehlke" pitchFamily="2" charset="0"/>
+            </a:endParaRPr>
+          </a:p>
+        </p:txBody>
+      </p:sp>
+      <p:sp>
+        <p:nvSpPr>
+          <p:cNvPr id="11" name="TextBox 10"/>
+          <p:cNvSpPr txBox="1"/>
+          <p:nvPr/>
+        </p:nvSpPr>
+        <p:spPr>
+          <a:xfrm>
+            <a:off x="7011599" y="4509120"/>
+            <a:ext cx="1584176" cy="360040"/>
+          </a:xfrm>
+          <a:prstGeom prst="rect">
+            <a:avLst/>
+          </a:prstGeom>
+          <a:noFill/>
+        </p:spPr>
+        <p:txBody>
+          <a:bodyPr wrap="square" rtlCol="0">
+            <a:noAutofit/>
+          </a:bodyPr>
+          <a:lstStyle/>
+          <a:p>
+            <a:r>
+              <a:rPr lang="en-US" sz="2200" dirty="0" smtClean="0">
+                <a:solidFill>
+                  <a:schemeClr val="bg1"/>
+                </a:solidFill>
+                <a:latin typeface="AA Zuehlke" pitchFamily="2" charset="0"/>
+              </a:rPr>
+              <a:t>User</a:t>
+            </a:r>
+            <a:endParaRPr lang="en-US" sz="2200" dirty="0" smtClean="0">
+              <a:solidFill>
+                <a:schemeClr val="bg1"/>
+              </a:solidFill>
+              <a:latin typeface="AA Zuehlke" pitchFamily="2" charset="0"/>
+            </a:endParaRPr>
           </a:p>
         </p:txBody>
       </p:sp>
@@ -7289,7 +7866,7 @@
           <a:p>
             <a:r>
               <a:rPr lang="en-US" dirty="0" smtClean="0"/>
-              <a:t>Outcomes</a:t>
+              <a:t>The Option/Optional/Maybe Type</a:t>
             </a:r>
             <a:endParaRPr lang="en-US" dirty="0"/>
           </a:p>
@@ -7310,57 +7887,168 @@
           <a:bodyPr/>
           <a:lstStyle/>
           <a:p>
-            <a:pPr marL="342900" indent="-342900">
-              <a:buFont typeface="Arial" panose="020B0604020202020204" pitchFamily="34" charset="0"/>
-              <a:buChar char="•"/>
-            </a:pPr>
+            <a:r>
+              <a:rPr lang="en-US" dirty="0" err="1" smtClean="0"/>
+              <a:t>val</a:t>
+            </a:r>
             <a:r>
               <a:rPr lang="en-US" dirty="0" smtClean="0"/>
-              <a:t>How to avoid side effects, how to write pure code</a:t>
-            </a:r>
-          </a:p>
-          <a:p>
-            <a:pPr marL="700088" lvl="1" indent="-342900">
-              <a:buFont typeface="Arial" panose="020B0604020202020204" pitchFamily="34" charset="0"/>
-              <a:buChar char="•"/>
-            </a:pPr>
+              <a:t> </a:t>
+            </a:r>
+            <a:r>
+              <a:rPr lang="en-US" dirty="0"/>
+              <a:t>john = </a:t>
+            </a:r>
+            <a:r>
+              <a:rPr lang="en-US" dirty="0" err="1"/>
+              <a:t>loadUser</a:t>
+            </a:r>
+            <a:r>
+              <a:rPr lang="en-US" dirty="0"/>
+              <a:t>("John")</a:t>
+            </a:r>
+          </a:p>
+          <a:p>
+            <a:r>
+              <a:rPr lang="en-US" dirty="0" err="1"/>
+              <a:t>john.map</a:t>
+            </a:r>
+            <a:r>
+              <a:rPr lang="en-US" dirty="0"/>
+              <a:t>(user =&gt; user.id</a:t>
+            </a:r>
             <a:r>
               <a:rPr lang="en-US" dirty="0" smtClean="0"/>
-              <a:t>Immutability</a:t>
-            </a:r>
-          </a:p>
-          <a:p>
-            <a:pPr marL="342900" indent="-342900">
-              <a:buFont typeface="Arial" panose="020B0604020202020204" pitchFamily="34" charset="0"/>
-              <a:buChar char="•"/>
-            </a:pPr>
+              <a:t>)</a:t>
+            </a:r>
+          </a:p>
+          <a:p>
             <a:r>
               <a:rPr lang="en-US" dirty="0" smtClean="0"/>
-              <a:t>A basic set of higher-order functions is enough to build most of what you need. Everything else is built by composition</a:t>
-            </a:r>
-          </a:p>
-          <a:p>
-            <a:pPr marL="342900" indent="-342900">
-              <a:buFont typeface="Arial" panose="020B0604020202020204" pitchFamily="34" charset="0"/>
-              <a:buChar char="•"/>
-            </a:pPr>
+              <a:t>&gt; res0: Option[</a:t>
+            </a:r>
+            <a:r>
+              <a:rPr lang="en-US" dirty="0" err="1" smtClean="0"/>
+              <a:t>Int</a:t>
+            </a:r>
             <a:r>
               <a:rPr lang="en-US" dirty="0" smtClean="0"/>
-              <a:t>Not everything we showed is possible in Java/other OO languages. Sometimes it’s possible to emulate it, sometimes there are libraries that do this</a:t>
-            </a:r>
-          </a:p>
-          <a:p>
-            <a:pPr marL="342900" indent="-342900">
-              <a:buFont typeface="Arial" panose="020B0604020202020204" pitchFamily="34" charset="0"/>
-              <a:buChar char="•"/>
-            </a:pPr>
+              <a:t>] = Some(1)</a:t>
+            </a:r>
+          </a:p>
+          <a:p>
             <a:endParaRPr lang="en-US" dirty="0"/>
           </a:p>
-        </p:txBody>
-      </p:sp>
-      <p:sp>
-        <p:nvSpPr>
-          <p:cNvPr id="4" name="Date Placeholder 3"/>
+          <a:p>
+            <a:r>
+              <a:rPr lang="en-US" dirty="0" err="1"/>
+              <a:t>val</a:t>
+            </a:r>
+            <a:r>
+              <a:rPr lang="en-US" dirty="0"/>
+              <a:t> </a:t>
+            </a:r>
+            <a:r>
+              <a:rPr lang="en-US" dirty="0" err="1"/>
+              <a:t>elvis</a:t>
+            </a:r>
+            <a:r>
+              <a:rPr lang="en-US" dirty="0"/>
+              <a:t> = </a:t>
+            </a:r>
+            <a:r>
+              <a:rPr lang="en-US" dirty="0" err="1"/>
+              <a:t>loadUser</a:t>
+            </a:r>
+            <a:r>
+              <a:rPr lang="en-US" dirty="0"/>
+              <a:t>("Elvis")</a:t>
+            </a:r>
+          </a:p>
+          <a:p>
+            <a:r>
+              <a:rPr lang="en-US" dirty="0" err="1"/>
+              <a:t>elvis.map</a:t>
+            </a:r>
+            <a:r>
+              <a:rPr lang="en-US" dirty="0"/>
+              <a:t>(user =&gt; user.id</a:t>
+            </a:r>
+            <a:r>
+              <a:rPr lang="en-US" dirty="0" smtClean="0"/>
+              <a:t>)</a:t>
+            </a:r>
+          </a:p>
+          <a:p>
+            <a:r>
+              <a:rPr lang="en-US" dirty="0"/>
+              <a:t>&gt; res0: Option[</a:t>
+            </a:r>
+            <a:r>
+              <a:rPr lang="en-US" dirty="0" err="1"/>
+              <a:t>Int</a:t>
+            </a:r>
+            <a:r>
+              <a:rPr lang="en-US" dirty="0"/>
+              <a:t>] </a:t>
+            </a:r>
+            <a:r>
+              <a:rPr lang="en-US" dirty="0" smtClean="0"/>
+              <a:t>= None</a:t>
+            </a:r>
+            <a:endParaRPr lang="en-US" dirty="0"/>
+          </a:p>
+        </p:txBody>
+      </p:sp>
+      <p:sp>
+        <p:nvSpPr>
+          <p:cNvPr id="5" name="Text Placeholder 4"/>
+          <p:cNvSpPr>
+            <a:spLocks noGrp="1"/>
+          </p:cNvSpPr>
+          <p:nvPr>
+            <p:ph type="body" sz="quarter" idx="13"/>
+          </p:nvPr>
+        </p:nvSpPr>
+        <p:spPr/>
+        <p:txBody>
+          <a:bodyPr/>
+          <a:lstStyle/>
+          <a:p>
+            <a:r>
+              <a:rPr lang="en-US" dirty="0" err="1" smtClean="0"/>
+              <a:t>Option.map</a:t>
+            </a:r>
+            <a:endParaRPr lang="en-US" dirty="0"/>
+          </a:p>
+        </p:txBody>
+      </p:sp>
+      <p:sp>
+        <p:nvSpPr>
+          <p:cNvPr id="8" name="Footer Placeholder 7"/>
+          <p:cNvSpPr>
+            <a:spLocks noGrp="1"/>
+          </p:cNvSpPr>
+          <p:nvPr>
+            <p:ph type="ftr" sz="quarter" idx="11"/>
+          </p:nvPr>
+        </p:nvSpPr>
+        <p:spPr/>
+        <p:txBody>
+          <a:bodyPr/>
+          <a:lstStyle/>
+          <a:p>
+            <a:r>
+              <a:rPr lang="en-US" dirty="0" smtClean="0"/>
+              <a:t>Functional Design Patterns for OO Practitioners</a:t>
+            </a:r>
+            <a:endParaRPr lang="en-US" dirty="0"/>
+          </a:p>
+        </p:txBody>
+      </p:sp>
+      <p:sp>
+        <p:nvSpPr>
+          <p:cNvPr id="9" name="Date Placeholder 8"/>
           <p:cNvSpPr>
             <a:spLocks noGrp="1"/>
           </p:cNvSpPr>
@@ -7368,71 +8056,694 @@
             <p:ph type="dt" sz="half" idx="10"/>
           </p:nvPr>
         </p:nvSpPr>
-        <p:spPr/>
-        <p:txBody>
-          <a:bodyPr/>
-          <a:lstStyle/>
-          <a:p>
-            <a:r>
-              <a:rPr lang="de-CH" smtClean="0"/>
+        <p:spPr>
+          <a:xfrm>
+            <a:off x="7045010" y="6664377"/>
+            <a:ext cx="1519767" cy="148999"/>
+          </a:xfrm>
+        </p:spPr>
+        <p:txBody>
+          <a:bodyPr/>
+          <a:lstStyle/>
+          <a:p>
+            <a:r>
+              <a:rPr lang="en-US" dirty="0" smtClean="0"/>
               <a:t>14. September 2015</a:t>
             </a:r>
-            <a:endParaRPr lang="de-CH" dirty="0"/>
-          </a:p>
-        </p:txBody>
-      </p:sp>
-      <p:sp>
-        <p:nvSpPr>
-          <p:cNvPr id="5" name="Footer Placeholder 4"/>
-          <p:cNvSpPr>
-            <a:spLocks noGrp="1"/>
-          </p:cNvSpPr>
-          <p:nvPr>
-            <p:ph type="ftr" sz="quarter" idx="11"/>
-          </p:nvPr>
-        </p:nvSpPr>
-        <p:spPr/>
-        <p:txBody>
-          <a:bodyPr/>
-          <a:lstStyle/>
-          <a:p>
-            <a:r>
-              <a:rPr lang="en-US" smtClean="0"/>
-              <a:t>Functional Design Patterns for OO Practitioners</a:t>
-            </a:r>
-            <a:endParaRPr lang="de-CH" dirty="0"/>
-          </a:p>
-        </p:txBody>
-      </p:sp>
-      <p:sp>
-        <p:nvSpPr>
-          <p:cNvPr id="6" name="Text Placeholder 5"/>
-          <p:cNvSpPr>
-            <a:spLocks noGrp="1"/>
-          </p:cNvSpPr>
-          <p:nvPr>
-            <p:ph type="body" sz="quarter" idx="13"/>
-          </p:nvPr>
-        </p:nvSpPr>
-        <p:spPr/>
-        <p:txBody>
-          <a:bodyPr/>
-          <a:lstStyle/>
-          <a:p>
+            <a:endParaRPr lang="en-US" dirty="0"/>
+          </a:p>
+        </p:txBody>
+      </p:sp>
+      <p:sp>
+        <p:nvSpPr>
+          <p:cNvPr id="13" name="Rounded Rectangle 12"/>
+          <p:cNvSpPr/>
+          <p:nvPr/>
+        </p:nvSpPr>
+        <p:spPr>
+          <a:xfrm>
+            <a:off x="6692569" y="1336784"/>
+            <a:ext cx="1368152" cy="1368152"/>
+          </a:xfrm>
+          <a:prstGeom prst="roundRect">
+            <a:avLst/>
+          </a:prstGeom>
+          <a:noFill/>
+          <a:ln w="76200">
+            <a:solidFill>
+              <a:schemeClr val="accent1"/>
+            </a:solidFill>
+          </a:ln>
+        </p:spPr>
+        <p:style>
+          <a:lnRef idx="2">
+            <a:schemeClr val="accent1">
+              <a:shade val="50000"/>
+            </a:schemeClr>
+          </a:lnRef>
+          <a:fillRef idx="1">
+            <a:schemeClr val="accent1"/>
+          </a:fillRef>
+          <a:effectRef idx="0">
+            <a:schemeClr val="accent1"/>
+          </a:effectRef>
+          <a:fontRef idx="minor">
+            <a:schemeClr val="lt1"/>
+          </a:fontRef>
+        </p:style>
+        <p:txBody>
+          <a:bodyPr rtlCol="0" anchor="ctr"/>
+          <a:lstStyle/>
+          <a:p>
+            <a:pPr algn="ctr"/>
+            <a:endParaRPr lang="en-US" sz="2200" dirty="0" err="1" smtClean="0">
+              <a:ln w="76200">
+                <a:noFill/>
+              </a:ln>
+              <a:latin typeface="AA Zuehlke" pitchFamily="2" charset="0"/>
+            </a:endParaRPr>
+          </a:p>
+        </p:txBody>
+      </p:sp>
+      <p:sp>
+        <p:nvSpPr>
+          <p:cNvPr id="14" name="Rounded Rectangle 13"/>
+          <p:cNvSpPr/>
+          <p:nvPr/>
+        </p:nvSpPr>
+        <p:spPr>
+          <a:xfrm>
+            <a:off x="6836585" y="1480800"/>
+            <a:ext cx="1080120" cy="1080120"/>
+          </a:xfrm>
+          <a:prstGeom prst="roundRect">
+            <a:avLst/>
+          </a:prstGeom>
+          <a:solidFill>
+            <a:srgbClr val="0070C0"/>
+          </a:solidFill>
+          <a:ln w="76200">
+            <a:noFill/>
+          </a:ln>
+        </p:spPr>
+        <p:style>
+          <a:lnRef idx="2">
+            <a:schemeClr val="accent1">
+              <a:shade val="50000"/>
+            </a:schemeClr>
+          </a:lnRef>
+          <a:fillRef idx="1">
+            <a:schemeClr val="accent1"/>
+          </a:fillRef>
+          <a:effectRef idx="0">
+            <a:schemeClr val="accent1"/>
+          </a:effectRef>
+          <a:fontRef idx="minor">
+            <a:schemeClr val="lt1"/>
+          </a:fontRef>
+        </p:style>
+        <p:txBody>
+          <a:bodyPr rtlCol="0" anchor="ctr"/>
+          <a:lstStyle/>
+          <a:p>
+            <a:pPr algn="ctr"/>
+            <a:endParaRPr lang="en-US" sz="2200" dirty="0" err="1" smtClean="0">
+              <a:ln w="76200">
+                <a:noFill/>
+              </a:ln>
+              <a:latin typeface="AA Zuehlke" pitchFamily="2" charset="0"/>
+            </a:endParaRPr>
+          </a:p>
+        </p:txBody>
+      </p:sp>
+      <p:sp>
+        <p:nvSpPr>
+          <p:cNvPr id="15" name="TextBox 14"/>
+          <p:cNvSpPr txBox="1"/>
+          <p:nvPr/>
+        </p:nvSpPr>
+        <p:spPr>
+          <a:xfrm>
+            <a:off x="6865476" y="908720"/>
+            <a:ext cx="1584176" cy="360040"/>
+          </a:xfrm>
+          <a:prstGeom prst="rect">
+            <a:avLst/>
+          </a:prstGeom>
+          <a:noFill/>
+        </p:spPr>
+        <p:txBody>
+          <a:bodyPr wrap="square" rtlCol="0">
+            <a:noAutofit/>
+          </a:bodyPr>
+          <a:lstStyle/>
+          <a:p>
+            <a:r>
+              <a:rPr lang="en-US" sz="2200" dirty="0" smtClean="0">
+                <a:latin typeface="AA Zuehlke" pitchFamily="2" charset="0"/>
+              </a:rPr>
+              <a:t>Option</a:t>
+            </a:r>
+            <a:endParaRPr lang="en-US" sz="2200" dirty="0" smtClean="0">
+              <a:latin typeface="AA Zuehlke" pitchFamily="2" charset="0"/>
+            </a:endParaRPr>
+          </a:p>
+        </p:txBody>
+      </p:sp>
+      <p:sp>
+        <p:nvSpPr>
+          <p:cNvPr id="16" name="TextBox 15"/>
+          <p:cNvSpPr txBox="1"/>
+          <p:nvPr/>
+        </p:nvSpPr>
+        <p:spPr>
+          <a:xfrm>
+            <a:off x="7032104" y="1768832"/>
+            <a:ext cx="1584176" cy="360040"/>
+          </a:xfrm>
+          <a:prstGeom prst="rect">
+            <a:avLst/>
+          </a:prstGeom>
+          <a:noFill/>
+        </p:spPr>
+        <p:txBody>
+          <a:bodyPr wrap="square" rtlCol="0">
+            <a:noAutofit/>
+          </a:bodyPr>
+          <a:lstStyle/>
+          <a:p>
+            <a:r>
+              <a:rPr lang="en-US" sz="2200" dirty="0" smtClean="0">
+                <a:solidFill>
+                  <a:schemeClr val="bg1"/>
+                </a:solidFill>
+                <a:latin typeface="AA Zuehlke" pitchFamily="2" charset="0"/>
+              </a:rPr>
+              <a:t>User</a:t>
+            </a:r>
+            <a:endParaRPr lang="en-US" sz="2200" dirty="0" smtClean="0">
+              <a:solidFill>
+                <a:schemeClr val="bg1"/>
+              </a:solidFill>
+              <a:latin typeface="AA Zuehlke" pitchFamily="2" charset="0"/>
+            </a:endParaRPr>
+          </a:p>
+        </p:txBody>
+      </p:sp>
+      <p:sp>
+        <p:nvSpPr>
+          <p:cNvPr id="17" name="Rounded Rectangle 16"/>
+          <p:cNvSpPr/>
+          <p:nvPr/>
+        </p:nvSpPr>
+        <p:spPr>
+          <a:xfrm>
+            <a:off x="5159896" y="2996952"/>
+            <a:ext cx="720080" cy="720080"/>
+          </a:xfrm>
+          <a:prstGeom prst="roundRect">
+            <a:avLst/>
+          </a:prstGeom>
+          <a:solidFill>
+            <a:srgbClr val="0070C0"/>
+          </a:solidFill>
+          <a:ln w="76200">
+            <a:noFill/>
+          </a:ln>
+        </p:spPr>
+        <p:style>
+          <a:lnRef idx="2">
+            <a:schemeClr val="accent1">
+              <a:shade val="50000"/>
+            </a:schemeClr>
+          </a:lnRef>
+          <a:fillRef idx="1">
+            <a:schemeClr val="accent1"/>
+          </a:fillRef>
+          <a:effectRef idx="0">
+            <a:schemeClr val="accent1"/>
+          </a:effectRef>
+          <a:fontRef idx="minor">
+            <a:schemeClr val="lt1"/>
+          </a:fontRef>
+        </p:style>
+        <p:txBody>
+          <a:bodyPr rtlCol="0" anchor="ctr"/>
+          <a:lstStyle/>
+          <a:p>
+            <a:pPr algn="ctr"/>
+            <a:endParaRPr lang="en-US" sz="2200" dirty="0" err="1" smtClean="0">
+              <a:ln w="76200">
+                <a:noFill/>
+              </a:ln>
+              <a:latin typeface="AA Zuehlke" pitchFamily="2" charset="0"/>
+            </a:endParaRPr>
+          </a:p>
+        </p:txBody>
+      </p:sp>
+      <p:sp>
+        <p:nvSpPr>
+          <p:cNvPr id="18" name="Rounded Rectangle 17"/>
+          <p:cNvSpPr/>
+          <p:nvPr/>
+        </p:nvSpPr>
+        <p:spPr>
+          <a:xfrm>
+            <a:off x="6528048" y="2996952"/>
+            <a:ext cx="720080" cy="720080"/>
+          </a:xfrm>
+          <a:prstGeom prst="roundRect">
+            <a:avLst/>
+          </a:prstGeom>
+          <a:solidFill>
+            <a:srgbClr val="00B050"/>
+          </a:solidFill>
+          <a:ln w="76200">
+            <a:noFill/>
+          </a:ln>
+        </p:spPr>
+        <p:style>
+          <a:lnRef idx="2">
+            <a:schemeClr val="accent1">
+              <a:shade val="50000"/>
+            </a:schemeClr>
+          </a:lnRef>
+          <a:fillRef idx="1">
+            <a:schemeClr val="accent1"/>
+          </a:fillRef>
+          <a:effectRef idx="0">
+            <a:schemeClr val="accent1"/>
+          </a:effectRef>
+          <a:fontRef idx="minor">
+            <a:schemeClr val="lt1"/>
+          </a:fontRef>
+        </p:style>
+        <p:txBody>
+          <a:bodyPr rtlCol="0" anchor="ctr"/>
+          <a:lstStyle/>
+          <a:p>
+            <a:pPr algn="ctr"/>
+            <a:endParaRPr lang="en-US" sz="2200" dirty="0" err="1" smtClean="0">
+              <a:ln w="76200">
+                <a:noFill/>
+              </a:ln>
+              <a:latin typeface="AA Zuehlke" pitchFamily="2" charset="0"/>
+            </a:endParaRPr>
+          </a:p>
+        </p:txBody>
+      </p:sp>
+      <p:cxnSp>
+        <p:nvCxnSpPr>
+          <p:cNvPr id="20" name="Straight Arrow Connector 19"/>
+          <p:cNvCxnSpPr>
+            <a:stCxn id="17" idx="3"/>
+            <a:endCxn id="18" idx="1"/>
+          </p:cNvCxnSpPr>
+          <p:nvPr/>
+        </p:nvCxnSpPr>
+        <p:spPr>
+          <a:xfrm>
+            <a:off x="5879976" y="3356992"/>
+            <a:ext cx="648072" cy="0"/>
+          </a:xfrm>
+          <a:prstGeom prst="straightConnector1">
+            <a:avLst/>
+          </a:prstGeom>
+          <a:ln w="57150">
+            <a:solidFill>
+              <a:srgbClr val="FFC000"/>
+            </a:solidFill>
+            <a:tailEnd type="triangle"/>
+          </a:ln>
+        </p:spPr>
+        <p:style>
+          <a:lnRef idx="1">
+            <a:schemeClr val="accent1"/>
+          </a:lnRef>
+          <a:fillRef idx="0">
+            <a:schemeClr val="accent1"/>
+          </a:fillRef>
+          <a:effectRef idx="0">
+            <a:schemeClr val="accent1"/>
+          </a:effectRef>
+          <a:fontRef idx="minor">
+            <a:schemeClr val="tx1"/>
+          </a:fontRef>
+        </p:style>
+      </p:cxnSp>
+      <p:sp>
+        <p:nvSpPr>
+          <p:cNvPr id="23" name="TextBox 22"/>
+          <p:cNvSpPr txBox="1"/>
+          <p:nvPr/>
+        </p:nvSpPr>
+        <p:spPr>
+          <a:xfrm>
+            <a:off x="5159896" y="3140968"/>
+            <a:ext cx="720080" cy="360040"/>
+          </a:xfrm>
+          <a:prstGeom prst="rect">
+            <a:avLst/>
+          </a:prstGeom>
+          <a:noFill/>
+        </p:spPr>
+        <p:txBody>
+          <a:bodyPr wrap="square" rtlCol="0">
+            <a:noAutofit/>
+          </a:bodyPr>
+          <a:lstStyle/>
+          <a:p>
+            <a:r>
+              <a:rPr lang="en-US" sz="2200" dirty="0" smtClean="0">
+                <a:solidFill>
+                  <a:schemeClr val="bg1"/>
+                </a:solidFill>
+                <a:latin typeface="AA Zuehlke" pitchFamily="2" charset="0"/>
+              </a:rPr>
+              <a:t>User</a:t>
+            </a:r>
+            <a:endParaRPr lang="en-US" sz="2200" dirty="0" smtClean="0">
+              <a:solidFill>
+                <a:schemeClr val="bg1"/>
+              </a:solidFill>
+              <a:latin typeface="AA Zuehlke" pitchFamily="2" charset="0"/>
+            </a:endParaRPr>
+          </a:p>
+        </p:txBody>
+      </p:sp>
+      <p:sp>
+        <p:nvSpPr>
+          <p:cNvPr id="24" name="TextBox 23"/>
+          <p:cNvSpPr txBox="1"/>
+          <p:nvPr/>
+        </p:nvSpPr>
+        <p:spPr>
+          <a:xfrm>
+            <a:off x="6600056" y="3124671"/>
+            <a:ext cx="576064" cy="360040"/>
+          </a:xfrm>
+          <a:prstGeom prst="rect">
+            <a:avLst/>
+          </a:prstGeom>
+          <a:noFill/>
+        </p:spPr>
+        <p:txBody>
+          <a:bodyPr wrap="square" rtlCol="0">
+            <a:noAutofit/>
+          </a:bodyPr>
+          <a:lstStyle/>
+          <a:p>
+            <a:r>
+              <a:rPr lang="en-US" sz="2200" dirty="0" err="1" smtClean="0">
+                <a:solidFill>
+                  <a:schemeClr val="bg1"/>
+                </a:solidFill>
+                <a:latin typeface="AA Zuehlke" pitchFamily="2" charset="0"/>
+              </a:rPr>
+              <a:t>Int</a:t>
+            </a:r>
+            <a:endParaRPr lang="en-US" sz="2200" dirty="0" smtClean="0">
+              <a:solidFill>
+                <a:schemeClr val="bg1"/>
+              </a:solidFill>
+              <a:latin typeface="AA Zuehlke" pitchFamily="2" charset="0"/>
+            </a:endParaRPr>
+          </a:p>
+        </p:txBody>
+      </p:sp>
+      <p:sp>
+        <p:nvSpPr>
+          <p:cNvPr id="25" name="Rounded Rectangle 24"/>
+          <p:cNvSpPr/>
+          <p:nvPr/>
+        </p:nvSpPr>
+        <p:spPr>
+          <a:xfrm>
+            <a:off x="6692569" y="4437112"/>
+            <a:ext cx="1368152" cy="1368152"/>
+          </a:xfrm>
+          <a:prstGeom prst="roundRect">
+            <a:avLst/>
+          </a:prstGeom>
+          <a:noFill/>
+          <a:ln w="76200">
+            <a:solidFill>
+              <a:schemeClr val="accent1"/>
+            </a:solidFill>
+          </a:ln>
+        </p:spPr>
+        <p:style>
+          <a:lnRef idx="2">
+            <a:schemeClr val="accent1">
+              <a:shade val="50000"/>
+            </a:schemeClr>
+          </a:lnRef>
+          <a:fillRef idx="1">
+            <a:schemeClr val="accent1"/>
+          </a:fillRef>
+          <a:effectRef idx="0">
+            <a:schemeClr val="accent1"/>
+          </a:effectRef>
+          <a:fontRef idx="minor">
+            <a:schemeClr val="lt1"/>
+          </a:fontRef>
+        </p:style>
+        <p:txBody>
+          <a:bodyPr rtlCol="0" anchor="ctr"/>
+          <a:lstStyle/>
+          <a:p>
+            <a:pPr algn="ctr"/>
+            <a:endParaRPr lang="en-US" sz="2200" dirty="0" err="1" smtClean="0">
+              <a:ln w="76200">
+                <a:noFill/>
+              </a:ln>
+              <a:latin typeface="AA Zuehlke" pitchFamily="2" charset="0"/>
+            </a:endParaRPr>
+          </a:p>
+        </p:txBody>
+      </p:sp>
+      <p:sp>
+        <p:nvSpPr>
+          <p:cNvPr id="26" name="Rounded Rectangle 25"/>
+          <p:cNvSpPr/>
+          <p:nvPr/>
+        </p:nvSpPr>
+        <p:spPr>
+          <a:xfrm>
+            <a:off x="6836585" y="4581128"/>
+            <a:ext cx="1080120" cy="1080120"/>
+          </a:xfrm>
+          <a:prstGeom prst="roundRect">
+            <a:avLst/>
+          </a:prstGeom>
+          <a:solidFill>
+            <a:srgbClr val="00B050"/>
+          </a:solidFill>
+          <a:ln w="76200">
+            <a:noFill/>
+          </a:ln>
+        </p:spPr>
+        <p:style>
+          <a:lnRef idx="2">
+            <a:schemeClr val="accent1">
+              <a:shade val="50000"/>
+            </a:schemeClr>
+          </a:lnRef>
+          <a:fillRef idx="1">
+            <a:schemeClr val="accent1"/>
+          </a:fillRef>
+          <a:effectRef idx="0">
+            <a:schemeClr val="accent1"/>
+          </a:effectRef>
+          <a:fontRef idx="minor">
+            <a:schemeClr val="lt1"/>
+          </a:fontRef>
+        </p:style>
+        <p:txBody>
+          <a:bodyPr rtlCol="0" anchor="ctr"/>
+          <a:lstStyle/>
+          <a:p>
+            <a:pPr algn="ctr"/>
+            <a:endParaRPr lang="en-US" sz="2200" dirty="0" err="1" smtClean="0">
+              <a:ln w="76200">
+                <a:noFill/>
+              </a:ln>
+              <a:latin typeface="AA Zuehlke" pitchFamily="2" charset="0"/>
+            </a:endParaRPr>
+          </a:p>
+        </p:txBody>
+      </p:sp>
+      <p:sp>
+        <p:nvSpPr>
+          <p:cNvPr id="27" name="TextBox 26"/>
+          <p:cNvSpPr txBox="1"/>
+          <p:nvPr/>
+        </p:nvSpPr>
+        <p:spPr>
+          <a:xfrm>
+            <a:off x="6865476" y="3961482"/>
+            <a:ext cx="1584176" cy="360040"/>
+          </a:xfrm>
+          <a:prstGeom prst="rect">
+            <a:avLst/>
+          </a:prstGeom>
+          <a:noFill/>
+        </p:spPr>
+        <p:txBody>
+          <a:bodyPr wrap="square" rtlCol="0">
+            <a:noAutofit/>
+          </a:bodyPr>
+          <a:lstStyle/>
+          <a:p>
+            <a:r>
+              <a:rPr lang="en-US" sz="2200" dirty="0" smtClean="0">
+                <a:latin typeface="AA Zuehlke" pitchFamily="2" charset="0"/>
+              </a:rPr>
+              <a:t>Option</a:t>
+            </a:r>
+            <a:endParaRPr lang="en-US" sz="2200" dirty="0" smtClean="0">
+              <a:latin typeface="AA Zuehlke" pitchFamily="2" charset="0"/>
+            </a:endParaRPr>
+          </a:p>
+        </p:txBody>
+      </p:sp>
+      <p:sp>
+        <p:nvSpPr>
+          <p:cNvPr id="28" name="TextBox 27"/>
+          <p:cNvSpPr txBox="1"/>
+          <p:nvPr/>
+        </p:nvSpPr>
+        <p:spPr>
+          <a:xfrm>
+            <a:off x="7124617" y="4869160"/>
+            <a:ext cx="699575" cy="360040"/>
+          </a:xfrm>
+          <a:prstGeom prst="rect">
+            <a:avLst/>
+          </a:prstGeom>
+          <a:noFill/>
+        </p:spPr>
+        <p:txBody>
+          <a:bodyPr wrap="square" rtlCol="0">
+            <a:noAutofit/>
+          </a:bodyPr>
+          <a:lstStyle/>
+          <a:p>
+            <a:r>
+              <a:rPr lang="en-US" sz="2200" dirty="0" err="1" smtClean="0">
+                <a:solidFill>
+                  <a:schemeClr val="bg1"/>
+                </a:solidFill>
+                <a:latin typeface="AA Zuehlke" pitchFamily="2" charset="0"/>
+              </a:rPr>
+              <a:t>Int</a:t>
+            </a:r>
+            <a:endParaRPr lang="en-US" sz="2200" dirty="0" smtClean="0">
+              <a:solidFill>
+                <a:schemeClr val="bg1"/>
+              </a:solidFill>
+              <a:latin typeface="AA Zuehlke" pitchFamily="2" charset="0"/>
+            </a:endParaRPr>
+          </a:p>
+        </p:txBody>
+      </p:sp>
+      <p:sp>
+        <p:nvSpPr>
+          <p:cNvPr id="32" name="Arc 31"/>
+          <p:cNvSpPr/>
+          <p:nvPr/>
+        </p:nvSpPr>
+        <p:spPr>
+          <a:xfrm rot="2614041">
+            <a:off x="6028959" y="2626699"/>
+            <a:ext cx="1463190" cy="1643957"/>
+          </a:xfrm>
+          <a:prstGeom prst="arc">
+            <a:avLst/>
+          </a:prstGeom>
+          <a:ln w="57150">
+            <a:solidFill>
+              <a:srgbClr val="FFC000"/>
+            </a:solidFill>
+            <a:headEnd type="none" w="med" len="med"/>
+            <a:tailEnd type="triangle" w="med" len="med"/>
+          </a:ln>
+        </p:spPr>
+        <p:style>
+          <a:lnRef idx="1">
+            <a:schemeClr val="accent1"/>
+          </a:lnRef>
+          <a:fillRef idx="0">
+            <a:schemeClr val="accent1"/>
+          </a:fillRef>
+          <a:effectRef idx="0">
+            <a:schemeClr val="accent1"/>
+          </a:effectRef>
+          <a:fontRef idx="minor">
+            <a:schemeClr val="tx1"/>
+          </a:fontRef>
+        </p:style>
+        <p:txBody>
+          <a:bodyPr rtlCol="0" anchor="ctr"/>
+          <a:lstStyle/>
+          <a:p>
+            <a:pPr algn="ctr"/>
             <a:endParaRPr lang="en-US"/>
+          </a:p>
+        </p:txBody>
+      </p:sp>
+      <p:sp>
+        <p:nvSpPr>
+          <p:cNvPr id="33" name="TextBox 32"/>
+          <p:cNvSpPr txBox="1"/>
+          <p:nvPr/>
+        </p:nvSpPr>
+        <p:spPr>
+          <a:xfrm>
+            <a:off x="7642676" y="3144413"/>
+            <a:ext cx="894320" cy="360040"/>
+          </a:xfrm>
+          <a:prstGeom prst="rect">
+            <a:avLst/>
+          </a:prstGeom>
+          <a:noFill/>
+        </p:spPr>
+        <p:txBody>
+          <a:bodyPr wrap="square" rtlCol="0">
+            <a:noAutofit/>
+          </a:bodyPr>
+          <a:lstStyle/>
+          <a:p>
+            <a:r>
+              <a:rPr lang="en-US" sz="2200" dirty="0" smtClean="0">
+                <a:latin typeface="AA Zuehlke" pitchFamily="2" charset="0"/>
+              </a:rPr>
+              <a:t>map</a:t>
+            </a:r>
+            <a:endParaRPr lang="en-US" sz="2200" dirty="0" smtClean="0">
+              <a:latin typeface="AA Zuehlke" pitchFamily="2" charset="0"/>
+            </a:endParaRPr>
           </a:p>
         </p:txBody>
       </p:sp>
     </p:spTree>
     <p:extLst>
       <p:ext uri="{BB962C8B-B14F-4D97-AF65-F5344CB8AC3E}">
-        <p14:creationId xmlns:p14="http://schemas.microsoft.com/office/powerpoint/2010/main" val="2670227320"/>
+        <p14:creationId xmlns:p14="http://schemas.microsoft.com/office/powerpoint/2010/main" val="151348630"/>
       </p:ext>
     </p:extLst>
   </p:cSld>
   <p:clrMapOvr>
     <a:masterClrMapping/>
   </p:clrMapOvr>
+  <mc:AlternateContent xmlns:mc="http://schemas.openxmlformats.org/markup-compatibility/2006">
+    <mc:Choice xmlns:p14="http://schemas.microsoft.com/office/powerpoint/2010/main" Requires="p14">
+      <p:transition spd="slow" p14:dur="2000"/>
+    </mc:Choice>
+    <mc:Fallback>
+      <p:transition spd="slow"/>
+    </mc:Fallback>
+  </mc:AlternateContent>
 </p:sld>
 </file>
 
@@ -7493,7 +8804,7 @@
           <a:p>
             <a:r>
               <a:rPr lang="de-CH" dirty="0" err="1" smtClean="0"/>
-              <a:t>We’ve</a:t>
+              <a:t>We</a:t>
             </a:r>
             <a:r>
               <a:rPr lang="de-CH" dirty="0" smtClean="0"/>
@@ -7501,7 +8812,7 @@
             </a:r>
             <a:r>
               <a:rPr lang="de-CH" dirty="0" err="1" smtClean="0"/>
-              <a:t>been</a:t>
+              <a:t>believe</a:t>
             </a:r>
             <a:r>
               <a:rPr lang="de-CH" dirty="0" smtClean="0"/>
@@ -7509,20 +8820,13 @@
             </a:r>
             <a:r>
               <a:rPr lang="de-CH" dirty="0" err="1" smtClean="0"/>
-              <a:t>thinking</a:t>
-            </a:r>
-            <a:r>
-              <a:rPr lang="de-CH" dirty="0" smtClean="0"/>
-              <a:t> </a:t>
-            </a:r>
-            <a:r>
-              <a:rPr lang="de-CH" dirty="0" err="1" smtClean="0"/>
-              <a:t>about</a:t>
+              <a:t>that</a:t>
             </a:r>
             <a:r>
               <a:rPr lang="de-CH" dirty="0" smtClean="0"/>
               <a:t>:</a:t>
             </a:r>
+            <a:endParaRPr lang="de-CH" dirty="0" smtClean="0"/>
           </a:p>
           <a:p>
             <a:pPr marL="342900" indent="-342900">
@@ -7531,7 +8835,7 @@
             </a:pPr>
             <a:r>
               <a:rPr lang="de-CH" dirty="0" err="1" smtClean="0"/>
-              <a:t>How</a:t>
+              <a:t>We</a:t>
             </a:r>
             <a:r>
               <a:rPr lang="de-CH" dirty="0" smtClean="0"/>
@@ -7539,7 +8843,15 @@
             </a:r>
             <a:r>
               <a:rPr lang="de-CH" dirty="0" err="1" smtClean="0"/>
-              <a:t>can</a:t>
+              <a:t>should</a:t>
+            </a:r>
+            <a:r>
+              <a:rPr lang="de-CH" dirty="0" smtClean="0"/>
+              <a:t> care </a:t>
+            </a:r>
+            <a:r>
+              <a:rPr lang="de-CH" dirty="0" err="1" smtClean="0"/>
+              <a:t>about</a:t>
             </a:r>
             <a:r>
               <a:rPr lang="de-CH" dirty="0" smtClean="0"/>
@@ -7555,7 +8867,15 @@
             </a:r>
             <a:r>
               <a:rPr lang="de-CH" dirty="0" err="1" smtClean="0"/>
-              <a:t>concepts</a:t>
+              <a:t>programming</a:t>
+            </a:r>
+            <a:r>
+              <a:rPr lang="de-CH" dirty="0" smtClean="0"/>
+              <a:t>. </a:t>
+            </a:r>
+            <a:r>
+              <a:rPr lang="de-CH" dirty="0" err="1" smtClean="0"/>
+              <a:t>It</a:t>
             </a:r>
             <a:r>
               <a:rPr lang="de-CH" dirty="0" smtClean="0"/>
@@ -7563,7 +8883,15 @@
             </a:r>
             <a:r>
               <a:rPr lang="de-CH" dirty="0" err="1" smtClean="0"/>
-              <a:t>improve</a:t>
+              <a:t>is</a:t>
+            </a:r>
+            <a:r>
+              <a:rPr lang="de-CH" dirty="0" smtClean="0"/>
+              <a:t> (a </a:t>
+            </a:r>
+            <a:r>
+              <a:rPr lang="de-CH" dirty="0" err="1" smtClean="0"/>
+              <a:t>part</a:t>
             </a:r>
             <a:r>
               <a:rPr lang="de-CH" dirty="0" smtClean="0"/>
@@ -7571,15 +8899,7 @@
             </a:r>
             <a:r>
               <a:rPr lang="de-CH" dirty="0" err="1" smtClean="0"/>
-              <a:t>our</a:t>
-            </a:r>
-            <a:r>
-              <a:rPr lang="de-CH" dirty="0" smtClean="0"/>
-              <a:t> (</a:t>
-            </a:r>
-            <a:r>
-              <a:rPr lang="de-CH" dirty="0" err="1" smtClean="0"/>
-              <a:t>object-oriented</a:t>
+              <a:t>of</a:t>
             </a:r>
             <a:r>
               <a:rPr lang="de-CH" dirty="0" smtClean="0"/>
@@ -7587,13 +8907,20 @@
             </a:r>
             <a:r>
               <a:rPr lang="de-CH" dirty="0" err="1" smtClean="0"/>
-              <a:t>code</a:t>
-            </a:r>
-            <a:r>
-              <a:rPr lang="de-CH" dirty="0"/>
-              <a:t>?</a:t>
-            </a:r>
-            <a:endParaRPr lang="de-CH" dirty="0" smtClean="0"/>
+              <a:t>the</a:t>
+            </a:r>
+            <a:r>
+              <a:rPr lang="de-CH" dirty="0" smtClean="0"/>
+              <a:t> </a:t>
+            </a:r>
+            <a:r>
+              <a:rPr lang="de-CH" dirty="0" err="1" smtClean="0"/>
+              <a:t>future</a:t>
+            </a:r>
+            <a:r>
+              <a:rPr lang="de-CH" dirty="0" smtClean="0"/>
+              <a:t>.</a:t>
+            </a:r>
           </a:p>
           <a:p>
             <a:pPr marL="342900" indent="-342900">
@@ -7602,7 +8929,7 @@
             </a:pPr>
             <a:r>
               <a:rPr lang="de-CH" dirty="0" err="1" smtClean="0"/>
-              <a:t>How</a:t>
+              <a:t>Functional</a:t>
             </a:r>
             <a:r>
               <a:rPr lang="de-CH" dirty="0" smtClean="0"/>
@@ -7610,7 +8937,7 @@
             </a:r>
             <a:r>
               <a:rPr lang="de-CH" dirty="0" err="1" smtClean="0"/>
-              <a:t>can</a:t>
+              <a:t>concepts</a:t>
             </a:r>
             <a:r>
               <a:rPr lang="de-CH" dirty="0" smtClean="0"/>
@@ -7618,23 +8945,7 @@
             </a:r>
             <a:r>
               <a:rPr lang="de-CH" dirty="0" err="1" smtClean="0"/>
-              <a:t>our</a:t>
-            </a:r>
-            <a:r>
-              <a:rPr lang="de-CH" dirty="0" smtClean="0"/>
-              <a:t> (</a:t>
-            </a:r>
-            <a:r>
-              <a:rPr lang="de-CH" dirty="0" err="1" smtClean="0"/>
-              <a:t>object-oriented</a:t>
-            </a:r>
-            <a:r>
-              <a:rPr lang="de-CH" dirty="0" smtClean="0"/>
-              <a:t>) </a:t>
-            </a:r>
-            <a:r>
-              <a:rPr lang="de-CH" dirty="0" err="1" smtClean="0"/>
-              <a:t>brains</a:t>
+              <a:t>are</a:t>
             </a:r>
             <a:r>
               <a:rPr lang="de-CH" dirty="0" smtClean="0"/>
@@ -7642,15 +8953,7 @@
             </a:r>
             <a:r>
               <a:rPr lang="de-CH" dirty="0" err="1" smtClean="0"/>
-              <a:t>get</a:t>
-            </a:r>
-            <a:r>
-              <a:rPr lang="de-CH" dirty="0" smtClean="0"/>
-              <a:t> a </a:t>
-            </a:r>
-            <a:r>
-              <a:rPr lang="de-CH" dirty="0" err="1" smtClean="0"/>
-              <a:t>grasp</a:t>
+              <a:t>complementary</a:t>
             </a:r>
             <a:r>
               <a:rPr lang="de-CH" dirty="0" smtClean="0"/>
@@ -7658,147 +8961,56 @@
             </a:r>
             <a:r>
               <a:rPr lang="de-CH" dirty="0" err="1" smtClean="0"/>
-              <a:t>of</a:t>
+              <a:t>to</a:t>
             </a:r>
             <a:r>
               <a:rPr lang="de-CH" dirty="0" smtClean="0"/>
               <a:t> </a:t>
             </a:r>
             <a:r>
-              <a:rPr lang="de-CH" dirty="0" err="1" smtClean="0"/>
-              <a:t>functional</a:t>
-            </a:r>
-            <a:r>
               <a:rPr lang="de-CH" dirty="0" smtClean="0"/>
-              <a:t> </a:t>
-            </a:r>
-            <a:r>
-              <a:rPr lang="de-CH" dirty="0" err="1" smtClean="0"/>
-              <a:t>concepts</a:t>
-            </a:r>
-            <a:r>
-              <a:rPr lang="de-CH" dirty="0" smtClean="0"/>
-              <a:t>?</a:t>
-            </a:r>
-          </a:p>
-          <a:p>
-            <a:endParaRPr lang="de-CH" dirty="0" smtClean="0"/>
-          </a:p>
-          <a:p>
-            <a:r>
-              <a:rPr lang="de-CH" dirty="0" err="1" smtClean="0"/>
-              <a:t>We</a:t>
-            </a:r>
-            <a:r>
-              <a:rPr lang="de-CH" dirty="0" smtClean="0"/>
-              <a:t> </a:t>
-            </a:r>
-            <a:r>
-              <a:rPr lang="de-CH" dirty="0" err="1" smtClean="0"/>
-              <a:t>believe</a:t>
-            </a:r>
-            <a:r>
-              <a:rPr lang="de-CH" dirty="0" smtClean="0"/>
-              <a:t> </a:t>
-            </a:r>
-            <a:r>
-              <a:rPr lang="de-CH" dirty="0" err="1" smtClean="0"/>
-              <a:t>that</a:t>
-            </a:r>
-            <a:endParaRPr lang="de-CH" dirty="0" smtClean="0"/>
+              <a:t>OO.</a:t>
+            </a:r>
           </a:p>
           <a:p>
             <a:pPr marL="342900" indent="-342900">
               <a:buFont typeface="Arial" panose="020B0604020202020204" pitchFamily="34" charset="0"/>
               <a:buChar char="•"/>
             </a:pPr>
+            <a:endParaRPr lang="de-CH" dirty="0"/>
+          </a:p>
+          <a:p>
             <a:r>
               <a:rPr lang="de-CH" dirty="0" err="1" smtClean="0"/>
-              <a:t>We</a:t>
+              <a:t>We’ve</a:t>
             </a:r>
             <a:r>
               <a:rPr lang="de-CH" dirty="0" smtClean="0"/>
               <a:t> </a:t>
             </a:r>
             <a:r>
-              <a:rPr lang="de-CH" dirty="0" err="1" smtClean="0"/>
-              <a:t>should</a:t>
-            </a:r>
-            <a:r>
-              <a:rPr lang="de-CH" dirty="0" smtClean="0"/>
-              <a:t> care </a:t>
-            </a:r>
-            <a:r>
-              <a:rPr lang="de-CH" dirty="0" err="1" smtClean="0"/>
+              <a:rPr lang="de-CH" dirty="0" err="1"/>
+              <a:t>been</a:t>
+            </a:r>
+            <a:r>
+              <a:rPr lang="de-CH" dirty="0"/>
+              <a:t> </a:t>
+            </a:r>
+            <a:r>
+              <a:rPr lang="de-CH" dirty="0" err="1"/>
+              <a:t>thinking</a:t>
+            </a:r>
+            <a:r>
+              <a:rPr lang="de-CH" dirty="0"/>
+              <a:t> </a:t>
+            </a:r>
+            <a:r>
+              <a:rPr lang="de-CH" dirty="0" err="1"/>
               <a:t>about</a:t>
             </a:r>
             <a:r>
-              <a:rPr lang="de-CH" dirty="0" smtClean="0"/>
-              <a:t> </a:t>
-            </a:r>
-            <a:r>
-              <a:rPr lang="de-CH" dirty="0" err="1" smtClean="0"/>
-              <a:t>functional</a:t>
-            </a:r>
-            <a:r>
-              <a:rPr lang="de-CH" dirty="0" smtClean="0"/>
-              <a:t> </a:t>
-            </a:r>
-            <a:r>
-              <a:rPr lang="de-CH" dirty="0" err="1" smtClean="0"/>
-              <a:t>programming</a:t>
-            </a:r>
-            <a:r>
-              <a:rPr lang="de-CH" dirty="0" smtClean="0"/>
-              <a:t>. </a:t>
-            </a:r>
-            <a:r>
-              <a:rPr lang="de-CH" dirty="0" err="1" smtClean="0"/>
-              <a:t>It</a:t>
-            </a:r>
-            <a:r>
-              <a:rPr lang="de-CH" dirty="0" smtClean="0"/>
-              <a:t> </a:t>
-            </a:r>
-            <a:r>
-              <a:rPr lang="de-CH" dirty="0" err="1" smtClean="0"/>
-              <a:t>is</a:t>
-            </a:r>
-            <a:r>
-              <a:rPr lang="de-CH" dirty="0" smtClean="0"/>
-              <a:t> (a </a:t>
-            </a:r>
-            <a:r>
-              <a:rPr lang="de-CH" dirty="0" err="1" smtClean="0"/>
-              <a:t>part</a:t>
-            </a:r>
-            <a:r>
-              <a:rPr lang="de-CH" dirty="0" smtClean="0"/>
-              <a:t> </a:t>
-            </a:r>
-            <a:r>
-              <a:rPr lang="de-CH" dirty="0" err="1" smtClean="0"/>
-              <a:t>of</a:t>
-            </a:r>
-            <a:r>
-              <a:rPr lang="de-CH" dirty="0" smtClean="0"/>
-              <a:t>) </a:t>
-            </a:r>
-            <a:r>
-              <a:rPr lang="de-CH" dirty="0" err="1" smtClean="0"/>
-              <a:t>the</a:t>
-            </a:r>
-            <a:r>
-              <a:rPr lang="de-CH" dirty="0" smtClean="0"/>
-              <a:t> </a:t>
-            </a:r>
-            <a:r>
-              <a:rPr lang="de-CH" dirty="0" err="1" smtClean="0"/>
-              <a:t>future</a:t>
-            </a:r>
-            <a:r>
-              <a:rPr lang="de-CH" dirty="0" smtClean="0"/>
-              <a:t>.</a:t>
+              <a:rPr lang="de-CH" dirty="0"/>
+              <a:t>:</a:t>
             </a:r>
           </a:p>
           <a:p>
@@ -7808,7 +9020,7 @@
             </a:pPr>
             <a:r>
               <a:rPr lang="de-CH" dirty="0" err="1" smtClean="0"/>
-              <a:t>Functional</a:t>
+              <a:t>What</a:t>
             </a:r>
             <a:r>
               <a:rPr lang="de-CH" dirty="0" smtClean="0"/>
@@ -7816,7 +9028,7 @@
             </a:r>
             <a:r>
               <a:rPr lang="de-CH" dirty="0" err="1" smtClean="0"/>
-              <a:t>concepts</a:t>
+              <a:t>is</a:t>
             </a:r>
             <a:r>
               <a:rPr lang="de-CH" dirty="0" smtClean="0"/>
@@ -7824,7 +9036,7 @@
             </a:r>
             <a:r>
               <a:rPr lang="de-CH" dirty="0" err="1" smtClean="0"/>
-              <a:t>are</a:t>
+              <a:t>the</a:t>
             </a:r>
             <a:r>
               <a:rPr lang="de-CH" dirty="0" smtClean="0"/>
@@ -7832,7 +9044,7 @@
             </a:r>
             <a:r>
               <a:rPr lang="de-CH" dirty="0" err="1" smtClean="0"/>
-              <a:t>complementary</a:t>
+              <a:t>gist</a:t>
             </a:r>
             <a:r>
               <a:rPr lang="de-CH" dirty="0" smtClean="0"/>
@@ -7840,11 +9052,27 @@
             </a:r>
             <a:r>
               <a:rPr lang="de-CH" dirty="0" err="1" smtClean="0"/>
-              <a:t>to</a:t>
+              <a:t>of</a:t>
             </a:r>
             <a:r>
               <a:rPr lang="de-CH" dirty="0" smtClean="0"/>
-              <a:t> OO.</a:t>
+              <a:t> </a:t>
+            </a:r>
+            <a:r>
+              <a:rPr lang="de-CH" dirty="0" err="1" smtClean="0"/>
+              <a:t>functional</a:t>
+            </a:r>
+            <a:r>
+              <a:rPr lang="de-CH" dirty="0" smtClean="0"/>
+              <a:t> </a:t>
+            </a:r>
+            <a:r>
+              <a:rPr lang="de-CH" dirty="0" err="1" smtClean="0"/>
+              <a:t>programming</a:t>
+            </a:r>
+            <a:r>
+              <a:rPr lang="de-CH" dirty="0" smtClean="0"/>
+              <a:t>?</a:t>
             </a:r>
           </a:p>
           <a:p>
@@ -7854,7 +9082,7 @@
             </a:pPr>
             <a:r>
               <a:rPr lang="de-CH" dirty="0" err="1" smtClean="0"/>
-              <a:t>Identifying</a:t>
+              <a:t>Which</a:t>
             </a:r>
             <a:r>
               <a:rPr lang="de-CH" dirty="0" smtClean="0"/>
@@ -7862,7 +9090,7 @@
             </a:r>
             <a:r>
               <a:rPr lang="de-CH" dirty="0" err="1" smtClean="0"/>
-              <a:t>and</a:t>
+              <a:t>functional</a:t>
             </a:r>
             <a:r>
               <a:rPr lang="de-CH" dirty="0" smtClean="0"/>
@@ -7870,7 +9098,7 @@
             </a:r>
             <a:r>
               <a:rPr lang="de-CH" dirty="0" err="1" smtClean="0"/>
-              <a:t>using</a:t>
+              <a:t>concepts</a:t>
             </a:r>
             <a:r>
               <a:rPr lang="de-CH" dirty="0" smtClean="0"/>
@@ -7878,60 +9106,39 @@
             </a:r>
             <a:r>
               <a:rPr lang="de-CH" dirty="0" err="1" smtClean="0"/>
-              <a:t>functional</a:t>
+              <a:t>are</a:t>
             </a:r>
             <a:r>
               <a:rPr lang="de-CH" dirty="0" smtClean="0"/>
               <a:t> </a:t>
             </a:r>
             <a:r>
+              <a:rPr lang="en-GB" dirty="0" smtClean="0"/>
+              <a:t>helpful</a:t>
+            </a:r>
+            <a:r>
+              <a:rPr lang="de-CH" dirty="0" smtClean="0"/>
+              <a:t> in an «</a:t>
+            </a:r>
+            <a:r>
               <a:rPr lang="de-CH" dirty="0" err="1" smtClean="0"/>
-              <a:t>patterns</a:t>
+              <a:t>object-functional</a:t>
             </a:r>
             <a:r>
               <a:rPr lang="de-CH" dirty="0" smtClean="0"/>
-              <a:t> </a:t>
+              <a:t>» </a:t>
             </a:r>
             <a:r>
               <a:rPr lang="de-CH" dirty="0" err="1" smtClean="0"/>
-              <a:t>is</a:t>
+              <a:t>world</a:t>
             </a:r>
             <a:r>
               <a:rPr lang="de-CH" dirty="0" smtClean="0"/>
-              <a:t> a </a:t>
-            </a:r>
-            <a:r>
-              <a:rPr lang="de-CH" dirty="0" err="1" smtClean="0"/>
-              <a:t>key</a:t>
-            </a:r>
-            <a:r>
-              <a:rPr lang="de-CH" dirty="0" smtClean="0"/>
-              <a:t> </a:t>
-            </a:r>
-            <a:r>
-              <a:rPr lang="de-CH" dirty="0" err="1" smtClean="0"/>
-              <a:t>to</a:t>
-            </a:r>
-            <a:r>
-              <a:rPr lang="de-CH" dirty="0" smtClean="0"/>
-              <a:t> </a:t>
-            </a:r>
-            <a:r>
-              <a:rPr lang="de-CH" dirty="0" err="1" smtClean="0"/>
-              <a:t>successfully</a:t>
-            </a:r>
-            <a:r>
-              <a:rPr lang="de-CH" dirty="0" smtClean="0"/>
-              <a:t> </a:t>
-            </a:r>
-            <a:r>
-              <a:rPr lang="de-CH" dirty="0" err="1" smtClean="0"/>
-              <a:t>applying</a:t>
-            </a:r>
-            <a:r>
-              <a:rPr lang="de-CH" dirty="0" smtClean="0"/>
-              <a:t> FP.</a:t>
-            </a:r>
+              <a:t>?</a:t>
+            </a:r>
+          </a:p>
+          <a:p>
+            <a:endParaRPr lang="de-CH" dirty="0" smtClean="0"/>
           </a:p>
         </p:txBody>
       </p:sp>
@@ -8008,6 +9215,2129 @@
     <p:extLst>
       <p:ext uri="{BB962C8B-B14F-4D97-AF65-F5344CB8AC3E}">
         <p14:creationId xmlns:p14="http://schemas.microsoft.com/office/powerpoint/2010/main" val="1202501959"/>
+      </p:ext>
+    </p:extLst>
+  </p:cSld>
+  <p:clrMapOvr>
+    <a:masterClrMapping/>
+  </p:clrMapOvr>
+</p:sld>
+</file>
+
+<file path=ppt/slides/slide20.xml><?xml version="1.0" encoding="utf-8"?>
+<p:sld xmlns:a="http://schemas.openxmlformats.org/drawingml/2006/main" xmlns:r="http://schemas.openxmlformats.org/officeDocument/2006/relationships" xmlns:p="http://schemas.openxmlformats.org/presentationml/2006/main">
+  <p:cSld>
+    <p:spTree>
+      <p:nvGrpSpPr>
+        <p:cNvPr id="1" name=""/>
+        <p:cNvGrpSpPr/>
+        <p:nvPr/>
+      </p:nvGrpSpPr>
+      <p:grpSpPr>
+        <a:xfrm>
+          <a:off x="0" y="0"/>
+          <a:ext cx="0" cy="0"/>
+          <a:chOff x="0" y="0"/>
+          <a:chExt cx="0" cy="0"/>
+        </a:xfrm>
+      </p:grpSpPr>
+      <p:sp>
+        <p:nvSpPr>
+          <p:cNvPr id="2" name="Title 1"/>
+          <p:cNvSpPr>
+            <a:spLocks noGrp="1"/>
+          </p:cNvSpPr>
+          <p:nvPr>
+            <p:ph type="title"/>
+          </p:nvPr>
+        </p:nvSpPr>
+        <p:spPr/>
+        <p:txBody>
+          <a:bodyPr/>
+          <a:lstStyle/>
+          <a:p>
+            <a:r>
+              <a:rPr lang="en-US" dirty="0" smtClean="0"/>
+              <a:t>The Option/Optional/Maybe Type</a:t>
+            </a:r>
+            <a:endParaRPr lang="en-US" dirty="0"/>
+          </a:p>
+        </p:txBody>
+      </p:sp>
+      <p:sp>
+        <p:nvSpPr>
+          <p:cNvPr id="3" name="Content Placeholder 2"/>
+          <p:cNvSpPr>
+            <a:spLocks noGrp="1"/>
+          </p:cNvSpPr>
+          <p:nvPr>
+            <p:ph idx="1"/>
+          </p:nvPr>
+        </p:nvSpPr>
+        <p:spPr/>
+        <p:txBody>
+          <a:bodyPr/>
+          <a:lstStyle/>
+          <a:p>
+            <a:r>
+              <a:rPr lang="en-US" dirty="0" err="1"/>
+              <a:t>def</a:t>
+            </a:r>
+            <a:r>
+              <a:rPr lang="en-US" dirty="0"/>
+              <a:t> </a:t>
+            </a:r>
+            <a:r>
+              <a:rPr lang="en-US" dirty="0" err="1" smtClean="0"/>
+              <a:t>loadOrder</a:t>
+            </a:r>
+            <a:r>
+              <a:rPr lang="en-US" dirty="0" smtClean="0"/>
+              <a:t>(</a:t>
+            </a:r>
+            <a:r>
+              <a:rPr lang="en-US" dirty="0" err="1" smtClean="0"/>
+              <a:t>userId</a:t>
+            </a:r>
+            <a:r>
+              <a:rPr lang="en-US" dirty="0" smtClean="0"/>
+              <a:t>: </a:t>
+            </a:r>
+            <a:r>
+              <a:rPr lang="en-US" dirty="0" err="1" smtClean="0"/>
+              <a:t>Int</a:t>
+            </a:r>
+            <a:r>
+              <a:rPr lang="en-US" dirty="0" smtClean="0"/>
+              <a:t>): Option[Order]</a:t>
+            </a:r>
+            <a:endParaRPr lang="en-US" dirty="0"/>
+          </a:p>
+          <a:p>
+            <a:endParaRPr lang="en-US" dirty="0" smtClean="0"/>
+          </a:p>
+          <a:p>
+            <a:endParaRPr lang="en-US" dirty="0" smtClean="0"/>
+          </a:p>
+          <a:p>
+            <a:r>
+              <a:rPr lang="en-US" dirty="0" err="1" smtClean="0"/>
+              <a:t>val</a:t>
+            </a:r>
+            <a:r>
+              <a:rPr lang="en-US" dirty="0" smtClean="0"/>
+              <a:t> </a:t>
+            </a:r>
+            <a:r>
+              <a:rPr lang="en-US" dirty="0"/>
+              <a:t>john = </a:t>
+            </a:r>
+            <a:r>
+              <a:rPr lang="en-US" dirty="0" err="1"/>
+              <a:t>loadUser</a:t>
+            </a:r>
+            <a:r>
+              <a:rPr lang="en-US" dirty="0"/>
+              <a:t>("John")</a:t>
+            </a:r>
+          </a:p>
+          <a:p>
+            <a:r>
+              <a:rPr lang="en-US" dirty="0" err="1"/>
+              <a:t>john.map</a:t>
+            </a:r>
+            <a:r>
+              <a:rPr lang="en-US" dirty="0"/>
+              <a:t>(user =&gt; </a:t>
+            </a:r>
+            <a:r>
+              <a:rPr lang="en-US" dirty="0" err="1" smtClean="0"/>
+              <a:t>loadOrder</a:t>
+            </a:r>
+            <a:r>
+              <a:rPr lang="en-US" dirty="0" smtClean="0"/>
+              <a:t>(user.id)</a:t>
+            </a:r>
+          </a:p>
+          <a:p>
+            <a:endParaRPr lang="en-US" dirty="0"/>
+          </a:p>
+          <a:p>
+            <a:r>
+              <a:rPr lang="en-US" dirty="0" err="1"/>
+              <a:t>val</a:t>
+            </a:r>
+            <a:r>
+              <a:rPr lang="en-US" dirty="0"/>
+              <a:t> </a:t>
+            </a:r>
+            <a:r>
+              <a:rPr lang="en-US" dirty="0" err="1"/>
+              <a:t>elvis</a:t>
+            </a:r>
+            <a:r>
+              <a:rPr lang="en-US" dirty="0"/>
+              <a:t> = </a:t>
+            </a:r>
+            <a:r>
+              <a:rPr lang="en-US" dirty="0" err="1"/>
+              <a:t>loadUser</a:t>
+            </a:r>
+            <a:r>
+              <a:rPr lang="en-US" dirty="0"/>
+              <a:t>("Elvis")</a:t>
+            </a:r>
+          </a:p>
+          <a:p>
+            <a:r>
+              <a:rPr lang="en-US" dirty="0" err="1"/>
+              <a:t>elvis.map</a:t>
+            </a:r>
+            <a:r>
+              <a:rPr lang="en-US" dirty="0"/>
+              <a:t>(user =&gt; </a:t>
+            </a:r>
+            <a:r>
+              <a:rPr lang="en-US" dirty="0" err="1" smtClean="0"/>
+              <a:t>loadOrder</a:t>
+            </a:r>
+            <a:r>
+              <a:rPr lang="en-US" dirty="0" smtClean="0"/>
+              <a:t>(user.id))</a:t>
+            </a:r>
+            <a:endParaRPr lang="en-US" dirty="0"/>
+          </a:p>
+        </p:txBody>
+      </p:sp>
+      <p:sp>
+        <p:nvSpPr>
+          <p:cNvPr id="5" name="Text Placeholder 4"/>
+          <p:cNvSpPr>
+            <a:spLocks noGrp="1"/>
+          </p:cNvSpPr>
+          <p:nvPr>
+            <p:ph type="body" sz="quarter" idx="13"/>
+          </p:nvPr>
+        </p:nvSpPr>
+        <p:spPr>
+          <a:xfrm>
+            <a:off x="856449" y="930330"/>
+            <a:ext cx="11216215" cy="645156"/>
+          </a:xfrm>
+        </p:spPr>
+        <p:txBody>
+          <a:bodyPr/>
+          <a:lstStyle/>
+          <a:p>
+            <a:r>
+              <a:rPr lang="en-US" dirty="0" err="1" smtClean="0"/>
+              <a:t>Option.flatMap</a:t>
+            </a:r>
+            <a:endParaRPr lang="en-US" dirty="0"/>
+          </a:p>
+        </p:txBody>
+      </p:sp>
+      <p:sp>
+        <p:nvSpPr>
+          <p:cNvPr id="8" name="Footer Placeholder 7"/>
+          <p:cNvSpPr>
+            <a:spLocks noGrp="1"/>
+          </p:cNvSpPr>
+          <p:nvPr>
+            <p:ph type="ftr" sz="quarter" idx="11"/>
+          </p:nvPr>
+        </p:nvSpPr>
+        <p:spPr/>
+        <p:txBody>
+          <a:bodyPr/>
+          <a:lstStyle/>
+          <a:p>
+            <a:r>
+              <a:rPr lang="en-US" dirty="0" smtClean="0"/>
+              <a:t>Functional Design Patterns for OO Practitioners</a:t>
+            </a:r>
+            <a:endParaRPr lang="en-US" dirty="0"/>
+          </a:p>
+        </p:txBody>
+      </p:sp>
+      <p:sp>
+        <p:nvSpPr>
+          <p:cNvPr id="9" name="Date Placeholder 8"/>
+          <p:cNvSpPr>
+            <a:spLocks noGrp="1"/>
+          </p:cNvSpPr>
+          <p:nvPr>
+            <p:ph type="dt" sz="half" idx="10"/>
+          </p:nvPr>
+        </p:nvSpPr>
+        <p:spPr>
+          <a:xfrm>
+            <a:off x="7045010" y="6664377"/>
+            <a:ext cx="1519767" cy="148999"/>
+          </a:xfrm>
+        </p:spPr>
+        <p:txBody>
+          <a:bodyPr/>
+          <a:lstStyle/>
+          <a:p>
+            <a:r>
+              <a:rPr lang="en-US" dirty="0" smtClean="0"/>
+              <a:t>14. September 2015</a:t>
+            </a:r>
+            <a:endParaRPr lang="en-US" dirty="0"/>
+          </a:p>
+        </p:txBody>
+      </p:sp>
+      <p:sp>
+        <p:nvSpPr>
+          <p:cNvPr id="13" name="Rounded Rectangle 12"/>
+          <p:cNvSpPr/>
+          <p:nvPr/>
+        </p:nvSpPr>
+        <p:spPr>
+          <a:xfrm>
+            <a:off x="6664876" y="1340768"/>
+            <a:ext cx="1368152" cy="1368152"/>
+          </a:xfrm>
+          <a:prstGeom prst="roundRect">
+            <a:avLst/>
+          </a:prstGeom>
+          <a:noFill/>
+          <a:ln w="76200">
+            <a:solidFill>
+              <a:schemeClr val="accent1"/>
+            </a:solidFill>
+          </a:ln>
+        </p:spPr>
+        <p:style>
+          <a:lnRef idx="2">
+            <a:schemeClr val="accent1">
+              <a:shade val="50000"/>
+            </a:schemeClr>
+          </a:lnRef>
+          <a:fillRef idx="1">
+            <a:schemeClr val="accent1"/>
+          </a:fillRef>
+          <a:effectRef idx="0">
+            <a:schemeClr val="accent1"/>
+          </a:effectRef>
+          <a:fontRef idx="minor">
+            <a:schemeClr val="lt1"/>
+          </a:fontRef>
+        </p:style>
+        <p:txBody>
+          <a:bodyPr rtlCol="0" anchor="ctr"/>
+          <a:lstStyle/>
+          <a:p>
+            <a:pPr algn="ctr"/>
+            <a:endParaRPr lang="en-US" sz="2200" dirty="0" err="1" smtClean="0">
+              <a:ln w="76200">
+                <a:noFill/>
+              </a:ln>
+              <a:latin typeface="AA Zuehlke" pitchFamily="2" charset="0"/>
+            </a:endParaRPr>
+          </a:p>
+        </p:txBody>
+      </p:sp>
+      <p:sp>
+        <p:nvSpPr>
+          <p:cNvPr id="14" name="Rounded Rectangle 13"/>
+          <p:cNvSpPr/>
+          <p:nvPr/>
+        </p:nvSpPr>
+        <p:spPr>
+          <a:xfrm>
+            <a:off x="6808892" y="1480800"/>
+            <a:ext cx="1080120" cy="1080120"/>
+          </a:xfrm>
+          <a:prstGeom prst="roundRect">
+            <a:avLst/>
+          </a:prstGeom>
+          <a:solidFill>
+            <a:srgbClr val="0070C0"/>
+          </a:solidFill>
+          <a:ln w="76200">
+            <a:noFill/>
+          </a:ln>
+        </p:spPr>
+        <p:style>
+          <a:lnRef idx="2">
+            <a:schemeClr val="accent1">
+              <a:shade val="50000"/>
+            </a:schemeClr>
+          </a:lnRef>
+          <a:fillRef idx="1">
+            <a:schemeClr val="accent1"/>
+          </a:fillRef>
+          <a:effectRef idx="0">
+            <a:schemeClr val="accent1"/>
+          </a:effectRef>
+          <a:fontRef idx="minor">
+            <a:schemeClr val="lt1"/>
+          </a:fontRef>
+        </p:style>
+        <p:txBody>
+          <a:bodyPr rtlCol="0" anchor="ctr"/>
+          <a:lstStyle/>
+          <a:p>
+            <a:pPr algn="ctr"/>
+            <a:endParaRPr lang="en-US" sz="2200" dirty="0" err="1" smtClean="0">
+              <a:ln w="76200">
+                <a:noFill/>
+              </a:ln>
+              <a:latin typeface="AA Zuehlke" pitchFamily="2" charset="0"/>
+            </a:endParaRPr>
+          </a:p>
+        </p:txBody>
+      </p:sp>
+      <p:sp>
+        <p:nvSpPr>
+          <p:cNvPr id="15" name="TextBox 14"/>
+          <p:cNvSpPr txBox="1"/>
+          <p:nvPr/>
+        </p:nvSpPr>
+        <p:spPr>
+          <a:xfrm>
+            <a:off x="6837783" y="908720"/>
+            <a:ext cx="1584176" cy="360040"/>
+          </a:xfrm>
+          <a:prstGeom prst="rect">
+            <a:avLst/>
+          </a:prstGeom>
+          <a:noFill/>
+        </p:spPr>
+        <p:txBody>
+          <a:bodyPr wrap="square" rtlCol="0">
+            <a:noAutofit/>
+          </a:bodyPr>
+          <a:lstStyle/>
+          <a:p>
+            <a:r>
+              <a:rPr lang="en-US" sz="2200" dirty="0" smtClean="0">
+                <a:latin typeface="AA Zuehlke" pitchFamily="2" charset="0"/>
+              </a:rPr>
+              <a:t>Option</a:t>
+            </a:r>
+            <a:endParaRPr lang="en-US" sz="2200" dirty="0" smtClean="0">
+              <a:latin typeface="AA Zuehlke" pitchFamily="2" charset="0"/>
+            </a:endParaRPr>
+          </a:p>
+        </p:txBody>
+      </p:sp>
+      <p:sp>
+        <p:nvSpPr>
+          <p:cNvPr id="16" name="TextBox 15"/>
+          <p:cNvSpPr txBox="1"/>
+          <p:nvPr/>
+        </p:nvSpPr>
+        <p:spPr>
+          <a:xfrm>
+            <a:off x="7004411" y="1768832"/>
+            <a:ext cx="1584176" cy="360040"/>
+          </a:xfrm>
+          <a:prstGeom prst="rect">
+            <a:avLst/>
+          </a:prstGeom>
+          <a:noFill/>
+        </p:spPr>
+        <p:txBody>
+          <a:bodyPr wrap="square" rtlCol="0">
+            <a:noAutofit/>
+          </a:bodyPr>
+          <a:lstStyle/>
+          <a:p>
+            <a:r>
+              <a:rPr lang="en-US" sz="2200" dirty="0" smtClean="0">
+                <a:solidFill>
+                  <a:schemeClr val="bg1"/>
+                </a:solidFill>
+                <a:latin typeface="AA Zuehlke" pitchFamily="2" charset="0"/>
+              </a:rPr>
+              <a:t>User</a:t>
+            </a:r>
+            <a:endParaRPr lang="en-US" sz="2200" dirty="0" smtClean="0">
+              <a:solidFill>
+                <a:schemeClr val="bg1"/>
+              </a:solidFill>
+              <a:latin typeface="AA Zuehlke" pitchFamily="2" charset="0"/>
+            </a:endParaRPr>
+          </a:p>
+        </p:txBody>
+      </p:sp>
+      <p:sp>
+        <p:nvSpPr>
+          <p:cNvPr id="17" name="Rounded Rectangle 16"/>
+          <p:cNvSpPr/>
+          <p:nvPr/>
+        </p:nvSpPr>
+        <p:spPr>
+          <a:xfrm>
+            <a:off x="4727848" y="3032956"/>
+            <a:ext cx="720080" cy="720080"/>
+          </a:xfrm>
+          <a:prstGeom prst="roundRect">
+            <a:avLst/>
+          </a:prstGeom>
+          <a:solidFill>
+            <a:srgbClr val="0070C0"/>
+          </a:solidFill>
+          <a:ln w="76200">
+            <a:noFill/>
+          </a:ln>
+        </p:spPr>
+        <p:style>
+          <a:lnRef idx="2">
+            <a:schemeClr val="accent1">
+              <a:shade val="50000"/>
+            </a:schemeClr>
+          </a:lnRef>
+          <a:fillRef idx="1">
+            <a:schemeClr val="accent1"/>
+          </a:fillRef>
+          <a:effectRef idx="0">
+            <a:schemeClr val="accent1"/>
+          </a:effectRef>
+          <a:fontRef idx="minor">
+            <a:schemeClr val="lt1"/>
+          </a:fontRef>
+        </p:style>
+        <p:txBody>
+          <a:bodyPr rtlCol="0" anchor="ctr"/>
+          <a:lstStyle/>
+          <a:p>
+            <a:pPr algn="ctr"/>
+            <a:endParaRPr lang="en-US" sz="2200" dirty="0" err="1" smtClean="0">
+              <a:ln w="76200">
+                <a:noFill/>
+              </a:ln>
+              <a:latin typeface="AA Zuehlke" pitchFamily="2" charset="0"/>
+            </a:endParaRPr>
+          </a:p>
+        </p:txBody>
+      </p:sp>
+      <p:sp>
+        <p:nvSpPr>
+          <p:cNvPr id="18" name="Rounded Rectangle 17"/>
+          <p:cNvSpPr/>
+          <p:nvPr/>
+        </p:nvSpPr>
+        <p:spPr>
+          <a:xfrm>
+            <a:off x="6240016" y="3032956"/>
+            <a:ext cx="720080" cy="720080"/>
+          </a:xfrm>
+          <a:prstGeom prst="roundRect">
+            <a:avLst/>
+          </a:prstGeom>
+          <a:solidFill>
+            <a:srgbClr val="92D050"/>
+          </a:solidFill>
+          <a:ln w="76200">
+            <a:noFill/>
+          </a:ln>
+        </p:spPr>
+        <p:style>
+          <a:lnRef idx="2">
+            <a:schemeClr val="accent1">
+              <a:shade val="50000"/>
+            </a:schemeClr>
+          </a:lnRef>
+          <a:fillRef idx="1">
+            <a:schemeClr val="accent1"/>
+          </a:fillRef>
+          <a:effectRef idx="0">
+            <a:schemeClr val="accent1"/>
+          </a:effectRef>
+          <a:fontRef idx="minor">
+            <a:schemeClr val="lt1"/>
+          </a:fontRef>
+        </p:style>
+        <p:txBody>
+          <a:bodyPr rtlCol="0" anchor="ctr"/>
+          <a:lstStyle/>
+          <a:p>
+            <a:pPr algn="ctr"/>
+            <a:endParaRPr lang="en-US" sz="2200" dirty="0" err="1" smtClean="0">
+              <a:ln w="76200">
+                <a:noFill/>
+              </a:ln>
+              <a:latin typeface="AA Zuehlke" pitchFamily="2" charset="0"/>
+            </a:endParaRPr>
+          </a:p>
+        </p:txBody>
+      </p:sp>
+      <p:cxnSp>
+        <p:nvCxnSpPr>
+          <p:cNvPr id="20" name="Straight Arrow Connector 19"/>
+          <p:cNvCxnSpPr>
+            <a:stCxn id="17" idx="3"/>
+            <a:endCxn id="22" idx="1"/>
+          </p:cNvCxnSpPr>
+          <p:nvPr/>
+        </p:nvCxnSpPr>
+        <p:spPr>
+          <a:xfrm>
+            <a:off x="5447928" y="3392996"/>
+            <a:ext cx="671882" cy="10253"/>
+          </a:xfrm>
+          <a:prstGeom prst="straightConnector1">
+            <a:avLst/>
+          </a:prstGeom>
+          <a:ln w="57150">
+            <a:solidFill>
+              <a:srgbClr val="FFC000"/>
+            </a:solidFill>
+            <a:tailEnd type="triangle"/>
+          </a:ln>
+        </p:spPr>
+        <p:style>
+          <a:lnRef idx="1">
+            <a:schemeClr val="accent1"/>
+          </a:lnRef>
+          <a:fillRef idx="0">
+            <a:schemeClr val="accent1"/>
+          </a:fillRef>
+          <a:effectRef idx="0">
+            <a:schemeClr val="accent1"/>
+          </a:effectRef>
+          <a:fontRef idx="minor">
+            <a:schemeClr val="tx1"/>
+          </a:fontRef>
+        </p:style>
+      </p:cxnSp>
+      <p:sp>
+        <p:nvSpPr>
+          <p:cNvPr id="23" name="TextBox 22"/>
+          <p:cNvSpPr txBox="1"/>
+          <p:nvPr/>
+        </p:nvSpPr>
+        <p:spPr>
+          <a:xfrm>
+            <a:off x="4727848" y="3176972"/>
+            <a:ext cx="720080" cy="360040"/>
+          </a:xfrm>
+          <a:prstGeom prst="rect">
+            <a:avLst/>
+          </a:prstGeom>
+          <a:noFill/>
+        </p:spPr>
+        <p:txBody>
+          <a:bodyPr wrap="square" rtlCol="0">
+            <a:noAutofit/>
+          </a:bodyPr>
+          <a:lstStyle/>
+          <a:p>
+            <a:r>
+              <a:rPr lang="en-US" sz="2200" dirty="0" smtClean="0">
+                <a:solidFill>
+                  <a:schemeClr val="bg1"/>
+                </a:solidFill>
+                <a:latin typeface="AA Zuehlke" pitchFamily="2" charset="0"/>
+              </a:rPr>
+              <a:t>User</a:t>
+            </a:r>
+            <a:endParaRPr lang="en-US" sz="2200" dirty="0" smtClean="0">
+              <a:solidFill>
+                <a:schemeClr val="bg1"/>
+              </a:solidFill>
+              <a:latin typeface="AA Zuehlke" pitchFamily="2" charset="0"/>
+            </a:endParaRPr>
+          </a:p>
+        </p:txBody>
+      </p:sp>
+      <p:sp>
+        <p:nvSpPr>
+          <p:cNvPr id="24" name="TextBox 23"/>
+          <p:cNvSpPr txBox="1"/>
+          <p:nvPr/>
+        </p:nvSpPr>
+        <p:spPr>
+          <a:xfrm>
+            <a:off x="6168008" y="3160675"/>
+            <a:ext cx="884601" cy="360040"/>
+          </a:xfrm>
+          <a:prstGeom prst="rect">
+            <a:avLst/>
+          </a:prstGeom>
+          <a:noFill/>
+        </p:spPr>
+        <p:txBody>
+          <a:bodyPr wrap="square" rtlCol="0">
+            <a:noAutofit/>
+          </a:bodyPr>
+          <a:lstStyle/>
+          <a:p>
+            <a:r>
+              <a:rPr lang="en-US" sz="2200" dirty="0" smtClean="0">
+                <a:solidFill>
+                  <a:schemeClr val="bg1"/>
+                </a:solidFill>
+                <a:latin typeface="AA Zuehlke" pitchFamily="2" charset="0"/>
+              </a:rPr>
+              <a:t>Order</a:t>
+            </a:r>
+            <a:endParaRPr lang="en-US" sz="2200" dirty="0" smtClean="0">
+              <a:solidFill>
+                <a:schemeClr val="bg1"/>
+              </a:solidFill>
+              <a:latin typeface="AA Zuehlke" pitchFamily="2" charset="0"/>
+            </a:endParaRPr>
+          </a:p>
+        </p:txBody>
+      </p:sp>
+      <p:sp>
+        <p:nvSpPr>
+          <p:cNvPr id="25" name="Rounded Rectangle 24"/>
+          <p:cNvSpPr/>
+          <p:nvPr/>
+        </p:nvSpPr>
+        <p:spPr>
+          <a:xfrm>
+            <a:off x="6664876" y="4437112"/>
+            <a:ext cx="1368152" cy="1368152"/>
+          </a:xfrm>
+          <a:prstGeom prst="roundRect">
+            <a:avLst/>
+          </a:prstGeom>
+          <a:noFill/>
+          <a:ln w="76200">
+            <a:solidFill>
+              <a:schemeClr val="accent1"/>
+            </a:solidFill>
+          </a:ln>
+        </p:spPr>
+        <p:style>
+          <a:lnRef idx="2">
+            <a:schemeClr val="accent1">
+              <a:shade val="50000"/>
+            </a:schemeClr>
+          </a:lnRef>
+          <a:fillRef idx="1">
+            <a:schemeClr val="accent1"/>
+          </a:fillRef>
+          <a:effectRef idx="0">
+            <a:schemeClr val="accent1"/>
+          </a:effectRef>
+          <a:fontRef idx="minor">
+            <a:schemeClr val="lt1"/>
+          </a:fontRef>
+        </p:style>
+        <p:txBody>
+          <a:bodyPr rtlCol="0" anchor="ctr"/>
+          <a:lstStyle/>
+          <a:p>
+            <a:pPr algn="ctr"/>
+            <a:endParaRPr lang="en-US" sz="2200" dirty="0" err="1" smtClean="0">
+              <a:ln w="76200">
+                <a:noFill/>
+              </a:ln>
+              <a:latin typeface="AA Zuehlke" pitchFamily="2" charset="0"/>
+            </a:endParaRPr>
+          </a:p>
+        </p:txBody>
+      </p:sp>
+      <p:sp>
+        <p:nvSpPr>
+          <p:cNvPr id="26" name="Rounded Rectangle 25"/>
+          <p:cNvSpPr/>
+          <p:nvPr/>
+        </p:nvSpPr>
+        <p:spPr>
+          <a:xfrm>
+            <a:off x="6808892" y="4581128"/>
+            <a:ext cx="1080120" cy="1080120"/>
+          </a:xfrm>
+          <a:prstGeom prst="roundRect">
+            <a:avLst/>
+          </a:prstGeom>
+          <a:solidFill>
+            <a:srgbClr val="92D050"/>
+          </a:solidFill>
+          <a:ln w="76200">
+            <a:noFill/>
+          </a:ln>
+        </p:spPr>
+        <p:style>
+          <a:lnRef idx="2">
+            <a:schemeClr val="accent1">
+              <a:shade val="50000"/>
+            </a:schemeClr>
+          </a:lnRef>
+          <a:fillRef idx="1">
+            <a:schemeClr val="accent1"/>
+          </a:fillRef>
+          <a:effectRef idx="0">
+            <a:schemeClr val="accent1"/>
+          </a:effectRef>
+          <a:fontRef idx="minor">
+            <a:schemeClr val="lt1"/>
+          </a:fontRef>
+        </p:style>
+        <p:txBody>
+          <a:bodyPr rtlCol="0" anchor="ctr"/>
+          <a:lstStyle/>
+          <a:p>
+            <a:pPr algn="ctr"/>
+            <a:endParaRPr lang="en-US" sz="2200" dirty="0" err="1" smtClean="0">
+              <a:ln w="76200">
+                <a:noFill/>
+              </a:ln>
+              <a:latin typeface="AA Zuehlke" pitchFamily="2" charset="0"/>
+            </a:endParaRPr>
+          </a:p>
+        </p:txBody>
+      </p:sp>
+      <p:sp>
+        <p:nvSpPr>
+          <p:cNvPr id="27" name="TextBox 26"/>
+          <p:cNvSpPr txBox="1"/>
+          <p:nvPr/>
+        </p:nvSpPr>
+        <p:spPr>
+          <a:xfrm>
+            <a:off x="6837783" y="3961482"/>
+            <a:ext cx="1584176" cy="360040"/>
+          </a:xfrm>
+          <a:prstGeom prst="rect">
+            <a:avLst/>
+          </a:prstGeom>
+          <a:noFill/>
+        </p:spPr>
+        <p:txBody>
+          <a:bodyPr wrap="square" rtlCol="0">
+            <a:noAutofit/>
+          </a:bodyPr>
+          <a:lstStyle/>
+          <a:p>
+            <a:r>
+              <a:rPr lang="en-US" sz="2200" dirty="0" smtClean="0">
+                <a:latin typeface="AA Zuehlke" pitchFamily="2" charset="0"/>
+              </a:rPr>
+              <a:t>Option</a:t>
+            </a:r>
+            <a:endParaRPr lang="en-US" sz="2200" dirty="0" smtClean="0">
+              <a:latin typeface="AA Zuehlke" pitchFamily="2" charset="0"/>
+            </a:endParaRPr>
+          </a:p>
+        </p:txBody>
+      </p:sp>
+      <p:sp>
+        <p:nvSpPr>
+          <p:cNvPr id="28" name="TextBox 27"/>
+          <p:cNvSpPr txBox="1"/>
+          <p:nvPr/>
+        </p:nvSpPr>
+        <p:spPr>
+          <a:xfrm>
+            <a:off x="6877164" y="4881860"/>
+            <a:ext cx="1584176" cy="360040"/>
+          </a:xfrm>
+          <a:prstGeom prst="rect">
+            <a:avLst/>
+          </a:prstGeom>
+          <a:noFill/>
+        </p:spPr>
+        <p:txBody>
+          <a:bodyPr wrap="square" rtlCol="0">
+            <a:noAutofit/>
+          </a:bodyPr>
+          <a:lstStyle/>
+          <a:p>
+            <a:r>
+              <a:rPr lang="en-US" sz="2200" dirty="0" smtClean="0">
+                <a:solidFill>
+                  <a:schemeClr val="bg1"/>
+                </a:solidFill>
+                <a:latin typeface="AA Zuehlke" pitchFamily="2" charset="0"/>
+              </a:rPr>
+              <a:t>Order</a:t>
+            </a:r>
+            <a:endParaRPr lang="en-US" sz="2200" dirty="0" smtClean="0">
+              <a:solidFill>
+                <a:schemeClr val="bg1"/>
+              </a:solidFill>
+              <a:latin typeface="AA Zuehlke" pitchFamily="2" charset="0"/>
+            </a:endParaRPr>
+          </a:p>
+        </p:txBody>
+      </p:sp>
+      <p:sp>
+        <p:nvSpPr>
+          <p:cNvPr id="32" name="Arc 31"/>
+          <p:cNvSpPr/>
+          <p:nvPr/>
+        </p:nvSpPr>
+        <p:spPr>
+          <a:xfrm rot="2614041">
+            <a:off x="6028959" y="2620317"/>
+            <a:ext cx="1463190" cy="1643957"/>
+          </a:xfrm>
+          <a:prstGeom prst="arc">
+            <a:avLst/>
+          </a:prstGeom>
+          <a:ln w="57150">
+            <a:solidFill>
+              <a:srgbClr val="FFC000"/>
+            </a:solidFill>
+            <a:headEnd type="none" w="med" len="med"/>
+            <a:tailEnd type="triangle" w="med" len="med"/>
+          </a:ln>
+        </p:spPr>
+        <p:style>
+          <a:lnRef idx="1">
+            <a:schemeClr val="accent1"/>
+          </a:lnRef>
+          <a:fillRef idx="0">
+            <a:schemeClr val="accent1"/>
+          </a:fillRef>
+          <a:effectRef idx="0">
+            <a:schemeClr val="accent1"/>
+          </a:effectRef>
+          <a:fontRef idx="minor">
+            <a:schemeClr val="tx1"/>
+          </a:fontRef>
+        </p:style>
+        <p:txBody>
+          <a:bodyPr rtlCol="0" anchor="ctr"/>
+          <a:lstStyle/>
+          <a:p>
+            <a:pPr algn="ctr"/>
+            <a:endParaRPr lang="en-US"/>
+          </a:p>
+        </p:txBody>
+      </p:sp>
+      <p:sp>
+        <p:nvSpPr>
+          <p:cNvPr id="33" name="TextBox 32"/>
+          <p:cNvSpPr txBox="1"/>
+          <p:nvPr/>
+        </p:nvSpPr>
+        <p:spPr>
+          <a:xfrm>
+            <a:off x="7652342" y="3142478"/>
+            <a:ext cx="1035946" cy="360040"/>
+          </a:xfrm>
+          <a:prstGeom prst="rect">
+            <a:avLst/>
+          </a:prstGeom>
+          <a:noFill/>
+        </p:spPr>
+        <p:txBody>
+          <a:bodyPr wrap="square" rtlCol="0">
+            <a:noAutofit/>
+          </a:bodyPr>
+          <a:lstStyle/>
+          <a:p>
+            <a:r>
+              <a:rPr lang="en-US" sz="2200" dirty="0" err="1" smtClean="0">
+                <a:latin typeface="AA Zuehlke" pitchFamily="2" charset="0"/>
+              </a:rPr>
+              <a:t>flatMap</a:t>
+            </a:r>
+            <a:endParaRPr lang="en-US" sz="2200" dirty="0" smtClean="0">
+              <a:latin typeface="AA Zuehlke" pitchFamily="2" charset="0"/>
+            </a:endParaRPr>
+          </a:p>
+        </p:txBody>
+      </p:sp>
+      <p:sp>
+        <p:nvSpPr>
+          <p:cNvPr id="22" name="Rounded Rectangle 21"/>
+          <p:cNvSpPr/>
+          <p:nvPr/>
+        </p:nvSpPr>
+        <p:spPr>
+          <a:xfrm>
+            <a:off x="6119810" y="2924944"/>
+            <a:ext cx="956609" cy="956609"/>
+          </a:xfrm>
+          <a:prstGeom prst="roundRect">
+            <a:avLst/>
+          </a:prstGeom>
+          <a:noFill/>
+          <a:ln w="76200">
+            <a:solidFill>
+              <a:schemeClr val="accent1"/>
+            </a:solidFill>
+          </a:ln>
+        </p:spPr>
+        <p:style>
+          <a:lnRef idx="2">
+            <a:schemeClr val="accent1">
+              <a:shade val="50000"/>
+            </a:schemeClr>
+          </a:lnRef>
+          <a:fillRef idx="1">
+            <a:schemeClr val="accent1"/>
+          </a:fillRef>
+          <a:effectRef idx="0">
+            <a:schemeClr val="accent1"/>
+          </a:effectRef>
+          <a:fontRef idx="minor">
+            <a:schemeClr val="lt1"/>
+          </a:fontRef>
+        </p:style>
+        <p:txBody>
+          <a:bodyPr rtlCol="0" anchor="ctr"/>
+          <a:lstStyle/>
+          <a:p>
+            <a:pPr algn="ctr"/>
+            <a:endParaRPr lang="en-US" sz="2200" dirty="0" err="1" smtClean="0">
+              <a:ln w="76200">
+                <a:noFill/>
+              </a:ln>
+              <a:latin typeface="AA Zuehlke" pitchFamily="2" charset="0"/>
+            </a:endParaRPr>
+          </a:p>
+        </p:txBody>
+      </p:sp>
+    </p:spTree>
+    <p:extLst>
+      <p:ext uri="{BB962C8B-B14F-4D97-AF65-F5344CB8AC3E}">
+        <p14:creationId xmlns:p14="http://schemas.microsoft.com/office/powerpoint/2010/main" val="1198597234"/>
+      </p:ext>
+    </p:extLst>
+  </p:cSld>
+  <p:clrMapOvr>
+    <a:masterClrMapping/>
+  </p:clrMapOvr>
+  <mc:AlternateContent xmlns:mc="http://schemas.openxmlformats.org/markup-compatibility/2006">
+    <mc:Choice xmlns:p14="http://schemas.microsoft.com/office/powerpoint/2010/main" Requires="p14">
+      <p:transition spd="slow" p14:dur="2000"/>
+    </mc:Choice>
+    <mc:Fallback>
+      <p:transition spd="slow"/>
+    </mc:Fallback>
+  </mc:AlternateContent>
+</p:sld>
+</file>
+
+<file path=ppt/slides/slide21.xml><?xml version="1.0" encoding="utf-8"?>
+<p:sld xmlns:a="http://schemas.openxmlformats.org/drawingml/2006/main" xmlns:r="http://schemas.openxmlformats.org/officeDocument/2006/relationships" xmlns:p="http://schemas.openxmlformats.org/presentationml/2006/main">
+  <p:cSld>
+    <p:spTree>
+      <p:nvGrpSpPr>
+        <p:cNvPr id="1" name=""/>
+        <p:cNvGrpSpPr/>
+        <p:nvPr/>
+      </p:nvGrpSpPr>
+      <p:grpSpPr>
+        <a:xfrm>
+          <a:off x="0" y="0"/>
+          <a:ext cx="0" cy="0"/>
+          <a:chOff x="0" y="0"/>
+          <a:chExt cx="0" cy="0"/>
+        </a:xfrm>
+      </p:grpSpPr>
+      <p:sp>
+        <p:nvSpPr>
+          <p:cNvPr id="2" name="Title 1"/>
+          <p:cNvSpPr>
+            <a:spLocks noGrp="1"/>
+          </p:cNvSpPr>
+          <p:nvPr>
+            <p:ph type="title"/>
+          </p:nvPr>
+        </p:nvSpPr>
+        <p:spPr/>
+        <p:txBody>
+          <a:bodyPr/>
+          <a:lstStyle/>
+          <a:p>
+            <a:r>
+              <a:rPr lang="en-US" dirty="0" smtClean="0"/>
+              <a:t>The Try Type</a:t>
+            </a:r>
+            <a:endParaRPr lang="en-US" dirty="0"/>
+          </a:p>
+        </p:txBody>
+      </p:sp>
+      <p:sp>
+        <p:nvSpPr>
+          <p:cNvPr id="3" name="Content Placeholder 2"/>
+          <p:cNvSpPr>
+            <a:spLocks noGrp="1"/>
+          </p:cNvSpPr>
+          <p:nvPr>
+            <p:ph idx="1"/>
+          </p:nvPr>
+        </p:nvSpPr>
+        <p:spPr/>
+        <p:txBody>
+          <a:bodyPr/>
+          <a:lstStyle/>
+          <a:p>
+            <a:pPr marL="342900" indent="-342900">
+              <a:buFont typeface="Arial" panose="020B0604020202020204" pitchFamily="34" charset="0"/>
+              <a:buChar char="•"/>
+            </a:pPr>
+            <a:r>
+              <a:rPr lang="en-US" dirty="0" smtClean="0"/>
+              <a:t>Represents </a:t>
+            </a:r>
+            <a:r>
+              <a:rPr lang="en-US" dirty="0"/>
+              <a:t>the computation of a value, either successful or failed </a:t>
+            </a:r>
+            <a:endParaRPr lang="en-US" dirty="0" smtClean="0"/>
+          </a:p>
+          <a:p>
+            <a:pPr marL="342900" indent="-342900">
+              <a:buFont typeface="Arial" panose="020B0604020202020204" pitchFamily="34" charset="0"/>
+              <a:buChar char="•"/>
+            </a:pPr>
+            <a:r>
+              <a:rPr lang="en-US" dirty="0" smtClean="0"/>
+              <a:t>Used </a:t>
+            </a:r>
+            <a:r>
+              <a:rPr lang="en-US" dirty="0" smtClean="0"/>
+              <a:t>instead of throwing exceptions</a:t>
+            </a:r>
+          </a:p>
+          <a:p>
+            <a:endParaRPr lang="en-US" dirty="0" smtClean="0"/>
+          </a:p>
+          <a:p>
+            <a:r>
+              <a:rPr lang="en-US" dirty="0" err="1" smtClean="0"/>
+              <a:t>def</a:t>
+            </a:r>
+            <a:r>
+              <a:rPr lang="en-US" dirty="0" smtClean="0"/>
+              <a:t> </a:t>
+            </a:r>
+            <a:r>
+              <a:rPr lang="en-US" dirty="0" err="1" smtClean="0"/>
+              <a:t>loadUser</a:t>
+            </a:r>
+            <a:r>
+              <a:rPr lang="en-US" dirty="0" smtClean="0"/>
+              <a:t>(id: </a:t>
+            </a:r>
+            <a:r>
+              <a:rPr lang="en-US" dirty="0" err="1" smtClean="0"/>
+              <a:t>Int</a:t>
+            </a:r>
+            <a:r>
+              <a:rPr lang="en-US" dirty="0" smtClean="0"/>
+              <a:t>): Try[User]</a:t>
+            </a:r>
+          </a:p>
+          <a:p>
+            <a:r>
+              <a:rPr lang="en-US" dirty="0" err="1" smtClean="0"/>
+              <a:t>loadUser</a:t>
+            </a:r>
+            <a:r>
+              <a:rPr lang="en-US" dirty="0" smtClean="0"/>
+              <a:t>(1)</a:t>
+            </a:r>
+            <a:endParaRPr lang="en-US" dirty="0" smtClean="0"/>
+          </a:p>
+          <a:p>
+            <a:r>
+              <a:rPr lang="en-US" dirty="0" smtClean="0"/>
+              <a:t>&gt; res0: Try[User] = </a:t>
+            </a:r>
+            <a:r>
+              <a:rPr lang="en-US" dirty="0" smtClean="0"/>
+              <a:t>Success(User(1, “John”))</a:t>
+            </a:r>
+            <a:endParaRPr lang="en-US" dirty="0" smtClean="0"/>
+          </a:p>
+          <a:p>
+            <a:r>
+              <a:rPr lang="en-US" dirty="0" err="1" smtClean="0"/>
+              <a:t>loadUser</a:t>
+            </a:r>
+            <a:r>
+              <a:rPr lang="en-US" dirty="0" smtClean="0"/>
+              <a:t>(1000)</a:t>
+            </a:r>
+            <a:endParaRPr lang="en-US" dirty="0" smtClean="0"/>
+          </a:p>
+          <a:p>
+            <a:r>
+              <a:rPr lang="en-US" dirty="0" smtClean="0"/>
+              <a:t>&gt; </a:t>
+            </a:r>
+            <a:r>
+              <a:rPr lang="en-US" dirty="0" smtClean="0"/>
+              <a:t>res1: </a:t>
+            </a:r>
+            <a:r>
+              <a:rPr lang="en-US" dirty="0" smtClean="0"/>
+              <a:t>Try[User] = Failure(Exception(«user </a:t>
+            </a:r>
+            <a:r>
+              <a:rPr lang="en-US" dirty="0" smtClean="0"/>
+              <a:t>does not exist»))</a:t>
+            </a:r>
+            <a:endParaRPr lang="en-US" dirty="0" smtClean="0"/>
+          </a:p>
+          <a:p>
+            <a:pPr marL="0" indent="0">
+              <a:buNone/>
+            </a:pPr>
+            <a:endParaRPr lang="en-US" dirty="0"/>
+          </a:p>
+        </p:txBody>
+      </p:sp>
+      <p:sp>
+        <p:nvSpPr>
+          <p:cNvPr id="5" name="Text Placeholder 4"/>
+          <p:cNvSpPr>
+            <a:spLocks noGrp="1"/>
+          </p:cNvSpPr>
+          <p:nvPr>
+            <p:ph type="body" sz="quarter" idx="13"/>
+          </p:nvPr>
+        </p:nvSpPr>
+        <p:spPr/>
+        <p:txBody>
+          <a:bodyPr/>
+          <a:lstStyle/>
+          <a:p>
+            <a:endParaRPr lang="en-US" dirty="0"/>
+          </a:p>
+        </p:txBody>
+      </p:sp>
+      <p:sp>
+        <p:nvSpPr>
+          <p:cNvPr id="8" name="Footer Placeholder 7"/>
+          <p:cNvSpPr>
+            <a:spLocks noGrp="1"/>
+          </p:cNvSpPr>
+          <p:nvPr>
+            <p:ph type="ftr" sz="quarter" idx="11"/>
+          </p:nvPr>
+        </p:nvSpPr>
+        <p:spPr/>
+        <p:txBody>
+          <a:bodyPr/>
+          <a:lstStyle/>
+          <a:p>
+            <a:r>
+              <a:rPr lang="en-US" dirty="0" smtClean="0"/>
+              <a:t>Functional Design Patterns for OO Practitioners</a:t>
+            </a:r>
+            <a:endParaRPr lang="en-US" dirty="0"/>
+          </a:p>
+        </p:txBody>
+      </p:sp>
+      <p:sp>
+        <p:nvSpPr>
+          <p:cNvPr id="9" name="Date Placeholder 8"/>
+          <p:cNvSpPr>
+            <a:spLocks noGrp="1"/>
+          </p:cNvSpPr>
+          <p:nvPr>
+            <p:ph type="dt" sz="half" idx="10"/>
+          </p:nvPr>
+        </p:nvSpPr>
+        <p:spPr/>
+        <p:txBody>
+          <a:bodyPr/>
+          <a:lstStyle/>
+          <a:p>
+            <a:r>
+              <a:rPr lang="en-US" dirty="0" smtClean="0"/>
+              <a:t>14. September 2015</a:t>
+            </a:r>
+            <a:endParaRPr lang="en-US" dirty="0"/>
+          </a:p>
+        </p:txBody>
+      </p:sp>
+      <p:sp>
+        <p:nvSpPr>
+          <p:cNvPr id="7" name="Rounded Rectangle 6"/>
+          <p:cNvSpPr/>
+          <p:nvPr/>
+        </p:nvSpPr>
+        <p:spPr>
+          <a:xfrm>
+            <a:off x="8040216" y="2706175"/>
+            <a:ext cx="1368152" cy="1368152"/>
+          </a:xfrm>
+          <a:prstGeom prst="roundRect">
+            <a:avLst/>
+          </a:prstGeom>
+          <a:noFill/>
+          <a:ln w="76200">
+            <a:solidFill>
+              <a:schemeClr val="accent1"/>
+            </a:solidFill>
+          </a:ln>
+        </p:spPr>
+        <p:style>
+          <a:lnRef idx="2">
+            <a:schemeClr val="accent1">
+              <a:shade val="50000"/>
+            </a:schemeClr>
+          </a:lnRef>
+          <a:fillRef idx="1">
+            <a:schemeClr val="accent1"/>
+          </a:fillRef>
+          <a:effectRef idx="0">
+            <a:schemeClr val="accent1"/>
+          </a:effectRef>
+          <a:fontRef idx="minor">
+            <a:schemeClr val="lt1"/>
+          </a:fontRef>
+        </p:style>
+        <p:txBody>
+          <a:bodyPr rtlCol="0" anchor="ctr"/>
+          <a:lstStyle/>
+          <a:p>
+            <a:pPr algn="ctr"/>
+            <a:endParaRPr lang="en-US" sz="2200" dirty="0" err="1" smtClean="0">
+              <a:ln w="76200">
+                <a:noFill/>
+              </a:ln>
+              <a:latin typeface="AA Zuehlke" pitchFamily="2" charset="0"/>
+            </a:endParaRPr>
+          </a:p>
+        </p:txBody>
+      </p:sp>
+      <p:sp>
+        <p:nvSpPr>
+          <p:cNvPr id="10" name="Rounded Rectangle 9"/>
+          <p:cNvSpPr/>
+          <p:nvPr/>
+        </p:nvSpPr>
+        <p:spPr>
+          <a:xfrm>
+            <a:off x="8184232" y="2850191"/>
+            <a:ext cx="1080120" cy="1080120"/>
+          </a:xfrm>
+          <a:prstGeom prst="roundRect">
+            <a:avLst/>
+          </a:prstGeom>
+          <a:solidFill>
+            <a:srgbClr val="0070C0"/>
+          </a:solidFill>
+          <a:ln w="76200">
+            <a:noFill/>
+          </a:ln>
+        </p:spPr>
+        <p:style>
+          <a:lnRef idx="2">
+            <a:schemeClr val="accent1">
+              <a:shade val="50000"/>
+            </a:schemeClr>
+          </a:lnRef>
+          <a:fillRef idx="1">
+            <a:schemeClr val="accent1"/>
+          </a:fillRef>
+          <a:effectRef idx="0">
+            <a:schemeClr val="accent1"/>
+          </a:effectRef>
+          <a:fontRef idx="minor">
+            <a:schemeClr val="lt1"/>
+          </a:fontRef>
+        </p:style>
+        <p:txBody>
+          <a:bodyPr rtlCol="0" anchor="ctr"/>
+          <a:lstStyle/>
+          <a:p>
+            <a:pPr algn="ctr"/>
+            <a:endParaRPr lang="en-US" sz="2200" dirty="0" err="1" smtClean="0">
+              <a:ln w="76200">
+                <a:noFill/>
+              </a:ln>
+              <a:latin typeface="AA Zuehlke" pitchFamily="2" charset="0"/>
+            </a:endParaRPr>
+          </a:p>
+        </p:txBody>
+      </p:sp>
+      <p:sp>
+        <p:nvSpPr>
+          <p:cNvPr id="11" name="TextBox 10"/>
+          <p:cNvSpPr txBox="1"/>
+          <p:nvPr/>
+        </p:nvSpPr>
+        <p:spPr>
+          <a:xfrm>
+            <a:off x="8307743" y="2274127"/>
+            <a:ext cx="1584176" cy="360040"/>
+          </a:xfrm>
+          <a:prstGeom prst="rect">
+            <a:avLst/>
+          </a:prstGeom>
+          <a:noFill/>
+        </p:spPr>
+        <p:txBody>
+          <a:bodyPr wrap="square" rtlCol="0">
+            <a:noAutofit/>
+          </a:bodyPr>
+          <a:lstStyle/>
+          <a:p>
+            <a:r>
+              <a:rPr lang="en-US" sz="2200" dirty="0" smtClean="0">
+                <a:latin typeface="AA Zuehlke" pitchFamily="2" charset="0"/>
+              </a:rPr>
+              <a:t>Try</a:t>
+            </a:r>
+            <a:endParaRPr lang="en-US" sz="2200" dirty="0" smtClean="0">
+              <a:latin typeface="AA Zuehlke" pitchFamily="2" charset="0"/>
+            </a:endParaRPr>
+          </a:p>
+        </p:txBody>
+      </p:sp>
+      <p:sp>
+        <p:nvSpPr>
+          <p:cNvPr id="12" name="TextBox 11"/>
+          <p:cNvSpPr txBox="1"/>
+          <p:nvPr/>
+        </p:nvSpPr>
+        <p:spPr>
+          <a:xfrm>
+            <a:off x="8379751" y="3138223"/>
+            <a:ext cx="1584176" cy="360040"/>
+          </a:xfrm>
+          <a:prstGeom prst="rect">
+            <a:avLst/>
+          </a:prstGeom>
+          <a:noFill/>
+        </p:spPr>
+        <p:txBody>
+          <a:bodyPr wrap="square" rtlCol="0">
+            <a:noAutofit/>
+          </a:bodyPr>
+          <a:lstStyle/>
+          <a:p>
+            <a:r>
+              <a:rPr lang="en-US" sz="2200" dirty="0" smtClean="0">
+                <a:solidFill>
+                  <a:schemeClr val="bg1"/>
+                </a:solidFill>
+                <a:latin typeface="AA Zuehlke" pitchFamily="2" charset="0"/>
+              </a:rPr>
+              <a:t>User</a:t>
+            </a:r>
+            <a:endParaRPr lang="en-US" sz="2200" dirty="0" smtClean="0">
+              <a:solidFill>
+                <a:schemeClr val="bg1"/>
+              </a:solidFill>
+              <a:latin typeface="AA Zuehlke" pitchFamily="2" charset="0"/>
+            </a:endParaRPr>
+          </a:p>
+        </p:txBody>
+      </p:sp>
+    </p:spTree>
+    <p:extLst>
+      <p:ext uri="{BB962C8B-B14F-4D97-AF65-F5344CB8AC3E}">
+        <p14:creationId xmlns:p14="http://schemas.microsoft.com/office/powerpoint/2010/main" val="4250431711"/>
+      </p:ext>
+    </p:extLst>
+  </p:cSld>
+  <p:clrMapOvr>
+    <a:masterClrMapping/>
+  </p:clrMapOvr>
+  <mc:AlternateContent xmlns:mc="http://schemas.openxmlformats.org/markup-compatibility/2006">
+    <mc:Choice xmlns:p14="http://schemas.microsoft.com/office/powerpoint/2010/main" Requires="p14">
+      <p:transition spd="slow" p14:dur="2000"/>
+    </mc:Choice>
+    <mc:Fallback>
+      <p:transition spd="slow"/>
+    </mc:Fallback>
+  </mc:AlternateContent>
+</p:sld>
+</file>
+
+<file path=ppt/slides/slide22.xml><?xml version="1.0" encoding="utf-8"?>
+<p:sld xmlns:a="http://schemas.openxmlformats.org/drawingml/2006/main" xmlns:r="http://schemas.openxmlformats.org/officeDocument/2006/relationships" xmlns:p="http://schemas.openxmlformats.org/presentationml/2006/main">
+  <p:cSld>
+    <p:spTree>
+      <p:nvGrpSpPr>
+        <p:cNvPr id="1" name=""/>
+        <p:cNvGrpSpPr/>
+        <p:nvPr/>
+      </p:nvGrpSpPr>
+      <p:grpSpPr>
+        <a:xfrm>
+          <a:off x="0" y="0"/>
+          <a:ext cx="0" cy="0"/>
+          <a:chOff x="0" y="0"/>
+          <a:chExt cx="0" cy="0"/>
+        </a:xfrm>
+      </p:grpSpPr>
+      <p:sp>
+        <p:nvSpPr>
+          <p:cNvPr id="2" name="Title 1"/>
+          <p:cNvSpPr>
+            <a:spLocks noGrp="1"/>
+          </p:cNvSpPr>
+          <p:nvPr>
+            <p:ph type="title"/>
+          </p:nvPr>
+        </p:nvSpPr>
+        <p:spPr/>
+        <p:txBody>
+          <a:bodyPr/>
+          <a:lstStyle/>
+          <a:p>
+            <a:r>
+              <a:rPr lang="en-US" dirty="0" err="1" smtClean="0"/>
+              <a:t>Composable</a:t>
+            </a:r>
+            <a:r>
+              <a:rPr lang="en-US" dirty="0" smtClean="0"/>
+              <a:t> Future</a:t>
+            </a:r>
+            <a:endParaRPr lang="en-US" dirty="0"/>
+          </a:p>
+        </p:txBody>
+      </p:sp>
+      <p:sp>
+        <p:nvSpPr>
+          <p:cNvPr id="3" name="Content Placeholder 2"/>
+          <p:cNvSpPr>
+            <a:spLocks noGrp="1"/>
+          </p:cNvSpPr>
+          <p:nvPr>
+            <p:ph idx="1"/>
+          </p:nvPr>
+        </p:nvSpPr>
+        <p:spPr/>
+        <p:txBody>
+          <a:bodyPr/>
+          <a:lstStyle/>
+          <a:p>
+            <a:endParaRPr lang="en-US" dirty="0" smtClean="0"/>
+          </a:p>
+          <a:p>
+            <a:pPr marL="0" indent="0">
+              <a:buNone/>
+            </a:pPr>
+            <a:endParaRPr lang="en-US" dirty="0"/>
+          </a:p>
+        </p:txBody>
+      </p:sp>
+      <p:sp>
+        <p:nvSpPr>
+          <p:cNvPr id="5" name="Text Placeholder 4"/>
+          <p:cNvSpPr>
+            <a:spLocks noGrp="1"/>
+          </p:cNvSpPr>
+          <p:nvPr>
+            <p:ph type="body" sz="quarter" idx="13"/>
+          </p:nvPr>
+        </p:nvSpPr>
+        <p:spPr/>
+        <p:txBody>
+          <a:bodyPr/>
+          <a:lstStyle/>
+          <a:p>
+            <a:endParaRPr lang="en-US" dirty="0"/>
+          </a:p>
+        </p:txBody>
+      </p:sp>
+      <p:sp>
+        <p:nvSpPr>
+          <p:cNvPr id="8" name="Footer Placeholder 7"/>
+          <p:cNvSpPr>
+            <a:spLocks noGrp="1"/>
+          </p:cNvSpPr>
+          <p:nvPr>
+            <p:ph type="ftr" sz="quarter" idx="11"/>
+          </p:nvPr>
+        </p:nvSpPr>
+        <p:spPr/>
+        <p:txBody>
+          <a:bodyPr/>
+          <a:lstStyle/>
+          <a:p>
+            <a:r>
+              <a:rPr lang="en-US" dirty="0" smtClean="0"/>
+              <a:t>Functional Design Patterns for OO Practitioners</a:t>
+            </a:r>
+            <a:endParaRPr lang="en-US" dirty="0"/>
+          </a:p>
+        </p:txBody>
+      </p:sp>
+      <p:sp>
+        <p:nvSpPr>
+          <p:cNvPr id="9" name="Date Placeholder 8"/>
+          <p:cNvSpPr>
+            <a:spLocks noGrp="1"/>
+          </p:cNvSpPr>
+          <p:nvPr>
+            <p:ph type="dt" sz="half" idx="10"/>
+          </p:nvPr>
+        </p:nvSpPr>
+        <p:spPr/>
+        <p:txBody>
+          <a:bodyPr/>
+          <a:lstStyle/>
+          <a:p>
+            <a:r>
+              <a:rPr lang="en-US" dirty="0" smtClean="0"/>
+              <a:t>14. September 2015</a:t>
+            </a:r>
+            <a:endParaRPr lang="en-US" dirty="0"/>
+          </a:p>
+        </p:txBody>
+      </p:sp>
+      <p:sp>
+        <p:nvSpPr>
+          <p:cNvPr id="7" name="Rounded Rectangle 6"/>
+          <p:cNvSpPr/>
+          <p:nvPr/>
+        </p:nvSpPr>
+        <p:spPr>
+          <a:xfrm>
+            <a:off x="8040216" y="2706175"/>
+            <a:ext cx="1368152" cy="1368152"/>
+          </a:xfrm>
+          <a:prstGeom prst="roundRect">
+            <a:avLst/>
+          </a:prstGeom>
+          <a:noFill/>
+          <a:ln w="76200">
+            <a:solidFill>
+              <a:schemeClr val="accent1"/>
+            </a:solidFill>
+          </a:ln>
+        </p:spPr>
+        <p:style>
+          <a:lnRef idx="2">
+            <a:schemeClr val="accent1">
+              <a:shade val="50000"/>
+            </a:schemeClr>
+          </a:lnRef>
+          <a:fillRef idx="1">
+            <a:schemeClr val="accent1"/>
+          </a:fillRef>
+          <a:effectRef idx="0">
+            <a:schemeClr val="accent1"/>
+          </a:effectRef>
+          <a:fontRef idx="minor">
+            <a:schemeClr val="lt1"/>
+          </a:fontRef>
+        </p:style>
+        <p:txBody>
+          <a:bodyPr rtlCol="0" anchor="ctr"/>
+          <a:lstStyle/>
+          <a:p>
+            <a:pPr algn="ctr"/>
+            <a:endParaRPr lang="en-US" sz="2200" dirty="0" err="1" smtClean="0">
+              <a:ln w="76200">
+                <a:noFill/>
+              </a:ln>
+              <a:latin typeface="AA Zuehlke" pitchFamily="2" charset="0"/>
+            </a:endParaRPr>
+          </a:p>
+        </p:txBody>
+      </p:sp>
+      <p:sp>
+        <p:nvSpPr>
+          <p:cNvPr id="10" name="Rounded Rectangle 9"/>
+          <p:cNvSpPr/>
+          <p:nvPr/>
+        </p:nvSpPr>
+        <p:spPr>
+          <a:xfrm>
+            <a:off x="8184232" y="2850191"/>
+            <a:ext cx="1080120" cy="1080120"/>
+          </a:xfrm>
+          <a:prstGeom prst="roundRect">
+            <a:avLst/>
+          </a:prstGeom>
+          <a:solidFill>
+            <a:srgbClr val="0070C0"/>
+          </a:solidFill>
+          <a:ln w="76200">
+            <a:noFill/>
+          </a:ln>
+        </p:spPr>
+        <p:style>
+          <a:lnRef idx="2">
+            <a:schemeClr val="accent1">
+              <a:shade val="50000"/>
+            </a:schemeClr>
+          </a:lnRef>
+          <a:fillRef idx="1">
+            <a:schemeClr val="accent1"/>
+          </a:fillRef>
+          <a:effectRef idx="0">
+            <a:schemeClr val="accent1"/>
+          </a:effectRef>
+          <a:fontRef idx="minor">
+            <a:schemeClr val="lt1"/>
+          </a:fontRef>
+        </p:style>
+        <p:txBody>
+          <a:bodyPr rtlCol="0" anchor="ctr"/>
+          <a:lstStyle/>
+          <a:p>
+            <a:pPr algn="ctr"/>
+            <a:endParaRPr lang="en-US" sz="2200" dirty="0" err="1" smtClean="0">
+              <a:ln w="76200">
+                <a:noFill/>
+              </a:ln>
+              <a:latin typeface="AA Zuehlke" pitchFamily="2" charset="0"/>
+            </a:endParaRPr>
+          </a:p>
+        </p:txBody>
+      </p:sp>
+      <p:sp>
+        <p:nvSpPr>
+          <p:cNvPr id="11" name="TextBox 10"/>
+          <p:cNvSpPr txBox="1"/>
+          <p:nvPr/>
+        </p:nvSpPr>
+        <p:spPr>
+          <a:xfrm>
+            <a:off x="8307743" y="2274127"/>
+            <a:ext cx="1584176" cy="360040"/>
+          </a:xfrm>
+          <a:prstGeom prst="rect">
+            <a:avLst/>
+          </a:prstGeom>
+          <a:noFill/>
+        </p:spPr>
+        <p:txBody>
+          <a:bodyPr wrap="square" rtlCol="0">
+            <a:noAutofit/>
+          </a:bodyPr>
+          <a:lstStyle/>
+          <a:p>
+            <a:r>
+              <a:rPr lang="en-US" sz="2200" dirty="0" smtClean="0">
+                <a:latin typeface="AA Zuehlke" pitchFamily="2" charset="0"/>
+              </a:rPr>
+              <a:t>Future</a:t>
+            </a:r>
+            <a:endParaRPr lang="en-US" sz="2200" dirty="0" smtClean="0">
+              <a:latin typeface="AA Zuehlke" pitchFamily="2" charset="0"/>
+            </a:endParaRPr>
+          </a:p>
+        </p:txBody>
+      </p:sp>
+      <p:sp>
+        <p:nvSpPr>
+          <p:cNvPr id="12" name="TextBox 11"/>
+          <p:cNvSpPr txBox="1"/>
+          <p:nvPr/>
+        </p:nvSpPr>
+        <p:spPr>
+          <a:xfrm>
+            <a:off x="8379751" y="3138223"/>
+            <a:ext cx="1584176" cy="360040"/>
+          </a:xfrm>
+          <a:prstGeom prst="rect">
+            <a:avLst/>
+          </a:prstGeom>
+          <a:noFill/>
+        </p:spPr>
+        <p:txBody>
+          <a:bodyPr wrap="square" rtlCol="0">
+            <a:noAutofit/>
+          </a:bodyPr>
+          <a:lstStyle/>
+          <a:p>
+            <a:r>
+              <a:rPr lang="en-US" sz="2200" dirty="0" smtClean="0">
+                <a:solidFill>
+                  <a:schemeClr val="bg1"/>
+                </a:solidFill>
+                <a:latin typeface="AA Zuehlke" pitchFamily="2" charset="0"/>
+              </a:rPr>
+              <a:t>User</a:t>
+            </a:r>
+            <a:endParaRPr lang="en-US" sz="2200" dirty="0" smtClean="0">
+              <a:solidFill>
+                <a:schemeClr val="bg1"/>
+              </a:solidFill>
+              <a:latin typeface="AA Zuehlke" pitchFamily="2" charset="0"/>
+            </a:endParaRPr>
+          </a:p>
+        </p:txBody>
+      </p:sp>
+    </p:spTree>
+    <p:extLst>
+      <p:ext uri="{BB962C8B-B14F-4D97-AF65-F5344CB8AC3E}">
+        <p14:creationId xmlns:p14="http://schemas.microsoft.com/office/powerpoint/2010/main" val="3912721940"/>
+      </p:ext>
+    </p:extLst>
+  </p:cSld>
+  <p:clrMapOvr>
+    <a:masterClrMapping/>
+  </p:clrMapOvr>
+  <mc:AlternateContent xmlns:mc="http://schemas.openxmlformats.org/markup-compatibility/2006">
+    <mc:Choice xmlns:p14="http://schemas.microsoft.com/office/powerpoint/2010/main" Requires="p14">
+      <p:transition spd="slow" p14:dur="2000"/>
+    </mc:Choice>
+    <mc:Fallback>
+      <p:transition spd="slow"/>
+    </mc:Fallback>
+  </mc:AlternateContent>
+</p:sld>
+</file>
+
+<file path=ppt/slides/slide23.xml><?xml version="1.0" encoding="utf-8"?>
+<p:sld xmlns:a="http://schemas.openxmlformats.org/drawingml/2006/main" xmlns:r="http://schemas.openxmlformats.org/officeDocument/2006/relationships" xmlns:p="http://schemas.openxmlformats.org/presentationml/2006/main">
+  <p:cSld>
+    <p:spTree>
+      <p:nvGrpSpPr>
+        <p:cNvPr id="1" name=""/>
+        <p:cNvGrpSpPr/>
+        <p:nvPr/>
+      </p:nvGrpSpPr>
+      <p:grpSpPr>
+        <a:xfrm>
+          <a:off x="0" y="0"/>
+          <a:ext cx="0" cy="0"/>
+          <a:chOff x="0" y="0"/>
+          <a:chExt cx="0" cy="0"/>
+        </a:xfrm>
+      </p:grpSpPr>
+      <p:sp>
+        <p:nvSpPr>
+          <p:cNvPr id="7" name="Title 6"/>
+          <p:cNvSpPr>
+            <a:spLocks noGrp="1"/>
+          </p:cNvSpPr>
+          <p:nvPr>
+            <p:ph type="title"/>
+          </p:nvPr>
+        </p:nvSpPr>
+        <p:spPr/>
+        <p:txBody>
+          <a:bodyPr/>
+          <a:lstStyle/>
+          <a:p>
+            <a:r>
+              <a:rPr lang="en-US" dirty="0"/>
+              <a:t>Higher-Order Functions</a:t>
+            </a:r>
+          </a:p>
+        </p:txBody>
+      </p:sp>
+      <p:sp>
+        <p:nvSpPr>
+          <p:cNvPr id="8" name="Content Placeholder 7"/>
+          <p:cNvSpPr>
+            <a:spLocks noGrp="1"/>
+          </p:cNvSpPr>
+          <p:nvPr>
+            <p:ph idx="1"/>
+          </p:nvPr>
+        </p:nvSpPr>
+        <p:spPr/>
+        <p:txBody>
+          <a:bodyPr/>
+          <a:lstStyle/>
+          <a:p>
+            <a:pPr marL="342900" indent="-342900">
+              <a:buFont typeface="Arial" panose="020B0604020202020204" pitchFamily="34" charset="0"/>
+              <a:buChar char="•"/>
+            </a:pPr>
+            <a:r>
+              <a:rPr lang="en-US" dirty="0" smtClean="0"/>
+              <a:t>Don’t leave the box (too early)!</a:t>
+            </a:r>
+          </a:p>
+          <a:p>
+            <a:pPr marL="342900" indent="-342900">
+              <a:buFont typeface="Arial" panose="020B0604020202020204" pitchFamily="34" charset="0"/>
+              <a:buChar char="•"/>
+            </a:pPr>
+            <a:endParaRPr lang="en-US" dirty="0"/>
+          </a:p>
+          <a:p>
+            <a:pPr marL="342900" indent="-342900">
+              <a:buFont typeface="Arial" panose="020B0604020202020204" pitchFamily="34" charset="0"/>
+              <a:buChar char="•"/>
+            </a:pPr>
+            <a:r>
+              <a:rPr lang="en-US" dirty="0" smtClean="0"/>
+              <a:t>Good language support for Option/Optional/Maybe</a:t>
+            </a:r>
+          </a:p>
+          <a:p>
+            <a:pPr marL="342900" indent="-342900">
+              <a:buFont typeface="Arial" panose="020B0604020202020204" pitchFamily="34" charset="0"/>
+              <a:buChar char="•"/>
+            </a:pPr>
+            <a:r>
+              <a:rPr lang="en-US" dirty="0" smtClean="0"/>
+              <a:t>Try is less widely supported</a:t>
+            </a:r>
+          </a:p>
+          <a:p>
+            <a:pPr marL="342900" indent="-342900">
+              <a:buFont typeface="Arial" panose="020B0604020202020204" pitchFamily="34" charset="0"/>
+              <a:buChar char="•"/>
+            </a:pPr>
+            <a:r>
+              <a:rPr lang="en-US" dirty="0" err="1" smtClean="0"/>
+              <a:t>Composable</a:t>
+            </a:r>
+            <a:r>
+              <a:rPr lang="en-US" dirty="0" smtClean="0"/>
+              <a:t> Future still missing in Java</a:t>
+            </a:r>
+            <a:endParaRPr lang="en-US" dirty="0"/>
+          </a:p>
+        </p:txBody>
+      </p:sp>
+      <p:sp>
+        <p:nvSpPr>
+          <p:cNvPr id="9" name="Text Placeholder 8"/>
+          <p:cNvSpPr>
+            <a:spLocks noGrp="1"/>
+          </p:cNvSpPr>
+          <p:nvPr>
+            <p:ph type="body" sz="quarter" idx="13"/>
+          </p:nvPr>
+        </p:nvSpPr>
+        <p:spPr/>
+        <p:txBody>
+          <a:bodyPr/>
+          <a:lstStyle/>
+          <a:p>
+            <a:r>
+              <a:rPr lang="en-US" dirty="0" smtClean="0"/>
+              <a:t>Lessons learned</a:t>
+            </a:r>
+            <a:endParaRPr lang="en-US" dirty="0"/>
+          </a:p>
+        </p:txBody>
+      </p:sp>
+      <p:sp>
+        <p:nvSpPr>
+          <p:cNvPr id="12" name="Footer Placeholder 11"/>
+          <p:cNvSpPr>
+            <a:spLocks noGrp="1"/>
+          </p:cNvSpPr>
+          <p:nvPr>
+            <p:ph type="ftr" sz="quarter" idx="11"/>
+          </p:nvPr>
+        </p:nvSpPr>
+        <p:spPr/>
+        <p:txBody>
+          <a:bodyPr/>
+          <a:lstStyle/>
+          <a:p>
+            <a:r>
+              <a:rPr lang="en-US" dirty="0" smtClean="0"/>
+              <a:t>Functional Design Patterns for OO Practitioners</a:t>
+            </a:r>
+            <a:endParaRPr lang="en-US" dirty="0"/>
+          </a:p>
+        </p:txBody>
+      </p:sp>
+      <p:sp>
+        <p:nvSpPr>
+          <p:cNvPr id="13" name="Date Placeholder 12"/>
+          <p:cNvSpPr>
+            <a:spLocks noGrp="1"/>
+          </p:cNvSpPr>
+          <p:nvPr>
+            <p:ph type="dt" sz="half" idx="10"/>
+          </p:nvPr>
+        </p:nvSpPr>
+        <p:spPr/>
+        <p:txBody>
+          <a:bodyPr/>
+          <a:lstStyle/>
+          <a:p>
+            <a:r>
+              <a:rPr lang="en-US" dirty="0" smtClean="0"/>
+              <a:t>14. September 2015</a:t>
+            </a:r>
+            <a:endParaRPr lang="en-US" dirty="0"/>
+          </a:p>
+        </p:txBody>
+      </p:sp>
+    </p:spTree>
+    <p:extLst>
+      <p:ext uri="{BB962C8B-B14F-4D97-AF65-F5344CB8AC3E}">
+        <p14:creationId xmlns:p14="http://schemas.microsoft.com/office/powerpoint/2010/main" val="4151784268"/>
+      </p:ext>
+    </p:extLst>
+  </p:cSld>
+  <p:clrMapOvr>
+    <a:masterClrMapping/>
+  </p:clrMapOvr>
+</p:sld>
+</file>
+
+<file path=ppt/slides/slide24.xml><?xml version="1.0" encoding="utf-8"?>
+<p:sld xmlns:a="http://schemas.openxmlformats.org/drawingml/2006/main" xmlns:r="http://schemas.openxmlformats.org/officeDocument/2006/relationships" xmlns:p="http://schemas.openxmlformats.org/presentationml/2006/main">
+  <p:cSld>
+    <p:spTree>
+      <p:nvGrpSpPr>
+        <p:cNvPr id="1" name=""/>
+        <p:cNvGrpSpPr/>
+        <p:nvPr/>
+      </p:nvGrpSpPr>
+      <p:grpSpPr>
+        <a:xfrm>
+          <a:off x="0" y="0"/>
+          <a:ext cx="0" cy="0"/>
+          <a:chOff x="0" y="0"/>
+          <a:chExt cx="0" cy="0"/>
+        </a:xfrm>
+      </p:grpSpPr>
+      <p:sp>
+        <p:nvSpPr>
+          <p:cNvPr id="2" name="Title 1"/>
+          <p:cNvSpPr>
+            <a:spLocks noGrp="1"/>
+          </p:cNvSpPr>
+          <p:nvPr>
+            <p:ph type="title"/>
+          </p:nvPr>
+        </p:nvSpPr>
+        <p:spPr/>
+        <p:txBody>
+          <a:bodyPr/>
+          <a:lstStyle/>
+          <a:p>
+            <a:r>
+              <a:rPr lang="en-US" dirty="0" smtClean="0"/>
+              <a:t>Outcomes</a:t>
+            </a:r>
+            <a:endParaRPr lang="en-US" dirty="0"/>
+          </a:p>
+        </p:txBody>
+      </p:sp>
+      <p:sp>
+        <p:nvSpPr>
+          <p:cNvPr id="3" name="Content Placeholder 2"/>
+          <p:cNvSpPr>
+            <a:spLocks noGrp="1"/>
+          </p:cNvSpPr>
+          <p:nvPr>
+            <p:ph idx="1"/>
+          </p:nvPr>
+        </p:nvSpPr>
+        <p:spPr/>
+        <p:txBody>
+          <a:bodyPr/>
+          <a:lstStyle/>
+          <a:p>
+            <a:pPr marL="342900" indent="-342900">
+              <a:buFont typeface="Arial" panose="020B0604020202020204" pitchFamily="34" charset="0"/>
+              <a:buChar char="•"/>
+            </a:pPr>
+            <a:r>
+              <a:rPr lang="en-US" dirty="0" smtClean="0"/>
+              <a:t>How to avoid side effects, how to write pure code</a:t>
+            </a:r>
+          </a:p>
+          <a:p>
+            <a:pPr marL="700088" lvl="1" indent="-342900">
+              <a:buFont typeface="Arial" panose="020B0604020202020204" pitchFamily="34" charset="0"/>
+              <a:buChar char="•"/>
+            </a:pPr>
+            <a:r>
+              <a:rPr lang="en-US" dirty="0" smtClean="0"/>
+              <a:t>Immutability</a:t>
+            </a:r>
+          </a:p>
+          <a:p>
+            <a:pPr marL="342900" indent="-342900">
+              <a:buFont typeface="Arial" panose="020B0604020202020204" pitchFamily="34" charset="0"/>
+              <a:buChar char="•"/>
+            </a:pPr>
+            <a:r>
+              <a:rPr lang="en-US" dirty="0" smtClean="0"/>
+              <a:t>A basic set of higher-order functions is enough to build most of what you need. Everything else is built by composition</a:t>
+            </a:r>
+          </a:p>
+          <a:p>
+            <a:pPr marL="342900" indent="-342900">
+              <a:buFont typeface="Arial" panose="020B0604020202020204" pitchFamily="34" charset="0"/>
+              <a:buChar char="•"/>
+            </a:pPr>
+            <a:r>
+              <a:rPr lang="en-US" dirty="0" smtClean="0"/>
+              <a:t>Not everything we showed is possible in Java/other OO languages. Sometimes it’s possible to emulate it, sometimes there are libraries that do this</a:t>
+            </a:r>
+          </a:p>
+          <a:p>
+            <a:pPr marL="342900" indent="-342900">
+              <a:buFont typeface="Arial" panose="020B0604020202020204" pitchFamily="34" charset="0"/>
+              <a:buChar char="•"/>
+            </a:pPr>
+            <a:endParaRPr lang="en-US" dirty="0"/>
+          </a:p>
+        </p:txBody>
+      </p:sp>
+      <p:sp>
+        <p:nvSpPr>
+          <p:cNvPr id="4" name="Date Placeholder 3"/>
+          <p:cNvSpPr>
+            <a:spLocks noGrp="1"/>
+          </p:cNvSpPr>
+          <p:nvPr>
+            <p:ph type="dt" sz="half" idx="10"/>
+          </p:nvPr>
+        </p:nvSpPr>
+        <p:spPr/>
+        <p:txBody>
+          <a:bodyPr/>
+          <a:lstStyle/>
+          <a:p>
+            <a:r>
+              <a:rPr lang="de-CH" smtClean="0"/>
+              <a:t>14. September 2015</a:t>
+            </a:r>
+            <a:endParaRPr lang="de-CH" dirty="0"/>
+          </a:p>
+        </p:txBody>
+      </p:sp>
+      <p:sp>
+        <p:nvSpPr>
+          <p:cNvPr id="5" name="Footer Placeholder 4"/>
+          <p:cNvSpPr>
+            <a:spLocks noGrp="1"/>
+          </p:cNvSpPr>
+          <p:nvPr>
+            <p:ph type="ftr" sz="quarter" idx="11"/>
+          </p:nvPr>
+        </p:nvSpPr>
+        <p:spPr/>
+        <p:txBody>
+          <a:bodyPr/>
+          <a:lstStyle/>
+          <a:p>
+            <a:r>
+              <a:rPr lang="en-US" smtClean="0"/>
+              <a:t>Functional Design Patterns for OO Practitioners</a:t>
+            </a:r>
+            <a:endParaRPr lang="de-CH" dirty="0"/>
+          </a:p>
+        </p:txBody>
+      </p:sp>
+      <p:sp>
+        <p:nvSpPr>
+          <p:cNvPr id="6" name="Text Placeholder 5"/>
+          <p:cNvSpPr>
+            <a:spLocks noGrp="1"/>
+          </p:cNvSpPr>
+          <p:nvPr>
+            <p:ph type="body" sz="quarter" idx="13"/>
+          </p:nvPr>
+        </p:nvSpPr>
+        <p:spPr/>
+        <p:txBody>
+          <a:bodyPr/>
+          <a:lstStyle/>
+          <a:p>
+            <a:endParaRPr lang="en-US"/>
+          </a:p>
+        </p:txBody>
+      </p:sp>
+    </p:spTree>
+    <p:extLst>
+      <p:ext uri="{BB962C8B-B14F-4D97-AF65-F5344CB8AC3E}">
+        <p14:creationId xmlns:p14="http://schemas.microsoft.com/office/powerpoint/2010/main" val="2670227320"/>
       </p:ext>
     </p:extLst>
   </p:cSld>
@@ -9875,8 +13205,8 @@
           </a:p>
         </p:txBody>
       </p:sp>
-      <mc:AlternateContent xmlns:mc="http://schemas.openxmlformats.org/markup-compatibility/2006">
-        <mc:Choice xmlns:a14="http://schemas.microsoft.com/office/drawing/2010/main" Requires="a14">
+      <mc:AlternateContent xmlns:mc="http://schemas.openxmlformats.org/markup-compatibility/2006" xmlns:a14="http://schemas.microsoft.com/office/drawing/2010/main">
+        <mc:Choice Requires="a14">
           <p:sp>
             <p:nvSpPr>
               <p:cNvPr id="3" name="Content Placeholder 2"/>
@@ -10197,12 +13527,11 @@
                   <a:rPr lang="de-CH" dirty="0" smtClean="0"/>
                   <a:t>.</a:t>
                 </a:r>
-                <a:endParaRPr lang="de-CH" dirty="0" smtClean="0"/>
               </a:p>
             </p:txBody>
           </p:sp>
         </mc:Choice>
-        <mc:Fallback>
+        <mc:Fallback xmlns="">
           <p:sp>
             <p:nvSpPr>
               <p:cNvPr id="3" name="Content Placeholder 2"/>
@@ -10265,11 +13594,7 @@
             </a:r>
             <a:r>
               <a:rPr lang="de-CH" dirty="0" smtClean="0"/>
-              <a:t> in </a:t>
-            </a:r>
-            <a:r>
-              <a:rPr lang="de-CH" dirty="0" smtClean="0"/>
-              <a:t>a </a:t>
+              <a:t> in a </a:t>
             </a:r>
             <a:r>
               <a:rPr lang="de-CH" dirty="0" err="1" smtClean="0"/>
@@ -11106,59 +14431,20 @@
           <a:bodyPr/>
           <a:lstStyle/>
           <a:p>
+            <a:r>
+              <a:rPr lang="en-US" dirty="0" smtClean="0"/>
+              <a:t>It’s all about </a:t>
+            </a:r>
+          </a:p>
+          <a:p>
             <a:pPr marL="342900" indent="-342900">
               <a:buFont typeface="Arial" panose="020B0604020202020204" pitchFamily="34" charset="0"/>
               <a:buChar char="•"/>
             </a:pPr>
             <a:r>
-              <a:rPr lang="de-CH" dirty="0" err="1" smtClean="0"/>
-              <a:t>There</a:t>
-            </a:r>
-            <a:r>
-              <a:rPr lang="de-CH" dirty="0" smtClean="0"/>
-              <a:t> </a:t>
-            </a:r>
-            <a:r>
-              <a:rPr lang="de-CH" dirty="0" err="1" smtClean="0"/>
-              <a:t>is</a:t>
-            </a:r>
-            <a:r>
-              <a:rPr lang="de-CH" dirty="0" smtClean="0"/>
-              <a:t> </a:t>
-            </a:r>
-            <a:r>
-              <a:rPr lang="de-CH" dirty="0" err="1" smtClean="0"/>
-              <a:t>no</a:t>
-            </a:r>
-            <a:r>
-              <a:rPr lang="de-CH" dirty="0" smtClean="0"/>
-              <a:t> «Gang </a:t>
-            </a:r>
-            <a:r>
-              <a:rPr lang="de-CH" dirty="0" err="1" smtClean="0"/>
-              <a:t>of</a:t>
-            </a:r>
-            <a:r>
-              <a:rPr lang="de-CH" dirty="0" smtClean="0"/>
-              <a:t> 4» in </a:t>
-            </a:r>
-            <a:r>
-              <a:rPr lang="de-CH" dirty="0" err="1" smtClean="0"/>
-              <a:t>functional</a:t>
-            </a:r>
-            <a:r>
-              <a:rPr lang="de-CH" dirty="0" smtClean="0"/>
-              <a:t> </a:t>
-            </a:r>
-            <a:r>
-              <a:rPr lang="de-CH" dirty="0" err="1" smtClean="0"/>
-              <a:t>programming</a:t>
-            </a:r>
-            <a:r>
-              <a:rPr lang="de-CH" dirty="0" smtClean="0"/>
-              <a:t>.</a:t>
-            </a:r>
-            <a:endParaRPr lang="de-CH" dirty="0"/>
+              <a:rPr lang="en-US" dirty="0" smtClean="0"/>
+              <a:t>transforming values</a:t>
+            </a:r>
           </a:p>
           <a:p>
             <a:pPr marL="342900" indent="-342900">
@@ -11166,60 +14452,8 @@
               <a:buChar char="•"/>
             </a:pPr>
             <a:r>
-              <a:rPr lang="de-CH" dirty="0" smtClean="0"/>
-              <a:t>«</a:t>
-            </a:r>
-            <a:r>
-              <a:rPr lang="de-CH" dirty="0" err="1"/>
-              <a:t>F</a:t>
-            </a:r>
-            <a:r>
-              <a:rPr lang="de-CH" dirty="0" err="1" smtClean="0"/>
-              <a:t>unctional</a:t>
-            </a:r>
-            <a:r>
-              <a:rPr lang="de-CH" dirty="0" smtClean="0"/>
-              <a:t> </a:t>
-            </a:r>
-            <a:r>
-              <a:rPr lang="de-CH" dirty="0" err="1" smtClean="0"/>
-              <a:t>patterns</a:t>
-            </a:r>
-            <a:r>
-              <a:rPr lang="de-CH" dirty="0" smtClean="0"/>
-              <a:t>» </a:t>
-            </a:r>
-            <a:r>
-              <a:rPr lang="de-CH" dirty="0" err="1" smtClean="0"/>
-              <a:t>is</a:t>
-            </a:r>
-            <a:r>
-              <a:rPr lang="de-CH" dirty="0" smtClean="0"/>
-              <a:t> a </a:t>
-            </a:r>
-            <a:r>
-              <a:rPr lang="de-CH" dirty="0" err="1" smtClean="0"/>
-              <a:t>less</a:t>
-            </a:r>
-            <a:r>
-              <a:rPr lang="de-CH" dirty="0" smtClean="0"/>
-              <a:t> </a:t>
-            </a:r>
-            <a:r>
-              <a:rPr lang="de-CH" dirty="0" err="1" smtClean="0"/>
-              <a:t>concise</a:t>
-            </a:r>
-            <a:r>
-              <a:rPr lang="de-CH" dirty="0" smtClean="0"/>
-              <a:t> </a:t>
-            </a:r>
-            <a:r>
-              <a:rPr lang="de-CH" dirty="0" err="1" smtClean="0"/>
-              <a:t>term</a:t>
-            </a:r>
-            <a:r>
-              <a:rPr lang="de-CH" dirty="0" smtClean="0"/>
-              <a:t>.</a:t>
+              <a:rPr lang="en-US" dirty="0" smtClean="0"/>
+              <a:t>reducing side effects</a:t>
             </a:r>
           </a:p>
           <a:p>
@@ -11227,71 +14461,33 @@
               <a:buFont typeface="Arial" panose="020B0604020202020204" pitchFamily="34" charset="0"/>
               <a:buChar char="•"/>
             </a:pPr>
-            <a:r>
-              <a:rPr lang="de-CH" dirty="0" smtClean="0"/>
-              <a:t>Focus on </a:t>
-            </a:r>
-            <a:r>
-              <a:rPr lang="de-CH" dirty="0" err="1" smtClean="0"/>
-              <a:t>composition</a:t>
-            </a:r>
-            <a:r>
-              <a:rPr lang="de-CH" dirty="0" smtClean="0"/>
-              <a:t> </a:t>
-            </a:r>
-            <a:r>
-              <a:rPr lang="de-CH" dirty="0" err="1" smtClean="0"/>
-              <a:t>of</a:t>
-            </a:r>
-            <a:r>
-              <a:rPr lang="de-CH" dirty="0" smtClean="0"/>
-              <a:t> </a:t>
-            </a:r>
-            <a:r>
-              <a:rPr lang="de-CH" dirty="0" err="1" smtClean="0"/>
-              <a:t>functions</a:t>
-            </a:r>
-            <a:r>
-              <a:rPr lang="de-CH" dirty="0" smtClean="0"/>
-              <a:t> </a:t>
-            </a:r>
-            <a:r>
-              <a:rPr lang="de-CH" dirty="0" err="1" smtClean="0"/>
-              <a:t>rather</a:t>
-            </a:r>
-            <a:r>
-              <a:rPr lang="de-CH" dirty="0" smtClean="0"/>
-              <a:t> </a:t>
-            </a:r>
-            <a:r>
-              <a:rPr lang="de-CH" dirty="0" err="1" smtClean="0"/>
-              <a:t>than</a:t>
-            </a:r>
-            <a:r>
-              <a:rPr lang="de-CH" dirty="0" smtClean="0"/>
-              <a:t> </a:t>
-            </a:r>
-            <a:r>
-              <a:rPr lang="de-CH" dirty="0" err="1" smtClean="0"/>
-              <a:t>composition</a:t>
-            </a:r>
-            <a:r>
-              <a:rPr lang="de-CH" dirty="0" smtClean="0"/>
-              <a:t> </a:t>
-            </a:r>
-            <a:r>
-              <a:rPr lang="de-CH" dirty="0" err="1" smtClean="0"/>
-              <a:t>of</a:t>
-            </a:r>
-            <a:r>
-              <a:rPr lang="de-CH" dirty="0" smtClean="0"/>
-              <a:t> </a:t>
-            </a:r>
-            <a:r>
-              <a:rPr lang="de-CH" dirty="0" err="1" smtClean="0"/>
-              <a:t>objects</a:t>
-            </a:r>
-            <a:endParaRPr lang="de-CH" dirty="0" smtClean="0"/>
+            <a:endParaRPr lang="en-US" dirty="0"/>
+          </a:p>
+          <a:p>
+            <a:r>
+              <a:rPr lang="en-US" dirty="0" smtClean="0"/>
+              <a:t>Functional programming concepts focus on</a:t>
+            </a:r>
+          </a:p>
+          <a:p>
+            <a:pPr marL="342900" indent="-342900">
+              <a:buFont typeface="Arial" panose="020B0604020202020204" pitchFamily="34" charset="0"/>
+              <a:buChar char="•"/>
+            </a:pPr>
+            <a:r>
+              <a:rPr lang="en-US" dirty="0" smtClean="0"/>
+              <a:t>expressing and composing value transformations</a:t>
+            </a:r>
+          </a:p>
+          <a:p>
+            <a:pPr marL="342900" indent="-342900">
+              <a:buFont typeface="Arial" panose="020B0604020202020204" pitchFamily="34" charset="0"/>
+              <a:buChar char="•"/>
+            </a:pPr>
+            <a:r>
+              <a:rPr lang="en-US" dirty="0" smtClean="0"/>
+              <a:t>encapsulating side effect</a:t>
+            </a:r>
           </a:p>
         </p:txBody>
       </p:sp>
@@ -11357,12 +14553,8 @@
           <a:lstStyle/>
           <a:p>
             <a:r>
-              <a:rPr lang="en-US" dirty="0"/>
-              <a:t>Functional </a:t>
-            </a:r>
-            <a:r>
               <a:rPr lang="en-US" dirty="0" smtClean="0"/>
-              <a:t>patterns</a:t>
+              <a:t>Functional Programming in 1 slide</a:t>
             </a:r>
             <a:endParaRPr lang="en-US" dirty="0"/>
           </a:p>
@@ -11371,7 +14563,7 @@
     </p:spTree>
     <p:extLst>
       <p:ext uri="{BB962C8B-B14F-4D97-AF65-F5344CB8AC3E}">
-        <p14:creationId xmlns:p14="http://schemas.microsoft.com/office/powerpoint/2010/main" val="137480872"/>
+        <p14:creationId xmlns:p14="http://schemas.microsoft.com/office/powerpoint/2010/main" val="355283669"/>
       </p:ext>
     </p:extLst>
   </p:cSld>

--- a/Functional Design Patterns for OO Practitioners.pptx
+++ b/Functional Design Patterns for OO Practitioners.pptx
@@ -14,12 +14,12 @@
     <p:sldId id="256" r:id="rId2"/>
     <p:sldId id="265" r:id="rId3"/>
     <p:sldId id="268" r:id="rId4"/>
-    <p:sldId id="269" r:id="rId5"/>
-    <p:sldId id="270" r:id="rId6"/>
-    <p:sldId id="271" r:id="rId7"/>
-    <p:sldId id="272" r:id="rId8"/>
-    <p:sldId id="273" r:id="rId9"/>
-    <p:sldId id="281" r:id="rId10"/>
+    <p:sldId id="281" r:id="rId5"/>
+    <p:sldId id="269" r:id="rId6"/>
+    <p:sldId id="270" r:id="rId7"/>
+    <p:sldId id="271" r:id="rId8"/>
+    <p:sldId id="272" r:id="rId9"/>
+    <p:sldId id="273" r:id="rId10"/>
     <p:sldId id="274" r:id="rId11"/>
     <p:sldId id="266" r:id="rId12"/>
     <p:sldId id="257" r:id="rId13"/>
@@ -291,7 +291,7 @@
               <a:rPr lang="de-DE" smtClean="0">
                 <a:latin typeface="AA Zuehlke" pitchFamily="2" charset="0"/>
               </a:rPr>
-              <a:t>15.09.2015</a:t>
+              <a:t>18.09.2015</a:t>
             </a:fld>
             <a:endParaRPr lang="de-DE">
               <a:latin typeface="AA Zuehlke" pitchFamily="2" charset="0"/>
@@ -469,7 +469,7 @@
             <a:fld id="{A6966AE6-B72D-4967-9CA3-8469D2863705}" type="datetimeFigureOut">
               <a:rPr lang="en-US" smtClean="0"/>
               <a:pPr/>
-              <a:t>9/15/2015</a:t>
+              <a:t>9/18/2015</a:t>
             </a:fld>
             <a:endParaRPr lang="en-US" dirty="0"/>
           </a:p>
@@ -5433,7 +5433,23 @@
             </a:r>
             <a:r>
               <a:rPr lang="de-CH" dirty="0" smtClean="0"/>
-              <a:t> «Gang </a:t>
+              <a:t> </a:t>
+            </a:r>
+            <a:r>
+              <a:rPr lang="de-CH" dirty="0" err="1" smtClean="0"/>
+              <a:t>authoritative</a:t>
+            </a:r>
+            <a:r>
+              <a:rPr lang="de-CH" dirty="0" smtClean="0"/>
+              <a:t> </a:t>
+            </a:r>
+            <a:r>
+              <a:rPr lang="de-CH" dirty="0" err="1" smtClean="0"/>
+              <a:t>list</a:t>
+            </a:r>
+            <a:r>
+              <a:rPr lang="de-CH" dirty="0" smtClean="0"/>
+              <a:t> </a:t>
             </a:r>
             <a:r>
               <a:rPr lang="de-CH" dirty="0" err="1" smtClean="0"/>
@@ -5441,7 +5457,7 @@
             </a:r>
             <a:r>
               <a:rPr lang="de-CH" dirty="0" smtClean="0"/>
-              <a:t> 4» in </a:t>
+              <a:t> </a:t>
             </a:r>
             <a:r>
               <a:rPr lang="de-CH" dirty="0" err="1" smtClean="0"/>
@@ -5453,11 +5469,31 @@
             </a:r>
             <a:r>
               <a:rPr lang="de-CH" dirty="0" err="1" smtClean="0"/>
-              <a:t>programming</a:t>
+              <a:t>patterns</a:t>
+            </a:r>
+            <a:r>
+              <a:rPr lang="de-CH" dirty="0"/>
+              <a:t> (like «Gang </a:t>
+            </a:r>
+            <a:r>
+              <a:rPr lang="de-CH" dirty="0" err="1"/>
+              <a:t>of</a:t>
+            </a:r>
+            <a:r>
+              <a:rPr lang="de-CH" dirty="0"/>
+              <a:t> 4</a:t>
             </a:r>
             <a:r>
               <a:rPr lang="de-CH" dirty="0" smtClean="0"/>
-              <a:t>.</a:t>
+              <a:t>» </a:t>
+            </a:r>
+            <a:r>
+              <a:rPr lang="de-CH" dirty="0" err="1" smtClean="0"/>
+              <a:t>patterns</a:t>
+            </a:r>
+            <a:r>
+              <a:rPr lang="de-CH" dirty="0" smtClean="0"/>
+              <a:t> in OO).</a:t>
             </a:r>
             <a:endParaRPr lang="de-CH" dirty="0"/>
           </a:p>
@@ -5484,7 +5520,7 @@
             </a:r>
             <a:r>
               <a:rPr lang="de-CH" dirty="0" err="1" smtClean="0"/>
-              <a:t>patterns</a:t>
+              <a:t>pattern</a:t>
             </a:r>
             <a:r>
               <a:rPr lang="de-CH" dirty="0" smtClean="0"/>
@@ -5522,7 +5558,6 @@
               <a:rPr lang="de-CH" dirty="0" smtClean="0"/>
               <a:t>.</a:t>
             </a:r>
-            <a:endParaRPr lang="de-CH" dirty="0" smtClean="0"/>
           </a:p>
           <a:p>
             <a:pPr marL="342900" indent="-342900">
@@ -5530,12 +5565,8 @@
               <a:buChar char="•"/>
             </a:pPr>
             <a:r>
-              <a:rPr lang="de-CH" dirty="0" smtClean="0"/>
-              <a:t>Focus on </a:t>
-            </a:r>
-            <a:r>
               <a:rPr lang="de-CH" dirty="0" err="1" smtClean="0"/>
-              <a:t>composition</a:t>
+              <a:t>Highly</a:t>
             </a:r>
             <a:r>
               <a:rPr lang="de-CH" dirty="0" smtClean="0"/>
@@ -5543,55 +5574,7 @@
             </a:r>
             <a:r>
               <a:rPr lang="de-CH" dirty="0" err="1" smtClean="0"/>
-              <a:t>of</a:t>
-            </a:r>
-            <a:r>
-              <a:rPr lang="de-CH" dirty="0" smtClean="0"/>
-              <a:t> </a:t>
-            </a:r>
-            <a:r>
-              <a:rPr lang="de-CH" dirty="0" err="1" smtClean="0"/>
-              <a:t>functions</a:t>
-            </a:r>
-            <a:r>
-              <a:rPr lang="de-CH" dirty="0" smtClean="0"/>
-              <a:t> </a:t>
-            </a:r>
-            <a:r>
-              <a:rPr lang="de-CH" dirty="0" err="1" smtClean="0"/>
-              <a:t>rather</a:t>
-            </a:r>
-            <a:r>
-              <a:rPr lang="de-CH" dirty="0" smtClean="0"/>
-              <a:t> </a:t>
-            </a:r>
-            <a:r>
-              <a:rPr lang="de-CH" dirty="0" err="1" smtClean="0"/>
-              <a:t>than</a:t>
-            </a:r>
-            <a:r>
-              <a:rPr lang="de-CH" dirty="0" smtClean="0"/>
-              <a:t> </a:t>
-            </a:r>
-            <a:r>
-              <a:rPr lang="de-CH" dirty="0" err="1" smtClean="0"/>
-              <a:t>composition</a:t>
-            </a:r>
-            <a:r>
-              <a:rPr lang="de-CH" dirty="0" smtClean="0"/>
-              <a:t> </a:t>
-            </a:r>
-            <a:r>
-              <a:rPr lang="de-CH" dirty="0" err="1" smtClean="0"/>
-              <a:t>of</a:t>
-            </a:r>
-            <a:r>
-              <a:rPr lang="de-CH" dirty="0" smtClean="0"/>
-              <a:t> </a:t>
-            </a:r>
-            <a:r>
-              <a:rPr lang="de-CH" dirty="0" err="1" smtClean="0"/>
-              <a:t>objects</a:t>
+              <a:t>language-dependent</a:t>
             </a:r>
             <a:endParaRPr lang="de-CH" dirty="0" smtClean="0"/>
           </a:p>
@@ -5602,7 +5585,130 @@
             </a:pPr>
             <a:r>
               <a:rPr lang="de-CH" dirty="0" smtClean="0"/>
-              <a:t>More like </a:t>
+              <a:t>Focus on </a:t>
+            </a:r>
+            <a:r>
+              <a:rPr lang="de-CH" dirty="0" err="1" smtClean="0"/>
+              <a:t>composition</a:t>
+            </a:r>
+            <a:r>
+              <a:rPr lang="de-CH" dirty="0" smtClean="0"/>
+              <a:t> </a:t>
+            </a:r>
+            <a:r>
+              <a:rPr lang="de-CH" dirty="0" err="1" smtClean="0"/>
+              <a:t>of</a:t>
+            </a:r>
+            <a:r>
+              <a:rPr lang="de-CH" dirty="0" smtClean="0"/>
+              <a:t> </a:t>
+            </a:r>
+            <a:r>
+              <a:rPr lang="de-CH" dirty="0" err="1" smtClean="0"/>
+              <a:t>functions</a:t>
+            </a:r>
+            <a:r>
+              <a:rPr lang="de-CH" dirty="0" smtClean="0"/>
+              <a:t> </a:t>
+            </a:r>
+            <a:r>
+              <a:rPr lang="de-CH" dirty="0" err="1" smtClean="0"/>
+              <a:t>rather</a:t>
+            </a:r>
+            <a:r>
+              <a:rPr lang="de-CH" dirty="0" smtClean="0"/>
+              <a:t> </a:t>
+            </a:r>
+            <a:r>
+              <a:rPr lang="de-CH" dirty="0" err="1" smtClean="0"/>
+              <a:t>than</a:t>
+            </a:r>
+            <a:r>
+              <a:rPr lang="de-CH" dirty="0" smtClean="0"/>
+              <a:t> </a:t>
+            </a:r>
+            <a:r>
+              <a:rPr lang="de-CH" dirty="0" err="1" smtClean="0"/>
+              <a:t>composition</a:t>
+            </a:r>
+            <a:r>
+              <a:rPr lang="de-CH" dirty="0" smtClean="0"/>
+              <a:t> </a:t>
+            </a:r>
+            <a:r>
+              <a:rPr lang="de-CH" dirty="0" err="1" smtClean="0"/>
+              <a:t>of</a:t>
+            </a:r>
+            <a:r>
+              <a:rPr lang="de-CH" dirty="0" smtClean="0"/>
+              <a:t> </a:t>
+            </a:r>
+            <a:r>
+              <a:rPr lang="de-CH" dirty="0" err="1" smtClean="0"/>
+              <a:t>objects</a:t>
+            </a:r>
+            <a:endParaRPr lang="de-CH" dirty="0" smtClean="0"/>
+          </a:p>
+          <a:p>
+            <a:pPr marL="342900" indent="-342900">
+              <a:buFont typeface="Arial" panose="020B0604020202020204" pitchFamily="34" charset="0"/>
+              <a:buChar char="•"/>
+            </a:pPr>
+            <a:r>
+              <a:rPr lang="de-CH" dirty="0" err="1" smtClean="0"/>
+              <a:t>Our</a:t>
+            </a:r>
+            <a:r>
+              <a:rPr lang="de-CH" dirty="0" smtClean="0"/>
+              <a:t> </a:t>
+            </a:r>
+            <a:r>
+              <a:rPr lang="de-CH" dirty="0" err="1" smtClean="0"/>
+              <a:t>collection</a:t>
+            </a:r>
+            <a:r>
+              <a:rPr lang="de-CH" dirty="0" smtClean="0"/>
+              <a:t> </a:t>
+            </a:r>
+            <a:r>
+              <a:rPr lang="de-CH" dirty="0" err="1" smtClean="0"/>
+              <a:t>consists</a:t>
+            </a:r>
+            <a:r>
+              <a:rPr lang="de-CH" dirty="0" smtClean="0"/>
+              <a:t> </a:t>
+            </a:r>
+            <a:r>
+              <a:rPr lang="de-CH" dirty="0" err="1" smtClean="0"/>
+              <a:t>of</a:t>
+            </a:r>
+            <a:r>
+              <a:rPr lang="de-CH" dirty="0" smtClean="0"/>
+              <a:t> </a:t>
+            </a:r>
+            <a:r>
+              <a:rPr lang="de-CH" dirty="0" err="1" smtClean="0"/>
+              <a:t>ideas</a:t>
+            </a:r>
+            <a:r>
+              <a:rPr lang="de-CH" dirty="0" smtClean="0"/>
+              <a:t>, </a:t>
+            </a:r>
+            <a:r>
+              <a:rPr lang="de-CH" dirty="0" err="1" smtClean="0"/>
+              <a:t>recipes</a:t>
+            </a:r>
+            <a:r>
+              <a:rPr lang="de-CH" dirty="0" smtClean="0"/>
+              <a:t> </a:t>
+            </a:r>
+            <a:r>
+              <a:rPr lang="de-CH" dirty="0" err="1" smtClean="0"/>
+              <a:t>and</a:t>
+            </a:r>
+            <a:r>
+              <a:rPr lang="de-CH" dirty="0" smtClean="0"/>
+              <a:t> </a:t>
             </a:r>
             <a:r>
               <a:rPr lang="de-CH" dirty="0" err="1" smtClean="0"/>
@@ -5610,19 +5716,7 @@
             </a:r>
             <a:r>
               <a:rPr lang="de-CH" dirty="0" smtClean="0"/>
-              <a:t>, </a:t>
-            </a:r>
-            <a:r>
-              <a:rPr lang="de-CH" dirty="0" err="1" smtClean="0"/>
-              <a:t>ideas</a:t>
-            </a:r>
-            <a:r>
-              <a:rPr lang="de-CH" dirty="0" smtClean="0"/>
-              <a:t>, </a:t>
-            </a:r>
-            <a:r>
-              <a:rPr lang="de-CH" dirty="0" err="1" smtClean="0"/>
-              <a:t>recipes</a:t>
+              <a:t>.</a:t>
             </a:r>
             <a:endParaRPr lang="de-CH" dirty="0" smtClean="0"/>
           </a:p>
@@ -5948,11 +6042,7 @@
             </a:pPr>
             <a:r>
               <a:rPr lang="en-US" dirty="0" smtClean="0"/>
-              <a:t>In </a:t>
-            </a:r>
-            <a:r>
-              <a:rPr lang="en-US" dirty="0" smtClean="0"/>
-              <a:t>OO: Like implementing a template method or passing a callback object</a:t>
+              <a:t>In OO: Like implementing a template method or passing a callback object</a:t>
             </a:r>
           </a:p>
           <a:p>
@@ -5962,13 +6052,8 @@
             </a:pPr>
             <a:r>
               <a:rPr lang="en-US" dirty="0" smtClean="0"/>
-              <a:t>Doesn’t this inevitably lead to a mess? </a:t>
-            </a:r>
-            <a:r>
-              <a:rPr lang="en-US" dirty="0" smtClean="0"/>
-              <a:t>What about callback hell?</a:t>
-            </a:r>
-            <a:endParaRPr lang="en-US" dirty="0" smtClean="0"/>
+              <a:t>Doesn’t this inevitably lead to a mess? What about callback hell?</a:t>
+            </a:r>
           </a:p>
           <a:p>
             <a:pPr marL="342900" indent="-342900">
@@ -6004,7 +6089,6 @@
               <a:rPr lang="en-US" dirty="0" smtClean="0"/>
               <a:t>Use well-known, generic higher-order functions</a:t>
             </a:r>
-            <a:endParaRPr lang="en-US" dirty="0" smtClean="0"/>
           </a:p>
         </p:txBody>
       </p:sp>
@@ -6141,102 +6225,144 @@
           <a:bodyPr/>
           <a:lstStyle/>
           <a:p>
+            <a:r>
+              <a:rPr lang="en-US" dirty="0" smtClean="0"/>
+              <a:t>filter</a:t>
+            </a:r>
+            <a:r>
+              <a:rPr lang="en-US" dirty="0"/>
+              <a:t> </a:t>
+            </a:r>
+            <a:r>
+              <a:rPr lang="en-US" baseline="30000" dirty="0">
+                <a:solidFill>
+                  <a:srgbClr val="FF0000"/>
+                </a:solidFill>
+              </a:rPr>
+              <a:t>Scala</a:t>
+            </a:r>
+            <a:r>
+              <a:rPr lang="en-US" baseline="30000" dirty="0"/>
+              <a:t>, </a:t>
+            </a:r>
+            <a:r>
+              <a:rPr lang="en-US" baseline="30000" dirty="0">
+                <a:solidFill>
+                  <a:schemeClr val="accent4">
+                    <a:lumMod val="50000"/>
+                  </a:schemeClr>
+                </a:solidFill>
+              </a:rPr>
+              <a:t>Java</a:t>
+            </a:r>
+            <a:r>
+              <a:rPr lang="en-US" baseline="30000" dirty="0"/>
+              <a:t>, </a:t>
+            </a:r>
+            <a:r>
+              <a:rPr lang="en-US" baseline="30000" dirty="0" smtClean="0">
+                <a:solidFill>
+                  <a:schemeClr val="tx2">
+                    <a:lumMod val="50000"/>
+                  </a:schemeClr>
+                </a:solidFill>
+              </a:rPr>
+              <a:t>Haskell</a:t>
+            </a:r>
+          </a:p>
+          <a:p>
+            <a:r>
+              <a:rPr lang="en-US" dirty="0" err="1" smtClean="0"/>
+              <a:t>findAll</a:t>
+            </a:r>
+            <a:r>
+              <a:rPr lang="en-US" dirty="0" smtClean="0"/>
+              <a:t> </a:t>
+            </a:r>
+            <a:r>
+              <a:rPr lang="en-US" baseline="30000" dirty="0">
+                <a:solidFill>
+                  <a:schemeClr val="accent3">
+                    <a:lumMod val="75000"/>
+                  </a:schemeClr>
+                </a:solidFill>
+              </a:rPr>
+              <a:t>Groovy</a:t>
+            </a:r>
+            <a:endParaRPr lang="en-US" dirty="0"/>
+          </a:p>
+          <a:p>
             <a:pPr marL="342900" indent="-342900">
               <a:buFont typeface="Arial" panose="020B0604020202020204" pitchFamily="34" charset="0"/>
               <a:buChar char="•"/>
             </a:pPr>
-            <a:r>
-              <a:rPr lang="en-US" dirty="0"/>
-              <a:t>map </a:t>
-            </a:r>
-            <a:r>
-              <a:rPr lang="en-US" baseline="30000" dirty="0">
-                <a:solidFill>
-                  <a:srgbClr val="FF0000"/>
-                </a:solidFill>
-              </a:rPr>
-              <a:t>Scala</a:t>
-            </a:r>
-            <a:r>
-              <a:rPr lang="en-US" baseline="30000" dirty="0"/>
-              <a:t>, </a:t>
-            </a:r>
-            <a:r>
-              <a:rPr lang="en-US" baseline="30000" dirty="0">
-                <a:solidFill>
-                  <a:schemeClr val="accent4">
-                    <a:lumMod val="50000"/>
-                  </a:schemeClr>
-                </a:solidFill>
-              </a:rPr>
-              <a:t>Java</a:t>
-            </a:r>
-            <a:r>
-              <a:rPr lang="en-US" baseline="30000" dirty="0"/>
-              <a:t>, </a:t>
-            </a:r>
-            <a:r>
-              <a:rPr lang="en-US" baseline="30000" dirty="0">
-                <a:solidFill>
-                  <a:schemeClr val="tx2">
-                    <a:lumMod val="50000"/>
-                  </a:schemeClr>
-                </a:solidFill>
-              </a:rPr>
-              <a:t>Haskell </a:t>
-            </a:r>
-            <a:r>
-              <a:rPr lang="en-US" dirty="0"/>
-              <a:t>/ collect </a:t>
-            </a:r>
-            <a:r>
-              <a:rPr lang="en-US" baseline="30000" dirty="0">
-                <a:solidFill>
-                  <a:schemeClr val="accent3">
-                    <a:lumMod val="75000"/>
-                  </a:schemeClr>
-                </a:solidFill>
-              </a:rPr>
-              <a:t>Groovy</a:t>
-            </a:r>
-            <a:r>
-              <a:rPr lang="en-US" dirty="0"/>
-              <a:t>: </a:t>
-            </a:r>
-          </a:p>
-          <a:p>
-            <a:pPr marL="700088" lvl="1" indent="-342900">
-              <a:buFont typeface="Arial" panose="020B0604020202020204" pitchFamily="34" charset="0"/>
-              <a:buChar char="•"/>
-            </a:pPr>
-            <a:r>
-              <a:rPr lang="en-US" dirty="0"/>
-              <a:t>List(1,2,3).map(x =&gt; f(x)) == List(f(1), f(2), f(3))</a:t>
-            </a:r>
+            <a:endParaRPr lang="en-US" dirty="0" smtClean="0"/>
           </a:p>
           <a:p>
             <a:pPr marL="342900" indent="-342900">
               <a:buFont typeface="Arial" panose="020B0604020202020204" pitchFamily="34" charset="0"/>
               <a:buChar char="•"/>
             </a:pPr>
+            <a:endParaRPr lang="en-US" dirty="0" smtClean="0"/>
+          </a:p>
+          <a:p>
             <a:r>
               <a:rPr lang="en-US" dirty="0" smtClean="0"/>
-              <a:t>filter/</a:t>
-            </a:r>
-            <a:r>
-              <a:rPr lang="en-US" dirty="0" err="1" smtClean="0"/>
-              <a:t>findAll</a:t>
-            </a:r>
-            <a:endParaRPr lang="en-US" dirty="0"/>
-          </a:p>
-          <a:p>
-            <a:pPr marL="700088" lvl="1" indent="-342900">
-              <a:buFont typeface="Arial" panose="020B0604020202020204" pitchFamily="34" charset="0"/>
-              <a:buChar char="•"/>
-            </a:pPr>
+              <a:t>map </a:t>
+            </a:r>
+            <a:r>
+              <a:rPr lang="en-US" baseline="30000" dirty="0">
+                <a:solidFill>
+                  <a:srgbClr val="FF0000"/>
+                </a:solidFill>
+              </a:rPr>
+              <a:t>Scala</a:t>
+            </a:r>
+            <a:r>
+              <a:rPr lang="en-US" baseline="30000" dirty="0"/>
+              <a:t>, </a:t>
+            </a:r>
+            <a:r>
+              <a:rPr lang="en-US" baseline="30000" dirty="0">
+                <a:solidFill>
+                  <a:schemeClr val="accent4">
+                    <a:lumMod val="50000"/>
+                  </a:schemeClr>
+                </a:solidFill>
+              </a:rPr>
+              <a:t>Java</a:t>
+            </a:r>
+            <a:r>
+              <a:rPr lang="en-US" baseline="30000" dirty="0"/>
+              <a:t>, </a:t>
+            </a:r>
+            <a:r>
+              <a:rPr lang="en-US" baseline="30000" dirty="0">
+                <a:solidFill>
+                  <a:schemeClr val="tx2">
+                    <a:lumMod val="50000"/>
+                  </a:schemeClr>
+                </a:solidFill>
+              </a:rPr>
+              <a:t>Haskell </a:t>
+            </a:r>
             <a:r>
               <a:rPr lang="en-US" dirty="0"/>
-              <a:t>List(1,2,3).filter(x =&gt; x &gt; 1) == List(2,3)</a:t>
+              <a:t>/ collect </a:t>
+            </a:r>
+            <a:r>
+              <a:rPr lang="en-US" baseline="30000" dirty="0">
+                <a:solidFill>
+                  <a:schemeClr val="accent3">
+                    <a:lumMod val="75000"/>
+                  </a:schemeClr>
+                </a:solidFill>
+              </a:rPr>
+              <a:t>Groovy</a:t>
+            </a:r>
+            <a:r>
+              <a:rPr lang="en-US" dirty="0"/>
+              <a:t>: </a:t>
             </a:r>
           </a:p>
           <a:p>
@@ -6244,55 +6370,16 @@
               <a:buFont typeface="Arial" panose="020B0604020202020204" pitchFamily="34" charset="0"/>
               <a:buChar char="•"/>
             </a:pPr>
-            <a:r>
-              <a:rPr lang="en-US" dirty="0" smtClean="0"/>
-              <a:t>fold </a:t>
-            </a:r>
-            <a:r>
-              <a:rPr lang="en-US" baseline="30000" dirty="0"/>
-              <a:t>Scala, Java, Haskell</a:t>
-            </a:r>
-            <a:r>
-              <a:rPr lang="en-US" dirty="0"/>
-              <a:t>/reduce </a:t>
-            </a:r>
-            <a:r>
-              <a:rPr lang="en-US" baseline="30000" dirty="0"/>
-              <a:t>Groovy</a:t>
-            </a:r>
-            <a:endParaRPr lang="en-US" dirty="0"/>
-          </a:p>
-          <a:p>
-            <a:pPr marL="700088" lvl="1" indent="-342900">
-              <a:buFont typeface="Arial" panose="020B0604020202020204" pitchFamily="34" charset="0"/>
-              <a:buChar char="•"/>
-            </a:pPr>
-            <a:r>
-              <a:rPr lang="en-US" dirty="0"/>
-              <a:t>List(1,2,3).fold(zero, (</a:t>
-            </a:r>
-            <a:r>
-              <a:rPr lang="en-US" dirty="0" err="1"/>
-              <a:t>acc</a:t>
-            </a:r>
-            <a:r>
-              <a:rPr lang="en-US" dirty="0"/>
-              <a:t>, x) =&gt; f(</a:t>
-            </a:r>
-            <a:r>
-              <a:rPr lang="en-US" dirty="0" err="1"/>
-              <a:t>acc</a:t>
-            </a:r>
-            <a:r>
-              <a:rPr lang="en-US" dirty="0"/>
-              <a:t>, x)) == f(f(f(zero,1), 2), 3)</a:t>
-            </a:r>
+            <a:endParaRPr lang="en-US" dirty="0" smtClean="0"/>
           </a:p>
           <a:p>
             <a:pPr marL="342900" indent="-342900">
               <a:buFont typeface="Arial" panose="020B0604020202020204" pitchFamily="34" charset="0"/>
               <a:buChar char="•"/>
             </a:pPr>
+            <a:endParaRPr lang="en-US" dirty="0" smtClean="0"/>
+          </a:p>
+          <a:p>
             <a:r>
               <a:rPr lang="en-US" dirty="0" err="1" smtClean="0"/>
               <a:t>flatMap</a:t>
@@ -6369,26 +6456,33 @@
             </a:r>
           </a:p>
           <a:p>
-            <a:pPr marL="700088" lvl="1" indent="-342900">
+            <a:pPr marL="342900" indent="-342900">
               <a:buFont typeface="Arial" panose="020B0604020202020204" pitchFamily="34" charset="0"/>
               <a:buChar char="•"/>
             </a:pPr>
+            <a:endParaRPr lang="en-US" dirty="0" smtClean="0"/>
+          </a:p>
+          <a:p>
+            <a:pPr marL="342900" indent="-342900">
+              <a:buFont typeface="Arial" panose="020B0604020202020204" pitchFamily="34" charset="0"/>
+              <a:buChar char="•"/>
+            </a:pPr>
+            <a:endParaRPr lang="en-US" dirty="0"/>
+          </a:p>
+          <a:p>
             <a:r>
               <a:rPr lang="en-US" dirty="0" smtClean="0"/>
-              <a:t>List(10,20,30</a:t>
+              <a:t>fold, reduce, exists, </a:t>
+            </a:r>
+            <a:r>
+              <a:rPr lang="en-US" dirty="0" err="1" smtClean="0"/>
+              <a:t>foreach</a:t>
             </a:r>
             <a:r>
               <a:rPr lang="en-US" dirty="0" smtClean="0"/>
-              <a:t>).</a:t>
-            </a:r>
-            <a:r>
-              <a:rPr lang="en-US" dirty="0" err="1" smtClean="0"/>
-              <a:t>flatMap</a:t>
-            </a:r>
-            <a:r>
-              <a:rPr lang="en-US" dirty="0" smtClean="0"/>
-              <a:t>(x =&gt; List(x+1,x+2)) == List(11,12,21,22,31,32)</a:t>
-            </a:r>
+              <a:t>…</a:t>
+            </a:r>
+            <a:endParaRPr lang="en-US" dirty="0" smtClean="0"/>
           </a:p>
         </p:txBody>
       </p:sp>
@@ -6458,6 +6552,1157 @@
               <a:t>The most useful ones</a:t>
             </a:r>
             <a:endParaRPr lang="en-US" dirty="0"/>
+          </a:p>
+        </p:txBody>
+      </p:sp>
+      <p:grpSp>
+        <p:nvGrpSpPr>
+          <p:cNvPr id="13" name="Group 12"/>
+          <p:cNvGrpSpPr/>
+          <p:nvPr/>
+        </p:nvGrpSpPr>
+        <p:grpSpPr>
+          <a:xfrm>
+            <a:off x="4583832" y="1761748"/>
+            <a:ext cx="432048" cy="432048"/>
+            <a:chOff x="2279576" y="2276872"/>
+            <a:chExt cx="432048" cy="432048"/>
+          </a:xfrm>
+        </p:grpSpPr>
+        <p:sp>
+          <p:nvSpPr>
+            <p:cNvPr id="11" name="Rounded Rectangle 10"/>
+            <p:cNvSpPr/>
+            <p:nvPr/>
+          </p:nvSpPr>
+          <p:spPr>
+            <a:xfrm>
+              <a:off x="2279576" y="2276872"/>
+              <a:ext cx="432048" cy="432048"/>
+            </a:xfrm>
+            <a:prstGeom prst="roundRect">
+              <a:avLst/>
+            </a:prstGeom>
+            <a:solidFill>
+              <a:srgbClr val="0070C0"/>
+            </a:solidFill>
+            <a:ln w="76200">
+              <a:noFill/>
+            </a:ln>
+          </p:spPr>
+          <p:style>
+            <a:lnRef idx="2">
+              <a:schemeClr val="accent1">
+                <a:shade val="50000"/>
+              </a:schemeClr>
+            </a:lnRef>
+            <a:fillRef idx="1">
+              <a:schemeClr val="accent1"/>
+            </a:fillRef>
+            <a:effectRef idx="0">
+              <a:schemeClr val="accent1"/>
+            </a:effectRef>
+            <a:fontRef idx="minor">
+              <a:schemeClr val="lt1"/>
+            </a:fontRef>
+          </p:style>
+          <p:txBody>
+            <a:bodyPr rtlCol="0" anchor="ctr"/>
+            <a:lstStyle/>
+            <a:p>
+              <a:pPr algn="ctr"/>
+              <a:endParaRPr lang="en-US" sz="2200" dirty="0" err="1" smtClean="0">
+                <a:ln w="76200">
+                  <a:noFill/>
+                </a:ln>
+                <a:latin typeface="AA Zuehlke" pitchFamily="2" charset="0"/>
+              </a:endParaRPr>
+            </a:p>
+          </p:txBody>
+        </p:sp>
+        <p:sp>
+          <p:nvSpPr>
+            <p:cNvPr id="12" name="TextBox 11"/>
+            <p:cNvSpPr txBox="1"/>
+            <p:nvPr/>
+          </p:nvSpPr>
+          <p:spPr>
+            <a:xfrm>
+              <a:off x="2279576" y="2295255"/>
+              <a:ext cx="432048" cy="360040"/>
+            </a:xfrm>
+            <a:prstGeom prst="rect">
+              <a:avLst/>
+            </a:prstGeom>
+            <a:noFill/>
+          </p:spPr>
+          <p:txBody>
+            <a:bodyPr wrap="square" rtlCol="0">
+              <a:noAutofit/>
+            </a:bodyPr>
+            <a:lstStyle/>
+            <a:p>
+              <a:pPr algn="ctr"/>
+              <a:r>
+                <a:rPr lang="en-US" sz="2200" dirty="0" smtClean="0">
+                  <a:solidFill>
+                    <a:schemeClr val="bg1"/>
+                  </a:solidFill>
+                  <a:latin typeface="AA Zuehlke" pitchFamily="2" charset="0"/>
+                </a:rPr>
+                <a:t>1</a:t>
+              </a:r>
+              <a:endParaRPr lang="en-US" sz="2200" dirty="0" smtClean="0">
+                <a:solidFill>
+                  <a:schemeClr val="bg1"/>
+                </a:solidFill>
+                <a:latin typeface="AA Zuehlke" pitchFamily="2" charset="0"/>
+              </a:endParaRPr>
+            </a:p>
+          </p:txBody>
+        </p:sp>
+      </p:grpSp>
+      <p:grpSp>
+        <p:nvGrpSpPr>
+          <p:cNvPr id="14" name="Group 13"/>
+          <p:cNvGrpSpPr/>
+          <p:nvPr/>
+        </p:nvGrpSpPr>
+        <p:grpSpPr>
+          <a:xfrm>
+            <a:off x="5360301" y="1761748"/>
+            <a:ext cx="432048" cy="432048"/>
+            <a:chOff x="2279576" y="2276872"/>
+            <a:chExt cx="432048" cy="432048"/>
+          </a:xfrm>
+        </p:grpSpPr>
+        <p:sp>
+          <p:nvSpPr>
+            <p:cNvPr id="15" name="Rounded Rectangle 14"/>
+            <p:cNvSpPr/>
+            <p:nvPr/>
+          </p:nvSpPr>
+          <p:spPr>
+            <a:xfrm>
+              <a:off x="2279576" y="2276872"/>
+              <a:ext cx="432048" cy="432048"/>
+            </a:xfrm>
+            <a:prstGeom prst="roundRect">
+              <a:avLst/>
+            </a:prstGeom>
+            <a:solidFill>
+              <a:srgbClr val="0070C0"/>
+            </a:solidFill>
+            <a:ln w="76200">
+              <a:noFill/>
+            </a:ln>
+          </p:spPr>
+          <p:style>
+            <a:lnRef idx="2">
+              <a:schemeClr val="accent1">
+                <a:shade val="50000"/>
+              </a:schemeClr>
+            </a:lnRef>
+            <a:fillRef idx="1">
+              <a:schemeClr val="accent1"/>
+            </a:fillRef>
+            <a:effectRef idx="0">
+              <a:schemeClr val="accent1"/>
+            </a:effectRef>
+            <a:fontRef idx="minor">
+              <a:schemeClr val="lt1"/>
+            </a:fontRef>
+          </p:style>
+          <p:txBody>
+            <a:bodyPr rtlCol="0" anchor="ctr"/>
+            <a:lstStyle/>
+            <a:p>
+              <a:pPr algn="ctr"/>
+              <a:endParaRPr lang="en-US" sz="2200" dirty="0" err="1" smtClean="0">
+                <a:ln w="76200">
+                  <a:noFill/>
+                </a:ln>
+                <a:latin typeface="AA Zuehlke" pitchFamily="2" charset="0"/>
+              </a:endParaRPr>
+            </a:p>
+          </p:txBody>
+        </p:sp>
+        <p:sp>
+          <p:nvSpPr>
+            <p:cNvPr id="16" name="TextBox 15"/>
+            <p:cNvSpPr txBox="1"/>
+            <p:nvPr/>
+          </p:nvSpPr>
+          <p:spPr>
+            <a:xfrm>
+              <a:off x="2279576" y="2295255"/>
+              <a:ext cx="432048" cy="360040"/>
+            </a:xfrm>
+            <a:prstGeom prst="rect">
+              <a:avLst/>
+            </a:prstGeom>
+            <a:noFill/>
+          </p:spPr>
+          <p:txBody>
+            <a:bodyPr wrap="square" rtlCol="0">
+              <a:noAutofit/>
+            </a:bodyPr>
+            <a:lstStyle/>
+            <a:p>
+              <a:pPr algn="ctr"/>
+              <a:r>
+                <a:rPr lang="en-US" sz="2200" dirty="0" smtClean="0">
+                  <a:solidFill>
+                    <a:schemeClr val="bg1"/>
+                  </a:solidFill>
+                  <a:latin typeface="AA Zuehlke" pitchFamily="2" charset="0"/>
+                </a:rPr>
+                <a:t>2</a:t>
+              </a:r>
+              <a:endParaRPr lang="en-US" sz="2200" dirty="0" smtClean="0">
+                <a:solidFill>
+                  <a:schemeClr val="bg1"/>
+                </a:solidFill>
+                <a:latin typeface="AA Zuehlke" pitchFamily="2" charset="0"/>
+              </a:endParaRPr>
+            </a:p>
+          </p:txBody>
+        </p:sp>
+      </p:grpSp>
+      <p:grpSp>
+        <p:nvGrpSpPr>
+          <p:cNvPr id="17" name="Group 16"/>
+          <p:cNvGrpSpPr/>
+          <p:nvPr/>
+        </p:nvGrpSpPr>
+        <p:grpSpPr>
+          <a:xfrm>
+            <a:off x="6136770" y="1761748"/>
+            <a:ext cx="432048" cy="432048"/>
+            <a:chOff x="2279576" y="2276872"/>
+            <a:chExt cx="432048" cy="432048"/>
+          </a:xfrm>
+        </p:grpSpPr>
+        <p:sp>
+          <p:nvSpPr>
+            <p:cNvPr id="18" name="Rounded Rectangle 17"/>
+            <p:cNvSpPr/>
+            <p:nvPr/>
+          </p:nvSpPr>
+          <p:spPr>
+            <a:xfrm>
+              <a:off x="2279576" y="2276872"/>
+              <a:ext cx="432048" cy="432048"/>
+            </a:xfrm>
+            <a:prstGeom prst="roundRect">
+              <a:avLst/>
+            </a:prstGeom>
+            <a:solidFill>
+              <a:srgbClr val="0070C0"/>
+            </a:solidFill>
+            <a:ln w="76200">
+              <a:noFill/>
+            </a:ln>
+          </p:spPr>
+          <p:style>
+            <a:lnRef idx="2">
+              <a:schemeClr val="accent1">
+                <a:shade val="50000"/>
+              </a:schemeClr>
+            </a:lnRef>
+            <a:fillRef idx="1">
+              <a:schemeClr val="accent1"/>
+            </a:fillRef>
+            <a:effectRef idx="0">
+              <a:schemeClr val="accent1"/>
+            </a:effectRef>
+            <a:fontRef idx="minor">
+              <a:schemeClr val="lt1"/>
+            </a:fontRef>
+          </p:style>
+          <p:txBody>
+            <a:bodyPr rtlCol="0" anchor="ctr"/>
+            <a:lstStyle/>
+            <a:p>
+              <a:pPr algn="ctr"/>
+              <a:endParaRPr lang="en-US" sz="2200" dirty="0" err="1" smtClean="0">
+                <a:ln w="76200">
+                  <a:noFill/>
+                </a:ln>
+                <a:latin typeface="AA Zuehlke" pitchFamily="2" charset="0"/>
+              </a:endParaRPr>
+            </a:p>
+          </p:txBody>
+        </p:sp>
+        <p:sp>
+          <p:nvSpPr>
+            <p:cNvPr id="19" name="TextBox 18"/>
+            <p:cNvSpPr txBox="1"/>
+            <p:nvPr/>
+          </p:nvSpPr>
+          <p:spPr>
+            <a:xfrm>
+              <a:off x="2279576" y="2295255"/>
+              <a:ext cx="432048" cy="360040"/>
+            </a:xfrm>
+            <a:prstGeom prst="rect">
+              <a:avLst/>
+            </a:prstGeom>
+            <a:noFill/>
+          </p:spPr>
+          <p:txBody>
+            <a:bodyPr wrap="square" rtlCol="0">
+              <a:noAutofit/>
+            </a:bodyPr>
+            <a:lstStyle/>
+            <a:p>
+              <a:pPr algn="ctr"/>
+              <a:r>
+                <a:rPr lang="en-US" sz="2200" dirty="0" smtClean="0">
+                  <a:solidFill>
+                    <a:schemeClr val="bg1"/>
+                  </a:solidFill>
+                  <a:latin typeface="AA Zuehlke" pitchFamily="2" charset="0"/>
+                </a:rPr>
+                <a:t>3</a:t>
+              </a:r>
+              <a:endParaRPr lang="en-US" sz="2200" dirty="0" smtClean="0">
+                <a:solidFill>
+                  <a:schemeClr val="bg1"/>
+                </a:solidFill>
+                <a:latin typeface="AA Zuehlke" pitchFamily="2" charset="0"/>
+              </a:endParaRPr>
+            </a:p>
+          </p:txBody>
+        </p:sp>
+      </p:grpSp>
+      <p:grpSp>
+        <p:nvGrpSpPr>
+          <p:cNvPr id="20" name="Group 19"/>
+          <p:cNvGrpSpPr/>
+          <p:nvPr/>
+        </p:nvGrpSpPr>
+        <p:grpSpPr>
+          <a:xfrm>
+            <a:off x="6913240" y="1761748"/>
+            <a:ext cx="432048" cy="432048"/>
+            <a:chOff x="2279576" y="2276872"/>
+            <a:chExt cx="432048" cy="432048"/>
+          </a:xfrm>
+        </p:grpSpPr>
+        <p:sp>
+          <p:nvSpPr>
+            <p:cNvPr id="21" name="Rounded Rectangle 20"/>
+            <p:cNvSpPr/>
+            <p:nvPr/>
+          </p:nvSpPr>
+          <p:spPr>
+            <a:xfrm>
+              <a:off x="2279576" y="2276872"/>
+              <a:ext cx="432048" cy="432048"/>
+            </a:xfrm>
+            <a:prstGeom prst="roundRect">
+              <a:avLst/>
+            </a:prstGeom>
+            <a:solidFill>
+              <a:srgbClr val="0070C0"/>
+            </a:solidFill>
+            <a:ln w="76200">
+              <a:noFill/>
+            </a:ln>
+          </p:spPr>
+          <p:style>
+            <a:lnRef idx="2">
+              <a:schemeClr val="accent1">
+                <a:shade val="50000"/>
+              </a:schemeClr>
+            </a:lnRef>
+            <a:fillRef idx="1">
+              <a:schemeClr val="accent1"/>
+            </a:fillRef>
+            <a:effectRef idx="0">
+              <a:schemeClr val="accent1"/>
+            </a:effectRef>
+            <a:fontRef idx="minor">
+              <a:schemeClr val="lt1"/>
+            </a:fontRef>
+          </p:style>
+          <p:txBody>
+            <a:bodyPr rtlCol="0" anchor="ctr"/>
+            <a:lstStyle/>
+            <a:p>
+              <a:pPr algn="ctr"/>
+              <a:endParaRPr lang="en-US" sz="2200" dirty="0" err="1" smtClean="0">
+                <a:ln w="76200">
+                  <a:noFill/>
+                </a:ln>
+                <a:latin typeface="AA Zuehlke" pitchFamily="2" charset="0"/>
+              </a:endParaRPr>
+            </a:p>
+          </p:txBody>
+        </p:sp>
+        <p:sp>
+          <p:nvSpPr>
+            <p:cNvPr id="22" name="TextBox 21"/>
+            <p:cNvSpPr txBox="1"/>
+            <p:nvPr/>
+          </p:nvSpPr>
+          <p:spPr>
+            <a:xfrm>
+              <a:off x="2279576" y="2295255"/>
+              <a:ext cx="432048" cy="360040"/>
+            </a:xfrm>
+            <a:prstGeom prst="rect">
+              <a:avLst/>
+            </a:prstGeom>
+            <a:noFill/>
+          </p:spPr>
+          <p:txBody>
+            <a:bodyPr wrap="square" rtlCol="0">
+              <a:noAutofit/>
+            </a:bodyPr>
+            <a:lstStyle/>
+            <a:p>
+              <a:pPr algn="ctr"/>
+              <a:r>
+                <a:rPr lang="en-US" sz="2200" dirty="0" smtClean="0">
+                  <a:solidFill>
+                    <a:schemeClr val="bg1"/>
+                  </a:solidFill>
+                  <a:latin typeface="AA Zuehlke" pitchFamily="2" charset="0"/>
+                </a:rPr>
+                <a:t>4</a:t>
+              </a:r>
+              <a:endParaRPr lang="en-US" sz="2200" dirty="0" smtClean="0">
+                <a:solidFill>
+                  <a:schemeClr val="bg1"/>
+                </a:solidFill>
+                <a:latin typeface="AA Zuehlke" pitchFamily="2" charset="0"/>
+              </a:endParaRPr>
+            </a:p>
+          </p:txBody>
+        </p:sp>
+      </p:grpSp>
+      <p:cxnSp>
+        <p:nvCxnSpPr>
+          <p:cNvPr id="24" name="Straight Arrow Connector 23"/>
+          <p:cNvCxnSpPr/>
+          <p:nvPr/>
+        </p:nvCxnSpPr>
+        <p:spPr>
+          <a:xfrm>
+            <a:off x="5015879" y="1977772"/>
+            <a:ext cx="344422" cy="0"/>
+          </a:xfrm>
+          <a:prstGeom prst="straightConnector1">
+            <a:avLst/>
+          </a:prstGeom>
+          <a:ln w="25400">
+            <a:solidFill>
+              <a:schemeClr val="tx2"/>
+            </a:solidFill>
+            <a:tailEnd type="triangle"/>
+          </a:ln>
+        </p:spPr>
+        <p:style>
+          <a:lnRef idx="1">
+            <a:schemeClr val="accent1"/>
+          </a:lnRef>
+          <a:fillRef idx="0">
+            <a:schemeClr val="accent1"/>
+          </a:fillRef>
+          <a:effectRef idx="0">
+            <a:schemeClr val="accent1"/>
+          </a:effectRef>
+          <a:fontRef idx="minor">
+            <a:schemeClr val="tx1"/>
+          </a:fontRef>
+        </p:style>
+      </p:cxnSp>
+      <p:cxnSp>
+        <p:nvCxnSpPr>
+          <p:cNvPr id="25" name="Straight Arrow Connector 24"/>
+          <p:cNvCxnSpPr/>
+          <p:nvPr/>
+        </p:nvCxnSpPr>
+        <p:spPr>
+          <a:xfrm>
+            <a:off x="5792349" y="1977772"/>
+            <a:ext cx="344422" cy="0"/>
+          </a:xfrm>
+          <a:prstGeom prst="straightConnector1">
+            <a:avLst/>
+          </a:prstGeom>
+          <a:ln w="25400">
+            <a:solidFill>
+              <a:schemeClr val="tx2"/>
+            </a:solidFill>
+            <a:tailEnd type="triangle"/>
+          </a:ln>
+        </p:spPr>
+        <p:style>
+          <a:lnRef idx="1">
+            <a:schemeClr val="accent1"/>
+          </a:lnRef>
+          <a:fillRef idx="0">
+            <a:schemeClr val="accent1"/>
+          </a:fillRef>
+          <a:effectRef idx="0">
+            <a:schemeClr val="accent1"/>
+          </a:effectRef>
+          <a:fontRef idx="minor">
+            <a:schemeClr val="tx1"/>
+          </a:fontRef>
+        </p:style>
+      </p:cxnSp>
+      <p:cxnSp>
+        <p:nvCxnSpPr>
+          <p:cNvPr id="26" name="Straight Arrow Connector 25"/>
+          <p:cNvCxnSpPr/>
+          <p:nvPr/>
+        </p:nvCxnSpPr>
+        <p:spPr>
+          <a:xfrm>
+            <a:off x="6568818" y="1977772"/>
+            <a:ext cx="344422" cy="0"/>
+          </a:xfrm>
+          <a:prstGeom prst="straightConnector1">
+            <a:avLst/>
+          </a:prstGeom>
+          <a:ln w="25400">
+            <a:solidFill>
+              <a:schemeClr val="tx2"/>
+            </a:solidFill>
+            <a:tailEnd type="triangle"/>
+          </a:ln>
+        </p:spPr>
+        <p:style>
+          <a:lnRef idx="1">
+            <a:schemeClr val="accent1"/>
+          </a:lnRef>
+          <a:fillRef idx="0">
+            <a:schemeClr val="accent1"/>
+          </a:fillRef>
+          <a:effectRef idx="0">
+            <a:schemeClr val="accent1"/>
+          </a:effectRef>
+          <a:fontRef idx="minor">
+            <a:schemeClr val="tx1"/>
+          </a:fontRef>
+        </p:style>
+      </p:cxnSp>
+      <p:grpSp>
+        <p:nvGrpSpPr>
+          <p:cNvPr id="27" name="Group 26"/>
+          <p:cNvGrpSpPr/>
+          <p:nvPr/>
+        </p:nvGrpSpPr>
+        <p:grpSpPr>
+          <a:xfrm>
+            <a:off x="4583831" y="2687889"/>
+            <a:ext cx="432048" cy="432048"/>
+            <a:chOff x="2279576" y="2276872"/>
+            <a:chExt cx="432048" cy="432048"/>
+          </a:xfrm>
+        </p:grpSpPr>
+        <p:sp>
+          <p:nvSpPr>
+            <p:cNvPr id="28" name="Rounded Rectangle 27"/>
+            <p:cNvSpPr/>
+            <p:nvPr/>
+          </p:nvSpPr>
+          <p:spPr>
+            <a:xfrm>
+              <a:off x="2279576" y="2276872"/>
+              <a:ext cx="432048" cy="432048"/>
+            </a:xfrm>
+            <a:prstGeom prst="roundRect">
+              <a:avLst/>
+            </a:prstGeom>
+            <a:solidFill>
+              <a:srgbClr val="0070C0"/>
+            </a:solidFill>
+            <a:ln w="76200">
+              <a:noFill/>
+            </a:ln>
+          </p:spPr>
+          <p:style>
+            <a:lnRef idx="2">
+              <a:schemeClr val="accent1">
+                <a:shade val="50000"/>
+              </a:schemeClr>
+            </a:lnRef>
+            <a:fillRef idx="1">
+              <a:schemeClr val="accent1"/>
+            </a:fillRef>
+            <a:effectRef idx="0">
+              <a:schemeClr val="accent1"/>
+            </a:effectRef>
+            <a:fontRef idx="minor">
+              <a:schemeClr val="lt1"/>
+            </a:fontRef>
+          </p:style>
+          <p:txBody>
+            <a:bodyPr rtlCol="0" anchor="ctr"/>
+            <a:lstStyle/>
+            <a:p>
+              <a:pPr algn="ctr"/>
+              <a:endParaRPr lang="en-US" sz="2200" dirty="0" err="1" smtClean="0">
+                <a:ln w="76200">
+                  <a:noFill/>
+                </a:ln>
+                <a:latin typeface="AA Zuehlke" pitchFamily="2" charset="0"/>
+              </a:endParaRPr>
+            </a:p>
+          </p:txBody>
+        </p:sp>
+        <p:sp>
+          <p:nvSpPr>
+            <p:cNvPr id="29" name="TextBox 28"/>
+            <p:cNvSpPr txBox="1"/>
+            <p:nvPr/>
+          </p:nvSpPr>
+          <p:spPr>
+            <a:xfrm>
+              <a:off x="2279576" y="2295255"/>
+              <a:ext cx="432048" cy="360040"/>
+            </a:xfrm>
+            <a:prstGeom prst="rect">
+              <a:avLst/>
+            </a:prstGeom>
+            <a:noFill/>
+          </p:spPr>
+          <p:txBody>
+            <a:bodyPr wrap="square" rtlCol="0">
+              <a:noAutofit/>
+            </a:bodyPr>
+            <a:lstStyle/>
+            <a:p>
+              <a:pPr algn="ctr"/>
+              <a:r>
+                <a:rPr lang="en-US" sz="2200" dirty="0" smtClean="0">
+                  <a:solidFill>
+                    <a:schemeClr val="bg1"/>
+                  </a:solidFill>
+                  <a:latin typeface="AA Zuehlke" pitchFamily="2" charset="0"/>
+                </a:rPr>
+                <a:t>1</a:t>
+              </a:r>
+              <a:endParaRPr lang="en-US" sz="2200" dirty="0" smtClean="0">
+                <a:solidFill>
+                  <a:schemeClr val="bg1"/>
+                </a:solidFill>
+                <a:latin typeface="AA Zuehlke" pitchFamily="2" charset="0"/>
+              </a:endParaRPr>
+            </a:p>
+          </p:txBody>
+        </p:sp>
+      </p:grpSp>
+      <p:grpSp>
+        <p:nvGrpSpPr>
+          <p:cNvPr id="30" name="Group 29"/>
+          <p:cNvGrpSpPr/>
+          <p:nvPr/>
+        </p:nvGrpSpPr>
+        <p:grpSpPr>
+          <a:xfrm>
+            <a:off x="5360300" y="2687889"/>
+            <a:ext cx="432048" cy="432048"/>
+            <a:chOff x="2279576" y="2276872"/>
+            <a:chExt cx="432048" cy="432048"/>
+          </a:xfrm>
+        </p:grpSpPr>
+        <p:sp>
+          <p:nvSpPr>
+            <p:cNvPr id="31" name="Rounded Rectangle 30"/>
+            <p:cNvSpPr/>
+            <p:nvPr/>
+          </p:nvSpPr>
+          <p:spPr>
+            <a:xfrm>
+              <a:off x="2279576" y="2276872"/>
+              <a:ext cx="432048" cy="432048"/>
+            </a:xfrm>
+            <a:prstGeom prst="roundRect">
+              <a:avLst/>
+            </a:prstGeom>
+            <a:solidFill>
+              <a:srgbClr val="0070C0"/>
+            </a:solidFill>
+            <a:ln w="76200">
+              <a:noFill/>
+            </a:ln>
+          </p:spPr>
+          <p:style>
+            <a:lnRef idx="2">
+              <a:schemeClr val="accent1">
+                <a:shade val="50000"/>
+              </a:schemeClr>
+            </a:lnRef>
+            <a:fillRef idx="1">
+              <a:schemeClr val="accent1"/>
+            </a:fillRef>
+            <a:effectRef idx="0">
+              <a:schemeClr val="accent1"/>
+            </a:effectRef>
+            <a:fontRef idx="minor">
+              <a:schemeClr val="lt1"/>
+            </a:fontRef>
+          </p:style>
+          <p:txBody>
+            <a:bodyPr rtlCol="0" anchor="ctr"/>
+            <a:lstStyle/>
+            <a:p>
+              <a:pPr algn="ctr"/>
+              <a:endParaRPr lang="en-US" sz="2200" dirty="0" err="1" smtClean="0">
+                <a:ln w="76200">
+                  <a:noFill/>
+                </a:ln>
+                <a:latin typeface="AA Zuehlke" pitchFamily="2" charset="0"/>
+              </a:endParaRPr>
+            </a:p>
+          </p:txBody>
+        </p:sp>
+        <p:sp>
+          <p:nvSpPr>
+            <p:cNvPr id="32" name="TextBox 31"/>
+            <p:cNvSpPr txBox="1"/>
+            <p:nvPr/>
+          </p:nvSpPr>
+          <p:spPr>
+            <a:xfrm>
+              <a:off x="2279576" y="2295255"/>
+              <a:ext cx="432048" cy="360040"/>
+            </a:xfrm>
+            <a:prstGeom prst="rect">
+              <a:avLst/>
+            </a:prstGeom>
+            <a:noFill/>
+          </p:spPr>
+          <p:txBody>
+            <a:bodyPr wrap="square" rtlCol="0">
+              <a:noAutofit/>
+            </a:bodyPr>
+            <a:lstStyle/>
+            <a:p>
+              <a:pPr algn="ctr"/>
+              <a:r>
+                <a:rPr lang="en-US" sz="2200" dirty="0" smtClean="0">
+                  <a:solidFill>
+                    <a:schemeClr val="bg1"/>
+                  </a:solidFill>
+                  <a:latin typeface="AA Zuehlke" pitchFamily="2" charset="0"/>
+                </a:rPr>
+                <a:t>2</a:t>
+              </a:r>
+              <a:endParaRPr lang="en-US" sz="2200" dirty="0" smtClean="0">
+                <a:solidFill>
+                  <a:schemeClr val="bg1"/>
+                </a:solidFill>
+                <a:latin typeface="AA Zuehlke" pitchFamily="2" charset="0"/>
+              </a:endParaRPr>
+            </a:p>
+          </p:txBody>
+        </p:sp>
+      </p:grpSp>
+      <p:grpSp>
+        <p:nvGrpSpPr>
+          <p:cNvPr id="33" name="Group 32"/>
+          <p:cNvGrpSpPr/>
+          <p:nvPr/>
+        </p:nvGrpSpPr>
+        <p:grpSpPr>
+          <a:xfrm>
+            <a:off x="6136769" y="2687889"/>
+            <a:ext cx="432048" cy="432048"/>
+            <a:chOff x="2279576" y="2276872"/>
+            <a:chExt cx="432048" cy="432048"/>
+          </a:xfrm>
+        </p:grpSpPr>
+        <p:sp>
+          <p:nvSpPr>
+            <p:cNvPr id="34" name="Rounded Rectangle 33"/>
+            <p:cNvSpPr/>
+            <p:nvPr/>
+          </p:nvSpPr>
+          <p:spPr>
+            <a:xfrm>
+              <a:off x="2279576" y="2276872"/>
+              <a:ext cx="432048" cy="432048"/>
+            </a:xfrm>
+            <a:prstGeom prst="roundRect">
+              <a:avLst/>
+            </a:prstGeom>
+            <a:solidFill>
+              <a:srgbClr val="0070C0"/>
+            </a:solidFill>
+            <a:ln w="76200">
+              <a:noFill/>
+            </a:ln>
+          </p:spPr>
+          <p:style>
+            <a:lnRef idx="2">
+              <a:schemeClr val="accent1">
+                <a:shade val="50000"/>
+              </a:schemeClr>
+            </a:lnRef>
+            <a:fillRef idx="1">
+              <a:schemeClr val="accent1"/>
+            </a:fillRef>
+            <a:effectRef idx="0">
+              <a:schemeClr val="accent1"/>
+            </a:effectRef>
+            <a:fontRef idx="minor">
+              <a:schemeClr val="lt1"/>
+            </a:fontRef>
+          </p:style>
+          <p:txBody>
+            <a:bodyPr rtlCol="0" anchor="ctr"/>
+            <a:lstStyle/>
+            <a:p>
+              <a:pPr algn="ctr"/>
+              <a:endParaRPr lang="en-US" sz="2200" dirty="0" err="1" smtClean="0">
+                <a:ln w="76200">
+                  <a:noFill/>
+                </a:ln>
+                <a:latin typeface="AA Zuehlke" pitchFamily="2" charset="0"/>
+              </a:endParaRPr>
+            </a:p>
+          </p:txBody>
+        </p:sp>
+        <p:sp>
+          <p:nvSpPr>
+            <p:cNvPr id="35" name="TextBox 34"/>
+            <p:cNvSpPr txBox="1"/>
+            <p:nvPr/>
+          </p:nvSpPr>
+          <p:spPr>
+            <a:xfrm>
+              <a:off x="2279576" y="2295255"/>
+              <a:ext cx="432048" cy="360040"/>
+            </a:xfrm>
+            <a:prstGeom prst="rect">
+              <a:avLst/>
+            </a:prstGeom>
+            <a:noFill/>
+          </p:spPr>
+          <p:txBody>
+            <a:bodyPr wrap="square" rtlCol="0">
+              <a:noAutofit/>
+            </a:bodyPr>
+            <a:lstStyle/>
+            <a:p>
+              <a:pPr algn="ctr"/>
+              <a:r>
+                <a:rPr lang="en-US" sz="2200" dirty="0" smtClean="0">
+                  <a:solidFill>
+                    <a:schemeClr val="bg1"/>
+                  </a:solidFill>
+                  <a:latin typeface="AA Zuehlke" pitchFamily="2" charset="0"/>
+                </a:rPr>
+                <a:t>3</a:t>
+              </a:r>
+              <a:endParaRPr lang="en-US" sz="2200" dirty="0" smtClean="0">
+                <a:solidFill>
+                  <a:schemeClr val="bg1"/>
+                </a:solidFill>
+                <a:latin typeface="AA Zuehlke" pitchFamily="2" charset="0"/>
+              </a:endParaRPr>
+            </a:p>
+          </p:txBody>
+        </p:sp>
+      </p:grpSp>
+      <p:grpSp>
+        <p:nvGrpSpPr>
+          <p:cNvPr id="36" name="Group 35"/>
+          <p:cNvGrpSpPr/>
+          <p:nvPr/>
+        </p:nvGrpSpPr>
+        <p:grpSpPr>
+          <a:xfrm>
+            <a:off x="6913239" y="2687889"/>
+            <a:ext cx="432048" cy="432048"/>
+            <a:chOff x="2279576" y="2276872"/>
+            <a:chExt cx="432048" cy="432048"/>
+          </a:xfrm>
+        </p:grpSpPr>
+        <p:sp>
+          <p:nvSpPr>
+            <p:cNvPr id="37" name="Rounded Rectangle 36"/>
+            <p:cNvSpPr/>
+            <p:nvPr/>
+          </p:nvSpPr>
+          <p:spPr>
+            <a:xfrm>
+              <a:off x="2279576" y="2276872"/>
+              <a:ext cx="432048" cy="432048"/>
+            </a:xfrm>
+            <a:prstGeom prst="roundRect">
+              <a:avLst/>
+            </a:prstGeom>
+            <a:solidFill>
+              <a:srgbClr val="0070C0"/>
+            </a:solidFill>
+            <a:ln w="76200">
+              <a:noFill/>
+            </a:ln>
+          </p:spPr>
+          <p:style>
+            <a:lnRef idx="2">
+              <a:schemeClr val="accent1">
+                <a:shade val="50000"/>
+              </a:schemeClr>
+            </a:lnRef>
+            <a:fillRef idx="1">
+              <a:schemeClr val="accent1"/>
+            </a:fillRef>
+            <a:effectRef idx="0">
+              <a:schemeClr val="accent1"/>
+            </a:effectRef>
+            <a:fontRef idx="minor">
+              <a:schemeClr val="lt1"/>
+            </a:fontRef>
+          </p:style>
+          <p:txBody>
+            <a:bodyPr rtlCol="0" anchor="ctr"/>
+            <a:lstStyle/>
+            <a:p>
+              <a:pPr algn="ctr"/>
+              <a:endParaRPr lang="en-US" sz="2200" dirty="0" err="1" smtClean="0">
+                <a:ln w="76200">
+                  <a:noFill/>
+                </a:ln>
+                <a:latin typeface="AA Zuehlke" pitchFamily="2" charset="0"/>
+              </a:endParaRPr>
+            </a:p>
+          </p:txBody>
+        </p:sp>
+        <p:sp>
+          <p:nvSpPr>
+            <p:cNvPr id="38" name="TextBox 37"/>
+            <p:cNvSpPr txBox="1"/>
+            <p:nvPr/>
+          </p:nvSpPr>
+          <p:spPr>
+            <a:xfrm>
+              <a:off x="2279576" y="2295255"/>
+              <a:ext cx="432048" cy="360040"/>
+            </a:xfrm>
+            <a:prstGeom prst="rect">
+              <a:avLst/>
+            </a:prstGeom>
+            <a:noFill/>
+          </p:spPr>
+          <p:txBody>
+            <a:bodyPr wrap="square" rtlCol="0">
+              <a:noAutofit/>
+            </a:bodyPr>
+            <a:lstStyle/>
+            <a:p>
+              <a:pPr algn="ctr"/>
+              <a:r>
+                <a:rPr lang="en-US" sz="2200" dirty="0" smtClean="0">
+                  <a:solidFill>
+                    <a:schemeClr val="bg1"/>
+                  </a:solidFill>
+                  <a:latin typeface="AA Zuehlke" pitchFamily="2" charset="0"/>
+                </a:rPr>
+                <a:t>4</a:t>
+              </a:r>
+              <a:endParaRPr lang="en-US" sz="2200" dirty="0" smtClean="0">
+                <a:solidFill>
+                  <a:schemeClr val="bg1"/>
+                </a:solidFill>
+                <a:latin typeface="AA Zuehlke" pitchFamily="2" charset="0"/>
+              </a:endParaRPr>
+            </a:p>
+          </p:txBody>
+        </p:sp>
+      </p:grpSp>
+      <p:cxnSp>
+        <p:nvCxnSpPr>
+          <p:cNvPr id="39" name="Straight Arrow Connector 38"/>
+          <p:cNvCxnSpPr/>
+          <p:nvPr/>
+        </p:nvCxnSpPr>
+        <p:spPr>
+          <a:xfrm>
+            <a:off x="5015878" y="2903913"/>
+            <a:ext cx="344422" cy="0"/>
+          </a:xfrm>
+          <a:prstGeom prst="straightConnector1">
+            <a:avLst/>
+          </a:prstGeom>
+          <a:ln w="25400">
+            <a:solidFill>
+              <a:schemeClr val="tx2"/>
+            </a:solidFill>
+            <a:tailEnd type="triangle"/>
+          </a:ln>
+        </p:spPr>
+        <p:style>
+          <a:lnRef idx="1">
+            <a:schemeClr val="accent1"/>
+          </a:lnRef>
+          <a:fillRef idx="0">
+            <a:schemeClr val="accent1"/>
+          </a:fillRef>
+          <a:effectRef idx="0">
+            <a:schemeClr val="accent1"/>
+          </a:effectRef>
+          <a:fontRef idx="minor">
+            <a:schemeClr val="tx1"/>
+          </a:fontRef>
+        </p:style>
+      </p:cxnSp>
+      <p:cxnSp>
+        <p:nvCxnSpPr>
+          <p:cNvPr id="40" name="Straight Arrow Connector 39"/>
+          <p:cNvCxnSpPr/>
+          <p:nvPr/>
+        </p:nvCxnSpPr>
+        <p:spPr>
+          <a:xfrm>
+            <a:off x="5792348" y="2903913"/>
+            <a:ext cx="344422" cy="0"/>
+          </a:xfrm>
+          <a:prstGeom prst="straightConnector1">
+            <a:avLst/>
+          </a:prstGeom>
+          <a:ln w="25400">
+            <a:solidFill>
+              <a:schemeClr val="tx2"/>
+            </a:solidFill>
+            <a:tailEnd type="triangle"/>
+          </a:ln>
+        </p:spPr>
+        <p:style>
+          <a:lnRef idx="1">
+            <a:schemeClr val="accent1"/>
+          </a:lnRef>
+          <a:fillRef idx="0">
+            <a:schemeClr val="accent1"/>
+          </a:fillRef>
+          <a:effectRef idx="0">
+            <a:schemeClr val="accent1"/>
+          </a:effectRef>
+          <a:fontRef idx="minor">
+            <a:schemeClr val="tx1"/>
+          </a:fontRef>
+        </p:style>
+      </p:cxnSp>
+      <p:cxnSp>
+        <p:nvCxnSpPr>
+          <p:cNvPr id="41" name="Straight Arrow Connector 40"/>
+          <p:cNvCxnSpPr/>
+          <p:nvPr/>
+        </p:nvCxnSpPr>
+        <p:spPr>
+          <a:xfrm>
+            <a:off x="6568817" y="2903913"/>
+            <a:ext cx="344422" cy="0"/>
+          </a:xfrm>
+          <a:prstGeom prst="straightConnector1">
+            <a:avLst/>
+          </a:prstGeom>
+          <a:ln w="25400">
+            <a:solidFill>
+              <a:schemeClr val="tx2"/>
+            </a:solidFill>
+            <a:tailEnd type="triangle"/>
+          </a:ln>
+        </p:spPr>
+        <p:style>
+          <a:lnRef idx="1">
+            <a:schemeClr val="accent1"/>
+          </a:lnRef>
+          <a:fillRef idx="0">
+            <a:schemeClr val="accent1"/>
+          </a:fillRef>
+          <a:effectRef idx="0">
+            <a:schemeClr val="accent1"/>
+          </a:effectRef>
+          <a:fontRef idx="minor">
+            <a:schemeClr val="tx1"/>
+          </a:fontRef>
+        </p:style>
+      </p:cxnSp>
+      <p:sp>
+        <p:nvSpPr>
+          <p:cNvPr id="42" name="Arc 41"/>
+          <p:cNvSpPr/>
+          <p:nvPr/>
+        </p:nvSpPr>
+        <p:spPr>
+          <a:xfrm rot="2614041">
+            <a:off x="6589402" y="1762602"/>
+            <a:ext cx="1463190" cy="1643957"/>
+          </a:xfrm>
+          <a:prstGeom prst="arc">
+            <a:avLst/>
+          </a:prstGeom>
+          <a:ln w="57150">
+            <a:solidFill>
+              <a:srgbClr val="FFC000"/>
+            </a:solidFill>
+            <a:headEnd type="none" w="med" len="med"/>
+            <a:tailEnd type="triangle" w="med" len="med"/>
+          </a:ln>
+        </p:spPr>
+        <p:style>
+          <a:lnRef idx="1">
+            <a:schemeClr val="accent1"/>
+          </a:lnRef>
+          <a:fillRef idx="0">
+            <a:schemeClr val="accent1"/>
+          </a:fillRef>
+          <a:effectRef idx="0">
+            <a:schemeClr val="accent1"/>
+          </a:effectRef>
+          <a:fontRef idx="minor">
+            <a:schemeClr val="tx1"/>
+          </a:fontRef>
+        </p:style>
+        <p:txBody>
+          <a:bodyPr rtlCol="0" anchor="ctr"/>
+          <a:lstStyle/>
+          <a:p>
+            <a:pPr algn="ctr"/>
+            <a:endParaRPr lang="en-US"/>
+          </a:p>
+        </p:txBody>
+      </p:sp>
+      <p:sp>
+        <p:nvSpPr>
+          <p:cNvPr id="43" name="TextBox 42"/>
+          <p:cNvSpPr txBox="1"/>
+          <p:nvPr/>
+        </p:nvSpPr>
+        <p:spPr>
+          <a:xfrm>
+            <a:off x="8203119" y="2280316"/>
+            <a:ext cx="894320" cy="360040"/>
+          </a:xfrm>
+          <a:prstGeom prst="rect">
+            <a:avLst/>
+          </a:prstGeom>
+          <a:noFill/>
+        </p:spPr>
+        <p:txBody>
+          <a:bodyPr wrap="square" rtlCol="0">
+            <a:noAutofit/>
+          </a:bodyPr>
+          <a:lstStyle/>
+          <a:p>
+            <a:r>
+              <a:rPr lang="en-US" sz="2200" smtClean="0">
+                <a:latin typeface="AA Zuehlke" pitchFamily="2" charset="0"/>
+              </a:rPr>
+              <a:t>filter</a:t>
+            </a:r>
+            <a:endParaRPr lang="en-US" sz="2200" dirty="0" smtClean="0">
+              <a:latin typeface="AA Zuehlke" pitchFamily="2" charset="0"/>
+            </a:endParaRPr>
           </a:p>
         </p:txBody>
       </p:sp>
@@ -6551,13 +7796,8 @@
             <a:pPr lvl="1"/>
             <a:r>
               <a:rPr lang="en-US" dirty="0" smtClean="0"/>
-              <a:t>Compute the sum (fold/reduce</a:t>
-            </a:r>
-            <a:r>
-              <a:rPr lang="en-US" dirty="0" smtClean="0"/>
-              <a:t>)</a:t>
-            </a:r>
-            <a:endParaRPr lang="en-US" dirty="0" smtClean="0"/>
+              <a:t>Compute the sum (fold/reduce)</a:t>
+            </a:r>
           </a:p>
           <a:p>
             <a:pPr lvl="1"/>
@@ -6705,7 +7945,6 @@
               <a:rPr lang="en-US" dirty="0" smtClean="0"/>
               <a:t>Suggestions</a:t>
             </a:r>
-            <a:endParaRPr lang="en-US" dirty="0" smtClean="0"/>
           </a:p>
           <a:p>
             <a:pPr lvl="1"/>
@@ -7096,11 +8335,7 @@
             </a:pPr>
             <a:r>
               <a:rPr lang="en-US" dirty="0" smtClean="0"/>
-              <a:t>add some functionality related to the wrapped </a:t>
-            </a:r>
-            <a:r>
-              <a:rPr lang="en-US" dirty="0" smtClean="0"/>
-              <a:t>type</a:t>
+              <a:t>add some functionality related to the wrapped type</a:t>
             </a:r>
           </a:p>
           <a:p>
@@ -7110,7 +8345,19 @@
             </a:pPr>
             <a:r>
               <a:rPr lang="en-US" dirty="0" smtClean="0"/>
-              <a:t>provide a context for some value(s)</a:t>
+              <a:t>“</a:t>
+            </a:r>
+            <a:r>
+              <a:rPr lang="en-US" dirty="0" smtClean="0"/>
+              <a:t>provide </a:t>
+            </a:r>
+            <a:r>
+              <a:rPr lang="en-US" dirty="0" smtClean="0"/>
+              <a:t>a context for some value(s</a:t>
+            </a:r>
+            <a:r>
+              <a:rPr lang="en-US" dirty="0" smtClean="0"/>
+              <a:t>)”</a:t>
             </a:r>
             <a:endParaRPr lang="en-US" dirty="0" smtClean="0"/>
           </a:p>
@@ -7134,15 +8381,7 @@
             </a:pPr>
             <a:r>
               <a:rPr lang="en-US" dirty="0" smtClean="0"/>
-              <a:t>List</a:t>
-            </a:r>
-            <a:r>
-              <a:rPr lang="en-US" dirty="0" smtClean="0"/>
-              <a:t>[T</a:t>
-            </a:r>
-            <a:r>
-              <a:rPr lang="en-US" dirty="0" smtClean="0"/>
-              <a:t>]: combines multiple values of the wrapped type</a:t>
+              <a:t>List[T]: combines multiple values of the wrapped type</a:t>
             </a:r>
             <a:endParaRPr lang="en-US" dirty="0"/>
           </a:p>
@@ -7171,11 +8410,7 @@
             </a:pPr>
             <a:r>
               <a:rPr lang="en-US" dirty="0" smtClean="0"/>
-              <a:t>Future[T]: provides asynchronous computation of a </a:t>
-            </a:r>
-            <a:r>
-              <a:rPr lang="en-US" dirty="0" smtClean="0"/>
-              <a:t>value</a:t>
+              <a:t>Future[T]: provides asynchronous computation of a value</a:t>
             </a:r>
             <a:endParaRPr lang="en-US" dirty="0"/>
           </a:p>
@@ -7208,7 +8443,7 @@
           <a:p>
             <a:r>
               <a:rPr lang="en-US" dirty="0" smtClean="0"/>
-              <a:t>Container Types</a:t>
+              <a:t>Context Types</a:t>
             </a:r>
             <a:endParaRPr lang="en-US" dirty="0"/>
           </a:p>
@@ -7362,6 +8597,80 @@
           </a:p>
         </p:txBody>
       </p:sp>
+      <p:sp>
+        <p:nvSpPr>
+          <p:cNvPr id="11" name="TextBox 10"/>
+          <p:cNvSpPr txBox="1"/>
+          <p:nvPr/>
+        </p:nvSpPr>
+        <p:spPr>
+          <a:xfrm>
+            <a:off x="9007809" y="1070232"/>
+            <a:ext cx="1584176" cy="360040"/>
+          </a:xfrm>
+          <a:prstGeom prst="rect">
+            <a:avLst/>
+          </a:prstGeom>
+          <a:noFill/>
+        </p:spPr>
+        <p:txBody>
+          <a:bodyPr wrap="square" rtlCol="0">
+            <a:noAutofit/>
+          </a:bodyPr>
+          <a:lstStyle/>
+          <a:p>
+            <a:r>
+              <a:rPr lang="en-US" sz="2200" dirty="0" smtClean="0">
+                <a:latin typeface="AA Zuehlke" pitchFamily="2" charset="0"/>
+              </a:rPr>
+              <a:t>Context</a:t>
+            </a:r>
+            <a:endParaRPr lang="en-US" sz="2200" dirty="0" smtClean="0">
+              <a:latin typeface="AA Zuehlke" pitchFamily="2" charset="0"/>
+            </a:endParaRPr>
+          </a:p>
+        </p:txBody>
+      </p:sp>
+      <p:sp>
+        <p:nvSpPr>
+          <p:cNvPr id="12" name="TextBox 11"/>
+          <p:cNvSpPr txBox="1"/>
+          <p:nvPr/>
+        </p:nvSpPr>
+        <p:spPr>
+          <a:xfrm>
+            <a:off x="9079817" y="1934328"/>
+            <a:ext cx="1584176" cy="360040"/>
+          </a:xfrm>
+          <a:prstGeom prst="rect">
+            <a:avLst/>
+          </a:prstGeom>
+          <a:noFill/>
+        </p:spPr>
+        <p:txBody>
+          <a:bodyPr wrap="square" rtlCol="0">
+            <a:noAutofit/>
+          </a:bodyPr>
+          <a:lstStyle/>
+          <a:p>
+            <a:r>
+              <a:rPr lang="en-US" sz="2200" dirty="0" smtClean="0">
+                <a:solidFill>
+                  <a:schemeClr val="bg1"/>
+                </a:solidFill>
+                <a:latin typeface="AA Zuehlke" pitchFamily="2" charset="0"/>
+              </a:rPr>
+              <a:t>Value</a:t>
+            </a:r>
+            <a:endParaRPr lang="en-US" sz="2200" dirty="0" smtClean="0">
+              <a:solidFill>
+                <a:schemeClr val="bg1"/>
+              </a:solidFill>
+              <a:latin typeface="AA Zuehlke" pitchFamily="2" charset="0"/>
+            </a:endParaRPr>
+          </a:p>
+        </p:txBody>
+      </p:sp>
     </p:spTree>
     <p:extLst>
       <p:ext uri="{BB962C8B-B14F-4D97-AF65-F5344CB8AC3E}">
@@ -7467,11 +8776,7 @@
             </a:r>
             <a:r>
               <a:rPr lang="en-US" dirty="0" smtClean="0"/>
-              <a:t>(name: String): </a:t>
-            </a:r>
-            <a:r>
-              <a:rPr lang="en-US" dirty="0" smtClean="0"/>
-              <a:t>Option[User]</a:t>
+              <a:t>(name: String): Option[User]</a:t>
             </a:r>
           </a:p>
           <a:p>
@@ -7480,11 +8785,7 @@
           <a:p>
             <a:r>
               <a:rPr lang="en-US" dirty="0" err="1" smtClean="0"/>
-              <a:t>v</a:t>
-            </a:r>
-            <a:r>
-              <a:rPr lang="en-US" dirty="0" err="1" smtClean="0"/>
-              <a:t>al</a:t>
+              <a:t>val</a:t>
             </a:r>
             <a:r>
               <a:rPr lang="en-US" dirty="0" smtClean="0"/>
@@ -7492,7 +8793,7 @@
             </a:r>
             <a:r>
               <a:rPr lang="en-US" dirty="0" err="1" smtClean="0"/>
-              <a:t>loadUser</a:t>
+              <a:t>findUser</a:t>
             </a:r>
             <a:r>
               <a:rPr lang="en-US" dirty="0" smtClean="0"/>
@@ -7537,7 +8838,7 @@
             </a:r>
             <a:r>
               <a:rPr lang="en-US" dirty="0" err="1" smtClean="0"/>
-              <a:t>loadUser</a:t>
+              <a:t>findUser</a:t>
             </a:r>
             <a:r>
               <a:rPr lang="en-US" dirty="0" smtClean="0"/>
@@ -7765,9 +9066,6 @@
               </a:rPr>
               <a:t>Option</a:t>
             </a:r>
-            <a:endParaRPr lang="en-US" sz="2200" dirty="0" smtClean="0">
-              <a:latin typeface="AA Zuehlke" pitchFamily="2" charset="0"/>
-            </a:endParaRPr>
           </a:p>
         </p:txBody>
       </p:sp>
@@ -7802,12 +9100,6 @@
               </a:rPr>
               <a:t>User</a:t>
             </a:r>
-            <a:endParaRPr lang="en-US" sz="2200" dirty="0" smtClean="0">
-              <a:solidFill>
-                <a:schemeClr val="bg1"/>
-              </a:solidFill>
-              <a:latin typeface="AA Zuehlke" pitchFamily="2" charset="0"/>
-            </a:endParaRPr>
           </a:p>
         </p:txBody>
       </p:sp>
@@ -7821,11 +9113,11 @@
   <p:clrMapOvr>
     <a:masterClrMapping/>
   </p:clrMapOvr>
-  <mc:AlternateContent xmlns:mc="http://schemas.openxmlformats.org/markup-compatibility/2006">
-    <mc:Choice xmlns:p14="http://schemas.microsoft.com/office/powerpoint/2010/main" Requires="p14">
+  <mc:AlternateContent xmlns:mc="http://schemas.openxmlformats.org/markup-compatibility/2006" xmlns:p14="http://schemas.microsoft.com/office/powerpoint/2010/main">
+    <mc:Choice Requires="p14">
       <p:transition spd="slow" p14:dur="2000"/>
     </mc:Choice>
-    <mc:Fallback>
+    <mc:Fallback xmlns="">
       <p:transition spd="slow"/>
     </mc:Fallback>
   </mc:AlternateContent>
@@ -7900,8 +9192,8 @@
               <a:t>john = </a:t>
             </a:r>
             <a:r>
-              <a:rPr lang="en-US" dirty="0" err="1"/>
-              <a:t>loadUser</a:t>
+              <a:rPr lang="en-US" dirty="0" err="1" smtClean="0"/>
+              <a:t>findUser</a:t>
             </a:r>
             <a:r>
               <a:rPr lang="en-US" dirty="0"/>
@@ -7957,8 +9249,8 @@
               <a:t> = </a:t>
             </a:r>
             <a:r>
-              <a:rPr lang="en-US" dirty="0" err="1"/>
-              <a:t>loadUser</a:t>
+              <a:rPr lang="en-US" dirty="0" err="1" smtClean="0"/>
+              <a:t>findUser</a:t>
             </a:r>
             <a:r>
               <a:rPr lang="en-US" dirty="0"/>
@@ -8204,9 +9496,6 @@
               </a:rPr>
               <a:t>Option</a:t>
             </a:r>
-            <a:endParaRPr lang="en-US" sz="2200" dirty="0" smtClean="0">
-              <a:latin typeface="AA Zuehlke" pitchFamily="2" charset="0"/>
-            </a:endParaRPr>
           </a:p>
         </p:txBody>
       </p:sp>
@@ -8241,12 +9530,6 @@
               </a:rPr>
               <a:t>User</a:t>
             </a:r>
-            <a:endParaRPr lang="en-US" sz="2200" dirty="0" smtClean="0">
-              <a:solidFill>
-                <a:schemeClr val="bg1"/>
-              </a:solidFill>
-              <a:latin typeface="AA Zuehlke" pitchFamily="2" charset="0"/>
-            </a:endParaRPr>
           </a:p>
         </p:txBody>
       </p:sp>
@@ -8422,12 +9705,6 @@
               </a:rPr>
               <a:t>User</a:t>
             </a:r>
-            <a:endParaRPr lang="en-US" sz="2200" dirty="0" smtClean="0">
-              <a:solidFill>
-                <a:schemeClr val="bg1"/>
-              </a:solidFill>
-              <a:latin typeface="AA Zuehlke" pitchFamily="2" charset="0"/>
-            </a:endParaRPr>
           </a:p>
         </p:txBody>
       </p:sp>
@@ -8601,9 +9878,6 @@
               </a:rPr>
               <a:t>Option</a:t>
             </a:r>
-            <a:endParaRPr lang="en-US" sz="2200" dirty="0" smtClean="0">
-              <a:latin typeface="AA Zuehlke" pitchFamily="2" charset="0"/>
-            </a:endParaRPr>
           </a:p>
         </p:txBody>
       </p:sp>
@@ -8720,9 +9994,6 @@
               </a:rPr>
               <a:t>map</a:t>
             </a:r>
-            <a:endParaRPr lang="en-US" sz="2200" dirty="0" smtClean="0">
-              <a:latin typeface="AA Zuehlke" pitchFamily="2" charset="0"/>
-            </a:endParaRPr>
           </a:p>
         </p:txBody>
       </p:sp>
@@ -8736,11 +10007,11 @@
   <p:clrMapOvr>
     <a:masterClrMapping/>
   </p:clrMapOvr>
-  <mc:AlternateContent xmlns:mc="http://schemas.openxmlformats.org/markup-compatibility/2006">
-    <mc:Choice xmlns:p14="http://schemas.microsoft.com/office/powerpoint/2010/main" Requires="p14">
+  <mc:AlternateContent xmlns:mc="http://schemas.openxmlformats.org/markup-compatibility/2006" xmlns:p14="http://schemas.microsoft.com/office/powerpoint/2010/main">
+    <mc:Choice Requires="p14">
       <p:transition spd="slow" p14:dur="2000"/>
     </mc:Choice>
-    <mc:Fallback>
+    <mc:Fallback xmlns="">
       <p:transition spd="slow"/>
     </mc:Fallback>
   </mc:AlternateContent>
@@ -8826,7 +10097,6 @@
               <a:rPr lang="de-CH" dirty="0" smtClean="0"/>
               <a:t>:</a:t>
             </a:r>
-            <a:endParaRPr lang="de-CH" dirty="0" smtClean="0"/>
           </a:p>
           <a:p>
             <a:pPr marL="342900" indent="-342900">
@@ -8965,11 +10235,7 @@
             </a:r>
             <a:r>
               <a:rPr lang="de-CH" dirty="0" smtClean="0"/>
-              <a:t> </a:t>
-            </a:r>
-            <a:r>
-              <a:rPr lang="de-CH" dirty="0" smtClean="0"/>
-              <a:t>OO.</a:t>
+              <a:t> OO.</a:t>
             </a:r>
           </a:p>
           <a:p>
@@ -9289,7 +10555,7 @@
             </a:r>
             <a:r>
               <a:rPr lang="en-US" dirty="0" err="1" smtClean="0"/>
-              <a:t>loadOrder</a:t>
+              <a:t>findOrder</a:t>
             </a:r>
             <a:r>
               <a:rPr lang="en-US" dirty="0" smtClean="0"/>
@@ -9333,8 +10599,8 @@
               <a:t>john = </a:t>
             </a:r>
             <a:r>
-              <a:rPr lang="en-US" dirty="0" err="1"/>
-              <a:t>loadUser</a:t>
+              <a:rPr lang="en-US" dirty="0" err="1" smtClean="0"/>
+              <a:t>findUser</a:t>
             </a:r>
             <a:r>
               <a:rPr lang="en-US" dirty="0"/>
@@ -9343,21 +10609,26 @@
           </a:p>
           <a:p>
             <a:r>
-              <a:rPr lang="en-US" dirty="0" err="1"/>
-              <a:t>john.map</a:t>
+              <a:rPr lang="en-US" dirty="0" err="1" smtClean="0"/>
+              <a:t>john.flatMap</a:t>
+            </a:r>
+            <a:r>
+              <a:rPr lang="en-US" dirty="0" smtClean="0"/>
+              <a:t>(user </a:t>
             </a:r>
             <a:r>
               <a:rPr lang="en-US" dirty="0"/>
-              <a:t>(user =&gt; </a:t>
+              <a:t>=&gt; </a:t>
             </a:r>
             <a:r>
               <a:rPr lang="en-US" dirty="0" err="1" smtClean="0"/>
-              <a:t>loadOrder</a:t>
+              <a:t>findOrder</a:t>
             </a:r>
             <a:r>
               <a:rPr lang="en-US" dirty="0" smtClean="0"/>
-              <a:t>(user.id)</a:t>
-            </a:r>
+              <a:t>(user.id))</a:t>
+            </a:r>
+            <a:endParaRPr lang="en-US" dirty="0" smtClean="0"/>
           </a:p>
           <a:p>
             <a:endParaRPr lang="en-US" dirty="0"/>
@@ -9380,8 +10651,8 @@
               <a:t> = </a:t>
             </a:r>
             <a:r>
-              <a:rPr lang="en-US" dirty="0" err="1"/>
-              <a:t>loadUser</a:t>
+              <a:rPr lang="en-US" dirty="0" err="1" smtClean="0"/>
+              <a:t>findUser</a:t>
             </a:r>
             <a:r>
               <a:rPr lang="en-US" dirty="0"/>
@@ -9390,20 +10661,28 @@
           </a:p>
           <a:p>
             <a:r>
-              <a:rPr lang="en-US" dirty="0" err="1"/>
-              <a:t>elvis.map</a:t>
+              <a:rPr lang="en-US" dirty="0" err="1" smtClean="0"/>
+              <a:t>elvis.flatMap</a:t>
+            </a:r>
+            <a:r>
+              <a:rPr lang="en-US" dirty="0" smtClean="0"/>
+              <a:t>(user </a:t>
             </a:r>
             <a:r>
               <a:rPr lang="en-US" dirty="0"/>
-              <a:t>(user =&gt; </a:t>
+              <a:t>=&gt; </a:t>
             </a:r>
             <a:r>
               <a:rPr lang="en-US" dirty="0" err="1" smtClean="0"/>
-              <a:t>loadOrder</a:t>
+              <a:t>findOrder</a:t>
             </a:r>
             <a:r>
               <a:rPr lang="en-US" dirty="0" smtClean="0"/>
-              <a:t>(user.id))</a:t>
+              <a:t>(user.id</a:t>
+            </a:r>
+            <a:r>
+              <a:rPr lang="en-US" dirty="0" smtClean="0"/>
+              <a:t>))</a:t>
             </a:r>
             <a:endParaRPr lang="en-US" dirty="0"/>
           </a:p>
@@ -9618,9 +10897,6 @@
               </a:rPr>
               <a:t>Option</a:t>
             </a:r>
-            <a:endParaRPr lang="en-US" sz="2200" dirty="0" smtClean="0">
-              <a:latin typeface="AA Zuehlke" pitchFamily="2" charset="0"/>
-            </a:endParaRPr>
           </a:p>
         </p:txBody>
       </p:sp>
@@ -9655,12 +10931,6 @@
               </a:rPr>
               <a:t>User</a:t>
             </a:r>
-            <a:endParaRPr lang="en-US" sz="2200" dirty="0" smtClean="0">
-              <a:solidFill>
-                <a:schemeClr val="bg1"/>
-              </a:solidFill>
-              <a:latin typeface="AA Zuehlke" pitchFamily="2" charset="0"/>
-            </a:endParaRPr>
           </a:p>
         </p:txBody>
       </p:sp>
@@ -9836,12 +11106,6 @@
               </a:rPr>
               <a:t>User</a:t>
             </a:r>
-            <a:endParaRPr lang="en-US" sz="2200" dirty="0" smtClean="0">
-              <a:solidFill>
-                <a:schemeClr val="bg1"/>
-              </a:solidFill>
-              <a:latin typeface="AA Zuehlke" pitchFamily="2" charset="0"/>
-            </a:endParaRPr>
           </a:p>
         </p:txBody>
       </p:sp>
@@ -9876,12 +11140,6 @@
               </a:rPr>
               <a:t>Order</a:t>
             </a:r>
-            <a:endParaRPr lang="en-US" sz="2200" dirty="0" smtClean="0">
-              <a:solidFill>
-                <a:schemeClr val="bg1"/>
-              </a:solidFill>
-              <a:latin typeface="AA Zuehlke" pitchFamily="2" charset="0"/>
-            </a:endParaRPr>
           </a:p>
         </p:txBody>
       </p:sp>
@@ -10015,9 +11273,6 @@
               </a:rPr>
               <a:t>Option</a:t>
             </a:r>
-            <a:endParaRPr lang="en-US" sz="2200" dirty="0" smtClean="0">
-              <a:latin typeface="AA Zuehlke" pitchFamily="2" charset="0"/>
-            </a:endParaRPr>
           </a:p>
         </p:txBody>
       </p:sp>
@@ -10052,12 +11307,6 @@
               </a:rPr>
               <a:t>Order</a:t>
             </a:r>
-            <a:endParaRPr lang="en-US" sz="2200" dirty="0" smtClean="0">
-              <a:solidFill>
-                <a:schemeClr val="bg1"/>
-              </a:solidFill>
-              <a:latin typeface="AA Zuehlke" pitchFamily="2" charset="0"/>
-            </a:endParaRPr>
           </a:p>
         </p:txBody>
       </p:sp>
@@ -10201,11 +11450,11 @@
   <p:clrMapOvr>
     <a:masterClrMapping/>
   </p:clrMapOvr>
-  <mc:AlternateContent xmlns:mc="http://schemas.openxmlformats.org/markup-compatibility/2006">
-    <mc:Choice xmlns:p14="http://schemas.microsoft.com/office/powerpoint/2010/main" Requires="p14">
+  <mc:AlternateContent xmlns:mc="http://schemas.openxmlformats.org/markup-compatibility/2006" xmlns:p14="http://schemas.microsoft.com/office/powerpoint/2010/main">
+    <mc:Choice Requires="p14">
       <p:transition spd="slow" p14:dur="2000"/>
     </mc:Choice>
-    <mc:Fallback>
+    <mc:Fallback xmlns="">
       <p:transition spd="slow"/>
     </mc:Fallback>
   </mc:AlternateContent>
@@ -10288,11 +11537,7 @@
             </a:pPr>
             <a:r>
               <a:rPr lang="en-US" dirty="0" smtClean="0"/>
-              <a:t>Used </a:t>
-            </a:r>
-            <a:r>
-              <a:rPr lang="en-US" dirty="0" smtClean="0"/>
-              <a:t>instead of throwing exceptions</a:t>
+              <a:t>Used instead of throwing exceptions</a:t>
             </a:r>
           </a:p>
           <a:p>
@@ -10333,18 +11578,12 @@
               <a:rPr lang="en-US" dirty="0" smtClean="0"/>
               <a:t>(1)</a:t>
             </a:r>
-            <a:endParaRPr lang="en-US" dirty="0" smtClean="0"/>
           </a:p>
           <a:p>
             <a:r>
               <a:rPr lang="en-US" dirty="0" smtClean="0"/>
-              <a:t>&gt; res0: Try[User] = </a:t>
-            </a:r>
-            <a:r>
-              <a:rPr lang="en-US" dirty="0" smtClean="0"/>
-              <a:t>Success(User(1, “John”))</a:t>
-            </a:r>
-            <a:endParaRPr lang="en-US" dirty="0" smtClean="0"/>
+              <a:t>&gt; res0: Try[User] = Success(User(1, “John”))</a:t>
+            </a:r>
           </a:p>
           <a:p>
             <a:r>
@@ -10355,26 +11594,12 @@
               <a:rPr lang="en-US" dirty="0" smtClean="0"/>
               <a:t>(1000)</a:t>
             </a:r>
-            <a:endParaRPr lang="en-US" dirty="0" smtClean="0"/>
           </a:p>
           <a:p>
             <a:r>
               <a:rPr lang="en-US" dirty="0" smtClean="0"/>
-              <a:t>&gt; </a:t>
-            </a:r>
-            <a:r>
-              <a:rPr lang="en-US" dirty="0" smtClean="0"/>
-              <a:t>res1: </a:t>
-            </a:r>
-            <a:r>
-              <a:rPr lang="en-US" dirty="0" smtClean="0"/>
-              <a:t>Try[User] = Failure(Exception(«user </a:t>
-            </a:r>
-            <a:r>
-              <a:rPr lang="en-US" dirty="0" smtClean="0"/>
-              <a:t>does not exist»))</a:t>
-            </a:r>
-            <a:endParaRPr lang="en-US" dirty="0" smtClean="0"/>
+              <a:t>&gt; res1: Try[User] = Failure(Exception(«user does not exist»))</a:t>
+            </a:r>
           </a:p>
           <a:p>
             <a:pPr marL="0" indent="0">
@@ -10579,9 +11804,6 @@
               </a:rPr>
               <a:t>Try</a:t>
             </a:r>
-            <a:endParaRPr lang="en-US" sz="2200" dirty="0" smtClean="0">
-              <a:latin typeface="AA Zuehlke" pitchFamily="2" charset="0"/>
-            </a:endParaRPr>
           </a:p>
         </p:txBody>
       </p:sp>
@@ -10616,12 +11838,6 @@
               </a:rPr>
               <a:t>User</a:t>
             </a:r>
-            <a:endParaRPr lang="en-US" sz="2200" dirty="0" smtClean="0">
-              <a:solidFill>
-                <a:schemeClr val="bg1"/>
-              </a:solidFill>
-              <a:latin typeface="AA Zuehlke" pitchFamily="2" charset="0"/>
-            </a:endParaRPr>
           </a:p>
         </p:txBody>
       </p:sp>
@@ -10635,11 +11851,11 @@
   <p:clrMapOvr>
     <a:masterClrMapping/>
   </p:clrMapOvr>
-  <mc:AlternateContent xmlns:mc="http://schemas.openxmlformats.org/markup-compatibility/2006">
-    <mc:Choice xmlns:p14="http://schemas.microsoft.com/office/powerpoint/2010/main" Requires="p14">
+  <mc:AlternateContent xmlns:mc="http://schemas.openxmlformats.org/markup-compatibility/2006" xmlns:p14="http://schemas.microsoft.com/office/powerpoint/2010/main">
+    <mc:Choice Requires="p14">
       <p:transition spd="slow" p14:dur="2000"/>
     </mc:Choice>
-    <mc:Fallback>
+    <mc:Fallback xmlns="">
       <p:transition spd="slow"/>
     </mc:Fallback>
   </mc:AlternateContent>
@@ -10910,9 +12126,6 @@
               </a:rPr>
               <a:t>Future</a:t>
             </a:r>
-            <a:endParaRPr lang="en-US" sz="2200" dirty="0" smtClean="0">
-              <a:latin typeface="AA Zuehlke" pitchFamily="2" charset="0"/>
-            </a:endParaRPr>
           </a:p>
         </p:txBody>
       </p:sp>
@@ -10947,12 +12160,6 @@
               </a:rPr>
               <a:t>User</a:t>
             </a:r>
-            <a:endParaRPr lang="en-US" sz="2200" dirty="0" smtClean="0">
-              <a:solidFill>
-                <a:schemeClr val="bg1"/>
-              </a:solidFill>
-              <a:latin typeface="AA Zuehlke" pitchFamily="2" charset="0"/>
-            </a:endParaRPr>
           </a:p>
         </p:txBody>
       </p:sp>
@@ -10966,11 +12173,11 @@
   <p:clrMapOvr>
     <a:masterClrMapping/>
   </p:clrMapOvr>
-  <mc:AlternateContent xmlns:mc="http://schemas.openxmlformats.org/markup-compatibility/2006">
-    <mc:Choice xmlns:p14="http://schemas.microsoft.com/office/powerpoint/2010/main" Requires="p14">
+  <mc:AlternateContent xmlns:mc="http://schemas.openxmlformats.org/markup-compatibility/2006" xmlns:p14="http://schemas.microsoft.com/office/powerpoint/2010/main">
+    <mc:Choice Requires="p14">
       <p:transition spd="slow" p14:dur="2000"/>
     </mc:Choice>
-    <mc:Fallback>
+    <mc:Fallback xmlns="">
       <p:transition spd="slow"/>
     </mc:Fallback>
   </mc:AlternateContent>
@@ -11045,6 +12252,13 @@
               <a:buFont typeface="Arial" panose="020B0604020202020204" pitchFamily="34" charset="0"/>
               <a:buChar char="•"/>
             </a:pPr>
+            <a:endParaRPr lang="en-US" dirty="0" smtClean="0"/>
+          </a:p>
+          <a:p>
+            <a:r>
+              <a:rPr lang="en-US" dirty="0" smtClean="0"/>
+              <a:t>Java 8 Support:</a:t>
+            </a:r>
             <a:endParaRPr lang="en-US" dirty="0"/>
           </a:p>
           <a:p>
@@ -11054,7 +12268,7 @@
             </a:pPr>
             <a:r>
               <a:rPr lang="en-US" dirty="0" smtClean="0"/>
-              <a:t>Good language support for Option/Optional/Maybe</a:t>
+              <a:t>Optional</a:t>
             </a:r>
           </a:p>
           <a:p>
@@ -11063,24 +12277,42 @@
               <a:buChar char="•"/>
             </a:pPr>
             <a:r>
+              <a:rPr lang="en-US" dirty="0" err="1" smtClean="0"/>
+              <a:t>CompletableFuture</a:t>
+            </a:r>
+            <a:r>
               <a:rPr lang="en-US" dirty="0" smtClean="0"/>
-              <a:t>Try is less widely supported</a:t>
-            </a:r>
-          </a:p>
-          <a:p>
-            <a:pPr marL="342900" indent="-342900">
-              <a:buFont typeface="Arial" panose="020B0604020202020204" pitchFamily="34" charset="0"/>
-              <a:buChar char="•"/>
-            </a:pPr>
+              <a:t>: </a:t>
+            </a:r>
             <a:r>
               <a:rPr lang="en-US" dirty="0" err="1" smtClean="0"/>
-              <a:t>Composable</a:t>
+              <a:t>thenApply</a:t>
+            </a:r>
+            <a:r>
+              <a:rPr lang="en-US" dirty="0"/>
+              <a:t> </a:t>
             </a:r>
             <a:r>
               <a:rPr lang="en-US" dirty="0" smtClean="0"/>
-              <a:t> Future still missing in Java</a:t>
-            </a:r>
-            <a:endParaRPr lang="en-US" dirty="0"/>
+              <a:t>(map), </a:t>
+            </a:r>
+            <a:r>
+              <a:rPr lang="en-US" dirty="0" err="1" smtClean="0"/>
+              <a:t>thenCompose</a:t>
+            </a:r>
+            <a:r>
+              <a:rPr lang="en-US" dirty="0" smtClean="0"/>
+              <a:t> (</a:t>
+            </a:r>
+            <a:r>
+              <a:rPr lang="en-US" dirty="0" err="1" smtClean="0"/>
+              <a:t>flatMap</a:t>
+            </a:r>
+            <a:r>
+              <a:rPr lang="en-US" dirty="0" smtClean="0"/>
+              <a:t>)</a:t>
+            </a:r>
+            <a:endParaRPr lang="en-US" dirty="0" smtClean="0"/>
           </a:p>
         </p:txBody>
       </p:sp>
@@ -11771,21 +13003,107 @@
           <a:lstStyle/>
           <a:p>
             <a:r>
-              <a:rPr lang="de-CH" dirty="0" err="1"/>
+              <a:rPr lang="en-US" dirty="0" smtClean="0"/>
               <a:t>Introduction</a:t>
             </a:r>
+            <a:endParaRPr lang="en-US" dirty="0"/>
+          </a:p>
+        </p:txBody>
+      </p:sp>
+      <p:sp>
+        <p:nvSpPr>
+          <p:cNvPr id="3" name="Content Placeholder 2"/>
+          <p:cNvSpPr>
+            <a:spLocks noGrp="1"/>
+          </p:cNvSpPr>
+          <p:nvPr>
+            <p:ph idx="1"/>
+          </p:nvPr>
+        </p:nvSpPr>
+        <p:spPr/>
+        <p:txBody>
+          <a:bodyPr/>
+          <a:lstStyle/>
+          <a:p>
+            <a:r>
+              <a:rPr lang="en-US" dirty="0" smtClean="0"/>
+              <a:t>It’s all about </a:t>
+            </a:r>
+            <a:r>
+              <a:rPr lang="en-US" b="1" dirty="0" smtClean="0"/>
+              <a:t>transforming </a:t>
+            </a:r>
+            <a:r>
+              <a:rPr lang="en-US" b="1" dirty="0" smtClean="0"/>
+              <a:t>values</a:t>
+            </a:r>
+          </a:p>
+          <a:p>
+            <a:endParaRPr lang="en-US" dirty="0" smtClean="0"/>
+          </a:p>
+          <a:p>
+            <a:endParaRPr lang="en-US" dirty="0" smtClean="0"/>
+          </a:p>
+          <a:p>
+            <a:r>
+              <a:rPr lang="en-US" dirty="0" smtClean="0"/>
+              <a:t>Concepts </a:t>
+            </a:r>
+            <a:r>
+              <a:rPr lang="en-US" dirty="0" smtClean="0"/>
+              <a:t>focus </a:t>
+            </a:r>
+            <a:r>
+              <a:rPr lang="en-US" dirty="0" smtClean="0"/>
+              <a:t>on </a:t>
+            </a:r>
+            <a:r>
+              <a:rPr lang="en-US" b="1" dirty="0" smtClean="0"/>
+              <a:t>expressing </a:t>
+            </a:r>
+            <a:r>
+              <a:rPr lang="en-US" b="1" dirty="0" smtClean="0"/>
+              <a:t>and composing value </a:t>
+            </a:r>
+            <a:r>
+              <a:rPr lang="en-US" b="1" dirty="0" smtClean="0"/>
+              <a:t>transformations</a:t>
+            </a:r>
+            <a:endParaRPr lang="en-US" b="1" dirty="0" smtClean="0"/>
+          </a:p>
+        </p:txBody>
+      </p:sp>
+      <p:sp>
+        <p:nvSpPr>
+          <p:cNvPr id="4" name="Date Placeholder 3"/>
+          <p:cNvSpPr>
+            <a:spLocks noGrp="1"/>
+          </p:cNvSpPr>
+          <p:nvPr>
+            <p:ph type="dt" sz="half" idx="10"/>
+          </p:nvPr>
+        </p:nvSpPr>
+        <p:spPr/>
+        <p:txBody>
+          <a:bodyPr/>
+          <a:lstStyle/>
+          <a:p>
+            <a:r>
+              <a:rPr lang="de-CH" smtClean="0"/>
+              <a:t>14. September 2015</a:t>
+            </a:r>
             <a:endParaRPr lang="de-CH" dirty="0"/>
           </a:p>
         </p:txBody>
       </p:sp>
       <p:sp>
         <p:nvSpPr>
-          <p:cNvPr id="3" name="Content Placeholder 2"/>
-          <p:cNvSpPr>
-            <a:spLocks noGrp="1"/>
-          </p:cNvSpPr>
-          <p:nvPr>
-            <p:ph idx="1"/>
+          <p:cNvPr id="5" name="Footer Placeholder 4"/>
+          <p:cNvSpPr>
+            <a:spLocks noGrp="1"/>
+          </p:cNvSpPr>
+          <p:nvPr>
+            <p:ph type="ftr" sz="quarter" idx="11"/>
           </p:nvPr>
         </p:nvSpPr>
         <p:spPr/>
@@ -11793,80 +13111,11 @@
           <a:bodyPr/>
           <a:lstStyle/>
           <a:p>
-            <a:pPr marL="342900" indent="-342900">
-              <a:buFont typeface="Wingdings" panose="05000000000000000000" pitchFamily="2" charset="2"/>
-              <a:buChar char="Ø"/>
-            </a:pPr>
-            <a:r>
-              <a:rPr lang="de-CH" b="1" dirty="0"/>
-              <a:t>First-class </a:t>
-            </a:r>
-            <a:r>
-              <a:rPr lang="de-CH" b="1" dirty="0" err="1" smtClean="0"/>
-              <a:t>and</a:t>
-            </a:r>
-            <a:r>
-              <a:rPr lang="de-CH" b="1" dirty="0" smtClean="0"/>
-              <a:t> </a:t>
-            </a:r>
-            <a:r>
-              <a:rPr lang="de-CH" b="1" dirty="0" err="1" smtClean="0"/>
-              <a:t>higher</a:t>
-            </a:r>
-            <a:r>
-              <a:rPr lang="de-CH" b="1" dirty="0" smtClean="0"/>
-              <a:t>-order </a:t>
-            </a:r>
-            <a:r>
-              <a:rPr lang="de-CH" b="1" dirty="0" err="1" smtClean="0"/>
-              <a:t>functions</a:t>
-            </a:r>
-            <a:endParaRPr lang="de-CH" b="1" dirty="0" smtClean="0"/>
-          </a:p>
-          <a:p>
-            <a:pPr marL="342900" indent="-342900">
-              <a:buFont typeface="Wingdings" panose="05000000000000000000" pitchFamily="2" charset="2"/>
-              <a:buChar char="Ø"/>
-            </a:pPr>
-            <a:r>
-              <a:rPr lang="de-CH" b="1" dirty="0" smtClean="0"/>
-              <a:t>Pure </a:t>
-            </a:r>
-            <a:r>
-              <a:rPr lang="de-CH" b="1" dirty="0" err="1" smtClean="0"/>
-              <a:t>functions</a:t>
-            </a:r>
-            <a:endParaRPr lang="de-CH" b="1" dirty="0" smtClean="0"/>
-          </a:p>
-          <a:p>
-            <a:pPr marL="342900" indent="-342900">
-              <a:buFont typeface="Wingdings" panose="05000000000000000000" pitchFamily="2" charset="2"/>
-              <a:buChar char="Ø"/>
-            </a:pPr>
-            <a:r>
-              <a:rPr lang="de-CH" b="1" dirty="0" err="1" smtClean="0"/>
-              <a:t>Immutability</a:t>
-            </a:r>
-            <a:endParaRPr lang="de-CH" b="1" dirty="0" smtClean="0"/>
-          </a:p>
-          <a:p>
-            <a:pPr marL="342900" indent="-342900">
-              <a:buFont typeface="Wingdings" panose="05000000000000000000" pitchFamily="2" charset="2"/>
-              <a:buChar char="Ø"/>
-            </a:pPr>
-            <a:r>
-              <a:rPr lang="de-CH" b="1" dirty="0" err="1" smtClean="0"/>
-              <a:t>Lazy</a:t>
-            </a:r>
-            <a:r>
-              <a:rPr lang="de-CH" b="1" dirty="0" smtClean="0"/>
-              <a:t> </a:t>
-            </a:r>
-            <a:r>
-              <a:rPr lang="de-CH" b="1" dirty="0" err="1" smtClean="0"/>
-              <a:t>evaluation</a:t>
-            </a:r>
-            <a:endParaRPr lang="de-CH" b="1" dirty="0" smtClean="0"/>
+            <a:r>
+              <a:rPr lang="en-US" smtClean="0"/>
+              <a:t>Functional Design Patterns for OO Practitioners</a:t>
+            </a:r>
+            <a:endParaRPr lang="de-CH" dirty="0"/>
           </a:p>
         </p:txBody>
       </p:sp>
@@ -11886,92 +13135,686 @@
           <a:lstStyle/>
           <a:p>
             <a:r>
-              <a:rPr lang="de-CH" dirty="0" err="1"/>
-              <a:t>Functional</a:t>
-            </a:r>
-            <a:r>
-              <a:rPr lang="de-CH" dirty="0"/>
-              <a:t> </a:t>
-            </a:r>
-            <a:r>
-              <a:rPr lang="de-CH" dirty="0" err="1"/>
-              <a:t>programming</a:t>
-            </a:r>
-            <a:r>
-              <a:rPr lang="de-CH" dirty="0"/>
-              <a:t> in a </a:t>
-            </a:r>
-            <a:r>
-              <a:rPr lang="de-CH" dirty="0" err="1"/>
-              <a:t>nutshell</a:t>
-            </a:r>
-            <a:endParaRPr lang="de-CH" dirty="0"/>
-          </a:p>
-        </p:txBody>
-      </p:sp>
-      <p:sp>
-        <p:nvSpPr>
-          <p:cNvPr id="9" name="Footer Placeholder 8"/>
-          <p:cNvSpPr>
-            <a:spLocks noGrp="1"/>
-          </p:cNvSpPr>
-          <p:nvPr>
-            <p:ph type="ftr" sz="quarter" idx="11"/>
-          </p:nvPr>
-        </p:nvSpPr>
-        <p:spPr/>
-        <p:txBody>
-          <a:bodyPr/>
-          <a:lstStyle/>
-          <a:p>
-            <a:r>
-              <a:rPr lang="de-CH" smtClean="0"/>
-              <a:t>Rezepte aus der funktionalen Programmierung | ico</a:t>
-            </a:r>
-            <a:endParaRPr lang="de-CH" dirty="0"/>
-          </a:p>
-        </p:txBody>
-      </p:sp>
-      <p:sp>
-        <p:nvSpPr>
-          <p:cNvPr id="11" name="Date Placeholder 10"/>
-          <p:cNvSpPr>
-            <a:spLocks noGrp="1"/>
-          </p:cNvSpPr>
-          <p:nvPr>
-            <p:ph type="dt" sz="half" idx="10"/>
-          </p:nvPr>
-        </p:nvSpPr>
-        <p:spPr/>
-        <p:txBody>
-          <a:bodyPr/>
-          <a:lstStyle/>
-          <a:p>
-            <a:r>
-              <a:rPr lang="de-CH" smtClean="0"/>
-              <a:t>14. November 2014</a:t>
-            </a:r>
-            <a:endParaRPr lang="de-CH" dirty="0"/>
-          </a:p>
-        </p:txBody>
-      </p:sp>
+              <a:rPr lang="en-US" dirty="0" smtClean="0"/>
+              <a:t>Functional Programming in 1 slide</a:t>
+            </a:r>
+            <a:endParaRPr lang="en-US" dirty="0"/>
+          </a:p>
+        </p:txBody>
+      </p:sp>
+      <p:cxnSp>
+        <p:nvCxnSpPr>
+          <p:cNvPr id="9" name="Straight Arrow Connector 8"/>
+          <p:cNvCxnSpPr/>
+          <p:nvPr/>
+        </p:nvCxnSpPr>
+        <p:spPr>
+          <a:xfrm>
+            <a:off x="1991544" y="2639269"/>
+            <a:ext cx="648072" cy="0"/>
+          </a:xfrm>
+          <a:prstGeom prst="straightConnector1">
+            <a:avLst/>
+          </a:prstGeom>
+          <a:ln w="57150">
+            <a:solidFill>
+              <a:srgbClr val="FFC000"/>
+            </a:solidFill>
+            <a:tailEnd type="triangle"/>
+          </a:ln>
+        </p:spPr>
+        <p:style>
+          <a:lnRef idx="1">
+            <a:schemeClr val="accent1"/>
+          </a:lnRef>
+          <a:fillRef idx="0">
+            <a:schemeClr val="accent1"/>
+          </a:fillRef>
+          <a:effectRef idx="0">
+            <a:schemeClr val="accent1"/>
+          </a:effectRef>
+          <a:fontRef idx="minor">
+            <a:schemeClr val="tx1"/>
+          </a:fontRef>
+        </p:style>
+      </p:cxnSp>
+      <p:sp>
+        <p:nvSpPr>
+          <p:cNvPr id="10" name="TextBox 9"/>
+          <p:cNvSpPr txBox="1"/>
+          <p:nvPr/>
+        </p:nvSpPr>
+        <p:spPr>
+          <a:xfrm>
+            <a:off x="1271464" y="2423245"/>
+            <a:ext cx="720080" cy="360040"/>
+          </a:xfrm>
+          <a:prstGeom prst="rect">
+            <a:avLst/>
+          </a:prstGeom>
+          <a:noFill/>
+        </p:spPr>
+        <p:txBody>
+          <a:bodyPr wrap="square" rtlCol="0">
+            <a:noAutofit/>
+          </a:bodyPr>
+          <a:lstStyle/>
+          <a:p>
+            <a:pPr algn="ctr"/>
+            <a:r>
+              <a:rPr lang="en-US" sz="2200" b="1" dirty="0" smtClean="0">
+                <a:solidFill>
+                  <a:schemeClr val="accent4">
+                    <a:lumMod val="50000"/>
+                  </a:schemeClr>
+                </a:solidFill>
+                <a:latin typeface="AA Zuehlke" pitchFamily="2" charset="0"/>
+              </a:rPr>
+              <a:t>x</a:t>
+            </a:r>
+            <a:endParaRPr lang="en-US" sz="2200" b="1" dirty="0" smtClean="0">
+              <a:solidFill>
+                <a:schemeClr val="accent4">
+                  <a:lumMod val="50000"/>
+                </a:schemeClr>
+              </a:solidFill>
+              <a:latin typeface="AA Zuehlke" pitchFamily="2" charset="0"/>
+            </a:endParaRPr>
+          </a:p>
+        </p:txBody>
+      </p:sp>
+      <p:sp>
+        <p:nvSpPr>
+          <p:cNvPr id="11" name="TextBox 10"/>
+          <p:cNvSpPr txBox="1"/>
+          <p:nvPr/>
+        </p:nvSpPr>
+        <p:spPr>
+          <a:xfrm>
+            <a:off x="2711624" y="2406948"/>
+            <a:ext cx="576064" cy="360040"/>
+          </a:xfrm>
+          <a:prstGeom prst="rect">
+            <a:avLst/>
+          </a:prstGeom>
+          <a:noFill/>
+        </p:spPr>
+        <p:txBody>
+          <a:bodyPr wrap="square" rtlCol="0">
+            <a:noAutofit/>
+          </a:bodyPr>
+          <a:lstStyle/>
+          <a:p>
+            <a:pPr algn="ctr"/>
+            <a:r>
+              <a:rPr lang="en-US" sz="2200" b="1" dirty="0" smtClean="0">
+                <a:solidFill>
+                  <a:srgbClr val="00B050"/>
+                </a:solidFill>
+                <a:latin typeface="AA Zuehlke" pitchFamily="2" charset="0"/>
+              </a:rPr>
+              <a:t>y</a:t>
+            </a:r>
+            <a:endParaRPr lang="en-US" sz="2200" b="1" dirty="0" smtClean="0">
+              <a:solidFill>
+                <a:srgbClr val="00B050"/>
+              </a:solidFill>
+              <a:latin typeface="AA Zuehlke" pitchFamily="2" charset="0"/>
+            </a:endParaRPr>
+          </a:p>
+        </p:txBody>
+      </p:sp>
+      <p:cxnSp>
+        <p:nvCxnSpPr>
+          <p:cNvPr id="20" name="Straight Arrow Connector 19"/>
+          <p:cNvCxnSpPr/>
+          <p:nvPr/>
+        </p:nvCxnSpPr>
+        <p:spPr>
+          <a:xfrm>
+            <a:off x="4799856" y="2639269"/>
+            <a:ext cx="648072" cy="0"/>
+          </a:xfrm>
+          <a:prstGeom prst="straightConnector1">
+            <a:avLst/>
+          </a:prstGeom>
+          <a:ln w="57150">
+            <a:solidFill>
+              <a:srgbClr val="FFC000"/>
+            </a:solidFill>
+            <a:tailEnd type="triangle"/>
+          </a:ln>
+        </p:spPr>
+        <p:style>
+          <a:lnRef idx="1">
+            <a:schemeClr val="accent1"/>
+          </a:lnRef>
+          <a:fillRef idx="0">
+            <a:schemeClr val="accent1"/>
+          </a:fillRef>
+          <a:effectRef idx="0">
+            <a:schemeClr val="accent1"/>
+          </a:effectRef>
+          <a:fontRef idx="minor">
+            <a:schemeClr val="tx1"/>
+          </a:fontRef>
+        </p:style>
+      </p:cxnSp>
+      <p:sp>
+        <p:nvSpPr>
+          <p:cNvPr id="21" name="TextBox 20"/>
+          <p:cNvSpPr txBox="1"/>
+          <p:nvPr/>
+        </p:nvSpPr>
+        <p:spPr>
+          <a:xfrm>
+            <a:off x="4079776" y="2423245"/>
+            <a:ext cx="720080" cy="360040"/>
+          </a:xfrm>
+          <a:prstGeom prst="rect">
+            <a:avLst/>
+          </a:prstGeom>
+          <a:noFill/>
+        </p:spPr>
+        <p:txBody>
+          <a:bodyPr wrap="square" rtlCol="0">
+            <a:noAutofit/>
+          </a:bodyPr>
+          <a:lstStyle/>
+          <a:p>
+            <a:pPr algn="ctr"/>
+            <a:r>
+              <a:rPr lang="en-US" sz="2200" b="1" dirty="0">
+                <a:solidFill>
+                  <a:srgbClr val="00B050"/>
+                </a:solidFill>
+                <a:latin typeface="AA Zuehlke" pitchFamily="2" charset="0"/>
+              </a:rPr>
+              <a:t>y</a:t>
+            </a:r>
+            <a:endParaRPr lang="en-US" sz="2200" b="1" dirty="0" smtClean="0">
+              <a:solidFill>
+                <a:srgbClr val="00B050"/>
+              </a:solidFill>
+              <a:latin typeface="AA Zuehlke" pitchFamily="2" charset="0"/>
+            </a:endParaRPr>
+          </a:p>
+        </p:txBody>
+      </p:sp>
+      <p:sp>
+        <p:nvSpPr>
+          <p:cNvPr id="22" name="TextBox 21"/>
+          <p:cNvSpPr txBox="1"/>
+          <p:nvPr/>
+        </p:nvSpPr>
+        <p:spPr>
+          <a:xfrm>
+            <a:off x="5519936" y="2406948"/>
+            <a:ext cx="576064" cy="360040"/>
+          </a:xfrm>
+          <a:prstGeom prst="rect">
+            <a:avLst/>
+          </a:prstGeom>
+          <a:noFill/>
+        </p:spPr>
+        <p:txBody>
+          <a:bodyPr wrap="square" rtlCol="0">
+            <a:noAutofit/>
+          </a:bodyPr>
+          <a:lstStyle/>
+          <a:p>
+            <a:pPr algn="ctr"/>
+            <a:r>
+              <a:rPr lang="en-US" sz="2200" b="1" dirty="0" smtClean="0">
+                <a:solidFill>
+                  <a:schemeClr val="accent1"/>
+                </a:solidFill>
+                <a:latin typeface="AA Zuehlke" pitchFamily="2" charset="0"/>
+              </a:rPr>
+              <a:t>z</a:t>
+            </a:r>
+            <a:endParaRPr lang="en-US" sz="2200" b="1" dirty="0" smtClean="0">
+              <a:solidFill>
+                <a:schemeClr val="accent1"/>
+              </a:solidFill>
+              <a:latin typeface="AA Zuehlke" pitchFamily="2" charset="0"/>
+            </a:endParaRPr>
+          </a:p>
+        </p:txBody>
+      </p:sp>
+      <p:sp>
+        <p:nvSpPr>
+          <p:cNvPr id="23" name="Rounded Rectangle 22"/>
+          <p:cNvSpPr/>
+          <p:nvPr/>
+        </p:nvSpPr>
+        <p:spPr>
+          <a:xfrm>
+            <a:off x="5519936" y="4653136"/>
+            <a:ext cx="720080" cy="720080"/>
+          </a:xfrm>
+          <a:prstGeom prst="roundRect">
+            <a:avLst/>
+          </a:prstGeom>
+          <a:solidFill>
+            <a:srgbClr val="0070C0"/>
+          </a:solidFill>
+          <a:ln w="76200">
+            <a:noFill/>
+          </a:ln>
+        </p:spPr>
+        <p:style>
+          <a:lnRef idx="2">
+            <a:schemeClr val="accent1">
+              <a:shade val="50000"/>
+            </a:schemeClr>
+          </a:lnRef>
+          <a:fillRef idx="1">
+            <a:schemeClr val="accent1"/>
+          </a:fillRef>
+          <a:effectRef idx="0">
+            <a:schemeClr val="accent1"/>
+          </a:effectRef>
+          <a:fontRef idx="minor">
+            <a:schemeClr val="lt1"/>
+          </a:fontRef>
+        </p:style>
+        <p:txBody>
+          <a:bodyPr rtlCol="0" anchor="ctr"/>
+          <a:lstStyle/>
+          <a:p>
+            <a:pPr algn="ctr"/>
+            <a:endParaRPr lang="en-US" sz="2200" dirty="0" err="1" smtClean="0">
+              <a:ln w="76200">
+                <a:noFill/>
+              </a:ln>
+              <a:latin typeface="AA Zuehlke" pitchFamily="2" charset="0"/>
+            </a:endParaRPr>
+          </a:p>
+        </p:txBody>
+      </p:sp>
+      <p:cxnSp>
+        <p:nvCxnSpPr>
+          <p:cNvPr id="25" name="Straight Arrow Connector 24"/>
+          <p:cNvCxnSpPr>
+            <a:stCxn id="23" idx="3"/>
+            <a:endCxn id="29" idx="1"/>
+          </p:cNvCxnSpPr>
+          <p:nvPr/>
+        </p:nvCxnSpPr>
+        <p:spPr>
+          <a:xfrm>
+            <a:off x="6240016" y="5013176"/>
+            <a:ext cx="648072" cy="0"/>
+          </a:xfrm>
+          <a:prstGeom prst="straightConnector1">
+            <a:avLst/>
+          </a:prstGeom>
+          <a:ln w="57150">
+            <a:solidFill>
+              <a:srgbClr val="FFC000"/>
+            </a:solidFill>
+            <a:tailEnd type="triangle"/>
+          </a:ln>
+        </p:spPr>
+        <p:style>
+          <a:lnRef idx="1">
+            <a:schemeClr val="accent1"/>
+          </a:lnRef>
+          <a:fillRef idx="0">
+            <a:schemeClr val="accent1"/>
+          </a:fillRef>
+          <a:effectRef idx="0">
+            <a:schemeClr val="accent1"/>
+          </a:effectRef>
+          <a:fontRef idx="minor">
+            <a:schemeClr val="tx1"/>
+          </a:fontRef>
+        </p:style>
+      </p:cxnSp>
+      <p:sp>
+        <p:nvSpPr>
+          <p:cNvPr id="29" name="Rounded Rectangle 28"/>
+          <p:cNvSpPr/>
+          <p:nvPr/>
+        </p:nvSpPr>
+        <p:spPr>
+          <a:xfrm>
+            <a:off x="6888088" y="4653136"/>
+            <a:ext cx="720080" cy="720080"/>
+          </a:xfrm>
+          <a:prstGeom prst="roundRect">
+            <a:avLst/>
+          </a:prstGeom>
+          <a:solidFill>
+            <a:schemeClr val="accent1"/>
+          </a:solidFill>
+          <a:ln w="76200">
+            <a:noFill/>
+          </a:ln>
+        </p:spPr>
+        <p:style>
+          <a:lnRef idx="2">
+            <a:schemeClr val="accent1">
+              <a:shade val="50000"/>
+            </a:schemeClr>
+          </a:lnRef>
+          <a:fillRef idx="1">
+            <a:schemeClr val="accent1"/>
+          </a:fillRef>
+          <a:effectRef idx="0">
+            <a:schemeClr val="accent1"/>
+          </a:effectRef>
+          <a:fontRef idx="minor">
+            <a:schemeClr val="lt1"/>
+          </a:fontRef>
+        </p:style>
+        <p:txBody>
+          <a:bodyPr rtlCol="0" anchor="ctr"/>
+          <a:lstStyle/>
+          <a:p>
+            <a:pPr algn="ctr"/>
+            <a:endParaRPr lang="en-US" sz="2200" dirty="0" err="1" smtClean="0">
+              <a:ln w="76200">
+                <a:noFill/>
+              </a:ln>
+              <a:latin typeface="AA Zuehlke" pitchFamily="2" charset="0"/>
+            </a:endParaRPr>
+          </a:p>
+        </p:txBody>
+      </p:sp>
+      <p:sp>
+        <p:nvSpPr>
+          <p:cNvPr id="39" name="Rounded Rectangle 38"/>
+          <p:cNvSpPr/>
+          <p:nvPr/>
+        </p:nvSpPr>
+        <p:spPr>
+          <a:xfrm>
+            <a:off x="2063552" y="4077072"/>
+            <a:ext cx="720080" cy="720080"/>
+          </a:xfrm>
+          <a:prstGeom prst="roundRect">
+            <a:avLst/>
+          </a:prstGeom>
+          <a:solidFill>
+            <a:srgbClr val="0070C0"/>
+          </a:solidFill>
+          <a:ln w="76200">
+            <a:noFill/>
+          </a:ln>
+        </p:spPr>
+        <p:style>
+          <a:lnRef idx="2">
+            <a:schemeClr val="accent1">
+              <a:shade val="50000"/>
+            </a:schemeClr>
+          </a:lnRef>
+          <a:fillRef idx="1">
+            <a:schemeClr val="accent1"/>
+          </a:fillRef>
+          <a:effectRef idx="0">
+            <a:schemeClr val="accent1"/>
+          </a:effectRef>
+          <a:fontRef idx="minor">
+            <a:schemeClr val="lt1"/>
+          </a:fontRef>
+        </p:style>
+        <p:txBody>
+          <a:bodyPr rtlCol="0" anchor="ctr"/>
+          <a:lstStyle/>
+          <a:p>
+            <a:pPr algn="ctr"/>
+            <a:endParaRPr lang="en-US" sz="2200" dirty="0" err="1" smtClean="0">
+              <a:ln w="76200">
+                <a:noFill/>
+              </a:ln>
+              <a:latin typeface="AA Zuehlke" pitchFamily="2" charset="0"/>
+            </a:endParaRPr>
+          </a:p>
+        </p:txBody>
+      </p:sp>
+      <p:sp>
+        <p:nvSpPr>
+          <p:cNvPr id="40" name="Rounded Rectangle 39"/>
+          <p:cNvSpPr/>
+          <p:nvPr/>
+        </p:nvSpPr>
+        <p:spPr>
+          <a:xfrm>
+            <a:off x="3431704" y="4077072"/>
+            <a:ext cx="720080" cy="720080"/>
+          </a:xfrm>
+          <a:prstGeom prst="roundRect">
+            <a:avLst/>
+          </a:prstGeom>
+          <a:solidFill>
+            <a:srgbClr val="00B050"/>
+          </a:solidFill>
+          <a:ln w="76200">
+            <a:noFill/>
+          </a:ln>
+        </p:spPr>
+        <p:style>
+          <a:lnRef idx="2">
+            <a:schemeClr val="accent1">
+              <a:shade val="50000"/>
+            </a:schemeClr>
+          </a:lnRef>
+          <a:fillRef idx="1">
+            <a:schemeClr val="accent1"/>
+          </a:fillRef>
+          <a:effectRef idx="0">
+            <a:schemeClr val="accent1"/>
+          </a:effectRef>
+          <a:fontRef idx="minor">
+            <a:schemeClr val="lt1"/>
+          </a:fontRef>
+        </p:style>
+        <p:txBody>
+          <a:bodyPr rtlCol="0" anchor="ctr"/>
+          <a:lstStyle/>
+          <a:p>
+            <a:pPr algn="ctr"/>
+            <a:endParaRPr lang="en-US" sz="2200" dirty="0" err="1" smtClean="0">
+              <a:ln w="76200">
+                <a:noFill/>
+              </a:ln>
+              <a:latin typeface="AA Zuehlke" pitchFamily="2" charset="0"/>
+            </a:endParaRPr>
+          </a:p>
+        </p:txBody>
+      </p:sp>
+      <p:cxnSp>
+        <p:nvCxnSpPr>
+          <p:cNvPr id="41" name="Straight Arrow Connector 40"/>
+          <p:cNvCxnSpPr>
+            <a:stCxn id="39" idx="3"/>
+            <a:endCxn id="40" idx="1"/>
+          </p:cNvCxnSpPr>
+          <p:nvPr/>
+        </p:nvCxnSpPr>
+        <p:spPr>
+          <a:xfrm>
+            <a:off x="2783632" y="4437112"/>
+            <a:ext cx="648072" cy="0"/>
+          </a:xfrm>
+          <a:prstGeom prst="straightConnector1">
+            <a:avLst/>
+          </a:prstGeom>
+          <a:ln w="57150">
+            <a:solidFill>
+              <a:srgbClr val="FFC000"/>
+            </a:solidFill>
+            <a:tailEnd type="triangle"/>
+          </a:ln>
+        </p:spPr>
+        <p:style>
+          <a:lnRef idx="1">
+            <a:schemeClr val="accent1"/>
+          </a:lnRef>
+          <a:fillRef idx="0">
+            <a:schemeClr val="accent1"/>
+          </a:fillRef>
+          <a:effectRef idx="0">
+            <a:schemeClr val="accent1"/>
+          </a:effectRef>
+          <a:fontRef idx="minor">
+            <a:schemeClr val="tx1"/>
+          </a:fontRef>
+        </p:style>
+      </p:cxnSp>
+      <p:sp>
+        <p:nvSpPr>
+          <p:cNvPr id="44" name="Rounded Rectangle 43"/>
+          <p:cNvSpPr/>
+          <p:nvPr/>
+        </p:nvSpPr>
+        <p:spPr>
+          <a:xfrm>
+            <a:off x="2084585" y="5178172"/>
+            <a:ext cx="720080" cy="720080"/>
+          </a:xfrm>
+          <a:prstGeom prst="roundRect">
+            <a:avLst/>
+          </a:prstGeom>
+          <a:solidFill>
+            <a:srgbClr val="00B050"/>
+          </a:solidFill>
+          <a:ln w="76200">
+            <a:noFill/>
+          </a:ln>
+        </p:spPr>
+        <p:style>
+          <a:lnRef idx="2">
+            <a:schemeClr val="accent1">
+              <a:shade val="50000"/>
+            </a:schemeClr>
+          </a:lnRef>
+          <a:fillRef idx="1">
+            <a:schemeClr val="accent1"/>
+          </a:fillRef>
+          <a:effectRef idx="0">
+            <a:schemeClr val="accent1"/>
+          </a:effectRef>
+          <a:fontRef idx="minor">
+            <a:schemeClr val="lt1"/>
+          </a:fontRef>
+        </p:style>
+        <p:txBody>
+          <a:bodyPr rtlCol="0" anchor="ctr"/>
+          <a:lstStyle/>
+          <a:p>
+            <a:pPr algn="ctr"/>
+            <a:endParaRPr lang="en-US" sz="2200" dirty="0" err="1" smtClean="0">
+              <a:ln w="76200">
+                <a:noFill/>
+              </a:ln>
+              <a:latin typeface="AA Zuehlke" pitchFamily="2" charset="0"/>
+            </a:endParaRPr>
+          </a:p>
+        </p:txBody>
+      </p:sp>
+      <p:sp>
+        <p:nvSpPr>
+          <p:cNvPr id="45" name="Rounded Rectangle 44"/>
+          <p:cNvSpPr/>
+          <p:nvPr/>
+        </p:nvSpPr>
+        <p:spPr>
+          <a:xfrm>
+            <a:off x="3452737" y="5178172"/>
+            <a:ext cx="720080" cy="720080"/>
+          </a:xfrm>
+          <a:prstGeom prst="roundRect">
+            <a:avLst/>
+          </a:prstGeom>
+          <a:solidFill>
+            <a:schemeClr val="accent1"/>
+          </a:solidFill>
+          <a:ln w="76200">
+            <a:noFill/>
+          </a:ln>
+        </p:spPr>
+        <p:style>
+          <a:lnRef idx="2">
+            <a:schemeClr val="accent1">
+              <a:shade val="50000"/>
+            </a:schemeClr>
+          </a:lnRef>
+          <a:fillRef idx="1">
+            <a:schemeClr val="accent1"/>
+          </a:fillRef>
+          <a:effectRef idx="0">
+            <a:schemeClr val="accent1"/>
+          </a:effectRef>
+          <a:fontRef idx="minor">
+            <a:schemeClr val="lt1"/>
+          </a:fontRef>
+        </p:style>
+        <p:txBody>
+          <a:bodyPr rtlCol="0" anchor="ctr"/>
+          <a:lstStyle/>
+          <a:p>
+            <a:pPr algn="ctr"/>
+            <a:endParaRPr lang="en-US" sz="2200" dirty="0" err="1" smtClean="0">
+              <a:ln w="76200">
+                <a:noFill/>
+              </a:ln>
+              <a:latin typeface="AA Zuehlke" pitchFamily="2" charset="0"/>
+            </a:endParaRPr>
+          </a:p>
+        </p:txBody>
+      </p:sp>
+      <p:cxnSp>
+        <p:nvCxnSpPr>
+          <p:cNvPr id="46" name="Straight Arrow Connector 45"/>
+          <p:cNvCxnSpPr>
+            <a:stCxn id="44" idx="3"/>
+            <a:endCxn id="45" idx="1"/>
+          </p:cNvCxnSpPr>
+          <p:nvPr/>
+        </p:nvCxnSpPr>
+        <p:spPr>
+          <a:xfrm>
+            <a:off x="2804665" y="5538212"/>
+            <a:ext cx="648072" cy="0"/>
+          </a:xfrm>
+          <a:prstGeom prst="straightConnector1">
+            <a:avLst/>
+          </a:prstGeom>
+          <a:ln w="57150">
+            <a:solidFill>
+              <a:srgbClr val="FFC000"/>
+            </a:solidFill>
+            <a:tailEnd type="triangle"/>
+          </a:ln>
+        </p:spPr>
+        <p:style>
+          <a:lnRef idx="1">
+            <a:schemeClr val="accent1"/>
+          </a:lnRef>
+          <a:fillRef idx="0">
+            <a:schemeClr val="accent1"/>
+          </a:fillRef>
+          <a:effectRef idx="0">
+            <a:schemeClr val="accent1"/>
+          </a:effectRef>
+          <a:fontRef idx="minor">
+            <a:schemeClr val="tx1"/>
+          </a:fontRef>
+        </p:style>
+      </p:cxnSp>
     </p:spTree>
     <p:extLst>
       <p:ext uri="{BB962C8B-B14F-4D97-AF65-F5344CB8AC3E}">
-        <p14:creationId xmlns:p14="http://schemas.microsoft.com/office/powerpoint/2010/main" val="290417393"/>
+        <p14:creationId xmlns:p14="http://schemas.microsoft.com/office/powerpoint/2010/main" val="355283669"/>
       </p:ext>
     </p:extLst>
   </p:cSld>
   <p:clrMapOvr>
     <a:masterClrMapping/>
   </p:clrMapOvr>
-  <p:timing>
-    <p:tnLst>
-      <p:par>
-        <p:cTn id="1" dur="indefinite" restart="never" nodeType="tmRoot"/>
-      </p:par>
-    </p:tnLst>
-  </p:timing>
 </p:sld>
 </file>
 
@@ -12008,8 +13851,8 @@
           <a:lstStyle/>
           <a:p>
             <a:r>
-              <a:rPr lang="de-CH" dirty="0" err="1"/>
-              <a:t>Introduction</a:t>
+              <a:rPr lang="de-CH" dirty="0" smtClean="0"/>
+              <a:t>Outline</a:t>
             </a:r>
             <a:endParaRPr lang="de-CH" dirty="0"/>
           </a:p>
@@ -12031,43 +13874,53 @@
           <a:lstStyle/>
           <a:p>
             <a:pPr marL="342900" indent="-342900">
-              <a:buFont typeface="Wingdings" panose="05000000000000000000" pitchFamily="2" charset="2"/>
-              <a:buChar char="Ø"/>
+              <a:buFont typeface="Arial" panose="020B0604020202020204" pitchFamily="34" charset="0"/>
+              <a:buChar char="•"/>
             </a:pPr>
             <a:r>
-              <a:rPr lang="de-CH" b="1" dirty="0"/>
-              <a:t>First-class </a:t>
-            </a:r>
-            <a:r>
-              <a:rPr lang="de-CH" b="1" dirty="0" err="1" smtClean="0"/>
-              <a:t>and</a:t>
-            </a:r>
-            <a:r>
-              <a:rPr lang="de-CH" b="1" dirty="0" smtClean="0"/>
-              <a:t> </a:t>
-            </a:r>
-            <a:r>
-              <a:rPr lang="de-CH" b="1" dirty="0" err="1" smtClean="0"/>
-              <a:t>higher</a:t>
-            </a:r>
-            <a:r>
-              <a:rPr lang="de-CH" b="1" dirty="0" smtClean="0"/>
-              <a:t>-order </a:t>
-            </a:r>
-            <a:r>
-              <a:rPr lang="de-CH" b="1" dirty="0" err="1" smtClean="0"/>
+              <a:rPr lang="de-CH" dirty="0" smtClean="0"/>
+              <a:t>Higher-order </a:t>
+            </a:r>
+            <a:r>
+              <a:rPr lang="de-CH" dirty="0" err="1" smtClean="0"/>
               <a:t>functions</a:t>
             </a:r>
-            <a:endParaRPr lang="de-CH" b="1" dirty="0" smtClean="0"/>
-          </a:p>
-          <a:p>
-            <a:pPr marL="608013" lvl="1" indent="-342900">
-              <a:buFont typeface="Wingdings" panose="05000000000000000000" pitchFamily="2" charset="2"/>
-              <a:buChar char="ü"/>
+            <a:endParaRPr lang="de-CH" dirty="0" smtClean="0"/>
+          </a:p>
+          <a:p>
+            <a:pPr marL="342900" indent="-342900">
+              <a:buFont typeface="Arial" panose="020B0604020202020204" pitchFamily="34" charset="0"/>
+              <a:buChar char="•"/>
             </a:pPr>
             <a:r>
+              <a:rPr lang="de-CH" dirty="0" smtClean="0"/>
+              <a:t>Pure </a:t>
+            </a:r>
+            <a:r>
               <a:rPr lang="de-CH" dirty="0" err="1" smtClean="0"/>
-              <a:t>Functions</a:t>
+              <a:t>functions</a:t>
+            </a:r>
+            <a:endParaRPr lang="de-CH" dirty="0" smtClean="0"/>
+          </a:p>
+          <a:p>
+            <a:pPr marL="342900" indent="-342900">
+              <a:buFont typeface="Arial" panose="020B0604020202020204" pitchFamily="34" charset="0"/>
+              <a:buChar char="•"/>
+            </a:pPr>
+            <a:r>
+              <a:rPr lang="de-CH" dirty="0" err="1" smtClean="0"/>
+              <a:t>Immutability</a:t>
+            </a:r>
+            <a:endParaRPr lang="de-CH" dirty="0" smtClean="0"/>
+          </a:p>
+          <a:p>
+            <a:pPr marL="342900" indent="-342900">
+              <a:buFont typeface="Arial" panose="020B0604020202020204" pitchFamily="34" charset="0"/>
+              <a:buChar char="•"/>
+            </a:pPr>
+            <a:r>
+              <a:rPr lang="de-CH" dirty="0" err="1" smtClean="0"/>
+              <a:t>Lazy</a:t>
             </a:r>
             <a:r>
               <a:rPr lang="de-CH" dirty="0" smtClean="0"/>
@@ -12075,170 +13928,10 @@
             </a:r>
             <a:r>
               <a:rPr lang="de-CH" dirty="0" err="1" smtClean="0"/>
-              <a:t>are</a:t>
-            </a:r>
-            <a:r>
-              <a:rPr lang="de-CH" dirty="0" smtClean="0"/>
-              <a:t> </a:t>
-            </a:r>
-            <a:r>
-              <a:rPr lang="de-CH" dirty="0" err="1" smtClean="0"/>
-              <a:t>objects</a:t>
-            </a:r>
-            <a:r>
-              <a:rPr lang="de-CH" dirty="0" smtClean="0"/>
-              <a:t>, </a:t>
-            </a:r>
-            <a:r>
-              <a:rPr lang="de-CH" dirty="0" err="1" smtClean="0"/>
-              <a:t>too</a:t>
+              <a:t>evaluation</a:t>
             </a:r>
             <a:endParaRPr lang="de-CH" dirty="0" smtClean="0"/>
           </a:p>
-          <a:p>
-            <a:pPr marL="608013" lvl="1" indent="-342900">
-              <a:buFont typeface="Wingdings" panose="05000000000000000000" pitchFamily="2" charset="2"/>
-              <a:buChar char="ü"/>
-            </a:pPr>
-            <a:r>
-              <a:rPr lang="en-US" dirty="0"/>
-              <a:t>Passing functions as arguments to other functions</a:t>
-            </a:r>
-          </a:p>
-          <a:p>
-            <a:pPr marL="608013" lvl="1" indent="-342900">
-              <a:buFont typeface="Wingdings" panose="05000000000000000000" pitchFamily="2" charset="2"/>
-              <a:buChar char="ü"/>
-            </a:pPr>
-            <a:r>
-              <a:rPr lang="de-CH" dirty="0" err="1" smtClean="0"/>
-              <a:t>Examples</a:t>
-            </a:r>
-            <a:r>
-              <a:rPr lang="de-CH" dirty="0" smtClean="0"/>
-              <a:t>: </a:t>
-            </a:r>
-            <a:r>
-              <a:rPr lang="de-CH" dirty="0" err="1" smtClean="0"/>
-              <a:t>List.map</a:t>
-            </a:r>
-            <a:r>
-              <a:rPr lang="de-CH" dirty="0" smtClean="0"/>
-              <a:t>/</a:t>
-            </a:r>
-            <a:r>
-              <a:rPr lang="de-CH" dirty="0" err="1" smtClean="0"/>
-              <a:t>filter</a:t>
-            </a:r>
-            <a:r>
-              <a:rPr lang="de-CH" dirty="0" smtClean="0"/>
-              <a:t>/</a:t>
-            </a:r>
-            <a:r>
-              <a:rPr lang="de-CH" dirty="0" err="1" smtClean="0"/>
-              <a:t>fold</a:t>
-            </a:r>
-            <a:endParaRPr lang="de-CH" dirty="0"/>
-          </a:p>
-          <a:p>
-            <a:pPr marL="342900" indent="-342900">
-              <a:buFont typeface="Wingdings" panose="05000000000000000000" pitchFamily="2" charset="2"/>
-              <a:buChar char="Ø"/>
-            </a:pPr>
-            <a:r>
-              <a:rPr lang="de-CH" dirty="0" smtClean="0">
-                <a:solidFill>
-                  <a:schemeClr val="bg1">
-                    <a:lumMod val="75000"/>
-                  </a:schemeClr>
-                </a:solidFill>
-              </a:rPr>
-              <a:t>Pure </a:t>
-            </a:r>
-            <a:r>
-              <a:rPr lang="de-CH" dirty="0" err="1" smtClean="0">
-                <a:solidFill>
-                  <a:schemeClr val="bg1">
-                    <a:lumMod val="75000"/>
-                  </a:schemeClr>
-                </a:solidFill>
-              </a:rPr>
-              <a:t>functions</a:t>
-            </a:r>
-            <a:endParaRPr lang="de-CH" dirty="0" smtClean="0">
-              <a:solidFill>
-                <a:schemeClr val="bg1">
-                  <a:lumMod val="75000"/>
-                </a:schemeClr>
-              </a:solidFill>
-            </a:endParaRPr>
-          </a:p>
-          <a:p>
-            <a:pPr marL="342900" indent="-342900">
-              <a:buFont typeface="Wingdings" panose="05000000000000000000" pitchFamily="2" charset="2"/>
-              <a:buChar char="Ø"/>
-            </a:pPr>
-            <a:r>
-              <a:rPr lang="de-CH" dirty="0" err="1" smtClean="0">
-                <a:solidFill>
-                  <a:schemeClr val="bg1">
-                    <a:lumMod val="75000"/>
-                  </a:schemeClr>
-                </a:solidFill>
-              </a:rPr>
-              <a:t>Immutability</a:t>
-            </a:r>
-            <a:endParaRPr lang="de-CH" dirty="0" smtClean="0">
-              <a:solidFill>
-                <a:schemeClr val="bg1">
-                  <a:lumMod val="75000"/>
-                </a:schemeClr>
-              </a:solidFill>
-            </a:endParaRPr>
-          </a:p>
-          <a:p>
-            <a:pPr marL="342900" indent="-342900">
-              <a:buFont typeface="Wingdings" panose="05000000000000000000" pitchFamily="2" charset="2"/>
-              <a:buChar char="Ø"/>
-            </a:pPr>
-            <a:r>
-              <a:rPr lang="de-CH" dirty="0" err="1" smtClean="0">
-                <a:solidFill>
-                  <a:schemeClr val="bg1">
-                    <a:lumMod val="75000"/>
-                  </a:schemeClr>
-                </a:solidFill>
-              </a:rPr>
-              <a:t>Lazy</a:t>
-            </a:r>
-            <a:r>
-              <a:rPr lang="de-CH" dirty="0" smtClean="0">
-                <a:solidFill>
-                  <a:schemeClr val="bg1">
-                    <a:lumMod val="75000"/>
-                  </a:schemeClr>
-                </a:solidFill>
-              </a:rPr>
-              <a:t> </a:t>
-            </a:r>
-            <a:r>
-              <a:rPr lang="de-CH" dirty="0" err="1" smtClean="0">
-                <a:solidFill>
-                  <a:schemeClr val="bg1">
-                    <a:lumMod val="75000"/>
-                  </a:schemeClr>
-                </a:solidFill>
-              </a:rPr>
-              <a:t>evaluation</a:t>
-            </a:r>
-            <a:endParaRPr lang="de-CH" dirty="0" smtClean="0">
-              <a:solidFill>
-                <a:schemeClr val="bg1">
-                  <a:lumMod val="75000"/>
-                </a:schemeClr>
-              </a:solidFill>
-            </a:endParaRPr>
-          </a:p>
         </p:txBody>
       </p:sp>
       <p:sp>
@@ -12256,26 +13949,6 @@
           <a:bodyPr/>
           <a:lstStyle/>
           <a:p>
-            <a:r>
-              <a:rPr lang="de-CH" dirty="0" err="1"/>
-              <a:t>Functional</a:t>
-            </a:r>
-            <a:r>
-              <a:rPr lang="de-CH" dirty="0"/>
-              <a:t> </a:t>
-            </a:r>
-            <a:r>
-              <a:rPr lang="de-CH" dirty="0" err="1"/>
-              <a:t>programming</a:t>
-            </a:r>
-            <a:r>
-              <a:rPr lang="de-CH" dirty="0"/>
-              <a:t> in a </a:t>
-            </a:r>
-            <a:r>
-              <a:rPr lang="de-CH" dirty="0" err="1"/>
-              <a:t>nutshell</a:t>
-            </a:r>
             <a:endParaRPr lang="de-CH" dirty="0"/>
           </a:p>
         </p:txBody>
@@ -12305,7 +13978,7 @@
       </p:sp>
       <p:sp>
         <p:nvSpPr>
-          <p:cNvPr id="8" name="Date Placeholder 7"/>
+          <p:cNvPr id="11" name="Date Placeholder 10"/>
           <p:cNvSpPr>
             <a:spLocks noGrp="1"/>
           </p:cNvSpPr>
@@ -12329,7 +14002,7 @@
     </p:spTree>
     <p:extLst>
       <p:ext uri="{BB962C8B-B14F-4D97-AF65-F5344CB8AC3E}">
-        <p14:creationId xmlns:p14="http://schemas.microsoft.com/office/powerpoint/2010/main" val="4192120826"/>
+        <p14:creationId xmlns:p14="http://schemas.microsoft.com/office/powerpoint/2010/main" val="290417393"/>
       </p:ext>
     </p:extLst>
   </p:cSld>
@@ -12406,54 +14079,125 @@
               <a:buChar char="Ø"/>
             </a:pPr>
             <a:r>
-              <a:rPr lang="de-CH" dirty="0">
+              <a:rPr lang="de-CH" b="1" dirty="0"/>
+              <a:t>First-class </a:t>
+            </a:r>
+            <a:r>
+              <a:rPr lang="de-CH" b="1" dirty="0" err="1" smtClean="0"/>
+              <a:t>and</a:t>
+            </a:r>
+            <a:r>
+              <a:rPr lang="de-CH" b="1" dirty="0" smtClean="0"/>
+              <a:t> </a:t>
+            </a:r>
+            <a:r>
+              <a:rPr lang="de-CH" b="1" dirty="0" err="1" smtClean="0"/>
+              <a:t>higher</a:t>
+            </a:r>
+            <a:r>
+              <a:rPr lang="de-CH" b="1" dirty="0" smtClean="0"/>
+              <a:t>-order </a:t>
+            </a:r>
+            <a:r>
+              <a:rPr lang="de-CH" b="1" dirty="0" err="1" smtClean="0"/>
+              <a:t>functions</a:t>
+            </a:r>
+            <a:endParaRPr lang="de-CH" b="1" dirty="0" smtClean="0"/>
+          </a:p>
+          <a:p>
+            <a:pPr marL="608013" lvl="1" indent="-342900">
+              <a:buFont typeface="Wingdings" panose="05000000000000000000" pitchFamily="2" charset="2"/>
+              <a:buChar char="ü"/>
+            </a:pPr>
+            <a:r>
+              <a:rPr lang="de-CH" dirty="0" err="1" smtClean="0"/>
+              <a:t>Functions</a:t>
+            </a:r>
+            <a:r>
+              <a:rPr lang="de-CH" dirty="0" smtClean="0"/>
+              <a:t> </a:t>
+            </a:r>
+            <a:r>
+              <a:rPr lang="de-CH" dirty="0" err="1" smtClean="0"/>
+              <a:t>are</a:t>
+            </a:r>
+            <a:r>
+              <a:rPr lang="de-CH" dirty="0" smtClean="0"/>
+              <a:t> </a:t>
+            </a:r>
+            <a:r>
+              <a:rPr lang="de-CH" dirty="0" err="1" smtClean="0"/>
+              <a:t>objects</a:t>
+            </a:r>
+            <a:r>
+              <a:rPr lang="de-CH" dirty="0" smtClean="0"/>
+              <a:t>, </a:t>
+            </a:r>
+            <a:r>
+              <a:rPr lang="de-CH" dirty="0" err="1" smtClean="0"/>
+              <a:t>too</a:t>
+            </a:r>
+            <a:endParaRPr lang="de-CH" dirty="0" smtClean="0"/>
+          </a:p>
+          <a:p>
+            <a:pPr marL="608013" lvl="1" indent="-342900">
+              <a:buFont typeface="Wingdings" panose="05000000000000000000" pitchFamily="2" charset="2"/>
+              <a:buChar char="ü"/>
+            </a:pPr>
+            <a:r>
+              <a:rPr lang="en-US" dirty="0"/>
+              <a:t>Passing functions as arguments to other functions</a:t>
+            </a:r>
+          </a:p>
+          <a:p>
+            <a:pPr marL="608013" lvl="1" indent="-342900">
+              <a:buFont typeface="Wingdings" panose="05000000000000000000" pitchFamily="2" charset="2"/>
+              <a:buChar char="ü"/>
+            </a:pPr>
+            <a:r>
+              <a:rPr lang="de-CH" dirty="0" err="1" smtClean="0"/>
+              <a:t>Examples</a:t>
+            </a:r>
+            <a:r>
+              <a:rPr lang="de-CH" dirty="0" smtClean="0"/>
+              <a:t>: </a:t>
+            </a:r>
+            <a:r>
+              <a:rPr lang="de-CH" dirty="0" err="1" smtClean="0"/>
+              <a:t>List.map</a:t>
+            </a:r>
+            <a:r>
+              <a:rPr lang="de-CH" dirty="0" smtClean="0"/>
+              <a:t>/</a:t>
+            </a:r>
+            <a:r>
+              <a:rPr lang="de-CH" dirty="0" err="1" smtClean="0"/>
+              <a:t>filter</a:t>
+            </a:r>
+            <a:r>
+              <a:rPr lang="de-CH" dirty="0" smtClean="0"/>
+              <a:t>/</a:t>
+            </a:r>
+            <a:r>
+              <a:rPr lang="de-CH" dirty="0" err="1" smtClean="0"/>
+              <a:t>fold</a:t>
+            </a:r>
+            <a:endParaRPr lang="de-CH" dirty="0"/>
+          </a:p>
+          <a:p>
+            <a:pPr marL="342900" indent="-342900">
+              <a:buFont typeface="Wingdings" panose="05000000000000000000" pitchFamily="2" charset="2"/>
+              <a:buChar char="Ø"/>
+            </a:pPr>
+            <a:r>
+              <a:rPr lang="de-CH" dirty="0" smtClean="0">
                 <a:solidFill>
                   <a:schemeClr val="bg1">
                     <a:lumMod val="75000"/>
                   </a:schemeClr>
                 </a:solidFill>
               </a:rPr>
-              <a:t>First-class </a:t>
-            </a:r>
-            <a:r>
-              <a:rPr lang="de-CH" dirty="0" err="1" smtClean="0">
-                <a:solidFill>
-                  <a:schemeClr val="bg1">
-                    <a:lumMod val="75000"/>
-                  </a:schemeClr>
-                </a:solidFill>
-              </a:rPr>
-              <a:t>and</a:t>
-            </a:r>
-            <a:r>
-              <a:rPr lang="de-CH" dirty="0" smtClean="0">
-                <a:solidFill>
-                  <a:schemeClr val="bg1">
-                    <a:lumMod val="75000"/>
-                  </a:schemeClr>
-                </a:solidFill>
-              </a:rPr>
-              <a:t> </a:t>
-            </a:r>
-            <a:r>
-              <a:rPr lang="de-CH" dirty="0" err="1" smtClean="0">
-                <a:solidFill>
-                  <a:schemeClr val="bg1">
-                    <a:lumMod val="75000"/>
-                  </a:schemeClr>
-                </a:solidFill>
-              </a:rPr>
-              <a:t>higher</a:t>
-            </a:r>
-            <a:r>
-              <a:rPr lang="de-CH" dirty="0" smtClean="0">
-                <a:solidFill>
-                  <a:schemeClr val="bg1">
-                    <a:lumMod val="75000"/>
-                  </a:schemeClr>
-                </a:solidFill>
-              </a:rPr>
-              <a:t>-order </a:t>
+              <a:t>Pure </a:t>
             </a:r>
             <a:r>
               <a:rPr lang="de-CH" dirty="0" err="1" smtClean="0">
@@ -12479,126 +14223,6 @@
               <a:buChar char="Ø"/>
             </a:pPr>
             <a:r>
-              <a:rPr lang="de-CH" b="1" dirty="0" smtClean="0"/>
-              <a:t>Pure </a:t>
-            </a:r>
-            <a:r>
-              <a:rPr lang="de-CH" b="1" dirty="0" err="1" smtClean="0"/>
-              <a:t>functions</a:t>
-            </a:r>
-            <a:endParaRPr lang="de-CH" b="1" dirty="0" smtClean="0"/>
-          </a:p>
-          <a:p>
-            <a:pPr marL="608013" lvl="1" indent="-342900">
-              <a:buFont typeface="Wingdings" panose="05000000000000000000" pitchFamily="2" charset="2"/>
-              <a:buChar char="ü"/>
-            </a:pPr>
-            <a:r>
-              <a:rPr lang="de-CH" dirty="0" err="1" smtClean="0"/>
-              <a:t>No</a:t>
-            </a:r>
-            <a:r>
-              <a:rPr lang="de-CH" dirty="0" smtClean="0"/>
-              <a:t> </a:t>
-            </a:r>
-            <a:r>
-              <a:rPr lang="de-CH" dirty="0" err="1" smtClean="0"/>
-              <a:t>side-effects</a:t>
-            </a:r>
-            <a:endParaRPr lang="de-CH" dirty="0" smtClean="0"/>
-          </a:p>
-          <a:p>
-            <a:pPr marL="608013" lvl="1" indent="-342900">
-              <a:buFont typeface="Wingdings" panose="05000000000000000000" pitchFamily="2" charset="2"/>
-              <a:buChar char="ü"/>
-            </a:pPr>
-            <a:r>
-              <a:rPr lang="de-CH" dirty="0" err="1" smtClean="0"/>
-              <a:t>Functions</a:t>
-            </a:r>
-            <a:r>
-              <a:rPr lang="de-CH" dirty="0" smtClean="0"/>
-              <a:t> </a:t>
-            </a:r>
-            <a:r>
-              <a:rPr lang="de-CH" dirty="0" err="1" smtClean="0"/>
-              <a:t>are</a:t>
-            </a:r>
-            <a:r>
-              <a:rPr lang="de-CH" dirty="0" smtClean="0"/>
-              <a:t> just </a:t>
-            </a:r>
-            <a:r>
-              <a:rPr lang="de-CH" dirty="0" err="1" smtClean="0"/>
-              <a:t>transforming</a:t>
-            </a:r>
-            <a:r>
-              <a:rPr lang="de-CH" dirty="0" smtClean="0"/>
-              <a:t> </a:t>
-            </a:r>
-            <a:r>
-              <a:rPr lang="de-CH" dirty="0" err="1" smtClean="0"/>
-              <a:t>parameter</a:t>
-            </a:r>
-            <a:r>
-              <a:rPr lang="de-CH" dirty="0" smtClean="0"/>
-              <a:t> </a:t>
-            </a:r>
-            <a:r>
-              <a:rPr lang="de-CH" dirty="0" err="1" smtClean="0"/>
-              <a:t>values</a:t>
-            </a:r>
-            <a:r>
-              <a:rPr lang="de-CH" dirty="0" smtClean="0"/>
-              <a:t> </a:t>
-            </a:r>
-            <a:r>
-              <a:rPr lang="de-CH" dirty="0" err="1" smtClean="0"/>
-              <a:t>to</a:t>
-            </a:r>
-            <a:r>
-              <a:rPr lang="de-CH" dirty="0" smtClean="0"/>
-              <a:t> </a:t>
-            </a:r>
-            <a:r>
-              <a:rPr lang="de-CH" dirty="0" err="1" smtClean="0"/>
-              <a:t>return</a:t>
-            </a:r>
-            <a:r>
-              <a:rPr lang="de-CH" dirty="0" smtClean="0"/>
-              <a:t> </a:t>
-            </a:r>
-            <a:r>
-              <a:rPr lang="de-CH" dirty="0" err="1" smtClean="0"/>
-              <a:t>values</a:t>
-            </a:r>
-            <a:endParaRPr lang="de-CH" dirty="0" smtClean="0"/>
-          </a:p>
-          <a:p>
-            <a:pPr marL="608013" lvl="1" indent="-342900">
-              <a:buFont typeface="Wingdings" panose="05000000000000000000" pitchFamily="2" charset="2"/>
-              <a:buChar char="ü"/>
-            </a:pPr>
-            <a:r>
-              <a:rPr lang="de-CH" dirty="0" err="1"/>
-              <a:t>Referential</a:t>
-            </a:r>
-            <a:r>
-              <a:rPr lang="de-CH" dirty="0"/>
-              <a:t> </a:t>
-            </a:r>
-            <a:r>
-              <a:rPr lang="de-CH" dirty="0" err="1"/>
-              <a:t>transparency</a:t>
-            </a:r>
-            <a:endParaRPr lang="de-CH" dirty="0" smtClean="0"/>
-          </a:p>
-          <a:p>
-            <a:pPr marL="342900" indent="-342900">
-              <a:buFont typeface="Wingdings" panose="05000000000000000000" pitchFamily="2" charset="2"/>
-              <a:buChar char="Ø"/>
-            </a:pPr>
-            <a:r>
               <a:rPr lang="de-CH" dirty="0" err="1" smtClean="0">
                 <a:solidFill>
                   <a:schemeClr val="bg1">
@@ -12749,7 +14373,7 @@
     </p:spTree>
     <p:extLst>
       <p:ext uri="{BB962C8B-B14F-4D97-AF65-F5344CB8AC3E}">
-        <p14:creationId xmlns:p14="http://schemas.microsoft.com/office/powerpoint/2010/main" val="144156127"/>
+        <p14:creationId xmlns:p14="http://schemas.microsoft.com/office/powerpoint/2010/main" val="4192120826"/>
       </p:ext>
     </p:extLst>
   </p:cSld>
@@ -12899,6 +14523,426 @@
               <a:buChar char="Ø"/>
             </a:pPr>
             <a:r>
+              <a:rPr lang="de-CH" b="1" dirty="0" smtClean="0"/>
+              <a:t>Pure </a:t>
+            </a:r>
+            <a:r>
+              <a:rPr lang="de-CH" b="1" dirty="0" err="1" smtClean="0"/>
+              <a:t>functions</a:t>
+            </a:r>
+            <a:endParaRPr lang="de-CH" b="1" dirty="0" smtClean="0"/>
+          </a:p>
+          <a:p>
+            <a:pPr marL="608013" lvl="1" indent="-342900">
+              <a:buFont typeface="Wingdings" panose="05000000000000000000" pitchFamily="2" charset="2"/>
+              <a:buChar char="ü"/>
+            </a:pPr>
+            <a:r>
+              <a:rPr lang="de-CH" dirty="0" err="1" smtClean="0"/>
+              <a:t>No</a:t>
+            </a:r>
+            <a:r>
+              <a:rPr lang="de-CH" dirty="0" smtClean="0"/>
+              <a:t> </a:t>
+            </a:r>
+            <a:r>
+              <a:rPr lang="de-CH" dirty="0" err="1" smtClean="0"/>
+              <a:t>side-effects</a:t>
+            </a:r>
+            <a:endParaRPr lang="de-CH" dirty="0" smtClean="0"/>
+          </a:p>
+          <a:p>
+            <a:pPr marL="608013" lvl="1" indent="-342900">
+              <a:buFont typeface="Wingdings" panose="05000000000000000000" pitchFamily="2" charset="2"/>
+              <a:buChar char="ü"/>
+            </a:pPr>
+            <a:r>
+              <a:rPr lang="de-CH" dirty="0" err="1" smtClean="0"/>
+              <a:t>Functions</a:t>
+            </a:r>
+            <a:r>
+              <a:rPr lang="de-CH" dirty="0" smtClean="0"/>
+              <a:t> </a:t>
+            </a:r>
+            <a:r>
+              <a:rPr lang="de-CH" dirty="0" err="1" smtClean="0"/>
+              <a:t>are</a:t>
+            </a:r>
+            <a:r>
+              <a:rPr lang="de-CH" dirty="0" smtClean="0"/>
+              <a:t> just </a:t>
+            </a:r>
+            <a:r>
+              <a:rPr lang="de-CH" dirty="0" err="1" smtClean="0"/>
+              <a:t>transforming</a:t>
+            </a:r>
+            <a:r>
+              <a:rPr lang="de-CH" dirty="0" smtClean="0"/>
+              <a:t> </a:t>
+            </a:r>
+            <a:r>
+              <a:rPr lang="de-CH" dirty="0" err="1" smtClean="0"/>
+              <a:t>parameter</a:t>
+            </a:r>
+            <a:r>
+              <a:rPr lang="de-CH" dirty="0" smtClean="0"/>
+              <a:t> </a:t>
+            </a:r>
+            <a:r>
+              <a:rPr lang="de-CH" dirty="0" err="1" smtClean="0"/>
+              <a:t>values</a:t>
+            </a:r>
+            <a:r>
+              <a:rPr lang="de-CH" dirty="0" smtClean="0"/>
+              <a:t> </a:t>
+            </a:r>
+            <a:r>
+              <a:rPr lang="de-CH" dirty="0" err="1" smtClean="0"/>
+              <a:t>to</a:t>
+            </a:r>
+            <a:r>
+              <a:rPr lang="de-CH" dirty="0" smtClean="0"/>
+              <a:t> </a:t>
+            </a:r>
+            <a:r>
+              <a:rPr lang="de-CH" dirty="0" err="1" smtClean="0"/>
+              <a:t>return</a:t>
+            </a:r>
+            <a:r>
+              <a:rPr lang="de-CH" dirty="0" smtClean="0"/>
+              <a:t> </a:t>
+            </a:r>
+            <a:r>
+              <a:rPr lang="de-CH" dirty="0" err="1" smtClean="0"/>
+              <a:t>values</a:t>
+            </a:r>
+            <a:endParaRPr lang="de-CH" dirty="0" smtClean="0"/>
+          </a:p>
+          <a:p>
+            <a:pPr marL="608013" lvl="1" indent="-342900">
+              <a:buFont typeface="Wingdings" panose="05000000000000000000" pitchFamily="2" charset="2"/>
+              <a:buChar char="ü"/>
+            </a:pPr>
+            <a:r>
+              <a:rPr lang="de-CH" dirty="0" err="1"/>
+              <a:t>Referential</a:t>
+            </a:r>
+            <a:r>
+              <a:rPr lang="de-CH" dirty="0"/>
+              <a:t> </a:t>
+            </a:r>
+            <a:r>
+              <a:rPr lang="de-CH" dirty="0" err="1"/>
+              <a:t>transparency</a:t>
+            </a:r>
+            <a:endParaRPr lang="de-CH" dirty="0" smtClean="0"/>
+          </a:p>
+          <a:p>
+            <a:pPr marL="342900" indent="-342900">
+              <a:buFont typeface="Wingdings" panose="05000000000000000000" pitchFamily="2" charset="2"/>
+              <a:buChar char="Ø"/>
+            </a:pPr>
+            <a:r>
+              <a:rPr lang="de-CH" dirty="0" err="1" smtClean="0">
+                <a:solidFill>
+                  <a:schemeClr val="bg1">
+                    <a:lumMod val="75000"/>
+                  </a:schemeClr>
+                </a:solidFill>
+              </a:rPr>
+              <a:t>Immutability</a:t>
+            </a:r>
+            <a:endParaRPr lang="de-CH" dirty="0" smtClean="0">
+              <a:solidFill>
+                <a:schemeClr val="bg1">
+                  <a:lumMod val="75000"/>
+                </a:schemeClr>
+              </a:solidFill>
+            </a:endParaRPr>
+          </a:p>
+          <a:p>
+            <a:pPr marL="342900" indent="-342900">
+              <a:buFont typeface="Wingdings" panose="05000000000000000000" pitchFamily="2" charset="2"/>
+              <a:buChar char="Ø"/>
+            </a:pPr>
+            <a:r>
+              <a:rPr lang="de-CH" dirty="0" err="1" smtClean="0">
+                <a:solidFill>
+                  <a:schemeClr val="bg1">
+                    <a:lumMod val="75000"/>
+                  </a:schemeClr>
+                </a:solidFill>
+              </a:rPr>
+              <a:t>Lazy</a:t>
+            </a:r>
+            <a:r>
+              <a:rPr lang="de-CH" dirty="0" smtClean="0">
+                <a:solidFill>
+                  <a:schemeClr val="bg1">
+                    <a:lumMod val="75000"/>
+                  </a:schemeClr>
+                </a:solidFill>
+              </a:rPr>
+              <a:t> </a:t>
+            </a:r>
+            <a:r>
+              <a:rPr lang="de-CH" dirty="0" err="1" smtClean="0">
+                <a:solidFill>
+                  <a:schemeClr val="bg1">
+                    <a:lumMod val="75000"/>
+                  </a:schemeClr>
+                </a:solidFill>
+              </a:rPr>
+              <a:t>evaluation</a:t>
+            </a:r>
+            <a:endParaRPr lang="de-CH" dirty="0" smtClean="0">
+              <a:solidFill>
+                <a:schemeClr val="bg1">
+                  <a:lumMod val="75000"/>
+                </a:schemeClr>
+              </a:solidFill>
+            </a:endParaRPr>
+          </a:p>
+        </p:txBody>
+      </p:sp>
+      <p:sp>
+        <p:nvSpPr>
+          <p:cNvPr id="6" name="Text Placeholder 5"/>
+          <p:cNvSpPr>
+            <a:spLocks noGrp="1"/>
+          </p:cNvSpPr>
+          <p:nvPr>
+            <p:ph type="body" sz="quarter" idx="13"/>
+          </p:nvPr>
+        </p:nvSpPr>
+        <p:spPr/>
+        <p:txBody>
+          <a:bodyPr/>
+          <a:lstStyle/>
+          <a:p>
+            <a:r>
+              <a:rPr lang="de-CH" dirty="0" err="1"/>
+              <a:t>Functional</a:t>
+            </a:r>
+            <a:r>
+              <a:rPr lang="de-CH" dirty="0"/>
+              <a:t> </a:t>
+            </a:r>
+            <a:r>
+              <a:rPr lang="de-CH" dirty="0" err="1"/>
+              <a:t>programming</a:t>
+            </a:r>
+            <a:r>
+              <a:rPr lang="de-CH" dirty="0"/>
+              <a:t> in a </a:t>
+            </a:r>
+            <a:r>
+              <a:rPr lang="de-CH" dirty="0" err="1"/>
+              <a:t>nutshell</a:t>
+            </a:r>
+            <a:endParaRPr lang="de-CH" dirty="0"/>
+          </a:p>
+        </p:txBody>
+      </p:sp>
+      <p:sp>
+        <p:nvSpPr>
+          <p:cNvPr id="9" name="Footer Placeholder 8"/>
+          <p:cNvSpPr>
+            <a:spLocks noGrp="1"/>
+          </p:cNvSpPr>
+          <p:nvPr>
+            <p:ph type="ftr" sz="quarter" idx="11"/>
+          </p:nvPr>
+        </p:nvSpPr>
+        <p:spPr/>
+        <p:txBody>
+          <a:bodyPr/>
+          <a:lstStyle/>
+          <a:p>
+            <a:r>
+              <a:rPr lang="de-CH" smtClean="0"/>
+              <a:t>Rezepte aus der funktionalen Programmierung | ico</a:t>
+            </a:r>
+            <a:endParaRPr lang="de-CH" dirty="0"/>
+          </a:p>
+        </p:txBody>
+      </p:sp>
+      <p:sp>
+        <p:nvSpPr>
+          <p:cNvPr id="8" name="Date Placeholder 7"/>
+          <p:cNvSpPr>
+            <a:spLocks noGrp="1"/>
+          </p:cNvSpPr>
+          <p:nvPr>
+            <p:ph type="dt" sz="half" idx="10"/>
+          </p:nvPr>
+        </p:nvSpPr>
+        <p:spPr/>
+        <p:txBody>
+          <a:bodyPr/>
+          <a:lstStyle/>
+          <a:p>
+            <a:r>
+              <a:rPr lang="de-CH" smtClean="0"/>
+              <a:t>14. November 2014</a:t>
+            </a:r>
+            <a:endParaRPr lang="de-CH" dirty="0"/>
+          </a:p>
+        </p:txBody>
+      </p:sp>
+    </p:spTree>
+    <p:extLst>
+      <p:ext uri="{BB962C8B-B14F-4D97-AF65-F5344CB8AC3E}">
+        <p14:creationId xmlns:p14="http://schemas.microsoft.com/office/powerpoint/2010/main" val="144156127"/>
+      </p:ext>
+    </p:extLst>
+  </p:cSld>
+  <p:clrMapOvr>
+    <a:masterClrMapping/>
+  </p:clrMapOvr>
+  <p:timing>
+    <p:tnLst>
+      <p:par>
+        <p:cTn id="1" dur="indefinite" restart="never" nodeType="tmRoot"/>
+      </p:par>
+    </p:tnLst>
+  </p:timing>
+</p:sld>
+</file>
+
+<file path=ppt/slides/slide8.xml><?xml version="1.0" encoding="utf-8"?>
+<p:sld xmlns:a="http://schemas.openxmlformats.org/drawingml/2006/main" xmlns:r="http://schemas.openxmlformats.org/officeDocument/2006/relationships" xmlns:p="http://schemas.openxmlformats.org/presentationml/2006/main">
+  <p:cSld>
+    <p:spTree>
+      <p:nvGrpSpPr>
+        <p:cNvPr id="1" name=""/>
+        <p:cNvGrpSpPr/>
+        <p:nvPr/>
+      </p:nvGrpSpPr>
+      <p:grpSpPr>
+        <a:xfrm>
+          <a:off x="0" y="0"/>
+          <a:ext cx="0" cy="0"/>
+          <a:chOff x="0" y="0"/>
+          <a:chExt cx="0" cy="0"/>
+        </a:xfrm>
+      </p:grpSpPr>
+      <p:sp>
+        <p:nvSpPr>
+          <p:cNvPr id="2" name="Title 1"/>
+          <p:cNvSpPr>
+            <a:spLocks noGrp="1"/>
+          </p:cNvSpPr>
+          <p:nvPr>
+            <p:ph type="title"/>
+          </p:nvPr>
+        </p:nvSpPr>
+        <p:spPr/>
+        <p:txBody>
+          <a:bodyPr/>
+          <a:lstStyle/>
+          <a:p>
+            <a:r>
+              <a:rPr lang="de-CH" dirty="0" err="1"/>
+              <a:t>Introduction</a:t>
+            </a:r>
+            <a:endParaRPr lang="de-CH" dirty="0"/>
+          </a:p>
+        </p:txBody>
+      </p:sp>
+      <p:sp>
+        <p:nvSpPr>
+          <p:cNvPr id="3" name="Content Placeholder 2"/>
+          <p:cNvSpPr>
+            <a:spLocks noGrp="1"/>
+          </p:cNvSpPr>
+          <p:nvPr>
+            <p:ph idx="1"/>
+          </p:nvPr>
+        </p:nvSpPr>
+        <p:spPr/>
+        <p:txBody>
+          <a:bodyPr/>
+          <a:lstStyle/>
+          <a:p>
+            <a:pPr marL="342900" indent="-342900">
+              <a:buFont typeface="Wingdings" panose="05000000000000000000" pitchFamily="2" charset="2"/>
+              <a:buChar char="Ø"/>
+            </a:pPr>
+            <a:r>
+              <a:rPr lang="de-CH" dirty="0">
+                <a:solidFill>
+                  <a:schemeClr val="bg1">
+                    <a:lumMod val="75000"/>
+                  </a:schemeClr>
+                </a:solidFill>
+              </a:rPr>
+              <a:t>First-class </a:t>
+            </a:r>
+            <a:r>
+              <a:rPr lang="de-CH" dirty="0" err="1" smtClean="0">
+                <a:solidFill>
+                  <a:schemeClr val="bg1">
+                    <a:lumMod val="75000"/>
+                  </a:schemeClr>
+                </a:solidFill>
+              </a:rPr>
+              <a:t>and</a:t>
+            </a:r>
+            <a:r>
+              <a:rPr lang="de-CH" dirty="0" smtClean="0">
+                <a:solidFill>
+                  <a:schemeClr val="bg1">
+                    <a:lumMod val="75000"/>
+                  </a:schemeClr>
+                </a:solidFill>
+              </a:rPr>
+              <a:t> </a:t>
+            </a:r>
+            <a:r>
+              <a:rPr lang="de-CH" dirty="0" err="1" smtClean="0">
+                <a:solidFill>
+                  <a:schemeClr val="bg1">
+                    <a:lumMod val="75000"/>
+                  </a:schemeClr>
+                </a:solidFill>
+              </a:rPr>
+              <a:t>higher</a:t>
+            </a:r>
+            <a:r>
+              <a:rPr lang="de-CH" dirty="0" smtClean="0">
+                <a:solidFill>
+                  <a:schemeClr val="bg1">
+                    <a:lumMod val="75000"/>
+                  </a:schemeClr>
+                </a:solidFill>
+              </a:rPr>
+              <a:t>-order </a:t>
+            </a:r>
+            <a:r>
+              <a:rPr lang="de-CH" dirty="0" err="1" smtClean="0">
+                <a:solidFill>
+                  <a:schemeClr val="bg1">
+                    <a:lumMod val="75000"/>
+                  </a:schemeClr>
+                </a:solidFill>
+              </a:rPr>
+              <a:t>functions</a:t>
+            </a:r>
+            <a:endParaRPr lang="de-CH" dirty="0" smtClean="0">
+              <a:solidFill>
+                <a:schemeClr val="bg1">
+                  <a:lumMod val="75000"/>
+                </a:schemeClr>
+              </a:solidFill>
+            </a:endParaRPr>
+          </a:p>
+          <a:p>
+            <a:pPr marL="342900" indent="-342900">
+              <a:buFont typeface="Wingdings" panose="05000000000000000000" pitchFamily="2" charset="2"/>
+              <a:buChar char="Ø"/>
+            </a:pPr>
+            <a:r>
               <a:rPr lang="de-CH" dirty="0" smtClean="0">
                 <a:solidFill>
                   <a:schemeClr val="bg1">
@@ -13165,7 +15209,7 @@
 </p:sld>
 </file>
 
-<file path=ppt/slides/slide8.xml><?xml version="1.0" encoding="utf-8"?>
+<file path=ppt/slides/slide9.xml><?xml version="1.0" encoding="utf-8"?>
 <p:sld xmlns:a="http://schemas.openxmlformats.org/drawingml/2006/main" xmlns:r="http://schemas.openxmlformats.org/officeDocument/2006/relationships" xmlns:p="http://schemas.openxmlformats.org/presentationml/2006/main">
   <p:cSld>
     <p:spTree>
@@ -14373,203 +16417,6 @@
       <p:bldP spid="12" grpId="0" animBg="1"/>
     </p:bldLst>
   </p:timing>
-</p:sld>
-</file>
-
-<file path=ppt/slides/slide9.xml><?xml version="1.0" encoding="utf-8"?>
-<p:sld xmlns:a="http://schemas.openxmlformats.org/drawingml/2006/main" xmlns:r="http://schemas.openxmlformats.org/officeDocument/2006/relationships" xmlns:p="http://schemas.openxmlformats.org/presentationml/2006/main">
-  <p:cSld>
-    <p:spTree>
-      <p:nvGrpSpPr>
-        <p:cNvPr id="1" name=""/>
-        <p:cNvGrpSpPr/>
-        <p:nvPr/>
-      </p:nvGrpSpPr>
-      <p:grpSpPr>
-        <a:xfrm>
-          <a:off x="0" y="0"/>
-          <a:ext cx="0" cy="0"/>
-          <a:chOff x="0" y="0"/>
-          <a:chExt cx="0" cy="0"/>
-        </a:xfrm>
-      </p:grpSpPr>
-      <p:sp>
-        <p:nvSpPr>
-          <p:cNvPr id="2" name="Title 1"/>
-          <p:cNvSpPr>
-            <a:spLocks noGrp="1"/>
-          </p:cNvSpPr>
-          <p:nvPr>
-            <p:ph type="title"/>
-          </p:nvPr>
-        </p:nvSpPr>
-        <p:spPr/>
-        <p:txBody>
-          <a:bodyPr/>
-          <a:lstStyle/>
-          <a:p>
-            <a:r>
-              <a:rPr lang="en-US" dirty="0" smtClean="0"/>
-              <a:t>Introduction</a:t>
-            </a:r>
-            <a:endParaRPr lang="en-US" dirty="0"/>
-          </a:p>
-        </p:txBody>
-      </p:sp>
-      <p:sp>
-        <p:nvSpPr>
-          <p:cNvPr id="3" name="Content Placeholder 2"/>
-          <p:cNvSpPr>
-            <a:spLocks noGrp="1"/>
-          </p:cNvSpPr>
-          <p:nvPr>
-            <p:ph idx="1"/>
-          </p:nvPr>
-        </p:nvSpPr>
-        <p:spPr/>
-        <p:txBody>
-          <a:bodyPr/>
-          <a:lstStyle/>
-          <a:p>
-            <a:r>
-              <a:rPr lang="en-US" dirty="0" smtClean="0"/>
-              <a:t>It’s all about </a:t>
-            </a:r>
-          </a:p>
-          <a:p>
-            <a:pPr marL="342900" indent="-342900">
-              <a:buFont typeface="Arial" panose="020B0604020202020204" pitchFamily="34" charset="0"/>
-              <a:buChar char="•"/>
-            </a:pPr>
-            <a:r>
-              <a:rPr lang="en-US" dirty="0" smtClean="0"/>
-              <a:t>transforming values</a:t>
-            </a:r>
-          </a:p>
-          <a:p>
-            <a:pPr marL="342900" indent="-342900">
-              <a:buFont typeface="Arial" panose="020B0604020202020204" pitchFamily="34" charset="0"/>
-              <a:buChar char="•"/>
-            </a:pPr>
-            <a:r>
-              <a:rPr lang="en-US" dirty="0" smtClean="0"/>
-              <a:t>reducing side effects</a:t>
-            </a:r>
-          </a:p>
-          <a:p>
-            <a:pPr marL="342900" indent="-342900">
-              <a:buFont typeface="Arial" panose="020B0604020202020204" pitchFamily="34" charset="0"/>
-              <a:buChar char="•"/>
-            </a:pPr>
-            <a:endParaRPr lang="en-US" dirty="0"/>
-          </a:p>
-          <a:p>
-            <a:r>
-              <a:rPr lang="en-US" dirty="0" smtClean="0"/>
-              <a:t>Functional programming concepts focus on</a:t>
-            </a:r>
-          </a:p>
-          <a:p>
-            <a:pPr marL="342900" indent="-342900">
-              <a:buFont typeface="Arial" panose="020B0604020202020204" pitchFamily="34" charset="0"/>
-              <a:buChar char="•"/>
-            </a:pPr>
-            <a:r>
-              <a:rPr lang="en-US" dirty="0" smtClean="0"/>
-              <a:t>expressing and composing value transformations</a:t>
-            </a:r>
-          </a:p>
-          <a:p>
-            <a:pPr marL="342900" indent="-342900">
-              <a:buFont typeface="Arial" panose="020B0604020202020204" pitchFamily="34" charset="0"/>
-              <a:buChar char="•"/>
-            </a:pPr>
-            <a:r>
-              <a:rPr lang="en-US" dirty="0" smtClean="0"/>
-              <a:t>encapsulating side effect</a:t>
-            </a:r>
-          </a:p>
-        </p:txBody>
-      </p:sp>
-      <p:sp>
-        <p:nvSpPr>
-          <p:cNvPr id="4" name="Date Placeholder 3"/>
-          <p:cNvSpPr>
-            <a:spLocks noGrp="1"/>
-          </p:cNvSpPr>
-          <p:nvPr>
-            <p:ph type="dt" sz="half" idx="10"/>
-          </p:nvPr>
-        </p:nvSpPr>
-        <p:spPr/>
-        <p:txBody>
-          <a:bodyPr/>
-          <a:lstStyle/>
-          <a:p>
-            <a:r>
-              <a:rPr lang="de-CH" smtClean="0"/>
-              <a:t>14. September 2015</a:t>
-            </a:r>
-            <a:endParaRPr lang="de-CH" dirty="0"/>
-          </a:p>
-        </p:txBody>
-      </p:sp>
-      <p:sp>
-        <p:nvSpPr>
-          <p:cNvPr id="5" name="Footer Placeholder 4"/>
-          <p:cNvSpPr>
-            <a:spLocks noGrp="1"/>
-          </p:cNvSpPr>
-          <p:nvPr>
-            <p:ph type="ftr" sz="quarter" idx="11"/>
-          </p:nvPr>
-        </p:nvSpPr>
-        <p:spPr/>
-        <p:txBody>
-          <a:bodyPr/>
-          <a:lstStyle/>
-          <a:p>
-            <a:r>
-              <a:rPr lang="en-US" smtClean="0"/>
-              <a:t>Functional Design Patterns for OO Practitioners</a:t>
-            </a:r>
-            <a:endParaRPr lang="de-CH" dirty="0"/>
-          </a:p>
-        </p:txBody>
-      </p:sp>
-      <p:sp>
-        <p:nvSpPr>
-          <p:cNvPr id="6" name="Text Placeholder 5"/>
-          <p:cNvSpPr>
-            <a:spLocks noGrp="1"/>
-          </p:cNvSpPr>
-          <p:nvPr>
-            <p:ph type="body" sz="quarter" idx="13"/>
-          </p:nvPr>
-        </p:nvSpPr>
-        <p:spPr/>
-        <p:txBody>
-          <a:bodyPr/>
-          <a:lstStyle/>
-          <a:p>
-            <a:r>
-              <a:rPr lang="en-US" dirty="0" smtClean="0"/>
-              <a:t>Functional Programming in 1 slide</a:t>
-            </a:r>
-            <a:endParaRPr lang="en-US" dirty="0"/>
-          </a:p>
-        </p:txBody>
-      </p:sp>
-    </p:spTree>
-    <p:extLst>
-      <p:ext uri="{BB962C8B-B14F-4D97-AF65-F5344CB8AC3E}">
-        <p14:creationId xmlns:p14="http://schemas.microsoft.com/office/powerpoint/2010/main" val="355283669"/>
-      </p:ext>
-    </p:extLst>
-  </p:cSld>
-  <p:clrMapOvr>
-    <a:masterClrMapping/>
-  </p:clrMapOvr>
 </p:sld>
 </file>
 

--- a/Functional Design Patterns for OO Practitioners.pptx
+++ b/Functional Design Patterns for OO Practitioners.pptx
@@ -5,10 +5,10 @@
     <p:sldMasterId id="2147483648" r:id="rId1"/>
   </p:sldMasterIdLst>
   <p:notesMasterIdLst>
-    <p:notesMasterId r:id="rId47"/>
+    <p:notesMasterId r:id="rId46"/>
   </p:notesMasterIdLst>
   <p:handoutMasterIdLst>
-    <p:handoutMasterId r:id="rId48"/>
+    <p:handoutMasterId r:id="rId47"/>
   </p:handoutMasterIdLst>
   <p:sldIdLst>
     <p:sldId id="256" r:id="rId2"/>
@@ -40,41 +40,40 @@
     <p:sldId id="300" r:id="rId28"/>
     <p:sldId id="301" r:id="rId29"/>
     <p:sldId id="302" r:id="rId30"/>
-    <p:sldId id="309" r:id="rId31"/>
-    <p:sldId id="303" r:id="rId32"/>
-    <p:sldId id="304" r:id="rId33"/>
-    <p:sldId id="305" r:id="rId34"/>
-    <p:sldId id="257" r:id="rId35"/>
-    <p:sldId id="258" r:id="rId36"/>
-    <p:sldId id="269" r:id="rId37"/>
-    <p:sldId id="259" r:id="rId38"/>
-    <p:sldId id="266" r:id="rId39"/>
-    <p:sldId id="268" r:id="rId40"/>
-    <p:sldId id="277" r:id="rId41"/>
-    <p:sldId id="280" r:id="rId42"/>
-    <p:sldId id="279" r:id="rId43"/>
-    <p:sldId id="275" r:id="rId44"/>
-    <p:sldId id="306" r:id="rId45"/>
-    <p:sldId id="265" r:id="rId46"/>
+    <p:sldId id="303" r:id="rId31"/>
+    <p:sldId id="304" r:id="rId32"/>
+    <p:sldId id="305" r:id="rId33"/>
+    <p:sldId id="257" r:id="rId34"/>
+    <p:sldId id="258" r:id="rId35"/>
+    <p:sldId id="269" r:id="rId36"/>
+    <p:sldId id="259" r:id="rId37"/>
+    <p:sldId id="266" r:id="rId38"/>
+    <p:sldId id="268" r:id="rId39"/>
+    <p:sldId id="277" r:id="rId40"/>
+    <p:sldId id="280" r:id="rId41"/>
+    <p:sldId id="279" r:id="rId42"/>
+    <p:sldId id="275" r:id="rId43"/>
+    <p:sldId id="306" r:id="rId44"/>
+    <p:sldId id="265" r:id="rId45"/>
   </p:sldIdLst>
   <p:sldSz cx="9144000" cy="6858000" type="screen4x3"/>
   <p:notesSz cx="6858000" cy="9144000"/>
   <p:embeddedFontLst>
     <p:embeddedFont>
       <p:font typeface="Consolas" panose="020B0609020204030204" pitchFamily="49" charset="0"/>
-      <p:regular r:id="rId49"/>
-      <p:bold r:id="rId50"/>
-      <p:italic r:id="rId51"/>
-      <p:boldItalic r:id="rId52"/>
+      <p:regular r:id="rId48"/>
+      <p:bold r:id="rId49"/>
+      <p:italic r:id="rId50"/>
+      <p:boldItalic r:id="rId51"/>
     </p:embeddedFont>
     <p:embeddedFont>
       <p:font typeface="AA Zuehlke" panose="02000503060000020004" pitchFamily="2" charset="0"/>
-      <p:regular r:id="rId53"/>
-      <p:italic r:id="rId54"/>
+      <p:regular r:id="rId52"/>
+      <p:italic r:id="rId53"/>
     </p:embeddedFont>
   </p:embeddedFontLst>
   <p:custDataLst>
-    <p:tags r:id="rId55"/>
+    <p:tags r:id="rId54"/>
   </p:custDataLst>
   <p:defaultTextStyle>
     <a:defPPr>
@@ -975,14 +974,14 @@
               <a:rPr lang="de-CH" smtClean="0"/>
               <a:t>Slide </a:t>
             </a:r>
-            <a:fld id="{6E4F5271-ACDB-4CC2-B823-970B6FE9B5BE}" type="slidenum">
+            <a:fld id="{51007CD7-FF9F-46F1-8F1D-6983B06FD420}" type="slidenum">
               <a:rPr smtClean="0"/>
               <a:pPr/>
               <a:t>‹#›</a:t>
             </a:fld>
             <a:r>
               <a:rPr lang="de-CH" smtClean="0"/>
-              <a:t> of 45</a:t>
+              <a:t> of 44</a:t>
             </a:r>
             <a:endParaRPr dirty="0"/>
           </a:p>
@@ -1299,14 +1298,14 @@
               <a:rPr lang="de-CH" smtClean="0"/>
               <a:t>Slide </a:t>
             </a:r>
-            <a:fld id="{BD511A64-7BCF-4EE1-A41E-3FC7143AB522}" type="slidenum">
+            <a:fld id="{6C85254C-F1BA-4567-BFEE-10F7E628B1C1}" type="slidenum">
               <a:rPr smtClean="0"/>
               <a:pPr/>
               <a:t>‹#›</a:t>
             </a:fld>
             <a:r>
               <a:rPr lang="de-CH" smtClean="0"/>
-              <a:t> of 45</a:t>
+              <a:t> of 44</a:t>
             </a:r>
             <a:endParaRPr dirty="0"/>
           </a:p>
@@ -1601,14 +1600,14 @@
               <a:rPr lang="de-CH" smtClean="0"/>
               <a:t>Slide </a:t>
             </a:r>
-            <a:fld id="{9ECEE7EC-268F-4D27-8857-31804791BD11}" type="slidenum">
+            <a:fld id="{C0FD1DB0-CBEF-4373-8CBC-819F324DA43A}" type="slidenum">
               <a:rPr smtClean="0"/>
               <a:pPr/>
               <a:t>‹#›</a:t>
             </a:fld>
             <a:r>
               <a:rPr lang="de-CH" smtClean="0"/>
-              <a:t> of 45</a:t>
+              <a:t> of 44</a:t>
             </a:r>
             <a:endParaRPr dirty="0"/>
           </a:p>
@@ -1933,14 +1932,14 @@
               <a:rPr lang="de-CH" smtClean="0"/>
               <a:t>Slide </a:t>
             </a:r>
-            <a:fld id="{3F4B9C45-6DBE-44F6-847C-572022241F6E}" type="slidenum">
+            <a:fld id="{C5951E6C-022E-4BBE-AE94-D25762BF06F3}" type="slidenum">
               <a:rPr smtClean="0"/>
               <a:pPr/>
               <a:t>‹#›</a:t>
             </a:fld>
             <a:r>
               <a:rPr lang="de-CH" smtClean="0"/>
-              <a:t> of 45</a:t>
+              <a:t> of 44</a:t>
             </a:r>
             <a:endParaRPr dirty="0"/>
           </a:p>
@@ -2267,14 +2266,14 @@
               <a:rPr lang="de-CH" smtClean="0"/>
               <a:t>Slide </a:t>
             </a:r>
-            <a:fld id="{78CA4E12-9907-41DE-9606-C68179D5F5FF}" type="slidenum">
+            <a:fld id="{596B28CE-FC37-45F2-8A05-2BA1459C60CD}" type="slidenum">
               <a:rPr smtClean="0"/>
               <a:pPr/>
               <a:t>‹#›</a:t>
             </a:fld>
             <a:r>
               <a:rPr lang="de-CH" smtClean="0"/>
-              <a:t> of 45</a:t>
+              <a:t> of 44</a:t>
             </a:r>
             <a:endParaRPr dirty="0"/>
           </a:p>
@@ -2697,14 +2696,14 @@
               <a:rPr lang="de-CH" smtClean="0"/>
               <a:t>Slide </a:t>
             </a:r>
-            <a:fld id="{F4429D00-827D-4CF8-A89D-19461F6B9A99}" type="slidenum">
+            <a:fld id="{0B637677-4791-4153-9FAD-CB5B1C7CF56B}" type="slidenum">
               <a:rPr smtClean="0"/>
               <a:pPr/>
               <a:t>‹#›</a:t>
             </a:fld>
             <a:r>
               <a:rPr lang="de-CH" smtClean="0"/>
-              <a:t> of 45</a:t>
+              <a:t> of 44</a:t>
             </a:r>
             <a:endParaRPr dirty="0"/>
           </a:p>
@@ -3415,14 +3414,14 @@
               <a:rPr lang="de-CH" smtClean="0"/>
               <a:t>Slide </a:t>
             </a:r>
-            <a:fld id="{5205A8F3-F659-45C7-BE15-8A3B200D5C23}" type="slidenum">
+            <a:fld id="{9460785B-48C6-483D-8929-362326FADA3B}" type="slidenum">
               <a:rPr smtClean="0"/>
               <a:pPr/>
               <a:t>‹#›</a:t>
             </a:fld>
             <a:r>
               <a:rPr lang="de-CH" smtClean="0"/>
-              <a:t> of 45</a:t>
+              <a:t> of 44</a:t>
             </a:r>
             <a:endParaRPr dirty="0"/>
           </a:p>
@@ -3721,14 +3720,14 @@
               <a:rPr lang="de-CH" smtClean="0"/>
               <a:t>Slide </a:t>
             </a:r>
-            <a:fld id="{D129E179-417D-4EDB-B0C3-D546684415D3}" type="slidenum">
+            <a:fld id="{3E3805EF-3780-462C-A85E-5F4543F42B1E}" type="slidenum">
               <a:rPr smtClean="0"/>
               <a:pPr/>
               <a:t>‹#›</a:t>
             </a:fld>
             <a:r>
               <a:rPr lang="de-CH" smtClean="0"/>
-              <a:t> of 45</a:t>
+              <a:t> of 44</a:t>
             </a:r>
             <a:endParaRPr dirty="0"/>
           </a:p>
@@ -4248,14 +4247,14 @@
               <a:rPr lang="de-CH" smtClean="0"/>
               <a:t>Slide </a:t>
             </a:r>
-            <a:fld id="{39483EAA-2CE3-4C9D-B3E2-65D907FC3C98}" type="slidenum">
+            <a:fld id="{93ADDD31-8E10-4481-8891-A7234DA63F88}" type="slidenum">
               <a:rPr smtClean="0"/>
               <a:pPr/>
               <a:t>‹#›</a:t>
             </a:fld>
             <a:r>
               <a:rPr lang="de-CH" smtClean="0"/>
-              <a:t> of 45</a:t>
+              <a:t> of 44</a:t>
             </a:r>
             <a:endParaRPr dirty="0"/>
           </a:p>
@@ -4646,14 +4645,14 @@
               <a:rPr lang="de-CH" smtClean="0"/>
               <a:t>Slide </a:t>
             </a:r>
-            <a:fld id="{B41059E4-0BD5-42B0-B232-E35514E5F11A}" type="slidenum">
+            <a:fld id="{B1B74266-A1CA-494E-A160-39159435C26D}" type="slidenum">
               <a:rPr smtClean="0"/>
               <a:pPr/>
               <a:t>‹#›</a:t>
             </a:fld>
             <a:r>
               <a:rPr lang="de-CH" smtClean="0"/>
-              <a:t> of 45</a:t>
+              <a:t> of 44</a:t>
             </a:r>
             <a:endParaRPr dirty="0"/>
           </a:p>
@@ -4876,14 +4875,14 @@
               <a:rPr lang="de-CH" smtClean="0"/>
               <a:t>Slide </a:t>
             </a:r>
-            <a:fld id="{E8C00BB7-EAA2-4988-94FF-C903493CF4AB}" type="slidenum">
+            <a:fld id="{61311A60-AD09-4B80-9939-8F32C089E305}" type="slidenum">
               <a:rPr smtClean="0"/>
               <a:pPr/>
               <a:t>‹#›</a:t>
             </a:fld>
             <a:r>
               <a:rPr lang="de-CH" smtClean="0"/>
-              <a:t> of 45</a:t>
+              <a:t> of 44</a:t>
             </a:r>
             <a:endParaRPr dirty="0"/>
           </a:p>
@@ -5154,14 +5153,14 @@
               <a:rPr lang="de-CH" smtClean="0"/>
               <a:t>Slide </a:t>
             </a:r>
-            <a:fld id="{9551B9A0-5B0F-4EAB-A385-DBAA86D4D871}" type="slidenum">
+            <a:fld id="{23A8CD9D-AD2C-4561-A4A6-818F54C4CC1C}" type="slidenum">
               <a:rPr smtClean="0"/>
               <a:pPr/>
               <a:t>‹#›</a:t>
             </a:fld>
             <a:r>
               <a:rPr lang="de-CH" smtClean="0"/>
-              <a:t> of 45</a:t>
+              <a:t> of 44</a:t>
             </a:r>
             <a:endParaRPr dirty="0"/>
           </a:p>
@@ -5204,14 +5203,6 @@
               </a:rPr>
               <a:t>© Zühlke 2015</a:t>
             </a:r>
-            <a:endParaRPr lang="de-CH" sz="700" kern="1200" noProof="1" smtClean="0">
-              <a:solidFill>
-                <a:srgbClr val="4D4D4D"/>
-              </a:solidFill>
-              <a:latin typeface="AA Zuehlke" pitchFamily="2" charset="0"/>
-              <a:ea typeface="+mn-ea"/>
-              <a:cs typeface="+mn-cs"/>
-            </a:endParaRPr>
           </a:p>
         </p:txBody>
       </p:sp>
@@ -5637,13 +5628,13 @@
               <a:rPr lang="de-CH" smtClean="0"/>
               <a:t>Slide </a:t>
             </a:r>
-            <a:fld id="{0C9B64FC-4EA6-48D4-93AD-C9D49A3343E4}" type="slidenum">
+            <a:fld id="{C8D4727F-DD66-491D-8C89-017C940E5D19}" type="slidenum">
               <a:rPr lang="de-CH" smtClean="0"/>
               <a:t>1</a:t>
             </a:fld>
             <a:r>
               <a:rPr lang="de-CH" smtClean="0"/>
-              <a:t> of 45</a:t>
+              <a:t> of 44</a:t>
             </a:r>
             <a:endParaRPr dirty="0"/>
           </a:p>
@@ -5793,13 +5784,13 @@
               <a:rPr lang="de-CH" smtClean="0"/>
               <a:t>Slide </a:t>
             </a:r>
-            <a:fld id="{73C86EDC-0DAE-40B6-A658-C95B2A328016}" type="slidenum">
+            <a:fld id="{4AA49A29-C0F6-4BF1-82F9-B88DBE1A86D8}" type="slidenum">
               <a:rPr lang="de-CH" smtClean="0"/>
               <a:t>10</a:t>
             </a:fld>
             <a:r>
               <a:rPr lang="de-CH" smtClean="0"/>
-              <a:t> of 45</a:t>
+              <a:t> of 44</a:t>
             </a:r>
             <a:endParaRPr dirty="0"/>
           </a:p>
@@ -6355,13 +6346,13 @@
               <a:rPr lang="de-CH" smtClean="0"/>
               <a:t>Slide </a:t>
             </a:r>
-            <a:fld id="{77476693-05E1-4FE5-9803-679EDE5D78D0}" type="slidenum">
+            <a:fld id="{A35D8B04-2004-4002-8493-02A0477A92C1}" type="slidenum">
               <a:rPr lang="de-CH" smtClean="0"/>
               <a:t>11</a:t>
             </a:fld>
             <a:r>
               <a:rPr lang="de-CH" smtClean="0"/>
-              <a:t> of 45</a:t>
+              <a:t> of 44</a:t>
             </a:r>
             <a:endParaRPr dirty="0"/>
           </a:p>
@@ -6660,17 +6651,8 @@
               <a:rPr lang="en-GB" sz="2200" dirty="0" smtClean="0">
                 <a:latin typeface="AA Zuehlke" pitchFamily="2" charset="0"/>
               </a:rPr>
-              <a:t>Concerns </a:t>
-            </a:r>
-            <a:r>
-              <a:rPr lang="en-GB" sz="2200" dirty="0" smtClean="0">
-                <a:latin typeface="AA Zuehlke" pitchFamily="2" charset="0"/>
-              </a:rPr>
-              <a:t>separated</a:t>
-            </a:r>
-            <a:endParaRPr lang="en-GB" sz="2200" dirty="0" smtClean="0">
-              <a:latin typeface="AA Zuehlke" pitchFamily="2" charset="0"/>
-            </a:endParaRPr>
+              <a:t>Concerns separated</a:t>
+            </a:r>
           </a:p>
           <a:p>
             <a:pPr marL="342900" indent="-342900">
@@ -6902,11 +6884,7 @@
             </a:pPr>
             <a:r>
               <a:rPr lang="en-GB" dirty="0" smtClean="0"/>
-              <a:t>Simplifies </a:t>
-            </a:r>
-            <a:r>
-              <a:rPr lang="en-GB" dirty="0" smtClean="0"/>
-              <a:t>concurrency, calls to pure functions can be parallelized</a:t>
+              <a:t>Simplifies concurrency, calls to pure functions can be parallelized</a:t>
             </a:r>
           </a:p>
           <a:p>
@@ -7007,13 +6985,13 @@
               <a:rPr lang="de-CH" smtClean="0"/>
               <a:t>Slide </a:t>
             </a:r>
-            <a:fld id="{95A8515C-75B6-4E7A-8981-A80C702C6FA5}" type="slidenum">
+            <a:fld id="{C8C66F14-3C72-4CF4-9C59-872A761D711C}" type="slidenum">
               <a:rPr lang="de-CH" smtClean="0"/>
               <a:t>12</a:t>
             </a:fld>
             <a:r>
               <a:rPr lang="de-CH" smtClean="0"/>
-              <a:t> of 45</a:t>
+              <a:t> of 44</a:t>
             </a:r>
             <a:endParaRPr dirty="0"/>
           </a:p>
@@ -7143,11 +7121,7 @@
             </a:pPr>
             <a:r>
               <a:rPr lang="en-GB" dirty="0" smtClean="0"/>
-              <a:t>Keep a “healthy balance” between pure and impure </a:t>
-            </a:r>
-            <a:r>
-              <a:rPr lang="en-GB" dirty="0" smtClean="0"/>
-              <a:t>functions</a:t>
+              <a:t>Keep a “healthy balance” between pure and impure functions</a:t>
             </a:r>
           </a:p>
           <a:p>
@@ -7245,13 +7219,13 @@
               <a:rPr lang="de-CH" smtClean="0"/>
               <a:t>Slide </a:t>
             </a:r>
-            <a:fld id="{0CA4A86A-43F1-4DA5-AFF7-5672D1E0279E}" type="slidenum">
+            <a:fld id="{6A1085BA-AAA5-4251-845D-1E2E2922EBF7}" type="slidenum">
               <a:rPr lang="de-CH" smtClean="0"/>
               <a:t>13</a:t>
             </a:fld>
             <a:r>
               <a:rPr lang="de-CH" smtClean="0"/>
-              <a:t> of 45</a:t>
+              <a:t> of 44</a:t>
             </a:r>
             <a:endParaRPr dirty="0"/>
           </a:p>
@@ -7460,13 +7434,13 @@
               <a:rPr lang="de-CH" smtClean="0"/>
               <a:t>Slide </a:t>
             </a:r>
-            <a:fld id="{971F1F60-DC50-48AE-8B41-B67DC00A2B98}" type="slidenum">
+            <a:fld id="{27829C23-BAE3-4C5D-9E74-03BEA8850FAE}" type="slidenum">
               <a:rPr lang="de-CH" smtClean="0"/>
               <a:t>14</a:t>
             </a:fld>
             <a:r>
               <a:rPr lang="de-CH" smtClean="0"/>
-              <a:t> of 45</a:t>
+              <a:t> of 44</a:t>
             </a:r>
             <a:endParaRPr dirty="0"/>
           </a:p>
@@ -7602,13 +7576,17 @@
             </a:pPr>
             <a:r>
               <a:rPr lang="en-GB" dirty="0" smtClean="0"/>
-              <a:t>Use well-known, generic higher-order functions</a:t>
-            </a:r>
-          </a:p>
-          <a:p>
-            <a:pPr marL="522288" lvl="1" indent="-257175">
-              <a:buFont typeface="Arial" panose="020B0604020202020204" pitchFamily="34" charset="0"/>
-              <a:buChar char="•"/>
+              <a:t>Use well-known, generic higher-order </a:t>
+            </a:r>
+            <a:r>
+              <a:rPr lang="en-GB" dirty="0" smtClean="0"/>
+              <a:t>functions:</a:t>
+            </a:r>
+            <a:endParaRPr lang="en-GB" dirty="0" smtClean="0"/>
+          </a:p>
+          <a:p>
+            <a:pPr lvl="1" indent="0">
+              <a:buNone/>
             </a:pPr>
             <a:r>
               <a:rPr lang="en-GB" dirty="0" smtClean="0"/>
@@ -7722,13 +7700,13 @@
               <a:rPr lang="de-CH" smtClean="0"/>
               <a:t>Slide </a:t>
             </a:r>
-            <a:fld id="{0778DAB9-39D1-451E-9C7A-B431B60A25DC}" type="slidenum">
+            <a:fld id="{0EC1260E-38A6-4D2C-A493-E762FDF3C489}" type="slidenum">
               <a:rPr lang="de-CH" smtClean="0"/>
               <a:t>15</a:t>
             </a:fld>
             <a:r>
               <a:rPr lang="de-CH" smtClean="0"/>
-              <a:t> of 45</a:t>
+              <a:t> of 44</a:t>
             </a:r>
             <a:endParaRPr dirty="0"/>
           </a:p>
@@ -7821,11 +7799,7 @@
             </a:r>
             <a:r>
               <a:rPr lang="en-GB" dirty="0" smtClean="0"/>
-              <a:t>: IDs of </a:t>
-            </a:r>
-            <a:r>
-              <a:rPr lang="en-GB" dirty="0" smtClean="0"/>
-              <a:t>suggested items</a:t>
+              <a:t>: IDs of suggested items</a:t>
             </a:r>
           </a:p>
           <a:p>
@@ -7836,7 +7810,6 @@
               <a:rPr lang="en-GB" dirty="0" smtClean="0"/>
               <a:t>An item is suggested if it</a:t>
             </a:r>
-            <a:endParaRPr lang="en-GB" dirty="0" smtClean="0"/>
           </a:p>
           <a:p>
             <a:pPr marL="342900" indent="-342900">
@@ -8077,13 +8050,13 @@
               <a:rPr lang="de-CH" smtClean="0"/>
               <a:t>Slide </a:t>
             </a:r>
-            <a:fld id="{E5FF0D17-099B-47AC-A370-4D330A8FB6E6}" type="slidenum">
+            <a:fld id="{428BE827-A931-4881-B1BA-CBB8F909FD31}" type="slidenum">
               <a:rPr lang="de-CH" smtClean="0"/>
               <a:t>16</a:t>
             </a:fld>
             <a:r>
               <a:rPr lang="de-CH" smtClean="0"/>
-              <a:t> of 45</a:t>
+              <a:t> of 44</a:t>
             </a:r>
             <a:endParaRPr dirty="0"/>
           </a:p>
@@ -8180,15 +8153,19 @@
           <a:p>
             <a:r>
               <a:rPr lang="en-GB" dirty="0" smtClean="0"/>
-              <a:t>“for each…” sounds like we’re about to use a higher-order function soon.</a:t>
-            </a:r>
+              <a:t>“for each…” sounds like we’re about to use a higher-order </a:t>
+            </a:r>
+            <a:r>
+              <a:rPr lang="en-GB" dirty="0" smtClean="0"/>
+              <a:t>function.</a:t>
+            </a:r>
+            <a:endParaRPr lang="en-GB" dirty="0" smtClean="0"/>
           </a:p>
           <a:p>
             <a:r>
               <a:rPr lang="en-GB" dirty="0" smtClean="0"/>
               <a:t>Let’s create a function we can feed it later.</a:t>
             </a:r>
-            <a:endParaRPr lang="en-GB" dirty="0" smtClean="0"/>
           </a:p>
         </p:txBody>
       </p:sp>
@@ -8282,13 +8259,13 @@
               <a:rPr lang="de-CH" smtClean="0"/>
               <a:t>Slide </a:t>
             </a:r>
-            <a:fld id="{EECDE2D3-D77D-449B-81E9-D7B365CB7E0D}" type="slidenum">
+            <a:fld id="{91A4AE8F-361C-4F3E-A7CE-D125646D6669}" type="slidenum">
               <a:rPr lang="de-CH" smtClean="0"/>
               <a:t>17</a:t>
             </a:fld>
             <a:r>
               <a:rPr lang="de-CH" smtClean="0"/>
-              <a:t> of 45</a:t>
+              <a:t> of 44</a:t>
             </a:r>
             <a:endParaRPr dirty="0"/>
           </a:p>
@@ -8302,7 +8279,7 @@
         </p:nvSpPr>
         <p:spPr>
           <a:xfrm>
-            <a:off x="5056741" y="980728"/>
+            <a:off x="3960000" y="908720"/>
             <a:ext cx="3547707" cy="1512168"/>
           </a:xfrm>
           <a:prstGeom prst="rect">
@@ -8415,7 +8392,6 @@
               <a:rPr lang="en-GB" dirty="0"/>
               <a:t>Combine results</a:t>
             </a:r>
-            <a:endParaRPr lang="en-GB" dirty="0"/>
           </a:p>
         </p:txBody>
       </p:sp>
@@ -8594,7 +8570,7 @@
         </p:nvSpPr>
         <p:spPr>
           <a:xfrm>
-            <a:off x="5056741" y="980728"/>
+            <a:off x="3960000" y="908720"/>
             <a:ext cx="3547707" cy="1512168"/>
           </a:xfrm>
           <a:prstGeom prst="rect">
@@ -8667,7 +8643,6 @@
               <a:rPr lang="en-GB" dirty="0"/>
               <a:t>Combine results</a:t>
             </a:r>
-            <a:endParaRPr lang="en-GB" dirty="0"/>
           </a:p>
         </p:txBody>
       </p:sp>
@@ -8690,13 +8665,13 @@
               <a:rPr lang="de-CH" smtClean="0"/>
               <a:t>Slide </a:t>
             </a:r>
-            <a:fld id="{E4E95A08-2511-42FC-8CC0-CD6B3EF6CA14}" type="slidenum">
+            <a:fld id="{87866695-B2B4-43C5-A302-6D355C7B8FE5}" type="slidenum">
               <a:rPr lang="de-CH" smtClean="0"/>
               <a:t>18</a:t>
             </a:fld>
             <a:r>
               <a:rPr lang="de-CH" smtClean="0"/>
-              <a:t> of 45</a:t>
+              <a:t> of 44</a:t>
             </a:r>
             <a:endParaRPr dirty="0"/>
           </a:p>
@@ -8747,7 +8722,7 @@
         </p:nvSpPr>
         <p:spPr>
           <a:xfrm>
-            <a:off x="2388402" y="3852896"/>
+            <a:off x="2388402" y="4789000"/>
             <a:ext cx="574949" cy="395025"/>
           </a:xfrm>
           <a:prstGeom prst="roundRect">
@@ -8800,7 +8775,7 @@
         </p:nvSpPr>
         <p:spPr>
           <a:xfrm>
-            <a:off x="3203712" y="3857917"/>
+            <a:off x="3203712" y="4794021"/>
             <a:ext cx="574949" cy="395025"/>
           </a:xfrm>
           <a:prstGeom prst="roundRect">
@@ -8853,7 +8828,7 @@
         </p:nvSpPr>
         <p:spPr>
           <a:xfrm>
-            <a:off x="1500624" y="3857916"/>
+            <a:off x="1500624" y="4794020"/>
             <a:ext cx="668376" cy="395025"/>
           </a:xfrm>
           <a:prstGeom prst="roundRect">
@@ -8906,7 +8881,7 @@
         </p:nvSpPr>
         <p:spPr>
           <a:xfrm>
-            <a:off x="713824" y="3857918"/>
+            <a:off x="713824" y="4794022"/>
             <a:ext cx="574949" cy="395025"/>
           </a:xfrm>
           <a:prstGeom prst="roundRect">
@@ -8989,13 +8964,23 @@
           <a:bodyPr/>
           <a:lstStyle/>
           <a:p>
+            <a:endParaRPr lang="en-GB" dirty="0" smtClean="0"/>
+          </a:p>
+          <a:p>
+            <a:endParaRPr lang="en-GB" dirty="0" smtClean="0"/>
+          </a:p>
+          <a:p>
             <a:r>
               <a:rPr lang="en-GB" dirty="0" smtClean="0"/>
-              <a:t>Filter the </a:t>
+              <a:t>Filter </a:t>
             </a:r>
             <a:r>
               <a:rPr lang="en-GB" dirty="0" smtClean="0"/>
-              <a:t>input list</a:t>
+              <a:t>the </a:t>
+            </a:r>
+            <a:r>
+              <a:rPr lang="en-GB" dirty="0" smtClean="0"/>
+              <a:t>list of similar items.</a:t>
             </a:r>
             <a:endParaRPr lang="en-GB" dirty="0"/>
           </a:p>
@@ -9009,7 +8994,7 @@
         </p:nvSpPr>
         <p:spPr>
           <a:xfrm>
-            <a:off x="6010588" y="3627376"/>
+            <a:off x="6010588" y="4563480"/>
             <a:ext cx="2377836" cy="486130"/>
           </a:xfrm>
           <a:prstGeom prst="roundRect">
@@ -9087,7 +9072,7 @@
         </p:nvSpPr>
         <p:spPr>
           <a:xfrm>
-            <a:off x="726205" y="3051542"/>
+            <a:off x="726205" y="3987646"/>
             <a:ext cx="3022672" cy="543228"/>
           </a:xfrm>
           <a:prstGeom prst="roundRect">
@@ -9138,7 +9123,7 @@
         </p:nvGrpSpPr>
         <p:grpSpPr>
           <a:xfrm>
-            <a:off x="774013" y="3093095"/>
+            <a:off x="774013" y="4029199"/>
             <a:ext cx="457672" cy="457671"/>
             <a:chOff x="2279576" y="2276872"/>
             <a:chExt cx="432048" cy="432048"/>
@@ -9245,7 +9230,7 @@
         </p:nvGrpSpPr>
         <p:grpSpPr>
           <a:xfrm>
-            <a:off x="1596531" y="3093095"/>
+            <a:off x="1596531" y="4029199"/>
             <a:ext cx="457672" cy="457671"/>
             <a:chOff x="2279576" y="2276872"/>
             <a:chExt cx="432048" cy="432048"/>
@@ -9346,7 +9331,7 @@
         </p:nvGrpSpPr>
         <p:grpSpPr>
           <a:xfrm>
-            <a:off x="2419050" y="3093095"/>
+            <a:off x="2419050" y="4029199"/>
             <a:ext cx="457672" cy="457671"/>
             <a:chOff x="2279576" y="2276872"/>
             <a:chExt cx="432048" cy="432048"/>
@@ -9447,7 +9432,7 @@
         </p:nvGrpSpPr>
         <p:grpSpPr>
           <a:xfrm>
-            <a:off x="3241571" y="3093095"/>
+            <a:off x="3241571" y="4029199"/>
             <a:ext cx="457672" cy="457671"/>
             <a:chOff x="2279576" y="2276872"/>
             <a:chExt cx="432048" cy="432048"/>
@@ -9548,7 +9533,7 @@
         </p:nvGrpSpPr>
         <p:grpSpPr>
           <a:xfrm>
-            <a:off x="774013" y="4355242"/>
+            <a:off x="774013" y="5291346"/>
             <a:ext cx="457672" cy="457671"/>
             <a:chOff x="1503108" y="2276872"/>
             <a:chExt cx="432048" cy="432048"/>
@@ -9649,7 +9634,7 @@
         </p:nvGrpSpPr>
         <p:grpSpPr>
           <a:xfrm>
-            <a:off x="2419052" y="4355242"/>
+            <a:off x="2419052" y="5291346"/>
             <a:ext cx="457672" cy="457671"/>
             <a:chOff x="1503108" y="2276872"/>
             <a:chExt cx="432048" cy="432048"/>
@@ -9750,7 +9735,7 @@
         </p:nvSpPr>
         <p:spPr>
           <a:xfrm rot="2614041">
-            <a:off x="2669692" y="3094000"/>
+            <a:off x="2669692" y="4030104"/>
             <a:ext cx="1549968" cy="1741456"/>
           </a:xfrm>
           <a:prstGeom prst="arc">
@@ -9795,7 +9780,7 @@
         </p:nvSpPr>
         <p:spPr>
           <a:xfrm>
-            <a:off x="4379113" y="3642418"/>
+            <a:off x="4379113" y="4578522"/>
             <a:ext cx="4369351" cy="381393"/>
           </a:xfrm>
           <a:prstGeom prst="rect">
@@ -9853,7 +9838,7 @@
         </p:nvGrpSpPr>
         <p:grpSpPr>
           <a:xfrm>
-            <a:off x="611560" y="3548079"/>
+            <a:off x="611560" y="4484183"/>
             <a:ext cx="782577" cy="671103"/>
             <a:chOff x="4430474" y="2180190"/>
             <a:chExt cx="738763" cy="633531"/>
@@ -9936,7 +9921,7 @@
         </p:nvGrpSpPr>
         <p:grpSpPr>
           <a:xfrm>
-            <a:off x="2279794" y="3548306"/>
+            <a:off x="2279794" y="4484410"/>
             <a:ext cx="782577" cy="656691"/>
             <a:chOff x="6005309" y="2191473"/>
             <a:chExt cx="738763" cy="619925"/>
@@ -10019,7 +10004,7 @@
         </p:nvGrpSpPr>
         <p:grpSpPr>
           <a:xfrm>
-            <a:off x="1441320" y="3548306"/>
+            <a:off x="1441320" y="4484410"/>
             <a:ext cx="782577" cy="656691"/>
             <a:chOff x="5213778" y="2192595"/>
             <a:chExt cx="738763" cy="619925"/>
@@ -10102,7 +10087,7 @@
         </p:nvGrpSpPr>
         <p:grpSpPr>
           <a:xfrm>
-            <a:off x="3094452" y="3548306"/>
+            <a:off x="3094452" y="4484410"/>
             <a:ext cx="782577" cy="656691"/>
             <a:chOff x="6774357" y="2193288"/>
             <a:chExt cx="738763" cy="619925"/>
@@ -10185,7 +10170,7 @@
         </p:nvSpPr>
         <p:spPr>
           <a:xfrm>
-            <a:off x="726205" y="4308514"/>
+            <a:off x="726205" y="5244618"/>
             <a:ext cx="3022672" cy="543228"/>
           </a:xfrm>
           <a:prstGeom prst="roundRect">
@@ -10236,7 +10221,7 @@
         </p:nvGrpSpPr>
         <p:grpSpPr>
           <a:xfrm>
-            <a:off x="3241570" y="4356672"/>
+            <a:off x="3241570" y="5292776"/>
             <a:ext cx="457672" cy="457671"/>
             <a:chOff x="2279576" y="2276872"/>
             <a:chExt cx="432048" cy="432048"/>
@@ -10360,7 +10345,7 @@
         </p:nvSpPr>
         <p:spPr>
           <a:xfrm>
-            <a:off x="5178373" y="3621734"/>
+            <a:off x="5178373" y="4557838"/>
             <a:ext cx="486130" cy="486130"/>
           </a:xfrm>
           <a:prstGeom prst="roundRect">
@@ -10411,7 +10396,7 @@
         </p:nvSpPr>
         <p:spPr>
           <a:xfrm>
-            <a:off x="5178373" y="3642418"/>
+            <a:off x="5178373" y="4578522"/>
             <a:ext cx="486130" cy="405108"/>
           </a:xfrm>
           <a:prstGeom prst="rect">
@@ -10452,7 +10437,7 @@
         </p:nvCxnSpPr>
         <p:spPr>
           <a:xfrm>
-            <a:off x="5664503" y="3864799"/>
+            <a:off x="5664503" y="4800903"/>
             <a:ext cx="346085" cy="118"/>
           </a:xfrm>
           <a:prstGeom prst="straightConnector1">
@@ -10511,7 +10496,7 @@
         </p:nvSpPr>
         <p:spPr>
           <a:xfrm>
-            <a:off x="5056741" y="980728"/>
+            <a:off x="3960000" y="908720"/>
             <a:ext cx="3547707" cy="1512168"/>
           </a:xfrm>
           <a:prstGeom prst="rect">
@@ -10600,7 +10585,6 @@
               <a:rPr lang="en-GB" dirty="0"/>
               <a:t>Combine results</a:t>
             </a:r>
-            <a:endParaRPr lang="en-GB" dirty="0"/>
           </a:p>
         </p:txBody>
       </p:sp>
@@ -10623,13 +10607,13 @@
               <a:rPr lang="de-CH" smtClean="0"/>
               <a:t>Slide </a:t>
             </a:r>
-            <a:fld id="{E1B3950D-0113-47C0-B816-6DA4A54B1427}" type="slidenum">
+            <a:fld id="{90696596-E9C8-4013-828F-5424FFFB328F}" type="slidenum">
               <a:rPr lang="de-CH" smtClean="0"/>
               <a:t>19</a:t>
             </a:fld>
             <a:r>
               <a:rPr lang="de-CH" smtClean="0"/>
-              <a:t> of 45</a:t>
+              <a:t> of 44</a:t>
             </a:r>
             <a:endParaRPr dirty="0"/>
           </a:p>
@@ -10643,7 +10627,7 @@
         </p:nvSpPr>
         <p:spPr>
           <a:xfrm>
-            <a:off x="592864" y="2600645"/>
+            <a:off x="592864" y="3536749"/>
             <a:ext cx="3210628" cy="405109"/>
           </a:xfrm>
           <a:prstGeom prst="rect">
@@ -10684,7 +10668,7 @@
         </p:nvSpPr>
         <p:spPr>
           <a:xfrm>
-            <a:off x="579438" y="4896099"/>
+            <a:off x="579438" y="5832203"/>
             <a:ext cx="3210628" cy="405109"/>
           </a:xfrm>
           <a:prstGeom prst="rect">
@@ -10943,13 +10927,13 @@
               <a:rPr lang="de-CH" smtClean="0"/>
               <a:t>Slide </a:t>
             </a:r>
-            <a:fld id="{E93C2E0A-C81B-46A6-BB74-34481B1CA789}" type="slidenum">
+            <a:fld id="{9DDDD8DA-B060-4819-A0EA-3D0A7ECDD1B9}" type="slidenum">
               <a:rPr lang="de-CH" smtClean="0"/>
               <a:t>2</a:t>
             </a:fld>
             <a:r>
               <a:rPr lang="de-CH" smtClean="0"/>
-              <a:t> of 45</a:t>
+              <a:t> of 44</a:t>
             </a:r>
             <a:endParaRPr dirty="0"/>
           </a:p>
@@ -11030,9 +11014,23 @@
           <a:bodyPr/>
           <a:lstStyle/>
           <a:p>
+            <a:endParaRPr lang="en-GB" dirty="0" smtClean="0"/>
+          </a:p>
+          <a:p>
+            <a:endParaRPr lang="en-GB" dirty="0"/>
+          </a:p>
+          <a:p>
             <a:r>
               <a:rPr lang="en-GB" dirty="0" smtClean="0"/>
-              <a:t>Map items to their IDs</a:t>
+              <a:t>Map </a:t>
+            </a:r>
+            <a:r>
+              <a:rPr lang="en-GB" dirty="0" smtClean="0"/>
+              <a:t>items to their </a:t>
+            </a:r>
+            <a:r>
+              <a:rPr lang="en-GB" dirty="0" smtClean="0"/>
+              <a:t>IDs.</a:t>
             </a:r>
             <a:endParaRPr lang="en-GB" dirty="0"/>
           </a:p>
@@ -11046,7 +11044,7 @@
         </p:nvSpPr>
         <p:spPr>
           <a:xfrm>
-            <a:off x="899592" y="3809899"/>
+            <a:off x="899592" y="4601987"/>
             <a:ext cx="3210628" cy="577007"/>
           </a:xfrm>
           <a:prstGeom prst="roundRect">
@@ -11097,7 +11095,7 @@
         </p:nvSpPr>
         <p:spPr>
           <a:xfrm>
-            <a:off x="899592" y="2999065"/>
+            <a:off x="899592" y="3791153"/>
             <a:ext cx="3210628" cy="577007"/>
           </a:xfrm>
           <a:prstGeom prst="roundRect">
@@ -11148,7 +11146,7 @@
         </p:nvGrpSpPr>
         <p:grpSpPr>
           <a:xfrm>
-            <a:off x="950372" y="3046123"/>
+            <a:off x="950372" y="3838211"/>
             <a:ext cx="6805826" cy="1312826"/>
             <a:chOff x="4583832" y="3230466"/>
             <a:chExt cx="6048672" cy="1166773"/>
@@ -12217,7 +12215,7 @@
         </p:nvSpPr>
         <p:spPr>
           <a:xfrm>
-            <a:off x="5608513" y="3431552"/>
+            <a:off x="5608513" y="4223640"/>
             <a:ext cx="486130" cy="486130"/>
           </a:xfrm>
           <a:prstGeom prst="roundRect">
@@ -12268,7 +12266,7 @@
         </p:nvSpPr>
         <p:spPr>
           <a:xfrm>
-            <a:off x="5608513" y="3452236"/>
+            <a:off x="5608513" y="4244324"/>
             <a:ext cx="486130" cy="405108"/>
           </a:xfrm>
           <a:prstGeom prst="rect">
@@ -12309,7 +12307,7 @@
         </p:nvSpPr>
         <p:spPr>
           <a:xfrm>
-            <a:off x="6424774" y="3431552"/>
+            <a:off x="6424774" y="4223640"/>
             <a:ext cx="611344" cy="486130"/>
           </a:xfrm>
           <a:prstGeom prst="roundRect">
@@ -12360,7 +12358,7 @@
         </p:nvSpPr>
         <p:spPr>
           <a:xfrm>
-            <a:off x="6424774" y="3452236"/>
+            <a:off x="6424774" y="4244324"/>
             <a:ext cx="611343" cy="405108"/>
           </a:xfrm>
           <a:prstGeom prst="rect">
@@ -12403,7 +12401,7 @@
         </p:nvCxnSpPr>
         <p:spPr>
           <a:xfrm>
-            <a:off x="6094643" y="3674617"/>
+            <a:off x="6094643" y="4466705"/>
             <a:ext cx="330131" cy="0"/>
           </a:xfrm>
           <a:prstGeom prst="straightConnector1">
@@ -12439,7 +12437,7 @@
         </p:nvSpPr>
         <p:spPr>
           <a:xfrm>
-            <a:off x="899592" y="2600859"/>
+            <a:off x="899592" y="3392947"/>
             <a:ext cx="3210628" cy="405109"/>
           </a:xfrm>
           <a:prstGeom prst="rect">
@@ -12480,7 +12478,7 @@
         </p:nvSpPr>
         <p:spPr>
           <a:xfrm>
-            <a:off x="899592" y="4392043"/>
+            <a:off x="899592" y="5184131"/>
             <a:ext cx="3210628" cy="405109"/>
           </a:xfrm>
           <a:prstGeom prst="rect">
@@ -12561,13 +12559,13 @@
               <a:rPr lang="de-CH" smtClean="0"/>
               <a:t>Slide </a:t>
             </a:r>
-            <a:fld id="{16F2DC28-935C-4D08-8C6F-10F812212F3D}" type="slidenum">
+            <a:fld id="{EAD0A54A-081E-4131-B5D3-578A3C15EFF9}" type="slidenum">
               <a:rPr lang="de-CH" smtClean="0"/>
               <a:t>20</a:t>
             </a:fld>
             <a:r>
               <a:rPr lang="de-CH" smtClean="0"/>
-              <a:t> of 45</a:t>
+              <a:t> of 44</a:t>
             </a:r>
             <a:endParaRPr dirty="0"/>
           </a:p>
@@ -12606,7 +12604,7 @@
         </p:nvSpPr>
         <p:spPr>
           <a:xfrm>
-            <a:off x="5056741" y="980728"/>
+            <a:off x="3960000" y="908720"/>
             <a:ext cx="3547707" cy="1512168"/>
           </a:xfrm>
           <a:prstGeom prst="rect">
@@ -12695,7 +12693,6 @@
               <a:rPr lang="en-GB" dirty="0"/>
               <a:t>Combine results</a:t>
             </a:r>
-            <a:endParaRPr lang="en-GB" dirty="0"/>
           </a:p>
         </p:txBody>
       </p:sp>
@@ -12776,6 +12773,16 @@
           <a:p>
             <a:endParaRPr lang="en-GB" dirty="0" smtClean="0"/>
           </a:p>
+          <a:p>
+            <a:endParaRPr lang="en-GB" dirty="0"/>
+          </a:p>
+          <a:p>
+            <a:r>
+              <a:rPr lang="en-GB" dirty="0" smtClean="0"/>
+              <a:t>Compute the suggestions for each item with our function and combine the resulting lists into one.</a:t>
+            </a:r>
+            <a:endParaRPr lang="en-GB" dirty="0" smtClean="0"/>
+          </a:p>
         </p:txBody>
       </p:sp>
       <p:sp>
@@ -12797,7 +12804,6 @@
               <a:rPr lang="en-GB" dirty="0"/>
               <a:t>Happy Customers Example</a:t>
             </a:r>
-            <a:endParaRPr lang="en-GB" dirty="0"/>
           </a:p>
         </p:txBody>
       </p:sp>
@@ -12832,7 +12838,7 @@
         </p:nvSpPr>
         <p:spPr>
           <a:xfrm>
-            <a:off x="1007604" y="2949710"/>
+            <a:off x="1007604" y="4018525"/>
             <a:ext cx="3068268" cy="551423"/>
           </a:xfrm>
           <a:prstGeom prst="roundRect">
@@ -12883,7 +12889,7 @@
         </p:nvSpPr>
         <p:spPr>
           <a:xfrm>
-            <a:off x="1007604" y="3784709"/>
+            <a:off x="1007604" y="4853524"/>
             <a:ext cx="3068268" cy="551423"/>
           </a:xfrm>
           <a:prstGeom prst="roundRect">
@@ -12934,7 +12940,7 @@
         </p:nvGrpSpPr>
         <p:grpSpPr>
           <a:xfrm>
-            <a:off x="1056132" y="2990204"/>
+            <a:off x="1056132" y="4059019"/>
             <a:ext cx="464575" cy="464575"/>
             <a:chOff x="2279576" y="2276872"/>
             <a:chExt cx="432048" cy="432048"/>
@@ -13035,7 +13041,7 @@
         </p:nvGrpSpPr>
         <p:grpSpPr>
           <a:xfrm>
-            <a:off x="2267744" y="2990204"/>
+            <a:off x="2267744" y="4059019"/>
             <a:ext cx="464575" cy="464575"/>
             <a:chOff x="1853418" y="2276872"/>
             <a:chExt cx="432048" cy="432048"/>
@@ -13136,7 +13142,7 @@
         </p:nvSpPr>
         <p:spPr>
           <a:xfrm rot="2614041">
-            <a:off x="3438513" y="3091190"/>
+            <a:off x="3438513" y="4160005"/>
             <a:ext cx="1127944" cy="1267295"/>
           </a:xfrm>
           <a:prstGeom prst="arc">
@@ -13181,7 +13187,7 @@
         </p:nvSpPr>
         <p:spPr>
           <a:xfrm>
-            <a:off x="4715615" y="3430551"/>
+            <a:off x="4715615" y="4499366"/>
             <a:ext cx="4176865" cy="387146"/>
           </a:xfrm>
           <a:prstGeom prst="rect">
@@ -13221,7 +13227,7 @@
         </p:nvSpPr>
         <p:spPr>
           <a:xfrm>
-            <a:off x="1007604" y="3784708"/>
+            <a:off x="1007604" y="4853523"/>
             <a:ext cx="1130112" cy="551423"/>
           </a:xfrm>
           <a:prstGeom prst="roundRect">
@@ -13272,7 +13278,7 @@
         </p:nvGrpSpPr>
         <p:grpSpPr>
           <a:xfrm>
-            <a:off x="1056132" y="3452049"/>
+            <a:off x="1056132" y="4520864"/>
             <a:ext cx="1028114" cy="838263"/>
             <a:chOff x="1056132" y="3538171"/>
             <a:chExt cx="1028114" cy="838263"/>
@@ -13537,7 +13543,7 @@
         </p:nvSpPr>
         <p:spPr>
           <a:xfrm>
-            <a:off x="2219966" y="3784708"/>
+            <a:off x="2219966" y="4853523"/>
             <a:ext cx="559920" cy="551423"/>
           </a:xfrm>
           <a:prstGeom prst="roundRect">
@@ -13588,7 +13594,7 @@
         </p:nvGrpSpPr>
         <p:grpSpPr>
           <a:xfrm>
-            <a:off x="2267744" y="3452280"/>
+            <a:off x="2267744" y="4521095"/>
             <a:ext cx="464575" cy="838032"/>
             <a:chOff x="2267744" y="3538402"/>
             <a:chExt cx="464575" cy="838032"/>
@@ -13746,7 +13752,7 @@
         </p:nvGrpSpPr>
         <p:grpSpPr>
           <a:xfrm>
-            <a:off x="5849094" y="3342878"/>
+            <a:off x="5849094" y="4411693"/>
             <a:ext cx="2428821" cy="605925"/>
             <a:chOff x="5167515" y="3961628"/>
             <a:chExt cx="2428821" cy="605925"/>
@@ -14154,7 +14160,7 @@
         </p:nvGrpSpPr>
         <p:grpSpPr>
           <a:xfrm>
-            <a:off x="2901921" y="2990204"/>
+            <a:off x="2901921" y="4059019"/>
             <a:ext cx="464575" cy="464575"/>
             <a:chOff x="1853418" y="2276872"/>
             <a:chExt cx="432048" cy="432048"/>
@@ -14261,7 +14267,7 @@
         </p:nvSpPr>
         <p:spPr>
           <a:xfrm>
-            <a:off x="2862136" y="3784708"/>
+            <a:off x="2862136" y="4853523"/>
             <a:ext cx="1213736" cy="551423"/>
           </a:xfrm>
           <a:prstGeom prst="roundRect">
@@ -14312,7 +14318,7 @@
         </p:nvGrpSpPr>
         <p:grpSpPr>
           <a:xfrm>
-            <a:off x="2987824" y="3452280"/>
+            <a:off x="2987824" y="4521095"/>
             <a:ext cx="1008112" cy="838032"/>
             <a:chOff x="2987824" y="3538402"/>
             <a:chExt cx="1008112" cy="838032"/>
@@ -14577,7 +14583,7 @@
         </p:nvSpPr>
         <p:spPr>
           <a:xfrm>
-            <a:off x="1007602" y="2564904"/>
+            <a:off x="1007602" y="3633719"/>
             <a:ext cx="3068269" cy="405109"/>
           </a:xfrm>
           <a:prstGeom prst="rect">
@@ -14618,7 +14624,7 @@
         </p:nvSpPr>
         <p:spPr>
           <a:xfrm>
-            <a:off x="1007603" y="4331340"/>
+            <a:off x="1007603" y="5400155"/>
             <a:ext cx="3045423" cy="405109"/>
           </a:xfrm>
           <a:prstGeom prst="rect">
@@ -14699,13 +14705,13 @@
               <a:rPr lang="de-CH" smtClean="0"/>
               <a:t>Slide </a:t>
             </a:r>
-            <a:fld id="{00B4229C-4029-4DA9-8BB5-FEE205B6CEAE}" type="slidenum">
+            <a:fld id="{57DFE254-0AB2-4CC4-BE09-BEEBFB0DDAA0}" type="slidenum">
               <a:rPr lang="de-CH" smtClean="0"/>
               <a:t>21</a:t>
             </a:fld>
             <a:r>
               <a:rPr lang="de-CH" smtClean="0"/>
-              <a:t> of 45</a:t>
+              <a:t> of 44</a:t>
             </a:r>
             <a:endParaRPr dirty="0"/>
           </a:p>
@@ -14719,7 +14725,7 @@
         </p:nvSpPr>
         <p:spPr>
           <a:xfrm>
-            <a:off x="5056741" y="980728"/>
+            <a:off x="3960000" y="908720"/>
             <a:ext cx="3547707" cy="1512168"/>
           </a:xfrm>
           <a:prstGeom prst="rect">
@@ -14808,13 +14814,6 @@
               </a:rPr>
               <a:t>Combine results</a:t>
             </a:r>
-            <a:endParaRPr lang="en-GB" dirty="0">
-              <a:solidFill>
-                <a:schemeClr val="accent6">
-                  <a:lumMod val="75000"/>
-                </a:schemeClr>
-              </a:solidFill>
-            </a:endParaRPr>
           </a:p>
         </p:txBody>
       </p:sp>
@@ -15205,6 +15204,78 @@
                       </p:childTnLst>
                     </p:cTn>
                   </p:par>
+                  <p:par>
+                    <p:cTn id="33" fill="hold">
+                      <p:stCondLst>
+                        <p:cond delay="indefinite"/>
+                      </p:stCondLst>
+                      <p:childTnLst>
+                        <p:par>
+                          <p:cTn id="34" fill="hold">
+                            <p:stCondLst>
+                              <p:cond delay="0"/>
+                            </p:stCondLst>
+                            <p:childTnLst>
+                              <p:par>
+                                <p:cTn id="35" presetID="1" presetClass="entr" presetSubtype="0" fill="hold" grpId="0" nodeType="clickEffect">
+                                  <p:stCondLst>
+                                    <p:cond delay="0"/>
+                                  </p:stCondLst>
+                                  <p:childTnLst>
+                                    <p:set>
+                                      <p:cBhvr>
+                                        <p:cTn id="36" dur="1" fill="hold">
+                                          <p:stCondLst>
+                                            <p:cond delay="0"/>
+                                          </p:stCondLst>
+                                        </p:cTn>
+                                        <p:tgtEl>
+                                          <p:spTgt spid="158"/>
+                                        </p:tgtEl>
+                                        <p:attrNameLst>
+                                          <p:attrName>style.visibility</p:attrName>
+                                        </p:attrNameLst>
+                                      </p:cBhvr>
+                                      <p:to>
+                                        <p:strVal val="visible"/>
+                                      </p:to>
+                                    </p:set>
+                                  </p:childTnLst>
+                                </p:cTn>
+                              </p:par>
+                              <p:par>
+                                <p:cTn id="37" presetID="1" presetClass="entr" presetSubtype="0" fill="hold" grpId="0" nodeType="withEffect">
+                                  <p:stCondLst>
+                                    <p:cond delay="0"/>
+                                  </p:stCondLst>
+                                  <p:childTnLst>
+                                    <p:set>
+                                      <p:cBhvr>
+                                        <p:cTn id="38" dur="1" fill="hold">
+                                          <p:stCondLst>
+                                            <p:cond delay="0"/>
+                                          </p:stCondLst>
+                                        </p:cTn>
+                                        <p:tgtEl>
+                                          <p:spTgt spid="157"/>
+                                        </p:tgtEl>
+                                        <p:attrNameLst>
+                                          <p:attrName>style.visibility</p:attrName>
+                                        </p:attrNameLst>
+                                      </p:cBhvr>
+                                      <p:to>
+                                        <p:strVal val="visible"/>
+                                      </p:to>
+                                    </p:set>
+                                  </p:childTnLst>
+                                </p:cTn>
+                              </p:par>
+                            </p:childTnLst>
+                          </p:cTn>
+                        </p:par>
+                      </p:childTnLst>
+                    </p:cTn>
+                  </p:par>
                 </p:childTnLst>
               </p:cTn>
               <p:prevCondLst>
@@ -15228,6 +15299,8 @@
     </p:tnLst>
     <p:bldLst>
       <p:bldP spid="200" grpId="0" animBg="1"/>
+      <p:bldP spid="157" grpId="0" animBg="1"/>
+      <p:bldP spid="158" grpId="0"/>
       <p:bldP spid="50" grpId="0" animBg="1"/>
       <p:bldP spid="50" grpId="1" animBg="1"/>
       <p:bldP spid="51" grpId="0" animBg="1"/>
@@ -15344,8 +15417,13 @@
           <a:p>
             <a:r>
               <a:rPr lang="en-GB" dirty="0" smtClean="0"/>
-              <a:t>So far, so good</a:t>
-            </a:r>
+              <a:t>So far, so </a:t>
+            </a:r>
+            <a:r>
+              <a:rPr lang="en-GB" dirty="0" smtClean="0"/>
+              <a:t>good</a:t>
+            </a:r>
+            <a:endParaRPr lang="en-GB" dirty="0" smtClean="0"/>
           </a:p>
           <a:p>
             <a:pPr marL="257175" indent="-257175">
@@ -15458,13 +15536,13 @@
               <a:rPr lang="de-CH" smtClean="0"/>
               <a:t>Slide </a:t>
             </a:r>
-            <a:fld id="{36D0227A-9C86-467D-919B-2B4D692F8B2B}" type="slidenum">
+            <a:fld id="{10F3CA59-9C1A-4447-85FD-30411A7E9EAE}" type="slidenum">
               <a:rPr lang="de-CH" smtClean="0"/>
               <a:t>22</a:t>
             </a:fld>
             <a:r>
               <a:rPr lang="de-CH" smtClean="0"/>
-              <a:t> of 45</a:t>
+              <a:t> of 44</a:t>
             </a:r>
             <a:endParaRPr dirty="0"/>
           </a:p>
@@ -15594,11 +15672,7 @@
             </a:pPr>
             <a:r>
               <a:rPr lang="en-GB" dirty="0" smtClean="0"/>
-              <a:t>Added functionality: </a:t>
-            </a:r>
-            <a:r>
-              <a:rPr lang="en-GB" dirty="0" smtClean="0"/>
-              <a:t>combines multiple values of the wrapped type</a:t>
+              <a:t>Added functionality: combines multiple values of the wrapped type</a:t>
             </a:r>
             <a:endParaRPr lang="en-GB" dirty="0"/>
           </a:p>
@@ -15635,7 +15709,7 @@
         </p:nvGrpSpPr>
         <p:grpSpPr>
           <a:xfrm>
-            <a:off x="7020271" y="1422027"/>
+            <a:off x="7020272" y="324045"/>
             <a:ext cx="1625664" cy="1646933"/>
             <a:chOff x="6624228" y="1659924"/>
             <a:chExt cx="1319761" cy="1337028"/>
@@ -15875,13 +15949,13 @@
               <a:rPr lang="de-CH" smtClean="0"/>
               <a:t>Slide </a:t>
             </a:r>
-            <a:fld id="{35866B79-6DCB-4BCC-8BDC-7E6C53C05D55}" type="slidenum">
+            <a:fld id="{AAA84983-F71B-48B3-A668-5C409218241B}" type="slidenum">
               <a:rPr lang="de-CH" smtClean="0"/>
               <a:t>23</a:t>
             </a:fld>
             <a:r>
               <a:rPr lang="de-CH" smtClean="0"/>
-              <a:t> of 45</a:t>
+              <a:t> of 44</a:t>
             </a:r>
             <a:endParaRPr dirty="0"/>
           </a:p>
@@ -15941,7 +16015,11 @@
           <a:p>
             <a:r>
               <a:rPr lang="en-GB" dirty="0" smtClean="0"/>
-              <a:t>Context Type: Option</a:t>
+              <a:t>Context Type: </a:t>
+            </a:r>
+            <a:r>
+              <a:rPr lang="en-GB" dirty="0" smtClean="0"/>
+              <a:t>Option[T]</a:t>
             </a:r>
             <a:endParaRPr lang="en-GB" dirty="0"/>
           </a:p>
@@ -15986,13 +16064,23 @@
             </a:r>
             <a:r>
               <a:rPr lang="en-GB" dirty="0" smtClean="0"/>
-              <a:t> values to explicitly denote possibly missing values</a:t>
-            </a:r>
-          </a:p>
-          <a:p>
-            <a:endParaRPr lang="en-GB" dirty="0" smtClean="0"/>
-          </a:p>
-          <a:p>
+              <a:t> </a:t>
+            </a:r>
+            <a:r>
+              <a:rPr lang="en-GB" dirty="0" smtClean="0"/>
+              <a:t>types to </a:t>
+            </a:r>
+            <a:r>
+              <a:rPr lang="en-GB" dirty="0" smtClean="0"/>
+              <a:t>explicitly denote possibly missing values</a:t>
+            </a:r>
+          </a:p>
+          <a:p>
+            <a:pPr>
+              <a:spcBef>
+                <a:spcPts val="2400"/>
+              </a:spcBef>
+            </a:pPr>
             <a:r>
               <a:rPr lang="en-GB" sz="2000" b="1" dirty="0" err="1" smtClean="0">
                 <a:latin typeface="Consolas" panose="020B0609020204030204" pitchFamily="49" charset="0"/>
@@ -16023,6 +16111,11 @@
             </a:r>
           </a:p>
           <a:p>
+            <a:pPr>
+              <a:spcBef>
+                <a:spcPts val="2400"/>
+              </a:spcBef>
+            </a:pPr>
             <a:r>
               <a:rPr lang="en-GB" sz="2000" b="1" dirty="0" err="1" smtClean="0">
                 <a:latin typeface="Consolas" panose="020B0609020204030204" pitchFamily="49" charset="0"/>
@@ -16053,6 +16146,11 @@
             </a:r>
           </a:p>
           <a:p>
+            <a:pPr>
+              <a:spcBef>
+                <a:spcPts val="600"/>
+              </a:spcBef>
+            </a:pPr>
             <a:r>
               <a:rPr lang="en-GB" sz="2000" dirty="0" smtClean="0">
                 <a:latin typeface="Consolas" panose="020B0609020204030204" pitchFamily="49" charset="0"/>
@@ -16106,6 +16204,11 @@
             </a:r>
           </a:p>
           <a:p>
+            <a:pPr>
+              <a:spcBef>
+                <a:spcPts val="600"/>
+              </a:spcBef>
+            </a:pPr>
             <a:r>
               <a:rPr lang="en-GB" sz="2000" dirty="0" smtClean="0">
                 <a:latin typeface="Consolas" panose="020B0609020204030204" pitchFamily="49" charset="0"/>
@@ -16129,10 +16232,31 @@
             </a:r>
           </a:p>
           <a:p>
+            <a:pPr marL="342900" indent="-342900">
+              <a:spcBef>
+                <a:spcPts val="2400"/>
+              </a:spcBef>
+              <a:buFont typeface="Wingdings" panose="05000000000000000000" pitchFamily="2" charset="2"/>
+              <a:buChar char="Ø"/>
+            </a:pPr>
             <a:r>
               <a:rPr lang="en-GB" dirty="0" smtClean="0"/>
-              <a:t>Cumbersome to deal with</a:t>
-            </a:r>
+              <a:t>Advantage: forces us to deal with missing values</a:t>
+            </a:r>
+          </a:p>
+          <a:p>
+            <a:pPr marL="342900" indent="-342900">
+              <a:spcBef>
+                <a:spcPts val="600"/>
+              </a:spcBef>
+              <a:buFont typeface="Wingdings" panose="05000000000000000000" pitchFamily="2" charset="2"/>
+              <a:buChar char="Ø"/>
+            </a:pPr>
+            <a:r>
+              <a:rPr lang="en-GB" dirty="0" smtClean="0"/>
+              <a:t>Disadvantage: extracting the Option is cumbersome</a:t>
+            </a:r>
+            <a:endParaRPr lang="en-GB" dirty="0" smtClean="0"/>
           </a:p>
           <a:p>
             <a:endParaRPr lang="en-GB" dirty="0" smtClean="0"/>
@@ -16173,7 +16297,7 @@
         </p:nvGrpSpPr>
         <p:grpSpPr>
           <a:xfrm>
-            <a:off x="7308304" y="2924944"/>
+            <a:off x="7092280" y="260648"/>
             <a:ext cx="1846762" cy="1728192"/>
             <a:chOff x="5004048" y="3591018"/>
             <a:chExt cx="1442783" cy="1350150"/>
@@ -16363,8 +16487,20 @@
           <a:lstStyle/>
           <a:p>
             <a:r>
-              <a:rPr lang="en-GB" smtClean="0"/>
-              <a:t>Functional Design Patterns for OO Practicioners | Ivo Colombo, Hendrik Schöneberg</a:t>
+              <a:rPr lang="en-GB" dirty="0" smtClean="0"/>
+              <a:t>Functional Design Patterns for OO </a:t>
+            </a:r>
+            <a:r>
+              <a:rPr lang="en-GB" dirty="0" err="1" smtClean="0"/>
+              <a:t>Practicioners</a:t>
+            </a:r>
+            <a:r>
+              <a:rPr lang="en-GB" dirty="0" smtClean="0"/>
+              <a:t> | Ivo Colombo, Hendrik </a:t>
+            </a:r>
+            <a:r>
+              <a:rPr lang="en-GB" dirty="0" err="1" smtClean="0"/>
+              <a:t>Schöneberg</a:t>
             </a:r>
             <a:endParaRPr lang="en-GB" dirty="0"/>
           </a:p>
@@ -16412,13 +16548,13 @@
               <a:rPr lang="de-CH" smtClean="0"/>
               <a:t>Slide </a:t>
             </a:r>
-            <a:fld id="{94BD3C7B-836A-40A7-BC9E-84362FA4F03F}" type="slidenum">
+            <a:fld id="{0AB09517-E20F-4309-B8E6-3B26CFFB9999}" type="slidenum">
               <a:rPr lang="de-CH" smtClean="0"/>
               <a:t>24</a:t>
             </a:fld>
             <a:r>
               <a:rPr lang="de-CH" smtClean="0"/>
-              <a:t> of 45</a:t>
+              <a:t> of 44</a:t>
             </a:r>
             <a:endParaRPr dirty="0"/>
           </a:p>
@@ -16434,18 +16570,121 @@
   <p:clrMapOvr>
     <a:masterClrMapping/>
   </p:clrMapOvr>
-  <mc:AlternateContent xmlns:mc="http://schemas.openxmlformats.org/markup-compatibility/2006">
-    <mc:Choice xmlns:p14="http://schemas.microsoft.com/office/powerpoint/2010/main" Requires="p14">
+  <mc:AlternateContent xmlns:mc="http://schemas.openxmlformats.org/markup-compatibility/2006" xmlns:p14="http://schemas.microsoft.com/office/powerpoint/2010/main">
+    <mc:Choice Requires="p14">
       <p:transition spd="slow" p14:dur="2000"/>
     </mc:Choice>
-    <mc:Fallback>
+    <mc:Fallback xmlns="">
       <p:transition spd="slow"/>
     </mc:Fallback>
   </mc:AlternateContent>
   <p:timing>
     <p:tnLst>
       <p:par>
-        <p:cTn id="1" dur="indefinite" restart="never" nodeType="tmRoot"/>
+        <p:cTn id="1" dur="indefinite" restart="never" nodeType="tmRoot">
+          <p:childTnLst>
+            <p:seq concurrent="1" nextAc="seek">
+              <p:cTn id="2" dur="indefinite" nodeType="mainSeq">
+                <p:childTnLst>
+                  <p:par>
+                    <p:cTn id="3" fill="hold">
+                      <p:stCondLst>
+                        <p:cond delay="indefinite"/>
+                      </p:stCondLst>
+                      <p:childTnLst>
+                        <p:par>
+                          <p:cTn id="4" fill="hold">
+                            <p:stCondLst>
+                              <p:cond delay="0"/>
+                            </p:stCondLst>
+                            <p:childTnLst>
+                              <p:par>
+                                <p:cTn id="5" presetID="1" presetClass="entr" presetSubtype="0" fill="hold" nodeType="clickEffect">
+                                  <p:stCondLst>
+                                    <p:cond delay="0"/>
+                                  </p:stCondLst>
+                                  <p:childTnLst>
+                                    <p:set>
+                                      <p:cBhvr>
+                                        <p:cTn id="6" dur="1" fill="hold">
+                                          <p:stCondLst>
+                                            <p:cond delay="0"/>
+                                          </p:stCondLst>
+                                        </p:cTn>
+                                        <p:tgtEl>
+                                          <p:spTgt spid="3">
+                                            <p:txEl>
+                                              <p:pRg st="7" end="7"/>
+                                            </p:txEl>
+                                          </p:spTgt>
+                                        </p:tgtEl>
+                                        <p:attrNameLst>
+                                          <p:attrName>style.visibility</p:attrName>
+                                        </p:attrNameLst>
+                                      </p:cBhvr>
+                                      <p:to>
+                                        <p:strVal val="visible"/>
+                                      </p:to>
+                                    </p:set>
+                                  </p:childTnLst>
+                                </p:cTn>
+                              </p:par>
+                              <p:par>
+                                <p:cTn id="7" presetID="1" presetClass="entr" presetSubtype="0" fill="hold" nodeType="withEffect">
+                                  <p:stCondLst>
+                                    <p:cond delay="0"/>
+                                  </p:stCondLst>
+                                  <p:childTnLst>
+                                    <p:set>
+                                      <p:cBhvr>
+                                        <p:cTn id="8" dur="1" fill="hold">
+                                          <p:stCondLst>
+                                            <p:cond delay="0"/>
+                                          </p:stCondLst>
+                                        </p:cTn>
+                                        <p:tgtEl>
+                                          <p:spTgt spid="3">
+                                            <p:txEl>
+                                              <p:pRg st="8" end="8"/>
+                                            </p:txEl>
+                                          </p:spTgt>
+                                        </p:tgtEl>
+                                        <p:attrNameLst>
+                                          <p:attrName>style.visibility</p:attrName>
+                                        </p:attrNameLst>
+                                      </p:cBhvr>
+                                      <p:to>
+                                        <p:strVal val="visible"/>
+                                      </p:to>
+                                    </p:set>
+                                  </p:childTnLst>
+                                </p:cTn>
+                              </p:par>
+                            </p:childTnLst>
+                          </p:cTn>
+                        </p:par>
+                      </p:childTnLst>
+                    </p:cTn>
+                  </p:par>
+                </p:childTnLst>
+              </p:cTn>
+              <p:prevCondLst>
+                <p:cond evt="onPrev" delay="0">
+                  <p:tgtEl>
+                    <p:sldTgt/>
+                  </p:tgtEl>
+                </p:cond>
+              </p:prevCondLst>
+              <p:nextCondLst>
+                <p:cond evt="onNext" delay="0">
+                  <p:tgtEl>
+                    <p:sldTgt/>
+                  </p:tgtEl>
+                </p:cond>
+              </p:nextCondLst>
+            </p:seq>
+          </p:childTnLst>
+        </p:cTn>
       </p:par>
     </p:tnLst>
   </p:timing>
@@ -16485,8 +16724,12 @@
           <a:lstStyle/>
           <a:p>
             <a:r>
+              <a:rPr lang="en-GB" dirty="0"/>
+              <a:t>Context Type: </a:t>
+            </a:r>
+            <a:r>
               <a:rPr lang="en-GB" dirty="0" smtClean="0"/>
-              <a:t>Option</a:t>
+              <a:t>Option[T]</a:t>
             </a:r>
             <a:endParaRPr lang="en-GB" dirty="0"/>
           </a:p>
@@ -16584,16 +16827,63 @@
           <a:p>
             <a:r>
               <a:rPr lang="en-GB" dirty="0" smtClean="0"/>
-              <a:t>What about Elvis/None?</a:t>
+              <a:t>What about Elvis/</a:t>
+            </a:r>
+            <a:r>
+              <a:rPr lang="en-GB" dirty="0" smtClean="0">
+                <a:latin typeface="Consolas" panose="020B0609020204030204" pitchFamily="49" charset="0"/>
+                <a:cs typeface="Consolas" panose="020B0609020204030204" pitchFamily="49" charset="0"/>
+              </a:rPr>
+              <a:t>None</a:t>
+            </a:r>
+            <a:r>
+              <a:rPr lang="en-GB" dirty="0" smtClean="0"/>
+              <a:t>?</a:t>
             </a:r>
           </a:p>
           <a:p>
             <a:endParaRPr lang="en-GB" dirty="0" smtClean="0"/>
           </a:p>
           <a:p>
+            <a:pPr marL="342900" indent="-342900">
+              <a:buFont typeface="Wingdings" panose="05000000000000000000" pitchFamily="2" charset="2"/>
+              <a:buChar char="Ø"/>
+            </a:pPr>
             <a:r>
               <a:rPr lang="en-GB" dirty="0" smtClean="0"/>
-              <a:t>Stay in the box!</a:t>
+              <a:t>No “Null checking” needed</a:t>
+            </a:r>
+            <a:r>
+              <a:rPr lang="en-GB" dirty="0"/>
+              <a:t>, </a:t>
+            </a:r>
+            <a:endParaRPr lang="en-GB" dirty="0" smtClean="0"/>
+          </a:p>
+          <a:p>
+            <a:pPr marL="361950" indent="-361950">
+              <a:spcBef>
+                <a:spcPts val="600"/>
+              </a:spcBef>
+            </a:pPr>
+            <a:r>
+              <a:rPr lang="en-GB" dirty="0" smtClean="0"/>
+              <a:t>	as </a:t>
+            </a:r>
+            <a:r>
+              <a:rPr lang="en-GB" dirty="0"/>
+              <a:t>long as </a:t>
+            </a:r>
+            <a:r>
+              <a:rPr lang="en-GB" dirty="0" smtClean="0"/>
+              <a:t>you s</a:t>
+            </a:r>
+            <a:r>
+              <a:rPr lang="en-GB" dirty="0" smtClean="0"/>
+              <a:t>tay </a:t>
+            </a:r>
+            <a:r>
+              <a:rPr lang="en-GB" dirty="0" smtClean="0"/>
+              <a:t>in the box!</a:t>
             </a:r>
             <a:endParaRPr lang="en-GB" dirty="0"/>
           </a:p>
@@ -16616,7 +16906,7 @@
           <a:p>
             <a:r>
               <a:rPr lang="en-GB" dirty="0" smtClean="0"/>
-              <a:t>Mapping</a:t>
+              <a:t>Map</a:t>
             </a:r>
             <a:endParaRPr lang="en-GB" dirty="0"/>
           </a:p>
@@ -17336,13 +17626,13 @@
               <a:rPr lang="de-CH" smtClean="0"/>
               <a:t>Slide </a:t>
             </a:r>
-            <a:fld id="{5A3E74AC-0B2D-493A-9295-E8176C5C51C9}" type="slidenum">
+            <a:fld id="{AFB27598-507C-4923-8296-822E53E1AA8F}" type="slidenum">
               <a:rPr lang="de-CH" smtClean="0"/>
               <a:t>25</a:t>
             </a:fld>
             <a:r>
               <a:rPr lang="de-CH" smtClean="0"/>
-              <a:t> of 45</a:t>
+              <a:t> of 44</a:t>
             </a:r>
             <a:endParaRPr dirty="0"/>
           </a:p>
@@ -17358,18 +17648,735 @@
   <p:clrMapOvr>
     <a:masterClrMapping/>
   </p:clrMapOvr>
-  <mc:AlternateContent xmlns:mc="http://schemas.openxmlformats.org/markup-compatibility/2006">
-    <mc:Choice xmlns:p14="http://schemas.microsoft.com/office/powerpoint/2010/main" Requires="p14">
+  <mc:AlternateContent xmlns:mc="http://schemas.openxmlformats.org/markup-compatibility/2006" xmlns:p14="http://schemas.microsoft.com/office/powerpoint/2010/main">
+    <mc:Choice Requires="p14">
       <p:transition spd="slow" p14:dur="2000"/>
     </mc:Choice>
-    <mc:Fallback>
+    <mc:Fallback xmlns="">
       <p:transition spd="slow"/>
     </mc:Fallback>
   </mc:AlternateContent>
   <p:timing>
     <p:tnLst>
       <p:par>
-        <p:cTn id="1" dur="indefinite" restart="never" nodeType="tmRoot"/>
+        <p:cTn id="1" dur="indefinite" restart="never" nodeType="tmRoot">
+          <p:childTnLst>
+            <p:seq concurrent="1" nextAc="seek">
+              <p:cTn id="2" dur="indefinite" nodeType="mainSeq">
+                <p:childTnLst>
+                  <p:par>
+                    <p:cTn id="3" fill="hold">
+                      <p:stCondLst>
+                        <p:cond delay="indefinite"/>
+                      </p:stCondLst>
+                      <p:childTnLst>
+                        <p:par>
+                          <p:cTn id="4" fill="hold">
+                            <p:stCondLst>
+                              <p:cond delay="0"/>
+                            </p:stCondLst>
+                            <p:childTnLst>
+                              <p:par>
+                                <p:cTn id="5" presetID="26" presetClass="entr" presetSubtype="0" fill="hold" nodeType="clickEffect">
+                                  <p:stCondLst>
+                                    <p:cond delay="0"/>
+                                  </p:stCondLst>
+                                  <p:childTnLst>
+                                    <p:set>
+                                      <p:cBhvr>
+                                        <p:cTn id="6" dur="1" fill="hold">
+                                          <p:stCondLst>
+                                            <p:cond delay="0"/>
+                                          </p:stCondLst>
+                                        </p:cTn>
+                                        <p:tgtEl>
+                                          <p:spTgt spid="3">
+                                            <p:txEl>
+                                              <p:pRg st="6" end="6"/>
+                                            </p:txEl>
+                                          </p:spTgt>
+                                        </p:tgtEl>
+                                        <p:attrNameLst>
+                                          <p:attrName>style.visibility</p:attrName>
+                                        </p:attrNameLst>
+                                      </p:cBhvr>
+                                      <p:to>
+                                        <p:strVal val="visible"/>
+                                      </p:to>
+                                    </p:set>
+                                    <p:animEffect transition="in" filter="wipe(down)">
+                                      <p:cBhvr>
+                                        <p:cTn id="7" dur="580">
+                                          <p:stCondLst>
+                                            <p:cond delay="0"/>
+                                          </p:stCondLst>
+                                        </p:cTn>
+                                        <p:tgtEl>
+                                          <p:spTgt spid="3">
+                                            <p:txEl>
+                                              <p:pRg st="6" end="6"/>
+                                            </p:txEl>
+                                          </p:spTgt>
+                                        </p:tgtEl>
+                                      </p:cBhvr>
+                                    </p:animEffect>
+                                    <p:anim calcmode="lin" valueType="num">
+                                      <p:cBhvr>
+                                        <p:cTn id="8" dur="1822" tmFilter="0,0; 0.14,0.36; 0.43,0.73; 0.71,0.91; 1.0,1.0">
+                                          <p:stCondLst>
+                                            <p:cond delay="0"/>
+                                          </p:stCondLst>
+                                        </p:cTn>
+                                        <p:tgtEl>
+                                          <p:spTgt spid="3">
+                                            <p:txEl>
+                                              <p:pRg st="6" end="6"/>
+                                            </p:txEl>
+                                          </p:spTgt>
+                                        </p:tgtEl>
+                                        <p:attrNameLst>
+                                          <p:attrName>ppt_x</p:attrName>
+                                        </p:attrNameLst>
+                                      </p:cBhvr>
+                                      <p:tavLst>
+                                        <p:tav tm="0">
+                                          <p:val>
+                                            <p:strVal val="#ppt_x-0.25"/>
+                                          </p:val>
+                                        </p:tav>
+                                        <p:tav tm="100000">
+                                          <p:val>
+                                            <p:strVal val="#ppt_x"/>
+                                          </p:val>
+                                        </p:tav>
+                                      </p:tavLst>
+                                    </p:anim>
+                                    <p:anim calcmode="lin" valueType="num">
+                                      <p:cBhvr>
+                                        <p:cTn id="9" dur="664" tmFilter="0.0,0.0; 0.25,0.07; 0.50,0.2; 0.75,0.467; 1.0,1.0">
+                                          <p:stCondLst>
+                                            <p:cond delay="0"/>
+                                          </p:stCondLst>
+                                        </p:cTn>
+                                        <p:tgtEl>
+                                          <p:spTgt spid="3">
+                                            <p:txEl>
+                                              <p:pRg st="6" end="6"/>
+                                            </p:txEl>
+                                          </p:spTgt>
+                                        </p:tgtEl>
+                                        <p:attrNameLst>
+                                          <p:attrName>ppt_y</p:attrName>
+                                        </p:attrNameLst>
+                                      </p:cBhvr>
+                                      <p:tavLst>
+                                        <p:tav tm="0" fmla="#ppt_y-sin(pi*$)/3">
+                                          <p:val>
+                                            <p:fltVal val="0.5"/>
+                                          </p:val>
+                                        </p:tav>
+                                        <p:tav tm="100000">
+                                          <p:val>
+                                            <p:fltVal val="1"/>
+                                          </p:val>
+                                        </p:tav>
+                                      </p:tavLst>
+                                    </p:anim>
+                                    <p:anim calcmode="lin" valueType="num">
+                                      <p:cBhvr>
+                                        <p:cTn id="10" dur="664" tmFilter="0, 0; 0.125,0.2665; 0.25,0.4; 0.375,0.465; 0.5,0.5;  0.625,0.535; 0.75,0.6; 0.875,0.7335; 1,1">
+                                          <p:stCondLst>
+                                            <p:cond delay="664"/>
+                                          </p:stCondLst>
+                                        </p:cTn>
+                                        <p:tgtEl>
+                                          <p:spTgt spid="3">
+                                            <p:txEl>
+                                              <p:pRg st="6" end="6"/>
+                                            </p:txEl>
+                                          </p:spTgt>
+                                        </p:tgtEl>
+                                        <p:attrNameLst>
+                                          <p:attrName>ppt_y</p:attrName>
+                                        </p:attrNameLst>
+                                      </p:cBhvr>
+                                      <p:tavLst>
+                                        <p:tav tm="0" fmla="#ppt_y-sin(pi*$)/9">
+                                          <p:val>
+                                            <p:fltVal val="0"/>
+                                          </p:val>
+                                        </p:tav>
+                                        <p:tav tm="100000">
+                                          <p:val>
+                                            <p:fltVal val="1"/>
+                                          </p:val>
+                                        </p:tav>
+                                      </p:tavLst>
+                                    </p:anim>
+                                    <p:anim calcmode="lin" valueType="num">
+                                      <p:cBhvr>
+                                        <p:cTn id="11" dur="332" tmFilter="0, 0; 0.125,0.2665; 0.25,0.4; 0.375,0.465; 0.5,0.5;  0.625,0.535; 0.75,0.6; 0.875,0.7335; 1,1">
+                                          <p:stCondLst>
+                                            <p:cond delay="1324"/>
+                                          </p:stCondLst>
+                                        </p:cTn>
+                                        <p:tgtEl>
+                                          <p:spTgt spid="3">
+                                            <p:txEl>
+                                              <p:pRg st="6" end="6"/>
+                                            </p:txEl>
+                                          </p:spTgt>
+                                        </p:tgtEl>
+                                        <p:attrNameLst>
+                                          <p:attrName>ppt_y</p:attrName>
+                                        </p:attrNameLst>
+                                      </p:cBhvr>
+                                      <p:tavLst>
+                                        <p:tav tm="0" fmla="#ppt_y-sin(pi*$)/27">
+                                          <p:val>
+                                            <p:fltVal val="0"/>
+                                          </p:val>
+                                        </p:tav>
+                                        <p:tav tm="100000">
+                                          <p:val>
+                                            <p:fltVal val="1"/>
+                                          </p:val>
+                                        </p:tav>
+                                      </p:tavLst>
+                                    </p:anim>
+                                    <p:anim calcmode="lin" valueType="num">
+                                      <p:cBhvr>
+                                        <p:cTn id="12" dur="164" tmFilter="0, 0; 0.125,0.2665; 0.25,0.4; 0.375,0.465; 0.5,0.5;  0.625,0.535; 0.75,0.6; 0.875,0.7335; 1,1">
+                                          <p:stCondLst>
+                                            <p:cond delay="1656"/>
+                                          </p:stCondLst>
+                                        </p:cTn>
+                                        <p:tgtEl>
+                                          <p:spTgt spid="3">
+                                            <p:txEl>
+                                              <p:pRg st="6" end="6"/>
+                                            </p:txEl>
+                                          </p:spTgt>
+                                        </p:tgtEl>
+                                        <p:attrNameLst>
+                                          <p:attrName>ppt_y</p:attrName>
+                                        </p:attrNameLst>
+                                      </p:cBhvr>
+                                      <p:tavLst>
+                                        <p:tav tm="0" fmla="#ppt_y-sin(pi*$)/81">
+                                          <p:val>
+                                            <p:fltVal val="0"/>
+                                          </p:val>
+                                        </p:tav>
+                                        <p:tav tm="100000">
+                                          <p:val>
+                                            <p:fltVal val="1"/>
+                                          </p:val>
+                                        </p:tav>
+                                      </p:tavLst>
+                                    </p:anim>
+                                    <p:animScale>
+                                      <p:cBhvr>
+                                        <p:cTn id="13" dur="26">
+                                          <p:stCondLst>
+                                            <p:cond delay="650"/>
+                                          </p:stCondLst>
+                                        </p:cTn>
+                                        <p:tgtEl>
+                                          <p:spTgt spid="3">
+                                            <p:txEl>
+                                              <p:pRg st="6" end="6"/>
+                                            </p:txEl>
+                                          </p:spTgt>
+                                        </p:tgtEl>
+                                      </p:cBhvr>
+                                      <p:to x="100000" y="60000"/>
+                                    </p:animScale>
+                                    <p:animScale>
+                                      <p:cBhvr>
+                                        <p:cTn id="14" dur="166" decel="50000">
+                                          <p:stCondLst>
+                                            <p:cond delay="676"/>
+                                          </p:stCondLst>
+                                        </p:cTn>
+                                        <p:tgtEl>
+                                          <p:spTgt spid="3">
+                                            <p:txEl>
+                                              <p:pRg st="6" end="6"/>
+                                            </p:txEl>
+                                          </p:spTgt>
+                                        </p:tgtEl>
+                                      </p:cBhvr>
+                                      <p:to x="100000" y="100000"/>
+                                    </p:animScale>
+                                    <p:animScale>
+                                      <p:cBhvr>
+                                        <p:cTn id="15" dur="26">
+                                          <p:stCondLst>
+                                            <p:cond delay="1312"/>
+                                          </p:stCondLst>
+                                        </p:cTn>
+                                        <p:tgtEl>
+                                          <p:spTgt spid="3">
+                                            <p:txEl>
+                                              <p:pRg st="6" end="6"/>
+                                            </p:txEl>
+                                          </p:spTgt>
+                                        </p:tgtEl>
+                                      </p:cBhvr>
+                                      <p:to x="100000" y="80000"/>
+                                    </p:animScale>
+                                    <p:animScale>
+                                      <p:cBhvr>
+                                        <p:cTn id="16" dur="166" decel="50000">
+                                          <p:stCondLst>
+                                            <p:cond delay="1338"/>
+                                          </p:stCondLst>
+                                        </p:cTn>
+                                        <p:tgtEl>
+                                          <p:spTgt spid="3">
+                                            <p:txEl>
+                                              <p:pRg st="6" end="6"/>
+                                            </p:txEl>
+                                          </p:spTgt>
+                                        </p:tgtEl>
+                                      </p:cBhvr>
+                                      <p:to x="100000" y="100000"/>
+                                    </p:animScale>
+                                    <p:animScale>
+                                      <p:cBhvr>
+                                        <p:cTn id="17" dur="26">
+                                          <p:stCondLst>
+                                            <p:cond delay="1642"/>
+                                          </p:stCondLst>
+                                        </p:cTn>
+                                        <p:tgtEl>
+                                          <p:spTgt spid="3">
+                                            <p:txEl>
+                                              <p:pRg st="6" end="6"/>
+                                            </p:txEl>
+                                          </p:spTgt>
+                                        </p:tgtEl>
+                                      </p:cBhvr>
+                                      <p:to x="100000" y="90000"/>
+                                    </p:animScale>
+                                    <p:animScale>
+                                      <p:cBhvr>
+                                        <p:cTn id="18" dur="166" decel="50000">
+                                          <p:stCondLst>
+                                            <p:cond delay="1668"/>
+                                          </p:stCondLst>
+                                        </p:cTn>
+                                        <p:tgtEl>
+                                          <p:spTgt spid="3">
+                                            <p:txEl>
+                                              <p:pRg st="6" end="6"/>
+                                            </p:txEl>
+                                          </p:spTgt>
+                                        </p:tgtEl>
+                                      </p:cBhvr>
+                                      <p:to x="100000" y="100000"/>
+                                    </p:animScale>
+                                    <p:animScale>
+                                      <p:cBhvr>
+                                        <p:cTn id="19" dur="26">
+                                          <p:stCondLst>
+                                            <p:cond delay="1808"/>
+                                          </p:stCondLst>
+                                        </p:cTn>
+                                        <p:tgtEl>
+                                          <p:spTgt spid="3">
+                                            <p:txEl>
+                                              <p:pRg st="6" end="6"/>
+                                            </p:txEl>
+                                          </p:spTgt>
+                                        </p:tgtEl>
+                                      </p:cBhvr>
+                                      <p:to x="100000" y="95000"/>
+                                    </p:animScale>
+                                    <p:animScale>
+                                      <p:cBhvr>
+                                        <p:cTn id="20" dur="166" decel="50000">
+                                          <p:stCondLst>
+                                            <p:cond delay="1834"/>
+                                          </p:stCondLst>
+                                        </p:cTn>
+                                        <p:tgtEl>
+                                          <p:spTgt spid="3">
+                                            <p:txEl>
+                                              <p:pRg st="6" end="6"/>
+                                            </p:txEl>
+                                          </p:spTgt>
+                                        </p:tgtEl>
+                                      </p:cBhvr>
+                                      <p:to x="100000" y="100000"/>
+                                    </p:animScale>
+                                  </p:childTnLst>
+                                </p:cTn>
+                              </p:par>
+                              <p:par>
+                                <p:cTn id="21" presetID="26" presetClass="entr" presetSubtype="0" fill="hold" nodeType="withEffect">
+                                  <p:stCondLst>
+                                    <p:cond delay="0"/>
+                                  </p:stCondLst>
+                                  <p:childTnLst>
+                                    <p:set>
+                                      <p:cBhvr>
+                                        <p:cTn id="22" dur="1" fill="hold">
+                                          <p:stCondLst>
+                                            <p:cond delay="0"/>
+                                          </p:stCondLst>
+                                        </p:cTn>
+                                        <p:tgtEl>
+                                          <p:spTgt spid="3">
+                                            <p:txEl>
+                                              <p:pRg st="7" end="7"/>
+                                            </p:txEl>
+                                          </p:spTgt>
+                                        </p:tgtEl>
+                                        <p:attrNameLst>
+                                          <p:attrName>style.visibility</p:attrName>
+                                        </p:attrNameLst>
+                                      </p:cBhvr>
+                                      <p:to>
+                                        <p:strVal val="visible"/>
+                                      </p:to>
+                                    </p:set>
+                                    <p:animEffect transition="in" filter="wipe(down)">
+                                      <p:cBhvr>
+                                        <p:cTn id="23" dur="580">
+                                          <p:stCondLst>
+                                            <p:cond delay="0"/>
+                                          </p:stCondLst>
+                                        </p:cTn>
+                                        <p:tgtEl>
+                                          <p:spTgt spid="3">
+                                            <p:txEl>
+                                              <p:pRg st="7" end="7"/>
+                                            </p:txEl>
+                                          </p:spTgt>
+                                        </p:tgtEl>
+                                      </p:cBhvr>
+                                    </p:animEffect>
+                                    <p:anim calcmode="lin" valueType="num">
+                                      <p:cBhvr>
+                                        <p:cTn id="24" dur="1822" tmFilter="0,0; 0.14,0.36; 0.43,0.73; 0.71,0.91; 1.0,1.0">
+                                          <p:stCondLst>
+                                            <p:cond delay="0"/>
+                                          </p:stCondLst>
+                                        </p:cTn>
+                                        <p:tgtEl>
+                                          <p:spTgt spid="3">
+                                            <p:txEl>
+                                              <p:pRg st="7" end="7"/>
+                                            </p:txEl>
+                                          </p:spTgt>
+                                        </p:tgtEl>
+                                        <p:attrNameLst>
+                                          <p:attrName>ppt_x</p:attrName>
+                                        </p:attrNameLst>
+                                      </p:cBhvr>
+                                      <p:tavLst>
+                                        <p:tav tm="0">
+                                          <p:val>
+                                            <p:strVal val="#ppt_x-0.25"/>
+                                          </p:val>
+                                        </p:tav>
+                                        <p:tav tm="100000">
+                                          <p:val>
+                                            <p:strVal val="#ppt_x"/>
+                                          </p:val>
+                                        </p:tav>
+                                      </p:tavLst>
+                                    </p:anim>
+                                    <p:anim calcmode="lin" valueType="num">
+                                      <p:cBhvr>
+                                        <p:cTn id="25" dur="664" tmFilter="0.0,0.0; 0.25,0.07; 0.50,0.2; 0.75,0.467; 1.0,1.0">
+                                          <p:stCondLst>
+                                            <p:cond delay="0"/>
+                                          </p:stCondLst>
+                                        </p:cTn>
+                                        <p:tgtEl>
+                                          <p:spTgt spid="3">
+                                            <p:txEl>
+                                              <p:pRg st="7" end="7"/>
+                                            </p:txEl>
+                                          </p:spTgt>
+                                        </p:tgtEl>
+                                        <p:attrNameLst>
+                                          <p:attrName>ppt_y</p:attrName>
+                                        </p:attrNameLst>
+                                      </p:cBhvr>
+                                      <p:tavLst>
+                                        <p:tav tm="0" fmla="#ppt_y-sin(pi*$)/3">
+                                          <p:val>
+                                            <p:fltVal val="0.5"/>
+                                          </p:val>
+                                        </p:tav>
+                                        <p:tav tm="100000">
+                                          <p:val>
+                                            <p:fltVal val="1"/>
+                                          </p:val>
+                                        </p:tav>
+                                      </p:tavLst>
+                                    </p:anim>
+                                    <p:anim calcmode="lin" valueType="num">
+                                      <p:cBhvr>
+                                        <p:cTn id="26" dur="664" tmFilter="0, 0; 0.125,0.2665; 0.25,0.4; 0.375,0.465; 0.5,0.5;  0.625,0.535; 0.75,0.6; 0.875,0.7335; 1,1">
+                                          <p:stCondLst>
+                                            <p:cond delay="664"/>
+                                          </p:stCondLst>
+                                        </p:cTn>
+                                        <p:tgtEl>
+                                          <p:spTgt spid="3">
+                                            <p:txEl>
+                                              <p:pRg st="7" end="7"/>
+                                            </p:txEl>
+                                          </p:spTgt>
+                                        </p:tgtEl>
+                                        <p:attrNameLst>
+                                          <p:attrName>ppt_y</p:attrName>
+                                        </p:attrNameLst>
+                                      </p:cBhvr>
+                                      <p:tavLst>
+                                        <p:tav tm="0" fmla="#ppt_y-sin(pi*$)/9">
+                                          <p:val>
+                                            <p:fltVal val="0"/>
+                                          </p:val>
+                                        </p:tav>
+                                        <p:tav tm="100000">
+                                          <p:val>
+                                            <p:fltVal val="1"/>
+                                          </p:val>
+                                        </p:tav>
+                                      </p:tavLst>
+                                    </p:anim>
+                                    <p:anim calcmode="lin" valueType="num">
+                                      <p:cBhvr>
+                                        <p:cTn id="27" dur="332" tmFilter="0, 0; 0.125,0.2665; 0.25,0.4; 0.375,0.465; 0.5,0.5;  0.625,0.535; 0.75,0.6; 0.875,0.7335; 1,1">
+                                          <p:stCondLst>
+                                            <p:cond delay="1324"/>
+                                          </p:stCondLst>
+                                        </p:cTn>
+                                        <p:tgtEl>
+                                          <p:spTgt spid="3">
+                                            <p:txEl>
+                                              <p:pRg st="7" end="7"/>
+                                            </p:txEl>
+                                          </p:spTgt>
+                                        </p:tgtEl>
+                                        <p:attrNameLst>
+                                          <p:attrName>ppt_y</p:attrName>
+                                        </p:attrNameLst>
+                                      </p:cBhvr>
+                                      <p:tavLst>
+                                        <p:tav tm="0" fmla="#ppt_y-sin(pi*$)/27">
+                                          <p:val>
+                                            <p:fltVal val="0"/>
+                                          </p:val>
+                                        </p:tav>
+                                        <p:tav tm="100000">
+                                          <p:val>
+                                            <p:fltVal val="1"/>
+                                          </p:val>
+                                        </p:tav>
+                                      </p:tavLst>
+                                    </p:anim>
+                                    <p:anim calcmode="lin" valueType="num">
+                                      <p:cBhvr>
+                                        <p:cTn id="28" dur="164" tmFilter="0, 0; 0.125,0.2665; 0.25,0.4; 0.375,0.465; 0.5,0.5;  0.625,0.535; 0.75,0.6; 0.875,0.7335; 1,1">
+                                          <p:stCondLst>
+                                            <p:cond delay="1656"/>
+                                          </p:stCondLst>
+                                        </p:cTn>
+                                        <p:tgtEl>
+                                          <p:spTgt spid="3">
+                                            <p:txEl>
+                                              <p:pRg st="7" end="7"/>
+                                            </p:txEl>
+                                          </p:spTgt>
+                                        </p:tgtEl>
+                                        <p:attrNameLst>
+                                          <p:attrName>ppt_y</p:attrName>
+                                        </p:attrNameLst>
+                                      </p:cBhvr>
+                                      <p:tavLst>
+                                        <p:tav tm="0" fmla="#ppt_y-sin(pi*$)/81">
+                                          <p:val>
+                                            <p:fltVal val="0"/>
+                                          </p:val>
+                                        </p:tav>
+                                        <p:tav tm="100000">
+                                          <p:val>
+                                            <p:fltVal val="1"/>
+                                          </p:val>
+                                        </p:tav>
+                                      </p:tavLst>
+                                    </p:anim>
+                                    <p:animScale>
+                                      <p:cBhvr>
+                                        <p:cTn id="29" dur="26">
+                                          <p:stCondLst>
+                                            <p:cond delay="650"/>
+                                          </p:stCondLst>
+                                        </p:cTn>
+                                        <p:tgtEl>
+                                          <p:spTgt spid="3">
+                                            <p:txEl>
+                                              <p:pRg st="7" end="7"/>
+                                            </p:txEl>
+                                          </p:spTgt>
+                                        </p:tgtEl>
+                                      </p:cBhvr>
+                                      <p:to x="100000" y="60000"/>
+                                    </p:animScale>
+                                    <p:animScale>
+                                      <p:cBhvr>
+                                        <p:cTn id="30" dur="166" decel="50000">
+                                          <p:stCondLst>
+                                            <p:cond delay="676"/>
+                                          </p:stCondLst>
+                                        </p:cTn>
+                                        <p:tgtEl>
+                                          <p:spTgt spid="3">
+                                            <p:txEl>
+                                              <p:pRg st="7" end="7"/>
+                                            </p:txEl>
+                                          </p:spTgt>
+                                        </p:tgtEl>
+                                      </p:cBhvr>
+                                      <p:to x="100000" y="100000"/>
+                                    </p:animScale>
+                                    <p:animScale>
+                                      <p:cBhvr>
+                                        <p:cTn id="31" dur="26">
+                                          <p:stCondLst>
+                                            <p:cond delay="1312"/>
+                                          </p:stCondLst>
+                                        </p:cTn>
+                                        <p:tgtEl>
+                                          <p:spTgt spid="3">
+                                            <p:txEl>
+                                              <p:pRg st="7" end="7"/>
+                                            </p:txEl>
+                                          </p:spTgt>
+                                        </p:tgtEl>
+                                      </p:cBhvr>
+                                      <p:to x="100000" y="80000"/>
+                                    </p:animScale>
+                                    <p:animScale>
+                                      <p:cBhvr>
+                                        <p:cTn id="32" dur="166" decel="50000">
+                                          <p:stCondLst>
+                                            <p:cond delay="1338"/>
+                                          </p:stCondLst>
+                                        </p:cTn>
+                                        <p:tgtEl>
+                                          <p:spTgt spid="3">
+                                            <p:txEl>
+                                              <p:pRg st="7" end="7"/>
+                                            </p:txEl>
+                                          </p:spTgt>
+                                        </p:tgtEl>
+                                      </p:cBhvr>
+                                      <p:to x="100000" y="100000"/>
+                                    </p:animScale>
+                                    <p:animScale>
+                                      <p:cBhvr>
+                                        <p:cTn id="33" dur="26">
+                                          <p:stCondLst>
+                                            <p:cond delay="1642"/>
+                                          </p:stCondLst>
+                                        </p:cTn>
+                                        <p:tgtEl>
+                                          <p:spTgt spid="3">
+                                            <p:txEl>
+                                              <p:pRg st="7" end="7"/>
+                                            </p:txEl>
+                                          </p:spTgt>
+                                        </p:tgtEl>
+                                      </p:cBhvr>
+                                      <p:to x="100000" y="90000"/>
+                                    </p:animScale>
+                                    <p:animScale>
+                                      <p:cBhvr>
+                                        <p:cTn id="34" dur="166" decel="50000">
+                                          <p:stCondLst>
+                                            <p:cond delay="1668"/>
+                                          </p:stCondLst>
+                                        </p:cTn>
+                                        <p:tgtEl>
+                                          <p:spTgt spid="3">
+                                            <p:txEl>
+                                              <p:pRg st="7" end="7"/>
+                                            </p:txEl>
+                                          </p:spTgt>
+                                        </p:tgtEl>
+                                      </p:cBhvr>
+                                      <p:to x="100000" y="100000"/>
+                                    </p:animScale>
+                                    <p:animScale>
+                                      <p:cBhvr>
+                                        <p:cTn id="35" dur="26">
+                                          <p:stCondLst>
+                                            <p:cond delay="1808"/>
+                                          </p:stCondLst>
+                                        </p:cTn>
+                                        <p:tgtEl>
+                                          <p:spTgt spid="3">
+                                            <p:txEl>
+                                              <p:pRg st="7" end="7"/>
+                                            </p:txEl>
+                                          </p:spTgt>
+                                        </p:tgtEl>
+                                      </p:cBhvr>
+                                      <p:to x="100000" y="95000"/>
+                                    </p:animScale>
+                                    <p:animScale>
+                                      <p:cBhvr>
+                                        <p:cTn id="36" dur="166" decel="50000">
+                                          <p:stCondLst>
+                                            <p:cond delay="1834"/>
+                                          </p:stCondLst>
+                                        </p:cTn>
+                                        <p:tgtEl>
+                                          <p:spTgt spid="3">
+                                            <p:txEl>
+                                              <p:pRg st="7" end="7"/>
+                                            </p:txEl>
+                                          </p:spTgt>
+                                        </p:tgtEl>
+                                      </p:cBhvr>
+                                      <p:to x="100000" y="100000"/>
+                                    </p:animScale>
+                                  </p:childTnLst>
+                                </p:cTn>
+                              </p:par>
+                            </p:childTnLst>
+                          </p:cTn>
+                        </p:par>
+                      </p:childTnLst>
+                    </p:cTn>
+                  </p:par>
+                </p:childTnLst>
+              </p:cTn>
+              <p:prevCondLst>
+                <p:cond evt="onPrev" delay="0">
+                  <p:tgtEl>
+                    <p:sldTgt/>
+                  </p:tgtEl>
+                </p:cond>
+              </p:prevCondLst>
+              <p:nextCondLst>
+                <p:cond evt="onNext" delay="0">
+                  <p:tgtEl>
+                    <p:sldTgt/>
+                  </p:tgtEl>
+                </p:cond>
+              </p:nextCondLst>
+            </p:seq>
+          </p:childTnLst>
+        </p:cTn>
       </p:par>
     </p:tnLst>
   </p:timing>
@@ -17409,8 +18416,12 @@
           <a:lstStyle/>
           <a:p>
             <a:r>
+              <a:rPr lang="en-GB" dirty="0"/>
+              <a:t>Context Type: </a:t>
+            </a:r>
+            <a:r>
               <a:rPr lang="en-GB" dirty="0" smtClean="0"/>
-              <a:t>Option</a:t>
+              <a:t>Option[T]</a:t>
             </a:r>
             <a:endParaRPr lang="en-GB" dirty="0"/>
           </a:p>
@@ -17601,8 +18612,38 @@
             </a:r>
             <a:r>
               <a:rPr lang="en-GB" sz="2000" dirty="0"/>
-              <a:t> Elvis/None?</a:t>
-            </a:r>
+              <a:t> Elvis/</a:t>
+            </a:r>
+            <a:r>
+              <a:rPr lang="en-GB" sz="2000" dirty="0">
+                <a:latin typeface="Consolas" panose="020B0609020204030204" pitchFamily="49" charset="0"/>
+                <a:cs typeface="Consolas" panose="020B0609020204030204" pitchFamily="49" charset="0"/>
+              </a:rPr>
+              <a:t>None</a:t>
+            </a:r>
+            <a:r>
+              <a:rPr lang="en-GB" sz="2000" dirty="0" smtClean="0"/>
+              <a:t>?</a:t>
+            </a:r>
+          </a:p>
+          <a:p>
+            <a:pPr marL="342900" indent="-342900">
+              <a:buFont typeface="Wingdings" panose="05000000000000000000" pitchFamily="2" charset="2"/>
+              <a:buChar char="Ø"/>
+            </a:pPr>
+            <a:r>
+              <a:rPr lang="en-GB" sz="2000" dirty="0" smtClean="0"/>
+              <a:t>Stay </a:t>
+            </a:r>
+            <a:r>
+              <a:rPr lang="en-GB" sz="2000" dirty="0"/>
+              <a:t>in the box</a:t>
+            </a:r>
+            <a:r>
+              <a:rPr lang="en-GB" sz="2000" dirty="0" smtClean="0"/>
+              <a:t>!</a:t>
+            </a:r>
+            <a:endParaRPr lang="en-GB" sz="2000" dirty="0"/>
           </a:p>
         </p:txBody>
       </p:sp>
@@ -17623,11 +18664,7 @@
           <a:p>
             <a:r>
               <a:rPr lang="en-GB" dirty="0" err="1" smtClean="0"/>
-              <a:t>FlatMapping</a:t>
-            </a:r>
-            <a:r>
-              <a:rPr lang="en-GB" dirty="0" smtClean="0"/>
-              <a:t> Options</a:t>
+              <a:t>FlatMap</a:t>
             </a:r>
             <a:endParaRPr lang="en-GB" dirty="0"/>
           </a:p>
@@ -18425,13 +19462,13 @@
               <a:rPr lang="de-CH" smtClean="0"/>
               <a:t>Slide </a:t>
             </a:r>
-            <a:fld id="{EC18FB62-1755-476B-A5F6-7634416DB9B5}" type="slidenum">
+            <a:fld id="{787167C3-EC62-436D-BD0C-93C8E5441DFC}" type="slidenum">
               <a:rPr lang="de-CH" smtClean="0"/>
               <a:t>26</a:t>
             </a:fld>
             <a:r>
               <a:rPr lang="de-CH" smtClean="0"/>
-              <a:t> of 45</a:t>
+              <a:t> of 44</a:t>
             </a:r>
             <a:endParaRPr dirty="0"/>
           </a:p>
@@ -18447,11 +19484,11 @@
   <p:clrMapOvr>
     <a:masterClrMapping/>
   </p:clrMapOvr>
-  <mc:AlternateContent xmlns:mc="http://schemas.openxmlformats.org/markup-compatibility/2006">
-    <mc:Choice xmlns:p14="http://schemas.microsoft.com/office/powerpoint/2010/main" Requires="p14">
+  <mc:AlternateContent xmlns:mc="http://schemas.openxmlformats.org/markup-compatibility/2006" xmlns:p14="http://schemas.microsoft.com/office/powerpoint/2010/main">
+    <mc:Choice Requires="p14">
       <p:transition spd="slow" p14:dur="2000"/>
     </mc:Choice>
-    <mc:Fallback>
+    <mc:Fallback xmlns="">
       <p:transition spd="slow"/>
     </mc:Fallback>
   </mc:AlternateContent>
@@ -18526,11 +19563,7 @@
             </a:pPr>
             <a:r>
               <a:rPr lang="en-GB" dirty="0" smtClean="0"/>
-              <a:t>Functionality: </a:t>
-            </a:r>
-            <a:r>
-              <a:rPr lang="en-GB" dirty="0" smtClean="0"/>
-              <a:t>Represents the computation of a value, either successful or failed </a:t>
+              <a:t>Functionality: Represents the computation of a value, either successful or failed </a:t>
             </a:r>
           </a:p>
           <a:p>
@@ -18925,13 +19958,13 @@
               <a:rPr lang="de-CH" smtClean="0"/>
               <a:t>Slide </a:t>
             </a:r>
-            <a:fld id="{86E3D64F-87B5-4089-9C86-F79904BCD3C7}" type="slidenum">
+            <a:fld id="{C9BA4107-EE17-4148-9E59-1F8C7C67A65A}" type="slidenum">
               <a:rPr lang="de-CH" smtClean="0"/>
               <a:t>27</a:t>
             </a:fld>
             <a:r>
               <a:rPr lang="de-CH" smtClean="0"/>
-              <a:t> of 45</a:t>
+              <a:t> of 44</a:t>
             </a:r>
             <a:endParaRPr dirty="0"/>
           </a:p>
@@ -18947,11 +19980,11 @@
   <p:clrMapOvr>
     <a:masterClrMapping/>
   </p:clrMapOvr>
-  <mc:AlternateContent xmlns:mc="http://schemas.openxmlformats.org/markup-compatibility/2006">
-    <mc:Choice xmlns:p14="http://schemas.microsoft.com/office/powerpoint/2010/main" Requires="p14">
+  <mc:AlternateContent xmlns:mc="http://schemas.openxmlformats.org/markup-compatibility/2006" xmlns:p14="http://schemas.microsoft.com/office/powerpoint/2010/main">
+    <mc:Choice Requires="p14">
       <p:transition spd="slow" p14:dur="2000"/>
     </mc:Choice>
-    <mc:Fallback>
+    <mc:Fallback xmlns="">
       <p:transition spd="slow"/>
     </mc:Fallback>
   </mc:AlternateContent>
@@ -20497,13 +21530,13 @@
               <a:rPr lang="de-CH" smtClean="0"/>
               <a:t>Slide </a:t>
             </a:r>
-            <a:fld id="{6AA91A30-A8E5-465F-A153-DB5B4B29D5A3}" type="slidenum">
+            <a:fld id="{AC0D22C9-9B1F-4325-A202-A458E60D210D}" type="slidenum">
               <a:rPr lang="de-CH" smtClean="0"/>
               <a:t>28</a:t>
             </a:fld>
             <a:r>
               <a:rPr lang="de-CH" smtClean="0"/>
-              <a:t> of 45</a:t>
+              <a:t> of 44</a:t>
             </a:r>
             <a:endParaRPr dirty="0"/>
           </a:p>
@@ -20519,11 +21552,11 @@
   <p:clrMapOvr>
     <a:masterClrMapping/>
   </p:clrMapOvr>
-  <mc:AlternateContent xmlns:mc="http://schemas.openxmlformats.org/markup-compatibility/2006">
-    <mc:Choice xmlns:p14="http://schemas.microsoft.com/office/powerpoint/2010/main" Requires="p14">
+  <mc:AlternateContent xmlns:mc="http://schemas.openxmlformats.org/markup-compatibility/2006" xmlns:p14="http://schemas.microsoft.com/office/powerpoint/2010/main">
+    <mc:Choice Requires="p14">
       <p:transition spd="slow" p14:dur="2000"/>
     </mc:Choice>
-    <mc:Fallback>
+    <mc:Fallback xmlns="">
       <p:transition spd="slow"/>
     </mc:Fallback>
   </mc:AlternateContent>
@@ -20571,7 +21604,11 @@
           <a:p>
             <a:r>
               <a:rPr lang="en-GB" dirty="0" smtClean="0"/>
-              <a:t>Context Type: Future</a:t>
+              <a:t>Context Type: </a:t>
+            </a:r>
+            <a:r>
+              <a:rPr lang="en-GB" dirty="0" smtClean="0"/>
+              <a:t>Future[T]</a:t>
             </a:r>
             <a:endParaRPr lang="en-GB" dirty="0"/>
           </a:p>
@@ -22053,13 +23090,13 @@
               <a:rPr lang="de-CH" smtClean="0"/>
               <a:t>Slide </a:t>
             </a:r>
-            <a:fld id="{451D5ADE-5A85-4109-A7B4-D5791E40AC61}" type="slidenum">
+            <a:fld id="{E310F6B1-A74E-45D9-BE23-99F9015C6AB1}" type="slidenum">
               <a:rPr lang="de-CH" smtClean="0"/>
               <a:t>29</a:t>
             </a:fld>
             <a:r>
               <a:rPr lang="de-CH" smtClean="0"/>
-              <a:t> of 45</a:t>
+              <a:t> of 44</a:t>
             </a:r>
             <a:endParaRPr dirty="0"/>
           </a:p>
@@ -22075,11 +23112,11 @@
   <p:clrMapOvr>
     <a:masterClrMapping/>
   </p:clrMapOvr>
-  <mc:AlternateContent xmlns:mc="http://schemas.openxmlformats.org/markup-compatibility/2006">
-    <mc:Choice xmlns:p14="http://schemas.microsoft.com/office/powerpoint/2010/main" Requires="p14">
+  <mc:AlternateContent xmlns:mc="http://schemas.openxmlformats.org/markup-compatibility/2006" xmlns:p14="http://schemas.microsoft.com/office/powerpoint/2010/main">
+    <mc:Choice Requires="p14">
       <p:transition spd="slow" p14:dur="2000"/>
     </mc:Choice>
-    <mc:Fallback>
+    <mc:Fallback xmlns="">
       <p:transition spd="slow"/>
     </mc:Fallback>
   </mc:AlternateContent>
@@ -22296,7 +23333,6 @@
               <a:rPr lang="en-GB" dirty="0" smtClean="0"/>
               <a:t>value transformations</a:t>
             </a:r>
-            <a:endParaRPr lang="en-GB" dirty="0" smtClean="0"/>
           </a:p>
         </p:txBody>
       </p:sp>
@@ -23068,7 +24104,7 @@
         </p:nvSpPr>
         <p:spPr>
           <a:xfrm>
-            <a:off x="2483768" y="5589240"/>
+            <a:off x="2159321" y="5631775"/>
             <a:ext cx="1718852" cy="389513"/>
           </a:xfrm>
           <a:prstGeom prst="rect">
@@ -23086,11 +24122,26 @@
               <a:rPr lang="en-GB" sz="2200" dirty="0" smtClean="0">
                 <a:latin typeface="AA Zuehlke" pitchFamily="2" charset="0"/>
               </a:rPr>
-              <a:t>f(x), g(y)</a:t>
-            </a:r>
-            <a:endParaRPr lang="en-GB" sz="2200" dirty="0" smtClean="0">
-              <a:latin typeface="AA Zuehlke" pitchFamily="2" charset="0"/>
-            </a:endParaRPr>
+              <a:t>y=f(x</a:t>
+            </a:r>
+            <a:r>
+              <a:rPr lang="en-GB" sz="2200" dirty="0" smtClean="0">
+                <a:latin typeface="AA Zuehlke" pitchFamily="2" charset="0"/>
+              </a:rPr>
+              <a:t>), </a:t>
+            </a:r>
+            <a:r>
+              <a:rPr lang="en-GB" sz="2200" dirty="0" smtClean="0">
+                <a:latin typeface="AA Zuehlke" pitchFamily="2" charset="0"/>
+              </a:rPr>
+              <a:t>z=g(y</a:t>
+            </a:r>
+            <a:r>
+              <a:rPr lang="en-GB" sz="2200" dirty="0" smtClean="0">
+                <a:latin typeface="AA Zuehlke" pitchFamily="2" charset="0"/>
+              </a:rPr>
+              <a:t>)</a:t>
+            </a:r>
           </a:p>
         </p:txBody>
       </p:sp>
@@ -23102,8 +24153,8 @@
         </p:nvSpPr>
         <p:spPr>
           <a:xfrm>
-            <a:off x="5292080" y="5599036"/>
-            <a:ext cx="1718852" cy="389513"/>
+            <a:off x="5141913" y="5599036"/>
+            <a:ext cx="1869019" cy="389513"/>
           </a:xfrm>
           <a:prstGeom prst="rect">
             <a:avLst/>
@@ -23120,11 +24171,14 @@
               <a:rPr lang="en-GB" sz="2200" dirty="0" smtClean="0">
                 <a:latin typeface="AA Zuehlke" pitchFamily="2" charset="0"/>
               </a:rPr>
-              <a:t>g(f(x))</a:t>
-            </a:r>
-            <a:endParaRPr lang="en-GB" sz="2200" dirty="0" smtClean="0">
-              <a:latin typeface="AA Zuehlke" pitchFamily="2" charset="0"/>
-            </a:endParaRPr>
+              <a:t>z=g(f(x</a:t>
+            </a:r>
+            <a:r>
+              <a:rPr lang="en-GB" sz="2200" dirty="0" smtClean="0">
+                <a:latin typeface="AA Zuehlke" pitchFamily="2" charset="0"/>
+              </a:rPr>
+              <a:t>))</a:t>
+            </a:r>
           </a:p>
         </p:txBody>
       </p:sp>
@@ -23170,13 +24224,13 @@
               <a:rPr lang="de-CH" smtClean="0"/>
               <a:t>Slide </a:t>
             </a:r>
-            <a:fld id="{C8970F13-BFAE-46A3-B2E4-1274D72BFF2D}" type="slidenum">
+            <a:fld id="{FF8C44C1-E22E-4052-B8AA-838730403A8D}" type="slidenum">
               <a:rPr lang="de-CH" smtClean="0"/>
               <a:t>3</a:t>
             </a:fld>
             <a:r>
               <a:rPr lang="de-CH" smtClean="0"/>
-              <a:t> of 45</a:t>
+              <a:t> of 44</a:t>
             </a:r>
             <a:endParaRPr dirty="0"/>
           </a:p>
@@ -23234,183 +24288,6 @@
           <a:bodyPr/>
           <a:lstStyle/>
           <a:p>
-            <a:endParaRPr lang="en-GB" dirty="0"/>
-          </a:p>
-        </p:txBody>
-      </p:sp>
-      <p:sp>
-        <p:nvSpPr>
-          <p:cNvPr id="3" name="Content Placeholder 2"/>
-          <p:cNvSpPr>
-            <a:spLocks noGrp="1"/>
-          </p:cNvSpPr>
-          <p:nvPr>
-            <p:ph idx="1"/>
-          </p:nvPr>
-        </p:nvSpPr>
-        <p:spPr/>
-        <p:txBody>
-          <a:bodyPr/>
-          <a:lstStyle/>
-          <a:p>
-            <a:r>
-              <a:rPr lang="en-GB" dirty="0" smtClean="0"/>
-              <a:t>Combining try, option, future</a:t>
-            </a:r>
-          </a:p>
-          <a:p>
-            <a:endParaRPr lang="en-GB" dirty="0" smtClean="0"/>
-          </a:p>
-          <a:p>
-            <a:r>
-              <a:rPr lang="en-GB" dirty="0" smtClean="0"/>
-              <a:t>For comprehension: special language construct</a:t>
-            </a:r>
-            <a:endParaRPr lang="en-GB" dirty="0"/>
-          </a:p>
-        </p:txBody>
-      </p:sp>
-      <p:sp>
-        <p:nvSpPr>
-          <p:cNvPr id="5" name="Footer Placeholder 4"/>
-          <p:cNvSpPr>
-            <a:spLocks noGrp="1"/>
-          </p:cNvSpPr>
-          <p:nvPr>
-            <p:ph type="ftr" sz="quarter" idx="11"/>
-          </p:nvPr>
-        </p:nvSpPr>
-        <p:spPr/>
-        <p:txBody>
-          <a:bodyPr/>
-          <a:lstStyle/>
-          <a:p>
-            <a:r>
-              <a:rPr lang="en-GB" smtClean="0"/>
-              <a:t>Functional Design Patterns for OO Practicioners | Ivo Colombo, Hendrik Schöneberg</a:t>
-            </a:r>
-            <a:endParaRPr lang="en-GB" dirty="0"/>
-          </a:p>
-        </p:txBody>
-      </p:sp>
-      <p:sp>
-        <p:nvSpPr>
-          <p:cNvPr id="7" name="Text Placeholder 6"/>
-          <p:cNvSpPr>
-            <a:spLocks noGrp="1"/>
-          </p:cNvSpPr>
-          <p:nvPr>
-            <p:ph type="body" sz="quarter" idx="13"/>
-          </p:nvPr>
-        </p:nvSpPr>
-        <p:spPr/>
-        <p:txBody>
-          <a:bodyPr/>
-          <a:lstStyle/>
-          <a:p>
-            <a:endParaRPr lang="en-GB" dirty="0"/>
-          </a:p>
-        </p:txBody>
-      </p:sp>
-      <p:sp>
-        <p:nvSpPr>
-          <p:cNvPr id="9" name="Date Placeholder 8"/>
-          <p:cNvSpPr>
-            <a:spLocks noGrp="1"/>
-          </p:cNvSpPr>
-          <p:nvPr>
-            <p:ph type="dt" sz="half" idx="10"/>
-          </p:nvPr>
-        </p:nvSpPr>
-        <p:spPr/>
-        <p:txBody>
-          <a:bodyPr/>
-          <a:lstStyle/>
-          <a:p>
-            <a:r>
-              <a:rPr lang="de-CH" smtClean="0"/>
-              <a:t>14. September 2015</a:t>
-            </a:r>
-            <a:endParaRPr lang="de-CH" dirty="0"/>
-          </a:p>
-        </p:txBody>
-      </p:sp>
-      <p:sp>
-        <p:nvSpPr>
-          <p:cNvPr id="10" name="Slide Number Placeholder 9"/>
-          <p:cNvSpPr>
-            <a:spLocks noGrp="1"/>
-          </p:cNvSpPr>
-          <p:nvPr>
-            <p:ph type="sldNum" sz="quarter" idx="12"/>
-          </p:nvPr>
-        </p:nvSpPr>
-        <p:spPr/>
-        <p:txBody>
-          <a:bodyPr/>
-          <a:lstStyle/>
-          <a:p>
-            <a:r>
-              <a:rPr lang="de-CH" smtClean="0"/>
-              <a:t>Slide </a:t>
-            </a:r>
-            <a:fld id="{354A6CEC-B780-4E1E-A18A-C2D09A328CEF}" type="slidenum">
-              <a:rPr lang="de-CH" smtClean="0"/>
-              <a:t>30</a:t>
-            </a:fld>
-            <a:r>
-              <a:rPr lang="de-CH" smtClean="0"/>
-              <a:t> of 45</a:t>
-            </a:r>
-            <a:endParaRPr dirty="0"/>
-          </a:p>
-        </p:txBody>
-      </p:sp>
-    </p:spTree>
-    <p:extLst>
-      <p:ext uri="{BB962C8B-B14F-4D97-AF65-F5344CB8AC3E}">
-        <p14:creationId xmlns:p14="http://schemas.microsoft.com/office/powerpoint/2010/main" val="200139875"/>
-      </p:ext>
-    </p:extLst>
-  </p:cSld>
-  <p:clrMapOvr>
-    <a:masterClrMapping/>
-  </p:clrMapOvr>
-</p:sld>
-</file>
-
-<file path=ppt/slides/slide31.xml><?xml version="1.0" encoding="utf-8"?>
-<p:sld xmlns:a="http://schemas.openxmlformats.org/drawingml/2006/main" xmlns:r="http://schemas.openxmlformats.org/officeDocument/2006/relationships" xmlns:p="http://schemas.openxmlformats.org/presentationml/2006/main">
-  <p:cSld>
-    <p:spTree>
-      <p:nvGrpSpPr>
-        <p:cNvPr id="1" name=""/>
-        <p:cNvGrpSpPr/>
-        <p:nvPr/>
-      </p:nvGrpSpPr>
-      <p:grpSpPr>
-        <a:xfrm>
-          <a:off x="0" y="0"/>
-          <a:ext cx="0" cy="0"/>
-          <a:chOff x="0" y="0"/>
-          <a:chExt cx="0" cy="0"/>
-        </a:xfrm>
-      </p:grpSpPr>
-      <p:sp>
-        <p:nvSpPr>
-          <p:cNvPr id="2" name="Title 1"/>
-          <p:cNvSpPr>
-            <a:spLocks noGrp="1"/>
-          </p:cNvSpPr>
-          <p:nvPr>
-            <p:ph type="title"/>
-          </p:nvPr>
-        </p:nvSpPr>
-        <p:spPr/>
-        <p:txBody>
-          <a:bodyPr/>
-          <a:lstStyle/>
-          <a:p>
             <a:r>
               <a:rPr lang="en-GB" dirty="0" smtClean="0"/>
               <a:t>Reactive Programming</a:t>
@@ -23436,8 +24313,17 @@
           <a:p>
             <a:r>
               <a:rPr lang="en-GB" dirty="0" smtClean="0"/>
-              <a:t>Sequence of values, being computed asynchronously </a:t>
-            </a:r>
+              <a:t>Stream of </a:t>
+            </a:r>
+            <a:r>
+              <a:rPr lang="en-GB" dirty="0" smtClean="0"/>
+              <a:t>values, </a:t>
+            </a:r>
+            <a:r>
+              <a:rPr lang="en-GB" dirty="0" smtClean="0"/>
+              <a:t>computed asynchronously</a:t>
+            </a:r>
+            <a:endParaRPr lang="en-GB" dirty="0" smtClean="0"/>
           </a:p>
           <a:p>
             <a:endParaRPr lang="en-GB" dirty="0" smtClean="0"/>
@@ -23480,7 +24366,6 @@
               <a:rPr lang="en-GB" dirty="0" smtClean="0"/>
               <a:t>something else?</a:t>
             </a:r>
-            <a:endParaRPr lang="en-GB" dirty="0" smtClean="0"/>
           </a:p>
         </p:txBody>
       </p:sp>
@@ -24294,13 +25179,13 @@
               <a:rPr lang="de-CH" smtClean="0"/>
               <a:t>Slide </a:t>
             </a:r>
-            <a:fld id="{4C9284DA-55BA-47A0-97FD-FC9BA633C547}" type="slidenum">
+            <a:fld id="{19E3AC0B-C404-468E-81DF-6824F3539AC2}" type="slidenum">
               <a:rPr lang="de-CH" smtClean="0"/>
-              <a:t>31</a:t>
+              <a:t>30</a:t>
             </a:fld>
             <a:r>
               <a:rPr lang="de-CH" smtClean="0"/>
-              <a:t> of 45</a:t>
+              <a:t> of 44</a:t>
             </a:r>
             <a:endParaRPr dirty="0"/>
           </a:p>
@@ -24316,11 +25201,11 @@
   <p:clrMapOvr>
     <a:masterClrMapping/>
   </p:clrMapOvr>
-  <mc:AlternateContent xmlns:mc="http://schemas.openxmlformats.org/markup-compatibility/2006">
-    <mc:Choice xmlns:p14="http://schemas.microsoft.com/office/powerpoint/2010/main" Requires="p14">
+  <mc:AlternateContent xmlns:mc="http://schemas.openxmlformats.org/markup-compatibility/2006" xmlns:p14="http://schemas.microsoft.com/office/powerpoint/2010/main">
+    <mc:Choice Requires="p14">
       <p:transition spd="slow" p14:dur="2000"/>
     </mc:Choice>
-    <mc:Fallback>
+    <mc:Fallback xmlns="">
       <p:transition spd="slow"/>
     </mc:Fallback>
   </mc:AlternateContent>
@@ -24328,6 +25213,417 @@
     <p:tnLst>
       <p:par>
         <p:cTn id="1" dur="indefinite" restart="never" nodeType="tmRoot"/>
+      </p:par>
+    </p:tnLst>
+  </p:timing>
+</p:sld>
+</file>
+
+<file path=ppt/slides/slide31.xml><?xml version="1.0" encoding="utf-8"?>
+<p:sld xmlns:a="http://schemas.openxmlformats.org/drawingml/2006/main" xmlns:r="http://schemas.openxmlformats.org/officeDocument/2006/relationships" xmlns:p="http://schemas.openxmlformats.org/presentationml/2006/main">
+  <p:cSld>
+    <p:spTree>
+      <p:nvGrpSpPr>
+        <p:cNvPr id="1" name=""/>
+        <p:cNvGrpSpPr/>
+        <p:nvPr/>
+      </p:nvGrpSpPr>
+      <p:grpSpPr>
+        <a:xfrm>
+          <a:off x="0" y="0"/>
+          <a:ext cx="0" cy="0"/>
+          <a:chOff x="0" y="0"/>
+          <a:chExt cx="0" cy="0"/>
+        </a:xfrm>
+      </p:grpSpPr>
+      <p:sp>
+        <p:nvSpPr>
+          <p:cNvPr id="2" name="Title 1"/>
+          <p:cNvSpPr>
+            <a:spLocks noGrp="1"/>
+          </p:cNvSpPr>
+          <p:nvPr>
+            <p:ph type="title"/>
+          </p:nvPr>
+        </p:nvSpPr>
+        <p:spPr/>
+        <p:txBody>
+          <a:bodyPr/>
+          <a:lstStyle/>
+          <a:p>
+            <a:r>
+              <a:rPr lang="en-GB" dirty="0" smtClean="0"/>
+              <a:t>Reactive Programming</a:t>
+            </a:r>
+            <a:endParaRPr lang="en-GB" dirty="0"/>
+          </a:p>
+        </p:txBody>
+      </p:sp>
+      <p:sp>
+        <p:nvSpPr>
+          <p:cNvPr id="3" name="Content Placeholder 2"/>
+          <p:cNvSpPr>
+            <a:spLocks noGrp="1"/>
+          </p:cNvSpPr>
+          <p:nvPr>
+            <p:ph idx="1"/>
+          </p:nvPr>
+        </p:nvSpPr>
+        <p:spPr/>
+        <p:txBody>
+          <a:bodyPr/>
+          <a:lstStyle/>
+          <a:p>
+            <a:r>
+              <a:rPr lang="en-GB" dirty="0" smtClean="0"/>
+              <a:t>Reactive Extensions (Rx)* </a:t>
+            </a:r>
+            <a:r>
+              <a:rPr lang="en-GB" dirty="0" smtClean="0"/>
+              <a:t>calls it “Observable”.</a:t>
+            </a:r>
+          </a:p>
+          <a:p>
+            <a:endParaRPr lang="en-GB" dirty="0"/>
+          </a:p>
+          <a:p>
+            <a:r>
+              <a:rPr lang="en-GB" dirty="0" smtClean="0"/>
+              <a:t>Guess </a:t>
+            </a:r>
+            <a:r>
+              <a:rPr lang="en-GB" dirty="0" smtClean="0"/>
+              <a:t>what, we can map or </a:t>
+            </a:r>
+            <a:r>
+              <a:rPr lang="en-GB" dirty="0" err="1" smtClean="0"/>
+              <a:t>flatMap</a:t>
+            </a:r>
+            <a:r>
+              <a:rPr lang="en-GB" dirty="0" smtClean="0"/>
+              <a:t> it</a:t>
+            </a:r>
+            <a:r>
+              <a:rPr lang="en-GB" dirty="0" smtClean="0"/>
+              <a:t>!</a:t>
+            </a:r>
+            <a:endParaRPr lang="en-GB" dirty="0" smtClean="0"/>
+          </a:p>
+          <a:p>
+            <a:pPr marL="342900" indent="-342900">
+              <a:buFont typeface="Arial" panose="020B0604020202020204" pitchFamily="34" charset="0"/>
+              <a:buChar char="•"/>
+            </a:pPr>
+            <a:endParaRPr lang="en-GB" dirty="0" smtClean="0"/>
+          </a:p>
+          <a:p>
+            <a:endParaRPr lang="en-GB" dirty="0"/>
+          </a:p>
+        </p:txBody>
+      </p:sp>
+      <p:sp>
+        <p:nvSpPr>
+          <p:cNvPr id="4" name="Text Placeholder 3"/>
+          <p:cNvSpPr>
+            <a:spLocks noGrp="1"/>
+          </p:cNvSpPr>
+          <p:nvPr>
+            <p:ph type="body" sz="quarter" idx="13"/>
+          </p:nvPr>
+        </p:nvSpPr>
+        <p:spPr/>
+        <p:txBody>
+          <a:bodyPr/>
+          <a:lstStyle/>
+          <a:p>
+            <a:r>
+              <a:rPr lang="en-GB" dirty="0" smtClean="0"/>
+              <a:t>Combining what we’ve learned</a:t>
+            </a:r>
+            <a:endParaRPr lang="en-GB" dirty="0"/>
+          </a:p>
+        </p:txBody>
+      </p:sp>
+      <p:sp>
+        <p:nvSpPr>
+          <p:cNvPr id="13" name="Footer Placeholder 12"/>
+          <p:cNvSpPr>
+            <a:spLocks noGrp="1"/>
+          </p:cNvSpPr>
+          <p:nvPr>
+            <p:ph type="ftr" sz="quarter" idx="11"/>
+          </p:nvPr>
+        </p:nvSpPr>
+        <p:spPr/>
+        <p:txBody>
+          <a:bodyPr/>
+          <a:lstStyle/>
+          <a:p>
+            <a:r>
+              <a:rPr lang="en-GB" smtClean="0"/>
+              <a:t>Functional Design Patterns for OO Practicioners | Ivo Colombo, Hendrik Schöneberg</a:t>
+            </a:r>
+            <a:endParaRPr lang="en-GB" dirty="0"/>
+          </a:p>
+        </p:txBody>
+      </p:sp>
+      <p:sp>
+        <p:nvSpPr>
+          <p:cNvPr id="7" name="Date Placeholder 6"/>
+          <p:cNvSpPr>
+            <a:spLocks noGrp="1"/>
+          </p:cNvSpPr>
+          <p:nvPr>
+            <p:ph type="dt" sz="half" idx="10"/>
+          </p:nvPr>
+        </p:nvSpPr>
+        <p:spPr/>
+        <p:txBody>
+          <a:bodyPr/>
+          <a:lstStyle/>
+          <a:p>
+            <a:r>
+              <a:rPr lang="de-CH" smtClean="0"/>
+              <a:t>14. September 2015</a:t>
+            </a:r>
+            <a:endParaRPr lang="de-CH" dirty="0"/>
+          </a:p>
+        </p:txBody>
+      </p:sp>
+      <p:sp>
+        <p:nvSpPr>
+          <p:cNvPr id="8" name="Slide Number Placeholder 7"/>
+          <p:cNvSpPr>
+            <a:spLocks noGrp="1"/>
+          </p:cNvSpPr>
+          <p:nvPr>
+            <p:ph type="sldNum" sz="quarter" idx="12"/>
+          </p:nvPr>
+        </p:nvSpPr>
+        <p:spPr/>
+        <p:txBody>
+          <a:bodyPr/>
+          <a:lstStyle/>
+          <a:p>
+            <a:r>
+              <a:rPr lang="de-CH" smtClean="0"/>
+              <a:t>Slide </a:t>
+            </a:r>
+            <a:fld id="{8C95EEA0-D243-42AA-AF49-000760E87942}" type="slidenum">
+              <a:rPr lang="de-CH" smtClean="0"/>
+              <a:t>31</a:t>
+            </a:fld>
+            <a:r>
+              <a:rPr lang="de-CH" smtClean="0"/>
+              <a:t> of 44</a:t>
+            </a:r>
+            <a:endParaRPr dirty="0"/>
+          </a:p>
+        </p:txBody>
+      </p:sp>
+      <p:sp>
+        <p:nvSpPr>
+          <p:cNvPr id="5" name="TextBox 4"/>
+          <p:cNvSpPr txBox="1"/>
+          <p:nvPr/>
+        </p:nvSpPr>
+        <p:spPr>
+          <a:xfrm>
+            <a:off x="4785518" y="5949280"/>
+            <a:ext cx="4032448" cy="288032"/>
+          </a:xfrm>
+          <a:prstGeom prst="rect">
+            <a:avLst/>
+          </a:prstGeom>
+          <a:noFill/>
+        </p:spPr>
+        <p:txBody>
+          <a:bodyPr wrap="square" rtlCol="0">
+            <a:noAutofit/>
+          </a:bodyPr>
+          <a:lstStyle/>
+          <a:p>
+            <a:pPr algn="r"/>
+            <a:r>
+              <a:rPr lang="en-GB" sz="2200" dirty="0">
+                <a:latin typeface="AA Zuehlke" pitchFamily="2" charset="0"/>
+              </a:rPr>
+              <a:t>* </a:t>
+            </a:r>
+            <a:r>
+              <a:rPr lang="en-GB" sz="2200" dirty="0" smtClean="0">
+                <a:latin typeface="AA Zuehlke" pitchFamily="2" charset="0"/>
+              </a:rPr>
+              <a:t>http://reactivex.io</a:t>
+            </a:r>
+            <a:endParaRPr lang="en-GB" sz="2200" dirty="0" smtClean="0">
+              <a:latin typeface="AA Zuehlke" pitchFamily="2" charset="0"/>
+            </a:endParaRPr>
+          </a:p>
+        </p:txBody>
+      </p:sp>
+      <p:pic>
+        <p:nvPicPr>
+          <p:cNvPr id="1026" name="Picture 2" descr="FlatMap"/>
+          <p:cNvPicPr>
+            <a:picLocks noChangeAspect="1" noChangeArrowheads="1"/>
+          </p:cNvPicPr>
+          <p:nvPr/>
+        </p:nvPicPr>
+        <p:blipFill>
+          <a:blip r:embed="rId2">
+            <a:extLst>
+              <a:ext uri="{28A0092B-C50C-407E-A947-70E740481C1C}">
+                <a14:useLocalDpi xmlns:a14="http://schemas.microsoft.com/office/drawing/2010/main" val="0"/>
+              </a:ext>
+            </a:extLst>
+          </a:blip>
+          <a:srcRect/>
+          <a:stretch>
+            <a:fillRect/>
+          </a:stretch>
+        </p:blipFill>
+        <p:spPr bwMode="auto">
+          <a:xfrm>
+            <a:off x="467544" y="3212976"/>
+            <a:ext cx="6243791" cy="3024336"/>
+          </a:xfrm>
+          <a:prstGeom prst="rect">
+            <a:avLst/>
+          </a:prstGeom>
+          <a:noFill/>
+          <a:extLst>
+            <a:ext uri="{909E8E84-426E-40DD-AFC4-6F175D3DCCD1}">
+              <a14:hiddenFill xmlns:a14="http://schemas.microsoft.com/office/drawing/2010/main">
+                <a:solidFill>
+                  <a:srgbClr val="FFFFFF"/>
+                </a:solidFill>
+              </a14:hiddenFill>
+            </a:ext>
+          </a:extLst>
+        </p:spPr>
+      </p:pic>
+    </p:spTree>
+    <p:extLst>
+      <p:ext uri="{BB962C8B-B14F-4D97-AF65-F5344CB8AC3E}">
+        <p14:creationId xmlns:p14="http://schemas.microsoft.com/office/powerpoint/2010/main" val="1888445777"/>
+      </p:ext>
+    </p:extLst>
+  </p:cSld>
+  <p:clrMapOvr>
+    <a:masterClrMapping/>
+  </p:clrMapOvr>
+  <mc:AlternateContent xmlns:mc="http://schemas.openxmlformats.org/markup-compatibility/2006" xmlns:p14="http://schemas.microsoft.com/office/powerpoint/2010/main">
+    <mc:Choice Requires="p14">
+      <p:transition spd="slow" p14:dur="2000"/>
+    </mc:Choice>
+    <mc:Fallback xmlns="">
+      <p:transition spd="slow"/>
+    </mc:Fallback>
+  </mc:AlternateContent>
+  <p:timing>
+    <p:tnLst>
+      <p:par>
+        <p:cTn id="1" dur="indefinite" restart="never" nodeType="tmRoot">
+          <p:childTnLst>
+            <p:seq concurrent="1" nextAc="seek">
+              <p:cTn id="2" dur="indefinite" nodeType="mainSeq">
+                <p:childTnLst>
+                  <p:par>
+                    <p:cTn id="3" fill="hold">
+                      <p:stCondLst>
+                        <p:cond delay="indefinite"/>
+                      </p:stCondLst>
+                      <p:childTnLst>
+                        <p:par>
+                          <p:cTn id="4" fill="hold">
+                            <p:stCondLst>
+                              <p:cond delay="0"/>
+                            </p:stCondLst>
+                            <p:childTnLst>
+                              <p:par>
+                                <p:cTn id="5" presetID="1" presetClass="entr" presetSubtype="0" fill="hold" nodeType="clickEffect">
+                                  <p:stCondLst>
+                                    <p:cond delay="0"/>
+                                  </p:stCondLst>
+                                  <p:childTnLst>
+                                    <p:set>
+                                      <p:cBhvr>
+                                        <p:cTn id="6" dur="1" fill="hold">
+                                          <p:stCondLst>
+                                            <p:cond delay="0"/>
+                                          </p:stCondLst>
+                                        </p:cTn>
+                                        <p:tgtEl>
+                                          <p:spTgt spid="3">
+                                            <p:txEl>
+                                              <p:pRg st="2" end="2"/>
+                                            </p:txEl>
+                                          </p:spTgt>
+                                        </p:tgtEl>
+                                        <p:attrNameLst>
+                                          <p:attrName>style.visibility</p:attrName>
+                                        </p:attrNameLst>
+                                      </p:cBhvr>
+                                      <p:to>
+                                        <p:strVal val="visible"/>
+                                      </p:to>
+                                    </p:set>
+                                  </p:childTnLst>
+                                </p:cTn>
+                              </p:par>
+                              <p:par>
+                                <p:cTn id="7" presetID="1" presetClass="entr" presetSubtype="0" fill="hold" nodeType="withEffect">
+                                  <p:stCondLst>
+                                    <p:cond delay="0"/>
+                                  </p:stCondLst>
+                                  <p:childTnLst>
+                                    <p:set>
+                                      <p:cBhvr>
+                                        <p:cTn id="8" dur="1" fill="hold">
+                                          <p:stCondLst>
+                                            <p:cond delay="0"/>
+                                          </p:stCondLst>
+                                        </p:cTn>
+                                        <p:tgtEl>
+                                          <p:spTgt spid="1026"/>
+                                        </p:tgtEl>
+                                        <p:attrNameLst>
+                                          <p:attrName>style.visibility</p:attrName>
+                                        </p:attrNameLst>
+                                      </p:cBhvr>
+                                      <p:to>
+                                        <p:strVal val="visible"/>
+                                      </p:to>
+                                    </p:set>
+                                  </p:childTnLst>
+                                </p:cTn>
+                              </p:par>
+                            </p:childTnLst>
+                          </p:cTn>
+                        </p:par>
+                      </p:childTnLst>
+                    </p:cTn>
+                  </p:par>
+                </p:childTnLst>
+              </p:cTn>
+              <p:prevCondLst>
+                <p:cond evt="onPrev" delay="0">
+                  <p:tgtEl>
+                    <p:sldTgt/>
+                  </p:tgtEl>
+                </p:cond>
+              </p:prevCondLst>
+              <p:nextCondLst>
+                <p:cond evt="onNext" delay="0">
+                  <p:tgtEl>
+                    <p:sldTgt/>
+                  </p:tgtEl>
+                </p:cond>
+              </p:nextCondLst>
+            </p:seq>
+          </p:childTnLst>
+        </p:cTn>
       </p:par>
     </p:tnLst>
   </p:timing>
@@ -24353,7 +25649,7 @@
       </p:grpSpPr>
       <p:sp>
         <p:nvSpPr>
-          <p:cNvPr id="2" name="Title 1"/>
+          <p:cNvPr id="7" name="Title 6"/>
           <p:cNvSpPr>
             <a:spLocks noGrp="1"/>
           </p:cNvSpPr>
@@ -24368,7 +25664,7 @@
           <a:p>
             <a:r>
               <a:rPr lang="en-GB" dirty="0" smtClean="0"/>
-              <a:t>Reactive Programming</a:t>
+              <a:t>Higher-Order Functions</a:t>
             </a:r>
             <a:endParaRPr lang="en-GB" dirty="0"/>
           </a:p>
@@ -24376,7 +25672,7 @@
       </p:sp>
       <p:sp>
         <p:nvSpPr>
-          <p:cNvPr id="3" name="Content Placeholder 2"/>
+          <p:cNvPr id="8" name="Content Placeholder 7"/>
           <p:cNvSpPr>
             <a:spLocks noGrp="1"/>
           </p:cNvSpPr>
@@ -24389,25 +25685,17 @@
           <a:bodyPr/>
           <a:lstStyle/>
           <a:p>
-            <a:r>
-              <a:rPr lang="en-GB" dirty="0" err="1" smtClean="0"/>
-              <a:t>ReactiveX</a:t>
-            </a:r>
+            <a:pPr marL="257175" indent="-257175">
+              <a:buFont typeface="Arial" panose="020B0604020202020204" pitchFamily="34" charset="0"/>
+              <a:buChar char="•"/>
+            </a:pPr>
             <a:r>
               <a:rPr lang="en-GB" dirty="0" smtClean="0"/>
-              <a:t> calls it “Observable”.</a:t>
-            </a:r>
-          </a:p>
-          <a:p>
-            <a:endParaRPr lang="en-GB" dirty="0" smtClean="0"/>
-          </a:p>
-          <a:p>
-            <a:endParaRPr lang="en-GB" dirty="0" smtClean="0"/>
-          </a:p>
-          <a:p>
+              <a:t>Map </a:t>
+            </a:r>
             <a:r>
               <a:rPr lang="en-GB" dirty="0" smtClean="0"/>
-              <a:t>Guess what, we can map or </a:t>
+              <a:t>and </a:t>
             </a:r>
             <a:r>
               <a:rPr lang="en-GB" dirty="0" err="1" smtClean="0"/>
@@ -24415,47 +25703,112 @@
             </a:r>
             <a:r>
               <a:rPr lang="en-GB" dirty="0" smtClean="0"/>
-              <a:t> it!</a:t>
-            </a:r>
-          </a:p>
-          <a:p>
-            <a:pPr marL="342900" indent="-342900">
+              <a:t> are the links of the value transformation chain.</a:t>
+            </a:r>
+          </a:p>
+          <a:p>
+            <a:pPr marL="257175" indent="-257175">
+              <a:buFont typeface="Arial" panose="020B0604020202020204" pitchFamily="34" charset="0"/>
+              <a:buChar char="•"/>
+            </a:pPr>
+            <a:r>
+              <a:rPr lang="en-GB" dirty="0" smtClean="0"/>
+              <a:t>Don’t </a:t>
+            </a:r>
+            <a:r>
+              <a:rPr lang="en-GB" dirty="0" smtClean="0"/>
+              <a:t>leave the box (too early)!</a:t>
+            </a:r>
+          </a:p>
+          <a:p>
+            <a:pPr marL="257175" indent="-257175">
               <a:buFont typeface="Arial" panose="020B0604020202020204" pitchFamily="34" charset="0"/>
               <a:buChar char="•"/>
             </a:pPr>
             <a:endParaRPr lang="en-GB" dirty="0" smtClean="0"/>
           </a:p>
           <a:p>
+            <a:r>
+              <a:rPr lang="en-GB" dirty="0" smtClean="0"/>
+              <a:t>Java 8 Support:</a:t>
+            </a:r>
+          </a:p>
+          <a:p>
+            <a:pPr marL="257175" indent="-257175">
+              <a:buFont typeface="Arial" panose="020B0604020202020204" pitchFamily="34" charset="0"/>
+              <a:buChar char="•"/>
+            </a:pPr>
+            <a:r>
+              <a:rPr lang="en-GB" dirty="0" smtClean="0"/>
+              <a:t>Optional</a:t>
+            </a:r>
+          </a:p>
+          <a:p>
+            <a:pPr marL="257175" indent="-257175">
+              <a:buFont typeface="Arial" panose="020B0604020202020204" pitchFamily="34" charset="0"/>
+              <a:buChar char="•"/>
+            </a:pPr>
+            <a:r>
+              <a:rPr lang="en-GB" dirty="0" err="1" smtClean="0"/>
+              <a:t>CompletableFuture</a:t>
+            </a:r>
+            <a:r>
+              <a:rPr lang="en-GB" dirty="0" smtClean="0"/>
+              <a:t>: </a:t>
+            </a:r>
+            <a:r>
+              <a:rPr lang="en-GB" dirty="0" err="1" smtClean="0"/>
+              <a:t>thenApply</a:t>
+            </a:r>
+            <a:r>
+              <a:rPr lang="en-GB" dirty="0" smtClean="0"/>
+              <a:t> (map), </a:t>
+            </a:r>
+            <a:r>
+              <a:rPr lang="en-GB" dirty="0" err="1" smtClean="0"/>
+              <a:t>thenCompose</a:t>
+            </a:r>
+            <a:r>
+              <a:rPr lang="en-GB" dirty="0" smtClean="0"/>
+              <a:t> (</a:t>
+            </a:r>
+            <a:r>
+              <a:rPr lang="en-GB" dirty="0" err="1" smtClean="0"/>
+              <a:t>flatMap</a:t>
+            </a:r>
+            <a:r>
+              <a:rPr lang="en-GB" dirty="0" smtClean="0"/>
+              <a:t>)</a:t>
+            </a:r>
+          </a:p>
+        </p:txBody>
+      </p:sp>
+      <p:sp>
+        <p:nvSpPr>
+          <p:cNvPr id="9" name="Text Placeholder 8"/>
+          <p:cNvSpPr>
+            <a:spLocks noGrp="1"/>
+          </p:cNvSpPr>
+          <p:nvPr>
+            <p:ph type="body" sz="quarter" idx="13"/>
+          </p:nvPr>
+        </p:nvSpPr>
+        <p:spPr/>
+        <p:txBody>
+          <a:bodyPr/>
+          <a:lstStyle/>
+          <a:p>
+            <a:r>
+              <a:rPr lang="en-GB" dirty="0" smtClean="0"/>
+              <a:t>Lessons learned</a:t>
+            </a:r>
             <a:endParaRPr lang="en-GB" dirty="0"/>
           </a:p>
         </p:txBody>
       </p:sp>
       <p:sp>
         <p:nvSpPr>
-          <p:cNvPr id="4" name="Text Placeholder 3"/>
-          <p:cNvSpPr>
-            <a:spLocks noGrp="1"/>
-          </p:cNvSpPr>
-          <p:nvPr>
-            <p:ph type="body" sz="quarter" idx="13"/>
-          </p:nvPr>
-        </p:nvSpPr>
-        <p:spPr/>
-        <p:txBody>
-          <a:bodyPr/>
-          <a:lstStyle/>
-          <a:p>
-            <a:r>
-              <a:rPr lang="en-GB" dirty="0" smtClean="0"/>
-              <a:t>Combining what we’ve learned</a:t>
-            </a:r>
-            <a:endParaRPr lang="en-GB" dirty="0"/>
-          </a:p>
-        </p:txBody>
-      </p:sp>
-      <p:sp>
-        <p:nvSpPr>
-          <p:cNvPr id="13" name="Footer Placeholder 12"/>
+          <p:cNvPr id="3" name="Footer Placeholder 2"/>
           <p:cNvSpPr>
             <a:spLocks noGrp="1"/>
           </p:cNvSpPr>
@@ -24476,731 +25829,9 @@
           </a:p>
         </p:txBody>
       </p:sp>
-      <p:cxnSp>
-        <p:nvCxnSpPr>
-          <p:cNvPr id="6" name="Straight Arrow Connector 5"/>
-          <p:cNvCxnSpPr/>
-          <p:nvPr/>
-        </p:nvCxnSpPr>
-        <p:spPr>
-          <a:xfrm>
-            <a:off x="755576" y="2579328"/>
-            <a:ext cx="7416824" cy="0"/>
-          </a:xfrm>
-          <a:prstGeom prst="straightConnector1">
-            <a:avLst/>
-          </a:prstGeom>
-          <a:ln w="38100">
-            <a:solidFill>
-              <a:schemeClr val="tx2"/>
-            </a:solidFill>
-            <a:tailEnd type="triangle"/>
-          </a:ln>
-        </p:spPr>
-        <p:style>
-          <a:lnRef idx="1">
-            <a:schemeClr val="accent1"/>
-          </a:lnRef>
-          <a:fillRef idx="0">
-            <a:schemeClr val="accent1"/>
-          </a:fillRef>
-          <a:effectRef idx="0">
-            <a:schemeClr val="accent1"/>
-          </a:effectRef>
-          <a:fontRef idx="minor">
-            <a:schemeClr val="tx1"/>
-          </a:fontRef>
-        </p:style>
-      </p:cxnSp>
-      <p:grpSp>
-        <p:nvGrpSpPr>
-          <p:cNvPr id="16" name="Group 15"/>
-          <p:cNvGrpSpPr/>
-          <p:nvPr/>
-        </p:nvGrpSpPr>
-        <p:grpSpPr>
-          <a:xfrm>
-            <a:off x="1161812" y="2347041"/>
-            <a:ext cx="464575" cy="464575"/>
-            <a:chOff x="2279576" y="2276872"/>
-            <a:chExt cx="432048" cy="432048"/>
-          </a:xfrm>
-        </p:grpSpPr>
-        <p:sp>
-          <p:nvSpPr>
-            <p:cNvPr id="17" name="Rounded Rectangle 16"/>
-            <p:cNvSpPr/>
-            <p:nvPr/>
-          </p:nvSpPr>
-          <p:spPr>
-            <a:xfrm>
-              <a:off x="2279576" y="2276872"/>
-              <a:ext cx="432048" cy="432048"/>
-            </a:xfrm>
-            <a:prstGeom prst="roundRect">
-              <a:avLst/>
-            </a:prstGeom>
-            <a:solidFill>
-              <a:srgbClr val="0070C0"/>
-            </a:solidFill>
-            <a:ln w="76200">
-              <a:noFill/>
-            </a:ln>
-          </p:spPr>
-          <p:style>
-            <a:lnRef idx="2">
-              <a:schemeClr val="accent1">
-                <a:shade val="50000"/>
-              </a:schemeClr>
-            </a:lnRef>
-            <a:fillRef idx="1">
-              <a:schemeClr val="accent1"/>
-            </a:fillRef>
-            <a:effectRef idx="0">
-              <a:schemeClr val="accent1"/>
-            </a:effectRef>
-            <a:fontRef idx="minor">
-              <a:schemeClr val="lt1"/>
-            </a:fontRef>
-          </p:style>
-          <p:txBody>
-            <a:bodyPr rtlCol="0" anchor="ctr"/>
-            <a:lstStyle/>
-            <a:p>
-              <a:pPr algn="ctr"/>
-              <a:endParaRPr lang="en-US" sz="2200" dirty="0" err="1">
-                <a:ln w="76200">
-                  <a:noFill/>
-                </a:ln>
-                <a:latin typeface="AA Zuehlke" pitchFamily="2" charset="0"/>
-              </a:endParaRPr>
-            </a:p>
-          </p:txBody>
-        </p:sp>
-        <p:sp>
-          <p:nvSpPr>
-            <p:cNvPr id="18" name="TextBox 17"/>
-            <p:cNvSpPr txBox="1"/>
-            <p:nvPr/>
-          </p:nvSpPr>
-          <p:spPr>
-            <a:xfrm>
-              <a:off x="2279576" y="2295255"/>
-              <a:ext cx="432048" cy="360040"/>
-            </a:xfrm>
-            <a:prstGeom prst="rect">
-              <a:avLst/>
-            </a:prstGeom>
-            <a:noFill/>
-          </p:spPr>
-          <p:txBody>
-            <a:bodyPr wrap="square" rtlCol="0">
-              <a:noAutofit/>
-            </a:bodyPr>
-            <a:lstStyle/>
-            <a:p>
-              <a:pPr algn="ctr"/>
-              <a:endParaRPr lang="en-US" sz="2200" dirty="0">
-                <a:solidFill>
-                  <a:schemeClr val="bg1"/>
-                </a:solidFill>
-                <a:latin typeface="AA Zuehlke" pitchFamily="2" charset="0"/>
-              </a:endParaRPr>
-            </a:p>
-          </p:txBody>
-        </p:sp>
-      </p:grpSp>
-      <p:grpSp>
-        <p:nvGrpSpPr>
-          <p:cNvPr id="19" name="Group 18"/>
-          <p:cNvGrpSpPr/>
-          <p:nvPr/>
-        </p:nvGrpSpPr>
-        <p:grpSpPr>
-          <a:xfrm>
-            <a:off x="3063118" y="2347041"/>
-            <a:ext cx="464575" cy="464575"/>
-            <a:chOff x="1853418" y="2276872"/>
-            <a:chExt cx="432048" cy="432048"/>
-          </a:xfrm>
-        </p:grpSpPr>
-        <p:sp>
-          <p:nvSpPr>
-            <p:cNvPr id="20" name="Rounded Rectangle 19"/>
-            <p:cNvSpPr/>
-            <p:nvPr/>
-          </p:nvSpPr>
-          <p:spPr>
-            <a:xfrm>
-              <a:off x="1853418" y="2276872"/>
-              <a:ext cx="432048" cy="432048"/>
-            </a:xfrm>
-            <a:prstGeom prst="roundRect">
-              <a:avLst/>
-            </a:prstGeom>
-            <a:solidFill>
-              <a:srgbClr val="0070C0"/>
-            </a:solidFill>
-            <a:ln w="76200">
-              <a:noFill/>
-            </a:ln>
-          </p:spPr>
-          <p:style>
-            <a:lnRef idx="2">
-              <a:schemeClr val="accent1">
-                <a:shade val="50000"/>
-              </a:schemeClr>
-            </a:lnRef>
-            <a:fillRef idx="1">
-              <a:schemeClr val="accent1"/>
-            </a:fillRef>
-            <a:effectRef idx="0">
-              <a:schemeClr val="accent1"/>
-            </a:effectRef>
-            <a:fontRef idx="minor">
-              <a:schemeClr val="lt1"/>
-            </a:fontRef>
-          </p:style>
-          <p:txBody>
-            <a:bodyPr rtlCol="0" anchor="ctr"/>
-            <a:lstStyle/>
-            <a:p>
-              <a:pPr algn="ctr"/>
-              <a:endParaRPr lang="en-US" sz="2200" dirty="0" err="1">
-                <a:ln w="76200">
-                  <a:noFill/>
-                </a:ln>
-                <a:latin typeface="AA Zuehlke" pitchFamily="2" charset="0"/>
-              </a:endParaRPr>
-            </a:p>
-          </p:txBody>
-        </p:sp>
-        <p:sp>
-          <p:nvSpPr>
-            <p:cNvPr id="21" name="TextBox 20"/>
-            <p:cNvSpPr txBox="1"/>
-            <p:nvPr/>
-          </p:nvSpPr>
-          <p:spPr>
-            <a:xfrm>
-              <a:off x="1853418" y="2295255"/>
-              <a:ext cx="432048" cy="360040"/>
-            </a:xfrm>
-            <a:prstGeom prst="rect">
-              <a:avLst/>
-            </a:prstGeom>
-            <a:noFill/>
-          </p:spPr>
-          <p:txBody>
-            <a:bodyPr wrap="square" rtlCol="0">
-              <a:noAutofit/>
-            </a:bodyPr>
-            <a:lstStyle/>
-            <a:p>
-              <a:pPr algn="ctr"/>
-              <a:endParaRPr lang="en-US" sz="2200" dirty="0">
-                <a:solidFill>
-                  <a:schemeClr val="bg1"/>
-                </a:solidFill>
-                <a:latin typeface="AA Zuehlke" pitchFamily="2" charset="0"/>
-              </a:endParaRPr>
-            </a:p>
-          </p:txBody>
-        </p:sp>
-      </p:grpSp>
-      <p:grpSp>
-        <p:nvGrpSpPr>
-          <p:cNvPr id="22" name="Group 21"/>
-          <p:cNvGrpSpPr/>
-          <p:nvPr/>
-        </p:nvGrpSpPr>
-        <p:grpSpPr>
-          <a:xfrm>
-            <a:off x="3923928" y="2347041"/>
-            <a:ext cx="464575" cy="464575"/>
-            <a:chOff x="1853418" y="2276872"/>
-            <a:chExt cx="432048" cy="432048"/>
-          </a:xfrm>
-        </p:grpSpPr>
-        <p:sp>
-          <p:nvSpPr>
-            <p:cNvPr id="23" name="Rounded Rectangle 22"/>
-            <p:cNvSpPr/>
-            <p:nvPr/>
-          </p:nvSpPr>
-          <p:spPr>
-            <a:xfrm>
-              <a:off x="1853418" y="2276872"/>
-              <a:ext cx="432048" cy="432048"/>
-            </a:xfrm>
-            <a:prstGeom prst="roundRect">
-              <a:avLst/>
-            </a:prstGeom>
-            <a:solidFill>
-              <a:srgbClr val="0070C0"/>
-            </a:solidFill>
-            <a:ln w="76200">
-              <a:noFill/>
-            </a:ln>
-          </p:spPr>
-          <p:style>
-            <a:lnRef idx="2">
-              <a:schemeClr val="accent1">
-                <a:shade val="50000"/>
-              </a:schemeClr>
-            </a:lnRef>
-            <a:fillRef idx="1">
-              <a:schemeClr val="accent1"/>
-            </a:fillRef>
-            <a:effectRef idx="0">
-              <a:schemeClr val="accent1"/>
-            </a:effectRef>
-            <a:fontRef idx="minor">
-              <a:schemeClr val="lt1"/>
-            </a:fontRef>
-          </p:style>
-          <p:txBody>
-            <a:bodyPr rtlCol="0" anchor="ctr"/>
-            <a:lstStyle/>
-            <a:p>
-              <a:pPr algn="ctr"/>
-              <a:endParaRPr lang="en-US" sz="2200" dirty="0" err="1">
-                <a:ln w="76200">
-                  <a:noFill/>
-                </a:ln>
-                <a:latin typeface="AA Zuehlke" pitchFamily="2" charset="0"/>
-              </a:endParaRPr>
-            </a:p>
-          </p:txBody>
-        </p:sp>
-        <p:sp>
-          <p:nvSpPr>
-            <p:cNvPr id="24" name="TextBox 23"/>
-            <p:cNvSpPr txBox="1"/>
-            <p:nvPr/>
-          </p:nvSpPr>
-          <p:spPr>
-            <a:xfrm>
-              <a:off x="1853418" y="2295255"/>
-              <a:ext cx="432048" cy="360040"/>
-            </a:xfrm>
-            <a:prstGeom prst="rect">
-              <a:avLst/>
-            </a:prstGeom>
-            <a:noFill/>
-          </p:spPr>
-          <p:txBody>
-            <a:bodyPr wrap="square" rtlCol="0">
-              <a:noAutofit/>
-            </a:bodyPr>
-            <a:lstStyle/>
-            <a:p>
-              <a:pPr algn="ctr"/>
-              <a:endParaRPr lang="en-US" sz="2200" dirty="0">
-                <a:solidFill>
-                  <a:schemeClr val="bg1"/>
-                </a:solidFill>
-                <a:latin typeface="AA Zuehlke" pitchFamily="2" charset="0"/>
-              </a:endParaRPr>
-            </a:p>
-          </p:txBody>
-        </p:sp>
-      </p:grpSp>
-      <p:grpSp>
-        <p:nvGrpSpPr>
-          <p:cNvPr id="25" name="Group 24"/>
-          <p:cNvGrpSpPr/>
-          <p:nvPr/>
-        </p:nvGrpSpPr>
-        <p:grpSpPr>
-          <a:xfrm>
-            <a:off x="4644008" y="2347041"/>
-            <a:ext cx="464575" cy="464575"/>
-            <a:chOff x="1853418" y="2276872"/>
-            <a:chExt cx="432048" cy="432048"/>
-          </a:xfrm>
-        </p:grpSpPr>
-        <p:sp>
-          <p:nvSpPr>
-            <p:cNvPr id="26" name="Rounded Rectangle 25"/>
-            <p:cNvSpPr/>
-            <p:nvPr/>
-          </p:nvSpPr>
-          <p:spPr>
-            <a:xfrm>
-              <a:off x="1853418" y="2276872"/>
-              <a:ext cx="432048" cy="432048"/>
-            </a:xfrm>
-            <a:prstGeom prst="roundRect">
-              <a:avLst/>
-            </a:prstGeom>
-            <a:solidFill>
-              <a:srgbClr val="0070C0"/>
-            </a:solidFill>
-            <a:ln w="76200">
-              <a:noFill/>
-            </a:ln>
-          </p:spPr>
-          <p:style>
-            <a:lnRef idx="2">
-              <a:schemeClr val="accent1">
-                <a:shade val="50000"/>
-              </a:schemeClr>
-            </a:lnRef>
-            <a:fillRef idx="1">
-              <a:schemeClr val="accent1"/>
-            </a:fillRef>
-            <a:effectRef idx="0">
-              <a:schemeClr val="accent1"/>
-            </a:effectRef>
-            <a:fontRef idx="minor">
-              <a:schemeClr val="lt1"/>
-            </a:fontRef>
-          </p:style>
-          <p:txBody>
-            <a:bodyPr rtlCol="0" anchor="ctr"/>
-            <a:lstStyle/>
-            <a:p>
-              <a:pPr algn="ctr"/>
-              <a:endParaRPr lang="en-US" sz="2200" dirty="0" err="1">
-                <a:ln w="76200">
-                  <a:noFill/>
-                </a:ln>
-                <a:latin typeface="AA Zuehlke" pitchFamily="2" charset="0"/>
-              </a:endParaRPr>
-            </a:p>
-          </p:txBody>
-        </p:sp>
-        <p:sp>
-          <p:nvSpPr>
-            <p:cNvPr id="27" name="TextBox 26"/>
-            <p:cNvSpPr txBox="1"/>
-            <p:nvPr/>
-          </p:nvSpPr>
-          <p:spPr>
-            <a:xfrm>
-              <a:off x="1853418" y="2295255"/>
-              <a:ext cx="432048" cy="360040"/>
-            </a:xfrm>
-            <a:prstGeom prst="rect">
-              <a:avLst/>
-            </a:prstGeom>
-            <a:noFill/>
-          </p:spPr>
-          <p:txBody>
-            <a:bodyPr wrap="square" rtlCol="0">
-              <a:noAutofit/>
-            </a:bodyPr>
-            <a:lstStyle/>
-            <a:p>
-              <a:pPr algn="ctr"/>
-              <a:endParaRPr lang="en-US" sz="2200" dirty="0">
-                <a:solidFill>
-                  <a:schemeClr val="bg1"/>
-                </a:solidFill>
-                <a:latin typeface="AA Zuehlke" pitchFamily="2" charset="0"/>
-              </a:endParaRPr>
-            </a:p>
-          </p:txBody>
-        </p:sp>
-      </p:grpSp>
-      <p:grpSp>
-        <p:nvGrpSpPr>
-          <p:cNvPr id="28" name="Group 27"/>
-          <p:cNvGrpSpPr/>
-          <p:nvPr/>
-        </p:nvGrpSpPr>
-        <p:grpSpPr>
-          <a:xfrm>
-            <a:off x="1947185" y="2347041"/>
-            <a:ext cx="464575" cy="464575"/>
-            <a:chOff x="1853418" y="2276872"/>
-            <a:chExt cx="432048" cy="432048"/>
-          </a:xfrm>
-        </p:grpSpPr>
-        <p:sp>
-          <p:nvSpPr>
-            <p:cNvPr id="29" name="Rounded Rectangle 28"/>
-            <p:cNvSpPr/>
-            <p:nvPr/>
-          </p:nvSpPr>
-          <p:spPr>
-            <a:xfrm>
-              <a:off x="1853418" y="2276872"/>
-              <a:ext cx="432048" cy="432048"/>
-            </a:xfrm>
-            <a:prstGeom prst="roundRect">
-              <a:avLst/>
-            </a:prstGeom>
-            <a:solidFill>
-              <a:srgbClr val="0070C0"/>
-            </a:solidFill>
-            <a:ln w="76200">
-              <a:noFill/>
-            </a:ln>
-          </p:spPr>
-          <p:style>
-            <a:lnRef idx="2">
-              <a:schemeClr val="accent1">
-                <a:shade val="50000"/>
-              </a:schemeClr>
-            </a:lnRef>
-            <a:fillRef idx="1">
-              <a:schemeClr val="accent1"/>
-            </a:fillRef>
-            <a:effectRef idx="0">
-              <a:schemeClr val="accent1"/>
-            </a:effectRef>
-            <a:fontRef idx="minor">
-              <a:schemeClr val="lt1"/>
-            </a:fontRef>
-          </p:style>
-          <p:txBody>
-            <a:bodyPr rtlCol="0" anchor="ctr"/>
-            <a:lstStyle/>
-            <a:p>
-              <a:pPr algn="ctr"/>
-              <a:endParaRPr lang="en-US" sz="2200" dirty="0" err="1">
-                <a:ln w="76200">
-                  <a:noFill/>
-                </a:ln>
-                <a:latin typeface="AA Zuehlke" pitchFamily="2" charset="0"/>
-              </a:endParaRPr>
-            </a:p>
-          </p:txBody>
-        </p:sp>
-        <p:sp>
-          <p:nvSpPr>
-            <p:cNvPr id="30" name="TextBox 29"/>
-            <p:cNvSpPr txBox="1"/>
-            <p:nvPr/>
-          </p:nvSpPr>
-          <p:spPr>
-            <a:xfrm>
-              <a:off x="1853418" y="2295255"/>
-              <a:ext cx="432048" cy="360040"/>
-            </a:xfrm>
-            <a:prstGeom prst="rect">
-              <a:avLst/>
-            </a:prstGeom>
-            <a:noFill/>
-          </p:spPr>
-          <p:txBody>
-            <a:bodyPr wrap="square" rtlCol="0">
-              <a:noAutofit/>
-            </a:bodyPr>
-            <a:lstStyle/>
-            <a:p>
-              <a:pPr algn="ctr"/>
-              <a:endParaRPr lang="en-US" sz="2200" dirty="0">
-                <a:solidFill>
-                  <a:schemeClr val="bg1"/>
-                </a:solidFill>
-                <a:latin typeface="AA Zuehlke" pitchFamily="2" charset="0"/>
-              </a:endParaRPr>
-            </a:p>
-          </p:txBody>
-        </p:sp>
-      </p:grpSp>
-      <p:grpSp>
-        <p:nvGrpSpPr>
-          <p:cNvPr id="31" name="Group 30"/>
-          <p:cNvGrpSpPr/>
-          <p:nvPr/>
-        </p:nvGrpSpPr>
-        <p:grpSpPr>
-          <a:xfrm>
-            <a:off x="6084168" y="2347041"/>
-            <a:ext cx="464575" cy="464575"/>
-            <a:chOff x="1853418" y="2276872"/>
-            <a:chExt cx="432048" cy="432048"/>
-          </a:xfrm>
-        </p:grpSpPr>
-        <p:sp>
-          <p:nvSpPr>
-            <p:cNvPr id="32" name="Rounded Rectangle 31"/>
-            <p:cNvSpPr/>
-            <p:nvPr/>
-          </p:nvSpPr>
-          <p:spPr>
-            <a:xfrm>
-              <a:off x="1853418" y="2276872"/>
-              <a:ext cx="432048" cy="432048"/>
-            </a:xfrm>
-            <a:prstGeom prst="roundRect">
-              <a:avLst/>
-            </a:prstGeom>
-            <a:solidFill>
-              <a:srgbClr val="0070C0"/>
-            </a:solidFill>
-            <a:ln w="76200">
-              <a:noFill/>
-            </a:ln>
-          </p:spPr>
-          <p:style>
-            <a:lnRef idx="2">
-              <a:schemeClr val="accent1">
-                <a:shade val="50000"/>
-              </a:schemeClr>
-            </a:lnRef>
-            <a:fillRef idx="1">
-              <a:schemeClr val="accent1"/>
-            </a:fillRef>
-            <a:effectRef idx="0">
-              <a:schemeClr val="accent1"/>
-            </a:effectRef>
-            <a:fontRef idx="minor">
-              <a:schemeClr val="lt1"/>
-            </a:fontRef>
-          </p:style>
-          <p:txBody>
-            <a:bodyPr rtlCol="0" anchor="ctr"/>
-            <a:lstStyle/>
-            <a:p>
-              <a:pPr algn="ctr"/>
-              <a:endParaRPr lang="en-US" sz="2200" dirty="0" err="1">
-                <a:ln w="76200">
-                  <a:noFill/>
-                </a:ln>
-                <a:latin typeface="AA Zuehlke" pitchFamily="2" charset="0"/>
-              </a:endParaRPr>
-            </a:p>
-          </p:txBody>
-        </p:sp>
-        <p:sp>
-          <p:nvSpPr>
-            <p:cNvPr id="33" name="TextBox 32"/>
-            <p:cNvSpPr txBox="1"/>
-            <p:nvPr/>
-          </p:nvSpPr>
-          <p:spPr>
-            <a:xfrm>
-              <a:off x="1853418" y="2295255"/>
-              <a:ext cx="432048" cy="360040"/>
-            </a:xfrm>
-            <a:prstGeom prst="rect">
-              <a:avLst/>
-            </a:prstGeom>
-            <a:noFill/>
-          </p:spPr>
-          <p:txBody>
-            <a:bodyPr wrap="square" rtlCol="0">
-              <a:noAutofit/>
-            </a:bodyPr>
-            <a:lstStyle/>
-            <a:p>
-              <a:pPr algn="ctr"/>
-              <a:endParaRPr lang="en-US" sz="2200" dirty="0">
-                <a:solidFill>
-                  <a:schemeClr val="bg1"/>
-                </a:solidFill>
-                <a:latin typeface="AA Zuehlke" pitchFamily="2" charset="0"/>
-              </a:endParaRPr>
-            </a:p>
-          </p:txBody>
-        </p:sp>
-      </p:grpSp>
-      <p:grpSp>
-        <p:nvGrpSpPr>
-          <p:cNvPr id="34" name="Group 33"/>
-          <p:cNvGrpSpPr/>
-          <p:nvPr/>
-        </p:nvGrpSpPr>
-        <p:grpSpPr>
-          <a:xfrm>
-            <a:off x="6987745" y="2347041"/>
-            <a:ext cx="464575" cy="464575"/>
-            <a:chOff x="1853418" y="2276872"/>
-            <a:chExt cx="432048" cy="432048"/>
-          </a:xfrm>
-        </p:grpSpPr>
-        <p:sp>
-          <p:nvSpPr>
-            <p:cNvPr id="35" name="Rounded Rectangle 34"/>
-            <p:cNvSpPr/>
-            <p:nvPr/>
-          </p:nvSpPr>
-          <p:spPr>
-            <a:xfrm>
-              <a:off x="1853418" y="2276872"/>
-              <a:ext cx="432048" cy="432048"/>
-            </a:xfrm>
-            <a:prstGeom prst="roundRect">
-              <a:avLst/>
-            </a:prstGeom>
-            <a:solidFill>
-              <a:srgbClr val="0070C0"/>
-            </a:solidFill>
-            <a:ln w="76200">
-              <a:noFill/>
-            </a:ln>
-          </p:spPr>
-          <p:style>
-            <a:lnRef idx="2">
-              <a:schemeClr val="accent1">
-                <a:shade val="50000"/>
-              </a:schemeClr>
-            </a:lnRef>
-            <a:fillRef idx="1">
-              <a:schemeClr val="accent1"/>
-            </a:fillRef>
-            <a:effectRef idx="0">
-              <a:schemeClr val="accent1"/>
-            </a:effectRef>
-            <a:fontRef idx="minor">
-              <a:schemeClr val="lt1"/>
-            </a:fontRef>
-          </p:style>
-          <p:txBody>
-            <a:bodyPr rtlCol="0" anchor="ctr"/>
-            <a:lstStyle/>
-            <a:p>
-              <a:pPr algn="ctr"/>
-              <a:endParaRPr lang="en-US" sz="2200" dirty="0" err="1">
-                <a:ln w="76200">
-                  <a:noFill/>
-                </a:ln>
-                <a:latin typeface="AA Zuehlke" pitchFamily="2" charset="0"/>
-              </a:endParaRPr>
-            </a:p>
-          </p:txBody>
-        </p:sp>
-        <p:sp>
-          <p:nvSpPr>
-            <p:cNvPr id="36" name="TextBox 35"/>
-            <p:cNvSpPr txBox="1"/>
-            <p:nvPr/>
-          </p:nvSpPr>
-          <p:spPr>
-            <a:xfrm>
-              <a:off x="1853418" y="2295255"/>
-              <a:ext cx="432048" cy="360040"/>
-            </a:xfrm>
-            <a:prstGeom prst="rect">
-              <a:avLst/>
-            </a:prstGeom>
-            <a:noFill/>
-          </p:spPr>
-          <p:txBody>
-            <a:bodyPr wrap="square" rtlCol="0">
-              <a:noAutofit/>
-            </a:bodyPr>
-            <a:lstStyle/>
-            <a:p>
-              <a:pPr algn="ctr"/>
-              <a:endParaRPr lang="en-US" sz="2200" dirty="0">
-                <a:solidFill>
-                  <a:schemeClr val="bg1"/>
-                </a:solidFill>
-                <a:latin typeface="AA Zuehlke" pitchFamily="2" charset="0"/>
-              </a:endParaRPr>
-            </a:p>
-          </p:txBody>
-        </p:sp>
-      </p:grpSp>
-      <p:sp>
-        <p:nvSpPr>
-          <p:cNvPr id="7" name="Date Placeholder 6"/>
+      <p:sp>
+        <p:nvSpPr>
+          <p:cNvPr id="5" name="Date Placeholder 4"/>
           <p:cNvSpPr>
             <a:spLocks noGrp="1"/>
           </p:cNvSpPr>
@@ -25223,7 +25854,7 @@
       </p:sp>
       <p:sp>
         <p:nvSpPr>
-          <p:cNvPr id="8" name="Slide Number Placeholder 7"/>
+          <p:cNvPr id="6" name="Slide Number Placeholder 5"/>
           <p:cNvSpPr>
             <a:spLocks noGrp="1"/>
           </p:cNvSpPr>
@@ -25240,13 +25871,13 @@
               <a:rPr lang="de-CH" smtClean="0"/>
               <a:t>Slide </a:t>
             </a:r>
-            <a:fld id="{F5590CDE-8047-4A60-8864-83954F460FBE}" type="slidenum">
+            <a:fld id="{2DD2B12D-78E9-46F9-9842-737B8D89E2FA}" type="slidenum">
               <a:rPr lang="de-CH" smtClean="0"/>
               <a:t>32</a:t>
             </a:fld>
             <a:r>
               <a:rPr lang="de-CH" smtClean="0"/>
-              <a:t> of 45</a:t>
+              <a:t> of 44</a:t>
             </a:r>
             <a:endParaRPr dirty="0"/>
           </a:p>
@@ -25255,21 +25886,13 @@
     </p:spTree>
     <p:extLst>
       <p:ext uri="{BB962C8B-B14F-4D97-AF65-F5344CB8AC3E}">
-        <p14:creationId xmlns:p14="http://schemas.microsoft.com/office/powerpoint/2010/main" val="1888445777"/>
+        <p14:creationId xmlns:p14="http://schemas.microsoft.com/office/powerpoint/2010/main" val="1100117364"/>
       </p:ext>
     </p:extLst>
   </p:cSld>
   <p:clrMapOvr>
     <a:masterClrMapping/>
   </p:clrMapOvr>
-  <mc:AlternateContent xmlns:mc="http://schemas.openxmlformats.org/markup-compatibility/2006">
-    <mc:Choice xmlns:p14="http://schemas.microsoft.com/office/powerpoint/2010/main" Requires="p14">
-      <p:transition spd="slow" p14:dur="2000"/>
-    </mc:Choice>
-    <mc:Fallback>
-      <p:transition spd="slow"/>
-    </mc:Fallback>
-  </mc:AlternateContent>
   <p:timing>
     <p:tnLst>
       <p:par>
@@ -25299,7 +25922,7 @@
       </p:grpSpPr>
       <p:sp>
         <p:nvSpPr>
-          <p:cNvPr id="7" name="Title 6"/>
+          <p:cNvPr id="2" name="Title 1"/>
           <p:cNvSpPr>
             <a:spLocks noGrp="1"/>
           </p:cNvSpPr>
@@ -25314,7 +25937,7 @@
           <a:p>
             <a:r>
               <a:rPr lang="en-GB" dirty="0" smtClean="0"/>
-              <a:t>Higher-Order Functions</a:t>
+              <a:t>Immutability</a:t>
             </a:r>
             <a:endParaRPr lang="en-GB" dirty="0"/>
           </a:p>
@@ -25322,12 +25945,12 @@
       </p:sp>
       <p:sp>
         <p:nvSpPr>
-          <p:cNvPr id="8" name="Content Placeholder 7"/>
-          <p:cNvSpPr>
-            <a:spLocks noGrp="1"/>
-          </p:cNvSpPr>
-          <p:nvPr>
-            <p:ph idx="1"/>
+          <p:cNvPr id="3" name="Text Placeholder 2"/>
+          <p:cNvSpPr>
+            <a:spLocks noGrp="1"/>
+          </p:cNvSpPr>
+          <p:nvPr>
+            <p:ph type="body" idx="1"/>
           </p:nvPr>
         </p:nvSpPr>
         <p:spPr/>
@@ -25335,128 +25958,54 @@
           <a:bodyPr/>
           <a:lstStyle/>
           <a:p>
-            <a:pPr marL="257175" indent="-257175">
-              <a:buFont typeface="Arial" panose="020B0604020202020204" pitchFamily="34" charset="0"/>
-              <a:buChar char="•"/>
-            </a:pPr>
-            <a:r>
-              <a:rPr lang="en-GB" dirty="0" smtClean="0"/>
-              <a:t>Map and </a:t>
-            </a:r>
-            <a:r>
-              <a:rPr lang="en-GB" dirty="0" err="1" smtClean="0"/>
-              <a:t>FlatMap</a:t>
-            </a:r>
-            <a:r>
-              <a:rPr lang="en-GB" dirty="0" smtClean="0"/>
-              <a:t> are your best friends when working with Context Types</a:t>
-            </a:r>
-          </a:p>
-          <a:p>
-            <a:pPr marL="257175" indent="-257175">
-              <a:buFont typeface="Arial" panose="020B0604020202020204" pitchFamily="34" charset="0"/>
-              <a:buChar char="•"/>
-            </a:pPr>
-            <a:r>
-              <a:rPr lang="en-GB" dirty="0" smtClean="0"/>
-              <a:t>Don’t leave the box (too early)!</a:t>
-            </a:r>
-          </a:p>
-          <a:p>
-            <a:pPr marL="257175" indent="-257175">
-              <a:buFont typeface="Arial" panose="020B0604020202020204" pitchFamily="34" charset="0"/>
-              <a:buChar char="•"/>
-            </a:pPr>
-            <a:endParaRPr lang="en-GB" dirty="0" smtClean="0"/>
-          </a:p>
-          <a:p>
-            <a:r>
-              <a:rPr lang="en-GB" dirty="0" smtClean="0"/>
-              <a:t>Java 8 Support:</a:t>
-            </a:r>
-          </a:p>
-          <a:p>
-            <a:pPr marL="257175" indent="-257175">
-              <a:buFont typeface="Arial" panose="020B0604020202020204" pitchFamily="34" charset="0"/>
-              <a:buChar char="•"/>
-            </a:pPr>
-            <a:r>
-              <a:rPr lang="en-GB" dirty="0" smtClean="0"/>
-              <a:t>Optional</a:t>
-            </a:r>
-          </a:p>
-          <a:p>
-            <a:pPr marL="257175" indent="-257175">
-              <a:buFont typeface="Arial" panose="020B0604020202020204" pitchFamily="34" charset="0"/>
-              <a:buChar char="•"/>
-            </a:pPr>
-            <a:r>
-              <a:rPr lang="en-GB" dirty="0" err="1" smtClean="0"/>
-              <a:t>CompletableFuture</a:t>
-            </a:r>
-            <a:r>
-              <a:rPr lang="en-GB" dirty="0" smtClean="0"/>
-              <a:t>: </a:t>
-            </a:r>
-            <a:r>
-              <a:rPr lang="en-GB" dirty="0" err="1" smtClean="0"/>
-              <a:t>thenApply</a:t>
-            </a:r>
-            <a:r>
-              <a:rPr lang="en-GB" dirty="0" smtClean="0"/>
-              <a:t> (map), </a:t>
-            </a:r>
-            <a:r>
-              <a:rPr lang="en-GB" dirty="0" err="1" smtClean="0"/>
-              <a:t>thenCompose</a:t>
-            </a:r>
-            <a:r>
-              <a:rPr lang="en-GB" dirty="0" smtClean="0"/>
-              <a:t> (</a:t>
-            </a:r>
-            <a:r>
-              <a:rPr lang="en-GB" dirty="0" err="1" smtClean="0"/>
-              <a:t>flatMap</a:t>
-            </a:r>
-            <a:r>
-              <a:rPr lang="en-GB" dirty="0" smtClean="0"/>
-              <a:t>)</a:t>
-            </a:r>
-            <a:endParaRPr lang="en-GB" dirty="0" smtClean="0"/>
-          </a:p>
-        </p:txBody>
-      </p:sp>
-      <p:sp>
-        <p:nvSpPr>
-          <p:cNvPr id="9" name="Text Placeholder 8"/>
-          <p:cNvSpPr>
-            <a:spLocks noGrp="1"/>
-          </p:cNvSpPr>
-          <p:nvPr>
-            <p:ph type="body" sz="quarter" idx="13"/>
+            <a:endParaRPr lang="en-GB" dirty="0"/>
+          </a:p>
+        </p:txBody>
+      </p:sp>
+      <p:sp>
+        <p:nvSpPr>
+          <p:cNvPr id="6" name="Picture Placeholder 5"/>
+          <p:cNvSpPr>
+            <a:spLocks noGrp="1"/>
+          </p:cNvSpPr>
+          <p:nvPr>
+            <p:ph type="pic" sz="quarter" idx="10"/>
           </p:nvPr>
         </p:nvSpPr>
         <p:spPr/>
-        <p:txBody>
-          <a:bodyPr/>
-          <a:lstStyle/>
-          <a:p>
-            <a:r>
-              <a:rPr lang="en-GB" dirty="0" smtClean="0"/>
-              <a:t>Lessons learned</a:t>
-            </a:r>
-            <a:endParaRPr lang="en-GB" dirty="0"/>
-          </a:p>
-        </p:txBody>
-      </p:sp>
-      <p:sp>
-        <p:nvSpPr>
-          <p:cNvPr id="3" name="Footer Placeholder 2"/>
-          <p:cNvSpPr>
-            <a:spLocks noGrp="1"/>
-          </p:cNvSpPr>
-          <p:nvPr>
-            <p:ph type="ftr" sz="quarter" idx="11"/>
+      </p:sp>
+      <p:sp>
+        <p:nvSpPr>
+          <p:cNvPr id="7" name="Picture Placeholder 6"/>
+          <p:cNvSpPr>
+            <a:spLocks noGrp="1"/>
+          </p:cNvSpPr>
+          <p:nvPr>
+            <p:ph type="pic" sz="quarter" idx="11"/>
+          </p:nvPr>
+        </p:nvSpPr>
+        <p:spPr/>
+      </p:sp>
+      <p:sp>
+        <p:nvSpPr>
+          <p:cNvPr id="8" name="Picture Placeholder 7"/>
+          <p:cNvSpPr>
+            <a:spLocks noGrp="1"/>
+          </p:cNvSpPr>
+          <p:nvPr>
+            <p:ph type="pic" sz="quarter" idx="12"/>
+          </p:nvPr>
+        </p:nvSpPr>
+        <p:spPr/>
+      </p:sp>
+      <p:sp>
+        <p:nvSpPr>
+          <p:cNvPr id="11" name="Footer Placeholder 10"/>
+          <p:cNvSpPr>
+            <a:spLocks noGrp="1"/>
+          </p:cNvSpPr>
+          <p:nvPr>
+            <p:ph type="ftr" sz="quarter" idx="3"/>
           </p:nvPr>
         </p:nvSpPr>
         <p:spPr/>
@@ -25474,12 +26023,12 @@
       </p:sp>
       <p:sp>
         <p:nvSpPr>
-          <p:cNvPr id="5" name="Date Placeholder 4"/>
-          <p:cNvSpPr>
-            <a:spLocks noGrp="1"/>
-          </p:cNvSpPr>
-          <p:nvPr>
-            <p:ph type="dt" sz="half" idx="10"/>
+          <p:cNvPr id="4" name="Date Placeholder 3"/>
+          <p:cNvSpPr>
+            <a:spLocks noGrp="1"/>
+          </p:cNvSpPr>
+          <p:nvPr>
+            <p:ph type="dt" sz="half" idx="2"/>
           </p:nvPr>
         </p:nvSpPr>
         <p:spPr/>
@@ -25497,12 +26046,12 @@
       </p:sp>
       <p:sp>
         <p:nvSpPr>
-          <p:cNvPr id="6" name="Slide Number Placeholder 5"/>
-          <p:cNvSpPr>
-            <a:spLocks noGrp="1"/>
-          </p:cNvSpPr>
-          <p:nvPr>
-            <p:ph type="sldNum" sz="quarter" idx="12"/>
+          <p:cNvPr id="5" name="Slide Number Placeholder 4"/>
+          <p:cNvSpPr>
+            <a:spLocks noGrp="1"/>
+          </p:cNvSpPr>
+          <p:nvPr>
+            <p:ph type="sldNum" sz="quarter" idx="4"/>
           </p:nvPr>
         </p:nvSpPr>
         <p:spPr/>
@@ -25514,13 +26063,13 @@
               <a:rPr lang="de-CH" smtClean="0"/>
               <a:t>Slide </a:t>
             </a:r>
-            <a:fld id="{408A2759-4AE6-444F-81D6-0B92C3B39C89}" type="slidenum">
+            <a:fld id="{51BF92D4-4258-41E4-9600-48214C0E9DC0}" type="slidenum">
               <a:rPr lang="de-CH" smtClean="0"/>
               <a:t>33</a:t>
             </a:fld>
             <a:r>
               <a:rPr lang="de-CH" smtClean="0"/>
-              <a:t> of 45</a:t>
+              <a:t> of 44</a:t>
             </a:r>
             <a:endParaRPr dirty="0"/>
           </a:p>
@@ -25529,7 +26078,7 @@
     </p:spTree>
     <p:extLst>
       <p:ext uri="{BB962C8B-B14F-4D97-AF65-F5344CB8AC3E}">
-        <p14:creationId xmlns:p14="http://schemas.microsoft.com/office/powerpoint/2010/main" val="1100117364"/>
+        <p14:creationId xmlns:p14="http://schemas.microsoft.com/office/powerpoint/2010/main" val="3454182098"/>
       </p:ext>
     </p:extLst>
   </p:cSld>
@@ -25588,12 +26137,12 @@
       </p:sp>
       <p:sp>
         <p:nvSpPr>
-          <p:cNvPr id="3" name="Text Placeholder 2"/>
-          <p:cNvSpPr>
-            <a:spLocks noGrp="1"/>
-          </p:cNvSpPr>
-          <p:nvPr>
-            <p:ph type="body" idx="1"/>
+          <p:cNvPr id="3" name="Content Placeholder 2"/>
+          <p:cNvSpPr>
+            <a:spLocks noGrp="1"/>
+          </p:cNvSpPr>
+          <p:nvPr>
+            <p:ph idx="1"/>
           </p:nvPr>
         </p:nvSpPr>
         <p:spPr/>
@@ -25601,54 +26150,137 @@
           <a:bodyPr/>
           <a:lstStyle/>
           <a:p>
+            <a:r>
+              <a:rPr lang="en-GB" dirty="0" smtClean="0"/>
+              <a:t>Advantages of </a:t>
+            </a:r>
+            <a:r>
+              <a:rPr lang="en-GB" dirty="0"/>
+              <a:t>i</a:t>
+            </a:r>
+            <a:r>
+              <a:rPr lang="en-GB" dirty="0" smtClean="0"/>
+              <a:t>mmutability:</a:t>
+            </a:r>
+          </a:p>
+          <a:p>
+            <a:pPr marL="342900" indent="-342900">
+              <a:buFont typeface="Arial" panose="020B0604020202020204" pitchFamily="34" charset="0"/>
+              <a:buChar char="•"/>
+            </a:pPr>
+            <a:r>
+              <a:rPr lang="en-GB" dirty="0" smtClean="0"/>
+              <a:t>Makes concurrent programming easier, safer and cleaner</a:t>
+            </a:r>
+          </a:p>
+          <a:p>
+            <a:pPr marL="342900" indent="-342900">
+              <a:buFont typeface="Arial" panose="020B0604020202020204" pitchFamily="34" charset="0"/>
+              <a:buChar char="•"/>
+            </a:pPr>
+            <a:r>
+              <a:rPr lang="en-GB" dirty="0"/>
+              <a:t>Reduces need for defensive programming </a:t>
+            </a:r>
+            <a:endParaRPr lang="en-GB" dirty="0" smtClean="0"/>
+          </a:p>
+          <a:p>
+            <a:pPr marL="342900" indent="-342900">
+              <a:buFont typeface="Arial" panose="020B0604020202020204" pitchFamily="34" charset="0"/>
+              <a:buChar char="•"/>
+            </a:pPr>
+            <a:r>
+              <a:rPr lang="en-GB" dirty="0" smtClean="0"/>
+              <a:t>Representation of value objects (without identity)</a:t>
+            </a:r>
+          </a:p>
+          <a:p>
+            <a:pPr marL="342900" indent="-342900">
+              <a:buFont typeface="Arial" panose="020B0604020202020204" pitchFamily="34" charset="0"/>
+              <a:buChar char="•"/>
+            </a:pPr>
+            <a:r>
+              <a:rPr lang="en-GB" dirty="0" smtClean="0"/>
+              <a:t>Makes it easier to reason about your code</a:t>
+            </a:r>
+          </a:p>
+          <a:p>
+            <a:pPr marL="342900" indent="-342900">
+              <a:buFont typeface="Arial" panose="020B0604020202020204" pitchFamily="34" charset="0"/>
+              <a:buChar char="•"/>
+            </a:pPr>
+            <a:endParaRPr lang="en-GB" dirty="0" smtClean="0"/>
+          </a:p>
+          <a:p>
+            <a:r>
+              <a:rPr lang="en-GB" dirty="0" smtClean="0"/>
+              <a:t>Disadvantages of immutability:</a:t>
+            </a:r>
+          </a:p>
+          <a:p>
+            <a:pPr marL="342900" indent="-342900">
+              <a:buFont typeface="Arial" panose="020B0604020202020204" pitchFamily="34" charset="0"/>
+              <a:buChar char="•"/>
+            </a:pPr>
+            <a:r>
+              <a:rPr lang="en-GB" dirty="0" smtClean="0"/>
+              <a:t>Manipulation of complex objects</a:t>
+            </a:r>
+          </a:p>
+          <a:p>
+            <a:pPr marL="608013" lvl="1" indent="-342900">
+              <a:buFont typeface="Arial" panose="020B0604020202020204" pitchFamily="34" charset="0"/>
+              <a:buChar char="•"/>
+            </a:pPr>
+            <a:r>
+              <a:rPr lang="en-GB" dirty="0" smtClean="0"/>
+              <a:t>Immutable objects do not support destructive updates</a:t>
+            </a:r>
+          </a:p>
+          <a:p>
+            <a:pPr marL="608013" lvl="1" indent="-342900">
+              <a:buFont typeface="Arial" panose="020B0604020202020204" pitchFamily="34" charset="0"/>
+              <a:buChar char="•"/>
+            </a:pPr>
+            <a:r>
+              <a:rPr lang="en-GB" dirty="0" smtClean="0"/>
+              <a:t>Modifications result in an altered copy of the object</a:t>
+            </a:r>
             <a:endParaRPr lang="en-GB" dirty="0"/>
           </a:p>
         </p:txBody>
       </p:sp>
       <p:sp>
         <p:nvSpPr>
-          <p:cNvPr id="6" name="Picture Placeholder 5"/>
-          <p:cNvSpPr>
-            <a:spLocks noGrp="1"/>
-          </p:cNvSpPr>
-          <p:nvPr>
-            <p:ph type="pic" sz="quarter" idx="10"/>
+          <p:cNvPr id="6" name="Text Placeholder 5"/>
+          <p:cNvSpPr>
+            <a:spLocks noGrp="1"/>
+          </p:cNvSpPr>
+          <p:nvPr>
+            <p:ph type="body" sz="quarter" idx="13"/>
           </p:nvPr>
         </p:nvSpPr>
         <p:spPr/>
-      </p:sp>
-      <p:sp>
-        <p:nvSpPr>
-          <p:cNvPr id="7" name="Picture Placeholder 6"/>
-          <p:cNvSpPr>
-            <a:spLocks noGrp="1"/>
-          </p:cNvSpPr>
-          <p:nvPr>
-            <p:ph type="pic" sz="quarter" idx="11"/>
-          </p:nvPr>
-        </p:nvSpPr>
-        <p:spPr/>
-      </p:sp>
-      <p:sp>
-        <p:nvSpPr>
-          <p:cNvPr id="8" name="Picture Placeholder 7"/>
-          <p:cNvSpPr>
-            <a:spLocks noGrp="1"/>
-          </p:cNvSpPr>
-          <p:nvPr>
-            <p:ph type="pic" sz="quarter" idx="12"/>
-          </p:nvPr>
-        </p:nvSpPr>
-        <p:spPr/>
-      </p:sp>
-      <p:sp>
-        <p:nvSpPr>
-          <p:cNvPr id="11" name="Footer Placeholder 10"/>
-          <p:cNvSpPr>
-            <a:spLocks noGrp="1"/>
-          </p:cNvSpPr>
-          <p:nvPr>
-            <p:ph type="ftr" sz="quarter" idx="3"/>
+        <p:txBody>
+          <a:bodyPr/>
+          <a:lstStyle/>
+          <a:p>
+            <a:r>
+              <a:rPr lang="en-GB" dirty="0" smtClean="0"/>
+              <a:t>Motivation</a:t>
+            </a:r>
+            <a:endParaRPr lang="en-GB" dirty="0"/>
+          </a:p>
+        </p:txBody>
+      </p:sp>
+      <p:sp>
+        <p:nvSpPr>
+          <p:cNvPr id="9" name="Footer Placeholder 8"/>
+          <p:cNvSpPr>
+            <a:spLocks noGrp="1"/>
+          </p:cNvSpPr>
+          <p:nvPr>
+            <p:ph type="ftr" sz="quarter" idx="11"/>
           </p:nvPr>
         </p:nvSpPr>
         <p:spPr/>
@@ -25671,7 +26303,7 @@
             <a:spLocks noGrp="1"/>
           </p:cNvSpPr>
           <p:nvPr>
-            <p:ph type="dt" sz="half" idx="2"/>
+            <p:ph type="dt" sz="half" idx="10"/>
           </p:nvPr>
         </p:nvSpPr>
         <p:spPr/>
@@ -25694,7 +26326,7 @@
             <a:spLocks noGrp="1"/>
           </p:cNvSpPr>
           <p:nvPr>
-            <p:ph type="sldNum" sz="quarter" idx="4"/>
+            <p:ph type="sldNum" sz="quarter" idx="12"/>
           </p:nvPr>
         </p:nvSpPr>
         <p:spPr/>
@@ -25706,13 +26338,13 @@
               <a:rPr lang="de-CH" smtClean="0"/>
               <a:t>Slide </a:t>
             </a:r>
-            <a:fld id="{56A28DB6-FBCF-4F29-84F9-37899BF48B2B}" type="slidenum">
+            <a:fld id="{B003532C-8959-4F3F-AA56-66F562DFE52D}" type="slidenum">
               <a:rPr lang="de-CH" smtClean="0"/>
               <a:t>34</a:t>
             </a:fld>
             <a:r>
               <a:rPr lang="de-CH" smtClean="0"/>
-              <a:t> of 45</a:t>
+              <a:t> of 44</a:t>
             </a:r>
             <a:endParaRPr dirty="0"/>
           </a:p>
@@ -25721,7 +26353,7 @@
     </p:spTree>
     <p:extLst>
       <p:ext uri="{BB962C8B-B14F-4D97-AF65-F5344CB8AC3E}">
-        <p14:creationId xmlns:p14="http://schemas.microsoft.com/office/powerpoint/2010/main" val="3454182098"/>
+        <p14:creationId xmlns:p14="http://schemas.microsoft.com/office/powerpoint/2010/main" val="2884851122"/>
       </p:ext>
     </p:extLst>
   </p:cSld>
@@ -25780,7 +26412,7 @@
       </p:sp>
       <p:sp>
         <p:nvSpPr>
-          <p:cNvPr id="3" name="Content Placeholder 2"/>
+          <p:cNvPr id="11" name="Content Placeholder 10"/>
           <p:cNvSpPr>
             <a:spLocks noGrp="1"/>
           </p:cNvSpPr>
@@ -25793,114 +26425,18 @@
           <a:bodyPr/>
           <a:lstStyle/>
           <a:p>
-            <a:r>
-              <a:rPr lang="en-GB" dirty="0" smtClean="0"/>
-              <a:t>Advantages of </a:t>
-            </a:r>
-            <a:r>
-              <a:rPr lang="en-GB" dirty="0"/>
-              <a:t>i</a:t>
-            </a:r>
-            <a:r>
-              <a:rPr lang="en-GB" dirty="0" smtClean="0"/>
-              <a:t>mmutability:</a:t>
-            </a:r>
-          </a:p>
-          <a:p>
-            <a:pPr marL="342900" indent="-342900">
-              <a:buFont typeface="Arial" panose="020B0604020202020204" pitchFamily="34" charset="0"/>
-              <a:buChar char="•"/>
-            </a:pPr>
-            <a:r>
-              <a:rPr lang="en-GB" dirty="0" smtClean="0"/>
-              <a:t>Makes concurrent programming easier, safer and cleaner</a:t>
-            </a:r>
-          </a:p>
-          <a:p>
-            <a:pPr marL="342900" indent="-342900">
-              <a:buFont typeface="Arial" panose="020B0604020202020204" pitchFamily="34" charset="0"/>
-              <a:buChar char="•"/>
-            </a:pPr>
-            <a:r>
-              <a:rPr lang="en-GB" dirty="0"/>
-              <a:t>Reduces need for defensive programming </a:t>
-            </a:r>
-            <a:endParaRPr lang="en-GB" dirty="0" smtClean="0"/>
-          </a:p>
-          <a:p>
-            <a:pPr marL="342900" indent="-342900">
-              <a:buFont typeface="Arial" panose="020B0604020202020204" pitchFamily="34" charset="0"/>
-              <a:buChar char="•"/>
-            </a:pPr>
-            <a:r>
-              <a:rPr lang="en-GB" dirty="0" smtClean="0"/>
-              <a:t>Representation of value objects (without identity)</a:t>
-            </a:r>
-          </a:p>
-          <a:p>
-            <a:pPr marL="342900" indent="-342900">
-              <a:buFont typeface="Arial" panose="020B0604020202020204" pitchFamily="34" charset="0"/>
-              <a:buChar char="•"/>
-            </a:pPr>
-            <a:r>
-              <a:rPr lang="en-GB" dirty="0" smtClean="0"/>
-              <a:t>Makes it easier to reason about your code</a:t>
-            </a:r>
-          </a:p>
-          <a:p>
-            <a:pPr marL="342900" indent="-342900">
-              <a:buFont typeface="Arial" panose="020B0604020202020204" pitchFamily="34" charset="0"/>
-              <a:buChar char="•"/>
-            </a:pPr>
-            <a:endParaRPr lang="en-GB" dirty="0" smtClean="0"/>
-          </a:p>
-          <a:p>
-            <a:r>
-              <a:rPr lang="en-GB" dirty="0" smtClean="0"/>
-              <a:t>Disadvantages of immutability:</a:t>
-            </a:r>
-          </a:p>
-          <a:p>
-            <a:pPr marL="342900" indent="-342900">
-              <a:buFont typeface="Arial" panose="020B0604020202020204" pitchFamily="34" charset="0"/>
-              <a:buChar char="•"/>
-            </a:pPr>
-            <a:r>
-              <a:rPr lang="en-GB" dirty="0" smtClean="0"/>
-              <a:t>Manipulation of complex objects</a:t>
-            </a:r>
-          </a:p>
-          <a:p>
-            <a:pPr marL="608013" lvl="1" indent="-342900">
-              <a:buFont typeface="Arial" panose="020B0604020202020204" pitchFamily="34" charset="0"/>
-              <a:buChar char="•"/>
-            </a:pPr>
-            <a:r>
-              <a:rPr lang="en-GB" dirty="0" smtClean="0"/>
-              <a:t>Immutable objects do not support destructive updates</a:t>
-            </a:r>
-          </a:p>
-          <a:p>
-            <a:pPr marL="608013" lvl="1" indent="-342900">
-              <a:buFont typeface="Arial" panose="020B0604020202020204" pitchFamily="34" charset="0"/>
-              <a:buChar char="•"/>
-            </a:pPr>
-            <a:r>
-              <a:rPr lang="en-GB" dirty="0" smtClean="0"/>
-              <a:t>Modifications result in an altered copy of the object</a:t>
-            </a:r>
-            <a:endParaRPr lang="en-GB" dirty="0"/>
-          </a:p>
-        </p:txBody>
-      </p:sp>
-      <p:sp>
-        <p:nvSpPr>
-          <p:cNvPr id="6" name="Text Placeholder 5"/>
-          <p:cNvSpPr>
-            <a:spLocks noGrp="1"/>
-          </p:cNvSpPr>
-          <p:nvPr>
-            <p:ph type="body" sz="quarter" idx="13"/>
+            <a:endParaRPr lang="en-GB"/>
+          </a:p>
+        </p:txBody>
+      </p:sp>
+      <p:sp>
+        <p:nvSpPr>
+          <p:cNvPr id="3" name="Date Placeholder 2"/>
+          <p:cNvSpPr>
+            <a:spLocks noGrp="1"/>
+          </p:cNvSpPr>
+          <p:nvPr>
+            <p:ph type="dt" sz="half" idx="10"/>
           </p:nvPr>
         </p:nvSpPr>
         <p:spPr/>
@@ -25909,16 +26445,16 @@
           <a:lstStyle/>
           <a:p>
             <a:r>
-              <a:rPr lang="en-GB" dirty="0" smtClean="0"/>
-              <a:t>Motivation</a:t>
-            </a:r>
-            <a:endParaRPr lang="en-GB" dirty="0"/>
-          </a:p>
-        </p:txBody>
-      </p:sp>
-      <p:sp>
-        <p:nvSpPr>
-          <p:cNvPr id="9" name="Footer Placeholder 8"/>
+              <a:rPr lang="de-CH" smtClean="0"/>
+              <a:t>14. September 2015</a:t>
+            </a:r>
+            <a:endParaRPr lang="de-CH" dirty="0"/>
+          </a:p>
+        </p:txBody>
+      </p:sp>
+      <p:sp>
+        <p:nvSpPr>
+          <p:cNvPr id="5" name="Footer Placeholder 4"/>
           <p:cNvSpPr>
             <a:spLocks noGrp="1"/>
           </p:cNvSpPr>
@@ -25941,30 +26477,7 @@
       </p:sp>
       <p:sp>
         <p:nvSpPr>
-          <p:cNvPr id="4" name="Date Placeholder 3"/>
-          <p:cNvSpPr>
-            <a:spLocks noGrp="1"/>
-          </p:cNvSpPr>
-          <p:nvPr>
-            <p:ph type="dt" sz="half" idx="10"/>
-          </p:nvPr>
-        </p:nvSpPr>
-        <p:spPr/>
-        <p:txBody>
-          <a:bodyPr/>
-          <a:lstStyle/>
-          <a:p>
-            <a:r>
-              <a:rPr lang="de-CH" smtClean="0"/>
-              <a:t>14. September 2015</a:t>
-            </a:r>
-            <a:endParaRPr lang="de-CH" dirty="0"/>
-          </a:p>
-        </p:txBody>
-      </p:sp>
-      <p:sp>
-        <p:nvSpPr>
-          <p:cNvPr id="5" name="Slide Number Placeholder 4"/>
+          <p:cNvPr id="6" name="Slide Number Placeholder 5"/>
           <p:cNvSpPr>
             <a:spLocks noGrp="1"/>
           </p:cNvSpPr>
@@ -25981,169 +26494,13 @@
               <a:rPr lang="de-CH" smtClean="0"/>
               <a:t>Slide </a:t>
             </a:r>
-            <a:fld id="{F5D9815C-52AE-480C-B8CC-539D83F1DC8F}" type="slidenum">
+            <a:fld id="{49008717-4230-4509-973F-4CBC410DFD68}" type="slidenum">
               <a:rPr lang="de-CH" smtClean="0"/>
               <a:t>35</a:t>
             </a:fld>
             <a:r>
               <a:rPr lang="de-CH" smtClean="0"/>
-              <a:t> of 45</a:t>
-            </a:r>
-            <a:endParaRPr dirty="0"/>
-          </a:p>
-        </p:txBody>
-      </p:sp>
-    </p:spTree>
-    <p:extLst>
-      <p:ext uri="{BB962C8B-B14F-4D97-AF65-F5344CB8AC3E}">
-        <p14:creationId xmlns:p14="http://schemas.microsoft.com/office/powerpoint/2010/main" val="2884851122"/>
-      </p:ext>
-    </p:extLst>
-  </p:cSld>
-  <p:clrMapOvr>
-    <a:masterClrMapping/>
-  </p:clrMapOvr>
-  <p:timing>
-    <p:tnLst>
-      <p:par>
-        <p:cTn id="1" dur="indefinite" restart="never" nodeType="tmRoot"/>
-      </p:par>
-    </p:tnLst>
-  </p:timing>
-</p:sld>
-</file>
-
-<file path=ppt/slides/slide36.xml><?xml version="1.0" encoding="utf-8"?>
-<p:sld xmlns:a="http://schemas.openxmlformats.org/drawingml/2006/main" xmlns:r="http://schemas.openxmlformats.org/officeDocument/2006/relationships" xmlns:p="http://schemas.openxmlformats.org/presentationml/2006/main">
-  <p:cSld>
-    <p:spTree>
-      <p:nvGrpSpPr>
-        <p:cNvPr id="1" name=""/>
-        <p:cNvGrpSpPr/>
-        <p:nvPr/>
-      </p:nvGrpSpPr>
-      <p:grpSpPr>
-        <a:xfrm>
-          <a:off x="0" y="0"/>
-          <a:ext cx="0" cy="0"/>
-          <a:chOff x="0" y="0"/>
-          <a:chExt cx="0" cy="0"/>
-        </a:xfrm>
-      </p:grpSpPr>
-      <p:sp>
-        <p:nvSpPr>
-          <p:cNvPr id="2" name="Title 1"/>
-          <p:cNvSpPr>
-            <a:spLocks noGrp="1"/>
-          </p:cNvSpPr>
-          <p:nvPr>
-            <p:ph type="title"/>
-          </p:nvPr>
-        </p:nvSpPr>
-        <p:spPr/>
-        <p:txBody>
-          <a:bodyPr/>
-          <a:lstStyle/>
-          <a:p>
-            <a:r>
-              <a:rPr lang="en-GB" dirty="0" smtClean="0"/>
-              <a:t>Immutability</a:t>
-            </a:r>
-            <a:endParaRPr lang="en-GB" dirty="0"/>
-          </a:p>
-        </p:txBody>
-      </p:sp>
-      <p:sp>
-        <p:nvSpPr>
-          <p:cNvPr id="11" name="Content Placeholder 10"/>
-          <p:cNvSpPr>
-            <a:spLocks noGrp="1"/>
-          </p:cNvSpPr>
-          <p:nvPr>
-            <p:ph idx="1"/>
-          </p:nvPr>
-        </p:nvSpPr>
-        <p:spPr/>
-        <p:txBody>
-          <a:bodyPr/>
-          <a:lstStyle/>
-          <a:p>
-            <a:endParaRPr lang="en-GB"/>
-          </a:p>
-        </p:txBody>
-      </p:sp>
-      <p:sp>
-        <p:nvSpPr>
-          <p:cNvPr id="3" name="Date Placeholder 2"/>
-          <p:cNvSpPr>
-            <a:spLocks noGrp="1"/>
-          </p:cNvSpPr>
-          <p:nvPr>
-            <p:ph type="dt" sz="half" idx="10"/>
-          </p:nvPr>
-        </p:nvSpPr>
-        <p:spPr/>
-        <p:txBody>
-          <a:bodyPr/>
-          <a:lstStyle/>
-          <a:p>
-            <a:r>
-              <a:rPr lang="de-CH" smtClean="0"/>
-              <a:t>14. September 2015</a:t>
-            </a:r>
-            <a:endParaRPr lang="de-CH" dirty="0"/>
-          </a:p>
-        </p:txBody>
-      </p:sp>
-      <p:sp>
-        <p:nvSpPr>
-          <p:cNvPr id="5" name="Footer Placeholder 4"/>
-          <p:cNvSpPr>
-            <a:spLocks noGrp="1"/>
-          </p:cNvSpPr>
-          <p:nvPr>
-            <p:ph type="ftr" sz="quarter" idx="11"/>
-          </p:nvPr>
-        </p:nvSpPr>
-        <p:spPr/>
-        <p:txBody>
-          <a:bodyPr/>
-          <a:lstStyle/>
-          <a:p>
-            <a:r>
-              <a:rPr lang="en-GB" smtClean="0"/>
-              <a:t>Functional Design Patterns for OO Practicioners | Ivo Colombo, Hendrik Schöneberg</a:t>
-            </a:r>
-            <a:endParaRPr lang="en-GB" dirty="0"/>
-          </a:p>
-        </p:txBody>
-      </p:sp>
-      <p:sp>
-        <p:nvSpPr>
-          <p:cNvPr id="6" name="Slide Number Placeholder 5"/>
-          <p:cNvSpPr>
-            <a:spLocks noGrp="1"/>
-          </p:cNvSpPr>
-          <p:nvPr>
-            <p:ph type="sldNum" sz="quarter" idx="12"/>
-          </p:nvPr>
-        </p:nvSpPr>
-        <p:spPr/>
-        <p:txBody>
-          <a:bodyPr/>
-          <a:lstStyle/>
-          <a:p>
-            <a:r>
-              <a:rPr lang="de-CH" smtClean="0"/>
-              <a:t>Slide </a:t>
-            </a:r>
-            <a:fld id="{234A04D9-C2CD-4D41-A7CC-4FA8A9A34D1F}" type="slidenum">
-              <a:rPr lang="de-CH" smtClean="0"/>
-              <a:t>36</a:t>
-            </a:fld>
-            <a:r>
-              <a:rPr lang="de-CH" smtClean="0"/>
-              <a:t> of 45</a:t>
+              <a:t> of 44</a:t>
             </a:r>
             <a:endParaRPr dirty="0"/>
           </a:p>
@@ -27104,7 +27461,7 @@
 </p:sld>
 </file>
 
-<file path=ppt/slides/slide37.xml><?xml version="1.0" encoding="utf-8"?>
+<file path=ppt/slides/slide36.xml><?xml version="1.0" encoding="utf-8"?>
 <p:sld xmlns:a="http://schemas.openxmlformats.org/drawingml/2006/main" xmlns:r="http://schemas.openxmlformats.org/officeDocument/2006/relationships" xmlns:p="http://schemas.openxmlformats.org/presentationml/2006/main">
   <p:cSld>
     <p:spTree>
@@ -27165,15 +27522,7 @@
             </a:pPr>
             <a:r>
               <a:rPr lang="en-GB" dirty="0" smtClean="0"/>
-              <a:t>Scala’s collections come in two </a:t>
-            </a:r>
-            <a:r>
-              <a:rPr lang="en-GB" dirty="0" smtClean="0"/>
-              <a:t>(flavours</a:t>
-            </a:r>
-            <a:r>
-              <a:rPr lang="en-GB" dirty="0" smtClean="0"/>
-              <a:t>:</a:t>
+              <a:t>Scala’s collections come in two (flavours:</a:t>
             </a:r>
           </a:p>
           <a:p>
@@ -27309,13 +27658,13 @@
               <a:rPr lang="de-CH" smtClean="0"/>
               <a:t>Slide </a:t>
             </a:r>
-            <a:fld id="{202D4358-6683-4655-B39C-B65CCF3FDAC2}" type="slidenum">
+            <a:fld id="{A1B52241-0775-4ACE-8413-0E64304C5658}" type="slidenum">
               <a:rPr lang="de-CH" smtClean="0"/>
-              <a:t>37</a:t>
+              <a:t>36</a:t>
             </a:fld>
             <a:r>
               <a:rPr lang="de-CH" smtClean="0"/>
-              <a:t> of 45</a:t>
+              <a:t> of 44</a:t>
             </a:r>
             <a:endParaRPr dirty="0"/>
           </a:p>
@@ -27811,7 +28160,7 @@
 </p:sld>
 </file>
 
-<file path=ppt/slides/slide38.xml><?xml version="1.0" encoding="utf-8"?>
+<file path=ppt/slides/slide37.xml><?xml version="1.0" encoding="utf-8"?>
 <p:sld xmlns:a="http://schemas.openxmlformats.org/drawingml/2006/main" xmlns:r="http://schemas.openxmlformats.org/officeDocument/2006/relationships" xmlns:p="http://schemas.openxmlformats.org/presentationml/2006/main">
   <p:cSld>
     <p:spTree>
@@ -27988,13 +28337,13 @@
               <a:rPr lang="de-CH" smtClean="0"/>
               <a:t>Slide </a:t>
             </a:r>
-            <a:fld id="{ED5FD353-A2A1-42E5-8E9C-164F5F2B5A44}" type="slidenum">
+            <a:fld id="{CBC1A3D6-9BAE-4916-A819-FBA4C69C8D63}" type="slidenum">
               <a:rPr lang="de-CH" smtClean="0"/>
-              <a:t>38</a:t>
+              <a:t>37</a:t>
             </a:fld>
             <a:r>
               <a:rPr lang="de-CH" smtClean="0"/>
-              <a:t> of 45</a:t>
+              <a:t> of 44</a:t>
             </a:r>
             <a:endParaRPr dirty="0"/>
           </a:p>
@@ -28801,9 +29150,6 @@
               </a:rPr>
               <a:t>!</a:t>
             </a:r>
-            <a:endParaRPr lang="en-GB" sz="2200" dirty="0" smtClean="0">
-              <a:latin typeface="AA Zuehlke" pitchFamily="2" charset="0"/>
-            </a:endParaRPr>
           </a:p>
         </p:txBody>
       </p:sp>
@@ -28948,7 +29294,7 @@
 </p:sld>
 </file>
 
-<file path=ppt/slides/slide39.xml><?xml version="1.0" encoding="utf-8"?>
+<file path=ppt/slides/slide38.xml><?xml version="1.0" encoding="utf-8"?>
 <p:sld xmlns:a="http://schemas.openxmlformats.org/drawingml/2006/main" xmlns:r="http://schemas.openxmlformats.org/officeDocument/2006/relationships" xmlns:p="http://schemas.openxmlformats.org/presentationml/2006/main">
   <p:cSld>
     <p:spTree>
@@ -29072,13 +29418,13 @@
               <a:rPr lang="de-CH" smtClean="0"/>
               <a:t>Slide </a:t>
             </a:r>
-            <a:fld id="{CA7CA2EB-48BF-4DCA-812E-8A7EECE7CFC3}" type="slidenum">
+            <a:fld id="{3B960341-A2E3-40E3-B9A1-13ACD7C325E5}" type="slidenum">
               <a:rPr lang="de-CH" smtClean="0"/>
-              <a:t>39</a:t>
+              <a:t>38</a:t>
             </a:fld>
             <a:r>
               <a:rPr lang="de-CH" smtClean="0"/>
-              <a:t> of 45</a:t>
+              <a:t> of 44</a:t>
             </a:r>
             <a:endParaRPr dirty="0"/>
           </a:p>
@@ -29764,7 +30110,7 @@
 </p:sld>
 </file>
 
-<file path=ppt/slides/slide4.xml><?xml version="1.0" encoding="utf-8"?>
+<file path=ppt/slides/slide39.xml><?xml version="1.0" encoding="utf-8"?>
 <p:sld xmlns:a="http://schemas.openxmlformats.org/drawingml/2006/main" xmlns:r="http://schemas.openxmlformats.org/officeDocument/2006/relationships" xmlns:p="http://schemas.openxmlformats.org/presentationml/2006/main">
   <p:cSld>
     <p:spTree>
@@ -29783,7 +30129,7 @@
       </p:grpSpPr>
       <p:sp>
         <p:nvSpPr>
-          <p:cNvPr id="2" name="Title 1"/>
+          <p:cNvPr id="13" name="Title 1"/>
           <p:cNvSpPr>
             <a:spLocks noGrp="1"/>
           </p:cNvSpPr>
@@ -29798,7 +30144,7 @@
           <a:p>
             <a:r>
               <a:rPr lang="en-GB" dirty="0" smtClean="0"/>
-              <a:t>Introduction</a:t>
+              <a:t>Lenses</a:t>
             </a:r>
             <a:endParaRPr lang="en-GB" dirty="0"/>
           </a:p>
@@ -29806,7 +30152,7 @@
       </p:sp>
       <p:sp>
         <p:nvSpPr>
-          <p:cNvPr id="3" name="Content Placeholder 2"/>
+          <p:cNvPr id="8" name="Content Placeholder 7"/>
           <p:cNvSpPr>
             <a:spLocks noGrp="1"/>
           </p:cNvSpPr>
@@ -29819,66 +30165,18 @@
           <a:bodyPr/>
           <a:lstStyle/>
           <a:p>
-            <a:pPr marL="257175" indent="-257175">
-              <a:buFont typeface="Arial" panose="020B0604020202020204" pitchFamily="34" charset="0"/>
-              <a:buChar char="•"/>
-            </a:pPr>
-            <a:r>
-              <a:rPr lang="en-GB" dirty="0" smtClean="0"/>
-              <a:t>There is no authoritative list of functional patterns (like «Gang of 4» patterns in OO).</a:t>
-            </a:r>
-          </a:p>
-          <a:p>
-            <a:pPr marL="257175" indent="-257175">
-              <a:buFont typeface="Arial" panose="020B0604020202020204" pitchFamily="34" charset="0"/>
-              <a:buChar char="•"/>
-            </a:pPr>
-            <a:r>
-              <a:rPr lang="en-GB" dirty="0" smtClean="0"/>
-              <a:t>«Functional pattern» is a less concise term.</a:t>
-            </a:r>
-          </a:p>
-          <a:p>
-            <a:pPr marL="257175" indent="-257175">
-              <a:buFont typeface="Arial" panose="020B0604020202020204" pitchFamily="34" charset="0"/>
-              <a:buChar char="•"/>
-            </a:pPr>
-            <a:r>
-              <a:rPr lang="en-GB" dirty="0" smtClean="0"/>
-              <a:t>Language-dependent</a:t>
-            </a:r>
-          </a:p>
-          <a:p>
-            <a:pPr marL="257175" indent="-257175">
-              <a:buFont typeface="Arial" panose="020B0604020202020204" pitchFamily="34" charset="0"/>
-              <a:buChar char="•"/>
-            </a:pPr>
-            <a:r>
-              <a:rPr lang="en-GB" dirty="0" smtClean="0"/>
-              <a:t>Focus on composition of functions rather than composition of objects</a:t>
-            </a:r>
-          </a:p>
-          <a:p>
-            <a:pPr marL="257175" indent="-257175">
-              <a:buFont typeface="Arial" panose="020B0604020202020204" pitchFamily="34" charset="0"/>
-              <a:buChar char="•"/>
-            </a:pPr>
-            <a:r>
-              <a:rPr lang="en-GB" dirty="0" smtClean="0"/>
-              <a:t>Our collection consists of ideas, recipes and guidelines.</a:t>
-            </a:r>
-            <a:endParaRPr lang="en-GB" dirty="0" smtClean="0"/>
-          </a:p>
-        </p:txBody>
-      </p:sp>
-      <p:sp>
-        <p:nvSpPr>
-          <p:cNvPr id="6" name="Text Placeholder 5"/>
-          <p:cNvSpPr>
-            <a:spLocks noGrp="1"/>
-          </p:cNvSpPr>
-          <p:nvPr>
-            <p:ph type="body" sz="quarter" idx="13"/>
+            <a:endParaRPr lang="en-GB"/>
+          </a:p>
+        </p:txBody>
+      </p:sp>
+      <p:sp>
+        <p:nvSpPr>
+          <p:cNvPr id="2" name="Date Placeholder 1"/>
+          <p:cNvSpPr>
+            <a:spLocks noGrp="1"/>
+          </p:cNvSpPr>
+          <p:nvPr>
+            <p:ph type="dt" sz="half" idx="10"/>
           </p:nvPr>
         </p:nvSpPr>
         <p:spPr/>
@@ -29887,16 +30185,16 @@
           <a:lstStyle/>
           <a:p>
             <a:r>
-              <a:rPr lang="en-GB" dirty="0" smtClean="0"/>
-              <a:t>Functional patterns</a:t>
-            </a:r>
-            <a:endParaRPr lang="en-GB" dirty="0"/>
-          </a:p>
-        </p:txBody>
-      </p:sp>
-      <p:sp>
-        <p:nvSpPr>
-          <p:cNvPr id="8" name="Footer Placeholder 7"/>
+              <a:rPr lang="de-CH" smtClean="0"/>
+              <a:t>14. September 2015</a:t>
+            </a:r>
+            <a:endParaRPr lang="de-CH" dirty="0"/>
+          </a:p>
+        </p:txBody>
+      </p:sp>
+      <p:sp>
+        <p:nvSpPr>
+          <p:cNvPr id="7" name="Footer Placeholder 6"/>
           <p:cNvSpPr>
             <a:spLocks noGrp="1"/>
           </p:cNvSpPr>
@@ -29919,30 +30217,7 @@
       </p:sp>
       <p:sp>
         <p:nvSpPr>
-          <p:cNvPr id="5" name="Date Placeholder 4"/>
-          <p:cNvSpPr>
-            <a:spLocks noGrp="1"/>
-          </p:cNvSpPr>
-          <p:nvPr>
-            <p:ph type="dt" sz="half" idx="10"/>
-          </p:nvPr>
-        </p:nvSpPr>
-        <p:spPr/>
-        <p:txBody>
-          <a:bodyPr/>
-          <a:lstStyle/>
-          <a:p>
-            <a:r>
-              <a:rPr lang="de-CH" smtClean="0"/>
-              <a:t>14. September 2015</a:t>
-            </a:r>
-            <a:endParaRPr lang="de-CH" dirty="0"/>
-          </a:p>
-        </p:txBody>
-      </p:sp>
-      <p:sp>
-        <p:nvSpPr>
-          <p:cNvPr id="7" name="Slide Number Placeholder 6"/>
+          <p:cNvPr id="3" name="Slide Number Placeholder 2"/>
           <p:cNvSpPr>
             <a:spLocks noGrp="1"/>
           </p:cNvSpPr>
@@ -29959,169 +30234,13 @@
               <a:rPr lang="de-CH" smtClean="0"/>
               <a:t>Slide </a:t>
             </a:r>
-            <a:fld id="{F0058CFE-8025-4DFA-BD64-C8B26BC9CA41}" type="slidenum">
+            <a:fld id="{0D67F758-F1AC-4DDA-B4C6-A9818759EBCC}" type="slidenum">
               <a:rPr lang="de-CH" smtClean="0"/>
-              <a:t>4</a:t>
+              <a:t>39</a:t>
             </a:fld>
             <a:r>
               <a:rPr lang="de-CH" smtClean="0"/>
-              <a:t> of 45</a:t>
-            </a:r>
-            <a:endParaRPr dirty="0"/>
-          </a:p>
-        </p:txBody>
-      </p:sp>
-    </p:spTree>
-    <p:extLst>
-      <p:ext uri="{BB962C8B-B14F-4D97-AF65-F5344CB8AC3E}">
-        <p14:creationId xmlns:p14="http://schemas.microsoft.com/office/powerpoint/2010/main" val="3270142657"/>
-      </p:ext>
-    </p:extLst>
-  </p:cSld>
-  <p:clrMapOvr>
-    <a:masterClrMapping/>
-  </p:clrMapOvr>
-  <p:timing>
-    <p:tnLst>
-      <p:par>
-        <p:cTn id="1" dur="indefinite" restart="never" nodeType="tmRoot"/>
-      </p:par>
-    </p:tnLst>
-  </p:timing>
-</p:sld>
-</file>
-
-<file path=ppt/slides/slide40.xml><?xml version="1.0" encoding="utf-8"?>
-<p:sld xmlns:a="http://schemas.openxmlformats.org/drawingml/2006/main" xmlns:r="http://schemas.openxmlformats.org/officeDocument/2006/relationships" xmlns:p="http://schemas.openxmlformats.org/presentationml/2006/main">
-  <p:cSld>
-    <p:spTree>
-      <p:nvGrpSpPr>
-        <p:cNvPr id="1" name=""/>
-        <p:cNvGrpSpPr/>
-        <p:nvPr/>
-      </p:nvGrpSpPr>
-      <p:grpSpPr>
-        <a:xfrm>
-          <a:off x="0" y="0"/>
-          <a:ext cx="0" cy="0"/>
-          <a:chOff x="0" y="0"/>
-          <a:chExt cx="0" cy="0"/>
-        </a:xfrm>
-      </p:grpSpPr>
-      <p:sp>
-        <p:nvSpPr>
-          <p:cNvPr id="13" name="Title 1"/>
-          <p:cNvSpPr>
-            <a:spLocks noGrp="1"/>
-          </p:cNvSpPr>
-          <p:nvPr>
-            <p:ph type="title"/>
-          </p:nvPr>
-        </p:nvSpPr>
-        <p:spPr/>
-        <p:txBody>
-          <a:bodyPr/>
-          <a:lstStyle/>
-          <a:p>
-            <a:r>
-              <a:rPr lang="en-GB" dirty="0" smtClean="0"/>
-              <a:t>Lenses</a:t>
-            </a:r>
-            <a:endParaRPr lang="en-GB" dirty="0"/>
-          </a:p>
-        </p:txBody>
-      </p:sp>
-      <p:sp>
-        <p:nvSpPr>
-          <p:cNvPr id="8" name="Content Placeholder 7"/>
-          <p:cNvSpPr>
-            <a:spLocks noGrp="1"/>
-          </p:cNvSpPr>
-          <p:nvPr>
-            <p:ph idx="1"/>
-          </p:nvPr>
-        </p:nvSpPr>
-        <p:spPr/>
-        <p:txBody>
-          <a:bodyPr/>
-          <a:lstStyle/>
-          <a:p>
-            <a:endParaRPr lang="en-GB"/>
-          </a:p>
-        </p:txBody>
-      </p:sp>
-      <p:sp>
-        <p:nvSpPr>
-          <p:cNvPr id="2" name="Date Placeholder 1"/>
-          <p:cNvSpPr>
-            <a:spLocks noGrp="1"/>
-          </p:cNvSpPr>
-          <p:nvPr>
-            <p:ph type="dt" sz="half" idx="10"/>
-          </p:nvPr>
-        </p:nvSpPr>
-        <p:spPr/>
-        <p:txBody>
-          <a:bodyPr/>
-          <a:lstStyle/>
-          <a:p>
-            <a:r>
-              <a:rPr lang="de-CH" smtClean="0"/>
-              <a:t>14. September 2015</a:t>
-            </a:r>
-            <a:endParaRPr lang="de-CH" dirty="0"/>
-          </a:p>
-        </p:txBody>
-      </p:sp>
-      <p:sp>
-        <p:nvSpPr>
-          <p:cNvPr id="7" name="Footer Placeholder 6"/>
-          <p:cNvSpPr>
-            <a:spLocks noGrp="1"/>
-          </p:cNvSpPr>
-          <p:nvPr>
-            <p:ph type="ftr" sz="quarter" idx="11"/>
-          </p:nvPr>
-        </p:nvSpPr>
-        <p:spPr/>
-        <p:txBody>
-          <a:bodyPr/>
-          <a:lstStyle/>
-          <a:p>
-            <a:r>
-              <a:rPr lang="en-GB" smtClean="0"/>
-              <a:t>Functional Design Patterns for OO Practicioners | Ivo Colombo, Hendrik Schöneberg</a:t>
-            </a:r>
-            <a:endParaRPr lang="en-GB" dirty="0"/>
-          </a:p>
-        </p:txBody>
-      </p:sp>
-      <p:sp>
-        <p:nvSpPr>
-          <p:cNvPr id="3" name="Slide Number Placeholder 2"/>
-          <p:cNvSpPr>
-            <a:spLocks noGrp="1"/>
-          </p:cNvSpPr>
-          <p:nvPr>
-            <p:ph type="sldNum" sz="quarter" idx="12"/>
-          </p:nvPr>
-        </p:nvSpPr>
-        <p:spPr/>
-        <p:txBody>
-          <a:bodyPr/>
-          <a:lstStyle/>
-          <a:p>
-            <a:r>
-              <a:rPr lang="de-CH" smtClean="0"/>
-              <a:t>Slide </a:t>
-            </a:r>
-            <a:fld id="{5B1805B5-0570-4CE1-AAAE-3A3F679A2116}" type="slidenum">
-              <a:rPr lang="de-CH" smtClean="0"/>
-              <a:t>40</a:t>
-            </a:fld>
-            <a:r>
-              <a:rPr lang="de-CH" smtClean="0"/>
-              <a:t> of 45</a:t>
+              <a:t> of 44</a:t>
             </a:r>
             <a:endParaRPr dirty="0"/>
           </a:p>
@@ -30661,7 +30780,233 @@
 </p:sld>
 </file>
 
-<file path=ppt/slides/slide41.xml><?xml version="1.0" encoding="utf-8"?>
+<file path=ppt/slides/slide4.xml><?xml version="1.0" encoding="utf-8"?>
+<p:sld xmlns:a="http://schemas.openxmlformats.org/drawingml/2006/main" xmlns:r="http://schemas.openxmlformats.org/officeDocument/2006/relationships" xmlns:p="http://schemas.openxmlformats.org/presentationml/2006/main">
+  <p:cSld>
+    <p:spTree>
+      <p:nvGrpSpPr>
+        <p:cNvPr id="1" name=""/>
+        <p:cNvGrpSpPr/>
+        <p:nvPr/>
+      </p:nvGrpSpPr>
+      <p:grpSpPr>
+        <a:xfrm>
+          <a:off x="0" y="0"/>
+          <a:ext cx="0" cy="0"/>
+          <a:chOff x="0" y="0"/>
+          <a:chExt cx="0" cy="0"/>
+        </a:xfrm>
+      </p:grpSpPr>
+      <p:sp>
+        <p:nvSpPr>
+          <p:cNvPr id="2" name="Title 1"/>
+          <p:cNvSpPr>
+            <a:spLocks noGrp="1"/>
+          </p:cNvSpPr>
+          <p:nvPr>
+            <p:ph type="title"/>
+          </p:nvPr>
+        </p:nvSpPr>
+        <p:spPr/>
+        <p:txBody>
+          <a:bodyPr/>
+          <a:lstStyle/>
+          <a:p>
+            <a:r>
+              <a:rPr lang="en-GB" dirty="0" smtClean="0"/>
+              <a:t>Introduction</a:t>
+            </a:r>
+            <a:endParaRPr lang="en-GB" dirty="0"/>
+          </a:p>
+        </p:txBody>
+      </p:sp>
+      <p:sp>
+        <p:nvSpPr>
+          <p:cNvPr id="3" name="Content Placeholder 2"/>
+          <p:cNvSpPr>
+            <a:spLocks noGrp="1"/>
+          </p:cNvSpPr>
+          <p:nvPr>
+            <p:ph idx="1"/>
+          </p:nvPr>
+        </p:nvSpPr>
+        <p:spPr/>
+        <p:txBody>
+          <a:bodyPr/>
+          <a:lstStyle/>
+          <a:p>
+            <a:pPr marL="257175" indent="-257175">
+              <a:buFont typeface="Arial" panose="020B0604020202020204" pitchFamily="34" charset="0"/>
+              <a:buChar char="•"/>
+            </a:pPr>
+            <a:r>
+              <a:rPr lang="en-GB" dirty="0" smtClean="0"/>
+              <a:t>There is no authoritative list of functional patterns (like «Gang of 4» patterns in OO).</a:t>
+            </a:r>
+          </a:p>
+          <a:p>
+            <a:pPr marL="257175" indent="-257175">
+              <a:buFont typeface="Arial" panose="020B0604020202020204" pitchFamily="34" charset="0"/>
+              <a:buChar char="•"/>
+            </a:pPr>
+            <a:r>
+              <a:rPr lang="en-GB" dirty="0" smtClean="0"/>
+              <a:t>«Functional pattern» is a less concise term.</a:t>
+            </a:r>
+          </a:p>
+          <a:p>
+            <a:pPr marL="257175" indent="-257175">
+              <a:buFont typeface="Arial" panose="020B0604020202020204" pitchFamily="34" charset="0"/>
+              <a:buChar char="•"/>
+            </a:pPr>
+            <a:r>
+              <a:rPr lang="en-GB" dirty="0" smtClean="0"/>
+              <a:t>Language-dependent</a:t>
+            </a:r>
+          </a:p>
+          <a:p>
+            <a:pPr marL="257175" indent="-257175">
+              <a:buFont typeface="Arial" panose="020B0604020202020204" pitchFamily="34" charset="0"/>
+              <a:buChar char="•"/>
+            </a:pPr>
+            <a:r>
+              <a:rPr lang="en-GB" dirty="0" smtClean="0"/>
+              <a:t>Focus on composition of functions rather than composition of objects</a:t>
+            </a:r>
+          </a:p>
+          <a:p>
+            <a:pPr marL="257175" indent="-257175">
+              <a:buFont typeface="Arial" panose="020B0604020202020204" pitchFamily="34" charset="0"/>
+              <a:buChar char="•"/>
+            </a:pPr>
+            <a:r>
+              <a:rPr lang="en-GB" dirty="0" smtClean="0"/>
+              <a:t>Our collection consists of ideas, recipes and guidelines.</a:t>
+            </a:r>
+          </a:p>
+        </p:txBody>
+      </p:sp>
+      <p:sp>
+        <p:nvSpPr>
+          <p:cNvPr id="6" name="Text Placeholder 5"/>
+          <p:cNvSpPr>
+            <a:spLocks noGrp="1"/>
+          </p:cNvSpPr>
+          <p:nvPr>
+            <p:ph type="body" sz="quarter" idx="13"/>
+          </p:nvPr>
+        </p:nvSpPr>
+        <p:spPr/>
+        <p:txBody>
+          <a:bodyPr/>
+          <a:lstStyle/>
+          <a:p>
+            <a:r>
+              <a:rPr lang="en-GB" dirty="0" smtClean="0"/>
+              <a:t>Functional patterns</a:t>
+            </a:r>
+            <a:endParaRPr lang="en-GB" dirty="0"/>
+          </a:p>
+        </p:txBody>
+      </p:sp>
+      <p:sp>
+        <p:nvSpPr>
+          <p:cNvPr id="8" name="Footer Placeholder 7"/>
+          <p:cNvSpPr>
+            <a:spLocks noGrp="1"/>
+          </p:cNvSpPr>
+          <p:nvPr>
+            <p:ph type="ftr" sz="quarter" idx="11"/>
+          </p:nvPr>
+        </p:nvSpPr>
+        <p:spPr/>
+        <p:txBody>
+          <a:bodyPr/>
+          <a:lstStyle/>
+          <a:p>
+            <a:r>
+              <a:rPr lang="en-GB" smtClean="0"/>
+              <a:t>Functional Design Patterns for OO Practicioners | Ivo Colombo, Hendrik Schöneberg</a:t>
+            </a:r>
+            <a:endParaRPr lang="en-GB" dirty="0"/>
+          </a:p>
+        </p:txBody>
+      </p:sp>
+      <p:sp>
+        <p:nvSpPr>
+          <p:cNvPr id="5" name="Date Placeholder 4"/>
+          <p:cNvSpPr>
+            <a:spLocks noGrp="1"/>
+          </p:cNvSpPr>
+          <p:nvPr>
+            <p:ph type="dt" sz="half" idx="10"/>
+          </p:nvPr>
+        </p:nvSpPr>
+        <p:spPr/>
+        <p:txBody>
+          <a:bodyPr/>
+          <a:lstStyle/>
+          <a:p>
+            <a:r>
+              <a:rPr lang="de-CH" smtClean="0"/>
+              <a:t>14. September 2015</a:t>
+            </a:r>
+            <a:endParaRPr lang="de-CH" dirty="0"/>
+          </a:p>
+        </p:txBody>
+      </p:sp>
+      <p:sp>
+        <p:nvSpPr>
+          <p:cNvPr id="7" name="Slide Number Placeholder 6"/>
+          <p:cNvSpPr>
+            <a:spLocks noGrp="1"/>
+          </p:cNvSpPr>
+          <p:nvPr>
+            <p:ph type="sldNum" sz="quarter" idx="12"/>
+          </p:nvPr>
+        </p:nvSpPr>
+        <p:spPr/>
+        <p:txBody>
+          <a:bodyPr/>
+          <a:lstStyle/>
+          <a:p>
+            <a:r>
+              <a:rPr lang="de-CH" smtClean="0"/>
+              <a:t>Slide </a:t>
+            </a:r>
+            <a:fld id="{B8AA3EC0-8952-40DE-B822-3B8C1FE3F3C5}" type="slidenum">
+              <a:rPr lang="de-CH" smtClean="0"/>
+              <a:t>4</a:t>
+            </a:fld>
+            <a:r>
+              <a:rPr lang="de-CH" smtClean="0"/>
+              <a:t> of 44</a:t>
+            </a:r>
+            <a:endParaRPr dirty="0"/>
+          </a:p>
+        </p:txBody>
+      </p:sp>
+    </p:spTree>
+    <p:extLst>
+      <p:ext uri="{BB962C8B-B14F-4D97-AF65-F5344CB8AC3E}">
+        <p14:creationId xmlns:p14="http://schemas.microsoft.com/office/powerpoint/2010/main" val="3270142657"/>
+      </p:ext>
+    </p:extLst>
+  </p:cSld>
+  <p:clrMapOvr>
+    <a:masterClrMapping/>
+  </p:clrMapOvr>
+  <p:timing>
+    <p:tnLst>
+      <p:par>
+        <p:cTn id="1" dur="indefinite" restart="never" nodeType="tmRoot"/>
+      </p:par>
+    </p:tnLst>
+  </p:timing>
+</p:sld>
+</file>
+
+<file path=ppt/slides/slide40.xml><?xml version="1.0" encoding="utf-8"?>
 <p:sld xmlns:a="http://schemas.openxmlformats.org/drawingml/2006/main" xmlns:r="http://schemas.openxmlformats.org/officeDocument/2006/relationships" xmlns:p="http://schemas.openxmlformats.org/presentationml/2006/main">
   <p:cSld>
     <p:spTree>
@@ -31496,10 +31841,6 @@
               </a:rPr>
               <a:t>Lens[O,V](get: O =&gt; V, set: (O,V) =&gt; O)</a:t>
             </a:r>
-            <a:endParaRPr lang="en-GB" sz="2000" dirty="0" smtClean="0">
-              <a:latin typeface="Consolas" panose="020B0609020204030204" pitchFamily="49" charset="0"/>
-              <a:cs typeface="Consolas" panose="020B0609020204030204" pitchFamily="49" charset="0"/>
-            </a:endParaRPr>
           </a:p>
         </p:txBody>
       </p:sp>
@@ -31568,13 +31909,13 @@
               <a:rPr lang="de-CH" smtClean="0"/>
               <a:t>Slide </a:t>
             </a:r>
-            <a:fld id="{755D469A-622C-4C14-AA66-00616FB18A77}" type="slidenum">
+            <a:fld id="{766509CB-2328-4B3D-9D2F-A69956C1FD5D}" type="slidenum">
               <a:rPr lang="de-CH" smtClean="0"/>
-              <a:t>41</a:t>
+              <a:t>40</a:t>
             </a:fld>
             <a:r>
               <a:rPr lang="de-CH" smtClean="0"/>
-              <a:t> of 45</a:t>
+              <a:t> of 44</a:t>
             </a:r>
             <a:endParaRPr dirty="0"/>
           </a:p>
@@ -31767,7 +32108,7 @@
 </p:sld>
 </file>
 
-<file path=ppt/slides/slide42.xml><?xml version="1.0" encoding="utf-8"?>
+<file path=ppt/slides/slide41.xml><?xml version="1.0" encoding="utf-8"?>
 <p:sld xmlns:a="http://schemas.openxmlformats.org/drawingml/2006/main" xmlns:r="http://schemas.openxmlformats.org/officeDocument/2006/relationships" xmlns:p="http://schemas.openxmlformats.org/presentationml/2006/main">
   <p:cSld>
     <p:spTree>
@@ -32095,13 +32436,13 @@
               <a:rPr lang="de-CH" smtClean="0"/>
               <a:t>Slide </a:t>
             </a:r>
-            <a:fld id="{4DB5F1D1-E592-4DC2-944C-A3E1774508B1}" type="slidenum">
+            <a:fld id="{4078C474-24A5-4192-8242-13EA3630677A}" type="slidenum">
               <a:rPr lang="de-CH" smtClean="0"/>
-              <a:t>42</a:t>
+              <a:t>41</a:t>
             </a:fld>
             <a:r>
               <a:rPr lang="de-CH" smtClean="0"/>
-              <a:t> of 45</a:t>
+              <a:t> of 44</a:t>
             </a:r>
             <a:endParaRPr dirty="0"/>
           </a:p>
@@ -32133,6 +32474,223 @@
     <p:extLst>
       <p:ext uri="{BB962C8B-B14F-4D97-AF65-F5344CB8AC3E}">
         <p14:creationId xmlns:p14="http://schemas.microsoft.com/office/powerpoint/2010/main" val="4163302255"/>
+      </p:ext>
+    </p:extLst>
+  </p:cSld>
+  <p:clrMapOvr>
+    <a:masterClrMapping/>
+  </p:clrMapOvr>
+  <p:timing>
+    <p:tnLst>
+      <p:par>
+        <p:cTn id="1" dur="indefinite" restart="never" nodeType="tmRoot"/>
+      </p:par>
+    </p:tnLst>
+  </p:timing>
+</p:sld>
+</file>
+
+<file path=ppt/slides/slide42.xml><?xml version="1.0" encoding="utf-8"?>
+<p:sld xmlns:a="http://schemas.openxmlformats.org/drawingml/2006/main" xmlns:r="http://schemas.openxmlformats.org/officeDocument/2006/relationships" xmlns:p="http://schemas.openxmlformats.org/presentationml/2006/main">
+  <p:cSld>
+    <p:spTree>
+      <p:nvGrpSpPr>
+        <p:cNvPr id="1" name=""/>
+        <p:cNvGrpSpPr/>
+        <p:nvPr/>
+      </p:nvGrpSpPr>
+      <p:grpSpPr>
+        <a:xfrm>
+          <a:off x="0" y="0"/>
+          <a:ext cx="0" cy="0"/>
+          <a:chOff x="0" y="0"/>
+          <a:chExt cx="0" cy="0"/>
+        </a:xfrm>
+      </p:grpSpPr>
+      <p:sp>
+        <p:nvSpPr>
+          <p:cNvPr id="2" name="Title 1"/>
+          <p:cNvSpPr>
+            <a:spLocks noGrp="1"/>
+          </p:cNvSpPr>
+          <p:nvPr>
+            <p:ph type="title"/>
+          </p:nvPr>
+        </p:nvSpPr>
+        <p:spPr/>
+        <p:txBody>
+          <a:bodyPr/>
+          <a:lstStyle/>
+          <a:p>
+            <a:r>
+              <a:rPr lang="en-GB" dirty="0" smtClean="0"/>
+              <a:t>Immutability</a:t>
+            </a:r>
+            <a:endParaRPr lang="en-GB" dirty="0"/>
+          </a:p>
+        </p:txBody>
+      </p:sp>
+      <p:sp>
+        <p:nvSpPr>
+          <p:cNvPr id="3" name="Content Placeholder 2"/>
+          <p:cNvSpPr>
+            <a:spLocks noGrp="1"/>
+          </p:cNvSpPr>
+          <p:nvPr>
+            <p:ph idx="1"/>
+          </p:nvPr>
+        </p:nvSpPr>
+        <p:spPr/>
+        <p:txBody>
+          <a:bodyPr/>
+          <a:lstStyle/>
+          <a:p>
+            <a:pPr marL="342900" indent="-342900">
+              <a:buFont typeface="Arial" panose="020B0604020202020204" pitchFamily="34" charset="0"/>
+              <a:buChar char="•"/>
+            </a:pPr>
+            <a:r>
+              <a:rPr lang="en-GB" dirty="0" smtClean="0"/>
+              <a:t>Immutability is a generally desirable feature</a:t>
+            </a:r>
+          </a:p>
+          <a:p>
+            <a:pPr marL="342900" indent="-342900">
+              <a:buFont typeface="Arial" panose="020B0604020202020204" pitchFamily="34" charset="0"/>
+              <a:buChar char="•"/>
+            </a:pPr>
+            <a:r>
+              <a:rPr lang="en-GB" dirty="0" smtClean="0"/>
+              <a:t>Write new code or refactor existing code always with immutability in mind</a:t>
+            </a:r>
+          </a:p>
+          <a:p>
+            <a:pPr marL="342900" indent="-342900">
+              <a:buFont typeface="Arial" panose="020B0604020202020204" pitchFamily="34" charset="0"/>
+              <a:buChar char="•"/>
+            </a:pPr>
+            <a:r>
+              <a:rPr lang="en-GB" dirty="0" smtClean="0"/>
+              <a:t>Default to immutability. Switch to mutable data structures for specific purposes only</a:t>
+            </a:r>
+          </a:p>
+          <a:p>
+            <a:pPr marL="342900" indent="-342900">
+              <a:buFont typeface="Arial" panose="020B0604020202020204" pitchFamily="34" charset="0"/>
+              <a:buChar char="•"/>
+            </a:pPr>
+            <a:r>
+              <a:rPr lang="en-GB" dirty="0" smtClean="0"/>
+              <a:t>Patterns like lenses can mitigate the added complexity when dealing with destructive updates</a:t>
+            </a:r>
+            <a:endParaRPr lang="en-GB" dirty="0"/>
+          </a:p>
+        </p:txBody>
+      </p:sp>
+      <p:sp>
+        <p:nvSpPr>
+          <p:cNvPr id="6" name="Date Placeholder 5"/>
+          <p:cNvSpPr>
+            <a:spLocks noGrp="1"/>
+          </p:cNvSpPr>
+          <p:nvPr>
+            <p:ph type="dt" sz="half" idx="10"/>
+          </p:nvPr>
+        </p:nvSpPr>
+        <p:spPr/>
+        <p:txBody>
+          <a:bodyPr/>
+          <a:lstStyle/>
+          <a:p>
+            <a:r>
+              <a:rPr lang="de-CH" smtClean="0"/>
+              <a:t>14. September 2015</a:t>
+            </a:r>
+            <a:endParaRPr lang="de-CH" dirty="0"/>
+          </a:p>
+        </p:txBody>
+      </p:sp>
+      <p:sp>
+        <p:nvSpPr>
+          <p:cNvPr id="5" name="Footer Placeholder 4"/>
+          <p:cNvSpPr>
+            <a:spLocks noGrp="1"/>
+          </p:cNvSpPr>
+          <p:nvPr>
+            <p:ph type="ftr" sz="quarter" idx="11"/>
+          </p:nvPr>
+        </p:nvSpPr>
+        <p:spPr/>
+        <p:txBody>
+          <a:bodyPr/>
+          <a:lstStyle/>
+          <a:p>
+            <a:r>
+              <a:rPr lang="en-GB" smtClean="0"/>
+              <a:t>Functional Design Patterns for OO Practicioners | Ivo Colombo, Hendrik Schöneberg</a:t>
+            </a:r>
+            <a:endParaRPr lang="en-GB" dirty="0"/>
+          </a:p>
+        </p:txBody>
+      </p:sp>
+      <p:sp>
+        <p:nvSpPr>
+          <p:cNvPr id="9" name="Slide Number Placeholder 8"/>
+          <p:cNvSpPr>
+            <a:spLocks noGrp="1"/>
+          </p:cNvSpPr>
+          <p:nvPr>
+            <p:ph type="sldNum" sz="quarter" idx="12"/>
+          </p:nvPr>
+        </p:nvSpPr>
+        <p:spPr/>
+        <p:txBody>
+          <a:bodyPr/>
+          <a:lstStyle/>
+          <a:p>
+            <a:r>
+              <a:rPr lang="de-CH" smtClean="0"/>
+              <a:t>Slide </a:t>
+            </a:r>
+            <a:fld id="{5A5C28D1-55EC-4685-96BA-87D96F636633}" type="slidenum">
+              <a:rPr lang="de-CH" smtClean="0"/>
+              <a:t>42</a:t>
+            </a:fld>
+            <a:r>
+              <a:rPr lang="de-CH" smtClean="0"/>
+              <a:t> of 44</a:t>
+            </a:r>
+            <a:endParaRPr dirty="0"/>
+          </a:p>
+        </p:txBody>
+      </p:sp>
+      <p:sp>
+        <p:nvSpPr>
+          <p:cNvPr id="7" name="Text Placeholder 6"/>
+          <p:cNvSpPr>
+            <a:spLocks noGrp="1"/>
+          </p:cNvSpPr>
+          <p:nvPr>
+            <p:ph type="body" sz="quarter" idx="13"/>
+          </p:nvPr>
+        </p:nvSpPr>
+        <p:spPr/>
+        <p:txBody>
+          <a:bodyPr/>
+          <a:lstStyle/>
+          <a:p>
+            <a:r>
+              <a:rPr lang="en-GB" dirty="0" smtClean="0"/>
+              <a:t>Outcomes</a:t>
+            </a:r>
+            <a:endParaRPr lang="en-GB" dirty="0"/>
+          </a:p>
+        </p:txBody>
+      </p:sp>
+    </p:spTree>
+    <p:extLst>
+      <p:ext uri="{BB962C8B-B14F-4D97-AF65-F5344CB8AC3E}">
+        <p14:creationId xmlns:p14="http://schemas.microsoft.com/office/powerpoint/2010/main" val="2202274962"/>
       </p:ext>
     </p:extLst>
   </p:cSld>
@@ -32183,223 +32741,6 @@
           <a:p>
             <a:r>
               <a:rPr lang="en-GB" dirty="0" smtClean="0"/>
-              <a:t>Immutability</a:t>
-            </a:r>
-            <a:endParaRPr lang="en-GB" dirty="0"/>
-          </a:p>
-        </p:txBody>
-      </p:sp>
-      <p:sp>
-        <p:nvSpPr>
-          <p:cNvPr id="3" name="Content Placeholder 2"/>
-          <p:cNvSpPr>
-            <a:spLocks noGrp="1"/>
-          </p:cNvSpPr>
-          <p:nvPr>
-            <p:ph idx="1"/>
-          </p:nvPr>
-        </p:nvSpPr>
-        <p:spPr/>
-        <p:txBody>
-          <a:bodyPr/>
-          <a:lstStyle/>
-          <a:p>
-            <a:pPr marL="342900" indent="-342900">
-              <a:buFont typeface="Arial" panose="020B0604020202020204" pitchFamily="34" charset="0"/>
-              <a:buChar char="•"/>
-            </a:pPr>
-            <a:r>
-              <a:rPr lang="en-GB" dirty="0" smtClean="0"/>
-              <a:t>Immutability is a generally desirable feature</a:t>
-            </a:r>
-          </a:p>
-          <a:p>
-            <a:pPr marL="342900" indent="-342900">
-              <a:buFont typeface="Arial" panose="020B0604020202020204" pitchFamily="34" charset="0"/>
-              <a:buChar char="•"/>
-            </a:pPr>
-            <a:r>
-              <a:rPr lang="en-GB" dirty="0" smtClean="0"/>
-              <a:t>Write new code or refactor existing code always with immutability in mind</a:t>
-            </a:r>
-          </a:p>
-          <a:p>
-            <a:pPr marL="342900" indent="-342900">
-              <a:buFont typeface="Arial" panose="020B0604020202020204" pitchFamily="34" charset="0"/>
-              <a:buChar char="•"/>
-            </a:pPr>
-            <a:r>
-              <a:rPr lang="en-GB" dirty="0" smtClean="0"/>
-              <a:t>Default to immutability. Switch to mutable data structures for specific purposes only</a:t>
-            </a:r>
-          </a:p>
-          <a:p>
-            <a:pPr marL="342900" indent="-342900">
-              <a:buFont typeface="Arial" panose="020B0604020202020204" pitchFamily="34" charset="0"/>
-              <a:buChar char="•"/>
-            </a:pPr>
-            <a:r>
-              <a:rPr lang="en-GB" dirty="0" smtClean="0"/>
-              <a:t>Patterns like lenses can mitigate the added complexity when dealing with destructive updates</a:t>
-            </a:r>
-            <a:endParaRPr lang="en-GB" dirty="0"/>
-          </a:p>
-        </p:txBody>
-      </p:sp>
-      <p:sp>
-        <p:nvSpPr>
-          <p:cNvPr id="6" name="Date Placeholder 5"/>
-          <p:cNvSpPr>
-            <a:spLocks noGrp="1"/>
-          </p:cNvSpPr>
-          <p:nvPr>
-            <p:ph type="dt" sz="half" idx="10"/>
-          </p:nvPr>
-        </p:nvSpPr>
-        <p:spPr/>
-        <p:txBody>
-          <a:bodyPr/>
-          <a:lstStyle/>
-          <a:p>
-            <a:r>
-              <a:rPr lang="de-CH" smtClean="0"/>
-              <a:t>14. September 2015</a:t>
-            </a:r>
-            <a:endParaRPr lang="de-CH" dirty="0"/>
-          </a:p>
-        </p:txBody>
-      </p:sp>
-      <p:sp>
-        <p:nvSpPr>
-          <p:cNvPr id="5" name="Footer Placeholder 4"/>
-          <p:cNvSpPr>
-            <a:spLocks noGrp="1"/>
-          </p:cNvSpPr>
-          <p:nvPr>
-            <p:ph type="ftr" sz="quarter" idx="11"/>
-          </p:nvPr>
-        </p:nvSpPr>
-        <p:spPr/>
-        <p:txBody>
-          <a:bodyPr/>
-          <a:lstStyle/>
-          <a:p>
-            <a:r>
-              <a:rPr lang="en-GB" smtClean="0"/>
-              <a:t>Functional Design Patterns for OO Practicioners | Ivo Colombo, Hendrik Schöneberg</a:t>
-            </a:r>
-            <a:endParaRPr lang="en-GB" dirty="0"/>
-          </a:p>
-        </p:txBody>
-      </p:sp>
-      <p:sp>
-        <p:nvSpPr>
-          <p:cNvPr id="9" name="Slide Number Placeholder 8"/>
-          <p:cNvSpPr>
-            <a:spLocks noGrp="1"/>
-          </p:cNvSpPr>
-          <p:nvPr>
-            <p:ph type="sldNum" sz="quarter" idx="12"/>
-          </p:nvPr>
-        </p:nvSpPr>
-        <p:spPr/>
-        <p:txBody>
-          <a:bodyPr/>
-          <a:lstStyle/>
-          <a:p>
-            <a:r>
-              <a:rPr lang="de-CH" smtClean="0"/>
-              <a:t>Slide </a:t>
-            </a:r>
-            <a:fld id="{16CC2771-5052-4FE1-837E-15A50CCD847F}" type="slidenum">
-              <a:rPr lang="de-CH" smtClean="0"/>
-              <a:t>43</a:t>
-            </a:fld>
-            <a:r>
-              <a:rPr lang="de-CH" smtClean="0"/>
-              <a:t> of 45</a:t>
-            </a:r>
-            <a:endParaRPr dirty="0"/>
-          </a:p>
-        </p:txBody>
-      </p:sp>
-      <p:sp>
-        <p:nvSpPr>
-          <p:cNvPr id="7" name="Text Placeholder 6"/>
-          <p:cNvSpPr>
-            <a:spLocks noGrp="1"/>
-          </p:cNvSpPr>
-          <p:nvPr>
-            <p:ph type="body" sz="quarter" idx="13"/>
-          </p:nvPr>
-        </p:nvSpPr>
-        <p:spPr/>
-        <p:txBody>
-          <a:bodyPr/>
-          <a:lstStyle/>
-          <a:p>
-            <a:r>
-              <a:rPr lang="en-GB" dirty="0" smtClean="0"/>
-              <a:t>Outcomes</a:t>
-            </a:r>
-            <a:endParaRPr lang="en-GB" dirty="0"/>
-          </a:p>
-        </p:txBody>
-      </p:sp>
-    </p:spTree>
-    <p:extLst>
-      <p:ext uri="{BB962C8B-B14F-4D97-AF65-F5344CB8AC3E}">
-        <p14:creationId xmlns:p14="http://schemas.microsoft.com/office/powerpoint/2010/main" val="2202274962"/>
-      </p:ext>
-    </p:extLst>
-  </p:cSld>
-  <p:clrMapOvr>
-    <a:masterClrMapping/>
-  </p:clrMapOvr>
-  <p:timing>
-    <p:tnLst>
-      <p:par>
-        <p:cTn id="1" dur="indefinite" restart="never" nodeType="tmRoot"/>
-      </p:par>
-    </p:tnLst>
-  </p:timing>
-</p:sld>
-</file>
-
-<file path=ppt/slides/slide44.xml><?xml version="1.0" encoding="utf-8"?>
-<p:sld xmlns:a="http://schemas.openxmlformats.org/drawingml/2006/main" xmlns:r="http://schemas.openxmlformats.org/officeDocument/2006/relationships" xmlns:p="http://schemas.openxmlformats.org/presentationml/2006/main">
-  <p:cSld>
-    <p:spTree>
-      <p:nvGrpSpPr>
-        <p:cNvPr id="1" name=""/>
-        <p:cNvGrpSpPr/>
-        <p:nvPr/>
-      </p:nvGrpSpPr>
-      <p:grpSpPr>
-        <a:xfrm>
-          <a:off x="0" y="0"/>
-          <a:ext cx="0" cy="0"/>
-          <a:chOff x="0" y="0"/>
-          <a:chExt cx="0" cy="0"/>
-        </a:xfrm>
-      </p:grpSpPr>
-      <p:sp>
-        <p:nvSpPr>
-          <p:cNvPr id="2" name="Title 1"/>
-          <p:cNvSpPr>
-            <a:spLocks noGrp="1"/>
-          </p:cNvSpPr>
-          <p:nvPr>
-            <p:ph type="title"/>
-          </p:nvPr>
-        </p:nvSpPr>
-        <p:spPr/>
-        <p:txBody>
-          <a:bodyPr/>
-          <a:lstStyle/>
-          <a:p>
-            <a:r>
-              <a:rPr lang="en-GB" dirty="0" smtClean="0"/>
               <a:t>Outcomes</a:t>
             </a:r>
             <a:endParaRPr lang="en-GB" dirty="0"/>
@@ -32606,13 +32947,13 @@
               <a:rPr lang="de-CH" smtClean="0"/>
               <a:t>Slide </a:t>
             </a:r>
-            <a:fld id="{A90353D0-6E33-43E3-A40F-914FF7FF6496}" type="slidenum">
+            <a:fld id="{9F51787D-C43A-4719-B230-D7CDC4DC7BF4}" type="slidenum">
               <a:rPr lang="de-CH" smtClean="0"/>
-              <a:t>44</a:t>
+              <a:t>43</a:t>
             </a:fld>
             <a:r>
               <a:rPr lang="de-CH" smtClean="0"/>
-              <a:t> of 45</a:t>
+              <a:t> of 44</a:t>
             </a:r>
             <a:endParaRPr dirty="0"/>
           </a:p>
@@ -32638,7 +32979,7 @@
 </p:sld>
 </file>
 
-<file path=ppt/slides/slide45.xml><?xml version="1.0" encoding="utf-8"?>
+<file path=ppt/slides/slide44.xml><?xml version="1.0" encoding="utf-8"?>
 <p:sld xmlns:a="http://schemas.openxmlformats.org/drawingml/2006/main" xmlns:r="http://schemas.openxmlformats.org/officeDocument/2006/relationships" xmlns:p="http://schemas.openxmlformats.org/presentationml/2006/main" show="0">
   <p:cSld>
     <p:spTree>
@@ -32788,13 +33129,13 @@
               <a:rPr lang="de-CH" smtClean="0"/>
               <a:t>Slide </a:t>
             </a:r>
-            <a:fld id="{A44BC831-2D12-488B-AC93-346EC0C86FE0}" type="slidenum">
+            <a:fld id="{20675925-C608-4A1B-B387-CB44A24107B9}" type="slidenum">
               <a:rPr lang="de-CH" smtClean="0"/>
-              <a:t>45</a:t>
+              <a:t>44</a:t>
             </a:fld>
             <a:r>
               <a:rPr lang="de-CH" smtClean="0"/>
-              <a:t> of 45</a:t>
+              <a:t> of 44</a:t>
             </a:r>
             <a:endParaRPr dirty="0"/>
           </a:p>
@@ -32810,11 +33151,11 @@
   <p:clrMapOvr>
     <a:masterClrMapping/>
   </p:clrMapOvr>
-  <mc:AlternateContent xmlns:mc="http://schemas.openxmlformats.org/markup-compatibility/2006">
-    <mc:Choice xmlns:p14="http://schemas.microsoft.com/office/powerpoint/2010/main" Requires="p14">
+  <mc:AlternateContent xmlns:mc="http://schemas.openxmlformats.org/markup-compatibility/2006" xmlns:p14="http://schemas.microsoft.com/office/powerpoint/2010/main">
+    <mc:Choice Requires="p14">
       <p:transition spd="slow" p14:dur="2000"/>
     </mc:Choice>
-    <mc:Fallback>
+    <mc:Fallback xmlns="">
       <p:transition spd="slow"/>
     </mc:Fallback>
   </mc:AlternateContent>
@@ -32937,7 +33278,6 @@
               <a:rPr lang="en-GB" dirty="0" smtClean="0"/>
               <a:t>The maths behind FP</a:t>
             </a:r>
-            <a:endParaRPr lang="en-GB" dirty="0" smtClean="0"/>
           </a:p>
         </p:txBody>
       </p:sp>
@@ -33029,13 +33369,13 @@
               <a:rPr lang="de-CH" smtClean="0"/>
               <a:t>Slide </a:t>
             </a:r>
-            <a:fld id="{6128F611-9CD5-4780-8866-D01E160EB843}" type="slidenum">
+            <a:fld id="{CC4801B3-7C14-4EBA-8C2E-FFA067F52731}" type="slidenum">
               <a:rPr lang="de-CH" smtClean="0"/>
               <a:t>5</a:t>
             </a:fld>
             <a:r>
               <a:rPr lang="de-CH" smtClean="0"/>
-              <a:t> of 45</a:t>
+              <a:t> of 44</a:t>
             </a:r>
             <a:endParaRPr dirty="0"/>
           </a:p>
@@ -33051,11 +33391,11 @@
   <p:clrMapOvr>
     <a:masterClrMapping/>
   </p:clrMapOvr>
-  <mc:AlternateContent xmlns:mc="http://schemas.openxmlformats.org/markup-compatibility/2006">
-    <mc:Choice xmlns:p14="http://schemas.microsoft.com/office/powerpoint/2010/main" Requires="p14">
+  <mc:AlternateContent xmlns:mc="http://schemas.openxmlformats.org/markup-compatibility/2006" xmlns:p14="http://schemas.microsoft.com/office/powerpoint/2010/main">
+    <mc:Choice Requires="p14">
       <p:transition spd="slow" p14:dur="2000"/>
     </mc:Choice>
-    <mc:Fallback>
+    <mc:Fallback xmlns="">
       <p:transition spd="slow"/>
     </mc:Fallback>
   </mc:AlternateContent>
@@ -33128,7 +33468,6 @@
               <a:rPr lang="en-GB" dirty="0" smtClean="0"/>
               <a:t>=&gt; Scala in 30 seconds</a:t>
             </a:r>
-            <a:endParaRPr lang="en-GB" dirty="0" smtClean="0"/>
           </a:p>
         </p:txBody>
       </p:sp>
@@ -33220,13 +33559,13 @@
               <a:rPr lang="de-CH" smtClean="0"/>
               <a:t>Slide </a:t>
             </a:r>
-            <a:fld id="{773287F4-33F8-4CA6-9074-5D8C99BB04D6}" type="slidenum">
+            <a:fld id="{54167BD2-1A82-4E78-8054-21615601E3A7}" type="slidenum">
               <a:rPr lang="de-CH" smtClean="0"/>
               <a:t>6</a:t>
             </a:fld>
             <a:r>
               <a:rPr lang="de-CH" smtClean="0"/>
-              <a:t> of 45</a:t>
+              <a:t> of 44</a:t>
             </a:r>
             <a:endParaRPr dirty="0"/>
           </a:p>
@@ -33242,11 +33581,11 @@
   <p:clrMapOvr>
     <a:masterClrMapping/>
   </p:clrMapOvr>
-  <mc:AlternateContent xmlns:mc="http://schemas.openxmlformats.org/markup-compatibility/2006">
-    <mc:Choice xmlns:p14="http://schemas.microsoft.com/office/powerpoint/2010/main" Requires="p14">
+  <mc:AlternateContent xmlns:mc="http://schemas.openxmlformats.org/markup-compatibility/2006" xmlns:p14="http://schemas.microsoft.com/office/powerpoint/2010/main">
+    <mc:Choice Requires="p14">
       <p:transition spd="slow" p14:dur="2000"/>
     </mc:Choice>
-    <mc:Fallback>
+    <mc:Fallback xmlns="">
       <p:transition spd="slow"/>
     </mc:Fallback>
   </mc:AlternateContent>
@@ -33430,13 +33769,13 @@
               <a:rPr lang="de-CH" smtClean="0"/>
               <a:t>Slide </a:t>
             </a:r>
-            <a:fld id="{5919FD39-CD1A-4241-8FC4-1992AAB28F88}" type="slidenum">
+            <a:fld id="{22863F11-27A5-4733-B003-A80102AAB9F4}" type="slidenum">
               <a:rPr lang="de-CH" smtClean="0"/>
               <a:t>7</a:t>
             </a:fld>
             <a:r>
               <a:rPr lang="de-CH" smtClean="0"/>
-              <a:t> of 45</a:t>
+              <a:t> of 44</a:t>
             </a:r>
             <a:endParaRPr dirty="0"/>
           </a:p>
@@ -33622,13 +33961,13 @@
               <a:rPr lang="de-CH" smtClean="0"/>
               <a:t>Slide </a:t>
             </a:r>
-            <a:fld id="{90E80F8D-568B-4959-8A06-8CF3E9F78C3C}" type="slidenum">
+            <a:fld id="{D7DB5779-B62B-47DC-B44A-248B4F497985}" type="slidenum">
               <a:rPr lang="de-CH" smtClean="0"/>
               <a:t>8</a:t>
             </a:fld>
             <a:r>
               <a:rPr lang="de-CH" smtClean="0"/>
-              <a:t> of 45</a:t>
+              <a:t> of 44</a:t>
             </a:r>
             <a:endParaRPr dirty="0"/>
           </a:p>
@@ -33773,11 +34112,7 @@
             </a:pPr>
             <a:r>
               <a:rPr lang="en-GB" dirty="0" smtClean="0"/>
-              <a:t>FP gurus claim they write side effect free programs. How is that possible? Is it at all? Why </a:t>
-            </a:r>
-            <a:r>
-              <a:rPr lang="en-GB" dirty="0" smtClean="0"/>
-              <a:t>would that be desirable?</a:t>
+              <a:t>FP gurus claim they write side effect free programs. How is that possible? Is it at all? Why would that be desirable?</a:t>
             </a:r>
             <a:endParaRPr lang="en-GB" dirty="0"/>
           </a:p>
@@ -33848,13 +34183,13 @@
               <a:rPr lang="de-CH" smtClean="0"/>
               <a:t>Slide </a:t>
             </a:r>
-            <a:fld id="{18F33DB4-3032-40ED-99D2-8C1CF06C5E24}" type="slidenum">
+            <a:fld id="{DA7E5B4E-5D63-42E2-8E8D-21B99B31339A}" type="slidenum">
               <a:rPr lang="de-CH" smtClean="0"/>
               <a:t>9</a:t>
             </a:fld>
             <a:r>
               <a:rPr lang="de-CH" smtClean="0"/>
-              <a:t> of 45</a:t>
+              <a:t> of 44</a:t>
             </a:r>
             <a:endParaRPr dirty="0"/>
           </a:p>

--- a/Functional Design Patterns for OO Practitioners.pptx
+++ b/Functional Design Patterns for OO Practitioners.pptx
@@ -974,7 +974,7 @@
               <a:rPr lang="de-CH" smtClean="0"/>
               <a:t>Slide </a:t>
             </a:r>
-            <a:fld id="{51007CD7-FF9F-46F1-8F1D-6983B06FD420}" type="slidenum">
+            <a:fld id="{1919A975-F830-431A-949C-661291C2581E}" type="slidenum">
               <a:rPr smtClean="0"/>
               <a:pPr/>
               <a:t>‹#›</a:t>
@@ -1298,7 +1298,7 @@
               <a:rPr lang="de-CH" smtClean="0"/>
               <a:t>Slide </a:t>
             </a:r>
-            <a:fld id="{6C85254C-F1BA-4567-BFEE-10F7E628B1C1}" type="slidenum">
+            <a:fld id="{67C91F5E-A6E6-40A5-B602-510CA9095B38}" type="slidenum">
               <a:rPr smtClean="0"/>
               <a:pPr/>
               <a:t>‹#›</a:t>
@@ -1600,7 +1600,7 @@
               <a:rPr lang="de-CH" smtClean="0"/>
               <a:t>Slide </a:t>
             </a:r>
-            <a:fld id="{C0FD1DB0-CBEF-4373-8CBC-819F324DA43A}" type="slidenum">
+            <a:fld id="{4EB5EB59-6F3B-4F8C-A6CA-5B3DA487DFF0}" type="slidenum">
               <a:rPr smtClean="0"/>
               <a:pPr/>
               <a:t>‹#›</a:t>
@@ -1932,7 +1932,7 @@
               <a:rPr lang="de-CH" smtClean="0"/>
               <a:t>Slide </a:t>
             </a:r>
-            <a:fld id="{C5951E6C-022E-4BBE-AE94-D25762BF06F3}" type="slidenum">
+            <a:fld id="{DEC79E18-59A6-4D89-850F-E3E826CEAE3C}" type="slidenum">
               <a:rPr smtClean="0"/>
               <a:pPr/>
               <a:t>‹#›</a:t>
@@ -2266,7 +2266,7 @@
               <a:rPr lang="de-CH" smtClean="0"/>
               <a:t>Slide </a:t>
             </a:r>
-            <a:fld id="{596B28CE-FC37-45F2-8A05-2BA1459C60CD}" type="slidenum">
+            <a:fld id="{0EE9E555-6A04-4BF8-8D86-423272BD200C}" type="slidenum">
               <a:rPr smtClean="0"/>
               <a:pPr/>
               <a:t>‹#›</a:t>
@@ -2696,7 +2696,7 @@
               <a:rPr lang="de-CH" smtClean="0"/>
               <a:t>Slide </a:t>
             </a:r>
-            <a:fld id="{0B637677-4791-4153-9FAD-CB5B1C7CF56B}" type="slidenum">
+            <a:fld id="{BA541631-67C8-48AD-AA0B-D0A20E911CB6}" type="slidenum">
               <a:rPr smtClean="0"/>
               <a:pPr/>
               <a:t>‹#›</a:t>
@@ -3414,7 +3414,7 @@
               <a:rPr lang="de-CH" smtClean="0"/>
               <a:t>Slide </a:t>
             </a:r>
-            <a:fld id="{9460785B-48C6-483D-8929-362326FADA3B}" type="slidenum">
+            <a:fld id="{4A4972ED-3E9A-4F8C-BF99-8128A4EFA238}" type="slidenum">
               <a:rPr smtClean="0"/>
               <a:pPr/>
               <a:t>‹#›</a:t>
@@ -3720,7 +3720,7 @@
               <a:rPr lang="de-CH" smtClean="0"/>
               <a:t>Slide </a:t>
             </a:r>
-            <a:fld id="{3E3805EF-3780-462C-A85E-5F4543F42B1E}" type="slidenum">
+            <a:fld id="{7BB8332D-3AF6-458A-8641-323313FFA46A}" type="slidenum">
               <a:rPr smtClean="0"/>
               <a:pPr/>
               <a:t>‹#›</a:t>
@@ -4247,7 +4247,7 @@
               <a:rPr lang="de-CH" smtClean="0"/>
               <a:t>Slide </a:t>
             </a:r>
-            <a:fld id="{93ADDD31-8E10-4481-8891-A7234DA63F88}" type="slidenum">
+            <a:fld id="{9C15865F-D80F-4577-8040-61D36CE9372D}" type="slidenum">
               <a:rPr smtClean="0"/>
               <a:pPr/>
               <a:t>‹#›</a:t>
@@ -4645,7 +4645,7 @@
               <a:rPr lang="de-CH" smtClean="0"/>
               <a:t>Slide </a:t>
             </a:r>
-            <a:fld id="{B1B74266-A1CA-494E-A160-39159435C26D}" type="slidenum">
+            <a:fld id="{89C8C5A0-CA56-4E8B-8EDA-9DCF7460D1A3}" type="slidenum">
               <a:rPr smtClean="0"/>
               <a:pPr/>
               <a:t>‹#›</a:t>
@@ -4875,7 +4875,7 @@
               <a:rPr lang="de-CH" smtClean="0"/>
               <a:t>Slide </a:t>
             </a:r>
-            <a:fld id="{61311A60-AD09-4B80-9939-8F32C089E305}" type="slidenum">
+            <a:fld id="{8D19A9E8-FCFB-48FB-9200-5AC7F8C6A507}" type="slidenum">
               <a:rPr smtClean="0"/>
               <a:pPr/>
               <a:t>‹#›</a:t>
@@ -5153,7 +5153,7 @@
               <a:rPr lang="de-CH" smtClean="0"/>
               <a:t>Slide </a:t>
             </a:r>
-            <a:fld id="{23A8CD9D-AD2C-4561-A4A6-818F54C4CC1C}" type="slidenum">
+            <a:fld id="{DC04B064-ED6E-4828-9A3D-4C03C961E705}" type="slidenum">
               <a:rPr smtClean="0"/>
               <a:pPr/>
               <a:t>‹#›</a:t>
@@ -5628,7 +5628,7 @@
               <a:rPr lang="de-CH" smtClean="0"/>
               <a:t>Slide </a:t>
             </a:r>
-            <a:fld id="{C8D4727F-DD66-491D-8C89-017C940E5D19}" type="slidenum">
+            <a:fld id="{37812ABB-912E-4AB9-8796-AF8D3E8F7A47}" type="slidenum">
               <a:rPr lang="de-CH" smtClean="0"/>
               <a:t>1</a:t>
             </a:fld>
@@ -5784,7 +5784,7 @@
               <a:rPr lang="de-CH" smtClean="0"/>
               <a:t>Slide </a:t>
             </a:r>
-            <a:fld id="{4AA49A29-C0F6-4BF1-82F9-B88DBE1A86D8}" type="slidenum">
+            <a:fld id="{28E9A7AB-07B7-4906-AF18-8F8104779785}" type="slidenum">
               <a:rPr lang="de-CH" smtClean="0"/>
               <a:t>10</a:t>
             </a:fld>
@@ -6346,7 +6346,7 @@
               <a:rPr lang="de-CH" smtClean="0"/>
               <a:t>Slide </a:t>
             </a:r>
-            <a:fld id="{A35D8B04-2004-4002-8493-02A0477A92C1}" type="slidenum">
+            <a:fld id="{5AAA95D1-2A94-453B-BF0D-0BE38AE7E678}" type="slidenum">
               <a:rPr lang="de-CH" smtClean="0"/>
               <a:t>11</a:t>
             </a:fld>
@@ -6985,7 +6985,7 @@
               <a:rPr lang="de-CH" smtClean="0"/>
               <a:t>Slide </a:t>
             </a:r>
-            <a:fld id="{C8C66F14-3C72-4CF4-9C59-872A761D711C}" type="slidenum">
+            <a:fld id="{965D1AF5-9F7C-4841-85A3-34B1456AEF4B}" type="slidenum">
               <a:rPr lang="de-CH" smtClean="0"/>
               <a:t>12</a:t>
             </a:fld>
@@ -7219,7 +7219,7 @@
               <a:rPr lang="de-CH" smtClean="0"/>
               <a:t>Slide </a:t>
             </a:r>
-            <a:fld id="{6A1085BA-AAA5-4251-845D-1E2E2922EBF7}" type="slidenum">
+            <a:fld id="{2BF49063-D963-4FDD-A5AB-35C38197A4F8}" type="slidenum">
               <a:rPr lang="de-CH" smtClean="0"/>
               <a:t>13</a:t>
             </a:fld>
@@ -7434,7 +7434,7 @@
               <a:rPr lang="de-CH" smtClean="0"/>
               <a:t>Slide </a:t>
             </a:r>
-            <a:fld id="{27829C23-BAE3-4C5D-9E74-03BEA8850FAE}" type="slidenum">
+            <a:fld id="{87EDF3C8-FE0E-4C9F-A205-0A18C51DAEA7}" type="slidenum">
               <a:rPr lang="de-CH" smtClean="0"/>
               <a:t>14</a:t>
             </a:fld>
@@ -7576,13 +7576,8 @@
             </a:pPr>
             <a:r>
               <a:rPr lang="en-GB" dirty="0" smtClean="0"/>
-              <a:t>Use well-known, generic higher-order </a:t>
-            </a:r>
-            <a:r>
-              <a:rPr lang="en-GB" dirty="0" smtClean="0"/>
-              <a:t>functions:</a:t>
-            </a:r>
-            <a:endParaRPr lang="en-GB" dirty="0" smtClean="0"/>
+              <a:t>Use well-known, generic higher-order functions:</a:t>
+            </a:r>
           </a:p>
           <a:p>
             <a:pPr lvl="1" indent="0">
@@ -7700,7 +7695,7 @@
               <a:rPr lang="de-CH" smtClean="0"/>
               <a:t>Slide </a:t>
             </a:r>
-            <a:fld id="{0EC1260E-38A6-4D2C-A493-E762FDF3C489}" type="slidenum">
+            <a:fld id="{A2AF086B-AAB2-4C92-9FAB-3F0728B675D3}" type="slidenum">
               <a:rPr lang="de-CH" smtClean="0"/>
               <a:t>15</a:t>
             </a:fld>
@@ -8050,7 +8045,7 @@
               <a:rPr lang="de-CH" smtClean="0"/>
               <a:t>Slide </a:t>
             </a:r>
-            <a:fld id="{428BE827-A931-4881-B1BA-CBB8F909FD31}" type="slidenum">
+            <a:fld id="{C6FF1004-A9F2-4514-A6E6-9D02A57FE5F3}" type="slidenum">
               <a:rPr lang="de-CH" smtClean="0"/>
               <a:t>16</a:t>
             </a:fld>
@@ -8153,13 +8148,8 @@
           <a:p>
             <a:r>
               <a:rPr lang="en-GB" dirty="0" smtClean="0"/>
-              <a:t>“for each…” sounds like we’re about to use a higher-order </a:t>
-            </a:r>
-            <a:r>
-              <a:rPr lang="en-GB" dirty="0" smtClean="0"/>
-              <a:t>function.</a:t>
-            </a:r>
-            <a:endParaRPr lang="en-GB" dirty="0" smtClean="0"/>
+              <a:t>“for each…” sounds like we’re about to use a higher-order function.</a:t>
+            </a:r>
           </a:p>
           <a:p>
             <a:r>
@@ -8259,7 +8249,7 @@
               <a:rPr lang="de-CH" smtClean="0"/>
               <a:t>Slide </a:t>
             </a:r>
-            <a:fld id="{91A4AE8F-361C-4F3E-A7CE-D125646D6669}" type="slidenum">
+            <a:fld id="{906A7907-CC60-4362-AD76-4FB94A605636}" type="slidenum">
               <a:rPr lang="de-CH" smtClean="0"/>
               <a:t>17</a:t>
             </a:fld>
@@ -8665,7 +8655,7 @@
               <a:rPr lang="de-CH" smtClean="0"/>
               <a:t>Slide </a:t>
             </a:r>
-            <a:fld id="{87866695-B2B4-43C5-A302-6D355C7B8FE5}" type="slidenum">
+            <a:fld id="{17E7831C-309E-41D2-ADEC-8D6D65BC9BF7}" type="slidenum">
               <a:rPr lang="de-CH" smtClean="0"/>
               <a:t>18</a:t>
             </a:fld>
@@ -8972,15 +8962,7 @@
           <a:p>
             <a:r>
               <a:rPr lang="en-GB" dirty="0" smtClean="0"/>
-              <a:t>Filter </a:t>
-            </a:r>
-            <a:r>
-              <a:rPr lang="en-GB" dirty="0" smtClean="0"/>
-              <a:t>the </a:t>
-            </a:r>
-            <a:r>
-              <a:rPr lang="en-GB" dirty="0" smtClean="0"/>
-              <a:t>list of similar items.</a:t>
+              <a:t>Filter the list of similar items.</a:t>
             </a:r>
             <a:endParaRPr lang="en-GB" dirty="0"/>
           </a:p>
@@ -10607,7 +10589,7 @@
               <a:rPr lang="de-CH" smtClean="0"/>
               <a:t>Slide </a:t>
             </a:r>
-            <a:fld id="{90696596-E9C8-4013-828F-5424FFFB328F}" type="slidenum">
+            <a:fld id="{41EF92C0-9BBF-4033-9253-5FA9FABED04E}" type="slidenum">
               <a:rPr lang="de-CH" smtClean="0"/>
               <a:t>19</a:t>
             </a:fld>
@@ -10927,7 +10909,7 @@
               <a:rPr lang="de-CH" smtClean="0"/>
               <a:t>Slide </a:t>
             </a:r>
-            <a:fld id="{9DDDD8DA-B060-4819-A0EA-3D0A7ECDD1B9}" type="slidenum">
+            <a:fld id="{F1DE9C4B-46C3-4A66-95D4-5BE73854B85D}" type="slidenum">
               <a:rPr lang="de-CH" smtClean="0"/>
               <a:t>2</a:t>
             </a:fld>
@@ -11022,15 +11004,7 @@
           <a:p>
             <a:r>
               <a:rPr lang="en-GB" dirty="0" smtClean="0"/>
-              <a:t>Map </a:t>
-            </a:r>
-            <a:r>
-              <a:rPr lang="en-GB" dirty="0" smtClean="0"/>
-              <a:t>items to their </a:t>
-            </a:r>
-            <a:r>
-              <a:rPr lang="en-GB" dirty="0" smtClean="0"/>
-              <a:t>IDs.</a:t>
+              <a:t>Map items to their IDs.</a:t>
             </a:r>
             <a:endParaRPr lang="en-GB" dirty="0"/>
           </a:p>
@@ -12559,7 +12533,7 @@
               <a:rPr lang="de-CH" smtClean="0"/>
               <a:t>Slide </a:t>
             </a:r>
-            <a:fld id="{EAD0A54A-081E-4131-B5D3-578A3C15EFF9}" type="slidenum">
+            <a:fld id="{30C43557-5563-456D-9689-3BF4034EA3B4}" type="slidenum">
               <a:rPr lang="de-CH" smtClean="0"/>
               <a:t>20</a:t>
             </a:fld>
@@ -12781,7 +12755,6 @@
               <a:rPr lang="en-GB" dirty="0" smtClean="0"/>
               <a:t>Compute the suggestions for each item with our function and combine the resulting lists into one.</a:t>
             </a:r>
-            <a:endParaRPr lang="en-GB" dirty="0" smtClean="0"/>
           </a:p>
         </p:txBody>
       </p:sp>
@@ -14705,7 +14678,7 @@
               <a:rPr lang="de-CH" smtClean="0"/>
               <a:t>Slide </a:t>
             </a:r>
-            <a:fld id="{57DFE254-0AB2-4CC4-BE09-BEEBFB0DDAA0}" type="slidenum">
+            <a:fld id="{D048C12C-297F-4936-83B9-10DE16763990}" type="slidenum">
               <a:rPr lang="de-CH" smtClean="0"/>
               <a:t>21</a:t>
             </a:fld>
@@ -15417,13 +15390,8 @@
           <a:p>
             <a:r>
               <a:rPr lang="en-GB" dirty="0" smtClean="0"/>
-              <a:t>So far, so </a:t>
-            </a:r>
-            <a:r>
-              <a:rPr lang="en-GB" dirty="0" smtClean="0"/>
-              <a:t>good</a:t>
-            </a:r>
-            <a:endParaRPr lang="en-GB" dirty="0" smtClean="0"/>
+              <a:t>So far, so good</a:t>
+            </a:r>
           </a:p>
           <a:p>
             <a:pPr marL="257175" indent="-257175">
@@ -15536,7 +15504,7 @@
               <a:rPr lang="de-CH" smtClean="0"/>
               <a:t>Slide </a:t>
             </a:r>
-            <a:fld id="{10F3CA59-9C1A-4447-85FD-30411A7E9EAE}" type="slidenum">
+            <a:fld id="{8DD9E671-8D7B-4F3B-9049-D800EFE9D5AD}" type="slidenum">
               <a:rPr lang="de-CH" smtClean="0"/>
               <a:t>22</a:t>
             </a:fld>
@@ -15949,7 +15917,7 @@
               <a:rPr lang="de-CH" smtClean="0"/>
               <a:t>Slide </a:t>
             </a:r>
-            <a:fld id="{AAA84983-F71B-48B3-A668-5C409218241B}" type="slidenum">
+            <a:fld id="{CAE66E4F-441F-4190-892C-256C9AB40E39}" type="slidenum">
               <a:rPr lang="de-CH" smtClean="0"/>
               <a:t>23</a:t>
             </a:fld>
@@ -16015,11 +15983,7 @@
           <a:p>
             <a:r>
               <a:rPr lang="en-GB" dirty="0" smtClean="0"/>
-              <a:t>Context Type: </a:t>
-            </a:r>
-            <a:r>
-              <a:rPr lang="en-GB" dirty="0" smtClean="0"/>
-              <a:t>Option[T]</a:t>
+              <a:t>Context Type: Option[T]</a:t>
             </a:r>
             <a:endParaRPr lang="en-GB" dirty="0"/>
           </a:p>
@@ -16064,15 +16028,7 @@
             </a:r>
             <a:r>
               <a:rPr lang="en-GB" dirty="0" smtClean="0"/>
-              <a:t> </a:t>
-            </a:r>
-            <a:r>
-              <a:rPr lang="en-GB" dirty="0" smtClean="0"/>
-              <a:t>types to </a:t>
-            </a:r>
-            <a:r>
-              <a:rPr lang="en-GB" dirty="0" smtClean="0"/>
-              <a:t>explicitly denote possibly missing values</a:t>
+              <a:t> types to explicitly denote possibly missing values</a:t>
             </a:r>
           </a:p>
           <a:p>
@@ -16256,7 +16212,6 @@
               <a:rPr lang="en-GB" dirty="0" smtClean="0"/>
               <a:t>Disadvantage: extracting the Option is cumbersome</a:t>
             </a:r>
-            <a:endParaRPr lang="en-GB" dirty="0" smtClean="0"/>
           </a:p>
           <a:p>
             <a:endParaRPr lang="en-GB" dirty="0" smtClean="0"/>
@@ -16548,7 +16503,7 @@
               <a:rPr lang="de-CH" smtClean="0"/>
               <a:t>Slide </a:t>
             </a:r>
-            <a:fld id="{0AB09517-E20F-4309-B8E6-3B26CFFB9999}" type="slidenum">
+            <a:fld id="{44BE2C4D-8D14-4883-A22B-6B5FFDBCB873}" type="slidenum">
               <a:rPr lang="de-CH" smtClean="0"/>
               <a:t>24</a:t>
             </a:fld>
@@ -16875,15 +16830,7 @@
             </a:r>
             <a:r>
               <a:rPr lang="en-GB" dirty="0" smtClean="0"/>
-              <a:t>you s</a:t>
-            </a:r>
-            <a:r>
-              <a:rPr lang="en-GB" dirty="0" smtClean="0"/>
-              <a:t>tay </a:t>
-            </a:r>
-            <a:r>
-              <a:rPr lang="en-GB" dirty="0" smtClean="0"/>
-              <a:t>in the box!</a:t>
+              <a:t>you stay in the box!</a:t>
             </a:r>
             <a:endParaRPr lang="en-GB" dirty="0"/>
           </a:p>
@@ -17626,7 +17573,7 @@
               <a:rPr lang="de-CH" smtClean="0"/>
               <a:t>Slide </a:t>
             </a:r>
-            <a:fld id="{AFB27598-507C-4923-8296-822E53E1AA8F}" type="slidenum">
+            <a:fld id="{2DA27086-1896-47C6-8DEC-C458F360169F}" type="slidenum">
               <a:rPr lang="de-CH" smtClean="0"/>
               <a:t>25</a:t>
             </a:fld>
@@ -19462,7 +19409,7 @@
               <a:rPr lang="de-CH" smtClean="0"/>
               <a:t>Slide </a:t>
             </a:r>
-            <a:fld id="{787167C3-EC62-436D-BD0C-93C8E5441DFC}" type="slidenum">
+            <a:fld id="{ACA07E6F-D878-4ED3-871A-DC38B2A988C9}" type="slidenum">
               <a:rPr lang="de-CH" smtClean="0"/>
               <a:t>26</a:t>
             </a:fld>
@@ -19958,7 +19905,7 @@
               <a:rPr lang="de-CH" smtClean="0"/>
               <a:t>Slide </a:t>
             </a:r>
-            <a:fld id="{C9BA4107-EE17-4148-9E59-1F8C7C67A65A}" type="slidenum">
+            <a:fld id="{A5014C70-905E-4C74-A6CB-9ACB34717B31}" type="slidenum">
               <a:rPr lang="de-CH" smtClean="0"/>
               <a:t>27</a:t>
             </a:fld>
@@ -21530,7 +21477,7 @@
               <a:rPr lang="de-CH" smtClean="0"/>
               <a:t>Slide </a:t>
             </a:r>
-            <a:fld id="{AC0D22C9-9B1F-4325-A202-A458E60D210D}" type="slidenum">
+            <a:fld id="{D274F171-9779-4B4A-B32D-2C6B1B22C957}" type="slidenum">
               <a:rPr lang="de-CH" smtClean="0"/>
               <a:t>28</a:t>
             </a:fld>
@@ -21604,11 +21551,7 @@
           <a:p>
             <a:r>
               <a:rPr lang="en-GB" dirty="0" smtClean="0"/>
-              <a:t>Context Type: </a:t>
-            </a:r>
-            <a:r>
-              <a:rPr lang="en-GB" dirty="0" smtClean="0"/>
-              <a:t>Future[T]</a:t>
+              <a:t>Context Type: Future[T]</a:t>
             </a:r>
             <a:endParaRPr lang="en-GB" dirty="0"/>
           </a:p>
@@ -23090,7 +23033,7 @@
               <a:rPr lang="de-CH" smtClean="0"/>
               <a:t>Slide </a:t>
             </a:r>
-            <a:fld id="{E310F6B1-A74E-45D9-BE23-99F9015C6AB1}" type="slidenum">
+            <a:fld id="{5F85DAC3-57BB-44B8-B015-665E4364A5BD}" type="slidenum">
               <a:rPr lang="de-CH" smtClean="0"/>
               <a:t>29</a:t>
             </a:fld>
@@ -24122,25 +24065,7 @@
               <a:rPr lang="en-GB" sz="2200" dirty="0" smtClean="0">
                 <a:latin typeface="AA Zuehlke" pitchFamily="2" charset="0"/>
               </a:rPr>
-              <a:t>y=f(x</a:t>
-            </a:r>
-            <a:r>
-              <a:rPr lang="en-GB" sz="2200" dirty="0" smtClean="0">
-                <a:latin typeface="AA Zuehlke" pitchFamily="2" charset="0"/>
-              </a:rPr>
-              <a:t>), </a:t>
-            </a:r>
-            <a:r>
-              <a:rPr lang="en-GB" sz="2200" dirty="0" smtClean="0">
-                <a:latin typeface="AA Zuehlke" pitchFamily="2" charset="0"/>
-              </a:rPr>
-              <a:t>z=g(y</a:t>
-            </a:r>
-            <a:r>
-              <a:rPr lang="en-GB" sz="2200" dirty="0" smtClean="0">
-                <a:latin typeface="AA Zuehlke" pitchFamily="2" charset="0"/>
-              </a:rPr>
-              <a:t>)</a:t>
+              <a:t>y=f(x), z=g(y)</a:t>
             </a:r>
           </a:p>
         </p:txBody>
@@ -24171,13 +24096,7 @@
               <a:rPr lang="en-GB" sz="2200" dirty="0" smtClean="0">
                 <a:latin typeface="AA Zuehlke" pitchFamily="2" charset="0"/>
               </a:rPr>
-              <a:t>z=g(f(x</a:t>
-            </a:r>
-            <a:r>
-              <a:rPr lang="en-GB" sz="2200" dirty="0" smtClean="0">
-                <a:latin typeface="AA Zuehlke" pitchFamily="2" charset="0"/>
-              </a:rPr>
-              <a:t>))</a:t>
+              <a:t>z=g(f(x))</a:t>
             </a:r>
           </a:p>
         </p:txBody>
@@ -24224,7 +24143,7 @@
               <a:rPr lang="de-CH" smtClean="0"/>
               <a:t>Slide </a:t>
             </a:r>
-            <a:fld id="{FF8C44C1-E22E-4052-B8AA-838730403A8D}" type="slidenum">
+            <a:fld id="{C30E85E3-007C-4B58-AC15-24658FEF81AB}" type="slidenum">
               <a:rPr lang="de-CH" smtClean="0"/>
               <a:t>3</a:t>
             </a:fld>
@@ -24313,17 +24232,8 @@
           <a:p>
             <a:r>
               <a:rPr lang="en-GB" dirty="0" smtClean="0"/>
-              <a:t>Stream of </a:t>
-            </a:r>
-            <a:r>
-              <a:rPr lang="en-GB" dirty="0" smtClean="0"/>
-              <a:t>values, </a:t>
-            </a:r>
-            <a:r>
-              <a:rPr lang="en-GB" dirty="0" smtClean="0"/>
-              <a:t>computed asynchronously</a:t>
-            </a:r>
-            <a:endParaRPr lang="en-GB" dirty="0" smtClean="0"/>
+              <a:t>Stream of values, computed asynchronously</a:t>
+            </a:r>
           </a:p>
           <a:p>
             <a:endParaRPr lang="en-GB" dirty="0" smtClean="0"/>
@@ -25179,7 +25089,7 @@
               <a:rPr lang="de-CH" smtClean="0"/>
               <a:t>Slide </a:t>
             </a:r>
-            <a:fld id="{19E3AC0B-C404-468E-81DF-6824F3539AC2}" type="slidenum">
+            <a:fld id="{424FF165-56CC-4F2A-BB00-ED3124C24C7A}" type="slidenum">
               <a:rPr lang="de-CH" smtClean="0"/>
               <a:t>30</a:t>
             </a:fld>
@@ -25276,24 +25186,16 @@
           <a:p>
             <a:r>
               <a:rPr lang="en-GB" dirty="0" smtClean="0"/>
-              <a:t>Reactive Extensions (Rx)* </a:t>
-            </a:r>
+              <a:t>Reactive Extensions (Rx)* calls it “Observable”.</a:t>
+            </a:r>
+          </a:p>
+          <a:p>
+            <a:endParaRPr lang="en-GB" dirty="0"/>
+          </a:p>
+          <a:p>
             <a:r>
               <a:rPr lang="en-GB" dirty="0" smtClean="0"/>
-              <a:t>calls it “Observable”.</a:t>
-            </a:r>
-          </a:p>
-          <a:p>
-            <a:endParaRPr lang="en-GB" dirty="0"/>
-          </a:p>
-          <a:p>
-            <a:r>
-              <a:rPr lang="en-GB" dirty="0" smtClean="0"/>
-              <a:t>Guess </a:t>
-            </a:r>
-            <a:r>
-              <a:rPr lang="en-GB" dirty="0" smtClean="0"/>
-              <a:t>what, we can map or </a:t>
+              <a:t>Guess what, we can map or </a:t>
             </a:r>
             <a:r>
               <a:rPr lang="en-GB" dirty="0" err="1" smtClean="0"/>
@@ -25301,13 +25203,8 @@
             </a:r>
             <a:r>
               <a:rPr lang="en-GB" dirty="0" smtClean="0"/>
-              <a:t> it</a:t>
-            </a:r>
-            <a:r>
-              <a:rPr lang="en-GB" dirty="0" smtClean="0"/>
-              <a:t>!</a:t>
-            </a:r>
-            <a:endParaRPr lang="en-GB" dirty="0" smtClean="0"/>
+              <a:t> it!</a:t>
+            </a:r>
           </a:p>
           <a:p>
             <a:pPr marL="342900" indent="-342900">
@@ -25409,7 +25306,7 @@
               <a:rPr lang="de-CH" smtClean="0"/>
               <a:t>Slide </a:t>
             </a:r>
-            <a:fld id="{8C95EEA0-D243-42AA-AF49-000760E87942}" type="slidenum">
+            <a:fld id="{48521AA5-D107-49A8-BFDA-B17A6F474E5A}" type="slidenum">
               <a:rPr lang="de-CH" smtClean="0"/>
               <a:t>31</a:t>
             </a:fld>
@@ -25456,9 +25353,6 @@
               </a:rPr>
               <a:t>http://reactivex.io</a:t>
             </a:r>
-            <a:endParaRPr lang="en-GB" sz="2200" dirty="0" smtClean="0">
-              <a:latin typeface="AA Zuehlke" pitchFamily="2" charset="0"/>
-            </a:endParaRPr>
           </a:p>
         </p:txBody>
       </p:sp>
@@ -25691,11 +25585,7 @@
             </a:pPr>
             <a:r>
               <a:rPr lang="en-GB" dirty="0" smtClean="0"/>
-              <a:t>Map </a:t>
-            </a:r>
-            <a:r>
-              <a:rPr lang="en-GB" dirty="0" smtClean="0"/>
-              <a:t>and </a:t>
+              <a:t>Map and </a:t>
             </a:r>
             <a:r>
               <a:rPr lang="en-GB" dirty="0" err="1" smtClean="0"/>
@@ -25703,7 +25593,11 @@
             </a:r>
             <a:r>
               <a:rPr lang="en-GB" dirty="0" smtClean="0"/>
-              <a:t> are the links of the value transformation chain.</a:t>
+              <a:t> are the links of the value transformation chain</a:t>
+            </a:r>
+            <a:r>
+              <a:rPr lang="en-GB" dirty="0" smtClean="0"/>
+              <a:t>.</a:t>
             </a:r>
           </a:p>
           <a:p>
@@ -25713,11 +25607,22 @@
             </a:pPr>
             <a:r>
               <a:rPr lang="en-GB" dirty="0" smtClean="0"/>
-              <a:t>Don’t </a:t>
-            </a:r>
+              <a:t>Scala even includes a special language construct: </a:t>
+            </a:r>
+            <a:r>
+              <a:rPr lang="en-GB" smtClean="0"/>
+              <a:t>for comprehensions</a:t>
+            </a:r>
+            <a:endParaRPr lang="en-GB" dirty="0" smtClean="0"/>
+          </a:p>
+          <a:p>
+            <a:pPr marL="257175" indent="-257175">
+              <a:buFont typeface="Arial" panose="020B0604020202020204" pitchFamily="34" charset="0"/>
+              <a:buChar char="•"/>
+            </a:pPr>
             <a:r>
               <a:rPr lang="en-GB" dirty="0" smtClean="0"/>
-              <a:t>leave the box (too early)!</a:t>
+              <a:t>Don’t leave the box (too early)!</a:t>
             </a:r>
           </a:p>
           <a:p>
@@ -25740,8 +25645,9 @@
             </a:pPr>
             <a:r>
               <a:rPr lang="en-GB" dirty="0" smtClean="0"/>
-              <a:t>Optional</a:t>
-            </a:r>
+              <a:t>Option = Optional</a:t>
+            </a:r>
+            <a:endParaRPr lang="en-GB" dirty="0" smtClean="0"/>
           </a:p>
           <a:p>
             <a:pPr marL="257175" indent="-257175">
@@ -25800,7 +25706,7 @@
           <a:p>
             <a:r>
               <a:rPr lang="en-GB" dirty="0" smtClean="0"/>
-              <a:t>Lessons learned</a:t>
+              <a:t>Review</a:t>
             </a:r>
             <a:endParaRPr lang="en-GB" dirty="0"/>
           </a:p>
@@ -25871,7 +25777,7 @@
               <a:rPr lang="de-CH" smtClean="0"/>
               <a:t>Slide </a:t>
             </a:r>
-            <a:fld id="{2DD2B12D-78E9-46F9-9842-737B8D89E2FA}" type="slidenum">
+            <a:fld id="{F556821B-1D75-4CB0-9A70-B5FA93E3CE56}" type="slidenum">
               <a:rPr lang="de-CH" smtClean="0"/>
               <a:t>32</a:t>
             </a:fld>
@@ -26063,7 +25969,7 @@
               <a:rPr lang="de-CH" smtClean="0"/>
               <a:t>Slide </a:t>
             </a:r>
-            <a:fld id="{51BF92D4-4258-41E4-9600-48214C0E9DC0}" type="slidenum">
+            <a:fld id="{7EC7EF4D-88AA-4550-9807-6939FB900961}" type="slidenum">
               <a:rPr lang="de-CH" smtClean="0"/>
               <a:t>33</a:t>
             </a:fld>
@@ -26338,7 +26244,7 @@
               <a:rPr lang="de-CH" smtClean="0"/>
               <a:t>Slide </a:t>
             </a:r>
-            <a:fld id="{B003532C-8959-4F3F-AA56-66F562DFE52D}" type="slidenum">
+            <a:fld id="{AD02A7DF-BFBC-4E18-B820-E0B99EB21495}" type="slidenum">
               <a:rPr lang="de-CH" smtClean="0"/>
               <a:t>34</a:t>
             </a:fld>
@@ -26494,7 +26400,7 @@
               <a:rPr lang="de-CH" smtClean="0"/>
               <a:t>Slide </a:t>
             </a:r>
-            <a:fld id="{49008717-4230-4509-973F-4CBC410DFD68}" type="slidenum">
+            <a:fld id="{46BD5595-C982-4027-9DD5-6470CA8716BD}" type="slidenum">
               <a:rPr lang="de-CH" smtClean="0"/>
               <a:t>35</a:t>
             </a:fld>
@@ -27658,7 +27564,7 @@
               <a:rPr lang="de-CH" smtClean="0"/>
               <a:t>Slide </a:t>
             </a:r>
-            <a:fld id="{A1B52241-0775-4ACE-8413-0E64304C5658}" type="slidenum">
+            <a:fld id="{5BCE10A0-A4C0-45AD-A139-E373F6EE4934}" type="slidenum">
               <a:rPr lang="de-CH" smtClean="0"/>
               <a:t>36</a:t>
             </a:fld>
@@ -28337,7 +28243,7 @@
               <a:rPr lang="de-CH" smtClean="0"/>
               <a:t>Slide </a:t>
             </a:r>
-            <a:fld id="{CBC1A3D6-9BAE-4916-A819-FBA4C69C8D63}" type="slidenum">
+            <a:fld id="{BA459A47-A703-4BDE-AAB9-DAF175C43F29}" type="slidenum">
               <a:rPr lang="de-CH" smtClean="0"/>
               <a:t>37</a:t>
             </a:fld>
@@ -29418,7 +29324,7 @@
               <a:rPr lang="de-CH" smtClean="0"/>
               <a:t>Slide </a:t>
             </a:r>
-            <a:fld id="{3B960341-A2E3-40E3-B9A1-13ACD7C325E5}" type="slidenum">
+            <a:fld id="{8D8D7420-F491-4631-B9B1-AAAD8A7759B9}" type="slidenum">
               <a:rPr lang="de-CH" smtClean="0"/>
               <a:t>38</a:t>
             </a:fld>
@@ -30234,7 +30140,7 @@
               <a:rPr lang="de-CH" smtClean="0"/>
               <a:t>Slide </a:t>
             </a:r>
-            <a:fld id="{0D67F758-F1AC-4DDA-B4C6-A9818759EBCC}" type="slidenum">
+            <a:fld id="{90D7DB6D-FA35-4770-B780-E867169786F7}" type="slidenum">
               <a:rPr lang="de-CH" smtClean="0"/>
               <a:t>39</a:t>
             </a:fld>
@@ -30974,7 +30880,7 @@
               <a:rPr lang="de-CH" smtClean="0"/>
               <a:t>Slide </a:t>
             </a:r>
-            <a:fld id="{B8AA3EC0-8952-40DE-B822-3B8C1FE3F3C5}" type="slidenum">
+            <a:fld id="{D19683DF-3D41-445A-8D26-4BBA828FFA77}" type="slidenum">
               <a:rPr lang="de-CH" smtClean="0"/>
               <a:t>4</a:t>
             </a:fld>
@@ -31909,7 +31815,7 @@
               <a:rPr lang="de-CH" smtClean="0"/>
               <a:t>Slide </a:t>
             </a:r>
-            <a:fld id="{766509CB-2328-4B3D-9D2F-A69956C1FD5D}" type="slidenum">
+            <a:fld id="{0AC31DFC-4219-4637-912B-5E9DFCFAB173}" type="slidenum">
               <a:rPr lang="de-CH" smtClean="0"/>
               <a:t>40</a:t>
             </a:fld>
@@ -32436,7 +32342,7 @@
               <a:rPr lang="de-CH" smtClean="0"/>
               <a:t>Slide </a:t>
             </a:r>
-            <a:fld id="{4078C474-24A5-4192-8242-13EA3630677A}" type="slidenum">
+            <a:fld id="{751F0942-2598-4AE1-8C7B-B71A774CC1A4}" type="slidenum">
               <a:rPr lang="de-CH" smtClean="0"/>
               <a:t>41</a:t>
             </a:fld>
@@ -32652,7 +32558,7 @@
               <a:rPr lang="de-CH" smtClean="0"/>
               <a:t>Slide </a:t>
             </a:r>
-            <a:fld id="{5A5C28D1-55EC-4685-96BA-87D96F636633}" type="slidenum">
+            <a:fld id="{BB79C3F7-0B5E-4BE9-87EC-A4A6E6C9A739}" type="slidenum">
               <a:rPr lang="de-CH" smtClean="0"/>
               <a:t>42</a:t>
             </a:fld>
@@ -32947,7 +32853,7 @@
               <a:rPr lang="de-CH" smtClean="0"/>
               <a:t>Slide </a:t>
             </a:r>
-            <a:fld id="{9F51787D-C43A-4719-B230-D7CDC4DC7BF4}" type="slidenum">
+            <a:fld id="{DB4596C2-E291-4A58-9600-E28E1E05AF91}" type="slidenum">
               <a:rPr lang="de-CH" smtClean="0"/>
               <a:t>43</a:t>
             </a:fld>
@@ -33129,7 +33035,7 @@
               <a:rPr lang="de-CH" smtClean="0"/>
               <a:t>Slide </a:t>
             </a:r>
-            <a:fld id="{20675925-C608-4A1B-B387-CB44A24107B9}" type="slidenum">
+            <a:fld id="{18BF3F0A-8268-4996-B16A-B9C9EDC5BAD2}" type="slidenum">
               <a:rPr lang="de-CH" smtClean="0"/>
               <a:t>44</a:t>
             </a:fld>
@@ -33369,7 +33275,7 @@
               <a:rPr lang="de-CH" smtClean="0"/>
               <a:t>Slide </a:t>
             </a:r>
-            <a:fld id="{CC4801B3-7C14-4EBA-8C2E-FFA067F52731}" type="slidenum">
+            <a:fld id="{12B3DEF9-6814-4478-94BA-10421F801E0E}" type="slidenum">
               <a:rPr lang="de-CH" smtClean="0"/>
               <a:t>5</a:t>
             </a:fld>
@@ -33559,7 +33465,7 @@
               <a:rPr lang="de-CH" smtClean="0"/>
               <a:t>Slide </a:t>
             </a:r>
-            <a:fld id="{54167BD2-1A82-4E78-8054-21615601E3A7}" type="slidenum">
+            <a:fld id="{CE5A2C4A-DE1E-44DD-84AF-635EF6E5FE08}" type="slidenum">
               <a:rPr lang="de-CH" smtClean="0"/>
               <a:t>6</a:t>
             </a:fld>
@@ -33769,7 +33675,7 @@
               <a:rPr lang="de-CH" smtClean="0"/>
               <a:t>Slide </a:t>
             </a:r>
-            <a:fld id="{22863F11-27A5-4733-B003-A80102AAB9F4}" type="slidenum">
+            <a:fld id="{825A1586-F056-4C0C-A42B-8DF99FC5036C}" type="slidenum">
               <a:rPr lang="de-CH" smtClean="0"/>
               <a:t>7</a:t>
             </a:fld>
@@ -33961,7 +33867,7 @@
               <a:rPr lang="de-CH" smtClean="0"/>
               <a:t>Slide </a:t>
             </a:r>
-            <a:fld id="{D7DB5779-B62B-47DC-B44A-248B4F497985}" type="slidenum">
+            <a:fld id="{862158D2-3E13-49B9-84A5-B858E6D4BB24}" type="slidenum">
               <a:rPr lang="de-CH" smtClean="0"/>
               <a:t>8</a:t>
             </a:fld>
@@ -34183,7 +34089,7 @@
               <a:rPr lang="de-CH" smtClean="0"/>
               <a:t>Slide </a:t>
             </a:r>
-            <a:fld id="{DA7E5B4E-5D63-42E2-8E8D-21B99B31339A}" type="slidenum">
+            <a:fld id="{7E8A23F9-21EA-4B56-9DE9-27ED0768D0A0}" type="slidenum">
               <a:rPr lang="de-CH" smtClean="0"/>
               <a:t>9</a:t>
             </a:fld>

--- a/Functional Design Patterns for OO Practitioners.pptx
+++ b/Functional Design Patterns for OO Practitioners.pptx
@@ -67,7 +67,7 @@
       <p:boldItalic r:id="rId51"/>
     </p:embeddedFont>
     <p:embeddedFont>
-      <p:font typeface="AA Zuehlke" panose="02000503060000020004" pitchFamily="2" charset="0"/>
+      <p:font typeface="AA Zuehlke" panose="020B0604020202020204" charset="0"/>
       <p:regular r:id="rId52"/>
       <p:italic r:id="rId53"/>
     </p:embeddedFont>
@@ -314,7 +314,7 @@
               <a:rPr lang="de-DE" smtClean="0">
                 <a:latin typeface="AA Zuehlke" pitchFamily="2" charset="0"/>
               </a:rPr>
-              <a:t>22.09.2015</a:t>
+              <a:t>23.09.2015</a:t>
             </a:fld>
             <a:endParaRPr lang="de-DE">
               <a:latin typeface="AA Zuehlke" pitchFamily="2" charset="0"/>
@@ -492,7 +492,7 @@
             <a:fld id="{A6966AE6-B72D-4967-9CA3-8469D2863705}" type="datetimeFigureOut">
               <a:rPr lang="en-US" smtClean="0"/>
               <a:pPr/>
-              <a:t>9/22/2015</a:t>
+              <a:t>9/23/2015</a:t>
             </a:fld>
             <a:endParaRPr lang="en-US" dirty="0"/>
           </a:p>
@@ -25593,11 +25593,7 @@
             </a:r>
             <a:r>
               <a:rPr lang="en-GB" dirty="0" smtClean="0"/>
-              <a:t> are the links of the value transformation chain</a:t>
-            </a:r>
-            <a:r>
-              <a:rPr lang="en-GB" dirty="0" smtClean="0"/>
-              <a:t>.</a:t>
+              <a:t> are the links of the value transformation chain.</a:t>
             </a:r>
           </a:p>
           <a:p>
@@ -25647,7 +25643,6 @@
               <a:rPr lang="en-GB" dirty="0" smtClean="0"/>
               <a:t>Option = Optional</a:t>
             </a:r>
-            <a:endParaRPr lang="en-GB" dirty="0" smtClean="0"/>
           </a:p>
           <a:p>
             <a:pPr marL="257175" indent="-257175">
@@ -33566,8 +33561,33 @@
             </a:pPr>
             <a:r>
               <a:rPr lang="en-GB" dirty="0"/>
-              <a:t>Pure functions</a:t>
-            </a:r>
+              <a:t>Pure </a:t>
+            </a:r>
+            <a:r>
+              <a:rPr lang="en-GB" dirty="0" smtClean="0"/>
+              <a:t>functions</a:t>
+            </a:r>
+          </a:p>
+          <a:p>
+            <a:pPr marL="522288" lvl="1" indent="-257175">
+              <a:buFont typeface="Arial" panose="020B0604020202020204" pitchFamily="34" charset="0"/>
+              <a:buChar char="•"/>
+            </a:pPr>
+            <a:r>
+              <a:rPr lang="en-GB" dirty="0" smtClean="0"/>
+              <a:t>Benefits</a:t>
+            </a:r>
+          </a:p>
+          <a:p>
+            <a:pPr marL="522288" lvl="1" indent="-257175">
+              <a:buFont typeface="Arial" panose="020B0604020202020204" pitchFamily="34" charset="0"/>
+              <a:buChar char="•"/>
+            </a:pPr>
+            <a:r>
+              <a:rPr lang="en-GB" dirty="0" smtClean="0"/>
+              <a:t>How to raise awareness for side effects</a:t>
+            </a:r>
+            <a:endParaRPr lang="en-GB" dirty="0"/>
           </a:p>
           <a:p>
             <a:pPr marL="257175" indent="-257175">
@@ -33580,6 +33600,45 @@
             </a:r>
           </a:p>
           <a:p>
+            <a:pPr marL="522288" lvl="1" indent="-257175">
+              <a:buFont typeface="Arial" panose="020B0604020202020204" pitchFamily="34" charset="0"/>
+              <a:buChar char="•"/>
+            </a:pPr>
+            <a:r>
+              <a:rPr lang="en-GB" dirty="0" smtClean="0"/>
+              <a:t>Overview and application</a:t>
+            </a:r>
+          </a:p>
+          <a:p>
+            <a:pPr marL="522288" lvl="1" indent="-257175">
+              <a:buFont typeface="Arial" panose="020B0604020202020204" pitchFamily="34" charset="0"/>
+              <a:buChar char="•"/>
+            </a:pPr>
+            <a:r>
+              <a:rPr lang="en-GB" dirty="0" smtClean="0"/>
+              <a:t>Context </a:t>
+            </a:r>
+            <a:r>
+              <a:rPr lang="en-GB" dirty="0" smtClean="0"/>
+              <a:t>types, </a:t>
+            </a:r>
+            <a:r>
+              <a:rPr lang="en-GB" smtClean="0"/>
+              <a:t>function chaining</a:t>
+            </a:r>
+            <a:endParaRPr lang="en-GB" dirty="0" smtClean="0"/>
+          </a:p>
+          <a:p>
+            <a:pPr marL="522288" lvl="1" indent="-257175">
+              <a:buFont typeface="Arial" panose="020B0604020202020204" pitchFamily="34" charset="0"/>
+              <a:buChar char="•"/>
+            </a:pPr>
+            <a:r>
+              <a:rPr lang="en-GB" dirty="0" smtClean="0"/>
+              <a:t>Reactive programming</a:t>
+            </a:r>
+          </a:p>
+          <a:p>
             <a:pPr marL="257175" indent="-257175">
               <a:buFont typeface="Arial" panose="020B0604020202020204" pitchFamily="34" charset="0"/>
               <a:buChar char="•"/>
@@ -33587,6 +33646,26 @@
             <a:r>
               <a:rPr lang="en-GB" dirty="0" smtClean="0"/>
               <a:t>Immutability</a:t>
+            </a:r>
+          </a:p>
+          <a:p>
+            <a:pPr marL="522288" lvl="1" indent="-257175">
+              <a:buFont typeface="Arial" panose="020B0604020202020204" pitchFamily="34" charset="0"/>
+              <a:buChar char="•"/>
+            </a:pPr>
+            <a:r>
+              <a:rPr lang="en-GB" dirty="0" smtClean="0"/>
+              <a:t>Structural sharing</a:t>
+            </a:r>
+          </a:p>
+          <a:p>
+            <a:pPr marL="522288" lvl="1" indent="-257175">
+              <a:buFont typeface="Arial" panose="020B0604020202020204" pitchFamily="34" charset="0"/>
+              <a:buChar char="•"/>
+            </a:pPr>
+            <a:r>
+              <a:rPr lang="en-GB" dirty="0" smtClean="0"/>
+              <a:t>Lenses</a:t>
             </a:r>
           </a:p>
         </p:txBody>

--- a/Functional Design Patterns for OO Practitioners.pptx
+++ b/Functional Design Patterns for OO Practitioners.pptx
@@ -61,16 +61,16 @@
   <p:notesSz cx="6858000" cy="9144000"/>
   <p:embeddedFontLst>
     <p:embeddedFont>
-      <p:font typeface="AA Zuehlke" panose="02000503060000020004" pitchFamily="2" charset="0"/>
+      <p:font typeface="Consolas" panose="020B0609020204030204" pitchFamily="49" charset="0"/>
       <p:regular r:id="rId49"/>
-      <p:italic r:id="rId50"/>
+      <p:bold r:id="rId50"/>
+      <p:italic r:id="rId51"/>
+      <p:boldItalic r:id="rId52"/>
     </p:embeddedFont>
     <p:embeddedFont>
-      <p:font typeface="Consolas" panose="020B0609020204030204" pitchFamily="49" charset="0"/>
-      <p:regular r:id="rId51"/>
-      <p:bold r:id="rId52"/>
-      <p:italic r:id="rId53"/>
-      <p:boldItalic r:id="rId54"/>
+      <p:font typeface="AA Zuehlke" panose="02000503060000020004" pitchFamily="2" charset="0"/>
+      <p:regular r:id="rId53"/>
+      <p:italic r:id="rId54"/>
     </p:embeddedFont>
   </p:embeddedFontLst>
   <p:custDataLst>
@@ -1172,6 +1172,13 @@
         </dgm:presLayoutVars>
       </dgm:prSet>
       <dgm:spPr/>
+      <dgm:t>
+        <a:bodyPr/>
+        <a:lstStyle/>
+        <a:p>
+          <a:endParaRPr lang="en-GB"/>
+        </a:p>
+      </dgm:t>
     </dgm:pt>
     <dgm:pt modelId="{7159C691-860A-4D9C-AE25-CCDC36A991BF}" type="pres">
       <dgm:prSet presAssocID="{A891DFA7-A942-4384-8638-CF556EAF8589}" presName="node" presStyleLbl="node1" presStyleIdx="0" presStyleCnt="3" custRadScaleRad="82113">
@@ -1191,10 +1198,24 @@
     <dgm:pt modelId="{BF744900-CDE5-4D5A-9709-AFA782F2725C}" type="pres">
       <dgm:prSet presAssocID="{628B6A62-D463-45C2-8DBC-1358E312F45F}" presName="sibTrans" presStyleLbl="sibTrans2D1" presStyleIdx="0" presStyleCnt="3"/>
       <dgm:spPr/>
+      <dgm:t>
+        <a:bodyPr/>
+        <a:lstStyle/>
+        <a:p>
+          <a:endParaRPr lang="en-GB"/>
+        </a:p>
+      </dgm:t>
     </dgm:pt>
     <dgm:pt modelId="{A8EDE85E-58DB-4AD7-A6A1-E868F824E5F7}" type="pres">
       <dgm:prSet presAssocID="{628B6A62-D463-45C2-8DBC-1358E312F45F}" presName="connectorText" presStyleLbl="sibTrans2D1" presStyleIdx="0" presStyleCnt="3"/>
       <dgm:spPr/>
+      <dgm:t>
+        <a:bodyPr/>
+        <a:lstStyle/>
+        <a:p>
+          <a:endParaRPr lang="en-GB"/>
+        </a:p>
+      </dgm:t>
     </dgm:pt>
     <dgm:pt modelId="{7698213F-A1D5-44DE-B22F-355281BB4C2C}" type="pres">
       <dgm:prSet presAssocID="{BBA8DA42-9C0E-4A79-A5B6-8A142294D300}" presName="node" presStyleLbl="node1" presStyleIdx="1" presStyleCnt="3" custRadScaleRad="113493" custRadScaleInc="-6436">
@@ -1203,14 +1224,35 @@
         </dgm:presLayoutVars>
       </dgm:prSet>
       <dgm:spPr/>
+      <dgm:t>
+        <a:bodyPr/>
+        <a:lstStyle/>
+        <a:p>
+          <a:endParaRPr lang="en-GB"/>
+        </a:p>
+      </dgm:t>
     </dgm:pt>
     <dgm:pt modelId="{0DD0BB7F-6B11-4693-AA9C-D4A2168B2D4B}" type="pres">
       <dgm:prSet presAssocID="{FF62F358-49CC-488B-8CB9-AC70C3E2359C}" presName="sibTrans" presStyleLbl="sibTrans2D1" presStyleIdx="1" presStyleCnt="3"/>
       <dgm:spPr/>
+      <dgm:t>
+        <a:bodyPr/>
+        <a:lstStyle/>
+        <a:p>
+          <a:endParaRPr lang="en-GB"/>
+        </a:p>
+      </dgm:t>
     </dgm:pt>
     <dgm:pt modelId="{23546BA5-1720-4C29-9E3D-47B8BBA03C54}" type="pres">
       <dgm:prSet presAssocID="{FF62F358-49CC-488B-8CB9-AC70C3E2359C}" presName="connectorText" presStyleLbl="sibTrans2D1" presStyleIdx="1" presStyleCnt="3"/>
       <dgm:spPr/>
+      <dgm:t>
+        <a:bodyPr/>
+        <a:lstStyle/>
+        <a:p>
+          <a:endParaRPr lang="en-GB"/>
+        </a:p>
+      </dgm:t>
     </dgm:pt>
     <dgm:pt modelId="{630B207D-9744-4681-AF68-329F4D5D414A}" type="pres">
       <dgm:prSet presAssocID="{5D82ECFD-1FDA-48FB-AFD8-561F6F624A4D}" presName="node" presStyleLbl="node1" presStyleIdx="2" presStyleCnt="3" custRadScaleRad="104644" custRadScaleInc="2430">
@@ -1219,14 +1261,35 @@
         </dgm:presLayoutVars>
       </dgm:prSet>
       <dgm:spPr/>
+      <dgm:t>
+        <a:bodyPr/>
+        <a:lstStyle/>
+        <a:p>
+          <a:endParaRPr lang="en-GB"/>
+        </a:p>
+      </dgm:t>
     </dgm:pt>
     <dgm:pt modelId="{394D58C0-A685-4129-AA54-53CBE01AB18B}" type="pres">
       <dgm:prSet presAssocID="{FCA7846A-E97D-48C9-8D6E-2AF33C760667}" presName="sibTrans" presStyleLbl="sibTrans2D1" presStyleIdx="2" presStyleCnt="3"/>
       <dgm:spPr/>
+      <dgm:t>
+        <a:bodyPr/>
+        <a:lstStyle/>
+        <a:p>
+          <a:endParaRPr lang="en-GB"/>
+        </a:p>
+      </dgm:t>
     </dgm:pt>
     <dgm:pt modelId="{52D7E38D-2BBA-4D74-BC74-D561672AA724}" type="pres">
       <dgm:prSet presAssocID="{FCA7846A-E97D-48C9-8D6E-2AF33C760667}" presName="connectorText" presStyleLbl="sibTrans2D1" presStyleIdx="2" presStyleCnt="3"/>
       <dgm:spPr/>
+      <dgm:t>
+        <a:bodyPr/>
+        <a:lstStyle/>
+        <a:p>
+          <a:endParaRPr lang="en-GB"/>
+        </a:p>
+      </dgm:t>
     </dgm:pt>
   </dgm:ptLst>
   <dgm:cxnLst>
@@ -1237,8 +1300,8 @@
     <dgm:cxn modelId="{96FCE8A1-B622-44BF-8CEF-E04AE412EABB}" type="presOf" srcId="{5D82ECFD-1FDA-48FB-AFD8-561F6F624A4D}" destId="{630B207D-9744-4681-AF68-329F4D5D414A}" srcOrd="0" destOrd="0" presId="urn:microsoft.com/office/officeart/2005/8/layout/cycle7"/>
     <dgm:cxn modelId="{7758D464-FB17-41D4-BF16-8158705AE217}" type="presOf" srcId="{FF62F358-49CC-488B-8CB9-AC70C3E2359C}" destId="{23546BA5-1720-4C29-9E3D-47B8BBA03C54}" srcOrd="1" destOrd="0" presId="urn:microsoft.com/office/officeart/2005/8/layout/cycle7"/>
     <dgm:cxn modelId="{17795820-1BA0-49AB-ADA1-DB9CD5D1C3DB}" type="presOf" srcId="{BBA8DA42-9C0E-4A79-A5B6-8A142294D300}" destId="{7698213F-A1D5-44DE-B22F-355281BB4C2C}" srcOrd="0" destOrd="0" presId="urn:microsoft.com/office/officeart/2005/8/layout/cycle7"/>
+    <dgm:cxn modelId="{99C0B06B-BC48-4379-8785-D00B645491AE}" type="presOf" srcId="{FF62F358-49CC-488B-8CB9-AC70C3E2359C}" destId="{0DD0BB7F-6B11-4693-AA9C-D4A2168B2D4B}" srcOrd="0" destOrd="0" presId="urn:microsoft.com/office/officeart/2005/8/layout/cycle7"/>
     <dgm:cxn modelId="{458E6659-880F-4CA5-B667-62AB6F60B603}" type="presOf" srcId="{A891DFA7-A942-4384-8638-CF556EAF8589}" destId="{7159C691-860A-4D9C-AE25-CCDC36A991BF}" srcOrd="0" destOrd="0" presId="urn:microsoft.com/office/officeart/2005/8/layout/cycle7"/>
-    <dgm:cxn modelId="{99C0B06B-BC48-4379-8785-D00B645491AE}" type="presOf" srcId="{FF62F358-49CC-488B-8CB9-AC70C3E2359C}" destId="{0DD0BB7F-6B11-4693-AA9C-D4A2168B2D4B}" srcOrd="0" destOrd="0" presId="urn:microsoft.com/office/officeart/2005/8/layout/cycle7"/>
     <dgm:cxn modelId="{775BCD53-316D-4CAB-BE97-C7A91F4935CB}" type="presOf" srcId="{FCA7846A-E97D-48C9-8D6E-2AF33C760667}" destId="{394D58C0-A685-4129-AA54-53CBE01AB18B}" srcOrd="0" destOrd="0" presId="urn:microsoft.com/office/officeart/2005/8/layout/cycle7"/>
     <dgm:cxn modelId="{78ED7ED4-8AB5-44F9-B302-AC09A2CC7ADF}" type="presOf" srcId="{628B6A62-D463-45C2-8DBC-1358E312F45F}" destId="{BF744900-CDE5-4D5A-9709-AFA782F2725C}" srcOrd="0" destOrd="0" presId="urn:microsoft.com/office/officeart/2005/8/layout/cycle7"/>
     <dgm:cxn modelId="{EB6ADBFD-5D34-4E1F-BBC9-07D9299A5A25}" type="presOf" srcId="{FCA7846A-E97D-48C9-8D6E-2AF33C760667}" destId="{52D7E38D-2BBA-4D74-BC74-D561672AA724}" srcOrd="1" destOrd="0" presId="urn:microsoft.com/office/officeart/2005/8/layout/cycle7"/>
@@ -1271,427 +1334,6 @@
       <dsp:cNvGrpSpPr/>
     </dsp:nvGrpSpPr>
     <dsp:grpSpPr/>
-    <dsp:sp modelId="{7159C691-860A-4D9C-AE25-CCDC36A991BF}">
-      <dsp:nvSpPr>
-        <dsp:cNvPr id="0" name=""/>
-        <dsp:cNvSpPr/>
-      </dsp:nvSpPr>
-      <dsp:spPr>
-        <a:xfrm>
-          <a:off x="1995785" y="360043"/>
-          <a:ext cx="2104429" cy="1052214"/>
-        </a:xfrm>
-        <a:prstGeom prst="roundRect">
-          <a:avLst>
-            <a:gd name="adj" fmla="val 10000"/>
-          </a:avLst>
-        </a:prstGeom>
-        <a:solidFill>
-          <a:srgbClr val="00B0F0"/>
-        </a:solidFill>
-        <a:ln>
-          <a:noFill/>
-        </a:ln>
-        <a:effectLst/>
-        <a:sp3d extrusionH="381000" contourW="38100" prstMaterial="matte">
-          <a:contourClr>
-            <a:schemeClr val="lt1"/>
-          </a:contourClr>
-        </a:sp3d>
-      </dsp:spPr>
-      <dsp:style>
-        <a:lnRef idx="0">
-          <a:scrgbClr r="0" g="0" b="0"/>
-        </a:lnRef>
-        <a:fillRef idx="1">
-          <a:scrgbClr r="0" g="0" b="0"/>
-        </a:fillRef>
-        <a:effectRef idx="0">
-          <a:scrgbClr r="0" g="0" b="0"/>
-        </a:effectRef>
-        <a:fontRef idx="minor">
-          <a:schemeClr val="lt1"/>
-        </a:fontRef>
-      </dsp:style>
-      <dsp:txBody>
-        <a:bodyPr spcFirstLastPara="0" vert="horz" wrap="square" lIns="99060" tIns="99060" rIns="99060" bIns="99060" numCol="1" spcCol="1270" anchor="ctr" anchorCtr="0">
-          <a:noAutofit/>
-        </a:bodyPr>
-        <a:lstStyle/>
-        <a:p>
-          <a:pPr lvl="0" algn="ctr" defTabSz="1155700">
-            <a:lnSpc>
-              <a:spcPct val="90000"/>
-            </a:lnSpc>
-            <a:spcBef>
-              <a:spcPct val="0"/>
-            </a:spcBef>
-            <a:spcAft>
-              <a:spcPct val="35000"/>
-            </a:spcAft>
-          </a:pPr>
-          <a:r>
-            <a:rPr lang="en-GB" sz="2600" kern="1200" dirty="0" smtClean="0"/>
-            <a:t>Pure Functions</a:t>
-          </a:r>
-          <a:endParaRPr lang="en-GB" sz="2600" kern="1200" dirty="0"/>
-        </a:p>
-      </dsp:txBody>
-      <dsp:txXfrm>
-        <a:off x="2026603" y="390861"/>
-        <a:ext cx="2042793" cy="990578"/>
-      </dsp:txXfrm>
-    </dsp:sp>
-    <dsp:sp modelId="{BF744900-CDE5-4D5A-9709-AFA782F2725C}">
-      <dsp:nvSpPr>
-        <dsp:cNvPr id="0" name=""/>
-        <dsp:cNvSpPr/>
-      </dsp:nvSpPr>
-      <dsp:spPr>
-        <a:xfrm rot="3181267">
-          <a:off x="3351629" y="2027277"/>
-          <a:ext cx="1388526" cy="368275"/>
-        </a:xfrm>
-        <a:prstGeom prst="leftRightArrow">
-          <a:avLst>
-            <a:gd name="adj1" fmla="val 60000"/>
-            <a:gd name="adj2" fmla="val 50000"/>
-          </a:avLst>
-        </a:prstGeom>
-        <a:solidFill>
-          <a:srgbClr val="00B0F0"/>
-        </a:solidFill>
-        <a:ln>
-          <a:noFill/>
-        </a:ln>
-        <a:effectLst/>
-        <a:sp3d z="-52400" extrusionH="181000" contourW="38100" prstMaterial="matte">
-          <a:contourClr>
-            <a:schemeClr val="lt1"/>
-          </a:contourClr>
-        </a:sp3d>
-      </dsp:spPr>
-      <dsp:style>
-        <a:lnRef idx="0">
-          <a:scrgbClr r="0" g="0" b="0"/>
-        </a:lnRef>
-        <a:fillRef idx="1">
-          <a:scrgbClr r="0" g="0" b="0"/>
-        </a:fillRef>
-        <a:effectRef idx="0">
-          <a:scrgbClr r="0" g="0" b="0"/>
-        </a:effectRef>
-        <a:fontRef idx="minor">
-          <a:schemeClr val="lt1"/>
-        </a:fontRef>
-      </dsp:style>
-      <dsp:txBody>
-        <a:bodyPr spcFirstLastPara="0" vert="horz" wrap="square" lIns="0" tIns="0" rIns="0" bIns="0" numCol="1" spcCol="1270" anchor="ctr" anchorCtr="0">
-          <a:noAutofit/>
-        </a:bodyPr>
-        <a:lstStyle/>
-        <a:p>
-          <a:pPr lvl="0" algn="ctr" defTabSz="666750">
-            <a:lnSpc>
-              <a:spcPct val="90000"/>
-            </a:lnSpc>
-            <a:spcBef>
-              <a:spcPct val="0"/>
-            </a:spcBef>
-            <a:spcAft>
-              <a:spcPct val="35000"/>
-            </a:spcAft>
-          </a:pPr>
-          <a:endParaRPr lang="en-GB" sz="1500" kern="1200"/>
-        </a:p>
-      </dsp:txBody>
-      <dsp:txXfrm>
-        <a:off x="3462112" y="2100932"/>
-        <a:ext cx="1167561" cy="220965"/>
-      </dsp:txXfrm>
-    </dsp:sp>
-    <dsp:sp modelId="{7698213F-A1D5-44DE-B22F-355281BB4C2C}">
-      <dsp:nvSpPr>
-        <dsp:cNvPr id="0" name=""/>
-        <dsp:cNvSpPr/>
-      </dsp:nvSpPr>
-      <dsp:spPr>
-        <a:xfrm>
-          <a:off x="3991570" y="3010572"/>
-          <a:ext cx="2104429" cy="1052214"/>
-        </a:xfrm>
-        <a:prstGeom prst="roundRect">
-          <a:avLst>
-            <a:gd name="adj" fmla="val 10000"/>
-          </a:avLst>
-        </a:prstGeom>
-        <a:solidFill>
-          <a:srgbClr val="00B050"/>
-        </a:solidFill>
-        <a:ln>
-          <a:noFill/>
-        </a:ln>
-        <a:effectLst/>
-        <a:sp3d extrusionH="381000" contourW="38100" prstMaterial="matte">
-          <a:contourClr>
-            <a:schemeClr val="lt1"/>
-          </a:contourClr>
-        </a:sp3d>
-      </dsp:spPr>
-      <dsp:style>
-        <a:lnRef idx="0">
-          <a:scrgbClr r="0" g="0" b="0"/>
-        </a:lnRef>
-        <a:fillRef idx="1">
-          <a:scrgbClr r="0" g="0" b="0"/>
-        </a:fillRef>
-        <a:effectRef idx="0">
-          <a:scrgbClr r="0" g="0" b="0"/>
-        </a:effectRef>
-        <a:fontRef idx="minor">
-          <a:schemeClr val="lt1"/>
-        </a:fontRef>
-      </dsp:style>
-      <dsp:txBody>
-        <a:bodyPr spcFirstLastPara="0" vert="horz" wrap="square" lIns="99060" tIns="99060" rIns="99060" bIns="99060" numCol="1" spcCol="1270" anchor="ctr" anchorCtr="0">
-          <a:noAutofit/>
-        </a:bodyPr>
-        <a:lstStyle/>
-        <a:p>
-          <a:pPr lvl="0" algn="ctr" defTabSz="1155700">
-            <a:lnSpc>
-              <a:spcPct val="90000"/>
-            </a:lnSpc>
-            <a:spcBef>
-              <a:spcPct val="0"/>
-            </a:spcBef>
-            <a:spcAft>
-              <a:spcPct val="35000"/>
-            </a:spcAft>
-          </a:pPr>
-          <a:r>
-            <a:rPr lang="en-GB" sz="2600" kern="1200" dirty="0" smtClean="0"/>
-            <a:t>Immutability</a:t>
-          </a:r>
-          <a:endParaRPr lang="en-GB" sz="2600" kern="1200" dirty="0"/>
-        </a:p>
-      </dsp:txBody>
-      <dsp:txXfrm>
-        <a:off x="4022388" y="3041390"/>
-        <a:ext cx="2042793" cy="990578"/>
-      </dsp:txXfrm>
-    </dsp:sp>
-    <dsp:sp modelId="{0DD0BB7F-6B11-4693-AA9C-D4A2168B2D4B}">
-      <dsp:nvSpPr>
-        <dsp:cNvPr id="0" name=""/>
-        <dsp:cNvSpPr/>
-      </dsp:nvSpPr>
-      <dsp:spPr>
-        <a:xfrm rot="10799984">
-          <a:off x="2429477" y="3352550"/>
-          <a:ext cx="1388526" cy="368275"/>
-        </a:xfrm>
-        <a:prstGeom prst="leftRightArrow">
-          <a:avLst>
-            <a:gd name="adj1" fmla="val 60000"/>
-            <a:gd name="adj2" fmla="val 50000"/>
-          </a:avLst>
-        </a:prstGeom>
-        <a:solidFill>
-          <a:srgbClr val="00B050"/>
-        </a:solidFill>
-        <a:ln>
-          <a:noFill/>
-        </a:ln>
-        <a:effectLst/>
-        <a:sp3d z="-52400" extrusionH="181000" contourW="38100" prstMaterial="matte">
-          <a:contourClr>
-            <a:schemeClr val="lt1"/>
-          </a:contourClr>
-        </a:sp3d>
-      </dsp:spPr>
-      <dsp:style>
-        <a:lnRef idx="0">
-          <a:scrgbClr r="0" g="0" b="0"/>
-        </a:lnRef>
-        <a:fillRef idx="1">
-          <a:scrgbClr r="0" g="0" b="0"/>
-        </a:fillRef>
-        <a:effectRef idx="0">
-          <a:scrgbClr r="0" g="0" b="0"/>
-        </a:effectRef>
-        <a:fontRef idx="minor">
-          <a:schemeClr val="lt1"/>
-        </a:fontRef>
-      </dsp:style>
-      <dsp:txBody>
-        <a:bodyPr spcFirstLastPara="0" vert="horz" wrap="square" lIns="0" tIns="0" rIns="0" bIns="0" numCol="1" spcCol="1270" anchor="ctr" anchorCtr="0">
-          <a:noAutofit/>
-        </a:bodyPr>
-        <a:lstStyle/>
-        <a:p>
-          <a:pPr lvl="0" algn="ctr" defTabSz="666750">
-            <a:lnSpc>
-              <a:spcPct val="90000"/>
-            </a:lnSpc>
-            <a:spcBef>
-              <a:spcPct val="0"/>
-            </a:spcBef>
-            <a:spcAft>
-              <a:spcPct val="35000"/>
-            </a:spcAft>
-          </a:pPr>
-          <a:endParaRPr lang="en-GB" sz="1500" kern="1200"/>
-        </a:p>
-      </dsp:txBody>
-      <dsp:txXfrm rot="10800000">
-        <a:off x="2539959" y="3426205"/>
-        <a:ext cx="1167561" cy="220965"/>
-      </dsp:txXfrm>
-    </dsp:sp>
-    <dsp:sp modelId="{630B207D-9744-4681-AF68-329F4D5D414A}">
-      <dsp:nvSpPr>
-        <dsp:cNvPr id="0" name=""/>
-        <dsp:cNvSpPr/>
-      </dsp:nvSpPr>
-      <dsp:spPr>
-        <a:xfrm>
-          <a:off x="151481" y="3010589"/>
-          <a:ext cx="2104429" cy="1052214"/>
-        </a:xfrm>
-        <a:prstGeom prst="roundRect">
-          <a:avLst>
-            <a:gd name="adj" fmla="val 10000"/>
-          </a:avLst>
-        </a:prstGeom>
-        <a:solidFill>
-          <a:schemeClr val="accent6">
-            <a:lumMod val="75000"/>
-          </a:schemeClr>
-        </a:solidFill>
-        <a:ln>
-          <a:noFill/>
-        </a:ln>
-        <a:effectLst/>
-        <a:sp3d extrusionH="381000" contourW="38100" prstMaterial="matte">
-          <a:contourClr>
-            <a:schemeClr val="lt1"/>
-          </a:contourClr>
-        </a:sp3d>
-      </dsp:spPr>
-      <dsp:style>
-        <a:lnRef idx="0">
-          <a:scrgbClr r="0" g="0" b="0"/>
-        </a:lnRef>
-        <a:fillRef idx="1">
-          <a:scrgbClr r="0" g="0" b="0"/>
-        </a:fillRef>
-        <a:effectRef idx="0">
-          <a:scrgbClr r="0" g="0" b="0"/>
-        </a:effectRef>
-        <a:fontRef idx="minor">
-          <a:schemeClr val="lt1"/>
-        </a:fontRef>
-      </dsp:style>
-      <dsp:txBody>
-        <a:bodyPr spcFirstLastPara="0" vert="horz" wrap="square" lIns="99060" tIns="99060" rIns="99060" bIns="99060" numCol="1" spcCol="1270" anchor="ctr" anchorCtr="0">
-          <a:noAutofit/>
-        </a:bodyPr>
-        <a:lstStyle/>
-        <a:p>
-          <a:pPr lvl="0" algn="ctr" defTabSz="1155700">
-            <a:lnSpc>
-              <a:spcPct val="90000"/>
-            </a:lnSpc>
-            <a:spcBef>
-              <a:spcPct val="0"/>
-            </a:spcBef>
-            <a:spcAft>
-              <a:spcPct val="35000"/>
-            </a:spcAft>
-          </a:pPr>
-          <a:r>
-            <a:rPr lang="en-GB" sz="2600" kern="1200" dirty="0" smtClean="0"/>
-            <a:t>Higher-Order Functions</a:t>
-          </a:r>
-          <a:endParaRPr lang="en-GB" sz="2600" kern="1200" dirty="0"/>
-        </a:p>
-      </dsp:txBody>
-      <dsp:txXfrm>
-        <a:off x="182299" y="3041407"/>
-        <a:ext cx="2042793" cy="990578"/>
-      </dsp:txXfrm>
-    </dsp:sp>
-    <dsp:sp modelId="{394D58C0-A685-4129-AA54-53CBE01AB18B}">
-      <dsp:nvSpPr>
-        <dsp:cNvPr id="0" name=""/>
-        <dsp:cNvSpPr/>
-      </dsp:nvSpPr>
-      <dsp:spPr>
-        <a:xfrm rot="18289858">
-          <a:off x="1431584" y="2027286"/>
-          <a:ext cx="1388526" cy="368275"/>
-        </a:xfrm>
-        <a:prstGeom prst="leftRightArrow">
-          <a:avLst>
-            <a:gd name="adj1" fmla="val 60000"/>
-            <a:gd name="adj2" fmla="val 50000"/>
-          </a:avLst>
-        </a:prstGeom>
-        <a:solidFill>
-          <a:schemeClr val="accent6">
-            <a:lumMod val="75000"/>
-          </a:schemeClr>
-        </a:solidFill>
-        <a:ln>
-          <a:noFill/>
-        </a:ln>
-        <a:effectLst/>
-        <a:sp3d z="-52400" extrusionH="181000" contourW="38100" prstMaterial="matte">
-          <a:contourClr>
-            <a:schemeClr val="lt1"/>
-          </a:contourClr>
-        </a:sp3d>
-      </dsp:spPr>
-      <dsp:style>
-        <a:lnRef idx="0">
-          <a:scrgbClr r="0" g="0" b="0"/>
-        </a:lnRef>
-        <a:fillRef idx="1">
-          <a:scrgbClr r="0" g="0" b="0"/>
-        </a:fillRef>
-        <a:effectRef idx="0">
-          <a:scrgbClr r="0" g="0" b="0"/>
-        </a:effectRef>
-        <a:fontRef idx="minor">
-          <a:schemeClr val="lt1"/>
-        </a:fontRef>
-      </dsp:style>
-      <dsp:txBody>
-        <a:bodyPr spcFirstLastPara="0" vert="horz" wrap="square" lIns="0" tIns="0" rIns="0" bIns="0" numCol="1" spcCol="1270" anchor="ctr" anchorCtr="0">
-          <a:noAutofit/>
-        </a:bodyPr>
-        <a:lstStyle/>
-        <a:p>
-          <a:pPr lvl="0" algn="ctr" defTabSz="666750">
-            <a:lnSpc>
-              <a:spcPct val="90000"/>
-            </a:lnSpc>
-            <a:spcBef>
-              <a:spcPct val="0"/>
-            </a:spcBef>
-            <a:spcAft>
-              <a:spcPct val="35000"/>
-            </a:spcAft>
-          </a:pPr>
-          <a:endParaRPr lang="en-GB" sz="1500" kern="1200"/>
-        </a:p>
-      </dsp:txBody>
-      <dsp:txXfrm>
-        <a:off x="1542067" y="2100941"/>
-        <a:ext cx="1167561" cy="220965"/>
-      </dsp:txXfrm>
-    </dsp:sp>
   </dsp:spTree>
 </dsp:drawing>
 </file>
@@ -3870,7 +3512,7 @@
               <a:rPr lang="de-CH" smtClean="0"/>
               <a:t>Slide </a:t>
             </a:r>
-            <a:fld id="{94B473E1-CDA8-4C3F-A4EA-970059B226ED}" type="slidenum">
+            <a:fld id="{814293EB-8324-4822-93BF-D115C951E99A}" type="slidenum">
               <a:rPr smtClean="0"/>
               <a:pPr/>
               <a:t>‹#›</a:t>
@@ -4194,7 +3836,7 @@
               <a:rPr lang="de-CH" smtClean="0"/>
               <a:t>Slide </a:t>
             </a:r>
-            <a:fld id="{201FB156-5E04-4E11-AB71-D8E8C1355117}" type="slidenum">
+            <a:fld id="{004F4E99-AE5F-4BEF-86CD-DE14D76A3DD2}" type="slidenum">
               <a:rPr smtClean="0"/>
               <a:pPr/>
               <a:t>‹#›</a:t>
@@ -4496,7 +4138,7 @@
               <a:rPr lang="de-CH" smtClean="0"/>
               <a:t>Slide </a:t>
             </a:r>
-            <a:fld id="{7C28420F-8275-4536-B897-0A6CB1A00C98}" type="slidenum">
+            <a:fld id="{307AA94A-DBED-48F4-894F-229164342E11}" type="slidenum">
               <a:rPr smtClean="0"/>
               <a:pPr/>
               <a:t>‹#›</a:t>
@@ -4828,7 +4470,7 @@
               <a:rPr lang="de-CH" smtClean="0"/>
               <a:t>Slide </a:t>
             </a:r>
-            <a:fld id="{0D878CD7-D5AC-4D06-834F-9E3793A85DFA}" type="slidenum">
+            <a:fld id="{F9F88798-08D0-4A2C-AABC-8EC60D431370}" type="slidenum">
               <a:rPr smtClean="0"/>
               <a:pPr/>
               <a:t>‹#›</a:t>
@@ -5162,7 +4804,7 @@
               <a:rPr lang="de-CH" smtClean="0"/>
               <a:t>Slide </a:t>
             </a:r>
-            <a:fld id="{FF288636-1F99-4664-8AE3-4C59DE818E6E}" type="slidenum">
+            <a:fld id="{61AD5474-F7FA-46D3-81E4-9DF2C154DBFF}" type="slidenum">
               <a:rPr smtClean="0"/>
               <a:pPr/>
               <a:t>‹#›</a:t>
@@ -5592,7 +5234,7 @@
               <a:rPr lang="de-CH" smtClean="0"/>
               <a:t>Slide </a:t>
             </a:r>
-            <a:fld id="{8152A0E8-9538-456D-A4D8-99D4FD85B554}" type="slidenum">
+            <a:fld id="{4151FADC-2998-4B83-886E-48A0A87DEEEB}" type="slidenum">
               <a:rPr smtClean="0"/>
               <a:pPr/>
               <a:t>‹#›</a:t>
@@ -6310,7 +5952,7 @@
               <a:rPr lang="de-CH" smtClean="0"/>
               <a:t>Slide </a:t>
             </a:r>
-            <a:fld id="{735EA10E-EF35-468A-BA1F-486CBBF2538C}" type="slidenum">
+            <a:fld id="{A02B7A13-E118-40AF-8CC8-FDE12A9EFAA8}" type="slidenum">
               <a:rPr smtClean="0"/>
               <a:pPr/>
               <a:t>‹#›</a:t>
@@ -6616,7 +6258,7 @@
               <a:rPr lang="de-CH" smtClean="0"/>
               <a:t>Slide </a:t>
             </a:r>
-            <a:fld id="{D0CB7A73-A24A-4A88-B35D-4B44D50F4CBE}" type="slidenum">
+            <a:fld id="{7F3BE8B5-8B9C-4A22-BFB2-0735CED4742E}" type="slidenum">
               <a:rPr smtClean="0"/>
               <a:pPr/>
               <a:t>‹#›</a:t>
@@ -7143,7 +6785,7 @@
               <a:rPr lang="de-CH" smtClean="0"/>
               <a:t>Slide </a:t>
             </a:r>
-            <a:fld id="{6F0D9F6A-8157-4A1B-9E1F-8B619D958CD9}" type="slidenum">
+            <a:fld id="{FF3695AF-1B2B-49EA-ADB3-C5C12D8876EA}" type="slidenum">
               <a:rPr smtClean="0"/>
               <a:pPr/>
               <a:t>‹#›</a:t>
@@ -7541,7 +7183,7 @@
               <a:rPr lang="de-CH" smtClean="0"/>
               <a:t>Slide </a:t>
             </a:r>
-            <a:fld id="{728766B3-EBC5-490F-AA4C-2C660ECB5287}" type="slidenum">
+            <a:fld id="{83EA0EFA-FB74-4B97-A800-317CBC48E8F4}" type="slidenum">
               <a:rPr smtClean="0"/>
               <a:pPr/>
               <a:t>‹#›</a:t>
@@ -7771,7 +7413,7 @@
               <a:rPr lang="de-CH" smtClean="0"/>
               <a:t>Slide </a:t>
             </a:r>
-            <a:fld id="{C60A0BEA-ADEE-4B67-AFAB-2D4F13970D1E}" type="slidenum">
+            <a:fld id="{59BF0A48-9CDC-4239-97B8-210A24C51A1E}" type="slidenum">
               <a:rPr smtClean="0"/>
               <a:pPr/>
               <a:t>‹#›</a:t>
@@ -8049,7 +7691,7 @@
               <a:rPr lang="de-CH" smtClean="0"/>
               <a:t>Slide </a:t>
             </a:r>
-            <a:fld id="{B295BE6E-477B-4EF1-9ADF-6B0483A61DAD}" type="slidenum">
+            <a:fld id="{556D83E5-4303-497D-BDC6-2E0C57F1AD61}" type="slidenum">
               <a:rPr smtClean="0"/>
               <a:pPr/>
               <a:t>‹#›</a:t>
@@ -8524,7 +8166,7 @@
               <a:rPr lang="de-CH" smtClean="0"/>
               <a:t>Slide </a:t>
             </a:r>
-            <a:fld id="{C48B4321-746B-446C-902D-96A39FDF7E78}" type="slidenum">
+            <a:fld id="{2BFDD7F9-AD2D-47D7-8A00-98F108E09E1A}" type="slidenum">
               <a:rPr lang="de-CH" smtClean="0"/>
               <a:t>1</a:t>
             </a:fld>
@@ -8680,7 +8322,7 @@
               <a:rPr lang="de-CH" smtClean="0"/>
               <a:t>Slide </a:t>
             </a:r>
-            <a:fld id="{FC5D5D89-4F13-498B-8072-5AC1DFB597E4}" type="slidenum">
+            <a:fld id="{E391FFB8-35A4-4C6A-9913-67AA70A80C79}" type="slidenum">
               <a:rPr lang="de-CH" smtClean="0"/>
               <a:t>10</a:t>
             </a:fld>
@@ -9319,7 +8961,7 @@
               <a:rPr lang="de-CH" smtClean="0"/>
               <a:t>Slide </a:t>
             </a:r>
-            <a:fld id="{A13A574B-98C2-457D-AF09-4A7FBFF1E06C}" type="slidenum">
+            <a:fld id="{8CC028F7-D2E1-4BE3-9918-4AA2E89CC0CE}" type="slidenum">
               <a:rPr lang="de-CH" smtClean="0"/>
               <a:t>11</a:t>
             </a:fld>
@@ -9553,7 +9195,7 @@
               <a:rPr lang="de-CH" smtClean="0"/>
               <a:t>Slide </a:t>
             </a:r>
-            <a:fld id="{FE4E0A05-F428-4BD1-9272-CF33A1389CF0}" type="slidenum">
+            <a:fld id="{25613985-93DC-4230-A4D1-6BE383DD030C}" type="slidenum">
               <a:rPr lang="de-CH" smtClean="0"/>
               <a:t>12</a:t>
             </a:fld>
@@ -9768,7 +9410,7 @@
               <a:rPr lang="de-CH" smtClean="0"/>
               <a:t>Slide </a:t>
             </a:r>
-            <a:fld id="{BB7E168C-8FF0-40D3-B537-E0263576FD1A}" type="slidenum">
+            <a:fld id="{B141355B-5153-42AA-9365-F77DDA5589AE}" type="slidenum">
               <a:rPr lang="de-CH" smtClean="0"/>
               <a:t>13</a:t>
             </a:fld>
@@ -10029,7 +9671,7 @@
               <a:rPr lang="de-CH" smtClean="0"/>
               <a:t>Slide </a:t>
             </a:r>
-            <a:fld id="{0270879B-1388-43D7-B4BB-98BD41C97BAB}" type="slidenum">
+            <a:fld id="{A2C91F3A-F247-454C-986E-8D55F06E605E}" type="slidenum">
               <a:rPr lang="de-CH" smtClean="0"/>
               <a:t>14</a:t>
             </a:fld>
@@ -10379,7 +10021,7 @@
               <a:rPr lang="de-CH" smtClean="0"/>
               <a:t>Slide </a:t>
             </a:r>
-            <a:fld id="{A6BB15A2-A2E8-4FBE-99D8-AAE43C1D613E}" type="slidenum">
+            <a:fld id="{9DD9E41B-CF98-4CB7-AF48-5A74E43298FB}" type="slidenum">
               <a:rPr lang="de-CH" smtClean="0"/>
               <a:t>15</a:t>
             </a:fld>
@@ -10583,7 +10225,7 @@
               <a:rPr lang="de-CH" smtClean="0"/>
               <a:t>Slide </a:t>
             </a:r>
-            <a:fld id="{3C71E1BE-58F1-44F0-B2A1-9641C489DC58}" type="slidenum">
+            <a:fld id="{902B10C0-4C83-4803-BA35-A0F9A99E8CC8}" type="slidenum">
               <a:rPr lang="de-CH" smtClean="0"/>
               <a:t>16</a:t>
             </a:fld>
@@ -10989,7 +10631,7 @@
               <a:rPr lang="de-CH" smtClean="0"/>
               <a:t>Slide </a:t>
             </a:r>
-            <a:fld id="{6AD4E681-9B73-4D9A-B203-1CE708A9DFD9}" type="slidenum">
+            <a:fld id="{3B37F2FD-F4BB-4658-996A-74C4A74F8944}" type="slidenum">
               <a:rPr lang="de-CH" smtClean="0"/>
               <a:t>17</a:t>
             </a:fld>
@@ -12923,7 +12565,7 @@
               <a:rPr lang="de-CH" smtClean="0"/>
               <a:t>Slide </a:t>
             </a:r>
-            <a:fld id="{E7105706-3D5A-4DDF-9FF4-57DEE0DD76FA}" type="slidenum">
+            <a:fld id="{57847960-711C-45E5-A7DD-7D6023D63D39}" type="slidenum">
               <a:rPr lang="de-CH" smtClean="0"/>
               <a:t>18</a:t>
             </a:fld>
@@ -14629,7 +14271,7 @@
               <a:rPr lang="de-CH" smtClean="0"/>
               <a:t>Slide </a:t>
             </a:r>
-            <a:fld id="{D81FF9D1-24CC-40E9-BE71-2EF0A874A2EF}" type="slidenum">
+            <a:fld id="{060952B5-F9A4-46A6-AEF8-C5D3938EBF86}" type="slidenum">
               <a:rPr lang="de-CH" smtClean="0"/>
               <a:t>19</a:t>
             </a:fld>
@@ -15028,7 +14670,7 @@
               <a:rPr lang="de-CH" smtClean="0"/>
               <a:t>Slide </a:t>
             </a:r>
-            <a:fld id="{FF0E8492-88BC-44B9-BE23-191F70F0C23D}" type="slidenum">
+            <a:fld id="{8A8323CF-A3F6-4D9F-8238-A4E70395D3D6}" type="slidenum">
               <a:rPr lang="de-CH" smtClean="0"/>
               <a:t>2</a:t>
             </a:fld>
@@ -17048,7 +16690,7 @@
               <a:rPr lang="de-CH" smtClean="0"/>
               <a:t>Slide </a:t>
             </a:r>
-            <a:fld id="{00D1F7BC-AE02-40DA-B91D-12B3FB54ACC2}" type="slidenum">
+            <a:fld id="{253F5B39-BD89-4E79-A885-10503A603035}" type="slidenum">
               <a:rPr lang="de-CH" smtClean="0"/>
               <a:t>20</a:t>
             </a:fld>
@@ -17874,7 +17516,7 @@
               <a:rPr lang="de-CH" smtClean="0"/>
               <a:t>Slide </a:t>
             </a:r>
-            <a:fld id="{605FC679-3063-4664-BBC1-2D009F467FE7}" type="slidenum">
+            <a:fld id="{D70E2002-25D1-4881-AE48-447246BFD9AE}" type="slidenum">
               <a:rPr lang="de-CH" smtClean="0"/>
               <a:t>21</a:t>
             </a:fld>
@@ -18287,7 +17929,7 @@
               <a:rPr lang="de-CH" smtClean="0"/>
               <a:t>Slide </a:t>
             </a:r>
-            <a:fld id="{293739F1-7D5B-4F8D-98D4-DACE02C1C41C}" type="slidenum">
+            <a:fld id="{77450D2C-9B95-4252-84A8-2A353F99B09E}" type="slidenum">
               <a:rPr lang="de-CH" smtClean="0"/>
               <a:t>22</a:t>
             </a:fld>
@@ -18353,15 +17995,7 @@
           <a:p>
             <a:r>
               <a:rPr lang="en-GB" dirty="0" smtClean="0"/>
-              <a:t>Context Type: </a:t>
-            </a:r>
-            <a:r>
-              <a:rPr lang="en-GB" dirty="0" smtClean="0"/>
-              <a:t>List[T</a:t>
-            </a:r>
-            <a:r>
-              <a:rPr lang="en-GB" dirty="0" smtClean="0"/>
-              <a:t>]</a:t>
+              <a:t>Context Type: List[T]</a:t>
             </a:r>
             <a:endParaRPr lang="en-GB" dirty="0"/>
           </a:p>
@@ -18392,11 +18026,7 @@
             </a:r>
             <a:r>
               <a:rPr lang="en-GB" dirty="0" smtClean="0"/>
-              <a:t> </a:t>
-            </a:r>
-            <a:r>
-              <a:rPr lang="en-GB" dirty="0" smtClean="0"/>
-              <a:t>Lists</a:t>
+              <a:t> Lists</a:t>
             </a:r>
             <a:endParaRPr lang="en-GB" dirty="0"/>
           </a:p>
@@ -19859,7 +19489,7 @@
               <a:rPr lang="de-CH" smtClean="0"/>
               <a:t>Slide </a:t>
             </a:r>
-            <a:fld id="{F29E430A-F81C-4FF5-B39E-3EB094C53F63}" type="slidenum">
+            <a:fld id="{2DA1D21E-2024-4B33-BC89-543106C779A6}" type="slidenum">
               <a:rPr lang="de-CH" smtClean="0"/>
               <a:t>23</a:t>
             </a:fld>
@@ -19881,11 +19511,11 @@
   <p:clrMapOvr>
     <a:masterClrMapping/>
   </p:clrMapOvr>
-  <mc:AlternateContent xmlns:mc="http://schemas.openxmlformats.org/markup-compatibility/2006">
-    <mc:Choice xmlns:p14="http://schemas.microsoft.com/office/powerpoint/2010/main" Requires="p14">
+  <mc:AlternateContent xmlns:mc="http://schemas.openxmlformats.org/markup-compatibility/2006" xmlns:p14="http://schemas.microsoft.com/office/powerpoint/2010/main">
+    <mc:Choice Requires="p14">
       <p:transition spd="slow" p14:dur="2000"/>
     </mc:Choice>
-    <mc:Fallback>
+    <mc:Fallback xmlns="">
       <p:transition spd="slow"/>
     </mc:Fallback>
   </mc:AlternateContent>
@@ -20453,7 +20083,7 @@
               <a:rPr lang="de-CH" smtClean="0"/>
               <a:t>Slide </a:t>
             </a:r>
-            <a:fld id="{65074B7F-C85B-4E18-9417-57E2876DAB33}" type="slidenum">
+            <a:fld id="{FF6CC8F3-EDA1-420D-A1B8-582B26162598}" type="slidenum">
               <a:rPr lang="de-CH" smtClean="0"/>
               <a:t>24</a:t>
             </a:fld>
@@ -21523,7 +21153,7 @@
               <a:rPr lang="de-CH" smtClean="0"/>
               <a:t>Slide </a:t>
             </a:r>
-            <a:fld id="{35A14ACB-F52D-48F4-9CE6-E1EDBD609853}" type="slidenum">
+            <a:fld id="{D2394D2F-6AF5-45DD-9A39-F1F82B5C5C61}" type="slidenum">
               <a:rPr lang="de-CH" smtClean="0"/>
               <a:t>25</a:t>
             </a:fld>
@@ -23359,7 +22989,7 @@
               <a:rPr lang="de-CH" smtClean="0"/>
               <a:t>Slide </a:t>
             </a:r>
-            <a:fld id="{D1FB5591-024A-42E0-9116-AA59DCEAE168}" type="slidenum">
+            <a:fld id="{0E2975E7-7806-452A-88FB-A1D9329C9353}" type="slidenum">
               <a:rPr lang="de-CH" smtClean="0"/>
               <a:t>26</a:t>
             </a:fld>
@@ -23855,7 +23485,7 @@
               <a:rPr lang="de-CH" smtClean="0"/>
               <a:t>Slide </a:t>
             </a:r>
-            <a:fld id="{E79168BC-8DE9-4315-A37E-29C85121A094}" type="slidenum">
+            <a:fld id="{64BFDD5E-13B0-4492-A815-06F94206A79A}" type="slidenum">
               <a:rPr lang="de-CH" smtClean="0"/>
               <a:t>27</a:t>
             </a:fld>
@@ -25427,7 +25057,7 @@
               <a:rPr lang="de-CH" smtClean="0"/>
               <a:t>Slide </a:t>
             </a:r>
-            <a:fld id="{57549D69-B202-47C5-9F38-F057A5DA30B9}" type="slidenum">
+            <a:fld id="{1EC2154E-636F-4232-8E71-C33B673CC55D}" type="slidenum">
               <a:rPr lang="de-CH" smtClean="0"/>
               <a:t>28</a:t>
             </a:fld>
@@ -26983,7 +26613,7 @@
               <a:rPr lang="de-CH" smtClean="0"/>
               <a:t>Slide </a:t>
             </a:r>
-            <a:fld id="{4B70EBDF-F016-4AFA-B88D-403651D4CC8F}" type="slidenum">
+            <a:fld id="{C2D8F11C-6A06-4E8C-872C-7D58DF5D3DF3}" type="slidenum">
               <a:rPr lang="de-CH" smtClean="0"/>
               <a:t>29</a:t>
             </a:fld>
@@ -27080,11 +26710,7 @@
           <a:p>
             <a:r>
               <a:rPr lang="en-GB" dirty="0" smtClean="0"/>
-              <a:t>We’ve </a:t>
-            </a:r>
-            <a:r>
-              <a:rPr lang="en-GB" dirty="0" smtClean="0"/>
-              <a:t>been thinking about:</a:t>
+              <a:t>We’ve been thinking about:</a:t>
             </a:r>
           </a:p>
           <a:p>
@@ -27094,13 +26720,8 @@
             </a:pPr>
             <a:r>
               <a:rPr lang="en-GB" dirty="0" smtClean="0"/>
-              <a:t>What </a:t>
-            </a:r>
-            <a:r>
-              <a:rPr lang="en-GB" dirty="0" smtClean="0"/>
-              <a:t>is the best part of functional programming?</a:t>
-            </a:r>
-            <a:endParaRPr lang="en-GB" dirty="0" smtClean="0"/>
+              <a:t>What is the best part of functional programming?</a:t>
+            </a:r>
           </a:p>
           <a:p>
             <a:pPr marL="257175" indent="-257175">
@@ -27109,15 +26730,7 @@
             </a:pPr>
             <a:r>
               <a:rPr lang="en-GB" dirty="0" smtClean="0"/>
-              <a:t>Which functional concepts </a:t>
-            </a:r>
-            <a:r>
-              <a:rPr lang="en-GB" dirty="0" smtClean="0"/>
-              <a:t>could be helpful </a:t>
-            </a:r>
-            <a:r>
-              <a:rPr lang="en-GB" dirty="0" smtClean="0"/>
-              <a:t>in an </a:t>
+              <a:t>Which functional concepts could be helpful in an </a:t>
             </a:r>
             <a:r>
               <a:rPr lang="en-GB" dirty="0"/>
@@ -27127,7 +26740,6 @@
               <a:rPr lang="en-GB" dirty="0" smtClean="0"/>
               <a:t>bject-oriented world?</a:t>
             </a:r>
-            <a:endParaRPr lang="en-GB" dirty="0" smtClean="0"/>
           </a:p>
           <a:p>
             <a:endParaRPr lang="en-GB" dirty="0" smtClean="0"/>
@@ -27253,7 +26865,7 @@
               <a:rPr lang="de-CH" smtClean="0"/>
               <a:t>Slide </a:t>
             </a:r>
-            <a:fld id="{1A8FC6C3-F80E-412A-BE29-C0D13B6C2226}" type="slidenum">
+            <a:fld id="{9DD5C29F-951E-4FB3-B8FF-5A7F647F1B8E}" type="slidenum">
               <a:rPr lang="de-CH" smtClean="0"/>
               <a:t>3</a:t>
             </a:fld>
@@ -27384,11 +26996,7 @@
             </a:pPr>
             <a:r>
               <a:rPr lang="en-GB" dirty="0" smtClean="0"/>
-              <a:t>something else</a:t>
-            </a:r>
-            <a:r>
-              <a:rPr lang="en-GB" dirty="0" smtClean="0"/>
-              <a:t>?</a:t>
+              <a:t>something else?</a:t>
             </a:r>
           </a:p>
           <a:p>
@@ -28218,7 +27826,7 @@
               <a:rPr lang="de-CH" smtClean="0"/>
               <a:t>Slide </a:t>
             </a:r>
-            <a:fld id="{B3D985FE-45CC-4563-AF08-4BE9E7E48AB9}" type="slidenum">
+            <a:fld id="{7FF47CED-D8A7-4FA3-83C5-95CDE0B20DF7}" type="slidenum">
               <a:rPr lang="de-CH" smtClean="0"/>
               <a:t>30</a:t>
             </a:fld>
@@ -28490,15 +28098,7 @@
             </a:pPr>
             <a:r>
               <a:rPr lang="en-GB" dirty="0" smtClean="0"/>
-              <a:t>Guess </a:t>
-            </a:r>
-            <a:r>
-              <a:rPr lang="en-GB" dirty="0" smtClean="0"/>
-              <a:t>what, we can map </a:t>
-            </a:r>
-            <a:r>
-              <a:rPr lang="en-GB" dirty="0" smtClean="0"/>
-              <a:t>and </a:t>
+              <a:t>Guess what, we can map and </a:t>
             </a:r>
             <a:r>
               <a:rPr lang="en-GB" dirty="0" err="1" smtClean="0"/>
@@ -28658,7 +28258,7 @@
               <a:rPr lang="de-CH" smtClean="0"/>
               <a:t>Slide </a:t>
             </a:r>
-            <a:fld id="{0F7CD680-E20E-41BA-8AFF-FFA912A0C588}" type="slidenum">
+            <a:fld id="{D0FE2D36-418F-4266-BFEB-EDF4B11EB58E}" type="slidenum">
               <a:rPr lang="de-CH" smtClean="0"/>
               <a:t>31</a:t>
             </a:fld>
@@ -28853,7 +28453,6 @@
               <a:rPr lang="en-GB" dirty="0" smtClean="0"/>
               <a:t>Optional</a:t>
             </a:r>
-            <a:endParaRPr lang="en-GB" dirty="0" smtClean="0"/>
           </a:p>
           <a:p>
             <a:pPr marL="257175" indent="-257175">
@@ -28983,7 +28582,7 @@
               <a:rPr lang="de-CH" smtClean="0"/>
               <a:t>Slide </a:t>
             </a:r>
-            <a:fld id="{F15E156A-DD94-4FD3-B935-60AE76C14262}" type="slidenum">
+            <a:fld id="{6B3094B7-DE3B-4B1C-98AF-72AD49FD20F4}" type="slidenum">
               <a:rPr lang="de-CH" smtClean="0"/>
               <a:t>32</a:t>
             </a:fld>
@@ -29175,7 +28774,7 @@
               <a:rPr lang="de-CH" smtClean="0"/>
               <a:t>Slide </a:t>
             </a:r>
-            <a:fld id="{D38C46BF-1EF6-4CE3-9888-68F8C81DA5BC}" type="slidenum">
+            <a:fld id="{CA359864-73DE-4348-BE03-9EA6C5D58EA2}" type="slidenum">
               <a:rPr lang="de-CH" smtClean="0"/>
               <a:t>33</a:t>
             </a:fld>
@@ -29450,7 +29049,7 @@
               <a:rPr lang="de-CH" smtClean="0"/>
               <a:t>Slide </a:t>
             </a:r>
-            <a:fld id="{E2B419DA-C770-4F9B-9081-0FC62149F55D}" type="slidenum">
+            <a:fld id="{86A89ADE-4219-4E87-A9C7-FD159BB5C229}" type="slidenum">
               <a:rPr lang="de-CH" smtClean="0"/>
               <a:t>34</a:t>
             </a:fld>
@@ -29606,7 +29205,7 @@
               <a:rPr lang="de-CH" smtClean="0"/>
               <a:t>Slide </a:t>
             </a:r>
-            <a:fld id="{6EACA59D-D03A-46BF-9DA7-A4B5629190E2}" type="slidenum">
+            <a:fld id="{7587FE69-9C0C-4E4F-8C8E-4565A2BBE66C}" type="slidenum">
               <a:rPr lang="de-CH" smtClean="0"/>
               <a:t>35</a:t>
             </a:fld>
@@ -30770,7 +30369,7 @@
               <a:rPr lang="de-CH" smtClean="0"/>
               <a:t>Slide </a:t>
             </a:r>
-            <a:fld id="{CA067034-760B-46C1-B64D-1B9BEDC52EC9}" type="slidenum">
+            <a:fld id="{35E1499A-B5E1-4F73-A487-3A3BFEF463C6}" type="slidenum">
               <a:rPr lang="de-CH" smtClean="0"/>
               <a:t>36</a:t>
             </a:fld>
@@ -31449,7 +31048,7 @@
               <a:rPr lang="de-CH" smtClean="0"/>
               <a:t>Slide </a:t>
             </a:r>
-            <a:fld id="{DFFAECBB-70D9-4693-99F1-CB7A643BEA1A}" type="slidenum">
+            <a:fld id="{A329E7C9-B868-4DE0-AFDA-30FDED9391DD}" type="slidenum">
               <a:rPr lang="de-CH" smtClean="0"/>
               <a:t>37</a:t>
             </a:fld>
@@ -32530,7 +32129,7 @@
               <a:rPr lang="de-CH" smtClean="0"/>
               <a:t>Slide </a:t>
             </a:r>
-            <a:fld id="{7B767141-700F-4325-8D56-28B7704F37CD}" type="slidenum">
+            <a:fld id="{F457DE7D-8B1F-48E1-AB65-B55DD400F4EA}" type="slidenum">
               <a:rPr lang="de-CH" smtClean="0"/>
               <a:t>38</a:t>
             </a:fld>
@@ -33346,7 +32945,7 @@
               <a:rPr lang="de-CH" smtClean="0"/>
               <a:t>Slide </a:t>
             </a:r>
-            <a:fld id="{D9136DBB-3782-4EF8-9B67-9202FEBE2F5D}" type="slidenum">
+            <a:fld id="{2CE0DE15-0A74-478C-B853-1BB95F589310}" type="slidenum">
               <a:rPr lang="de-CH" smtClean="0"/>
               <a:t>39</a:t>
             </a:fld>
@@ -34962,7 +34561,7 @@
               <a:rPr lang="de-CH" smtClean="0"/>
               <a:t>Slide </a:t>
             </a:r>
-            <a:fld id="{52F37502-E421-40AF-9DAD-E65CACDF81EE}" type="slidenum">
+            <a:fld id="{B9A3157B-10F8-4464-97F0-0B20594DDCFC}" type="slidenum">
               <a:rPr lang="de-CH" smtClean="0"/>
               <a:t>4</a:t>
             </a:fld>
@@ -34984,11 +34583,11 @@
   <p:clrMapOvr>
     <a:masterClrMapping/>
   </p:clrMapOvr>
-  <mc:AlternateContent xmlns:mc="http://schemas.openxmlformats.org/markup-compatibility/2006">
-    <mc:Choice xmlns:p14="http://schemas.microsoft.com/office/powerpoint/2010/main" Requires="p14">
+  <mc:AlternateContent xmlns:mc="http://schemas.openxmlformats.org/markup-compatibility/2006" xmlns:p14="http://schemas.microsoft.com/office/powerpoint/2010/main">
+    <mc:Choice Requires="p14">
       <p:transition spd="slow" p14:dur="2000"/>
     </mc:Choice>
-    <mc:Fallback>
+    <mc:Fallback xmlns="">
       <p:transition spd="slow"/>
     </mc:Fallback>
   </mc:AlternateContent>
@@ -35905,7 +35504,7 @@
               <a:rPr lang="de-CH" smtClean="0"/>
               <a:t>Slide </a:t>
             </a:r>
-            <a:fld id="{11A55224-18A1-4134-AB97-C919E109EF42}" type="slidenum">
+            <a:fld id="{088D3BE6-36B7-4EFD-905A-5644E1AFDD97}" type="slidenum">
               <a:rPr lang="de-CH" smtClean="0"/>
               <a:t>40</a:t>
             </a:fld>
@@ -36432,7 +36031,7 @@
               <a:rPr lang="de-CH" smtClean="0"/>
               <a:t>Slide </a:t>
             </a:r>
-            <a:fld id="{963EDE77-C08C-4DC4-98CC-A8F032314203}" type="slidenum">
+            <a:fld id="{6F20966C-4BB3-4CD7-97AF-CCEABA802673}" type="slidenum">
               <a:rPr lang="de-CH" smtClean="0"/>
               <a:t>41</a:t>
             </a:fld>
@@ -36648,7 +36247,7 @@
               <a:rPr lang="de-CH" smtClean="0"/>
               <a:t>Slide </a:t>
             </a:r>
-            <a:fld id="{A512BC4A-002B-41F4-9778-9AD821F7AF13}" type="slidenum">
+            <a:fld id="{9765647D-9577-4A52-AF72-12C7B0EEF6EC}" type="slidenum">
               <a:rPr lang="de-CH" smtClean="0"/>
               <a:t>42</a:t>
             </a:fld>
@@ -36797,7 +36396,7 @@
               <a:rPr lang="de-CH" smtClean="0"/>
               <a:t>Slide </a:t>
             </a:r>
-            <a:fld id="{51520022-15B9-45F6-AE4A-F7DA6E9390A8}" type="slidenum">
+            <a:fld id="{B1617B67-CF4D-456B-943B-100680BED0D6}" type="slidenum">
               <a:rPr lang="de-CH" smtClean="0"/>
               <a:t>43</a:t>
             </a:fld>
@@ -37226,7 +36825,12 @@
             <p:ph type="ctrTitle"/>
           </p:nvPr>
         </p:nvSpPr>
-        <p:spPr/>
+        <p:spPr>
+          <a:xfrm>
+            <a:off x="579438" y="2146333"/>
+            <a:ext cx="8412162" cy="1354675"/>
+          </a:xfrm>
+        </p:spPr>
         <p:txBody>
           <a:bodyPr/>
           <a:lstStyle/>
@@ -37316,7 +36920,7 @@
               <a:rPr lang="de-CH" smtClean="0"/>
               <a:t>Slide </a:t>
             </a:r>
-            <a:fld id="{27CAD3CD-274A-4078-ADF9-AE3EEC5AE4A3}" type="slidenum">
+            <a:fld id="{5FC49E90-63C4-4943-9F7A-8452AC6898F1}" type="slidenum">
               <a:rPr lang="de-CH" smtClean="0"/>
               <a:t>44</a:t>
             </a:fld>
@@ -37330,15 +36934,64 @@
       </p:sp>
       <p:sp>
         <p:nvSpPr>
-          <p:cNvPr id="13" name="Picture Placeholder 12"/>
-          <p:cNvSpPr>
-            <a:spLocks noGrp="1"/>
-          </p:cNvSpPr>
-          <p:nvPr>
-            <p:ph type="pic" sz="quarter" idx="10"/>
-          </p:nvPr>
-        </p:nvSpPr>
-        <p:spPr/>
+          <p:cNvPr id="6" name="Rectangle 5"/>
+          <p:cNvSpPr/>
+          <p:nvPr/>
+        </p:nvSpPr>
+        <p:spPr>
+          <a:xfrm>
+            <a:off x="574674" y="4892967"/>
+            <a:ext cx="7813749" cy="1200329"/>
+          </a:xfrm>
+          <a:prstGeom prst="rect">
+            <a:avLst/>
+          </a:prstGeom>
+        </p:spPr>
+        <p:txBody>
+          <a:bodyPr wrap="square">
+            <a:spAutoFit/>
+          </a:bodyPr>
+          <a:lstStyle/>
+          <a:p>
+            <a:r>
+              <a:rPr lang="en-GB" sz="2400" dirty="0"/>
+              <a:t>Download slides and code examples from:</a:t>
+            </a:r>
+          </a:p>
+          <a:p>
+            <a:endParaRPr lang="en-GB" sz="2400" dirty="0" smtClean="0">
+              <a:latin typeface="Consolas" panose="020B0609020204030204" pitchFamily="49" charset="0"/>
+              <a:cs typeface="Consolas" panose="020B0609020204030204" pitchFamily="49" charset="0"/>
+            </a:endParaRPr>
+          </a:p>
+          <a:p>
+            <a:r>
+              <a:rPr lang="en-GB" sz="2400" dirty="0" smtClean="0">
+                <a:latin typeface="Consolas" panose="020B0609020204030204" pitchFamily="49" charset="0"/>
+                <a:cs typeface="Consolas" panose="020B0609020204030204" pitchFamily="49" charset="0"/>
+              </a:rPr>
+              <a:t>https</a:t>
+            </a:r>
+            <a:r>
+              <a:rPr lang="en-GB" sz="2400" dirty="0">
+                <a:latin typeface="Consolas" panose="020B0609020204030204" pitchFamily="49" charset="0"/>
+                <a:cs typeface="Consolas" panose="020B0609020204030204" pitchFamily="49" charset="0"/>
+              </a:rPr>
+              <a:t>://github.com/</a:t>
+            </a:r>
+            <a:r>
+              <a:rPr lang="en-GB" sz="2400" b="1" dirty="0">
+                <a:latin typeface="Consolas" panose="020B0609020204030204" pitchFamily="49" charset="0"/>
+                <a:cs typeface="Consolas" panose="020B0609020204030204" pitchFamily="49" charset="0"/>
+              </a:rPr>
+              <a:t>aax/zdays-fp-patterns</a:t>
+            </a:r>
+            <a:endParaRPr lang="en-GB" sz="2400" b="1" dirty="0">
+              <a:latin typeface="Consolas" panose="020B0609020204030204" pitchFamily="49" charset="0"/>
+              <a:cs typeface="Consolas" panose="020B0609020204030204" pitchFamily="49" charset="0"/>
+            </a:endParaRPr>
+          </a:p>
+        </p:txBody>
       </p:sp>
     </p:spTree>
     <p:extLst>
@@ -37510,7 +37163,7 @@
               <a:rPr lang="de-CH" smtClean="0"/>
               <a:t>Slide </a:t>
             </a:r>
-            <a:fld id="{8F2551B6-3B34-4E9A-9859-A7C945936C1B}" type="slidenum">
+            <a:fld id="{388CB042-EACA-4A75-94C4-49E85B02BBEA}" type="slidenum">
               <a:rPr lang="de-CH" smtClean="0"/>
               <a:t>45</a:t>
             </a:fld>
@@ -37744,7 +37397,7 @@
               <a:rPr lang="de-CH" smtClean="0"/>
               <a:t>Slide </a:t>
             </a:r>
-            <a:fld id="{466F5301-EEDC-4755-9B90-DD81AB4C8C38}" type="slidenum">
+            <a:fld id="{976E63F7-2AD2-4CD0-8A95-8E9414683BE7}" type="slidenum">
               <a:rPr lang="de-CH" smtClean="0"/>
               <a:t>5</a:t>
             </a:fld>
@@ -37847,11 +37500,7 @@
             </a:r>
             <a:r>
               <a:rPr lang="en-GB" dirty="0" smtClean="0"/>
-              <a:t>	How </a:t>
-            </a:r>
-            <a:r>
-              <a:rPr lang="en-GB" dirty="0" smtClean="0"/>
-              <a:t>to raise awareness for side effects</a:t>
+              <a:t>	How to raise awareness for side effects</a:t>
             </a:r>
             <a:endParaRPr lang="en-GB" dirty="0"/>
           </a:p>
@@ -37892,11 +37541,7 @@
             </a:pPr>
             <a:r>
               <a:rPr lang="en-GB" dirty="0" smtClean="0"/>
-              <a:t>	Context </a:t>
-            </a:r>
-            <a:r>
-              <a:rPr lang="en-GB" dirty="0" smtClean="0"/>
-              <a:t>types, function chaining</a:t>
+              <a:t>	Context types, function chaining</a:t>
             </a:r>
           </a:p>
           <a:p>
@@ -37908,11 +37553,7 @@
             </a:pPr>
             <a:r>
               <a:rPr lang="en-GB" dirty="0" smtClean="0"/>
-              <a:t>	Reactive </a:t>
-            </a:r>
-            <a:r>
-              <a:rPr lang="en-GB" dirty="0" smtClean="0"/>
-              <a:t>programming</a:t>
+              <a:t>	Reactive programming</a:t>
             </a:r>
           </a:p>
           <a:p>
@@ -37935,11 +37576,7 @@
             </a:r>
             <a:r>
               <a:rPr lang="en-GB" dirty="0" smtClean="0"/>
-              <a:t>	Structural </a:t>
-            </a:r>
-            <a:r>
-              <a:rPr lang="en-GB" dirty="0" smtClean="0"/>
-              <a:t>sharing</a:t>
+              <a:t>	Structural sharing</a:t>
             </a:r>
           </a:p>
           <a:p>
@@ -37953,7 +37590,6 @@
               <a:rPr lang="en-GB" dirty="0" smtClean="0"/>
               <a:t>	Lenses</a:t>
             </a:r>
-            <a:endParaRPr lang="en-GB" dirty="0" smtClean="0"/>
           </a:p>
         </p:txBody>
       </p:sp>
@@ -38041,7 +37677,7 @@
               <a:rPr lang="de-CH" smtClean="0"/>
               <a:t>Slide </a:t>
             </a:r>
-            <a:fld id="{662F53B7-96BD-40A8-80C3-F6738A5D9E1B}" type="slidenum">
+            <a:fld id="{DC9E5B2B-8EE2-4787-B7AE-3C37FB81BC88}" type="slidenum">
               <a:rPr lang="de-CH" smtClean="0"/>
               <a:t>6</a:t>
             </a:fld>
@@ -38233,7 +37869,7 @@
               <a:rPr lang="de-CH" smtClean="0"/>
               <a:t>Slide </a:t>
             </a:r>
-            <a:fld id="{239844F4-CF4A-4016-8E53-8013BCE21376}" type="slidenum">
+            <a:fld id="{E2DDDDC5-E78E-4B62-841F-D6AF0C0BBE7F}" type="slidenum">
               <a:rPr lang="de-CH" smtClean="0"/>
               <a:t>7</a:t>
             </a:fld>
@@ -38455,7 +38091,7 @@
               <a:rPr lang="de-CH" smtClean="0"/>
               <a:t>Slide </a:t>
             </a:r>
-            <a:fld id="{48D73C39-46D3-4B50-A1FB-B9F3F6CF676D}" type="slidenum">
+            <a:fld id="{83E630D2-88C4-41D6-BABC-2DC89992C38A}" type="slidenum">
               <a:rPr lang="de-CH" smtClean="0"/>
               <a:t>8</a:t>
             </a:fld>
@@ -38634,7 +38270,7 @@
               <a:rPr lang="de-CH" smtClean="0"/>
               <a:t>Slide </a:t>
             </a:r>
-            <a:fld id="{533AD02D-88E7-4724-B0A1-5CF3CBF879C8}" type="slidenum">
+            <a:fld id="{955C38E2-7C2C-4D20-99A4-A215A939CC80}" type="slidenum">
               <a:rPr lang="de-CH" smtClean="0"/>
               <a:t>9</a:t>
             </a:fld>

--- a/Functional Design Patterns for OO Practitioners.pptx
+++ b/Functional Design Patterns for OO Practitioners.pptx
@@ -3247,6 +3247,91 @@
           <a:bodyPr/>
           <a:lstStyle/>
           <a:p>
+            <a:endParaRPr lang="en-GB" dirty="0"/>
+          </a:p>
+        </p:txBody>
+      </p:sp>
+      <p:sp>
+        <p:nvSpPr>
+          <p:cNvPr id="4" name="Slide Number Placeholder 3"/>
+          <p:cNvSpPr>
+            <a:spLocks noGrp="1"/>
+          </p:cNvSpPr>
+          <p:nvPr>
+            <p:ph type="sldNum" sz="quarter" idx="10"/>
+          </p:nvPr>
+        </p:nvSpPr>
+        <p:spPr/>
+        <p:txBody>
+          <a:bodyPr/>
+          <a:lstStyle/>
+          <a:p>
+            <a:fld id="{04E102C5-3B9C-48EE-BFF0-2E7AF2F2A1F4}" type="slidenum">
+              <a:rPr lang="en-US" smtClean="0"/>
+              <a:pPr/>
+              <a:t>1</a:t>
+            </a:fld>
+            <a:endParaRPr lang="en-US" dirty="0"/>
+          </a:p>
+        </p:txBody>
+      </p:sp>
+    </p:spTree>
+    <p:extLst>
+      <p:ext uri="{BB962C8B-B14F-4D97-AF65-F5344CB8AC3E}">
+        <p14:creationId xmlns:p14="http://schemas.microsoft.com/office/powerpoint/2010/main" val="2515836422"/>
+      </p:ext>
+    </p:extLst>
+  </p:cSld>
+  <p:clrMapOvr>
+    <a:masterClrMapping/>
+  </p:clrMapOvr>
+</p:notes>
+</file>
+
+<file path=ppt/notesSlides/notesSlide2.xml><?xml version="1.0" encoding="utf-8"?>
+<p:notes xmlns:a="http://schemas.openxmlformats.org/drawingml/2006/main" xmlns:r="http://schemas.openxmlformats.org/officeDocument/2006/relationships" xmlns:p="http://schemas.openxmlformats.org/presentationml/2006/main">
+  <p:cSld>
+    <p:spTree>
+      <p:nvGrpSpPr>
+        <p:cNvPr id="1" name=""/>
+        <p:cNvGrpSpPr/>
+        <p:nvPr/>
+      </p:nvGrpSpPr>
+      <p:grpSpPr>
+        <a:xfrm>
+          <a:off x="0" y="0"/>
+          <a:ext cx="0" cy="0"/>
+          <a:chOff x="0" y="0"/>
+          <a:chExt cx="0" cy="0"/>
+        </a:xfrm>
+      </p:grpSpPr>
+      <p:sp>
+        <p:nvSpPr>
+          <p:cNvPr id="2" name="Slide Image Placeholder 1"/>
+          <p:cNvSpPr>
+            <a:spLocks noGrp="1" noRot="1" noChangeAspect="1"/>
+          </p:cNvSpPr>
+          <p:nvPr>
+            <p:ph type="sldImg"/>
+          </p:nvPr>
+        </p:nvSpPr>
+        <p:spPr/>
+      </p:sp>
+      <p:sp>
+        <p:nvSpPr>
+          <p:cNvPr id="3" name="Notes Placeholder 2"/>
+          <p:cNvSpPr>
+            <a:spLocks noGrp="1"/>
+          </p:cNvSpPr>
+          <p:nvPr>
+            <p:ph type="body" idx="1"/>
+          </p:nvPr>
+        </p:nvSpPr>
+        <p:spPr/>
+        <p:txBody>
+          <a:bodyPr/>
+          <a:lstStyle/>
+          <a:p>
             <a:pPr marL="0" marR="0" indent="0" algn="l" defTabSz="914400" rtl="0" eaLnBrk="1" fontAlgn="auto" latinLnBrk="0" hangingPunct="1">
               <a:lnSpc>
                 <a:spcPct val="100000"/>
@@ -3313,7 +3398,7 @@
 </p:notes>
 </file>
 
-<file path=ppt/notesSlides/notesSlide2.xml><?xml version="1.0" encoding="utf-8"?>
+<file path=ppt/notesSlides/notesSlide3.xml><?xml version="1.0" encoding="utf-8"?>
 <p:notes xmlns:a="http://schemas.openxmlformats.org/drawingml/2006/main" xmlns:r="http://schemas.openxmlformats.org/officeDocument/2006/relationships" xmlns:p="http://schemas.openxmlformats.org/presentationml/2006/main">
   <p:cSld>
     <p:spTree>
@@ -3512,7 +3597,7 @@
               <a:rPr lang="de-CH" smtClean="0"/>
               <a:t>Slide </a:t>
             </a:r>
-            <a:fld id="{814293EB-8324-4822-93BF-D115C951E99A}" type="slidenum">
+            <a:fld id="{21C1F861-4106-498D-B09C-D989E46852BB}" type="slidenum">
               <a:rPr smtClean="0"/>
               <a:pPr/>
               <a:t>‹#›</a:t>
@@ -3836,7 +3921,7 @@
               <a:rPr lang="de-CH" smtClean="0"/>
               <a:t>Slide </a:t>
             </a:r>
-            <a:fld id="{004F4E99-AE5F-4BEF-86CD-DE14D76A3DD2}" type="slidenum">
+            <a:fld id="{BA15F283-B3D2-4E17-A870-FBBCFBF1FD54}" type="slidenum">
               <a:rPr smtClean="0"/>
               <a:pPr/>
               <a:t>‹#›</a:t>
@@ -4138,7 +4223,7 @@
               <a:rPr lang="de-CH" smtClean="0"/>
               <a:t>Slide </a:t>
             </a:r>
-            <a:fld id="{307AA94A-DBED-48F4-894F-229164342E11}" type="slidenum">
+            <a:fld id="{FE71C13A-9C70-46A9-9200-A1D9D36AA43A}" type="slidenum">
               <a:rPr smtClean="0"/>
               <a:pPr/>
               <a:t>‹#›</a:t>
@@ -4470,7 +4555,7 @@
               <a:rPr lang="de-CH" smtClean="0"/>
               <a:t>Slide </a:t>
             </a:r>
-            <a:fld id="{F9F88798-08D0-4A2C-AABC-8EC60D431370}" type="slidenum">
+            <a:fld id="{D40EE6C1-7006-4E05-A624-2DCABA005D74}" type="slidenum">
               <a:rPr smtClean="0"/>
               <a:pPr/>
               <a:t>‹#›</a:t>
@@ -4804,7 +4889,7 @@
               <a:rPr lang="de-CH" smtClean="0"/>
               <a:t>Slide </a:t>
             </a:r>
-            <a:fld id="{61AD5474-F7FA-46D3-81E4-9DF2C154DBFF}" type="slidenum">
+            <a:fld id="{1AC1C831-782F-4480-A610-416A3ED42F01}" type="slidenum">
               <a:rPr smtClean="0"/>
               <a:pPr/>
               <a:t>‹#›</a:t>
@@ -5234,7 +5319,7 @@
               <a:rPr lang="de-CH" smtClean="0"/>
               <a:t>Slide </a:t>
             </a:r>
-            <a:fld id="{4151FADC-2998-4B83-886E-48A0A87DEEEB}" type="slidenum">
+            <a:fld id="{7ADA5D3E-5B96-4EE3-9516-424DD7382A1F}" type="slidenum">
               <a:rPr smtClean="0"/>
               <a:pPr/>
               <a:t>‹#›</a:t>
@@ -5952,7 +6037,7 @@
               <a:rPr lang="de-CH" smtClean="0"/>
               <a:t>Slide </a:t>
             </a:r>
-            <a:fld id="{A02B7A13-E118-40AF-8CC8-FDE12A9EFAA8}" type="slidenum">
+            <a:fld id="{A462019B-00D7-4A05-B9CC-D2DB6C29D057}" type="slidenum">
               <a:rPr smtClean="0"/>
               <a:pPr/>
               <a:t>‹#›</a:t>
@@ -6258,7 +6343,7 @@
               <a:rPr lang="de-CH" smtClean="0"/>
               <a:t>Slide </a:t>
             </a:r>
-            <a:fld id="{7F3BE8B5-8B9C-4A22-BFB2-0735CED4742E}" type="slidenum">
+            <a:fld id="{FAB99FF4-8BD2-4219-BF19-B3BD0DF5325C}" type="slidenum">
               <a:rPr smtClean="0"/>
               <a:pPr/>
               <a:t>‹#›</a:t>
@@ -6785,7 +6870,7 @@
               <a:rPr lang="de-CH" smtClean="0"/>
               <a:t>Slide </a:t>
             </a:r>
-            <a:fld id="{FF3695AF-1B2B-49EA-ADB3-C5C12D8876EA}" type="slidenum">
+            <a:fld id="{BC5F90F5-F21D-4813-BF02-1130DABA1EBA}" type="slidenum">
               <a:rPr smtClean="0"/>
               <a:pPr/>
               <a:t>‹#›</a:t>
@@ -7183,7 +7268,7 @@
               <a:rPr lang="de-CH" smtClean="0"/>
               <a:t>Slide </a:t>
             </a:r>
-            <a:fld id="{83EA0EFA-FB74-4B97-A800-317CBC48E8F4}" type="slidenum">
+            <a:fld id="{61BF4F47-FDF4-4095-A8CF-8AD23F12302B}" type="slidenum">
               <a:rPr smtClean="0"/>
               <a:pPr/>
               <a:t>‹#›</a:t>
@@ -7413,7 +7498,7 @@
               <a:rPr lang="de-CH" smtClean="0"/>
               <a:t>Slide </a:t>
             </a:r>
-            <a:fld id="{59BF0A48-9CDC-4239-97B8-210A24C51A1E}" type="slidenum">
+            <a:fld id="{143EA16C-059E-48E2-8B33-9913902B6755}" type="slidenum">
               <a:rPr smtClean="0"/>
               <a:pPr/>
               <a:t>‹#›</a:t>
@@ -7691,7 +7776,7 @@
               <a:rPr lang="de-CH" smtClean="0"/>
               <a:t>Slide </a:t>
             </a:r>
-            <a:fld id="{556D83E5-4303-497D-BDC6-2E0C57F1AD61}" type="slidenum">
+            <a:fld id="{347367A0-4E05-4AED-8819-6EFD7984867A}" type="slidenum">
               <a:rPr smtClean="0"/>
               <a:pPr/>
               <a:t>‹#›</a:t>
@@ -8166,7 +8251,7 @@
               <a:rPr lang="de-CH" smtClean="0"/>
               <a:t>Slide </a:t>
             </a:r>
-            <a:fld id="{2BFDD7F9-AD2D-47D7-8A00-98F108E09E1A}" type="slidenum">
+            <a:fld id="{C0D91BE5-71F6-4024-BF8B-3BF8299DE3B3}" type="slidenum">
               <a:rPr lang="de-CH" smtClean="0"/>
               <a:t>1</a:t>
             </a:fld>
@@ -8322,7 +8407,7 @@
               <a:rPr lang="de-CH" smtClean="0"/>
               <a:t>Slide </a:t>
             </a:r>
-            <a:fld id="{E391FFB8-35A4-4C6A-9913-67AA70A80C79}" type="slidenum">
+            <a:fld id="{EA16C1A2-81DC-44E9-9EB7-195F266EA551}" type="slidenum">
               <a:rPr lang="de-CH" smtClean="0"/>
               <a:t>10</a:t>
             </a:fld>
@@ -8961,7 +9046,7 @@
               <a:rPr lang="de-CH" smtClean="0"/>
               <a:t>Slide </a:t>
             </a:r>
-            <a:fld id="{8CC028F7-D2E1-4BE3-9918-4AA2E89CC0CE}" type="slidenum">
+            <a:fld id="{C9A050F2-1FD8-4479-B1B1-371732CEE2BB}" type="slidenum">
               <a:rPr lang="de-CH" smtClean="0"/>
               <a:t>11</a:t>
             </a:fld>
@@ -9195,7 +9280,7 @@
               <a:rPr lang="de-CH" smtClean="0"/>
               <a:t>Slide </a:t>
             </a:r>
-            <a:fld id="{25613985-93DC-4230-A4D1-6BE383DD030C}" type="slidenum">
+            <a:fld id="{05BDE2ED-250A-4211-830A-0E527824D6E1}" type="slidenum">
               <a:rPr lang="de-CH" smtClean="0"/>
               <a:t>12</a:t>
             </a:fld>
@@ -9410,7 +9495,7 @@
               <a:rPr lang="de-CH" smtClean="0"/>
               <a:t>Slide </a:t>
             </a:r>
-            <a:fld id="{B141355B-5153-42AA-9365-F77DDA5589AE}" type="slidenum">
+            <a:fld id="{D015E497-13D5-46E8-8BB3-822BD096B0A8}" type="slidenum">
               <a:rPr lang="de-CH" smtClean="0"/>
               <a:t>13</a:t>
             </a:fld>
@@ -9671,7 +9756,7 @@
               <a:rPr lang="de-CH" smtClean="0"/>
               <a:t>Slide </a:t>
             </a:r>
-            <a:fld id="{A2C91F3A-F247-454C-986E-8D55F06E605E}" type="slidenum">
+            <a:fld id="{9F648D0E-DFE9-4A17-977A-6AB6D3B96CE0}" type="slidenum">
               <a:rPr lang="de-CH" smtClean="0"/>
               <a:t>14</a:t>
             </a:fld>
@@ -10021,7 +10106,7 @@
               <a:rPr lang="de-CH" smtClean="0"/>
               <a:t>Slide </a:t>
             </a:r>
-            <a:fld id="{9DD9E41B-CF98-4CB7-AF48-5A74E43298FB}" type="slidenum">
+            <a:fld id="{667557DB-B73F-4D3D-B378-56412C284EFB}" type="slidenum">
               <a:rPr lang="de-CH" smtClean="0"/>
               <a:t>15</a:t>
             </a:fld>
@@ -10225,7 +10310,7 @@
               <a:rPr lang="de-CH" smtClean="0"/>
               <a:t>Slide </a:t>
             </a:r>
-            <a:fld id="{902B10C0-4C83-4803-BA35-A0F9A99E8CC8}" type="slidenum">
+            <a:fld id="{9D56E2F9-8FF2-4411-B777-E68F50301D48}" type="slidenum">
               <a:rPr lang="de-CH" smtClean="0"/>
               <a:t>16</a:t>
             </a:fld>
@@ -10631,7 +10716,7 @@
               <a:rPr lang="de-CH" smtClean="0"/>
               <a:t>Slide </a:t>
             </a:r>
-            <a:fld id="{3B37F2FD-F4BB-4658-996A-74C4A74F8944}" type="slidenum">
+            <a:fld id="{91D1F67B-5603-4228-B763-42515028C7A1}" type="slidenum">
               <a:rPr lang="de-CH" smtClean="0"/>
               <a:t>17</a:t>
             </a:fld>
@@ -12565,7 +12650,7 @@
               <a:rPr lang="de-CH" smtClean="0"/>
               <a:t>Slide </a:t>
             </a:r>
-            <a:fld id="{57847960-711C-45E5-A7DD-7D6023D63D39}" type="slidenum">
+            <a:fld id="{3EA92558-C07E-4EBA-9CB3-091BD14F14FF}" type="slidenum">
               <a:rPr lang="de-CH" smtClean="0"/>
               <a:t>18</a:t>
             </a:fld>
@@ -14271,7 +14356,7 @@
               <a:rPr lang="de-CH" smtClean="0"/>
               <a:t>Slide </a:t>
             </a:r>
-            <a:fld id="{060952B5-F9A4-46A6-AEF8-C5D3938EBF86}" type="slidenum">
+            <a:fld id="{5E2B1DCE-5075-4039-BF94-779155EA1757}" type="slidenum">
               <a:rPr lang="de-CH" smtClean="0"/>
               <a:t>19</a:t>
             </a:fld>
@@ -14670,7 +14755,7 @@
               <a:rPr lang="de-CH" smtClean="0"/>
               <a:t>Slide </a:t>
             </a:r>
-            <a:fld id="{8A8323CF-A3F6-4D9F-8238-A4E70395D3D6}" type="slidenum">
+            <a:fld id="{8B991AF1-2215-4953-A59F-426618F65CD6}" type="slidenum">
               <a:rPr lang="de-CH" smtClean="0"/>
               <a:t>2</a:t>
             </a:fld>
@@ -16690,7 +16775,7 @@
               <a:rPr lang="de-CH" smtClean="0"/>
               <a:t>Slide </a:t>
             </a:r>
-            <a:fld id="{253F5B39-BD89-4E79-A885-10503A603035}" type="slidenum">
+            <a:fld id="{640CF677-696E-40C9-817B-8E21AB5CAE04}" type="slidenum">
               <a:rPr lang="de-CH" smtClean="0"/>
               <a:t>20</a:t>
             </a:fld>
@@ -17516,7 +17601,7 @@
               <a:rPr lang="de-CH" smtClean="0"/>
               <a:t>Slide </a:t>
             </a:r>
-            <a:fld id="{D70E2002-25D1-4881-AE48-447246BFD9AE}" type="slidenum">
+            <a:fld id="{42BA5F72-15DD-4847-9285-E24C2E95980F}" type="slidenum">
               <a:rPr lang="de-CH" smtClean="0"/>
               <a:t>21</a:t>
             </a:fld>
@@ -17929,7 +18014,7 @@
               <a:rPr lang="de-CH" smtClean="0"/>
               <a:t>Slide </a:t>
             </a:r>
-            <a:fld id="{77450D2C-9B95-4252-84A8-2A353F99B09E}" type="slidenum">
+            <a:fld id="{4093EC64-6984-42BF-9624-99B51C7DB0A8}" type="slidenum">
               <a:rPr lang="de-CH" smtClean="0"/>
               <a:t>22</a:t>
             </a:fld>
@@ -19489,7 +19574,7 @@
               <a:rPr lang="de-CH" smtClean="0"/>
               <a:t>Slide </a:t>
             </a:r>
-            <a:fld id="{2DA1D21E-2024-4B33-BC89-543106C779A6}" type="slidenum">
+            <a:fld id="{4BB0FDB4-6130-45E8-AC55-E9A7B5468848}" type="slidenum">
               <a:rPr lang="de-CH" smtClean="0"/>
               <a:t>23</a:t>
             </a:fld>
@@ -20083,7 +20168,7 @@
               <a:rPr lang="de-CH" smtClean="0"/>
               <a:t>Slide </a:t>
             </a:r>
-            <a:fld id="{FF6CC8F3-EDA1-420D-A1B8-582B26162598}" type="slidenum">
+            <a:fld id="{5B6B9F81-7C89-4C89-BF22-B3F47D99E157}" type="slidenum">
               <a:rPr lang="de-CH" smtClean="0"/>
               <a:t>24</a:t>
             </a:fld>
@@ -21153,7 +21238,7 @@
               <a:rPr lang="de-CH" smtClean="0"/>
               <a:t>Slide </a:t>
             </a:r>
-            <a:fld id="{D2394D2F-6AF5-45DD-9A39-F1F82B5C5C61}" type="slidenum">
+            <a:fld id="{A82FF70A-B849-499D-90AF-B1722D301B4A}" type="slidenum">
               <a:rPr lang="de-CH" smtClean="0"/>
               <a:t>25</a:t>
             </a:fld>
@@ -22989,7 +23074,7 @@
               <a:rPr lang="de-CH" smtClean="0"/>
               <a:t>Slide </a:t>
             </a:r>
-            <a:fld id="{0E2975E7-7806-452A-88FB-A1D9329C9353}" type="slidenum">
+            <a:fld id="{91FBA15C-D714-4185-BB93-69F424381ABF}" type="slidenum">
               <a:rPr lang="de-CH" smtClean="0"/>
               <a:t>26</a:t>
             </a:fld>
@@ -23485,7 +23570,7 @@
               <a:rPr lang="de-CH" smtClean="0"/>
               <a:t>Slide </a:t>
             </a:r>
-            <a:fld id="{64BFDD5E-13B0-4492-A815-06F94206A79A}" type="slidenum">
+            <a:fld id="{8E560011-70EC-4C5C-8004-DD913C56FEE8}" type="slidenum">
               <a:rPr lang="de-CH" smtClean="0"/>
               <a:t>27</a:t>
             </a:fld>
@@ -25057,7 +25142,7 @@
               <a:rPr lang="de-CH" smtClean="0"/>
               <a:t>Slide </a:t>
             </a:r>
-            <a:fld id="{1EC2154E-636F-4232-8E71-C33B673CC55D}" type="slidenum">
+            <a:fld id="{5F495CA5-575E-4B72-AC84-7916ECDE657F}" type="slidenum">
               <a:rPr lang="de-CH" smtClean="0"/>
               <a:t>28</a:t>
             </a:fld>
@@ -26613,7 +26698,7 @@
               <a:rPr lang="de-CH" smtClean="0"/>
               <a:t>Slide </a:t>
             </a:r>
-            <a:fld id="{C2D8F11C-6A06-4E8C-872C-7D58DF5D3DF3}" type="slidenum">
+            <a:fld id="{64DE4727-FDE6-447D-A082-DC48AE257680}" type="slidenum">
               <a:rPr lang="de-CH" smtClean="0"/>
               <a:t>29</a:t>
             </a:fld>
@@ -26865,7 +26950,7 @@
               <a:rPr lang="de-CH" smtClean="0"/>
               <a:t>Slide </a:t>
             </a:r>
-            <a:fld id="{9DD5C29F-951E-4FB3-B8FF-5A7F647F1B8E}" type="slidenum">
+            <a:fld id="{3547ED0C-C57C-49AB-89F6-426B76214858}" type="slidenum">
               <a:rPr lang="de-CH" smtClean="0"/>
               <a:t>3</a:t>
             </a:fld>
@@ -27826,7 +27911,7 @@
               <a:rPr lang="de-CH" smtClean="0"/>
               <a:t>Slide </a:t>
             </a:r>
-            <a:fld id="{7FF47CED-D8A7-4FA3-83C5-95CDE0B20DF7}" type="slidenum">
+            <a:fld id="{CE1BA00F-6C13-4677-ACD8-1F2ED07E0A87}" type="slidenum">
               <a:rPr lang="de-CH" smtClean="0"/>
               <a:t>30</a:t>
             </a:fld>
@@ -28258,7 +28343,7 @@
               <a:rPr lang="de-CH" smtClean="0"/>
               <a:t>Slide </a:t>
             </a:r>
-            <a:fld id="{D0FE2D36-418F-4266-BFEB-EDF4B11EB58E}" type="slidenum">
+            <a:fld id="{47D84A14-52D1-47E4-B74B-5F2F92F48F5F}" type="slidenum">
               <a:rPr lang="de-CH" smtClean="0"/>
               <a:t>31</a:t>
             </a:fld>
@@ -28582,7 +28667,7 @@
               <a:rPr lang="de-CH" smtClean="0"/>
               <a:t>Slide </a:t>
             </a:r>
-            <a:fld id="{6B3094B7-DE3B-4B1C-98AF-72AD49FD20F4}" type="slidenum">
+            <a:fld id="{64B248A4-56D3-439E-A840-8DE728065B8D}" type="slidenum">
               <a:rPr lang="de-CH" smtClean="0"/>
               <a:t>32</a:t>
             </a:fld>
@@ -28774,7 +28859,7 @@
               <a:rPr lang="de-CH" smtClean="0"/>
               <a:t>Slide </a:t>
             </a:r>
-            <a:fld id="{CA359864-73DE-4348-BE03-9EA6C5D58EA2}" type="slidenum">
+            <a:fld id="{406AB17F-EBB4-4798-9D6D-B27CAF8078E5}" type="slidenum">
               <a:rPr lang="de-CH" smtClean="0"/>
               <a:t>33</a:t>
             </a:fld>
@@ -29049,7 +29134,7 @@
               <a:rPr lang="de-CH" smtClean="0"/>
               <a:t>Slide </a:t>
             </a:r>
-            <a:fld id="{86A89ADE-4219-4E87-A9C7-FD159BB5C229}" type="slidenum">
+            <a:fld id="{A6323A85-2F9A-4FC6-9D8A-3834F67D14DE}" type="slidenum">
               <a:rPr lang="de-CH" smtClean="0"/>
               <a:t>34</a:t>
             </a:fld>
@@ -29205,7 +29290,7 @@
               <a:rPr lang="de-CH" smtClean="0"/>
               <a:t>Slide </a:t>
             </a:r>
-            <a:fld id="{7587FE69-9C0C-4E4F-8C8E-4565A2BBE66C}" type="slidenum">
+            <a:fld id="{2D078C67-222A-4E45-A716-B530D290A8D3}" type="slidenum">
               <a:rPr lang="de-CH" smtClean="0"/>
               <a:t>35</a:t>
             </a:fld>
@@ -30369,7 +30454,7 @@
               <a:rPr lang="de-CH" smtClean="0"/>
               <a:t>Slide </a:t>
             </a:r>
-            <a:fld id="{35E1499A-B5E1-4F73-A487-3A3BFEF463C6}" type="slidenum">
+            <a:fld id="{702CBB4A-A9F8-4258-A5E4-42533BF0EA83}" type="slidenum">
               <a:rPr lang="de-CH" smtClean="0"/>
               <a:t>36</a:t>
             </a:fld>
@@ -31048,7 +31133,7 @@
               <a:rPr lang="de-CH" smtClean="0"/>
               <a:t>Slide </a:t>
             </a:r>
-            <a:fld id="{A329E7C9-B868-4DE0-AFDA-30FDED9391DD}" type="slidenum">
+            <a:fld id="{1A0C4802-F2FB-4054-BC35-2C21B2FAF831}" type="slidenum">
               <a:rPr lang="de-CH" smtClean="0"/>
               <a:t>37</a:t>
             </a:fld>
@@ -32129,7 +32214,7 @@
               <a:rPr lang="de-CH" smtClean="0"/>
               <a:t>Slide </a:t>
             </a:r>
-            <a:fld id="{F457DE7D-8B1F-48E1-AB65-B55DD400F4EA}" type="slidenum">
+            <a:fld id="{61616E89-24FF-427F-AA3E-893155C0FFD8}" type="slidenum">
               <a:rPr lang="de-CH" smtClean="0"/>
               <a:t>38</a:t>
             </a:fld>
@@ -32945,7 +33030,7 @@
               <a:rPr lang="de-CH" smtClean="0"/>
               <a:t>Slide </a:t>
             </a:r>
-            <a:fld id="{2CE0DE15-0A74-478C-B853-1BB95F589310}" type="slidenum">
+            <a:fld id="{5ED7101B-67FB-4263-858F-7AEAD0922BBC}" type="slidenum">
               <a:rPr lang="de-CH" smtClean="0"/>
               <a:t>39</a:t>
             </a:fld>
@@ -34561,7 +34646,7 @@
               <a:rPr lang="de-CH" smtClean="0"/>
               <a:t>Slide </a:t>
             </a:r>
-            <a:fld id="{B9A3157B-10F8-4464-97F0-0B20594DDCFC}" type="slidenum">
+            <a:fld id="{BDA54399-573C-4AF9-831F-F7DD476E9E76}" type="slidenum">
               <a:rPr lang="de-CH" smtClean="0"/>
               <a:t>4</a:t>
             </a:fld>
@@ -35504,7 +35589,7 @@
               <a:rPr lang="de-CH" smtClean="0"/>
               <a:t>Slide </a:t>
             </a:r>
-            <a:fld id="{088D3BE6-36B7-4EFD-905A-5644E1AFDD97}" type="slidenum">
+            <a:fld id="{BCBDAC83-E626-4410-B10D-D5C0CE034A25}" type="slidenum">
               <a:rPr lang="de-CH" smtClean="0"/>
               <a:t>40</a:t>
             </a:fld>
@@ -36031,7 +36116,7 @@
               <a:rPr lang="de-CH" smtClean="0"/>
               <a:t>Slide </a:t>
             </a:r>
-            <a:fld id="{6F20966C-4BB3-4CD7-97AF-CCEABA802673}" type="slidenum">
+            <a:fld id="{38040F36-D180-400C-B4F8-D07F1061B495}" type="slidenum">
               <a:rPr lang="de-CH" smtClean="0"/>
               <a:t>41</a:t>
             </a:fld>
@@ -36247,7 +36332,7 @@
               <a:rPr lang="de-CH" smtClean="0"/>
               <a:t>Slide </a:t>
             </a:r>
-            <a:fld id="{9765647D-9577-4A52-AF72-12C7B0EEF6EC}" type="slidenum">
+            <a:fld id="{59C2FE63-81CE-4202-9035-CEA7FF54B2B0}" type="slidenum">
               <a:rPr lang="de-CH" smtClean="0"/>
               <a:t>42</a:t>
             </a:fld>
@@ -36396,7 +36481,7 @@
               <a:rPr lang="de-CH" smtClean="0"/>
               <a:t>Slide </a:t>
             </a:r>
-            <a:fld id="{B1617B67-CF4D-456B-943B-100680BED0D6}" type="slidenum">
+            <a:fld id="{E233D571-45EF-44A5-9D76-668B5042543B}" type="slidenum">
               <a:rPr lang="de-CH" smtClean="0"/>
               <a:t>43</a:t>
             </a:fld>
@@ -36920,7 +37005,7 @@
               <a:rPr lang="de-CH" smtClean="0"/>
               <a:t>Slide </a:t>
             </a:r>
-            <a:fld id="{5FC49E90-63C4-4943-9F7A-8452AC6898F1}" type="slidenum">
+            <a:fld id="{4047F0DB-9E39-4FFA-BAF2-E7296A7FBDC0}" type="slidenum">
               <a:rPr lang="de-CH" smtClean="0"/>
               <a:t>44</a:t>
             </a:fld>
@@ -36986,10 +37071,6 @@
               </a:rPr>
               <a:t>aax/zdays-fp-patterns</a:t>
             </a:r>
-            <a:endParaRPr lang="en-GB" sz="2400" b="1" dirty="0">
-              <a:latin typeface="Consolas" panose="020B0609020204030204" pitchFamily="49" charset="0"/>
-              <a:cs typeface="Consolas" panose="020B0609020204030204" pitchFamily="49" charset="0"/>
-            </a:endParaRPr>
           </a:p>
         </p:txBody>
       </p:sp>
@@ -37163,7 +37244,7 @@
               <a:rPr lang="de-CH" smtClean="0"/>
               <a:t>Slide </a:t>
             </a:r>
-            <a:fld id="{388CB042-EACA-4A75-94C4-49E85B02BBEA}" type="slidenum">
+            <a:fld id="{3F923887-5B61-4115-9829-616AFB329DE2}" type="slidenum">
               <a:rPr lang="de-CH" smtClean="0"/>
               <a:t>45</a:t>
             </a:fld>
@@ -37397,7 +37478,7 @@
               <a:rPr lang="de-CH" smtClean="0"/>
               <a:t>Slide </a:t>
             </a:r>
-            <a:fld id="{976E63F7-2AD2-4CD0-8A95-8E9414683BE7}" type="slidenum">
+            <a:fld id="{42115482-F811-4BC0-8E24-339377E2A1BF}" type="slidenum">
               <a:rPr lang="de-CH" smtClean="0"/>
               <a:t>5</a:t>
             </a:fld>
@@ -37677,7 +37758,7 @@
               <a:rPr lang="de-CH" smtClean="0"/>
               <a:t>Slide </a:t>
             </a:r>
-            <a:fld id="{DC9E5B2B-8EE2-4787-B7AE-3C37FB81BC88}" type="slidenum">
+            <a:fld id="{FBC9E239-F25C-4297-85FC-D6778F503A2E}" type="slidenum">
               <a:rPr lang="de-CH" smtClean="0"/>
               <a:t>6</a:t>
             </a:fld>
@@ -37869,7 +37950,7 @@
               <a:rPr lang="de-CH" smtClean="0"/>
               <a:t>Slide </a:t>
             </a:r>
-            <a:fld id="{E2DDDDC5-E78E-4B62-841F-D6AF0C0BBE7F}" type="slidenum">
+            <a:fld id="{D4745933-C77E-40D8-80C0-264430929946}" type="slidenum">
               <a:rPr lang="de-CH" smtClean="0"/>
               <a:t>7</a:t>
             </a:fld>
@@ -37956,10 +38037,45 @@
           <a:bodyPr/>
           <a:lstStyle/>
           <a:p>
+            <a:pPr marL="0" lvl="1" indent="0" algn="ctr">
+              <a:buClrTx/>
+              <a:buSzTx/>
+              <a:buNone/>
+            </a:pPr>
+            <a:r>
+              <a:rPr lang="en-GB" i="1" dirty="0"/>
+              <a:t>FP gurus claim they write side effect free programs</a:t>
+            </a:r>
+            <a:r>
+              <a:rPr lang="en-GB" i="1"/>
+              <a:t>. </a:t>
+            </a:r>
+            <a:endParaRPr lang="en-GB" i="1" smtClean="0"/>
+          </a:p>
+          <a:p>
+            <a:pPr marL="0" lvl="1" indent="0" algn="ctr">
+              <a:buClrTx/>
+              <a:buSzTx/>
+              <a:buNone/>
+            </a:pPr>
+            <a:r>
+              <a:rPr lang="en-GB" i="1" smtClean="0"/>
+              <a:t>How </a:t>
+            </a:r>
+            <a:r>
+              <a:rPr lang="en-GB" i="1" dirty="0"/>
+              <a:t>is that possible? Is it at all? Why would that be desirable?</a:t>
+            </a:r>
+          </a:p>
+          <a:p>
+            <a:endParaRPr lang="en-GB" dirty="0"/>
+          </a:p>
+          <a:p>
             <a:r>
               <a:rPr lang="en-GB" dirty="0" smtClean="0"/>
-              <a:t>Definition</a:t>
-            </a:r>
+              <a:t>Definition: Pure Functions</a:t>
+            </a:r>
+            <a:endParaRPr lang="en-GB" dirty="0" smtClean="0"/>
           </a:p>
           <a:p>
             <a:pPr marL="342900" indent="-342900">
@@ -38008,19 +38124,11 @@
             </a:pPr>
             <a:r>
               <a:rPr lang="en-GB" dirty="0"/>
-              <a:t>An invocation of a pure function can always be replaced with its return value</a:t>
-            </a:r>
-          </a:p>
-          <a:p>
-            <a:endParaRPr lang="en-GB" dirty="0" smtClean="0"/>
-          </a:p>
-          <a:p>
-            <a:pPr lvl="1" indent="0">
-              <a:buNone/>
-            </a:pPr>
+              <a:t>An invocation of a pure function can always be replaced with its return </a:t>
+            </a:r>
             <a:r>
               <a:rPr lang="en-GB" dirty="0" smtClean="0"/>
-              <a:t>FP gurus claim they write side effect free programs. How is that possible? Is it at all? Why would that be desirable?</a:t>
+              <a:t>value</a:t>
             </a:r>
             <a:endParaRPr lang="en-GB" dirty="0"/>
           </a:p>
@@ -38091,7 +38199,7 @@
               <a:rPr lang="de-CH" smtClean="0"/>
               <a:t>Slide </a:t>
             </a:r>
-            <a:fld id="{83E630D2-88C4-41D6-BABC-2DC89992C38A}" type="slidenum">
+            <a:fld id="{7EFF3FA4-C2E0-4C88-81C3-444C62F510B6}" type="slidenum">
               <a:rPr lang="de-CH" smtClean="0"/>
               <a:t>8</a:t>
             </a:fld>
@@ -38270,7 +38378,7 @@
               <a:rPr lang="de-CH" smtClean="0"/>
               <a:t>Slide </a:t>
             </a:r>
-            <a:fld id="{955C38E2-7C2C-4D20-99A4-A215A939CC80}" type="slidenum">
+            <a:fld id="{E3F81DC9-F3B4-4958-90D0-F8852A204782}" type="slidenum">
               <a:rPr lang="de-CH" smtClean="0"/>
               <a:t>9</a:t>
             </a:fld>

--- a/Functional Design Patterns for OO Practitioners.pptx
+++ b/Functional Design Patterns for OO Practitioners.pptx
@@ -1334,6 +1334,427 @@
       <dsp:cNvGrpSpPr/>
     </dsp:nvGrpSpPr>
     <dsp:grpSpPr/>
+    <dsp:sp modelId="{7159C691-860A-4D9C-AE25-CCDC36A991BF}">
+      <dsp:nvSpPr>
+        <dsp:cNvPr id="0" name=""/>
+        <dsp:cNvSpPr/>
+      </dsp:nvSpPr>
+      <dsp:spPr>
+        <a:xfrm>
+          <a:off x="1995785" y="360043"/>
+          <a:ext cx="2104429" cy="1052214"/>
+        </a:xfrm>
+        <a:prstGeom prst="roundRect">
+          <a:avLst>
+            <a:gd name="adj" fmla="val 10000"/>
+          </a:avLst>
+        </a:prstGeom>
+        <a:solidFill>
+          <a:srgbClr val="00B0F0"/>
+        </a:solidFill>
+        <a:ln>
+          <a:noFill/>
+        </a:ln>
+        <a:effectLst/>
+        <a:sp3d extrusionH="381000" contourW="38100" prstMaterial="matte">
+          <a:contourClr>
+            <a:schemeClr val="lt1"/>
+          </a:contourClr>
+        </a:sp3d>
+      </dsp:spPr>
+      <dsp:style>
+        <a:lnRef idx="0">
+          <a:scrgbClr r="0" g="0" b="0"/>
+        </a:lnRef>
+        <a:fillRef idx="1">
+          <a:scrgbClr r="0" g="0" b="0"/>
+        </a:fillRef>
+        <a:effectRef idx="0">
+          <a:scrgbClr r="0" g="0" b="0"/>
+        </a:effectRef>
+        <a:fontRef idx="minor">
+          <a:schemeClr val="lt1"/>
+        </a:fontRef>
+      </dsp:style>
+      <dsp:txBody>
+        <a:bodyPr spcFirstLastPara="0" vert="horz" wrap="square" lIns="99060" tIns="99060" rIns="99060" bIns="99060" numCol="1" spcCol="1270" anchor="ctr" anchorCtr="0">
+          <a:noAutofit/>
+        </a:bodyPr>
+        <a:lstStyle/>
+        <a:p>
+          <a:pPr lvl="0" algn="ctr" defTabSz="1155700">
+            <a:lnSpc>
+              <a:spcPct val="90000"/>
+            </a:lnSpc>
+            <a:spcBef>
+              <a:spcPct val="0"/>
+            </a:spcBef>
+            <a:spcAft>
+              <a:spcPct val="35000"/>
+            </a:spcAft>
+          </a:pPr>
+          <a:r>
+            <a:rPr lang="en-GB" sz="2600" kern="1200" dirty="0" smtClean="0"/>
+            <a:t>Pure Functions</a:t>
+          </a:r>
+          <a:endParaRPr lang="en-GB" sz="2600" kern="1200" dirty="0"/>
+        </a:p>
+      </dsp:txBody>
+      <dsp:txXfrm>
+        <a:off x="2026603" y="390861"/>
+        <a:ext cx="2042793" cy="990578"/>
+      </dsp:txXfrm>
+    </dsp:sp>
+    <dsp:sp modelId="{BF744900-CDE5-4D5A-9709-AFA782F2725C}">
+      <dsp:nvSpPr>
+        <dsp:cNvPr id="0" name=""/>
+        <dsp:cNvSpPr/>
+      </dsp:nvSpPr>
+      <dsp:spPr>
+        <a:xfrm rot="3181267">
+          <a:off x="3351629" y="2027277"/>
+          <a:ext cx="1388526" cy="368275"/>
+        </a:xfrm>
+        <a:prstGeom prst="leftRightArrow">
+          <a:avLst>
+            <a:gd name="adj1" fmla="val 60000"/>
+            <a:gd name="adj2" fmla="val 50000"/>
+          </a:avLst>
+        </a:prstGeom>
+        <a:solidFill>
+          <a:srgbClr val="00B0F0"/>
+        </a:solidFill>
+        <a:ln>
+          <a:noFill/>
+        </a:ln>
+        <a:effectLst/>
+        <a:sp3d z="-52400" extrusionH="181000" contourW="38100" prstMaterial="matte">
+          <a:contourClr>
+            <a:schemeClr val="lt1"/>
+          </a:contourClr>
+        </a:sp3d>
+      </dsp:spPr>
+      <dsp:style>
+        <a:lnRef idx="0">
+          <a:scrgbClr r="0" g="0" b="0"/>
+        </a:lnRef>
+        <a:fillRef idx="1">
+          <a:scrgbClr r="0" g="0" b="0"/>
+        </a:fillRef>
+        <a:effectRef idx="0">
+          <a:scrgbClr r="0" g="0" b="0"/>
+        </a:effectRef>
+        <a:fontRef idx="minor">
+          <a:schemeClr val="lt1"/>
+        </a:fontRef>
+      </dsp:style>
+      <dsp:txBody>
+        <a:bodyPr spcFirstLastPara="0" vert="horz" wrap="square" lIns="0" tIns="0" rIns="0" bIns="0" numCol="1" spcCol="1270" anchor="ctr" anchorCtr="0">
+          <a:noAutofit/>
+        </a:bodyPr>
+        <a:lstStyle/>
+        <a:p>
+          <a:pPr lvl="0" algn="ctr" defTabSz="666750">
+            <a:lnSpc>
+              <a:spcPct val="90000"/>
+            </a:lnSpc>
+            <a:spcBef>
+              <a:spcPct val="0"/>
+            </a:spcBef>
+            <a:spcAft>
+              <a:spcPct val="35000"/>
+            </a:spcAft>
+          </a:pPr>
+          <a:endParaRPr lang="en-GB" sz="1500" kern="1200"/>
+        </a:p>
+      </dsp:txBody>
+      <dsp:txXfrm>
+        <a:off x="3462112" y="2100932"/>
+        <a:ext cx="1167561" cy="220965"/>
+      </dsp:txXfrm>
+    </dsp:sp>
+    <dsp:sp modelId="{7698213F-A1D5-44DE-B22F-355281BB4C2C}">
+      <dsp:nvSpPr>
+        <dsp:cNvPr id="0" name=""/>
+        <dsp:cNvSpPr/>
+      </dsp:nvSpPr>
+      <dsp:spPr>
+        <a:xfrm>
+          <a:off x="3991570" y="3010572"/>
+          <a:ext cx="2104429" cy="1052214"/>
+        </a:xfrm>
+        <a:prstGeom prst="roundRect">
+          <a:avLst>
+            <a:gd name="adj" fmla="val 10000"/>
+          </a:avLst>
+        </a:prstGeom>
+        <a:solidFill>
+          <a:srgbClr val="00B050"/>
+        </a:solidFill>
+        <a:ln>
+          <a:noFill/>
+        </a:ln>
+        <a:effectLst/>
+        <a:sp3d extrusionH="381000" contourW="38100" prstMaterial="matte">
+          <a:contourClr>
+            <a:schemeClr val="lt1"/>
+          </a:contourClr>
+        </a:sp3d>
+      </dsp:spPr>
+      <dsp:style>
+        <a:lnRef idx="0">
+          <a:scrgbClr r="0" g="0" b="0"/>
+        </a:lnRef>
+        <a:fillRef idx="1">
+          <a:scrgbClr r="0" g="0" b="0"/>
+        </a:fillRef>
+        <a:effectRef idx="0">
+          <a:scrgbClr r="0" g="0" b="0"/>
+        </a:effectRef>
+        <a:fontRef idx="minor">
+          <a:schemeClr val="lt1"/>
+        </a:fontRef>
+      </dsp:style>
+      <dsp:txBody>
+        <a:bodyPr spcFirstLastPara="0" vert="horz" wrap="square" lIns="99060" tIns="99060" rIns="99060" bIns="99060" numCol="1" spcCol="1270" anchor="ctr" anchorCtr="0">
+          <a:noAutofit/>
+        </a:bodyPr>
+        <a:lstStyle/>
+        <a:p>
+          <a:pPr lvl="0" algn="ctr" defTabSz="1155700">
+            <a:lnSpc>
+              <a:spcPct val="90000"/>
+            </a:lnSpc>
+            <a:spcBef>
+              <a:spcPct val="0"/>
+            </a:spcBef>
+            <a:spcAft>
+              <a:spcPct val="35000"/>
+            </a:spcAft>
+          </a:pPr>
+          <a:r>
+            <a:rPr lang="en-GB" sz="2600" kern="1200" dirty="0" smtClean="0"/>
+            <a:t>Immutability</a:t>
+          </a:r>
+          <a:endParaRPr lang="en-GB" sz="2600" kern="1200" dirty="0"/>
+        </a:p>
+      </dsp:txBody>
+      <dsp:txXfrm>
+        <a:off x="4022388" y="3041390"/>
+        <a:ext cx="2042793" cy="990578"/>
+      </dsp:txXfrm>
+    </dsp:sp>
+    <dsp:sp modelId="{0DD0BB7F-6B11-4693-AA9C-D4A2168B2D4B}">
+      <dsp:nvSpPr>
+        <dsp:cNvPr id="0" name=""/>
+        <dsp:cNvSpPr/>
+      </dsp:nvSpPr>
+      <dsp:spPr>
+        <a:xfrm rot="10799984">
+          <a:off x="2429477" y="3352550"/>
+          <a:ext cx="1388526" cy="368275"/>
+        </a:xfrm>
+        <a:prstGeom prst="leftRightArrow">
+          <a:avLst>
+            <a:gd name="adj1" fmla="val 60000"/>
+            <a:gd name="adj2" fmla="val 50000"/>
+          </a:avLst>
+        </a:prstGeom>
+        <a:solidFill>
+          <a:srgbClr val="00B050"/>
+        </a:solidFill>
+        <a:ln>
+          <a:noFill/>
+        </a:ln>
+        <a:effectLst/>
+        <a:sp3d z="-52400" extrusionH="181000" contourW="38100" prstMaterial="matte">
+          <a:contourClr>
+            <a:schemeClr val="lt1"/>
+          </a:contourClr>
+        </a:sp3d>
+      </dsp:spPr>
+      <dsp:style>
+        <a:lnRef idx="0">
+          <a:scrgbClr r="0" g="0" b="0"/>
+        </a:lnRef>
+        <a:fillRef idx="1">
+          <a:scrgbClr r="0" g="0" b="0"/>
+        </a:fillRef>
+        <a:effectRef idx="0">
+          <a:scrgbClr r="0" g="0" b="0"/>
+        </a:effectRef>
+        <a:fontRef idx="minor">
+          <a:schemeClr val="lt1"/>
+        </a:fontRef>
+      </dsp:style>
+      <dsp:txBody>
+        <a:bodyPr spcFirstLastPara="0" vert="horz" wrap="square" lIns="0" tIns="0" rIns="0" bIns="0" numCol="1" spcCol="1270" anchor="ctr" anchorCtr="0">
+          <a:noAutofit/>
+        </a:bodyPr>
+        <a:lstStyle/>
+        <a:p>
+          <a:pPr lvl="0" algn="ctr" defTabSz="666750">
+            <a:lnSpc>
+              <a:spcPct val="90000"/>
+            </a:lnSpc>
+            <a:spcBef>
+              <a:spcPct val="0"/>
+            </a:spcBef>
+            <a:spcAft>
+              <a:spcPct val="35000"/>
+            </a:spcAft>
+          </a:pPr>
+          <a:endParaRPr lang="en-GB" sz="1500" kern="1200"/>
+        </a:p>
+      </dsp:txBody>
+      <dsp:txXfrm rot="10800000">
+        <a:off x="2539959" y="3426205"/>
+        <a:ext cx="1167561" cy="220965"/>
+      </dsp:txXfrm>
+    </dsp:sp>
+    <dsp:sp modelId="{630B207D-9744-4681-AF68-329F4D5D414A}">
+      <dsp:nvSpPr>
+        <dsp:cNvPr id="0" name=""/>
+        <dsp:cNvSpPr/>
+      </dsp:nvSpPr>
+      <dsp:spPr>
+        <a:xfrm>
+          <a:off x="151481" y="3010589"/>
+          <a:ext cx="2104429" cy="1052214"/>
+        </a:xfrm>
+        <a:prstGeom prst="roundRect">
+          <a:avLst>
+            <a:gd name="adj" fmla="val 10000"/>
+          </a:avLst>
+        </a:prstGeom>
+        <a:solidFill>
+          <a:schemeClr val="accent6">
+            <a:lumMod val="75000"/>
+          </a:schemeClr>
+        </a:solidFill>
+        <a:ln>
+          <a:noFill/>
+        </a:ln>
+        <a:effectLst/>
+        <a:sp3d extrusionH="381000" contourW="38100" prstMaterial="matte">
+          <a:contourClr>
+            <a:schemeClr val="lt1"/>
+          </a:contourClr>
+        </a:sp3d>
+      </dsp:spPr>
+      <dsp:style>
+        <a:lnRef idx="0">
+          <a:scrgbClr r="0" g="0" b="0"/>
+        </a:lnRef>
+        <a:fillRef idx="1">
+          <a:scrgbClr r="0" g="0" b="0"/>
+        </a:fillRef>
+        <a:effectRef idx="0">
+          <a:scrgbClr r="0" g="0" b="0"/>
+        </a:effectRef>
+        <a:fontRef idx="minor">
+          <a:schemeClr val="lt1"/>
+        </a:fontRef>
+      </dsp:style>
+      <dsp:txBody>
+        <a:bodyPr spcFirstLastPara="0" vert="horz" wrap="square" lIns="99060" tIns="99060" rIns="99060" bIns="99060" numCol="1" spcCol="1270" anchor="ctr" anchorCtr="0">
+          <a:noAutofit/>
+        </a:bodyPr>
+        <a:lstStyle/>
+        <a:p>
+          <a:pPr lvl="0" algn="ctr" defTabSz="1155700">
+            <a:lnSpc>
+              <a:spcPct val="90000"/>
+            </a:lnSpc>
+            <a:spcBef>
+              <a:spcPct val="0"/>
+            </a:spcBef>
+            <a:spcAft>
+              <a:spcPct val="35000"/>
+            </a:spcAft>
+          </a:pPr>
+          <a:r>
+            <a:rPr lang="en-GB" sz="2600" kern="1200" dirty="0" smtClean="0"/>
+            <a:t>Higher-Order Functions</a:t>
+          </a:r>
+          <a:endParaRPr lang="en-GB" sz="2600" kern="1200" dirty="0"/>
+        </a:p>
+      </dsp:txBody>
+      <dsp:txXfrm>
+        <a:off x="182299" y="3041407"/>
+        <a:ext cx="2042793" cy="990578"/>
+      </dsp:txXfrm>
+    </dsp:sp>
+    <dsp:sp modelId="{394D58C0-A685-4129-AA54-53CBE01AB18B}">
+      <dsp:nvSpPr>
+        <dsp:cNvPr id="0" name=""/>
+        <dsp:cNvSpPr/>
+      </dsp:nvSpPr>
+      <dsp:spPr>
+        <a:xfrm rot="18289858">
+          <a:off x="1431584" y="2027286"/>
+          <a:ext cx="1388526" cy="368275"/>
+        </a:xfrm>
+        <a:prstGeom prst="leftRightArrow">
+          <a:avLst>
+            <a:gd name="adj1" fmla="val 60000"/>
+            <a:gd name="adj2" fmla="val 50000"/>
+          </a:avLst>
+        </a:prstGeom>
+        <a:solidFill>
+          <a:schemeClr val="accent6">
+            <a:lumMod val="75000"/>
+          </a:schemeClr>
+        </a:solidFill>
+        <a:ln>
+          <a:noFill/>
+        </a:ln>
+        <a:effectLst/>
+        <a:sp3d z="-52400" extrusionH="181000" contourW="38100" prstMaterial="matte">
+          <a:contourClr>
+            <a:schemeClr val="lt1"/>
+          </a:contourClr>
+        </a:sp3d>
+      </dsp:spPr>
+      <dsp:style>
+        <a:lnRef idx="0">
+          <a:scrgbClr r="0" g="0" b="0"/>
+        </a:lnRef>
+        <a:fillRef idx="1">
+          <a:scrgbClr r="0" g="0" b="0"/>
+        </a:fillRef>
+        <a:effectRef idx="0">
+          <a:scrgbClr r="0" g="0" b="0"/>
+        </a:effectRef>
+        <a:fontRef idx="minor">
+          <a:schemeClr val="lt1"/>
+        </a:fontRef>
+      </dsp:style>
+      <dsp:txBody>
+        <a:bodyPr spcFirstLastPara="0" vert="horz" wrap="square" lIns="0" tIns="0" rIns="0" bIns="0" numCol="1" spcCol="1270" anchor="ctr" anchorCtr="0">
+          <a:noAutofit/>
+        </a:bodyPr>
+        <a:lstStyle/>
+        <a:p>
+          <a:pPr lvl="0" algn="ctr" defTabSz="666750">
+            <a:lnSpc>
+              <a:spcPct val="90000"/>
+            </a:lnSpc>
+            <a:spcBef>
+              <a:spcPct val="0"/>
+            </a:spcBef>
+            <a:spcAft>
+              <a:spcPct val="35000"/>
+            </a:spcAft>
+          </a:pPr>
+          <a:endParaRPr lang="en-GB" sz="1500" kern="1200"/>
+        </a:p>
+      </dsp:txBody>
+      <dsp:txXfrm>
+        <a:off x="1542067" y="2100941"/>
+        <a:ext cx="1167561" cy="220965"/>
+      </dsp:txXfrm>
+    </dsp:sp>
   </dsp:spTree>
 </dsp:drawing>
 </file>
@@ -38043,14 +38464,18 @@
               <a:buNone/>
             </a:pPr>
             <a:r>
+              <a:rPr lang="en-GB" i="1"/>
+              <a:t>FP </a:t>
+            </a:r>
+            <a:r>
+              <a:rPr lang="en-GB" i="1" smtClean="0"/>
+              <a:t>practitioners claim </a:t>
+            </a:r>
+            <a:r>
               <a:rPr lang="en-GB" i="1" dirty="0"/>
-              <a:t>FP gurus claim they write side effect free programs</a:t>
-            </a:r>
-            <a:r>
-              <a:rPr lang="en-GB" i="1"/>
-              <a:t>. </a:t>
-            </a:r>
-            <a:endParaRPr lang="en-GB" i="1" smtClean="0"/>
+              <a:t>they write side effect free programs. </a:t>
+            </a:r>
+            <a:endParaRPr lang="en-GB" i="1" dirty="0" smtClean="0"/>
           </a:p>
           <a:p>
             <a:pPr marL="0" lvl="1" indent="0" algn="ctr">
@@ -38059,7 +38484,7 @@
               <a:buNone/>
             </a:pPr>
             <a:r>
-              <a:rPr lang="en-GB" i="1" smtClean="0"/>
+              <a:rPr lang="en-GB" i="1" dirty="0" smtClean="0"/>
               <a:t>How </a:t>
             </a:r>
             <a:r>

--- a/Functional Design Patterns for OO Practitioners.pptx
+++ b/Functional Design Patterns for OO Practitioners.pptx
@@ -1334,427 +1334,6 @@
       <dsp:cNvGrpSpPr/>
     </dsp:nvGrpSpPr>
     <dsp:grpSpPr/>
-    <dsp:sp modelId="{7159C691-860A-4D9C-AE25-CCDC36A991BF}">
-      <dsp:nvSpPr>
-        <dsp:cNvPr id="0" name=""/>
-        <dsp:cNvSpPr/>
-      </dsp:nvSpPr>
-      <dsp:spPr>
-        <a:xfrm>
-          <a:off x="1995785" y="360043"/>
-          <a:ext cx="2104429" cy="1052214"/>
-        </a:xfrm>
-        <a:prstGeom prst="roundRect">
-          <a:avLst>
-            <a:gd name="adj" fmla="val 10000"/>
-          </a:avLst>
-        </a:prstGeom>
-        <a:solidFill>
-          <a:srgbClr val="00B0F0"/>
-        </a:solidFill>
-        <a:ln>
-          <a:noFill/>
-        </a:ln>
-        <a:effectLst/>
-        <a:sp3d extrusionH="381000" contourW="38100" prstMaterial="matte">
-          <a:contourClr>
-            <a:schemeClr val="lt1"/>
-          </a:contourClr>
-        </a:sp3d>
-      </dsp:spPr>
-      <dsp:style>
-        <a:lnRef idx="0">
-          <a:scrgbClr r="0" g="0" b="0"/>
-        </a:lnRef>
-        <a:fillRef idx="1">
-          <a:scrgbClr r="0" g="0" b="0"/>
-        </a:fillRef>
-        <a:effectRef idx="0">
-          <a:scrgbClr r="0" g="0" b="0"/>
-        </a:effectRef>
-        <a:fontRef idx="minor">
-          <a:schemeClr val="lt1"/>
-        </a:fontRef>
-      </dsp:style>
-      <dsp:txBody>
-        <a:bodyPr spcFirstLastPara="0" vert="horz" wrap="square" lIns="99060" tIns="99060" rIns="99060" bIns="99060" numCol="1" spcCol="1270" anchor="ctr" anchorCtr="0">
-          <a:noAutofit/>
-        </a:bodyPr>
-        <a:lstStyle/>
-        <a:p>
-          <a:pPr lvl="0" algn="ctr" defTabSz="1155700">
-            <a:lnSpc>
-              <a:spcPct val="90000"/>
-            </a:lnSpc>
-            <a:spcBef>
-              <a:spcPct val="0"/>
-            </a:spcBef>
-            <a:spcAft>
-              <a:spcPct val="35000"/>
-            </a:spcAft>
-          </a:pPr>
-          <a:r>
-            <a:rPr lang="en-GB" sz="2600" kern="1200" dirty="0" smtClean="0"/>
-            <a:t>Pure Functions</a:t>
-          </a:r>
-          <a:endParaRPr lang="en-GB" sz="2600" kern="1200" dirty="0"/>
-        </a:p>
-      </dsp:txBody>
-      <dsp:txXfrm>
-        <a:off x="2026603" y="390861"/>
-        <a:ext cx="2042793" cy="990578"/>
-      </dsp:txXfrm>
-    </dsp:sp>
-    <dsp:sp modelId="{BF744900-CDE5-4D5A-9709-AFA782F2725C}">
-      <dsp:nvSpPr>
-        <dsp:cNvPr id="0" name=""/>
-        <dsp:cNvSpPr/>
-      </dsp:nvSpPr>
-      <dsp:spPr>
-        <a:xfrm rot="3181267">
-          <a:off x="3351629" y="2027277"/>
-          <a:ext cx="1388526" cy="368275"/>
-        </a:xfrm>
-        <a:prstGeom prst="leftRightArrow">
-          <a:avLst>
-            <a:gd name="adj1" fmla="val 60000"/>
-            <a:gd name="adj2" fmla="val 50000"/>
-          </a:avLst>
-        </a:prstGeom>
-        <a:solidFill>
-          <a:srgbClr val="00B0F0"/>
-        </a:solidFill>
-        <a:ln>
-          <a:noFill/>
-        </a:ln>
-        <a:effectLst/>
-        <a:sp3d z="-52400" extrusionH="181000" contourW="38100" prstMaterial="matte">
-          <a:contourClr>
-            <a:schemeClr val="lt1"/>
-          </a:contourClr>
-        </a:sp3d>
-      </dsp:spPr>
-      <dsp:style>
-        <a:lnRef idx="0">
-          <a:scrgbClr r="0" g="0" b="0"/>
-        </a:lnRef>
-        <a:fillRef idx="1">
-          <a:scrgbClr r="0" g="0" b="0"/>
-        </a:fillRef>
-        <a:effectRef idx="0">
-          <a:scrgbClr r="0" g="0" b="0"/>
-        </a:effectRef>
-        <a:fontRef idx="minor">
-          <a:schemeClr val="lt1"/>
-        </a:fontRef>
-      </dsp:style>
-      <dsp:txBody>
-        <a:bodyPr spcFirstLastPara="0" vert="horz" wrap="square" lIns="0" tIns="0" rIns="0" bIns="0" numCol="1" spcCol="1270" anchor="ctr" anchorCtr="0">
-          <a:noAutofit/>
-        </a:bodyPr>
-        <a:lstStyle/>
-        <a:p>
-          <a:pPr lvl="0" algn="ctr" defTabSz="666750">
-            <a:lnSpc>
-              <a:spcPct val="90000"/>
-            </a:lnSpc>
-            <a:spcBef>
-              <a:spcPct val="0"/>
-            </a:spcBef>
-            <a:spcAft>
-              <a:spcPct val="35000"/>
-            </a:spcAft>
-          </a:pPr>
-          <a:endParaRPr lang="en-GB" sz="1500" kern="1200"/>
-        </a:p>
-      </dsp:txBody>
-      <dsp:txXfrm>
-        <a:off x="3462112" y="2100932"/>
-        <a:ext cx="1167561" cy="220965"/>
-      </dsp:txXfrm>
-    </dsp:sp>
-    <dsp:sp modelId="{7698213F-A1D5-44DE-B22F-355281BB4C2C}">
-      <dsp:nvSpPr>
-        <dsp:cNvPr id="0" name=""/>
-        <dsp:cNvSpPr/>
-      </dsp:nvSpPr>
-      <dsp:spPr>
-        <a:xfrm>
-          <a:off x="3991570" y="3010572"/>
-          <a:ext cx="2104429" cy="1052214"/>
-        </a:xfrm>
-        <a:prstGeom prst="roundRect">
-          <a:avLst>
-            <a:gd name="adj" fmla="val 10000"/>
-          </a:avLst>
-        </a:prstGeom>
-        <a:solidFill>
-          <a:srgbClr val="00B050"/>
-        </a:solidFill>
-        <a:ln>
-          <a:noFill/>
-        </a:ln>
-        <a:effectLst/>
-        <a:sp3d extrusionH="381000" contourW="38100" prstMaterial="matte">
-          <a:contourClr>
-            <a:schemeClr val="lt1"/>
-          </a:contourClr>
-        </a:sp3d>
-      </dsp:spPr>
-      <dsp:style>
-        <a:lnRef idx="0">
-          <a:scrgbClr r="0" g="0" b="0"/>
-        </a:lnRef>
-        <a:fillRef idx="1">
-          <a:scrgbClr r="0" g="0" b="0"/>
-        </a:fillRef>
-        <a:effectRef idx="0">
-          <a:scrgbClr r="0" g="0" b="0"/>
-        </a:effectRef>
-        <a:fontRef idx="minor">
-          <a:schemeClr val="lt1"/>
-        </a:fontRef>
-      </dsp:style>
-      <dsp:txBody>
-        <a:bodyPr spcFirstLastPara="0" vert="horz" wrap="square" lIns="99060" tIns="99060" rIns="99060" bIns="99060" numCol="1" spcCol="1270" anchor="ctr" anchorCtr="0">
-          <a:noAutofit/>
-        </a:bodyPr>
-        <a:lstStyle/>
-        <a:p>
-          <a:pPr lvl="0" algn="ctr" defTabSz="1155700">
-            <a:lnSpc>
-              <a:spcPct val="90000"/>
-            </a:lnSpc>
-            <a:spcBef>
-              <a:spcPct val="0"/>
-            </a:spcBef>
-            <a:spcAft>
-              <a:spcPct val="35000"/>
-            </a:spcAft>
-          </a:pPr>
-          <a:r>
-            <a:rPr lang="en-GB" sz="2600" kern="1200" dirty="0" smtClean="0"/>
-            <a:t>Immutability</a:t>
-          </a:r>
-          <a:endParaRPr lang="en-GB" sz="2600" kern="1200" dirty="0"/>
-        </a:p>
-      </dsp:txBody>
-      <dsp:txXfrm>
-        <a:off x="4022388" y="3041390"/>
-        <a:ext cx="2042793" cy="990578"/>
-      </dsp:txXfrm>
-    </dsp:sp>
-    <dsp:sp modelId="{0DD0BB7F-6B11-4693-AA9C-D4A2168B2D4B}">
-      <dsp:nvSpPr>
-        <dsp:cNvPr id="0" name=""/>
-        <dsp:cNvSpPr/>
-      </dsp:nvSpPr>
-      <dsp:spPr>
-        <a:xfrm rot="10799984">
-          <a:off x="2429477" y="3352550"/>
-          <a:ext cx="1388526" cy="368275"/>
-        </a:xfrm>
-        <a:prstGeom prst="leftRightArrow">
-          <a:avLst>
-            <a:gd name="adj1" fmla="val 60000"/>
-            <a:gd name="adj2" fmla="val 50000"/>
-          </a:avLst>
-        </a:prstGeom>
-        <a:solidFill>
-          <a:srgbClr val="00B050"/>
-        </a:solidFill>
-        <a:ln>
-          <a:noFill/>
-        </a:ln>
-        <a:effectLst/>
-        <a:sp3d z="-52400" extrusionH="181000" contourW="38100" prstMaterial="matte">
-          <a:contourClr>
-            <a:schemeClr val="lt1"/>
-          </a:contourClr>
-        </a:sp3d>
-      </dsp:spPr>
-      <dsp:style>
-        <a:lnRef idx="0">
-          <a:scrgbClr r="0" g="0" b="0"/>
-        </a:lnRef>
-        <a:fillRef idx="1">
-          <a:scrgbClr r="0" g="0" b="0"/>
-        </a:fillRef>
-        <a:effectRef idx="0">
-          <a:scrgbClr r="0" g="0" b="0"/>
-        </a:effectRef>
-        <a:fontRef idx="minor">
-          <a:schemeClr val="lt1"/>
-        </a:fontRef>
-      </dsp:style>
-      <dsp:txBody>
-        <a:bodyPr spcFirstLastPara="0" vert="horz" wrap="square" lIns="0" tIns="0" rIns="0" bIns="0" numCol="1" spcCol="1270" anchor="ctr" anchorCtr="0">
-          <a:noAutofit/>
-        </a:bodyPr>
-        <a:lstStyle/>
-        <a:p>
-          <a:pPr lvl="0" algn="ctr" defTabSz="666750">
-            <a:lnSpc>
-              <a:spcPct val="90000"/>
-            </a:lnSpc>
-            <a:spcBef>
-              <a:spcPct val="0"/>
-            </a:spcBef>
-            <a:spcAft>
-              <a:spcPct val="35000"/>
-            </a:spcAft>
-          </a:pPr>
-          <a:endParaRPr lang="en-GB" sz="1500" kern="1200"/>
-        </a:p>
-      </dsp:txBody>
-      <dsp:txXfrm rot="10800000">
-        <a:off x="2539959" y="3426205"/>
-        <a:ext cx="1167561" cy="220965"/>
-      </dsp:txXfrm>
-    </dsp:sp>
-    <dsp:sp modelId="{630B207D-9744-4681-AF68-329F4D5D414A}">
-      <dsp:nvSpPr>
-        <dsp:cNvPr id="0" name=""/>
-        <dsp:cNvSpPr/>
-      </dsp:nvSpPr>
-      <dsp:spPr>
-        <a:xfrm>
-          <a:off x="151481" y="3010589"/>
-          <a:ext cx="2104429" cy="1052214"/>
-        </a:xfrm>
-        <a:prstGeom prst="roundRect">
-          <a:avLst>
-            <a:gd name="adj" fmla="val 10000"/>
-          </a:avLst>
-        </a:prstGeom>
-        <a:solidFill>
-          <a:schemeClr val="accent6">
-            <a:lumMod val="75000"/>
-          </a:schemeClr>
-        </a:solidFill>
-        <a:ln>
-          <a:noFill/>
-        </a:ln>
-        <a:effectLst/>
-        <a:sp3d extrusionH="381000" contourW="38100" prstMaterial="matte">
-          <a:contourClr>
-            <a:schemeClr val="lt1"/>
-          </a:contourClr>
-        </a:sp3d>
-      </dsp:spPr>
-      <dsp:style>
-        <a:lnRef idx="0">
-          <a:scrgbClr r="0" g="0" b="0"/>
-        </a:lnRef>
-        <a:fillRef idx="1">
-          <a:scrgbClr r="0" g="0" b="0"/>
-        </a:fillRef>
-        <a:effectRef idx="0">
-          <a:scrgbClr r="0" g="0" b="0"/>
-        </a:effectRef>
-        <a:fontRef idx="minor">
-          <a:schemeClr val="lt1"/>
-        </a:fontRef>
-      </dsp:style>
-      <dsp:txBody>
-        <a:bodyPr spcFirstLastPara="0" vert="horz" wrap="square" lIns="99060" tIns="99060" rIns="99060" bIns="99060" numCol="1" spcCol="1270" anchor="ctr" anchorCtr="0">
-          <a:noAutofit/>
-        </a:bodyPr>
-        <a:lstStyle/>
-        <a:p>
-          <a:pPr lvl="0" algn="ctr" defTabSz="1155700">
-            <a:lnSpc>
-              <a:spcPct val="90000"/>
-            </a:lnSpc>
-            <a:spcBef>
-              <a:spcPct val="0"/>
-            </a:spcBef>
-            <a:spcAft>
-              <a:spcPct val="35000"/>
-            </a:spcAft>
-          </a:pPr>
-          <a:r>
-            <a:rPr lang="en-GB" sz="2600" kern="1200" dirty="0" smtClean="0"/>
-            <a:t>Higher-Order Functions</a:t>
-          </a:r>
-          <a:endParaRPr lang="en-GB" sz="2600" kern="1200" dirty="0"/>
-        </a:p>
-      </dsp:txBody>
-      <dsp:txXfrm>
-        <a:off x="182299" y="3041407"/>
-        <a:ext cx="2042793" cy="990578"/>
-      </dsp:txXfrm>
-    </dsp:sp>
-    <dsp:sp modelId="{394D58C0-A685-4129-AA54-53CBE01AB18B}">
-      <dsp:nvSpPr>
-        <dsp:cNvPr id="0" name=""/>
-        <dsp:cNvSpPr/>
-      </dsp:nvSpPr>
-      <dsp:spPr>
-        <a:xfrm rot="18289858">
-          <a:off x="1431584" y="2027286"/>
-          <a:ext cx="1388526" cy="368275"/>
-        </a:xfrm>
-        <a:prstGeom prst="leftRightArrow">
-          <a:avLst>
-            <a:gd name="adj1" fmla="val 60000"/>
-            <a:gd name="adj2" fmla="val 50000"/>
-          </a:avLst>
-        </a:prstGeom>
-        <a:solidFill>
-          <a:schemeClr val="accent6">
-            <a:lumMod val="75000"/>
-          </a:schemeClr>
-        </a:solidFill>
-        <a:ln>
-          <a:noFill/>
-        </a:ln>
-        <a:effectLst/>
-        <a:sp3d z="-52400" extrusionH="181000" contourW="38100" prstMaterial="matte">
-          <a:contourClr>
-            <a:schemeClr val="lt1"/>
-          </a:contourClr>
-        </a:sp3d>
-      </dsp:spPr>
-      <dsp:style>
-        <a:lnRef idx="0">
-          <a:scrgbClr r="0" g="0" b="0"/>
-        </a:lnRef>
-        <a:fillRef idx="1">
-          <a:scrgbClr r="0" g="0" b="0"/>
-        </a:fillRef>
-        <a:effectRef idx="0">
-          <a:scrgbClr r="0" g="0" b="0"/>
-        </a:effectRef>
-        <a:fontRef idx="minor">
-          <a:schemeClr val="lt1"/>
-        </a:fontRef>
-      </dsp:style>
-      <dsp:txBody>
-        <a:bodyPr spcFirstLastPara="0" vert="horz" wrap="square" lIns="0" tIns="0" rIns="0" bIns="0" numCol="1" spcCol="1270" anchor="ctr" anchorCtr="0">
-          <a:noAutofit/>
-        </a:bodyPr>
-        <a:lstStyle/>
-        <a:p>
-          <a:pPr lvl="0" algn="ctr" defTabSz="666750">
-            <a:lnSpc>
-              <a:spcPct val="90000"/>
-            </a:lnSpc>
-            <a:spcBef>
-              <a:spcPct val="0"/>
-            </a:spcBef>
-            <a:spcAft>
-              <a:spcPct val="35000"/>
-            </a:spcAft>
-          </a:pPr>
-          <a:endParaRPr lang="en-GB" sz="1500" kern="1200"/>
-        </a:p>
-      </dsp:txBody>
-      <dsp:txXfrm>
-        <a:off x="1542067" y="2100941"/>
-        <a:ext cx="1167561" cy="220965"/>
-      </dsp:txXfrm>
-    </dsp:sp>
   </dsp:spTree>
 </dsp:drawing>
 </file>
@@ -4018,7 +3597,7 @@
               <a:rPr lang="de-CH" smtClean="0"/>
               <a:t>Slide </a:t>
             </a:r>
-            <a:fld id="{21C1F861-4106-498D-B09C-D989E46852BB}" type="slidenum">
+            <a:fld id="{9D5E83EC-ED38-43AA-A543-3FF0C9D90BF3}" type="slidenum">
               <a:rPr smtClean="0"/>
               <a:pPr/>
               <a:t>‹#›</a:t>
@@ -4342,7 +3921,7 @@
               <a:rPr lang="de-CH" smtClean="0"/>
               <a:t>Slide </a:t>
             </a:r>
-            <a:fld id="{BA15F283-B3D2-4E17-A870-FBBCFBF1FD54}" type="slidenum">
+            <a:fld id="{3036F423-4AB9-431F-90CF-ABC5D1DF246C}" type="slidenum">
               <a:rPr smtClean="0"/>
               <a:pPr/>
               <a:t>‹#›</a:t>
@@ -4644,7 +4223,7 @@
               <a:rPr lang="de-CH" smtClean="0"/>
               <a:t>Slide </a:t>
             </a:r>
-            <a:fld id="{FE71C13A-9C70-46A9-9200-A1D9D36AA43A}" type="slidenum">
+            <a:fld id="{F72039CF-B119-43BC-A452-FC33E968047D}" type="slidenum">
               <a:rPr smtClean="0"/>
               <a:pPr/>
               <a:t>‹#›</a:t>
@@ -4976,7 +4555,7 @@
               <a:rPr lang="de-CH" smtClean="0"/>
               <a:t>Slide </a:t>
             </a:r>
-            <a:fld id="{D40EE6C1-7006-4E05-A624-2DCABA005D74}" type="slidenum">
+            <a:fld id="{806909EE-C883-4462-89F4-B42A312CA82A}" type="slidenum">
               <a:rPr smtClean="0"/>
               <a:pPr/>
               <a:t>‹#›</a:t>
@@ -5310,7 +4889,7 @@
               <a:rPr lang="de-CH" smtClean="0"/>
               <a:t>Slide </a:t>
             </a:r>
-            <a:fld id="{1AC1C831-782F-4480-A610-416A3ED42F01}" type="slidenum">
+            <a:fld id="{91FBC49D-B19B-462D-848E-2739AD9A6E61}" type="slidenum">
               <a:rPr smtClean="0"/>
               <a:pPr/>
               <a:t>‹#›</a:t>
@@ -5740,7 +5319,7 @@
               <a:rPr lang="de-CH" smtClean="0"/>
               <a:t>Slide </a:t>
             </a:r>
-            <a:fld id="{7ADA5D3E-5B96-4EE3-9516-424DD7382A1F}" type="slidenum">
+            <a:fld id="{E1ECF37E-3035-4E3F-927E-59BAB6C0754B}" type="slidenum">
               <a:rPr smtClean="0"/>
               <a:pPr/>
               <a:t>‹#›</a:t>
@@ -6458,7 +6037,7 @@
               <a:rPr lang="de-CH" smtClean="0"/>
               <a:t>Slide </a:t>
             </a:r>
-            <a:fld id="{A462019B-00D7-4A05-B9CC-D2DB6C29D057}" type="slidenum">
+            <a:fld id="{C84EAA4D-FC30-4814-BE80-0F489C69CA36}" type="slidenum">
               <a:rPr smtClean="0"/>
               <a:pPr/>
               <a:t>‹#›</a:t>
@@ -6764,7 +6343,7 @@
               <a:rPr lang="de-CH" smtClean="0"/>
               <a:t>Slide </a:t>
             </a:r>
-            <a:fld id="{FAB99FF4-8BD2-4219-BF19-B3BD0DF5325C}" type="slidenum">
+            <a:fld id="{3D39D2F5-B66D-46E5-81AC-01F8C52B1714}" type="slidenum">
               <a:rPr smtClean="0"/>
               <a:pPr/>
               <a:t>‹#›</a:t>
@@ -7291,7 +6870,7 @@
               <a:rPr lang="de-CH" smtClean="0"/>
               <a:t>Slide </a:t>
             </a:r>
-            <a:fld id="{BC5F90F5-F21D-4813-BF02-1130DABA1EBA}" type="slidenum">
+            <a:fld id="{657CF2A3-3781-4FAA-89BB-B4B79B5D57DA}" type="slidenum">
               <a:rPr smtClean="0"/>
               <a:pPr/>
               <a:t>‹#›</a:t>
@@ -7689,7 +7268,7 @@
               <a:rPr lang="de-CH" smtClean="0"/>
               <a:t>Slide </a:t>
             </a:r>
-            <a:fld id="{61BF4F47-FDF4-4095-A8CF-8AD23F12302B}" type="slidenum">
+            <a:fld id="{9F477143-B336-40B6-B7D4-CECBCD9B939D}" type="slidenum">
               <a:rPr smtClean="0"/>
               <a:pPr/>
               <a:t>‹#›</a:t>
@@ -7919,7 +7498,7 @@
               <a:rPr lang="de-CH" smtClean="0"/>
               <a:t>Slide </a:t>
             </a:r>
-            <a:fld id="{143EA16C-059E-48E2-8B33-9913902B6755}" type="slidenum">
+            <a:fld id="{1720C2D7-8FAD-4764-B91A-7315E2BF6B57}" type="slidenum">
               <a:rPr smtClean="0"/>
               <a:pPr/>
               <a:t>‹#›</a:t>
@@ -8197,7 +7776,7 @@
               <a:rPr lang="de-CH" smtClean="0"/>
               <a:t>Slide </a:t>
             </a:r>
-            <a:fld id="{347367A0-4E05-4AED-8819-6EFD7984867A}" type="slidenum">
+            <a:fld id="{5A103A73-3207-45CC-90F7-F98DD19CB8BC}" type="slidenum">
               <a:rPr smtClean="0"/>
               <a:pPr/>
               <a:t>‹#›</a:t>
@@ -8588,24 +8167,12 @@
               <a:t>Functional Design Patterns for OO </a:t>
             </a:r>
             <a:r>
-              <a:rPr lang="en-GB" dirty="0" err="1" smtClean="0"/>
-              <a:t>Practicioners</a:t>
+              <a:rPr lang="en-GB" dirty="0" smtClean="0"/>
+              <a:t>Practitioners</a:t>
             </a:r>
             <a:endParaRPr lang="en-GB" dirty="0"/>
           </a:p>
         </p:txBody>
-      </p:sp>
-      <p:sp>
-        <p:nvSpPr>
-          <p:cNvPr id="5" name="Picture Placeholder 4"/>
-          <p:cNvSpPr>
-            <a:spLocks noGrp="1"/>
-          </p:cNvSpPr>
-          <p:nvPr>
-            <p:ph type="pic" sz="quarter" idx="13"/>
-          </p:nvPr>
-        </p:nvSpPr>
-        <p:spPr/>
       </p:sp>
       <p:sp>
         <p:nvSpPr>
@@ -8672,7 +8239,7 @@
               <a:rPr lang="de-CH" smtClean="0"/>
               <a:t>Slide </a:t>
             </a:r>
-            <a:fld id="{C0D91BE5-71F6-4024-BF8B-3BF8299DE3B3}" type="slidenum">
+            <a:fld id="{0CE5A4CF-19CC-4172-B514-ED6C51E26584}" type="slidenum">
               <a:rPr lang="de-CH" smtClean="0"/>
               <a:t>1</a:t>
             </a:fld>
@@ -8684,6 +8251,29 @@
           </a:p>
         </p:txBody>
       </p:sp>
+      <p:pic>
+        <p:nvPicPr>
+          <p:cNvPr id="7" name="Picture 15" descr="http://upload.wikimedia.org/wikipedia/en/1/14/SpiralStairs,ArielRiosBldg.jpg"/>
+          <p:cNvPicPr>
+            <a:picLocks noGrp="1" noChangeAspect="1" noChangeArrowheads="1"/>
+          </p:cNvPicPr>
+          <p:nvPr>
+            <p:ph type="pic" sz="quarter" idx="13"/>
+          </p:nvPr>
+        </p:nvPicPr>
+        <p:blipFill rotWithShape="1">
+          <a:blip r:embed="rId3" cstate="print">
+            <a:extLst>
+              <a:ext uri="{28A0092B-C50C-407E-A947-70E740481C1C}">
+                <a14:useLocalDpi xmlns:a14="http://schemas.microsoft.com/office/drawing/2010/main" val="0"/>
+              </a:ext>
+            </a:extLst>
+          </a:blip>
+          <a:srcRect t="24842" b="24842"/>
+          <a:stretch/>
+        </p:blipFill>
+        <p:spPr/>
+      </p:pic>
     </p:spTree>
     <p:extLst>
       <p:ext uri="{BB962C8B-B14F-4D97-AF65-F5344CB8AC3E}">
@@ -8828,7 +8418,7 @@
               <a:rPr lang="de-CH" smtClean="0"/>
               <a:t>Slide </a:t>
             </a:r>
-            <a:fld id="{EA16C1A2-81DC-44E9-9EB7-195F266EA551}" type="slidenum">
+            <a:fld id="{BBC5C93D-8D01-411E-85BD-0ACA2F7E463D}" type="slidenum">
               <a:rPr lang="de-CH" smtClean="0"/>
               <a:t>10</a:t>
             </a:fld>
@@ -9467,7 +9057,7 @@
               <a:rPr lang="de-CH" smtClean="0"/>
               <a:t>Slide </a:t>
             </a:r>
-            <a:fld id="{C9A050F2-1FD8-4479-B1B1-371732CEE2BB}" type="slidenum">
+            <a:fld id="{8D541617-ED34-4EC1-B2D1-90CE4139E100}" type="slidenum">
               <a:rPr lang="de-CH" smtClean="0"/>
               <a:t>11</a:t>
             </a:fld>
@@ -9701,7 +9291,7 @@
               <a:rPr lang="de-CH" smtClean="0"/>
               <a:t>Slide </a:t>
             </a:r>
-            <a:fld id="{05BDE2ED-250A-4211-830A-0E527824D6E1}" type="slidenum">
+            <a:fld id="{311DA70B-6F5F-4B4E-B085-A57DE9E84793}" type="slidenum">
               <a:rPr lang="de-CH" smtClean="0"/>
               <a:t>12</a:t>
             </a:fld>
@@ -9916,7 +9506,7 @@
               <a:rPr lang="de-CH" smtClean="0"/>
               <a:t>Slide </a:t>
             </a:r>
-            <a:fld id="{D015E497-13D5-46E8-8BB3-822BD096B0A8}" type="slidenum">
+            <a:fld id="{6F76259B-9576-4ED8-837B-DE8DF9662A4A}" type="slidenum">
               <a:rPr lang="de-CH" smtClean="0"/>
               <a:t>13</a:t>
             </a:fld>
@@ -10177,7 +9767,7 @@
               <a:rPr lang="de-CH" smtClean="0"/>
               <a:t>Slide </a:t>
             </a:r>
-            <a:fld id="{9F648D0E-DFE9-4A17-977A-6AB6D3B96CE0}" type="slidenum">
+            <a:fld id="{8963D039-D6DC-4563-AB61-FFEE8C97616D}" type="slidenum">
               <a:rPr lang="de-CH" smtClean="0"/>
               <a:t>14</a:t>
             </a:fld>
@@ -10527,7 +10117,7 @@
               <a:rPr lang="de-CH" smtClean="0"/>
               <a:t>Slide </a:t>
             </a:r>
-            <a:fld id="{667557DB-B73F-4D3D-B378-56412C284EFB}" type="slidenum">
+            <a:fld id="{6DEBC8C2-77EA-432F-B57A-3EFD23489444}" type="slidenum">
               <a:rPr lang="de-CH" smtClean="0"/>
               <a:t>15</a:t>
             </a:fld>
@@ -10731,7 +10321,7 @@
               <a:rPr lang="de-CH" smtClean="0"/>
               <a:t>Slide </a:t>
             </a:r>
-            <a:fld id="{9D56E2F9-8FF2-4411-B777-E68F50301D48}" type="slidenum">
+            <a:fld id="{C497E27C-69E9-4E31-8958-BC2B5D28B5EE}" type="slidenum">
               <a:rPr lang="de-CH" smtClean="0"/>
               <a:t>16</a:t>
             </a:fld>
@@ -11137,7 +10727,7 @@
               <a:rPr lang="de-CH" smtClean="0"/>
               <a:t>Slide </a:t>
             </a:r>
-            <a:fld id="{91D1F67B-5603-4228-B763-42515028C7A1}" type="slidenum">
+            <a:fld id="{D0205D53-84C8-4E3D-9C89-A7982EF6EFE7}" type="slidenum">
               <a:rPr lang="de-CH" smtClean="0"/>
               <a:t>17</a:t>
             </a:fld>
@@ -13071,7 +12661,7 @@
               <a:rPr lang="de-CH" smtClean="0"/>
               <a:t>Slide </a:t>
             </a:r>
-            <a:fld id="{3EA92558-C07E-4EBA-9CB3-091BD14F14FF}" type="slidenum">
+            <a:fld id="{7A9FD644-06C4-496E-97C1-082A311F2861}" type="slidenum">
               <a:rPr lang="de-CH" smtClean="0"/>
               <a:t>18</a:t>
             </a:fld>
@@ -14777,7 +14367,7 @@
               <a:rPr lang="de-CH" smtClean="0"/>
               <a:t>Slide </a:t>
             </a:r>
-            <a:fld id="{5E2B1DCE-5075-4039-BF94-779155EA1757}" type="slidenum">
+            <a:fld id="{8A4FB7E7-7465-4D76-BA6B-37E147F5031C}" type="slidenum">
               <a:rPr lang="de-CH" smtClean="0"/>
               <a:t>19</a:t>
             </a:fld>
@@ -15176,7 +14766,7 @@
               <a:rPr lang="de-CH" smtClean="0"/>
               <a:t>Slide </a:t>
             </a:r>
-            <a:fld id="{8B991AF1-2215-4953-A59F-426618F65CD6}" type="slidenum">
+            <a:fld id="{E681FEB5-6593-4C61-8096-79D0E222CCAC}" type="slidenum">
               <a:rPr lang="de-CH" smtClean="0"/>
               <a:t>2</a:t>
             </a:fld>
@@ -17196,7 +16786,7 @@
               <a:rPr lang="de-CH" smtClean="0"/>
               <a:t>Slide </a:t>
             </a:r>
-            <a:fld id="{640CF677-696E-40C9-817B-8E21AB5CAE04}" type="slidenum">
+            <a:fld id="{0F55931F-1C6B-4D12-9E48-83A33C234C79}" type="slidenum">
               <a:rPr lang="de-CH" smtClean="0"/>
               <a:t>20</a:t>
             </a:fld>
@@ -18022,7 +17612,7 @@
               <a:rPr lang="de-CH" smtClean="0"/>
               <a:t>Slide </a:t>
             </a:r>
-            <a:fld id="{42BA5F72-15DD-4847-9285-E24C2E95980F}" type="slidenum">
+            <a:fld id="{5EF50095-CCE9-4339-BF42-FBE7F84614D5}" type="slidenum">
               <a:rPr lang="de-CH" smtClean="0"/>
               <a:t>21</a:t>
             </a:fld>
@@ -18435,7 +18025,7 @@
               <a:rPr lang="de-CH" smtClean="0"/>
               <a:t>Slide </a:t>
             </a:r>
-            <a:fld id="{4093EC64-6984-42BF-9624-99B51C7DB0A8}" type="slidenum">
+            <a:fld id="{000EEECE-C2D6-4EF5-89E3-79FCF2CFBE20}" type="slidenum">
               <a:rPr lang="de-CH" smtClean="0"/>
               <a:t>22</a:t>
             </a:fld>
@@ -19995,7 +19585,7 @@
               <a:rPr lang="de-CH" smtClean="0"/>
               <a:t>Slide </a:t>
             </a:r>
-            <a:fld id="{4BB0FDB4-6130-45E8-AC55-E9A7B5468848}" type="slidenum">
+            <a:fld id="{4FE21380-CFD8-4EA7-A1CF-B2DE3D8EE177}" type="slidenum">
               <a:rPr lang="de-CH" smtClean="0"/>
               <a:t>23</a:t>
             </a:fld>
@@ -20589,7 +20179,7 @@
               <a:rPr lang="de-CH" smtClean="0"/>
               <a:t>Slide </a:t>
             </a:r>
-            <a:fld id="{5B6B9F81-7C89-4C89-BF22-B3F47D99E157}" type="slidenum">
+            <a:fld id="{5D8382FC-79A4-4AB2-A435-E5A541C7D4E8}" type="slidenum">
               <a:rPr lang="de-CH" smtClean="0"/>
               <a:t>24</a:t>
             </a:fld>
@@ -21659,7 +21249,7 @@
               <a:rPr lang="de-CH" smtClean="0"/>
               <a:t>Slide </a:t>
             </a:r>
-            <a:fld id="{A82FF70A-B849-499D-90AF-B1722D301B4A}" type="slidenum">
+            <a:fld id="{359EAF0B-C7AA-4FF8-A635-165A6E486001}" type="slidenum">
               <a:rPr lang="de-CH" smtClean="0"/>
               <a:t>25</a:t>
             </a:fld>
@@ -23495,7 +23085,7 @@
               <a:rPr lang="de-CH" smtClean="0"/>
               <a:t>Slide </a:t>
             </a:r>
-            <a:fld id="{91FBA15C-D714-4185-BB93-69F424381ABF}" type="slidenum">
+            <a:fld id="{E9F6CB13-7250-4A60-B0C1-E844E7DB64C7}" type="slidenum">
               <a:rPr lang="de-CH" smtClean="0"/>
               <a:t>26</a:t>
             </a:fld>
@@ -23991,7 +23581,7 @@
               <a:rPr lang="de-CH" smtClean="0"/>
               <a:t>Slide </a:t>
             </a:r>
-            <a:fld id="{8E560011-70EC-4C5C-8004-DD913C56FEE8}" type="slidenum">
+            <a:fld id="{3C37182D-EBE2-4051-84F1-457E36E112B8}" type="slidenum">
               <a:rPr lang="de-CH" smtClean="0"/>
               <a:t>27</a:t>
             </a:fld>
@@ -25563,7 +25153,7 @@
               <a:rPr lang="de-CH" smtClean="0"/>
               <a:t>Slide </a:t>
             </a:r>
-            <a:fld id="{5F495CA5-575E-4B72-AC84-7916ECDE657F}" type="slidenum">
+            <a:fld id="{927CD952-C16F-4507-A80E-D8AC5D8F2136}" type="slidenum">
               <a:rPr lang="de-CH" smtClean="0"/>
               <a:t>28</a:t>
             </a:fld>
@@ -27119,7 +26709,7 @@
               <a:rPr lang="de-CH" smtClean="0"/>
               <a:t>Slide </a:t>
             </a:r>
-            <a:fld id="{64DE4727-FDE6-447D-A082-DC48AE257680}" type="slidenum">
+            <a:fld id="{BD36AE2D-1268-4ED0-B54B-6E663180FCB7}" type="slidenum">
               <a:rPr lang="de-CH" smtClean="0"/>
               <a:t>29</a:t>
             </a:fld>
@@ -27371,7 +26961,7 @@
               <a:rPr lang="de-CH" smtClean="0"/>
               <a:t>Slide </a:t>
             </a:r>
-            <a:fld id="{3547ED0C-C57C-49AB-89F6-426B76214858}" type="slidenum">
+            <a:fld id="{E0F36412-6BDB-4C7B-9129-B22E5274EECD}" type="slidenum">
               <a:rPr lang="de-CH" smtClean="0"/>
               <a:t>3</a:t>
             </a:fld>
@@ -28332,7 +27922,7 @@
               <a:rPr lang="de-CH" smtClean="0"/>
               <a:t>Slide </a:t>
             </a:r>
-            <a:fld id="{CE1BA00F-6C13-4677-ACD8-1F2ED07E0A87}" type="slidenum">
+            <a:fld id="{0E0C366E-0974-4CA1-BC7B-F3C3FE8E5D12}" type="slidenum">
               <a:rPr lang="de-CH" smtClean="0"/>
               <a:t>30</a:t>
             </a:fld>
@@ -28764,7 +28354,7 @@
               <a:rPr lang="de-CH" smtClean="0"/>
               <a:t>Slide </a:t>
             </a:r>
-            <a:fld id="{47D84A14-52D1-47E4-B74B-5F2F92F48F5F}" type="slidenum">
+            <a:fld id="{9D989418-EB43-49BF-B744-71EAB6E41057}" type="slidenum">
               <a:rPr lang="de-CH" smtClean="0"/>
               <a:t>31</a:t>
             </a:fld>
@@ -29088,7 +28678,7 @@
               <a:rPr lang="de-CH" smtClean="0"/>
               <a:t>Slide </a:t>
             </a:r>
-            <a:fld id="{64B248A4-56D3-439E-A840-8DE728065B8D}" type="slidenum">
+            <a:fld id="{431D476B-AB37-4193-9631-33A0E96164B1}" type="slidenum">
               <a:rPr lang="de-CH" smtClean="0"/>
               <a:t>32</a:t>
             </a:fld>
@@ -29280,7 +28870,7 @@
               <a:rPr lang="de-CH" smtClean="0"/>
               <a:t>Slide </a:t>
             </a:r>
-            <a:fld id="{406AB17F-EBB4-4798-9D6D-B27CAF8078E5}" type="slidenum">
+            <a:fld id="{3E32FD09-498E-448D-A1D6-93C5E699FE22}" type="slidenum">
               <a:rPr lang="de-CH" smtClean="0"/>
               <a:t>33</a:t>
             </a:fld>
@@ -29555,7 +29145,7 @@
               <a:rPr lang="de-CH" smtClean="0"/>
               <a:t>Slide </a:t>
             </a:r>
-            <a:fld id="{A6323A85-2F9A-4FC6-9D8A-3834F67D14DE}" type="slidenum">
+            <a:fld id="{454C6B73-15B0-4828-BEE7-4E6350D32700}" type="slidenum">
               <a:rPr lang="de-CH" smtClean="0"/>
               <a:t>34</a:t>
             </a:fld>
@@ -29711,7 +29301,7 @@
               <a:rPr lang="de-CH" smtClean="0"/>
               <a:t>Slide </a:t>
             </a:r>
-            <a:fld id="{2D078C67-222A-4E45-A716-B530D290A8D3}" type="slidenum">
+            <a:fld id="{0E2004E8-FD55-45C4-8471-50F44DCCCD8E}" type="slidenum">
               <a:rPr lang="de-CH" smtClean="0"/>
               <a:t>35</a:t>
             </a:fld>
@@ -30875,7 +30465,7 @@
               <a:rPr lang="de-CH" smtClean="0"/>
               <a:t>Slide </a:t>
             </a:r>
-            <a:fld id="{702CBB4A-A9F8-4258-A5E4-42533BF0EA83}" type="slidenum">
+            <a:fld id="{11737FF3-A486-4517-A654-76BE4A99DEC0}" type="slidenum">
               <a:rPr lang="de-CH" smtClean="0"/>
               <a:t>36</a:t>
             </a:fld>
@@ -31554,7 +31144,7 @@
               <a:rPr lang="de-CH" smtClean="0"/>
               <a:t>Slide </a:t>
             </a:r>
-            <a:fld id="{1A0C4802-F2FB-4054-BC35-2C21B2FAF831}" type="slidenum">
+            <a:fld id="{CC46D4F8-B75A-4B47-943A-D5AA1CDFA8CB}" type="slidenum">
               <a:rPr lang="de-CH" smtClean="0"/>
               <a:t>37</a:t>
             </a:fld>
@@ -32635,7 +32225,7 @@
               <a:rPr lang="de-CH" smtClean="0"/>
               <a:t>Slide </a:t>
             </a:r>
-            <a:fld id="{61616E89-24FF-427F-AA3E-893155C0FFD8}" type="slidenum">
+            <a:fld id="{301E0F43-03DD-4192-840A-A4D96FA2CC3E}" type="slidenum">
               <a:rPr lang="de-CH" smtClean="0"/>
               <a:t>38</a:t>
             </a:fld>
@@ -33451,7 +33041,7 @@
               <a:rPr lang="de-CH" smtClean="0"/>
               <a:t>Slide </a:t>
             </a:r>
-            <a:fld id="{5ED7101B-67FB-4263-858F-7AEAD0922BBC}" type="slidenum">
+            <a:fld id="{832A7486-A5C1-4041-BE31-0446A618AF32}" type="slidenum">
               <a:rPr lang="de-CH" smtClean="0"/>
               <a:t>39</a:t>
             </a:fld>
@@ -35067,7 +34657,7 @@
               <a:rPr lang="de-CH" smtClean="0"/>
               <a:t>Slide </a:t>
             </a:r>
-            <a:fld id="{BDA54399-573C-4AF9-831F-F7DD476E9E76}" type="slidenum">
+            <a:fld id="{53975AF2-BA2B-4DB9-A4AC-332FED5716C5}" type="slidenum">
               <a:rPr lang="de-CH" smtClean="0"/>
               <a:t>4</a:t>
             </a:fld>
@@ -36010,7 +35600,7 @@
               <a:rPr lang="de-CH" smtClean="0"/>
               <a:t>Slide </a:t>
             </a:r>
-            <a:fld id="{BCBDAC83-E626-4410-B10D-D5C0CE034A25}" type="slidenum">
+            <a:fld id="{1FB03E91-27FA-48FD-9701-876C9E124AD1}" type="slidenum">
               <a:rPr lang="de-CH" smtClean="0"/>
               <a:t>40</a:t>
             </a:fld>
@@ -36537,7 +36127,7 @@
               <a:rPr lang="de-CH" smtClean="0"/>
               <a:t>Slide </a:t>
             </a:r>
-            <a:fld id="{38040F36-D180-400C-B4F8-D07F1061B495}" type="slidenum">
+            <a:fld id="{07620159-B57D-4AB8-AEE3-9EB06F7FE652}" type="slidenum">
               <a:rPr lang="de-CH" smtClean="0"/>
               <a:t>41</a:t>
             </a:fld>
@@ -36753,7 +36343,7 @@
               <a:rPr lang="de-CH" smtClean="0"/>
               <a:t>Slide </a:t>
             </a:r>
-            <a:fld id="{59C2FE63-81CE-4202-9035-CEA7FF54B2B0}" type="slidenum">
+            <a:fld id="{B5B792EE-1B6F-41AA-88BB-3FA36C090826}" type="slidenum">
               <a:rPr lang="de-CH" smtClean="0"/>
               <a:t>42</a:t>
             </a:fld>
@@ -36902,7 +36492,7 @@
               <a:rPr lang="de-CH" smtClean="0"/>
               <a:t>Slide </a:t>
             </a:r>
-            <a:fld id="{E233D571-45EF-44A5-9D76-668B5042543B}" type="slidenum">
+            <a:fld id="{F1D4FDEA-C0A3-4C60-8C00-6569E5CE2848}" type="slidenum">
               <a:rPr lang="de-CH" smtClean="0"/>
               <a:t>43</a:t>
             </a:fld>
@@ -37426,7 +37016,7 @@
               <a:rPr lang="de-CH" smtClean="0"/>
               <a:t>Slide </a:t>
             </a:r>
-            <a:fld id="{4047F0DB-9E39-4FFA-BAF2-E7296A7FBDC0}" type="slidenum">
+            <a:fld id="{06ED5453-9F74-4C53-BD98-3DA7C6773C3D}" type="slidenum">
               <a:rPr lang="de-CH" smtClean="0"/>
               <a:t>44</a:t>
             </a:fld>
@@ -37665,7 +37255,7 @@
               <a:rPr lang="de-CH" smtClean="0"/>
               <a:t>Slide </a:t>
             </a:r>
-            <a:fld id="{3F923887-5B61-4115-9829-616AFB329DE2}" type="slidenum">
+            <a:fld id="{80365DAD-C174-4348-8E8F-17412DAA8CDD}" type="slidenum">
               <a:rPr lang="de-CH" smtClean="0"/>
               <a:t>45</a:t>
             </a:fld>
@@ -37899,7 +37489,7 @@
               <a:rPr lang="de-CH" smtClean="0"/>
               <a:t>Slide </a:t>
             </a:r>
-            <a:fld id="{42115482-F811-4BC0-8E24-339377E2A1BF}" type="slidenum">
+            <a:fld id="{41599FA1-5DB9-4C2D-8699-1F406D4626FE}" type="slidenum">
               <a:rPr lang="de-CH" smtClean="0"/>
               <a:t>5</a:t>
             </a:fld>
@@ -38179,7 +37769,7 @@
               <a:rPr lang="de-CH" smtClean="0"/>
               <a:t>Slide </a:t>
             </a:r>
-            <a:fld id="{FBC9E239-F25C-4297-85FC-D6778F503A2E}" type="slidenum">
+            <a:fld id="{C539BE46-CAC2-4CE0-9BDD-0C3821797F39}" type="slidenum">
               <a:rPr lang="de-CH" smtClean="0"/>
               <a:t>6</a:t>
             </a:fld>
@@ -38371,7 +37961,7 @@
               <a:rPr lang="de-CH" smtClean="0"/>
               <a:t>Slide </a:t>
             </a:r>
-            <a:fld id="{D4745933-C77E-40D8-80C0-264430929946}" type="slidenum">
+            <a:fld id="{7178ABD1-E99D-467B-81F1-7F47389876DC}" type="slidenum">
               <a:rPr lang="de-CH" smtClean="0"/>
               <a:t>7</a:t>
             </a:fld>
@@ -38500,7 +38090,6 @@
               <a:rPr lang="en-GB" dirty="0" smtClean="0"/>
               <a:t>Definition: Pure Functions</a:t>
             </a:r>
-            <a:endParaRPr lang="en-GB" dirty="0" smtClean="0"/>
           </a:p>
           <a:p>
             <a:pPr marL="342900" indent="-342900">
@@ -38624,7 +38213,7 @@
               <a:rPr lang="de-CH" smtClean="0"/>
               <a:t>Slide </a:t>
             </a:r>
-            <a:fld id="{7EFF3FA4-C2E0-4C88-81C3-444C62F510B6}" type="slidenum">
+            <a:fld id="{2E9D5C75-AC18-4C72-AC16-2FFB5A108AEE}" type="slidenum">
               <a:rPr lang="de-CH" smtClean="0"/>
               <a:t>8</a:t>
             </a:fld>
@@ -38803,7 +38392,7 @@
               <a:rPr lang="de-CH" smtClean="0"/>
               <a:t>Slide </a:t>
             </a:r>
-            <a:fld id="{E3F81DC9-F3B4-4958-90D0-F8852A204782}" type="slidenum">
+            <a:fld id="{41EFEE45-9D56-4C4C-801F-8B19325791D1}" type="slidenum">
               <a:rPr lang="de-CH" smtClean="0"/>
               <a:t>9</a:t>
             </a:fld>
